--- a/H2 database.pptx
+++ b/H2 database.pptx
@@ -5,7 +5,7 @@
     <p:sldMasterId id="2147483720" r:id="rId1"/>
   </p:sldMasterIdLst>
   <p:notesMasterIdLst>
-    <p:notesMasterId r:id="rId67"/>
+    <p:notesMasterId r:id="rId69"/>
   </p:notesMasterIdLst>
   <p:sldIdLst>
     <p:sldId id="257" r:id="rId2"/>
@@ -56,23 +56,25 @@
     <p:sldId id="1059" r:id="rId47"/>
     <p:sldId id="1060" r:id="rId48"/>
     <p:sldId id="1418" r:id="rId49"/>
-    <p:sldId id="1474" r:id="rId50"/>
-    <p:sldId id="1475" r:id="rId51"/>
-    <p:sldId id="1476" r:id="rId52"/>
-    <p:sldId id="1477" r:id="rId53"/>
-    <p:sldId id="1478" r:id="rId54"/>
-    <p:sldId id="1479" r:id="rId55"/>
-    <p:sldId id="1481" r:id="rId56"/>
-    <p:sldId id="625" r:id="rId57"/>
-    <p:sldId id="1150" r:id="rId58"/>
-    <p:sldId id="1535" r:id="rId59"/>
-    <p:sldId id="1536" r:id="rId60"/>
-    <p:sldId id="1532" r:id="rId61"/>
-    <p:sldId id="1533" r:id="rId62"/>
-    <p:sldId id="1534" r:id="rId63"/>
-    <p:sldId id="1152" r:id="rId64"/>
-    <p:sldId id="1153" r:id="rId65"/>
-    <p:sldId id="788" r:id="rId66"/>
+    <p:sldId id="576" r:id="rId50"/>
+    <p:sldId id="577" r:id="rId51"/>
+    <p:sldId id="1474" r:id="rId52"/>
+    <p:sldId id="1475" r:id="rId53"/>
+    <p:sldId id="1476" r:id="rId54"/>
+    <p:sldId id="1477" r:id="rId55"/>
+    <p:sldId id="1478" r:id="rId56"/>
+    <p:sldId id="1479" r:id="rId57"/>
+    <p:sldId id="1481" r:id="rId58"/>
+    <p:sldId id="625" r:id="rId59"/>
+    <p:sldId id="1150" r:id="rId60"/>
+    <p:sldId id="1535" r:id="rId61"/>
+    <p:sldId id="1536" r:id="rId62"/>
+    <p:sldId id="1532" r:id="rId63"/>
+    <p:sldId id="1533" r:id="rId64"/>
+    <p:sldId id="1534" r:id="rId65"/>
+    <p:sldId id="1152" r:id="rId66"/>
+    <p:sldId id="1153" r:id="rId67"/>
+    <p:sldId id="788" r:id="rId68"/>
   </p:sldIdLst>
   <p:sldSz cx="12192000" cy="6858000"/>
   <p:notesSz cx="6858000" cy="9144000"/>
@@ -5577,7 +5579,7 @@
         <p:spPr>
           <a:xfrm>
             <a:off x="407368" y="1556793"/>
-            <a:ext cx="11017224" cy="2862322"/>
+            <a:ext cx="11017224" cy="4204356"/>
           </a:xfrm>
           <a:prstGeom prst="rect">
             <a:avLst/>
@@ -5590,6 +5592,9 @@
           <a:lstStyle/>
           <a:p>
             <a:pPr marL="285750" indent="-285750">
+              <a:lnSpc>
+                <a:spcPct val="150000"/>
+              </a:lnSpc>
               <a:buFont typeface="Arial" panose="020B0604020202020204" pitchFamily="34" charset="0"/>
               <a:buChar char="•"/>
             </a:pPr>
@@ -5679,6 +5684,9 @@
           </a:p>
           <a:p>
             <a:pPr marL="285750" indent="-285750">
+              <a:lnSpc>
+                <a:spcPct val="150000"/>
+              </a:lnSpc>
               <a:buFont typeface="Arial" panose="020B0604020202020204" pitchFamily="34" charset="0"/>
               <a:buChar char="•"/>
             </a:pPr>
@@ -5768,6 +5776,9 @@
           </a:p>
           <a:p>
             <a:pPr marL="285750" indent="-285750">
+              <a:lnSpc>
+                <a:spcPct val="150000"/>
+              </a:lnSpc>
               <a:buFont typeface="Arial" panose="020B0604020202020204" pitchFamily="34" charset="0"/>
               <a:buChar char="•"/>
             </a:pPr>
@@ -5841,6 +5852,9 @@
           </a:p>
           <a:p>
             <a:pPr marL="285750" indent="-285750">
+              <a:lnSpc>
+                <a:spcPct val="150000"/>
+              </a:lnSpc>
               <a:buFont typeface="Arial" panose="020B0604020202020204" pitchFamily="34" charset="0"/>
               <a:buChar char="•"/>
             </a:pPr>
@@ -5914,6 +5928,9 @@
           </a:p>
           <a:p>
             <a:pPr marL="285750" indent="-285750">
+              <a:lnSpc>
+                <a:spcPct val="150000"/>
+              </a:lnSpc>
               <a:buFont typeface="Arial" panose="020B0604020202020204" pitchFamily="34" charset="0"/>
               <a:buChar char="•"/>
             </a:pPr>
@@ -5987,6 +6004,9 @@
           </a:p>
           <a:p>
             <a:pPr marL="285750" indent="-285750">
+              <a:lnSpc>
+                <a:spcPct val="150000"/>
+              </a:lnSpc>
               <a:buFont typeface="Arial" panose="020B0604020202020204" pitchFamily="34" charset="0"/>
               <a:buChar char="•"/>
             </a:pPr>
@@ -6060,6 +6080,9 @@
           </a:p>
           <a:p>
             <a:pPr marL="285750" indent="-285750">
+              <a:lnSpc>
+                <a:spcPct val="150000"/>
+              </a:lnSpc>
               <a:buFont typeface="Arial" panose="020B0604020202020204" pitchFamily="34" charset="0"/>
               <a:buChar char="•"/>
             </a:pPr>
@@ -6149,6 +6172,9 @@
           </a:p>
           <a:p>
             <a:pPr marL="285750" indent="-285750">
+              <a:lnSpc>
+                <a:spcPct val="150000"/>
+              </a:lnSpc>
               <a:buFont typeface="Arial" panose="020B0604020202020204" pitchFamily="34" charset="0"/>
               <a:buChar char="•"/>
             </a:pPr>
@@ -6238,6 +6264,9 @@
           </a:p>
           <a:p>
             <a:pPr marL="285750" indent="-285750">
+              <a:lnSpc>
+                <a:spcPct val="150000"/>
+              </a:lnSpc>
               <a:buFont typeface="Arial" panose="020B0604020202020204" pitchFamily="34" charset="0"/>
               <a:buChar char="•"/>
             </a:pPr>
@@ -6327,6 +6356,9 @@
           </a:p>
           <a:p>
             <a:pPr marL="285750" indent="-285750">
+              <a:lnSpc>
+                <a:spcPct val="150000"/>
+              </a:lnSpc>
               <a:buFont typeface="Arial" panose="020B0604020202020204" pitchFamily="34" charset="0"/>
               <a:buChar char="•"/>
             </a:pPr>
@@ -12109,12 +12141,9 @@
             <a:r>
               <a:rPr lang="en-US" dirty="0">
                 <a:solidFill>
-                  <a:schemeClr val="accent5">
-                    <a:lumMod val="75000"/>
-                  </a:schemeClr>
-                </a:solidFill>
-                <a:latin typeface="Liberation Mono"/>
-                <a:cs typeface="Arial" panose="020B0604020202020204" pitchFamily="34" charset="0"/>
+                  <a:srgbClr val="A67F59"/>
+                </a:solidFill>
+                <a:latin typeface="Liberation Mono"/>
               </a:rPr>
               <a:t>*</a:t>
             </a:r>
@@ -12234,16 +12263,21 @@
               <a:t>The invisible column will not be displayed as a result of SELECT </a:t>
             </a:r>
             <a:r>
-              <a:rPr lang="en-IN">
+              <a:rPr lang="en-IN" dirty="0">
+                <a:solidFill>
+                  <a:srgbClr val="A67F59"/>
+                </a:solidFill>
+                <a:latin typeface="Liberation Mono"/>
+              </a:rPr>
+              <a:t>*</a:t>
+            </a:r>
+            <a:r>
+              <a:rPr lang="en-IN" dirty="0">
                 <a:latin typeface="Arial" panose="020B0604020202020204" pitchFamily="34" charset="0"/>
                 <a:cs typeface="Arial" panose="020B0604020202020204" pitchFamily="34" charset="0"/>
               </a:rPr>
-              <a:t>* query.</a:t>
-            </a:r>
-            <a:endParaRPr lang="en-IN" dirty="0">
-              <a:latin typeface="Arial" panose="020B0604020202020204" pitchFamily="34" charset="0"/>
-              <a:cs typeface="Arial" panose="020B0604020202020204" pitchFamily="34" charset="0"/>
-            </a:endParaRPr>
+              <a:t> query.</a:t>
+            </a:r>
           </a:p>
         </p:txBody>
       </p:sp>
@@ -20670,9 +20704,7 @@
             <a:r>
               <a:rPr lang="en-IN" dirty="0">
                 <a:solidFill>
-                  <a:schemeClr val="accent4">
-                    <a:lumMod val="50000"/>
-                  </a:schemeClr>
+                  <a:srgbClr val="A67F59"/>
                 </a:solidFill>
                 <a:latin typeface="Liberation Mono"/>
               </a:rPr>
@@ -26222,12 +26254,9 @@
             <a:r>
               <a:rPr lang="en-US" dirty="0">
                 <a:solidFill>
-                  <a:schemeClr val="accent5">
-                    <a:lumMod val="75000"/>
-                  </a:schemeClr>
-                </a:solidFill>
-                <a:latin typeface="Liberation Mono"/>
-                <a:cs typeface="Arial" panose="020B0604020202020204" pitchFamily="34" charset="0"/>
+                  <a:srgbClr val="A67F59"/>
+                </a:solidFill>
+                <a:latin typeface="Liberation Mono"/>
               </a:rPr>
               <a:t>*</a:t>
             </a:r>
@@ -26360,12 +26389,9 @@
             <a:r>
               <a:rPr lang="en-US" dirty="0">
                 <a:solidFill>
-                  <a:schemeClr val="accent5">
-                    <a:lumMod val="75000"/>
-                  </a:schemeClr>
-                </a:solidFill>
-                <a:latin typeface="Liberation Mono"/>
-                <a:cs typeface="Arial" panose="020B0604020202020204" pitchFamily="34" charset="0"/>
+                  <a:srgbClr val="A67F59"/>
+                </a:solidFill>
+                <a:latin typeface="Liberation Mono"/>
               </a:rPr>
               <a:t>*</a:t>
             </a:r>
@@ -30451,7 +30477,7 @@
                 <a:latin typeface="Segoe UI Light" panose="020B0502040204020203" pitchFamily="34" charset="0"/>
                 <a:cs typeface="Segoe UI Light" panose="020B0502040204020203" pitchFamily="34" charset="0"/>
               </a:rPr>
-              <a:t>SELECT statement…</a:t>
+              <a:t>user-defined variables</a:t>
             </a:r>
           </a:p>
         </p:txBody>
@@ -30461,7 +30487,7 @@
           <p:cNvPr id="3" name="Rectangle 2">
             <a:extLst>
               <a:ext uri="{FF2B5EF4-FFF2-40B4-BE49-F238E27FC236}">
-                <a16:creationId xmlns:a16="http://schemas.microsoft.com/office/drawing/2014/main" id="{182BD460-8174-48F8-A62D-CBA117B614A0}"/>
+                <a16:creationId xmlns:a16="http://schemas.microsoft.com/office/drawing/2014/main" id="{BD9C869C-0047-D329-85E0-898F29F2C488}"/>
               </a:ext>
             </a:extLst>
           </p:cNvPr>
@@ -30470,12 +30496,15 @@
         </p:nvSpPr>
         <p:spPr>
           <a:xfrm>
-            <a:off x="3611724" y="3429001"/>
-            <a:ext cx="4968552" cy="1384995"/>
+            <a:off x="303539" y="3124200"/>
+            <a:ext cx="11584921" cy="736805"/>
           </a:xfrm>
           <a:prstGeom prst="rect">
             <a:avLst/>
           </a:prstGeom>
+          <a:solidFill>
+            <a:schemeClr val="bg1"/>
+          </a:solidFill>
         </p:spPr>
         <p:txBody>
           <a:bodyPr wrap="square">
@@ -30483,165 +30512,28 @@
           </a:bodyPr>
           <a:lstStyle/>
           <a:p>
-            <a:r>
-              <a:rPr lang="en-IN" sz="2800" dirty="0">
-                <a:solidFill>
-                  <a:srgbClr val="006C86"/>
-                </a:solidFill>
-              </a:rPr>
-              <a:t>SELECT</a:t>
-            </a:r>
-            <a:r>
-              <a:rPr lang="en-IN" sz="2800" dirty="0"/>
-              <a:t> what_to_select</a:t>
-            </a:r>
-          </a:p>
-          <a:p>
-            <a:r>
-              <a:rPr lang="en-IN" sz="2800" dirty="0">
-                <a:solidFill>
-                  <a:srgbClr val="006C86"/>
-                </a:solidFill>
-              </a:rPr>
-              <a:t>FROM</a:t>
-            </a:r>
-            <a:r>
-              <a:rPr lang="en-IN" sz="2800" dirty="0"/>
-              <a:t> which_table</a:t>
-            </a:r>
-          </a:p>
-          <a:p>
-            <a:r>
-              <a:rPr lang="en-IN" sz="2800" dirty="0">
-                <a:solidFill>
-                  <a:srgbClr val="006C86"/>
-                </a:solidFill>
-              </a:rPr>
-              <a:t>WHERE</a:t>
-            </a:r>
-            <a:r>
-              <a:rPr lang="en-IN" sz="2800" dirty="0"/>
-              <a:t> conditions_to_satisfy;</a:t>
-            </a:r>
-          </a:p>
-        </p:txBody>
-      </p:sp>
-      <p:sp>
-        <p:nvSpPr>
-          <p:cNvPr id="4" name="TextBox 3">
-            <a:extLst>
-              <a:ext uri="{FF2B5EF4-FFF2-40B4-BE49-F238E27FC236}">
-                <a16:creationId xmlns:a16="http://schemas.microsoft.com/office/drawing/2014/main" id="{FFBDA488-7135-4F08-8A1C-9B262D68AA94}"/>
-              </a:ext>
-            </a:extLst>
-          </p:cNvPr>
-          <p:cNvSpPr txBox="1"/>
-          <p:nvPr/>
-        </p:nvSpPr>
-        <p:spPr>
-          <a:xfrm>
-            <a:off x="263352" y="332656"/>
-            <a:ext cx="11593288" cy="1107996"/>
-          </a:xfrm>
-          <a:prstGeom prst="rect">
-            <a:avLst/>
-          </a:prstGeom>
-          <a:noFill/>
-        </p:spPr>
-        <p:txBody>
-          <a:bodyPr wrap="square">
-            <a:spAutoFit/>
-          </a:bodyPr>
-          <a:lstStyle/>
-          <a:p>
-            <a:r>
-              <a:rPr lang="en-IN" dirty="0">
-                <a:latin typeface="Arial" panose="020B0604020202020204" pitchFamily="34" charset="0"/>
-                <a:cs typeface="Arial" panose="020B0604020202020204" pitchFamily="34" charset="0"/>
-              </a:rPr>
-              <a:t>Do not use the</a:t>
-            </a:r>
-            <a:r>
-              <a:rPr lang="en-IN" dirty="0">
-                <a:solidFill>
-                  <a:srgbClr val="FF0000"/>
-                </a:solidFill>
-                <a:latin typeface="Arial" panose="020B0604020202020204" pitchFamily="34" charset="0"/>
-                <a:cs typeface="Arial" panose="020B0604020202020204" pitchFamily="34" charset="0"/>
-              </a:rPr>
-              <a:t> </a:t>
-            </a:r>
-            <a:r>
-              <a:rPr lang="en-IN" sz="2400" b="1" dirty="0">
-                <a:solidFill>
-                  <a:srgbClr val="FF0000"/>
-                </a:solidFill>
-                <a:latin typeface="Arial" panose="020B0604020202020204" pitchFamily="34" charset="0"/>
-                <a:cs typeface="Arial" panose="020B0604020202020204" pitchFamily="34" charset="0"/>
-              </a:rPr>
-              <a:t>*</a:t>
-            </a:r>
-            <a:r>
-              <a:rPr lang="en-IN" dirty="0">
-                <a:solidFill>
-                  <a:srgbClr val="FF0000"/>
-                </a:solidFill>
-                <a:latin typeface="Arial" panose="020B0604020202020204" pitchFamily="34" charset="0"/>
-                <a:cs typeface="Arial" panose="020B0604020202020204" pitchFamily="34" charset="0"/>
-              </a:rPr>
-              <a:t> </a:t>
-            </a:r>
-            <a:r>
-              <a:rPr lang="en-IN" dirty="0">
-                <a:latin typeface="Arial" panose="020B0604020202020204" pitchFamily="34" charset="0"/>
-                <a:cs typeface="Arial" panose="020B0604020202020204" pitchFamily="34" charset="0"/>
-              </a:rPr>
-              <a:t>operator in your SELECT statements. Instead, use column names. Reason is that in MySQL Server scans for all column names and replaces the </a:t>
-            </a:r>
-            <a:r>
-              <a:rPr lang="en-IN" dirty="0">
-                <a:solidFill>
-                  <a:srgbClr val="FF0000"/>
-                </a:solidFill>
-                <a:latin typeface="Arial" panose="020B0604020202020204" pitchFamily="34" charset="0"/>
-                <a:cs typeface="Arial" panose="020B0604020202020204" pitchFamily="34" charset="0"/>
-              </a:rPr>
-              <a:t> </a:t>
-            </a:r>
-            <a:r>
-              <a:rPr lang="en-IN" sz="2400" b="1" dirty="0">
-                <a:solidFill>
-                  <a:srgbClr val="FF0000"/>
-                </a:solidFill>
-                <a:latin typeface="Arial" panose="020B0604020202020204" pitchFamily="34" charset="0"/>
-                <a:cs typeface="Arial" panose="020B0604020202020204" pitchFamily="34" charset="0"/>
-              </a:rPr>
-              <a:t>*</a:t>
-            </a:r>
-            <a:r>
-              <a:rPr lang="en-IN" dirty="0">
-                <a:solidFill>
-                  <a:srgbClr val="FF0000"/>
-                </a:solidFill>
-                <a:latin typeface="Arial" panose="020B0604020202020204" pitchFamily="34" charset="0"/>
-                <a:cs typeface="Arial" panose="020B0604020202020204" pitchFamily="34" charset="0"/>
-              </a:rPr>
-              <a:t> </a:t>
-            </a:r>
-            <a:r>
-              <a:rPr lang="en-IN" dirty="0">
-                <a:latin typeface="Arial" panose="020B0604020202020204" pitchFamily="34" charset="0"/>
-                <a:cs typeface="Arial" panose="020B0604020202020204" pitchFamily="34" charset="0"/>
-              </a:rPr>
-              <a:t> with all the column names of the table(s) in the SELECT statement. Providing column names avoids this search-and-replace, and enhances performance.</a:t>
-            </a:r>
+            <a:pPr>
+              <a:lnSpc>
+                <a:spcPct val="107000"/>
+              </a:lnSpc>
+            </a:pPr>
+            <a:r>
+              <a:rPr lang="en-US" sz="2000" dirty="0">
+                <a:latin typeface="Palatino Linotype" panose="02040502050505030304" pitchFamily="18" charset="0"/>
+                <a:cs typeface="Arial" panose="020B0604020202020204" pitchFamily="34" charset="0"/>
+              </a:rPr>
+              <a:t>Variables are not persisted and session scoped, that means only visible from within the session in which they are defined. This command does not commit a transaction, and rollback does not affect it.</a:t>
+            </a:r>
+            <a:endParaRPr lang="en-IN" sz="2800" dirty="0">
+              <a:latin typeface="Liberation Mono"/>
+            </a:endParaRPr>
           </a:p>
         </p:txBody>
       </p:sp>
     </p:spTree>
     <p:extLst>
       <p:ext uri="{BB962C8B-B14F-4D97-AF65-F5344CB8AC3E}">
-        <p14:creationId xmlns:p14="http://schemas.microsoft.com/office/powerpoint/2010/main" val="906567887"/>
+        <p14:creationId xmlns:p14="http://schemas.microsoft.com/office/powerpoint/2010/main" val="3791859850"/>
       </p:ext>
     </p:extLst>
   </p:cSld>
@@ -31134,6 +31026,1009 @@
       </p:grpSpPr>
       <p:sp>
         <p:nvSpPr>
+          <p:cNvPr id="5" name="Rectangle 4"/>
+          <p:cNvSpPr/>
+          <p:nvPr/>
+        </p:nvSpPr>
+        <p:spPr>
+          <a:xfrm>
+            <a:off x="1524000" y="1"/>
+            <a:ext cx="9144000" cy="584775"/>
+          </a:xfrm>
+          <a:prstGeom prst="rect">
+            <a:avLst/>
+          </a:prstGeom>
+          <a:noFill/>
+        </p:spPr>
+        <p:txBody>
+          <a:bodyPr wrap="square">
+            <a:spAutoFit/>
+          </a:bodyPr>
+          <a:lstStyle/>
+          <a:p>
+            <a:pPr algn="r"/>
+            <a:r>
+              <a:rPr lang="en-US" sz="3200" i="1" dirty="0">
+                <a:solidFill>
+                  <a:srgbClr val="FF9900"/>
+                </a:solidFill>
+                <a:latin typeface="Arial" pitchFamily="34" charset="0"/>
+                <a:cs typeface="Arial" pitchFamily="34" charset="0"/>
+              </a:rPr>
+              <a:t>user-defined variables</a:t>
+            </a:r>
+            <a:endParaRPr lang="en-IN" sz="3200" i="1" dirty="0">
+              <a:solidFill>
+                <a:srgbClr val="FF9900"/>
+              </a:solidFill>
+              <a:latin typeface="Arial" pitchFamily="34" charset="0"/>
+              <a:cs typeface="Arial" pitchFamily="34" charset="0"/>
+            </a:endParaRPr>
+          </a:p>
+        </p:txBody>
+      </p:sp>
+      <p:sp>
+        <p:nvSpPr>
+          <p:cNvPr id="12" name="Rectangle 11">
+            <a:extLst>
+              <a:ext uri="{FF2B5EF4-FFF2-40B4-BE49-F238E27FC236}">
+                <a16:creationId xmlns:a16="http://schemas.microsoft.com/office/drawing/2014/main" id="{26F9AFF1-73A9-43D9-8195-8477F3EA2C2E}"/>
+              </a:ext>
+            </a:extLst>
+          </p:cNvPr>
+          <p:cNvSpPr/>
+          <p:nvPr/>
+        </p:nvSpPr>
+        <p:spPr>
+          <a:xfrm>
+            <a:off x="406574" y="838202"/>
+            <a:ext cx="11449272" cy="646331"/>
+          </a:xfrm>
+          <a:prstGeom prst="rect">
+            <a:avLst/>
+          </a:prstGeom>
+        </p:spPr>
+        <p:txBody>
+          <a:bodyPr wrap="square">
+            <a:spAutoFit/>
+          </a:bodyPr>
+          <a:lstStyle/>
+          <a:p>
+            <a:r>
+              <a:rPr lang="en-IN" dirty="0">
+                <a:latin typeface="Palatino Linotype" panose="02040502050505030304" pitchFamily="18" charset="0"/>
+                <a:cs typeface="Arial" panose="020B0604020202020204" pitchFamily="34" charset="0"/>
+              </a:rPr>
+              <a:t>You can store a value in a user-defined variable in one statement and refer to it later in another statement. This enables you to pass values from one statement to another.</a:t>
+            </a:r>
+          </a:p>
+        </p:txBody>
+      </p:sp>
+      <p:sp>
+        <p:nvSpPr>
+          <p:cNvPr id="14" name="Rectangle 13">
+            <a:extLst>
+              <a:ext uri="{FF2B5EF4-FFF2-40B4-BE49-F238E27FC236}">
+                <a16:creationId xmlns:a16="http://schemas.microsoft.com/office/drawing/2014/main" id="{E1E43AF7-41E2-4540-9C58-41BF03EA72F6}"/>
+              </a:ext>
+            </a:extLst>
+          </p:cNvPr>
+          <p:cNvSpPr/>
+          <p:nvPr/>
+        </p:nvSpPr>
+        <p:spPr>
+          <a:xfrm>
+            <a:off x="404358" y="1629961"/>
+            <a:ext cx="8872681" cy="769441"/>
+          </a:xfrm>
+          <a:prstGeom prst="rect">
+            <a:avLst/>
+          </a:prstGeom>
+        </p:spPr>
+        <p:txBody>
+          <a:bodyPr wrap="square">
+            <a:spAutoFit/>
+          </a:bodyPr>
+          <a:lstStyle/>
+          <a:p>
+            <a:r>
+              <a:rPr lang="en-IN" sz="2200" dirty="0">
+                <a:solidFill>
+                  <a:srgbClr val="0077AA"/>
+                </a:solidFill>
+                <a:latin typeface="Liberation Mono"/>
+              </a:rPr>
+              <a:t>SET</a:t>
+            </a:r>
+            <a:r>
+              <a:rPr lang="en-IN" sz="2200" dirty="0">
+                <a:solidFill>
+                  <a:srgbClr val="000000"/>
+                </a:solidFill>
+                <a:latin typeface="Liberation Mono"/>
+              </a:rPr>
+              <a:t> </a:t>
+            </a:r>
+            <a:r>
+              <a:rPr lang="en-IN" sz="2200" dirty="0">
+                <a:latin typeface="Liberation Mono"/>
+              </a:rPr>
+              <a:t>@</a:t>
+            </a:r>
+            <a:r>
+              <a:rPr lang="en-IN" sz="2200" i="1" dirty="0">
+                <a:latin typeface="Liberation Mono"/>
+              </a:rPr>
+              <a:t>variable_name</a:t>
+            </a:r>
+            <a:r>
+              <a:rPr lang="en-IN" sz="2200" dirty="0">
+                <a:latin typeface="Liberation Mono"/>
+              </a:rPr>
+              <a:t> </a:t>
+            </a:r>
+            <a:r>
+              <a:rPr lang="en-IN" sz="2200" dirty="0">
+                <a:solidFill>
+                  <a:srgbClr val="A67F59"/>
+                </a:solidFill>
+                <a:latin typeface="Liberation Mono"/>
+              </a:rPr>
+              <a:t>=</a:t>
+            </a:r>
+            <a:r>
+              <a:rPr lang="en-IN" sz="2200" dirty="0">
+                <a:solidFill>
+                  <a:srgbClr val="000000"/>
+                </a:solidFill>
+                <a:latin typeface="Liberation Mono"/>
+              </a:rPr>
+              <a:t> </a:t>
+            </a:r>
+            <a:r>
+              <a:rPr lang="en-IN" sz="2200" i="1" dirty="0">
+                <a:solidFill>
+                  <a:srgbClr val="000000"/>
+                </a:solidFill>
+                <a:latin typeface="Liberation Mono"/>
+              </a:rPr>
+              <a:t>expression;</a:t>
+            </a:r>
+          </a:p>
+          <a:p>
+            <a:r>
+              <a:rPr lang="en-IN" sz="2200" dirty="0">
+                <a:solidFill>
+                  <a:srgbClr val="0077AA"/>
+                </a:solidFill>
+                <a:latin typeface="Liberation Mono"/>
+              </a:rPr>
+              <a:t>SELECT</a:t>
+            </a:r>
+            <a:r>
+              <a:rPr lang="en-IN" sz="2200" dirty="0">
+                <a:solidFill>
+                  <a:srgbClr val="000000"/>
+                </a:solidFill>
+                <a:latin typeface="Liberation Mono"/>
+              </a:rPr>
+              <a:t> </a:t>
+            </a:r>
+            <a:r>
+              <a:rPr lang="en-IN" sz="2200" dirty="0">
+                <a:latin typeface="Liberation Mono"/>
+              </a:rPr>
+              <a:t>@</a:t>
+            </a:r>
+            <a:r>
+              <a:rPr lang="en-IN" sz="2200" i="1" dirty="0">
+                <a:latin typeface="Liberation Mono"/>
+              </a:rPr>
+              <a:t>variable_name</a:t>
+            </a:r>
+            <a:r>
+              <a:rPr lang="en-IN" sz="2200" dirty="0">
+                <a:latin typeface="Liberation Mono"/>
+              </a:rPr>
+              <a:t> </a:t>
+            </a:r>
+            <a:r>
+              <a:rPr lang="en-IN" sz="2200" dirty="0">
+                <a:solidFill>
+                  <a:srgbClr val="A67F59"/>
+                </a:solidFill>
+                <a:latin typeface="Liberation Mono"/>
+              </a:rPr>
+              <a:t>:=</a:t>
+            </a:r>
+            <a:r>
+              <a:rPr lang="en-IN" sz="2200" dirty="0">
+                <a:solidFill>
+                  <a:srgbClr val="000000"/>
+                </a:solidFill>
+                <a:latin typeface="Liberation Mono"/>
+              </a:rPr>
+              <a:t> </a:t>
+            </a:r>
+            <a:r>
+              <a:rPr lang="en-IN" sz="2200" i="1" dirty="0">
+                <a:solidFill>
+                  <a:srgbClr val="000000"/>
+                </a:solidFill>
+                <a:latin typeface="Liberation Mono"/>
+              </a:rPr>
+              <a:t>expression;</a:t>
+            </a:r>
+            <a:endParaRPr lang="en-IN" sz="2200" dirty="0">
+              <a:solidFill>
+                <a:schemeClr val="bg1">
+                  <a:lumMod val="50000"/>
+                </a:schemeClr>
+              </a:solidFill>
+              <a:latin typeface="Liberation Mono"/>
+            </a:endParaRPr>
+          </a:p>
+        </p:txBody>
+      </p:sp>
+      <p:sp>
+        <p:nvSpPr>
+          <p:cNvPr id="15" name="Rectangle 14">
+            <a:extLst>
+              <a:ext uri="{FF2B5EF4-FFF2-40B4-BE49-F238E27FC236}">
+                <a16:creationId xmlns:a16="http://schemas.microsoft.com/office/drawing/2014/main" id="{FE251096-0918-46D1-B670-7A549E1807EC}"/>
+              </a:ext>
+            </a:extLst>
+          </p:cNvPr>
+          <p:cNvSpPr/>
+          <p:nvPr/>
+        </p:nvSpPr>
+        <p:spPr>
+          <a:xfrm>
+            <a:off x="427610" y="2996952"/>
+            <a:ext cx="8826175" cy="2541080"/>
+          </a:xfrm>
+          <a:prstGeom prst="rect">
+            <a:avLst/>
+          </a:prstGeom>
+        </p:spPr>
+        <p:txBody>
+          <a:bodyPr wrap="square">
+            <a:spAutoFit/>
+          </a:bodyPr>
+          <a:lstStyle/>
+          <a:p>
+            <a:pPr marL="285750" indent="-285750">
+              <a:lnSpc>
+                <a:spcPct val="150000"/>
+              </a:lnSpc>
+              <a:buFont typeface="Arial" panose="020B0604020202020204" pitchFamily="34" charset="0"/>
+              <a:buChar char="•"/>
+            </a:pPr>
+            <a:r>
+              <a:rPr lang="en-IN" dirty="0">
+                <a:solidFill>
+                  <a:srgbClr val="0077AA"/>
+                </a:solidFill>
+                <a:latin typeface="Liberation Mono"/>
+              </a:rPr>
+              <a:t>SET</a:t>
+            </a:r>
+            <a:r>
+              <a:rPr lang="en-IN" dirty="0">
+                <a:solidFill>
+                  <a:srgbClr val="000000"/>
+                </a:solidFill>
+                <a:latin typeface="Liberation Mono"/>
+              </a:rPr>
+              <a:t> </a:t>
+            </a:r>
+            <a:r>
+              <a:rPr lang="en-IN" dirty="0">
+                <a:latin typeface="Liberation Mono"/>
+              </a:rPr>
+              <a:t>@v1 </a:t>
+            </a:r>
+            <a:r>
+              <a:rPr lang="en-IN" dirty="0">
+                <a:solidFill>
+                  <a:srgbClr val="A67F59"/>
+                </a:solidFill>
+                <a:latin typeface="Liberation Mono"/>
+              </a:rPr>
+              <a:t>=</a:t>
+            </a:r>
+            <a:r>
+              <a:rPr lang="en-IN" dirty="0">
+                <a:solidFill>
+                  <a:srgbClr val="000000"/>
+                </a:solidFill>
+                <a:latin typeface="Liberation Mono"/>
+              </a:rPr>
+              <a:t> </a:t>
+            </a:r>
+            <a:r>
+              <a:rPr lang="en-IN" dirty="0">
+                <a:solidFill>
+                  <a:srgbClr val="990055"/>
+                </a:solidFill>
+                <a:latin typeface="Liberation Mono"/>
+              </a:rPr>
+              <a:t>10</a:t>
+            </a:r>
+          </a:p>
+          <a:p>
+            <a:pPr marL="285750" indent="-285750">
+              <a:lnSpc>
+                <a:spcPct val="150000"/>
+              </a:lnSpc>
+              <a:buFont typeface="Arial" panose="020B0604020202020204" pitchFamily="34" charset="0"/>
+              <a:buChar char="•"/>
+            </a:pPr>
+            <a:r>
+              <a:rPr lang="en-IN" dirty="0">
+                <a:solidFill>
+                  <a:srgbClr val="0077AA"/>
+                </a:solidFill>
+                <a:latin typeface="Liberation Mono"/>
+              </a:rPr>
+              <a:t>SET</a:t>
+            </a:r>
+            <a:r>
+              <a:rPr lang="en-IN" dirty="0">
+                <a:solidFill>
+                  <a:srgbClr val="000000"/>
+                </a:solidFill>
+                <a:latin typeface="Liberation Mono"/>
+              </a:rPr>
+              <a:t> </a:t>
+            </a:r>
+            <a:r>
+              <a:rPr lang="en-IN" dirty="0">
+                <a:latin typeface="Liberation Mono"/>
+              </a:rPr>
+              <a:t>@v2 </a:t>
+            </a:r>
+            <a:r>
+              <a:rPr lang="en-IN" dirty="0">
+                <a:solidFill>
+                  <a:srgbClr val="A67F59"/>
+                </a:solidFill>
+                <a:latin typeface="Liberation Mono"/>
+              </a:rPr>
+              <a:t>=</a:t>
+            </a:r>
+            <a:r>
+              <a:rPr lang="en-IN" dirty="0">
+                <a:solidFill>
+                  <a:srgbClr val="000000"/>
+                </a:solidFill>
+                <a:latin typeface="Liberation Mono"/>
+              </a:rPr>
+              <a:t> </a:t>
+            </a:r>
+            <a:r>
+              <a:rPr lang="en-IN" dirty="0">
+                <a:solidFill>
+                  <a:srgbClr val="990055"/>
+                </a:solidFill>
+                <a:latin typeface="Liberation Mono"/>
+              </a:rPr>
+              <a:t>20</a:t>
+            </a:r>
+            <a:endParaRPr lang="en-IN" dirty="0">
+              <a:latin typeface="Liberation Mono"/>
+            </a:endParaRPr>
+          </a:p>
+          <a:p>
+            <a:pPr marL="285750" indent="-285750">
+              <a:lnSpc>
+                <a:spcPct val="150000"/>
+              </a:lnSpc>
+              <a:buFont typeface="Arial" panose="020B0604020202020204" pitchFamily="34" charset="0"/>
+              <a:buChar char="•"/>
+            </a:pPr>
+            <a:r>
+              <a:rPr lang="en-IN" dirty="0">
+                <a:solidFill>
+                  <a:srgbClr val="0077AA"/>
+                </a:solidFill>
+                <a:latin typeface="Liberation Mono"/>
+              </a:rPr>
+              <a:t>SET</a:t>
+            </a:r>
+            <a:r>
+              <a:rPr lang="en-IN" dirty="0">
+                <a:latin typeface="Liberation Mono"/>
+              </a:rPr>
+              <a:t> @v3 =</a:t>
+            </a:r>
+            <a:r>
+              <a:rPr lang="en-IN" dirty="0">
+                <a:solidFill>
+                  <a:srgbClr val="669900"/>
+                </a:solidFill>
+                <a:latin typeface="Liberation Mono"/>
+              </a:rPr>
+              <a:t> 'Saleel'</a:t>
+            </a:r>
+            <a:r>
+              <a:rPr lang="en-IN" dirty="0">
+                <a:latin typeface="Liberation Mono"/>
+              </a:rPr>
+              <a:t>;</a:t>
+            </a:r>
+          </a:p>
+          <a:p>
+            <a:pPr marL="285750" indent="-285750">
+              <a:lnSpc>
+                <a:spcPct val="150000"/>
+              </a:lnSpc>
+              <a:buFont typeface="Arial" panose="020B0604020202020204" pitchFamily="34" charset="0"/>
+              <a:buChar char="•"/>
+            </a:pPr>
+            <a:r>
+              <a:rPr lang="en-IN" dirty="0">
+                <a:solidFill>
+                  <a:srgbClr val="0077AA"/>
+                </a:solidFill>
+                <a:latin typeface="Liberation Mono"/>
+              </a:rPr>
+              <a:t>SET</a:t>
+            </a:r>
+            <a:r>
+              <a:rPr lang="en-IN" dirty="0">
+                <a:latin typeface="Liberation Mono"/>
+              </a:rPr>
+              <a:t> @v4 </a:t>
+            </a:r>
+            <a:r>
+              <a:rPr lang="en-IN" dirty="0">
+                <a:solidFill>
+                  <a:srgbClr val="A67F59"/>
+                </a:solidFill>
+                <a:latin typeface="Liberation Mono"/>
+              </a:rPr>
+              <a:t>:=</a:t>
+            </a:r>
+            <a:r>
+              <a:rPr lang="en-IN" dirty="0">
+                <a:solidFill>
+                  <a:srgbClr val="669900"/>
+                </a:solidFill>
+                <a:latin typeface="Liberation Mono"/>
+              </a:rPr>
+              <a:t> </a:t>
+            </a:r>
+            <a:r>
+              <a:rPr lang="en-IN" dirty="0">
+                <a:latin typeface="Liberation Mono"/>
+              </a:rPr>
+              <a:t>@v1 </a:t>
+            </a:r>
+            <a:r>
+              <a:rPr lang="en-IN" dirty="0">
+                <a:solidFill>
+                  <a:srgbClr val="A67F59"/>
+                </a:solidFill>
+                <a:latin typeface="Liberation Mono"/>
+              </a:rPr>
+              <a:t>+</a:t>
+            </a:r>
+            <a:r>
+              <a:rPr lang="en-IN" dirty="0">
+                <a:solidFill>
+                  <a:srgbClr val="EE9900"/>
+                </a:solidFill>
+                <a:latin typeface="Liberation Mono"/>
+              </a:rPr>
+              <a:t> </a:t>
+            </a:r>
+            <a:r>
+              <a:rPr lang="en-IN" dirty="0">
+                <a:latin typeface="Liberation Mono"/>
+              </a:rPr>
+              <a:t>@v2;</a:t>
+            </a:r>
+          </a:p>
+          <a:p>
+            <a:pPr marL="285750" indent="-285750">
+              <a:lnSpc>
+                <a:spcPct val="150000"/>
+              </a:lnSpc>
+              <a:buFont typeface="Arial" panose="020B0604020202020204" pitchFamily="34" charset="0"/>
+              <a:buChar char="•"/>
+            </a:pPr>
+            <a:r>
+              <a:rPr lang="en-IN" dirty="0">
+                <a:solidFill>
+                  <a:srgbClr val="0077AA"/>
+                </a:solidFill>
+                <a:latin typeface="Liberation Mono"/>
+              </a:rPr>
+              <a:t>SELECT</a:t>
+            </a:r>
+            <a:r>
+              <a:rPr lang="en-IN" dirty="0">
+                <a:solidFill>
+                  <a:srgbClr val="000000"/>
+                </a:solidFill>
+                <a:latin typeface="Liberation Mono"/>
+              </a:rPr>
+              <a:t> </a:t>
+            </a:r>
+            <a:r>
+              <a:rPr lang="en-IN" dirty="0">
+                <a:latin typeface="Liberation Mono"/>
+              </a:rPr>
+              <a:t>@v1</a:t>
+            </a:r>
+            <a:r>
+              <a:rPr lang="en-IN" dirty="0">
+                <a:solidFill>
+                  <a:srgbClr val="A67F59"/>
+                </a:solidFill>
+                <a:latin typeface="Liberation Mono"/>
+              </a:rPr>
+              <a:t> :=</a:t>
+            </a:r>
+            <a:r>
+              <a:rPr lang="en-IN" dirty="0">
+                <a:solidFill>
+                  <a:srgbClr val="000000"/>
+                </a:solidFill>
+                <a:latin typeface="Liberation Mono"/>
+              </a:rPr>
+              <a:t> </a:t>
+            </a:r>
+            <a:r>
+              <a:rPr lang="en-IN" dirty="0">
+                <a:solidFill>
+                  <a:srgbClr val="DD4A68"/>
+                </a:solidFill>
+                <a:latin typeface="Liberation Mono"/>
+              </a:rPr>
+              <a:t>MIN</a:t>
+            </a:r>
+            <a:r>
+              <a:rPr lang="en-IN" dirty="0">
+                <a:solidFill>
+                  <a:srgbClr val="999999"/>
+                </a:solidFill>
+                <a:latin typeface="Liberation Mono"/>
+              </a:rPr>
+              <a:t>(</a:t>
+            </a:r>
+            <a:r>
+              <a:rPr lang="en-IN" dirty="0">
+                <a:solidFill>
+                  <a:srgbClr val="000000"/>
+                </a:solidFill>
+                <a:latin typeface="Liberation Mono"/>
+              </a:rPr>
+              <a:t>sal</a:t>
+            </a:r>
+            <a:r>
+              <a:rPr lang="en-IN" dirty="0">
+                <a:solidFill>
+                  <a:srgbClr val="999999"/>
+                </a:solidFill>
+                <a:latin typeface="Liberation Mono"/>
+              </a:rPr>
+              <a:t>)</a:t>
+            </a:r>
+            <a:r>
+              <a:rPr lang="en-IN" dirty="0">
+                <a:latin typeface="Liberation Mono"/>
+              </a:rPr>
+              <a:t>,</a:t>
+            </a:r>
+            <a:r>
+              <a:rPr lang="en-IN" dirty="0">
+                <a:solidFill>
+                  <a:srgbClr val="999999"/>
+                </a:solidFill>
+                <a:latin typeface="Liberation Mono"/>
+              </a:rPr>
+              <a:t> </a:t>
+            </a:r>
+            <a:r>
+              <a:rPr lang="en-IN" dirty="0">
+                <a:latin typeface="Liberation Mono"/>
+              </a:rPr>
+              <a:t>@v2 </a:t>
+            </a:r>
+            <a:r>
+              <a:rPr lang="en-IN" dirty="0">
+                <a:solidFill>
+                  <a:srgbClr val="A67F59"/>
+                </a:solidFill>
+                <a:latin typeface="Liberation Mono"/>
+              </a:rPr>
+              <a:t>:= </a:t>
+            </a:r>
+            <a:r>
+              <a:rPr lang="en-IN" dirty="0">
+                <a:solidFill>
+                  <a:srgbClr val="DD4A68"/>
+                </a:solidFill>
+                <a:latin typeface="Liberation Mono"/>
+              </a:rPr>
+              <a:t>MAX</a:t>
+            </a:r>
+            <a:r>
+              <a:rPr lang="en-IN" dirty="0">
+                <a:solidFill>
+                  <a:srgbClr val="999999"/>
+                </a:solidFill>
+                <a:latin typeface="Liberation Mono"/>
+              </a:rPr>
+              <a:t>(</a:t>
+            </a:r>
+            <a:r>
+              <a:rPr lang="en-IN" dirty="0">
+                <a:solidFill>
+                  <a:srgbClr val="000000"/>
+                </a:solidFill>
+                <a:latin typeface="Liberation Mono"/>
+              </a:rPr>
+              <a:t>SAL</a:t>
+            </a:r>
+            <a:r>
+              <a:rPr lang="en-IN" dirty="0">
+                <a:solidFill>
+                  <a:srgbClr val="999999"/>
+                </a:solidFill>
+                <a:latin typeface="Liberation Mono"/>
+              </a:rPr>
+              <a:t>) </a:t>
+            </a:r>
+            <a:r>
+              <a:rPr lang="en-IN" dirty="0">
+                <a:solidFill>
+                  <a:srgbClr val="0077AA"/>
+                </a:solidFill>
+                <a:latin typeface="Liberation Mono"/>
+              </a:rPr>
+              <a:t>FROM </a:t>
+            </a:r>
+            <a:r>
+              <a:rPr lang="en-IN" dirty="0">
+                <a:latin typeface="Liberation Mono"/>
+              </a:rPr>
+              <a:t>emp;</a:t>
+            </a:r>
+            <a:r>
+              <a:rPr lang="en-IN" dirty="0">
+                <a:solidFill>
+                  <a:srgbClr val="0077AA"/>
+                </a:solidFill>
+                <a:latin typeface="Liberation Mono"/>
+              </a:rPr>
+              <a:t> </a:t>
+            </a:r>
+          </a:p>
+          <a:p>
+            <a:pPr marL="285750" indent="-285750">
+              <a:lnSpc>
+                <a:spcPct val="150000"/>
+              </a:lnSpc>
+              <a:buFont typeface="Arial" panose="020B0604020202020204" pitchFamily="34" charset="0"/>
+              <a:buChar char="•"/>
+            </a:pPr>
+            <a:r>
+              <a:rPr lang="en-IN" dirty="0">
+                <a:solidFill>
+                  <a:srgbClr val="0077AA"/>
+                </a:solidFill>
+                <a:latin typeface="Liberation Mono"/>
+              </a:rPr>
+              <a:t>CALL</a:t>
+            </a:r>
+            <a:r>
+              <a:rPr lang="en-IN" dirty="0">
+                <a:solidFill>
+                  <a:srgbClr val="000000"/>
+                </a:solidFill>
+                <a:latin typeface="Liberation Mono"/>
+              </a:rPr>
+              <a:t> </a:t>
+            </a:r>
+            <a:r>
+              <a:rPr lang="en-IN" dirty="0">
+                <a:latin typeface="Liberation Mono"/>
+              </a:rPr>
+              <a:t>@v1, @v2, @v3;</a:t>
+            </a:r>
+            <a:endParaRPr lang="en-IN" dirty="0"/>
+          </a:p>
+        </p:txBody>
+      </p:sp>
+    </p:spTree>
+    <p:extLst>
+      <p:ext uri="{BB962C8B-B14F-4D97-AF65-F5344CB8AC3E}">
+        <p14:creationId xmlns:p14="http://schemas.microsoft.com/office/powerpoint/2010/main" val="2120274538"/>
+      </p:ext>
+    </p:extLst>
+  </p:cSld>
+  <p:clrMapOvr>
+    <a:masterClrMapping/>
+  </p:clrMapOvr>
+</p:sld>
+</file>
+
+<file path=ppt/slides/slide51.xml><?xml version="1.0" encoding="utf-8"?>
+<p:sld xmlns:a="http://schemas.openxmlformats.org/drawingml/2006/main" xmlns:r="http://schemas.openxmlformats.org/officeDocument/2006/relationships" xmlns:p="http://schemas.openxmlformats.org/presentationml/2006/main">
+  <p:cSld>
+    <p:spTree>
+      <p:nvGrpSpPr>
+        <p:cNvPr id="1" name=""/>
+        <p:cNvGrpSpPr/>
+        <p:nvPr/>
+      </p:nvGrpSpPr>
+      <p:grpSpPr>
+        <a:xfrm>
+          <a:off x="0" y="0"/>
+          <a:ext cx="0" cy="0"/>
+          <a:chOff x="0" y="0"/>
+          <a:chExt cx="0" cy="0"/>
+        </a:xfrm>
+      </p:grpSpPr>
+      <p:sp>
+        <p:nvSpPr>
+          <p:cNvPr id="2" name="Title 1"/>
+          <p:cNvSpPr txBox="1">
+            <a:spLocks/>
+          </p:cNvSpPr>
+          <p:nvPr/>
+        </p:nvSpPr>
+        <p:spPr>
+          <a:xfrm>
+            <a:off x="1676400" y="2362200"/>
+            <a:ext cx="8839200" cy="914400"/>
+          </a:xfrm>
+          <a:prstGeom prst="rect">
+            <a:avLst/>
+          </a:prstGeom>
+        </p:spPr>
+        <p:txBody>
+          <a:bodyPr>
+            <a:normAutofit/>
+          </a:bodyPr>
+          <a:lstStyle/>
+          <a:p>
+            <a:pPr lvl="0" algn="ctr">
+              <a:spcBef>
+                <a:spcPct val="0"/>
+              </a:spcBef>
+              <a:defRPr/>
+            </a:pPr>
+            <a:r>
+              <a:rPr lang="en-US" sz="4800" dirty="0">
+                <a:solidFill>
+                  <a:srgbClr val="DC525C"/>
+                </a:solidFill>
+                <a:latin typeface="Segoe UI Light" panose="020B0502040204020203" pitchFamily="34" charset="0"/>
+                <a:cs typeface="Segoe UI Light" panose="020B0502040204020203" pitchFamily="34" charset="0"/>
+              </a:rPr>
+              <a:t>SELECT statement…</a:t>
+            </a:r>
+          </a:p>
+        </p:txBody>
+      </p:sp>
+      <p:sp>
+        <p:nvSpPr>
+          <p:cNvPr id="3" name="Rectangle 2">
+            <a:extLst>
+              <a:ext uri="{FF2B5EF4-FFF2-40B4-BE49-F238E27FC236}">
+                <a16:creationId xmlns:a16="http://schemas.microsoft.com/office/drawing/2014/main" id="{182BD460-8174-48F8-A62D-CBA117B614A0}"/>
+              </a:ext>
+            </a:extLst>
+          </p:cNvPr>
+          <p:cNvSpPr/>
+          <p:nvPr/>
+        </p:nvSpPr>
+        <p:spPr>
+          <a:xfrm>
+            <a:off x="3611724" y="3429001"/>
+            <a:ext cx="4968552" cy="1384995"/>
+          </a:xfrm>
+          <a:prstGeom prst="rect">
+            <a:avLst/>
+          </a:prstGeom>
+        </p:spPr>
+        <p:txBody>
+          <a:bodyPr wrap="square">
+            <a:spAutoFit/>
+          </a:bodyPr>
+          <a:lstStyle/>
+          <a:p>
+            <a:r>
+              <a:rPr lang="en-IN" sz="2800" dirty="0">
+                <a:solidFill>
+                  <a:srgbClr val="006C86"/>
+                </a:solidFill>
+              </a:rPr>
+              <a:t>SELECT</a:t>
+            </a:r>
+            <a:r>
+              <a:rPr lang="en-IN" sz="2800" dirty="0"/>
+              <a:t> what_to_select</a:t>
+            </a:r>
+          </a:p>
+          <a:p>
+            <a:r>
+              <a:rPr lang="en-IN" sz="2800" dirty="0">
+                <a:solidFill>
+                  <a:srgbClr val="006C86"/>
+                </a:solidFill>
+              </a:rPr>
+              <a:t>FROM</a:t>
+            </a:r>
+            <a:r>
+              <a:rPr lang="en-IN" sz="2800" dirty="0"/>
+              <a:t> which_table</a:t>
+            </a:r>
+          </a:p>
+          <a:p>
+            <a:r>
+              <a:rPr lang="en-IN" sz="2800" dirty="0">
+                <a:solidFill>
+                  <a:srgbClr val="006C86"/>
+                </a:solidFill>
+              </a:rPr>
+              <a:t>WHERE</a:t>
+            </a:r>
+            <a:r>
+              <a:rPr lang="en-IN" sz="2800" dirty="0"/>
+              <a:t> conditions_to_satisfy;</a:t>
+            </a:r>
+          </a:p>
+        </p:txBody>
+      </p:sp>
+      <p:sp>
+        <p:nvSpPr>
+          <p:cNvPr id="4" name="TextBox 3">
+            <a:extLst>
+              <a:ext uri="{FF2B5EF4-FFF2-40B4-BE49-F238E27FC236}">
+                <a16:creationId xmlns:a16="http://schemas.microsoft.com/office/drawing/2014/main" id="{FFBDA488-7135-4F08-8A1C-9B262D68AA94}"/>
+              </a:ext>
+            </a:extLst>
+          </p:cNvPr>
+          <p:cNvSpPr txBox="1"/>
+          <p:nvPr/>
+        </p:nvSpPr>
+        <p:spPr>
+          <a:xfrm>
+            <a:off x="263352" y="332656"/>
+            <a:ext cx="11593288" cy="1107996"/>
+          </a:xfrm>
+          <a:prstGeom prst="rect">
+            <a:avLst/>
+          </a:prstGeom>
+          <a:noFill/>
+        </p:spPr>
+        <p:txBody>
+          <a:bodyPr wrap="square">
+            <a:spAutoFit/>
+          </a:bodyPr>
+          <a:lstStyle/>
+          <a:p>
+            <a:r>
+              <a:rPr lang="en-IN" dirty="0">
+                <a:latin typeface="Arial" panose="020B0604020202020204" pitchFamily="34" charset="0"/>
+                <a:cs typeface="Arial" panose="020B0604020202020204" pitchFamily="34" charset="0"/>
+              </a:rPr>
+              <a:t>Do not use the</a:t>
+            </a:r>
+            <a:r>
+              <a:rPr lang="en-IN" dirty="0">
+                <a:solidFill>
+                  <a:srgbClr val="FF0000"/>
+                </a:solidFill>
+                <a:latin typeface="Arial" panose="020B0604020202020204" pitchFamily="34" charset="0"/>
+                <a:cs typeface="Arial" panose="020B0604020202020204" pitchFamily="34" charset="0"/>
+              </a:rPr>
+              <a:t> </a:t>
+            </a:r>
+            <a:r>
+              <a:rPr lang="en-IN" sz="2400" b="1" dirty="0">
+                <a:solidFill>
+                  <a:srgbClr val="FF0000"/>
+                </a:solidFill>
+                <a:latin typeface="Arial" panose="020B0604020202020204" pitchFamily="34" charset="0"/>
+                <a:cs typeface="Arial" panose="020B0604020202020204" pitchFamily="34" charset="0"/>
+              </a:rPr>
+              <a:t>*</a:t>
+            </a:r>
+            <a:r>
+              <a:rPr lang="en-IN" dirty="0">
+                <a:solidFill>
+                  <a:srgbClr val="FF0000"/>
+                </a:solidFill>
+                <a:latin typeface="Arial" panose="020B0604020202020204" pitchFamily="34" charset="0"/>
+                <a:cs typeface="Arial" panose="020B0604020202020204" pitchFamily="34" charset="0"/>
+              </a:rPr>
+              <a:t> </a:t>
+            </a:r>
+            <a:r>
+              <a:rPr lang="en-IN" dirty="0">
+                <a:latin typeface="Arial" panose="020B0604020202020204" pitchFamily="34" charset="0"/>
+                <a:cs typeface="Arial" panose="020B0604020202020204" pitchFamily="34" charset="0"/>
+              </a:rPr>
+              <a:t>operator in your SELECT statements. Instead, use column names. Reason is that in MySQL Server scans for all column names and replaces the </a:t>
+            </a:r>
+            <a:r>
+              <a:rPr lang="en-IN" dirty="0">
+                <a:solidFill>
+                  <a:srgbClr val="FF0000"/>
+                </a:solidFill>
+                <a:latin typeface="Arial" panose="020B0604020202020204" pitchFamily="34" charset="0"/>
+                <a:cs typeface="Arial" panose="020B0604020202020204" pitchFamily="34" charset="0"/>
+              </a:rPr>
+              <a:t> </a:t>
+            </a:r>
+            <a:r>
+              <a:rPr lang="en-IN" sz="2400" b="1" dirty="0">
+                <a:solidFill>
+                  <a:srgbClr val="FF0000"/>
+                </a:solidFill>
+                <a:latin typeface="Arial" panose="020B0604020202020204" pitchFamily="34" charset="0"/>
+                <a:cs typeface="Arial" panose="020B0604020202020204" pitchFamily="34" charset="0"/>
+              </a:rPr>
+              <a:t>*</a:t>
+            </a:r>
+            <a:r>
+              <a:rPr lang="en-IN" dirty="0">
+                <a:solidFill>
+                  <a:srgbClr val="FF0000"/>
+                </a:solidFill>
+                <a:latin typeface="Arial" panose="020B0604020202020204" pitchFamily="34" charset="0"/>
+                <a:cs typeface="Arial" panose="020B0604020202020204" pitchFamily="34" charset="0"/>
+              </a:rPr>
+              <a:t> </a:t>
+            </a:r>
+            <a:r>
+              <a:rPr lang="en-IN" dirty="0">
+                <a:latin typeface="Arial" panose="020B0604020202020204" pitchFamily="34" charset="0"/>
+                <a:cs typeface="Arial" panose="020B0604020202020204" pitchFamily="34" charset="0"/>
+              </a:rPr>
+              <a:t> with all the column names of the table(s) in the SELECT statement. Providing column names avoids this search-and-replace, and enhances performance.</a:t>
+            </a:r>
+          </a:p>
+        </p:txBody>
+      </p:sp>
+    </p:spTree>
+    <p:extLst>
+      <p:ext uri="{BB962C8B-B14F-4D97-AF65-F5344CB8AC3E}">
+        <p14:creationId xmlns:p14="http://schemas.microsoft.com/office/powerpoint/2010/main" val="906567887"/>
+      </p:ext>
+    </p:extLst>
+  </p:cSld>
+  <p:clrMapOvr>
+    <a:masterClrMapping/>
+  </p:clrMapOvr>
+</p:sld>
+</file>
+
+<file path=ppt/slides/slide52.xml><?xml version="1.0" encoding="utf-8"?>
+<p:sld xmlns:a="http://schemas.openxmlformats.org/drawingml/2006/main" xmlns:r="http://schemas.openxmlformats.org/officeDocument/2006/relationships" xmlns:p="http://schemas.openxmlformats.org/presentationml/2006/main">
+  <p:cSld>
+    <p:spTree>
+      <p:nvGrpSpPr>
+        <p:cNvPr id="1" name=""/>
+        <p:cNvGrpSpPr/>
+        <p:nvPr/>
+      </p:nvGrpSpPr>
+      <p:grpSpPr>
+        <a:xfrm>
+          <a:off x="0" y="0"/>
+          <a:ext cx="0" cy="0"/>
+          <a:chOff x="0" y="0"/>
+          <a:chExt cx="0" cy="0"/>
+        </a:xfrm>
+      </p:grpSpPr>
+      <p:sp>
+        <p:nvSpPr>
           <p:cNvPr id="2" name="Title 1"/>
           <p:cNvSpPr>
             <a:spLocks noGrp="1"/>
@@ -31432,7 +32327,7 @@
 </p:sld>
 </file>
 
-<file path=ppt/slides/slide51.xml><?xml version="1.0" encoding="utf-8"?>
+<file path=ppt/slides/slide53.xml><?xml version="1.0" encoding="utf-8"?>
 <p:sld xmlns:a="http://schemas.openxmlformats.org/drawingml/2006/main" xmlns:r="http://schemas.openxmlformats.org/officeDocument/2006/relationships" xmlns:p="http://schemas.openxmlformats.org/presentationml/2006/main">
   <p:cSld>
     <p:spTree>
@@ -31610,7 +32505,7 @@
 </p:sld>
 </file>
 
-<file path=ppt/slides/slide52.xml><?xml version="1.0" encoding="utf-8"?>
+<file path=ppt/slides/slide54.xml><?xml version="1.0" encoding="utf-8"?>
 <p:sld xmlns:a="http://schemas.openxmlformats.org/drawingml/2006/main" xmlns:r="http://schemas.openxmlformats.org/officeDocument/2006/relationships" xmlns:p="http://schemas.openxmlformats.org/presentationml/2006/main">
   <p:cSld>
     <p:spTree>
@@ -32939,7 +33834,7 @@
 </p:sld>
 </file>
 
-<file path=ppt/slides/slide53.xml><?xml version="1.0" encoding="utf-8"?>
+<file path=ppt/slides/slide55.xml><?xml version="1.0" encoding="utf-8"?>
 <p:sld xmlns:a="http://schemas.openxmlformats.org/drawingml/2006/main" xmlns:r="http://schemas.openxmlformats.org/officeDocument/2006/relationships" xmlns:p="http://schemas.openxmlformats.org/presentationml/2006/main">
   <p:cSld>
     <p:spTree>
@@ -34245,7 +35140,7 @@
 </p:sld>
 </file>
 
-<file path=ppt/slides/slide54.xml><?xml version="1.0" encoding="utf-8"?>
+<file path=ppt/slides/slide56.xml><?xml version="1.0" encoding="utf-8"?>
 <p:sld xmlns:a="http://schemas.openxmlformats.org/drawingml/2006/main" xmlns:r="http://schemas.openxmlformats.org/officeDocument/2006/relationships" xmlns:p="http://schemas.openxmlformats.org/presentationml/2006/main">
   <p:cSld>
     <p:spTree>
@@ -36126,7 +37021,7 @@
 </p:sld>
 </file>
 
-<file path=ppt/slides/slide55.xml><?xml version="1.0" encoding="utf-8"?>
+<file path=ppt/slides/slide57.xml><?xml version="1.0" encoding="utf-8"?>
 <p:sld xmlns:a="http://schemas.openxmlformats.org/drawingml/2006/main" xmlns:r="http://schemas.openxmlformats.org/officeDocument/2006/relationships" xmlns:p="http://schemas.openxmlformats.org/presentationml/2006/main">
   <p:cSld>
     <p:spTree>
@@ -36977,7 +37872,7 @@
 </p:sld>
 </file>
 
-<file path=ppt/slides/slide56.xml><?xml version="1.0" encoding="utf-8"?>
+<file path=ppt/slides/slide58.xml><?xml version="1.0" encoding="utf-8"?>
 <p:sld xmlns:a="http://schemas.openxmlformats.org/drawingml/2006/main" xmlns:r="http://schemas.openxmlformats.org/officeDocument/2006/relationships" xmlns:p="http://schemas.openxmlformats.org/presentationml/2006/main">
   <p:cSld>
     <p:spTree>
@@ -37234,1778 +38129,10 @@
           </a:p>
         </p:txBody>
       </p:sp>
-      <p:sp>
-        <p:nvSpPr>
-          <p:cNvPr id="5" name="TextBox 4">
-            <a:extLst>
-              <a:ext uri="{FF2B5EF4-FFF2-40B4-BE49-F238E27FC236}">
-                <a16:creationId xmlns:a16="http://schemas.microsoft.com/office/drawing/2014/main" id="{E2B1BB0A-F427-5CD0-F66E-AEC921814A4E}"/>
-              </a:ext>
-            </a:extLst>
-          </p:cNvPr>
-          <p:cNvSpPr txBox="1"/>
-          <p:nvPr/>
-        </p:nvSpPr>
-        <p:spPr>
-          <a:xfrm>
-            <a:off x="479376" y="5262891"/>
-            <a:ext cx="6094378" cy="369332"/>
-          </a:xfrm>
-          <a:prstGeom prst="rect">
-            <a:avLst/>
-          </a:prstGeom>
-          <a:noFill/>
-        </p:spPr>
-        <p:txBody>
-          <a:bodyPr wrap="square">
-            <a:spAutoFit/>
-          </a:bodyPr>
-          <a:lstStyle/>
-          <a:p>
-            <a:r>
-              <a:rPr lang="en-IN" dirty="0"/>
-              <a:t>SELECT * EXCEPT (JOB, GENDER, MGR) FROM EMP ; </a:t>
-            </a:r>
-          </a:p>
-        </p:txBody>
-      </p:sp>
     </p:spTree>
     <p:extLst>
       <p:ext uri="{BB962C8B-B14F-4D97-AF65-F5344CB8AC3E}">
         <p14:creationId xmlns:p14="http://schemas.microsoft.com/office/powerpoint/2010/main" val="82129001"/>
-      </p:ext>
-    </p:extLst>
-  </p:cSld>
-  <p:clrMapOvr>
-    <a:masterClrMapping/>
-  </p:clrMapOvr>
-</p:sld>
-</file>
-
-<file path=ppt/slides/slide57.xml><?xml version="1.0" encoding="utf-8"?>
-<p:sld xmlns:a="http://schemas.openxmlformats.org/drawingml/2006/main" xmlns:r="http://schemas.openxmlformats.org/officeDocument/2006/relationships" xmlns:p="http://schemas.openxmlformats.org/presentationml/2006/main">
-  <p:cSld>
-    <p:spTree>
-      <p:nvGrpSpPr>
-        <p:cNvPr id="1" name=""/>
-        <p:cNvGrpSpPr/>
-        <p:nvPr/>
-      </p:nvGrpSpPr>
-      <p:grpSpPr>
-        <a:xfrm>
-          <a:off x="0" y="0"/>
-          <a:ext cx="0" cy="0"/>
-          <a:chOff x="0" y="0"/>
-          <a:chExt cx="0" cy="0"/>
-        </a:xfrm>
-      </p:grpSpPr>
-      <p:sp>
-        <p:nvSpPr>
-          <p:cNvPr id="5" name="Rectangle 4"/>
-          <p:cNvSpPr/>
-          <p:nvPr/>
-        </p:nvSpPr>
-        <p:spPr>
-          <a:xfrm>
-            <a:off x="1524596" y="3"/>
-            <a:ext cx="9142810" cy="584775"/>
-          </a:xfrm>
-          <a:prstGeom prst="rect">
-            <a:avLst/>
-          </a:prstGeom>
-          <a:noFill/>
-        </p:spPr>
-        <p:txBody>
-          <a:bodyPr wrap="square">
-            <a:spAutoFit/>
-          </a:bodyPr>
-          <a:lstStyle/>
-          <a:p>
-            <a:pPr algn="r"/>
-            <a:r>
-              <a:rPr lang="en-US" sz="3200" i="1" dirty="0">
-                <a:solidFill>
-                  <a:srgbClr val="FF9900"/>
-                </a:solidFill>
-                <a:latin typeface="Arial" pitchFamily="34" charset="0"/>
-                <a:cs typeface="Arial" pitchFamily="34" charset="0"/>
-              </a:rPr>
-              <a:t>select statement</a:t>
-            </a:r>
-            <a:endParaRPr lang="en-IN" sz="3200" i="1" dirty="0">
-              <a:solidFill>
-                <a:srgbClr val="FF9900"/>
-              </a:solidFill>
-              <a:latin typeface="Arial" pitchFamily="34" charset="0"/>
-              <a:cs typeface="Arial" pitchFamily="34" charset="0"/>
-            </a:endParaRPr>
-          </a:p>
-        </p:txBody>
-      </p:sp>
-      <p:sp>
-        <p:nvSpPr>
-          <p:cNvPr id="9" name="Rectangle 8">
-            <a:extLst>
-              <a:ext uri="{FF2B5EF4-FFF2-40B4-BE49-F238E27FC236}">
-                <a16:creationId xmlns:a16="http://schemas.microsoft.com/office/drawing/2014/main" id="{60D289BB-1439-4DB8-B315-C4DAAACB6F54}"/>
-              </a:ext>
-            </a:extLst>
-          </p:cNvPr>
-          <p:cNvSpPr/>
-          <p:nvPr/>
-        </p:nvSpPr>
-        <p:spPr>
-          <a:xfrm>
-            <a:off x="47328" y="-27384"/>
-            <a:ext cx="1326004" cy="523220"/>
-          </a:xfrm>
-          <a:prstGeom prst="rect">
-            <a:avLst/>
-          </a:prstGeom>
-        </p:spPr>
-        <p:txBody>
-          <a:bodyPr wrap="none">
-            <a:spAutoFit/>
-          </a:bodyPr>
-          <a:lstStyle/>
-          <a:p>
-            <a:r>
-              <a:rPr lang="en-US" sz="2800" b="1" i="1" dirty="0">
-                <a:solidFill>
-                  <a:schemeClr val="accent1">
-                    <a:lumMod val="75000"/>
-                  </a:schemeClr>
-                </a:solidFill>
-                <a:latin typeface="Arial" pitchFamily="34" charset="0"/>
-                <a:cs typeface="Arial" pitchFamily="34" charset="0"/>
-              </a:rPr>
-              <a:t>syntax</a:t>
-            </a:r>
-          </a:p>
-        </p:txBody>
-      </p:sp>
-      <p:sp>
-        <p:nvSpPr>
-          <p:cNvPr id="10" name="Rectangle 9">
-            <a:extLst>
-              <a:ext uri="{FF2B5EF4-FFF2-40B4-BE49-F238E27FC236}">
-                <a16:creationId xmlns:a16="http://schemas.microsoft.com/office/drawing/2014/main" id="{B80DA59F-F73A-40DE-B646-ACFB88C2CFDD}"/>
-              </a:ext>
-            </a:extLst>
-          </p:cNvPr>
-          <p:cNvSpPr/>
-          <p:nvPr/>
-        </p:nvSpPr>
-        <p:spPr>
-          <a:xfrm>
-            <a:off x="262558" y="583270"/>
-            <a:ext cx="11737304" cy="6014082"/>
-          </a:xfrm>
-          <a:prstGeom prst="rect">
-            <a:avLst/>
-          </a:prstGeom>
-        </p:spPr>
-        <p:txBody>
-          <a:bodyPr wrap="square">
-            <a:spAutoFit/>
-          </a:bodyPr>
-          <a:lstStyle/>
-          <a:p>
-            <a:r>
-              <a:rPr lang="en-IN" sz="2000" dirty="0">
-                <a:solidFill>
-                  <a:schemeClr val="accent6">
-                    <a:lumMod val="50000"/>
-                  </a:schemeClr>
-                </a:solidFill>
-                <a:latin typeface="Liberation Mono"/>
-                <a:cs typeface="Arial" panose="020B0604020202020204" pitchFamily="34" charset="0"/>
-              </a:rPr>
-              <a:t>                   </a:t>
-            </a:r>
-            <a:r>
-              <a:rPr lang="en-IN" sz="2000" b="1" dirty="0">
-                <a:solidFill>
-                  <a:schemeClr val="accent4">
-                    <a:lumMod val="50000"/>
-                  </a:schemeClr>
-                </a:solidFill>
-                <a:latin typeface="Liberation Mono"/>
-                <a:cs typeface="Arial" panose="020B0604020202020204" pitchFamily="34" charset="0"/>
-              </a:rPr>
-              <a:t>modifiers</a:t>
-            </a:r>
-            <a:endParaRPr lang="en-US" sz="2000" b="1" dirty="0">
-              <a:solidFill>
-                <a:schemeClr val="accent4">
-                  <a:lumMod val="50000"/>
-                </a:schemeClr>
-              </a:solidFill>
-              <a:latin typeface="Liberation Mono"/>
-              <a:cs typeface="Arial" panose="020B0604020202020204" pitchFamily="34" charset="0"/>
-            </a:endParaRPr>
-          </a:p>
-          <a:p>
-            <a:r>
-              <a:rPr lang="en-US" sz="2000" dirty="0">
-                <a:solidFill>
-                  <a:srgbClr val="0077AA"/>
-                </a:solidFill>
-                <a:latin typeface="Liberation Mono"/>
-                <a:cs typeface="Arial" panose="020B0604020202020204" pitchFamily="34" charset="0"/>
-              </a:rPr>
-              <a:t>SELECT</a:t>
-            </a:r>
-            <a:r>
-              <a:rPr lang="en-US" sz="2000" dirty="0">
-                <a:solidFill>
-                  <a:schemeClr val="tx1">
-                    <a:lumMod val="95000"/>
-                    <a:lumOff val="5000"/>
-                  </a:schemeClr>
-                </a:solidFill>
-                <a:latin typeface="Liberation Mono"/>
-                <a:cs typeface="Arial" panose="020B0604020202020204" pitchFamily="34" charset="0"/>
-              </a:rPr>
-              <a:t> [</a:t>
-            </a:r>
-            <a:r>
-              <a:rPr lang="en-US" sz="2000" u="heavy" dirty="0">
-                <a:solidFill>
-                  <a:schemeClr val="tx1">
-                    <a:lumMod val="95000"/>
-                    <a:lumOff val="5000"/>
-                  </a:schemeClr>
-                </a:solidFill>
-                <a:uFill>
-                  <a:solidFill>
-                    <a:srgbClr val="570528"/>
-                  </a:solidFill>
-                </a:uFill>
-                <a:latin typeface="Liberation Mono"/>
-                <a:cs typeface="Arial" panose="020B0604020202020204" pitchFamily="34" charset="0"/>
-              </a:rPr>
-              <a:t>ALL / DISTINCT</a:t>
-            </a:r>
-            <a:r>
-              <a:rPr lang="en-US" sz="2000" dirty="0">
-                <a:solidFill>
-                  <a:schemeClr val="tx1">
-                    <a:lumMod val="95000"/>
-                    <a:lumOff val="5000"/>
-                  </a:schemeClr>
-                </a:solidFill>
-                <a:latin typeface="Liberation Mono"/>
-                <a:cs typeface="Arial" panose="020B0604020202020204" pitchFamily="34" charset="0"/>
-              </a:rPr>
-              <a:t>] </a:t>
-            </a:r>
-            <a:r>
-              <a:rPr lang="en-US" sz="2000" dirty="0">
-                <a:solidFill>
-                  <a:srgbClr val="CAA496"/>
-                </a:solidFill>
-                <a:latin typeface="Liberation Mono"/>
-                <a:cs typeface="Arial" panose="020B0604020202020204" pitchFamily="34" charset="0"/>
-              </a:rPr>
-              <a:t>identifier</a:t>
-            </a:r>
-            <a:r>
-              <a:rPr lang="en-US" sz="2000" dirty="0">
-                <a:solidFill>
-                  <a:schemeClr val="tx1">
-                    <a:lumMod val="95000"/>
-                    <a:lumOff val="5000"/>
-                  </a:schemeClr>
-                </a:solidFill>
-                <a:latin typeface="Liberation Mono"/>
-                <a:cs typeface="Arial" panose="020B0604020202020204" pitchFamily="34" charset="0"/>
-              </a:rPr>
-              <a:t>.</a:t>
-            </a:r>
-            <a:r>
-              <a:rPr lang="en-US" sz="2000" dirty="0">
-                <a:solidFill>
-                  <a:srgbClr val="A67F59"/>
-                </a:solidFill>
-                <a:latin typeface="Liberation Mono"/>
-              </a:rPr>
-              <a:t>* </a:t>
-            </a:r>
-            <a:r>
-              <a:rPr lang="en-US" sz="2000" dirty="0">
-                <a:solidFill>
-                  <a:srgbClr val="0077AA"/>
-                </a:solidFill>
-                <a:latin typeface="Liberation Mono"/>
-                <a:cs typeface="Arial" panose="020B0604020202020204" pitchFamily="34" charset="0"/>
-              </a:rPr>
-              <a:t>EXCEPT</a:t>
-            </a:r>
-            <a:r>
-              <a:rPr lang="en-US" sz="2000" dirty="0">
-                <a:solidFill>
-                  <a:srgbClr val="A67F59"/>
-                </a:solidFill>
-                <a:latin typeface="Liberation Mono"/>
-              </a:rPr>
-              <a:t> </a:t>
-            </a:r>
-            <a:r>
-              <a:rPr lang="en-US" sz="2000" i="1" dirty="0">
-                <a:solidFill>
-                  <a:schemeClr val="tx1">
-                    <a:lumMod val="95000"/>
-                    <a:lumOff val="5000"/>
-                  </a:schemeClr>
-                </a:solidFill>
-                <a:latin typeface="Liberation Mono"/>
-                <a:cs typeface="Arial" panose="020B0604020202020204" pitchFamily="34" charset="0"/>
-              </a:rPr>
-              <a:t>(A1, A2)  </a:t>
-            </a:r>
-            <a:r>
-              <a:rPr lang="en-US" sz="2000" dirty="0">
-                <a:solidFill>
-                  <a:schemeClr val="tx1">
-                    <a:lumMod val="95000"/>
-                    <a:lumOff val="5000"/>
-                  </a:schemeClr>
-                </a:solidFill>
-                <a:latin typeface="Liberation Mono"/>
-                <a:cs typeface="Arial" panose="020B0604020202020204" pitchFamily="34" charset="0"/>
-              </a:rPr>
-              <a:t>/ </a:t>
-            </a:r>
-            <a:r>
-              <a:rPr lang="en-US" sz="2000" dirty="0">
-                <a:solidFill>
-                  <a:srgbClr val="CAA496"/>
-                </a:solidFill>
-                <a:latin typeface="Liberation Mono"/>
-                <a:cs typeface="Arial" panose="020B0604020202020204" pitchFamily="34" charset="0"/>
-              </a:rPr>
-              <a:t>identifier</a:t>
-            </a:r>
-            <a:r>
-              <a:rPr lang="en-US" sz="2000" dirty="0">
-                <a:solidFill>
-                  <a:schemeClr val="tx1">
-                    <a:lumMod val="95000"/>
-                    <a:lumOff val="5000"/>
-                  </a:schemeClr>
-                </a:solidFill>
-                <a:latin typeface="Liberation Mono"/>
-                <a:cs typeface="Arial" panose="020B0604020202020204" pitchFamily="34" charset="0"/>
-              </a:rPr>
-              <a:t>.</a:t>
-            </a:r>
-            <a:r>
-              <a:rPr lang="en-US" sz="2000" i="1" dirty="0">
-                <a:solidFill>
-                  <a:schemeClr val="tx1">
-                    <a:lumMod val="95000"/>
-                    <a:lumOff val="5000"/>
-                  </a:schemeClr>
-                </a:solidFill>
-                <a:latin typeface="Liberation Mono"/>
-                <a:cs typeface="Arial" panose="020B0604020202020204" pitchFamily="34" charset="0"/>
-              </a:rPr>
-              <a:t>A</a:t>
-            </a:r>
-            <a:r>
-              <a:rPr lang="en-US" sz="2000" baseline="-25000" dirty="0">
-                <a:solidFill>
-                  <a:schemeClr val="tx1">
-                    <a:lumMod val="95000"/>
-                    <a:lumOff val="5000"/>
-                  </a:schemeClr>
-                </a:solidFill>
-                <a:latin typeface="Liberation Mono"/>
-                <a:cs typeface="Arial" panose="020B0604020202020204" pitchFamily="34" charset="0"/>
-              </a:rPr>
-              <a:t>1</a:t>
-            </a:r>
-            <a:r>
-              <a:rPr lang="en-US" sz="2000" dirty="0">
-                <a:solidFill>
-                  <a:schemeClr val="tx1">
-                    <a:lumMod val="95000"/>
-                    <a:lumOff val="5000"/>
-                  </a:schemeClr>
-                </a:solidFill>
-                <a:latin typeface="Liberation Mono"/>
-                <a:cs typeface="Arial" panose="020B0604020202020204" pitchFamily="34" charset="0"/>
-              </a:rPr>
-              <a:t> [ [as] alias_name], </a:t>
-            </a:r>
-            <a:r>
-              <a:rPr lang="en-US" sz="2000" dirty="0">
-                <a:solidFill>
-                  <a:srgbClr val="CAA496"/>
-                </a:solidFill>
-                <a:latin typeface="Liberation Mono"/>
-                <a:cs typeface="Arial" panose="020B0604020202020204" pitchFamily="34" charset="0"/>
-              </a:rPr>
-              <a:t>identifier</a:t>
-            </a:r>
-            <a:r>
-              <a:rPr lang="en-US" sz="2000" dirty="0">
-                <a:solidFill>
-                  <a:schemeClr val="tx1">
-                    <a:lumMod val="95000"/>
-                    <a:lumOff val="5000"/>
-                  </a:schemeClr>
-                </a:solidFill>
-                <a:latin typeface="Liberation Mono"/>
-                <a:cs typeface="Arial" panose="020B0604020202020204" pitchFamily="34" charset="0"/>
-              </a:rPr>
-              <a:t>.</a:t>
-            </a:r>
-            <a:r>
-              <a:rPr lang="en-US" sz="2000" i="1" dirty="0">
-                <a:solidFill>
-                  <a:schemeClr val="tx1">
-                    <a:lumMod val="95000"/>
-                    <a:lumOff val="5000"/>
-                  </a:schemeClr>
-                </a:solidFill>
-                <a:latin typeface="Liberation Mono"/>
-                <a:cs typeface="Arial" panose="020B0604020202020204" pitchFamily="34" charset="0"/>
-              </a:rPr>
-              <a:t>A</a:t>
-            </a:r>
-            <a:r>
-              <a:rPr lang="en-US" sz="2000" baseline="-25000" dirty="0">
-                <a:solidFill>
-                  <a:schemeClr val="tx1">
-                    <a:lumMod val="95000"/>
-                    <a:lumOff val="5000"/>
-                  </a:schemeClr>
-                </a:solidFill>
-                <a:latin typeface="Liberation Mono"/>
-                <a:cs typeface="Arial" panose="020B0604020202020204" pitchFamily="34" charset="0"/>
-              </a:rPr>
-              <a:t>2</a:t>
-            </a:r>
-            <a:r>
-              <a:rPr lang="en-US" sz="2000" dirty="0">
-                <a:solidFill>
-                  <a:schemeClr val="tx1">
-                    <a:lumMod val="95000"/>
-                    <a:lumOff val="5000"/>
-                  </a:schemeClr>
-                </a:solidFill>
-                <a:latin typeface="Liberation Mono"/>
-                <a:cs typeface="Arial" panose="020B0604020202020204" pitchFamily="34" charset="0"/>
-              </a:rPr>
-              <a:t> [ [as] alias_name], expression1 [ [as] alias_name], expression2 [ [as] alias_name] </a:t>
-            </a:r>
-            <a:r>
-              <a:rPr lang="en-US" sz="2000" dirty="0">
-                <a:solidFill>
-                  <a:schemeClr val="bg1">
-                    <a:lumMod val="50000"/>
-                  </a:schemeClr>
-                </a:solidFill>
-                <a:latin typeface="Liberation Mono"/>
-                <a:cs typeface="Arial" panose="020B0604020202020204" pitchFamily="34" charset="0"/>
-              </a:rPr>
-              <a:t>. . .</a:t>
-            </a:r>
-            <a:r>
-              <a:rPr lang="en-US" sz="2000" dirty="0">
-                <a:solidFill>
-                  <a:schemeClr val="tx1">
-                    <a:lumMod val="95000"/>
-                    <a:lumOff val="5000"/>
-                  </a:schemeClr>
-                </a:solidFill>
-                <a:latin typeface="Liberation Mono"/>
-                <a:cs typeface="Arial" panose="020B0604020202020204" pitchFamily="34" charset="0"/>
-              </a:rPr>
-              <a:t> </a:t>
-            </a:r>
-          </a:p>
-          <a:p>
-            <a:endParaRPr lang="en-US" sz="800" dirty="0">
-              <a:solidFill>
-                <a:schemeClr val="tx1">
-                  <a:lumMod val="95000"/>
-                  <a:lumOff val="5000"/>
-                </a:schemeClr>
-              </a:solidFill>
-              <a:latin typeface="Liberation Mono"/>
-              <a:cs typeface="Arial" panose="020B0604020202020204" pitchFamily="34" charset="0"/>
-            </a:endParaRPr>
-          </a:p>
-          <a:p>
-            <a:pPr marL="342900" indent="-342900">
-              <a:buFont typeface="Arial" panose="020B0604020202020204" pitchFamily="34" charset="0"/>
-              <a:buChar char="•"/>
-            </a:pPr>
-            <a:r>
-              <a:rPr lang="en-US" sz="2000" dirty="0">
-                <a:solidFill>
-                  <a:schemeClr val="tx1">
-                    <a:lumMod val="95000"/>
-                    <a:lumOff val="5000"/>
-                  </a:schemeClr>
-                </a:solidFill>
-                <a:latin typeface="Liberation Mono"/>
-                <a:cs typeface="Arial" panose="020B0604020202020204" pitchFamily="34" charset="0"/>
-              </a:rPr>
-              <a:t>[ </a:t>
-            </a:r>
-            <a:r>
-              <a:rPr lang="en-US" sz="2000" dirty="0">
-                <a:solidFill>
-                  <a:srgbClr val="0077AA"/>
-                </a:solidFill>
-                <a:latin typeface="Liberation Mono"/>
-                <a:cs typeface="Arial" panose="020B0604020202020204" pitchFamily="34" charset="0"/>
-              </a:rPr>
-              <a:t>FROM</a:t>
-            </a:r>
-            <a:r>
-              <a:rPr lang="en-US" sz="2000" dirty="0">
-                <a:solidFill>
-                  <a:schemeClr val="tx1">
-                    <a:lumMod val="95000"/>
-                    <a:lumOff val="5000"/>
-                  </a:schemeClr>
-                </a:solidFill>
-                <a:latin typeface="Liberation Mono"/>
-                <a:cs typeface="Arial" panose="020B0604020202020204" pitchFamily="34" charset="0"/>
-              </a:rPr>
-              <a:t> &lt;</a:t>
-            </a:r>
-            <a:r>
-              <a:rPr lang="en-US" sz="2000" dirty="0">
-                <a:solidFill>
-                  <a:srgbClr val="CAA496"/>
-                </a:solidFill>
-                <a:latin typeface="Liberation Mono"/>
-                <a:cs typeface="Arial" panose="020B0604020202020204" pitchFamily="34" charset="0"/>
-              </a:rPr>
-              <a:t>identifier</a:t>
-            </a:r>
-            <a:r>
-              <a:rPr lang="en-US" sz="2000" dirty="0">
-                <a:solidFill>
-                  <a:schemeClr val="tx1">
-                    <a:lumMod val="95000"/>
-                    <a:lumOff val="5000"/>
-                  </a:schemeClr>
-                </a:solidFill>
-                <a:latin typeface="Liberation Mono"/>
-                <a:cs typeface="Arial" panose="020B0604020202020204" pitchFamily="34" charset="0"/>
-              </a:rPr>
-              <a:t>.</a:t>
-            </a:r>
-            <a:r>
-              <a:rPr lang="en-US" sz="2000" i="1" dirty="0">
-                <a:solidFill>
-                  <a:schemeClr val="tx1">
-                    <a:lumMod val="95000"/>
-                    <a:lumOff val="5000"/>
-                  </a:schemeClr>
-                </a:solidFill>
-                <a:latin typeface="Liberation Mono"/>
-                <a:cs typeface="Arial" panose="020B0604020202020204" pitchFamily="34" charset="0"/>
-              </a:rPr>
-              <a:t>r</a:t>
-            </a:r>
-            <a:r>
-              <a:rPr lang="en-US" sz="2000" baseline="-25000" dirty="0">
-                <a:solidFill>
-                  <a:schemeClr val="tx1">
-                    <a:lumMod val="95000"/>
-                    <a:lumOff val="5000"/>
-                  </a:schemeClr>
-                </a:solidFill>
-                <a:latin typeface="Liberation Mono"/>
-                <a:cs typeface="Arial" panose="020B0604020202020204" pitchFamily="34" charset="0"/>
-              </a:rPr>
-              <a:t>1</a:t>
-            </a:r>
-            <a:r>
-              <a:rPr lang="en-US" sz="2000" dirty="0">
-                <a:solidFill>
-                  <a:schemeClr val="tx1">
-                    <a:lumMod val="95000"/>
-                    <a:lumOff val="5000"/>
-                  </a:schemeClr>
-                </a:solidFill>
-                <a:latin typeface="Liberation Mono"/>
-                <a:cs typeface="Arial" panose="020B0604020202020204" pitchFamily="34" charset="0"/>
-              </a:rPr>
-              <a:t>&gt; [as] alias_name], &lt;</a:t>
-            </a:r>
-            <a:r>
-              <a:rPr lang="en-US" sz="2000" dirty="0">
-                <a:solidFill>
-                  <a:srgbClr val="CAA496"/>
-                </a:solidFill>
-                <a:latin typeface="Liberation Mono"/>
-                <a:cs typeface="Arial" panose="020B0604020202020204" pitchFamily="34" charset="0"/>
-              </a:rPr>
-              <a:t>identifier</a:t>
-            </a:r>
-            <a:r>
-              <a:rPr lang="en-US" sz="2000" dirty="0">
-                <a:solidFill>
-                  <a:schemeClr val="tx1">
-                    <a:lumMod val="95000"/>
-                    <a:lumOff val="5000"/>
-                  </a:schemeClr>
-                </a:solidFill>
-                <a:latin typeface="Liberation Mono"/>
-                <a:cs typeface="Arial" panose="020B0604020202020204" pitchFamily="34" charset="0"/>
-              </a:rPr>
-              <a:t>.</a:t>
-            </a:r>
-            <a:r>
-              <a:rPr lang="en-US" sz="2000" i="1" dirty="0">
-                <a:solidFill>
-                  <a:schemeClr val="tx1">
-                    <a:lumMod val="95000"/>
-                    <a:lumOff val="5000"/>
-                  </a:schemeClr>
-                </a:solidFill>
-                <a:latin typeface="Liberation Mono"/>
-                <a:cs typeface="Arial" panose="020B0604020202020204" pitchFamily="34" charset="0"/>
-              </a:rPr>
-              <a:t>r</a:t>
-            </a:r>
-            <a:r>
-              <a:rPr lang="en-US" sz="2000" baseline="-25000" dirty="0">
-                <a:solidFill>
-                  <a:schemeClr val="tx1">
-                    <a:lumMod val="95000"/>
-                    <a:lumOff val="5000"/>
-                  </a:schemeClr>
-                </a:solidFill>
-                <a:latin typeface="Liberation Mono"/>
-                <a:cs typeface="Arial" panose="020B0604020202020204" pitchFamily="34" charset="0"/>
-              </a:rPr>
-              <a:t>2</a:t>
-            </a:r>
-            <a:r>
-              <a:rPr lang="en-US" sz="2000" dirty="0">
-                <a:solidFill>
-                  <a:schemeClr val="tx1">
-                    <a:lumMod val="95000"/>
-                    <a:lumOff val="5000"/>
-                  </a:schemeClr>
-                </a:solidFill>
-                <a:latin typeface="Liberation Mono"/>
-                <a:cs typeface="Arial" panose="020B0604020202020204" pitchFamily="34" charset="0"/>
-              </a:rPr>
-              <a:t>&gt; [as] alias_name], </a:t>
-            </a:r>
-            <a:r>
-              <a:rPr lang="en-US" sz="2000" dirty="0">
-                <a:solidFill>
-                  <a:schemeClr val="bg1">
-                    <a:lumMod val="50000"/>
-                  </a:schemeClr>
-                </a:solidFill>
-                <a:latin typeface="Liberation Mono"/>
-                <a:cs typeface="Arial" panose="020B0604020202020204" pitchFamily="34" charset="0"/>
-              </a:rPr>
-              <a:t>. . .</a:t>
-            </a:r>
-            <a:r>
-              <a:rPr lang="en-US" sz="2000" dirty="0">
-                <a:solidFill>
-                  <a:schemeClr val="tx1">
-                    <a:lumMod val="95000"/>
-                    <a:lumOff val="5000"/>
-                  </a:schemeClr>
-                </a:solidFill>
-                <a:latin typeface="Liberation Mono"/>
-                <a:cs typeface="Arial" panose="020B0604020202020204" pitchFamily="34" charset="0"/>
-              </a:rPr>
-              <a:t> ]</a:t>
-            </a:r>
-          </a:p>
-          <a:p>
-            <a:pPr marL="285750" indent="-285750">
-              <a:lnSpc>
-                <a:spcPct val="150000"/>
-              </a:lnSpc>
-              <a:buFont typeface="Arial" panose="020B0604020202020204" pitchFamily="34" charset="0"/>
-              <a:buChar char="•"/>
-            </a:pPr>
-            <a:r>
-              <a:rPr lang="en-US" sz="2000" dirty="0">
-                <a:solidFill>
-                  <a:schemeClr val="tx1">
-                    <a:lumMod val="95000"/>
-                    <a:lumOff val="5000"/>
-                  </a:schemeClr>
-                </a:solidFill>
-                <a:latin typeface="Liberation Mono"/>
-                <a:cs typeface="Arial" panose="020B0604020202020204" pitchFamily="34" charset="0"/>
-              </a:rPr>
-              <a:t> [ </a:t>
-            </a:r>
-            <a:r>
-              <a:rPr lang="en-US" sz="2000" dirty="0">
-                <a:solidFill>
-                  <a:srgbClr val="0077AA"/>
-                </a:solidFill>
-                <a:latin typeface="Liberation Mono"/>
-                <a:cs typeface="Arial" panose="020B0604020202020204" pitchFamily="34" charset="0"/>
-              </a:rPr>
-              <a:t>WHERE</a:t>
-            </a:r>
-            <a:r>
-              <a:rPr lang="en-US" sz="2000" dirty="0">
-                <a:solidFill>
-                  <a:schemeClr val="tx1">
-                    <a:lumMod val="95000"/>
-                    <a:lumOff val="5000"/>
-                  </a:schemeClr>
-                </a:solidFill>
-                <a:latin typeface="Liberation Mono"/>
-                <a:cs typeface="Arial" panose="020B0604020202020204" pitchFamily="34" charset="0"/>
-              </a:rPr>
-              <a:t> &lt; where_condition1 &gt; { </a:t>
-            </a:r>
-            <a:r>
-              <a:rPr lang="en-US" sz="2000" dirty="0">
-                <a:solidFill>
-                  <a:srgbClr val="A67F59"/>
-                </a:solidFill>
-                <a:latin typeface="Liberation Mono"/>
-              </a:rPr>
-              <a:t>and</a:t>
-            </a:r>
-            <a:r>
-              <a:rPr lang="en-US" sz="2000" dirty="0">
-                <a:solidFill>
-                  <a:schemeClr val="tx1">
-                    <a:lumMod val="95000"/>
-                    <a:lumOff val="5000"/>
-                  </a:schemeClr>
-                </a:solidFill>
-                <a:latin typeface="Liberation Mono"/>
-                <a:cs typeface="Arial" panose="020B0604020202020204" pitchFamily="34" charset="0"/>
-              </a:rPr>
-              <a:t> </a:t>
-            </a:r>
-            <a:r>
-              <a:rPr lang="en-US" sz="2000" dirty="0">
-                <a:solidFill>
-                  <a:schemeClr val="bg1">
-                    <a:lumMod val="65000"/>
-                  </a:schemeClr>
-                </a:solidFill>
-                <a:latin typeface="Liberation Mono"/>
-                <a:cs typeface="Arial" panose="020B0604020202020204" pitchFamily="34" charset="0"/>
-              </a:rPr>
-              <a:t>|</a:t>
-            </a:r>
-            <a:r>
-              <a:rPr lang="en-US" sz="2000" dirty="0">
-                <a:solidFill>
-                  <a:schemeClr val="tx1">
-                    <a:lumMod val="95000"/>
-                    <a:lumOff val="5000"/>
-                  </a:schemeClr>
-                </a:solidFill>
-                <a:latin typeface="Liberation Mono"/>
-                <a:cs typeface="Arial" panose="020B0604020202020204" pitchFamily="34" charset="0"/>
-              </a:rPr>
-              <a:t> </a:t>
-            </a:r>
-            <a:r>
-              <a:rPr lang="en-US" sz="2000" dirty="0">
-                <a:solidFill>
-                  <a:srgbClr val="A67F59"/>
-                </a:solidFill>
-                <a:latin typeface="Liberation Mono"/>
-              </a:rPr>
-              <a:t>or</a:t>
-            </a:r>
-            <a:r>
-              <a:rPr lang="en-US" sz="2000" dirty="0">
-                <a:solidFill>
-                  <a:schemeClr val="tx1">
-                    <a:lumMod val="95000"/>
-                    <a:lumOff val="5000"/>
-                  </a:schemeClr>
-                </a:solidFill>
-                <a:latin typeface="Liberation Mono"/>
-                <a:cs typeface="Arial" panose="020B0604020202020204" pitchFamily="34" charset="0"/>
-              </a:rPr>
-              <a:t> } &lt; where_condition2 &gt; </a:t>
-            </a:r>
-            <a:r>
-              <a:rPr lang="en-US" sz="2000" dirty="0">
-                <a:solidFill>
-                  <a:schemeClr val="bg1">
-                    <a:lumMod val="50000"/>
-                  </a:schemeClr>
-                </a:solidFill>
-                <a:latin typeface="Liberation Mono"/>
-                <a:cs typeface="Arial" panose="020B0604020202020204" pitchFamily="34" charset="0"/>
-              </a:rPr>
-              <a:t>. . .</a:t>
-            </a:r>
-            <a:r>
-              <a:rPr lang="en-US" sz="2000" dirty="0">
-                <a:solidFill>
-                  <a:schemeClr val="tx1">
-                    <a:lumMod val="95000"/>
-                    <a:lumOff val="5000"/>
-                  </a:schemeClr>
-                </a:solidFill>
-                <a:latin typeface="Liberation Mono"/>
-                <a:cs typeface="Arial" panose="020B0604020202020204" pitchFamily="34" charset="0"/>
-              </a:rPr>
-              <a:t> ]</a:t>
-            </a:r>
-          </a:p>
-          <a:p>
-            <a:pPr marL="285750" indent="-285750">
-              <a:lnSpc>
-                <a:spcPct val="150000"/>
-              </a:lnSpc>
-              <a:buFont typeface="Arial" panose="020B0604020202020204" pitchFamily="34" charset="0"/>
-              <a:buChar char="•"/>
-            </a:pPr>
-            <a:r>
-              <a:rPr lang="en-US" sz="2000" dirty="0">
-                <a:solidFill>
-                  <a:schemeClr val="tx1">
-                    <a:lumMod val="95000"/>
-                    <a:lumOff val="5000"/>
-                  </a:schemeClr>
-                </a:solidFill>
-                <a:latin typeface="Liberation Mono"/>
-                <a:cs typeface="Arial" panose="020B0604020202020204" pitchFamily="34" charset="0"/>
-              </a:rPr>
-              <a:t> [ </a:t>
-            </a:r>
-            <a:r>
-              <a:rPr lang="en-US" sz="2000" dirty="0">
-                <a:solidFill>
-                  <a:srgbClr val="0077AA"/>
-                </a:solidFill>
-                <a:latin typeface="Liberation Mono"/>
-                <a:cs typeface="Arial" panose="020B0604020202020204" pitchFamily="34" charset="0"/>
-              </a:rPr>
-              <a:t>GROUP</a:t>
-            </a:r>
-            <a:r>
-              <a:rPr lang="en-US" sz="2000" dirty="0">
-                <a:solidFill>
-                  <a:schemeClr val="tx1">
-                    <a:lumMod val="95000"/>
-                    <a:lumOff val="5000"/>
-                  </a:schemeClr>
-                </a:solidFill>
-                <a:latin typeface="Liberation Mono"/>
-                <a:cs typeface="Arial" panose="020B0604020202020204" pitchFamily="34" charset="0"/>
-              </a:rPr>
-              <a:t> </a:t>
-            </a:r>
-            <a:r>
-              <a:rPr lang="en-US" sz="2000" dirty="0">
-                <a:solidFill>
-                  <a:srgbClr val="0077AA"/>
-                </a:solidFill>
-                <a:latin typeface="Liberation Mono"/>
-                <a:cs typeface="Arial" panose="020B0604020202020204" pitchFamily="34" charset="0"/>
-              </a:rPr>
-              <a:t>BY</a:t>
-            </a:r>
-            <a:r>
-              <a:rPr lang="en-US" sz="2000" dirty="0">
-                <a:solidFill>
-                  <a:schemeClr val="tx1">
-                    <a:lumMod val="95000"/>
-                    <a:lumOff val="5000"/>
-                  </a:schemeClr>
-                </a:solidFill>
-                <a:latin typeface="Liberation Mono"/>
-                <a:cs typeface="Arial" panose="020B0604020202020204" pitchFamily="34" charset="0"/>
-              </a:rPr>
-              <a:t> &lt; { col_name </a:t>
-            </a:r>
-            <a:r>
-              <a:rPr lang="en-US" sz="2000" dirty="0">
-                <a:solidFill>
-                  <a:schemeClr val="bg1">
-                    <a:lumMod val="65000"/>
-                  </a:schemeClr>
-                </a:solidFill>
-                <a:latin typeface="Liberation Mono"/>
-                <a:cs typeface="Arial" panose="020B0604020202020204" pitchFamily="34" charset="0"/>
-              </a:rPr>
-              <a:t>|</a:t>
-            </a:r>
-            <a:r>
-              <a:rPr lang="en-US" sz="2000" dirty="0">
-                <a:solidFill>
-                  <a:schemeClr val="tx1">
-                    <a:lumMod val="95000"/>
-                    <a:lumOff val="5000"/>
-                  </a:schemeClr>
-                </a:solidFill>
-                <a:latin typeface="Liberation Mono"/>
-                <a:cs typeface="Arial" panose="020B0604020202020204" pitchFamily="34" charset="0"/>
-              </a:rPr>
-              <a:t> expr </a:t>
-            </a:r>
-            <a:r>
-              <a:rPr lang="en-US" sz="2000" dirty="0">
-                <a:solidFill>
-                  <a:schemeClr val="bg1">
-                    <a:lumMod val="65000"/>
-                  </a:schemeClr>
-                </a:solidFill>
-                <a:latin typeface="Liberation Mono"/>
-                <a:cs typeface="Arial" panose="020B0604020202020204" pitchFamily="34" charset="0"/>
-              </a:rPr>
-              <a:t>|</a:t>
-            </a:r>
-            <a:r>
-              <a:rPr lang="en-US" sz="2000" dirty="0">
-                <a:solidFill>
-                  <a:schemeClr val="tx1">
-                    <a:lumMod val="95000"/>
-                    <a:lumOff val="5000"/>
-                  </a:schemeClr>
-                </a:solidFill>
-                <a:latin typeface="Liberation Mono"/>
-                <a:cs typeface="Arial" panose="020B0604020202020204" pitchFamily="34" charset="0"/>
-              </a:rPr>
-              <a:t> position }, </a:t>
-            </a:r>
-            <a:r>
-              <a:rPr lang="en-US" sz="2000" dirty="0">
-                <a:solidFill>
-                  <a:schemeClr val="bg1">
-                    <a:lumMod val="50000"/>
-                  </a:schemeClr>
-                </a:solidFill>
-                <a:latin typeface="Liberation Mono"/>
-                <a:cs typeface="Arial" panose="020B0604020202020204" pitchFamily="34" charset="0"/>
-              </a:rPr>
-              <a:t>. . .</a:t>
-            </a:r>
-            <a:r>
-              <a:rPr lang="en-US" sz="2000" dirty="0">
-                <a:solidFill>
-                  <a:schemeClr val="tx1">
-                    <a:lumMod val="95000"/>
-                    <a:lumOff val="5000"/>
-                  </a:schemeClr>
-                </a:solidFill>
-                <a:latin typeface="Liberation Mono"/>
-                <a:cs typeface="Arial" panose="020B0604020202020204" pitchFamily="34" charset="0"/>
-              </a:rPr>
-              <a:t> [ WITH ROLLUP ] &gt; ]</a:t>
-            </a:r>
-          </a:p>
-          <a:p>
-            <a:pPr marL="285750" indent="-285750">
-              <a:lnSpc>
-                <a:spcPct val="150000"/>
-              </a:lnSpc>
-              <a:buFont typeface="Arial" panose="020B0604020202020204" pitchFamily="34" charset="0"/>
-              <a:buChar char="•"/>
-            </a:pPr>
-            <a:r>
-              <a:rPr lang="en-US" sz="2000" dirty="0">
-                <a:solidFill>
-                  <a:schemeClr val="tx1">
-                    <a:lumMod val="95000"/>
-                    <a:lumOff val="5000"/>
-                  </a:schemeClr>
-                </a:solidFill>
-                <a:latin typeface="Liberation Mono"/>
-                <a:cs typeface="Arial" panose="020B0604020202020204" pitchFamily="34" charset="0"/>
-              </a:rPr>
-              <a:t> [ </a:t>
-            </a:r>
-            <a:r>
-              <a:rPr lang="en-US" sz="2000" dirty="0">
-                <a:solidFill>
-                  <a:srgbClr val="0077AA"/>
-                </a:solidFill>
-                <a:latin typeface="Liberation Mono"/>
-                <a:cs typeface="Arial" panose="020B0604020202020204" pitchFamily="34" charset="0"/>
-              </a:rPr>
-              <a:t>HAVING</a:t>
-            </a:r>
-            <a:r>
-              <a:rPr lang="en-US" sz="2000" dirty="0">
-                <a:solidFill>
-                  <a:schemeClr val="tx1">
-                    <a:lumMod val="95000"/>
-                    <a:lumOff val="5000"/>
-                  </a:schemeClr>
-                </a:solidFill>
-                <a:latin typeface="Liberation Mono"/>
-                <a:cs typeface="Arial" panose="020B0604020202020204" pitchFamily="34" charset="0"/>
-              </a:rPr>
-              <a:t> &lt; having_condition1 &gt; { </a:t>
-            </a:r>
-            <a:r>
-              <a:rPr lang="en-US" sz="2000" dirty="0">
-                <a:solidFill>
-                  <a:srgbClr val="A67F59"/>
-                </a:solidFill>
-                <a:latin typeface="Liberation Mono"/>
-              </a:rPr>
-              <a:t>and</a:t>
-            </a:r>
-            <a:r>
-              <a:rPr lang="en-US" sz="2000" dirty="0">
-                <a:solidFill>
-                  <a:schemeClr val="tx1">
-                    <a:lumMod val="95000"/>
-                    <a:lumOff val="5000"/>
-                  </a:schemeClr>
-                </a:solidFill>
-                <a:latin typeface="Liberation Mono"/>
-                <a:cs typeface="Arial" panose="020B0604020202020204" pitchFamily="34" charset="0"/>
-              </a:rPr>
-              <a:t> </a:t>
-            </a:r>
-            <a:r>
-              <a:rPr lang="en-US" sz="2000" dirty="0">
-                <a:solidFill>
-                  <a:schemeClr val="bg1">
-                    <a:lumMod val="65000"/>
-                  </a:schemeClr>
-                </a:solidFill>
-                <a:latin typeface="Liberation Mono"/>
-                <a:cs typeface="Arial" panose="020B0604020202020204" pitchFamily="34" charset="0"/>
-              </a:rPr>
-              <a:t>|</a:t>
-            </a:r>
-            <a:r>
-              <a:rPr lang="en-US" sz="2000" dirty="0">
-                <a:solidFill>
-                  <a:schemeClr val="tx1">
-                    <a:lumMod val="95000"/>
-                    <a:lumOff val="5000"/>
-                  </a:schemeClr>
-                </a:solidFill>
-                <a:latin typeface="Liberation Mono"/>
-                <a:cs typeface="Arial" panose="020B0604020202020204" pitchFamily="34" charset="0"/>
-              </a:rPr>
-              <a:t> </a:t>
-            </a:r>
-            <a:r>
-              <a:rPr lang="en-US" sz="2000" dirty="0">
-                <a:solidFill>
-                  <a:srgbClr val="A67F59"/>
-                </a:solidFill>
-                <a:latin typeface="Liberation Mono"/>
-              </a:rPr>
-              <a:t>or</a:t>
-            </a:r>
-            <a:r>
-              <a:rPr lang="en-US" sz="2000" dirty="0">
-                <a:solidFill>
-                  <a:schemeClr val="tx1">
-                    <a:lumMod val="95000"/>
-                    <a:lumOff val="5000"/>
-                  </a:schemeClr>
-                </a:solidFill>
-                <a:latin typeface="Liberation Mono"/>
-                <a:cs typeface="Arial" panose="020B0604020202020204" pitchFamily="34" charset="0"/>
-              </a:rPr>
-              <a:t> } &lt; having_condition2 &gt; </a:t>
-            </a:r>
-            <a:r>
-              <a:rPr lang="en-US" sz="2000" dirty="0">
-                <a:solidFill>
-                  <a:schemeClr val="bg1">
-                    <a:lumMod val="50000"/>
-                  </a:schemeClr>
-                </a:solidFill>
-                <a:latin typeface="Liberation Mono"/>
-                <a:cs typeface="Arial" panose="020B0604020202020204" pitchFamily="34" charset="0"/>
-              </a:rPr>
-              <a:t>. . .</a:t>
-            </a:r>
-            <a:r>
-              <a:rPr lang="en-US" sz="2000" dirty="0">
-                <a:solidFill>
-                  <a:schemeClr val="tx1">
-                    <a:lumMod val="95000"/>
-                    <a:lumOff val="5000"/>
-                  </a:schemeClr>
-                </a:solidFill>
-                <a:latin typeface="Liberation Mono"/>
-                <a:cs typeface="Arial" panose="020B0604020202020204" pitchFamily="34" charset="0"/>
-              </a:rPr>
-              <a:t> ]</a:t>
-            </a:r>
-          </a:p>
-          <a:p>
-            <a:pPr marL="285750" indent="-285750">
-              <a:lnSpc>
-                <a:spcPct val="150000"/>
-              </a:lnSpc>
-              <a:buFont typeface="Arial" panose="020B0604020202020204" pitchFamily="34" charset="0"/>
-              <a:buChar char="•"/>
-            </a:pPr>
-            <a:r>
-              <a:rPr lang="en-US" sz="2000" dirty="0">
-                <a:solidFill>
-                  <a:schemeClr val="tx1">
-                    <a:lumMod val="95000"/>
-                    <a:lumOff val="5000"/>
-                  </a:schemeClr>
-                </a:solidFill>
-                <a:latin typeface="Liberation Mono"/>
-                <a:cs typeface="Arial" panose="020B0604020202020204" pitchFamily="34" charset="0"/>
-              </a:rPr>
-              <a:t> [ </a:t>
-            </a:r>
-            <a:r>
-              <a:rPr lang="en-US" sz="2000" dirty="0">
-                <a:solidFill>
-                  <a:srgbClr val="0077AA"/>
-                </a:solidFill>
-                <a:latin typeface="Liberation Mono"/>
-                <a:cs typeface="Arial" panose="020B0604020202020204" pitchFamily="34" charset="0"/>
-              </a:rPr>
-              <a:t>WINDOW</a:t>
-            </a:r>
-            <a:r>
-              <a:rPr lang="en-US" sz="2000" dirty="0">
-                <a:solidFill>
-                  <a:schemeClr val="tx1">
-                    <a:lumMod val="95000"/>
-                    <a:lumOff val="5000"/>
-                  </a:schemeClr>
-                </a:solidFill>
-                <a:latin typeface="Liberation Mono"/>
-                <a:cs typeface="Arial" panose="020B0604020202020204" pitchFamily="34" charset="0"/>
-              </a:rPr>
-              <a:t> windowName AS windowSpecification ]</a:t>
-            </a:r>
-          </a:p>
-          <a:p>
-            <a:pPr marL="285750" indent="-285750">
-              <a:lnSpc>
-                <a:spcPct val="150000"/>
-              </a:lnSpc>
-              <a:buFont typeface="Arial" panose="020B0604020202020204" pitchFamily="34" charset="0"/>
-              <a:buChar char="•"/>
-            </a:pPr>
-            <a:r>
-              <a:rPr lang="en-US" sz="2000" dirty="0">
-                <a:solidFill>
-                  <a:schemeClr val="tx1">
-                    <a:lumMod val="95000"/>
-                    <a:lumOff val="5000"/>
-                  </a:schemeClr>
-                </a:solidFill>
-                <a:latin typeface="Liberation Mono"/>
-                <a:cs typeface="Arial" panose="020B0604020202020204" pitchFamily="34" charset="0"/>
-              </a:rPr>
-              <a:t> [ </a:t>
-            </a:r>
-            <a:r>
-              <a:rPr lang="en-US" sz="2000" dirty="0">
-                <a:solidFill>
-                  <a:srgbClr val="0077AA"/>
-                </a:solidFill>
-                <a:latin typeface="Liberation Mono"/>
-                <a:cs typeface="Arial" panose="020B0604020202020204" pitchFamily="34" charset="0"/>
-              </a:rPr>
-              <a:t>QUALIFY</a:t>
-            </a:r>
-            <a:r>
-              <a:rPr lang="en-US" sz="2000" dirty="0">
-                <a:solidFill>
-                  <a:schemeClr val="tx1">
-                    <a:lumMod val="95000"/>
-                    <a:lumOff val="5000"/>
-                  </a:schemeClr>
-                </a:solidFill>
-                <a:latin typeface="Liberation Mono"/>
-                <a:cs typeface="Arial" panose="020B0604020202020204" pitchFamily="34" charset="0"/>
-              </a:rPr>
-              <a:t> expression ]</a:t>
-            </a:r>
-          </a:p>
-          <a:p>
-            <a:pPr marL="285750" indent="-285750">
-              <a:lnSpc>
-                <a:spcPct val="150000"/>
-              </a:lnSpc>
-              <a:buFont typeface="Arial" panose="020B0604020202020204" pitchFamily="34" charset="0"/>
-              <a:buChar char="•"/>
-            </a:pPr>
-            <a:r>
-              <a:rPr lang="en-US" sz="2000" dirty="0">
-                <a:solidFill>
-                  <a:schemeClr val="tx1">
-                    <a:lumMod val="95000"/>
-                    <a:lumOff val="5000"/>
-                  </a:schemeClr>
-                </a:solidFill>
-                <a:latin typeface="Liberation Mono"/>
-                <a:cs typeface="Arial" panose="020B0604020202020204" pitchFamily="34" charset="0"/>
-              </a:rPr>
-              <a:t> [ </a:t>
-            </a:r>
-            <a:r>
-              <a:rPr lang="en-US" sz="2000" dirty="0">
-                <a:solidFill>
-                  <a:srgbClr val="0077AA"/>
-                </a:solidFill>
-                <a:latin typeface="Liberation Mono"/>
-                <a:cs typeface="Arial" panose="020B0604020202020204" pitchFamily="34" charset="0"/>
-              </a:rPr>
-              <a:t>UNION</a:t>
-            </a:r>
-            <a:r>
-              <a:rPr lang="en-US" sz="2000" dirty="0">
-                <a:solidFill>
-                  <a:schemeClr val="tx1">
-                    <a:lumMod val="95000"/>
-                    <a:lumOff val="5000"/>
-                  </a:schemeClr>
-                </a:solidFill>
-                <a:latin typeface="Liberation Mono"/>
-                <a:cs typeface="Arial" panose="020B0604020202020204" pitchFamily="34" charset="0"/>
-              </a:rPr>
-              <a:t> [ ALL ] query	| </a:t>
-            </a:r>
-            <a:r>
-              <a:rPr lang="en-US" sz="2000" dirty="0">
-                <a:solidFill>
-                  <a:srgbClr val="0077AA"/>
-                </a:solidFill>
-                <a:latin typeface="Liberation Mono"/>
-                <a:cs typeface="Arial" panose="020B0604020202020204" pitchFamily="34" charset="0"/>
-              </a:rPr>
-              <a:t>EXCEPT</a:t>
-            </a:r>
-            <a:r>
-              <a:rPr lang="en-US" sz="2000" dirty="0">
-                <a:solidFill>
-                  <a:schemeClr val="tx1">
-                    <a:lumMod val="95000"/>
-                    <a:lumOff val="5000"/>
-                  </a:schemeClr>
-                </a:solidFill>
-                <a:latin typeface="Liberation Mono"/>
-                <a:cs typeface="Arial" panose="020B0604020202020204" pitchFamily="34" charset="0"/>
-              </a:rPr>
-              <a:t> query | </a:t>
-            </a:r>
-            <a:r>
-              <a:rPr lang="en-US" sz="2000" dirty="0">
-                <a:solidFill>
-                  <a:srgbClr val="0077AA"/>
-                </a:solidFill>
-                <a:latin typeface="Liberation Mono"/>
-                <a:cs typeface="Arial" panose="020B0604020202020204" pitchFamily="34" charset="0"/>
-              </a:rPr>
-              <a:t>INTERSECT</a:t>
-            </a:r>
-            <a:r>
-              <a:rPr lang="en-US" sz="2000" dirty="0">
-                <a:solidFill>
-                  <a:schemeClr val="tx1">
-                    <a:lumMod val="95000"/>
-                    <a:lumOff val="5000"/>
-                  </a:schemeClr>
-                </a:solidFill>
-                <a:latin typeface="Liberation Mono"/>
-                <a:cs typeface="Arial" panose="020B0604020202020204" pitchFamily="34" charset="0"/>
-              </a:rPr>
-              <a:t> query ]</a:t>
-            </a:r>
-          </a:p>
-          <a:p>
-            <a:pPr marL="285750" indent="-285750">
-              <a:lnSpc>
-                <a:spcPct val="150000"/>
-              </a:lnSpc>
-              <a:buFont typeface="Arial" panose="020B0604020202020204" pitchFamily="34" charset="0"/>
-              <a:buChar char="•"/>
-            </a:pPr>
-            <a:r>
-              <a:rPr lang="en-IN" sz="2000" b="0" i="0" dirty="0">
-                <a:solidFill>
-                  <a:srgbClr val="000000"/>
-                </a:solidFill>
-                <a:effectLst/>
-                <a:latin typeface="Arial" panose="020B0604020202020204" pitchFamily="34" charset="0"/>
-              </a:rPr>
-              <a:t> </a:t>
-            </a:r>
-            <a:r>
-              <a:rPr lang="en-US" sz="2000" dirty="0">
-                <a:solidFill>
-                  <a:schemeClr val="tx1">
-                    <a:lumMod val="95000"/>
-                    <a:lumOff val="5000"/>
-                  </a:schemeClr>
-                </a:solidFill>
-                <a:latin typeface="Liberation Mono"/>
-                <a:cs typeface="Arial" panose="020B0604020202020204" pitchFamily="34" charset="0"/>
-              </a:rPr>
-              <a:t>[ </a:t>
-            </a:r>
-            <a:r>
-              <a:rPr lang="en-US" sz="2000" dirty="0">
-                <a:solidFill>
-                  <a:srgbClr val="0077AA"/>
-                </a:solidFill>
-                <a:latin typeface="Liberation Mono"/>
-                <a:cs typeface="Arial" panose="020B0604020202020204" pitchFamily="34" charset="0"/>
-              </a:rPr>
-              <a:t>ORDER</a:t>
-            </a:r>
-            <a:r>
-              <a:rPr lang="en-US" sz="2000" dirty="0">
-                <a:solidFill>
-                  <a:schemeClr val="tx1">
-                    <a:lumMod val="95000"/>
-                    <a:lumOff val="5000"/>
-                  </a:schemeClr>
-                </a:solidFill>
-                <a:latin typeface="Liberation Mono"/>
-                <a:cs typeface="Arial" panose="020B0604020202020204" pitchFamily="34" charset="0"/>
-              </a:rPr>
-              <a:t> </a:t>
-            </a:r>
-            <a:r>
-              <a:rPr lang="en-US" sz="2000" dirty="0">
-                <a:solidFill>
-                  <a:srgbClr val="0077AA"/>
-                </a:solidFill>
-                <a:latin typeface="Liberation Mono"/>
-                <a:cs typeface="Arial" panose="020B0604020202020204" pitchFamily="34" charset="0"/>
-              </a:rPr>
-              <a:t>BY</a:t>
-            </a:r>
-            <a:r>
-              <a:rPr lang="en-US" sz="2000" dirty="0">
-                <a:solidFill>
-                  <a:schemeClr val="tx1">
-                    <a:lumMod val="95000"/>
-                    <a:lumOff val="5000"/>
-                  </a:schemeClr>
-                </a:solidFill>
-                <a:latin typeface="Liberation Mono"/>
-                <a:cs typeface="Arial" panose="020B0604020202020204" pitchFamily="34" charset="0"/>
-              </a:rPr>
-              <a:t> &lt; { col_name </a:t>
-            </a:r>
-            <a:r>
-              <a:rPr lang="en-US" sz="2000" dirty="0">
-                <a:solidFill>
-                  <a:schemeClr val="bg1">
-                    <a:lumMod val="65000"/>
-                  </a:schemeClr>
-                </a:solidFill>
-                <a:latin typeface="Liberation Mono"/>
-                <a:cs typeface="Arial" panose="020B0604020202020204" pitchFamily="34" charset="0"/>
-              </a:rPr>
-              <a:t>|</a:t>
-            </a:r>
-            <a:r>
-              <a:rPr lang="en-US" sz="2000" dirty="0">
-                <a:solidFill>
-                  <a:schemeClr val="tx1">
-                    <a:lumMod val="95000"/>
-                    <a:lumOff val="5000"/>
-                  </a:schemeClr>
-                </a:solidFill>
-                <a:latin typeface="Liberation Mono"/>
-                <a:cs typeface="Arial" panose="020B0604020202020204" pitchFamily="34" charset="0"/>
-              </a:rPr>
-              <a:t> expr </a:t>
-            </a:r>
-            <a:r>
-              <a:rPr lang="en-US" sz="2000" dirty="0">
-                <a:solidFill>
-                  <a:schemeClr val="bg1">
-                    <a:lumMod val="65000"/>
-                  </a:schemeClr>
-                </a:solidFill>
-                <a:latin typeface="Liberation Mono"/>
-                <a:cs typeface="Arial" panose="020B0604020202020204" pitchFamily="34" charset="0"/>
-              </a:rPr>
-              <a:t>|</a:t>
-            </a:r>
-            <a:r>
-              <a:rPr lang="en-US" sz="2000" dirty="0">
-                <a:solidFill>
-                  <a:schemeClr val="tx1">
-                    <a:lumMod val="95000"/>
-                    <a:lumOff val="5000"/>
-                  </a:schemeClr>
-                </a:solidFill>
-                <a:latin typeface="Liberation Mono"/>
-                <a:cs typeface="Arial" panose="020B0604020202020204" pitchFamily="34" charset="0"/>
-              </a:rPr>
-              <a:t> position }  [ ASC | DESC ], </a:t>
-            </a:r>
-            <a:r>
-              <a:rPr lang="en-US" sz="2000" dirty="0">
-                <a:solidFill>
-                  <a:schemeClr val="bg1">
-                    <a:lumMod val="50000"/>
-                  </a:schemeClr>
-                </a:solidFill>
-                <a:latin typeface="Liberation Mono"/>
-                <a:cs typeface="Arial" panose="020B0604020202020204" pitchFamily="34" charset="0"/>
-              </a:rPr>
-              <a:t>. . .</a:t>
-            </a:r>
-            <a:r>
-              <a:rPr lang="en-US" sz="2000" dirty="0">
-                <a:solidFill>
-                  <a:schemeClr val="tx1">
-                    <a:lumMod val="95000"/>
-                    <a:lumOff val="5000"/>
-                  </a:schemeClr>
-                </a:solidFill>
-                <a:latin typeface="Liberation Mono"/>
-                <a:cs typeface="Arial" panose="020B0604020202020204" pitchFamily="34" charset="0"/>
-              </a:rPr>
-              <a:t>  NULLS { FIRST | LAST } ]</a:t>
-            </a:r>
-          </a:p>
-          <a:p>
-            <a:pPr marL="285750" indent="-285750">
-              <a:lnSpc>
-                <a:spcPct val="150000"/>
-              </a:lnSpc>
-              <a:buFont typeface="Arial" panose="020B0604020202020204" pitchFamily="34" charset="0"/>
-              <a:buChar char="•"/>
-            </a:pPr>
-            <a:r>
-              <a:rPr lang="en-US" sz="2000" dirty="0">
-                <a:solidFill>
-                  <a:schemeClr val="tx1">
-                    <a:lumMod val="95000"/>
-                    <a:lumOff val="5000"/>
-                  </a:schemeClr>
-                </a:solidFill>
-                <a:latin typeface="Liberation Mono"/>
-                <a:cs typeface="Arial" panose="020B0604020202020204" pitchFamily="34" charset="0"/>
-              </a:rPr>
-              <a:t> [ </a:t>
-            </a:r>
-            <a:r>
-              <a:rPr lang="en-US" sz="2000" dirty="0">
-                <a:solidFill>
-                  <a:srgbClr val="0077AA"/>
-                </a:solidFill>
-                <a:latin typeface="Liberation Mono"/>
-                <a:cs typeface="Arial" panose="020B0604020202020204" pitchFamily="34" charset="0"/>
-              </a:rPr>
-              <a:t>OFFSET</a:t>
-            </a:r>
-            <a:r>
-              <a:rPr lang="en-US" sz="2000" dirty="0">
-                <a:solidFill>
-                  <a:schemeClr val="tx1">
-                    <a:lumMod val="95000"/>
-                    <a:lumOff val="5000"/>
-                  </a:schemeClr>
-                </a:solidFill>
-                <a:latin typeface="Liberation Mono"/>
-                <a:cs typeface="Arial" panose="020B0604020202020204" pitchFamily="34" charset="0"/>
-              </a:rPr>
-              <a:t> expression { ROW | ROWS } ]</a:t>
-            </a:r>
-          </a:p>
-          <a:p>
-            <a:pPr marL="285750" indent="-285750">
-              <a:lnSpc>
-                <a:spcPct val="150000"/>
-              </a:lnSpc>
-              <a:buFont typeface="Arial" panose="020B0604020202020204" pitchFamily="34" charset="0"/>
-              <a:buChar char="•"/>
-            </a:pPr>
-            <a:r>
-              <a:rPr lang="en-US" sz="2000" dirty="0">
-                <a:solidFill>
-                  <a:schemeClr val="tx1">
-                    <a:lumMod val="95000"/>
-                    <a:lumOff val="5000"/>
-                  </a:schemeClr>
-                </a:solidFill>
-                <a:latin typeface="Liberation Mono"/>
-                <a:cs typeface="Arial" panose="020B0604020202020204" pitchFamily="34" charset="0"/>
-              </a:rPr>
-              <a:t> [ </a:t>
-            </a:r>
-            <a:r>
-              <a:rPr lang="en-US" sz="2000" dirty="0">
-                <a:solidFill>
-                  <a:srgbClr val="0077AA"/>
-                </a:solidFill>
-                <a:latin typeface="Liberation Mono"/>
-                <a:cs typeface="Arial" panose="020B0604020202020204" pitchFamily="34" charset="0"/>
-              </a:rPr>
-              <a:t>FETCH</a:t>
-            </a:r>
-            <a:r>
-              <a:rPr lang="en-US" sz="2000" dirty="0">
-                <a:solidFill>
-                  <a:schemeClr val="tx1">
-                    <a:lumMod val="95000"/>
-                    <a:lumOff val="5000"/>
-                  </a:schemeClr>
-                </a:solidFill>
-                <a:latin typeface="Liberation Mono"/>
-                <a:cs typeface="Arial" panose="020B0604020202020204" pitchFamily="34" charset="0"/>
-              </a:rPr>
-              <a:t> </a:t>
-            </a:r>
-            <a:r>
-              <a:rPr lang="en-US" sz="2000" dirty="0">
-                <a:solidFill>
-                  <a:srgbClr val="0077AA"/>
-                </a:solidFill>
-                <a:latin typeface="Liberation Mono"/>
-                <a:cs typeface="Arial" panose="020B0604020202020204" pitchFamily="34" charset="0"/>
-              </a:rPr>
-              <a:t>FIRST</a:t>
-            </a:r>
-            <a:r>
-              <a:rPr lang="en-US" sz="2000" dirty="0">
-                <a:solidFill>
-                  <a:schemeClr val="tx1">
-                    <a:lumMod val="95000"/>
-                    <a:lumOff val="5000"/>
-                  </a:schemeClr>
-                </a:solidFill>
-                <a:latin typeface="Liberation Mono"/>
-                <a:cs typeface="Arial" panose="020B0604020202020204" pitchFamily="34" charset="0"/>
-              </a:rPr>
-              <a:t>	expression { ROW | ROWS } { ONLY | WITH TIES } ]</a:t>
-            </a:r>
-          </a:p>
-          <a:p>
-            <a:pPr marL="285750" indent="-285750">
-              <a:lnSpc>
-                <a:spcPct val="150000"/>
-              </a:lnSpc>
-              <a:buFont typeface="Arial" panose="020B0604020202020204" pitchFamily="34" charset="0"/>
-              <a:buChar char="•"/>
-            </a:pPr>
-            <a:r>
-              <a:rPr lang="en-US" sz="2000" dirty="0">
-                <a:solidFill>
-                  <a:schemeClr val="tx1">
-                    <a:lumMod val="95000"/>
-                    <a:lumOff val="5000"/>
-                  </a:schemeClr>
-                </a:solidFill>
-                <a:latin typeface="Liberation Mono"/>
-                <a:cs typeface="Arial" panose="020B0604020202020204" pitchFamily="34" charset="0"/>
-              </a:rPr>
-              <a:t> [ </a:t>
-            </a:r>
-            <a:r>
-              <a:rPr lang="en-US" sz="2000" dirty="0">
-                <a:solidFill>
-                  <a:srgbClr val="0077AA"/>
-                </a:solidFill>
-                <a:latin typeface="Liberation Mono"/>
-                <a:cs typeface="Arial" panose="020B0604020202020204" pitchFamily="34" charset="0"/>
-              </a:rPr>
-              <a:t>FOR</a:t>
-            </a:r>
-            <a:r>
-              <a:rPr lang="en-US" sz="2000" dirty="0">
-                <a:solidFill>
-                  <a:schemeClr val="tx1">
-                    <a:lumMod val="95000"/>
-                    <a:lumOff val="5000"/>
-                  </a:schemeClr>
-                </a:solidFill>
-                <a:latin typeface="Liberation Mono"/>
-                <a:cs typeface="Arial" panose="020B0604020202020204" pitchFamily="34" charset="0"/>
-              </a:rPr>
-              <a:t> { UPDATE } ]</a:t>
-            </a:r>
-            <a:endParaRPr lang="en-IN" sz="2000" dirty="0"/>
-          </a:p>
-        </p:txBody>
-      </p:sp>
-    </p:spTree>
-    <p:extLst>
-      <p:ext uri="{BB962C8B-B14F-4D97-AF65-F5344CB8AC3E}">
-        <p14:creationId xmlns:p14="http://schemas.microsoft.com/office/powerpoint/2010/main" val="3668840931"/>
-      </p:ext>
-    </p:extLst>
-  </p:cSld>
-  <p:clrMapOvr>
-    <a:masterClrMapping/>
-  </p:clrMapOvr>
-</p:sld>
-</file>
-
-<file path=ppt/slides/slide58.xml><?xml version="1.0" encoding="utf-8"?>
-<p:sld xmlns:a="http://schemas.openxmlformats.org/drawingml/2006/main" xmlns:r="http://schemas.openxmlformats.org/officeDocument/2006/relationships" xmlns:p="http://schemas.openxmlformats.org/presentationml/2006/main">
-  <p:cSld>
-    <p:spTree>
-      <p:nvGrpSpPr>
-        <p:cNvPr id="1" name=""/>
-        <p:cNvGrpSpPr/>
-        <p:nvPr/>
-      </p:nvGrpSpPr>
-      <p:grpSpPr>
-        <a:xfrm>
-          <a:off x="0" y="0"/>
-          <a:ext cx="0" cy="0"/>
-          <a:chOff x="0" y="0"/>
-          <a:chExt cx="0" cy="0"/>
-        </a:xfrm>
-      </p:grpSpPr>
-      <p:sp>
-        <p:nvSpPr>
-          <p:cNvPr id="2" name="Title 1"/>
-          <p:cNvSpPr txBox="1">
-            <a:spLocks/>
-          </p:cNvSpPr>
-          <p:nvPr/>
-        </p:nvSpPr>
-        <p:spPr>
-          <a:xfrm>
-            <a:off x="1676977" y="2362200"/>
-            <a:ext cx="8838049" cy="914400"/>
-          </a:xfrm>
-          <a:prstGeom prst="rect">
-            <a:avLst/>
-          </a:prstGeom>
-        </p:spPr>
-        <p:txBody>
-          <a:bodyPr>
-            <a:normAutofit/>
-          </a:bodyPr>
-          <a:lstStyle/>
-          <a:p>
-            <a:pPr algn="ctr">
-              <a:spcBef>
-                <a:spcPct val="0"/>
-              </a:spcBef>
-              <a:defRPr/>
-            </a:pPr>
-            <a:r>
-              <a:rPr lang="en-IN" sz="4800" dirty="0">
-                <a:solidFill>
-                  <a:srgbClr val="DC525C"/>
-                </a:solidFill>
-                <a:latin typeface="Segoe UI Light" panose="020B0502040204020203" pitchFamily="34" charset="0"/>
-                <a:cs typeface="Segoe UI Light" panose="020B0502040204020203" pitchFamily="34" charset="0"/>
-              </a:rPr>
-              <a:t>except</a:t>
-            </a:r>
-            <a:r>
-              <a:rPr lang="en-US" sz="4800" dirty="0">
-                <a:solidFill>
-                  <a:srgbClr val="DC525C"/>
-                </a:solidFill>
-                <a:latin typeface="Segoe UI Light" panose="020B0502040204020203" pitchFamily="34" charset="0"/>
-                <a:cs typeface="Segoe UI Light" panose="020B0502040204020203" pitchFamily="34" charset="0"/>
-              </a:rPr>
-              <a:t> attribute</a:t>
-            </a:r>
-          </a:p>
-        </p:txBody>
-      </p:sp>
-      <p:sp>
-        <p:nvSpPr>
-          <p:cNvPr id="4" name="Rectangle 3"/>
-          <p:cNvSpPr/>
-          <p:nvPr/>
-        </p:nvSpPr>
-        <p:spPr>
-          <a:xfrm>
-            <a:off x="263352" y="130314"/>
-            <a:ext cx="11737304" cy="400110"/>
-          </a:xfrm>
-          <a:prstGeom prst="rect">
-            <a:avLst/>
-          </a:prstGeom>
-          <a:solidFill>
-            <a:schemeClr val="bg1"/>
-          </a:solidFill>
-        </p:spPr>
-        <p:txBody>
-          <a:bodyPr wrap="square">
-            <a:spAutoFit/>
-          </a:bodyPr>
-          <a:lstStyle/>
-          <a:p>
-            <a:endParaRPr lang="en-IN" sz="2000" dirty="0">
-              <a:latin typeface="Segoe UI Light" panose="020B0502040204020203" pitchFamily="34" charset="0"/>
-              <a:cs typeface="Segoe UI Light" panose="020B0502040204020203" pitchFamily="34" charset="0"/>
-            </a:endParaRPr>
-          </a:p>
-        </p:txBody>
-      </p:sp>
-      <p:sp>
-        <p:nvSpPr>
-          <p:cNvPr id="5" name="Rectangle 4"/>
-          <p:cNvSpPr/>
-          <p:nvPr/>
-        </p:nvSpPr>
-        <p:spPr>
-          <a:xfrm>
-            <a:off x="303539" y="3124200"/>
-            <a:ext cx="11584921" cy="407612"/>
-          </a:xfrm>
-          <a:prstGeom prst="rect">
-            <a:avLst/>
-          </a:prstGeom>
-          <a:solidFill>
-            <a:schemeClr val="bg1"/>
-          </a:solidFill>
-        </p:spPr>
-        <p:txBody>
-          <a:bodyPr wrap="square">
-            <a:spAutoFit/>
-          </a:bodyPr>
-          <a:lstStyle/>
-          <a:p>
-            <a:pPr>
-              <a:lnSpc>
-                <a:spcPct val="107000"/>
-              </a:lnSpc>
-            </a:pPr>
-            <a:r>
-              <a:rPr lang="en-US" sz="2000" dirty="0">
-                <a:latin typeface="Palatino Linotype" panose="02040502050505030304" pitchFamily="18" charset="0"/>
-                <a:cs typeface="Segoe UI Light" panose="020B0502040204020203" pitchFamily="34" charset="0"/>
-              </a:rPr>
-              <a:t>TODO</a:t>
-            </a:r>
-            <a:endParaRPr lang="en-IN" sz="2000" dirty="0">
-              <a:latin typeface="Palatino Linotype" panose="02040502050505030304" pitchFamily="18" charset="0"/>
-              <a:cs typeface="Segoe UI Light" panose="020B0502040204020203" pitchFamily="34" charset="0"/>
-            </a:endParaRPr>
-          </a:p>
-        </p:txBody>
-      </p:sp>
-    </p:spTree>
-    <p:extLst>
-      <p:ext uri="{BB962C8B-B14F-4D97-AF65-F5344CB8AC3E}">
-        <p14:creationId xmlns:p14="http://schemas.microsoft.com/office/powerpoint/2010/main" val="1431185917"/>
       </p:ext>
     </p:extLst>
   </p:cSld>
@@ -39063,7 +38190,7 @@
                 <a:latin typeface="Arial" pitchFamily="34" charset="0"/>
                 <a:cs typeface="Arial" pitchFamily="34" charset="0"/>
               </a:rPr>
-              <a:t>select - except</a:t>
+              <a:t>select statement</a:t>
             </a:r>
             <a:endParaRPr lang="en-IN" sz="3200" i="1" dirty="0">
               <a:solidFill>
@@ -39132,7 +38259,7 @@
         <p:spPr>
           <a:xfrm>
             <a:off x="262558" y="583270"/>
-            <a:ext cx="11737304" cy="1138773"/>
+            <a:ext cx="11737304" cy="6014082"/>
           </a:xfrm>
           <a:prstGeom prst="rect">
             <a:avLst/>
@@ -39321,18 +38448,196 @@
                 <a:latin typeface="Liberation Mono"/>
                 <a:cs typeface="Arial" panose="020B0604020202020204" pitchFamily="34" charset="0"/>
               </a:rPr>
-              <a:t>, A2, . . .)</a:t>
-            </a:r>
-            <a:endParaRPr lang="en-US" sz="2000" dirty="0">
-              <a:solidFill>
-                <a:schemeClr val="tx1">
-                  <a:lumMod val="95000"/>
-                  <a:lumOff val="5000"/>
-                </a:schemeClr>
-              </a:solidFill>
-              <a:latin typeface="Liberation Mono"/>
-              <a:cs typeface="Arial" panose="020B0604020202020204" pitchFamily="34" charset="0"/>
-            </a:endParaRPr>
+              <a:t>, A</a:t>
+            </a:r>
+            <a:r>
+              <a:rPr lang="en-US" sz="2000" i="1" baseline="-25000" dirty="0">
+                <a:solidFill>
+                  <a:schemeClr val="tx1">
+                    <a:lumMod val="95000"/>
+                    <a:lumOff val="5000"/>
+                  </a:schemeClr>
+                </a:solidFill>
+                <a:latin typeface="Liberation Mono"/>
+                <a:cs typeface="Arial" panose="020B0604020202020204" pitchFamily="34" charset="0"/>
+              </a:rPr>
+              <a:t>2</a:t>
+            </a:r>
+            <a:r>
+              <a:rPr lang="en-US" sz="2000" i="1" dirty="0">
+                <a:solidFill>
+                  <a:schemeClr val="tx1">
+                    <a:lumMod val="95000"/>
+                    <a:lumOff val="5000"/>
+                  </a:schemeClr>
+                </a:solidFill>
+                <a:latin typeface="Liberation Mono"/>
+                <a:cs typeface="Arial" panose="020B0604020202020204" pitchFamily="34" charset="0"/>
+              </a:rPr>
+              <a:t>)  </a:t>
+            </a:r>
+            <a:r>
+              <a:rPr lang="en-US" sz="2000" dirty="0">
+                <a:solidFill>
+                  <a:schemeClr val="tx1">
+                    <a:lumMod val="95000"/>
+                    <a:lumOff val="5000"/>
+                  </a:schemeClr>
+                </a:solidFill>
+                <a:latin typeface="Liberation Mono"/>
+                <a:cs typeface="Arial" panose="020B0604020202020204" pitchFamily="34" charset="0"/>
+              </a:rPr>
+              <a:t>/ </a:t>
+            </a:r>
+            <a:r>
+              <a:rPr lang="en-US" sz="2000" dirty="0">
+                <a:solidFill>
+                  <a:srgbClr val="CAA496"/>
+                </a:solidFill>
+                <a:latin typeface="Liberation Mono"/>
+                <a:cs typeface="Arial" panose="020B0604020202020204" pitchFamily="34" charset="0"/>
+              </a:rPr>
+              <a:t>identifier</a:t>
+            </a:r>
+            <a:r>
+              <a:rPr lang="en-US" sz="2000" dirty="0">
+                <a:solidFill>
+                  <a:schemeClr val="tx1">
+                    <a:lumMod val="95000"/>
+                    <a:lumOff val="5000"/>
+                  </a:schemeClr>
+                </a:solidFill>
+                <a:latin typeface="Liberation Mono"/>
+                <a:cs typeface="Arial" panose="020B0604020202020204" pitchFamily="34" charset="0"/>
+              </a:rPr>
+              <a:t>.</a:t>
+            </a:r>
+            <a:r>
+              <a:rPr lang="en-US" sz="2000" i="1" dirty="0">
+                <a:solidFill>
+                  <a:schemeClr val="tx1">
+                    <a:lumMod val="95000"/>
+                    <a:lumOff val="5000"/>
+                  </a:schemeClr>
+                </a:solidFill>
+                <a:latin typeface="Liberation Mono"/>
+                <a:cs typeface="Arial" panose="020B0604020202020204" pitchFamily="34" charset="0"/>
+              </a:rPr>
+              <a:t>A</a:t>
+            </a:r>
+            <a:r>
+              <a:rPr lang="en-US" sz="2000" baseline="-25000" dirty="0">
+                <a:solidFill>
+                  <a:schemeClr val="tx1">
+                    <a:lumMod val="95000"/>
+                    <a:lumOff val="5000"/>
+                  </a:schemeClr>
+                </a:solidFill>
+                <a:latin typeface="Liberation Mono"/>
+                <a:cs typeface="Arial" panose="020B0604020202020204" pitchFamily="34" charset="0"/>
+              </a:rPr>
+              <a:t>1</a:t>
+            </a:r>
+            <a:r>
+              <a:rPr lang="en-US" sz="2000" dirty="0">
+                <a:solidFill>
+                  <a:schemeClr val="tx1">
+                    <a:lumMod val="95000"/>
+                    <a:lumOff val="5000"/>
+                  </a:schemeClr>
+                </a:solidFill>
+                <a:latin typeface="Liberation Mono"/>
+                <a:cs typeface="Arial" panose="020B0604020202020204" pitchFamily="34" charset="0"/>
+              </a:rPr>
+              <a:t> [ [as] alias_name], </a:t>
+            </a:r>
+            <a:r>
+              <a:rPr lang="en-US" sz="2000" dirty="0">
+                <a:solidFill>
+                  <a:srgbClr val="CAA496"/>
+                </a:solidFill>
+                <a:latin typeface="Liberation Mono"/>
+                <a:cs typeface="Arial" panose="020B0604020202020204" pitchFamily="34" charset="0"/>
+              </a:rPr>
+              <a:t>identifier</a:t>
+            </a:r>
+            <a:r>
+              <a:rPr lang="en-US" sz="2000" dirty="0">
+                <a:solidFill>
+                  <a:schemeClr val="tx1">
+                    <a:lumMod val="95000"/>
+                    <a:lumOff val="5000"/>
+                  </a:schemeClr>
+                </a:solidFill>
+                <a:latin typeface="Liberation Mono"/>
+                <a:cs typeface="Arial" panose="020B0604020202020204" pitchFamily="34" charset="0"/>
+              </a:rPr>
+              <a:t>.</a:t>
+            </a:r>
+            <a:r>
+              <a:rPr lang="en-US" sz="2000" i="1" dirty="0">
+                <a:solidFill>
+                  <a:schemeClr val="tx1">
+                    <a:lumMod val="95000"/>
+                    <a:lumOff val="5000"/>
+                  </a:schemeClr>
+                </a:solidFill>
+                <a:latin typeface="Liberation Mono"/>
+                <a:cs typeface="Arial" panose="020B0604020202020204" pitchFamily="34" charset="0"/>
+              </a:rPr>
+              <a:t>A</a:t>
+            </a:r>
+            <a:r>
+              <a:rPr lang="en-US" sz="2000" baseline="-25000" dirty="0">
+                <a:solidFill>
+                  <a:schemeClr val="tx1">
+                    <a:lumMod val="95000"/>
+                    <a:lumOff val="5000"/>
+                  </a:schemeClr>
+                </a:solidFill>
+                <a:latin typeface="Liberation Mono"/>
+                <a:cs typeface="Arial" panose="020B0604020202020204" pitchFamily="34" charset="0"/>
+              </a:rPr>
+              <a:t>2</a:t>
+            </a:r>
+            <a:r>
+              <a:rPr lang="en-US" sz="2000" dirty="0">
+                <a:solidFill>
+                  <a:schemeClr val="tx1">
+                    <a:lumMod val="95000"/>
+                    <a:lumOff val="5000"/>
+                  </a:schemeClr>
+                </a:solidFill>
+                <a:latin typeface="Liberation Mono"/>
+                <a:cs typeface="Arial" panose="020B0604020202020204" pitchFamily="34" charset="0"/>
+              </a:rPr>
+              <a:t> [ [as] alias_name], expression1 [ [as] alias_name], expression2 [ [as] alias_name] </a:t>
+            </a:r>
+            <a:r>
+              <a:rPr lang="en-US" sz="2000" dirty="0">
+                <a:solidFill>
+                  <a:schemeClr val="bg1">
+                    <a:lumMod val="50000"/>
+                  </a:schemeClr>
+                </a:solidFill>
+                <a:latin typeface="Liberation Mono"/>
+                <a:cs typeface="Arial" panose="020B0604020202020204" pitchFamily="34" charset="0"/>
+              </a:rPr>
+              <a:t>. . .</a:t>
+            </a:r>
+            <a:r>
+              <a:rPr lang="en-US" sz="2000" dirty="0">
+                <a:solidFill>
+                  <a:schemeClr val="tx1">
+                    <a:lumMod val="95000"/>
+                    <a:lumOff val="5000"/>
+                  </a:schemeClr>
+                </a:solidFill>
+                <a:latin typeface="Liberation Mono"/>
+                <a:cs typeface="Arial" panose="020B0604020202020204" pitchFamily="34" charset="0"/>
+              </a:rPr>
+              <a:t> </a:t>
+            </a:r>
           </a:p>
           <a:p>
             <a:endParaRPr lang="en-US" sz="800" dirty="0">
@@ -39537,12 +38842,1064 @@
               <a:t> ]</a:t>
             </a:r>
           </a:p>
+          <a:p>
+            <a:pPr marL="285750" indent="-285750">
+              <a:lnSpc>
+                <a:spcPct val="150000"/>
+              </a:lnSpc>
+              <a:buFont typeface="Arial" panose="020B0604020202020204" pitchFamily="34" charset="0"/>
+              <a:buChar char="•"/>
+            </a:pPr>
+            <a:r>
+              <a:rPr lang="en-US" sz="2000" dirty="0">
+                <a:solidFill>
+                  <a:schemeClr val="tx1">
+                    <a:lumMod val="95000"/>
+                    <a:lumOff val="5000"/>
+                  </a:schemeClr>
+                </a:solidFill>
+                <a:latin typeface="Liberation Mono"/>
+                <a:cs typeface="Arial" panose="020B0604020202020204" pitchFamily="34" charset="0"/>
+              </a:rPr>
+              <a:t> [ </a:t>
+            </a:r>
+            <a:r>
+              <a:rPr lang="en-US" sz="2000" dirty="0">
+                <a:solidFill>
+                  <a:srgbClr val="0077AA"/>
+                </a:solidFill>
+                <a:latin typeface="Liberation Mono"/>
+                <a:cs typeface="Arial" panose="020B0604020202020204" pitchFamily="34" charset="0"/>
+              </a:rPr>
+              <a:t>WHERE</a:t>
+            </a:r>
+            <a:r>
+              <a:rPr lang="en-US" sz="2000" dirty="0">
+                <a:solidFill>
+                  <a:schemeClr val="tx1">
+                    <a:lumMod val="95000"/>
+                    <a:lumOff val="5000"/>
+                  </a:schemeClr>
+                </a:solidFill>
+                <a:latin typeface="Liberation Mono"/>
+                <a:cs typeface="Arial" panose="020B0604020202020204" pitchFamily="34" charset="0"/>
+              </a:rPr>
+              <a:t> &lt; where_condition1 &gt; { </a:t>
+            </a:r>
+            <a:r>
+              <a:rPr lang="en-US" sz="2000" dirty="0">
+                <a:solidFill>
+                  <a:srgbClr val="A67F59"/>
+                </a:solidFill>
+                <a:latin typeface="Liberation Mono"/>
+              </a:rPr>
+              <a:t>and</a:t>
+            </a:r>
+            <a:r>
+              <a:rPr lang="en-US" sz="2000" dirty="0">
+                <a:solidFill>
+                  <a:schemeClr val="tx1">
+                    <a:lumMod val="95000"/>
+                    <a:lumOff val="5000"/>
+                  </a:schemeClr>
+                </a:solidFill>
+                <a:latin typeface="Liberation Mono"/>
+                <a:cs typeface="Arial" panose="020B0604020202020204" pitchFamily="34" charset="0"/>
+              </a:rPr>
+              <a:t> </a:t>
+            </a:r>
+            <a:r>
+              <a:rPr lang="en-US" sz="2000" dirty="0">
+                <a:solidFill>
+                  <a:schemeClr val="bg1">
+                    <a:lumMod val="65000"/>
+                  </a:schemeClr>
+                </a:solidFill>
+                <a:latin typeface="Liberation Mono"/>
+                <a:cs typeface="Arial" panose="020B0604020202020204" pitchFamily="34" charset="0"/>
+              </a:rPr>
+              <a:t>|</a:t>
+            </a:r>
+            <a:r>
+              <a:rPr lang="en-US" sz="2000" dirty="0">
+                <a:solidFill>
+                  <a:schemeClr val="tx1">
+                    <a:lumMod val="95000"/>
+                    <a:lumOff val="5000"/>
+                  </a:schemeClr>
+                </a:solidFill>
+                <a:latin typeface="Liberation Mono"/>
+                <a:cs typeface="Arial" panose="020B0604020202020204" pitchFamily="34" charset="0"/>
+              </a:rPr>
+              <a:t> </a:t>
+            </a:r>
+            <a:r>
+              <a:rPr lang="en-US" sz="2000" dirty="0">
+                <a:solidFill>
+                  <a:srgbClr val="A67F59"/>
+                </a:solidFill>
+                <a:latin typeface="Liberation Mono"/>
+              </a:rPr>
+              <a:t>or</a:t>
+            </a:r>
+            <a:r>
+              <a:rPr lang="en-US" sz="2000" dirty="0">
+                <a:solidFill>
+                  <a:schemeClr val="tx1">
+                    <a:lumMod val="95000"/>
+                    <a:lumOff val="5000"/>
+                  </a:schemeClr>
+                </a:solidFill>
+                <a:latin typeface="Liberation Mono"/>
+                <a:cs typeface="Arial" panose="020B0604020202020204" pitchFamily="34" charset="0"/>
+              </a:rPr>
+              <a:t> } &lt; where_condition2 &gt; </a:t>
+            </a:r>
+            <a:r>
+              <a:rPr lang="en-US" sz="2000" dirty="0">
+                <a:solidFill>
+                  <a:schemeClr val="bg1">
+                    <a:lumMod val="50000"/>
+                  </a:schemeClr>
+                </a:solidFill>
+                <a:latin typeface="Liberation Mono"/>
+                <a:cs typeface="Arial" panose="020B0604020202020204" pitchFamily="34" charset="0"/>
+              </a:rPr>
+              <a:t>. . .</a:t>
+            </a:r>
+            <a:r>
+              <a:rPr lang="en-US" sz="2000" dirty="0">
+                <a:solidFill>
+                  <a:schemeClr val="tx1">
+                    <a:lumMod val="95000"/>
+                    <a:lumOff val="5000"/>
+                  </a:schemeClr>
+                </a:solidFill>
+                <a:latin typeface="Liberation Mono"/>
+                <a:cs typeface="Arial" panose="020B0604020202020204" pitchFamily="34" charset="0"/>
+              </a:rPr>
+              <a:t> ]</a:t>
+            </a:r>
+          </a:p>
+          <a:p>
+            <a:pPr marL="285750" indent="-285750">
+              <a:lnSpc>
+                <a:spcPct val="150000"/>
+              </a:lnSpc>
+              <a:buFont typeface="Arial" panose="020B0604020202020204" pitchFamily="34" charset="0"/>
+              <a:buChar char="•"/>
+            </a:pPr>
+            <a:r>
+              <a:rPr lang="en-US" sz="2000" dirty="0">
+                <a:solidFill>
+                  <a:schemeClr val="tx1">
+                    <a:lumMod val="95000"/>
+                    <a:lumOff val="5000"/>
+                  </a:schemeClr>
+                </a:solidFill>
+                <a:latin typeface="Liberation Mono"/>
+                <a:cs typeface="Arial" panose="020B0604020202020204" pitchFamily="34" charset="0"/>
+              </a:rPr>
+              <a:t> [ </a:t>
+            </a:r>
+            <a:r>
+              <a:rPr lang="en-US" sz="2000" dirty="0">
+                <a:solidFill>
+                  <a:srgbClr val="0077AA"/>
+                </a:solidFill>
+                <a:latin typeface="Liberation Mono"/>
+                <a:cs typeface="Arial" panose="020B0604020202020204" pitchFamily="34" charset="0"/>
+              </a:rPr>
+              <a:t>GROUP</a:t>
+            </a:r>
+            <a:r>
+              <a:rPr lang="en-US" sz="2000" dirty="0">
+                <a:solidFill>
+                  <a:schemeClr val="tx1">
+                    <a:lumMod val="95000"/>
+                    <a:lumOff val="5000"/>
+                  </a:schemeClr>
+                </a:solidFill>
+                <a:latin typeface="Liberation Mono"/>
+                <a:cs typeface="Arial" panose="020B0604020202020204" pitchFamily="34" charset="0"/>
+              </a:rPr>
+              <a:t> </a:t>
+            </a:r>
+            <a:r>
+              <a:rPr lang="en-US" sz="2000" dirty="0">
+                <a:solidFill>
+                  <a:srgbClr val="0077AA"/>
+                </a:solidFill>
+                <a:latin typeface="Liberation Mono"/>
+                <a:cs typeface="Arial" panose="020B0604020202020204" pitchFamily="34" charset="0"/>
+              </a:rPr>
+              <a:t>BY</a:t>
+            </a:r>
+            <a:r>
+              <a:rPr lang="en-US" sz="2000" dirty="0">
+                <a:solidFill>
+                  <a:schemeClr val="tx1">
+                    <a:lumMod val="95000"/>
+                    <a:lumOff val="5000"/>
+                  </a:schemeClr>
+                </a:solidFill>
+                <a:latin typeface="Liberation Mono"/>
+                <a:cs typeface="Arial" panose="020B0604020202020204" pitchFamily="34" charset="0"/>
+              </a:rPr>
+              <a:t> &lt; { col_name </a:t>
+            </a:r>
+            <a:r>
+              <a:rPr lang="en-US" sz="2000" dirty="0">
+                <a:solidFill>
+                  <a:schemeClr val="bg1">
+                    <a:lumMod val="65000"/>
+                  </a:schemeClr>
+                </a:solidFill>
+                <a:latin typeface="Liberation Mono"/>
+                <a:cs typeface="Arial" panose="020B0604020202020204" pitchFamily="34" charset="0"/>
+              </a:rPr>
+              <a:t>|</a:t>
+            </a:r>
+            <a:r>
+              <a:rPr lang="en-US" sz="2000" dirty="0">
+                <a:solidFill>
+                  <a:schemeClr val="tx1">
+                    <a:lumMod val="95000"/>
+                    <a:lumOff val="5000"/>
+                  </a:schemeClr>
+                </a:solidFill>
+                <a:latin typeface="Liberation Mono"/>
+                <a:cs typeface="Arial" panose="020B0604020202020204" pitchFamily="34" charset="0"/>
+              </a:rPr>
+              <a:t> expr </a:t>
+            </a:r>
+            <a:r>
+              <a:rPr lang="en-US" sz="2000" dirty="0">
+                <a:solidFill>
+                  <a:schemeClr val="bg1">
+                    <a:lumMod val="65000"/>
+                  </a:schemeClr>
+                </a:solidFill>
+                <a:latin typeface="Liberation Mono"/>
+                <a:cs typeface="Arial" panose="020B0604020202020204" pitchFamily="34" charset="0"/>
+              </a:rPr>
+              <a:t>|</a:t>
+            </a:r>
+            <a:r>
+              <a:rPr lang="en-US" sz="2000" dirty="0">
+                <a:solidFill>
+                  <a:schemeClr val="tx1">
+                    <a:lumMod val="95000"/>
+                    <a:lumOff val="5000"/>
+                  </a:schemeClr>
+                </a:solidFill>
+                <a:latin typeface="Liberation Mono"/>
+                <a:cs typeface="Arial" panose="020B0604020202020204" pitchFamily="34" charset="0"/>
+              </a:rPr>
+              <a:t> position }, </a:t>
+            </a:r>
+            <a:r>
+              <a:rPr lang="en-US" sz="2000" dirty="0">
+                <a:solidFill>
+                  <a:schemeClr val="bg1">
+                    <a:lumMod val="50000"/>
+                  </a:schemeClr>
+                </a:solidFill>
+                <a:latin typeface="Liberation Mono"/>
+                <a:cs typeface="Arial" panose="020B0604020202020204" pitchFamily="34" charset="0"/>
+              </a:rPr>
+              <a:t>. . .</a:t>
+            </a:r>
+            <a:r>
+              <a:rPr lang="en-US" sz="2000" dirty="0">
+                <a:solidFill>
+                  <a:schemeClr val="tx1">
+                    <a:lumMod val="95000"/>
+                    <a:lumOff val="5000"/>
+                  </a:schemeClr>
+                </a:solidFill>
+                <a:latin typeface="Liberation Mono"/>
+                <a:cs typeface="Arial" panose="020B0604020202020204" pitchFamily="34" charset="0"/>
+              </a:rPr>
+              <a:t> [ WITH ROLLUP ] &gt; ]</a:t>
+            </a:r>
+          </a:p>
+          <a:p>
+            <a:pPr marL="285750" indent="-285750">
+              <a:lnSpc>
+                <a:spcPct val="150000"/>
+              </a:lnSpc>
+              <a:buFont typeface="Arial" panose="020B0604020202020204" pitchFamily="34" charset="0"/>
+              <a:buChar char="•"/>
+            </a:pPr>
+            <a:r>
+              <a:rPr lang="en-US" sz="2000" dirty="0">
+                <a:solidFill>
+                  <a:schemeClr val="tx1">
+                    <a:lumMod val="95000"/>
+                    <a:lumOff val="5000"/>
+                  </a:schemeClr>
+                </a:solidFill>
+                <a:latin typeface="Liberation Mono"/>
+                <a:cs typeface="Arial" panose="020B0604020202020204" pitchFamily="34" charset="0"/>
+              </a:rPr>
+              <a:t> [ </a:t>
+            </a:r>
+            <a:r>
+              <a:rPr lang="en-US" sz="2000" dirty="0">
+                <a:solidFill>
+                  <a:srgbClr val="0077AA"/>
+                </a:solidFill>
+                <a:latin typeface="Liberation Mono"/>
+                <a:cs typeface="Arial" panose="020B0604020202020204" pitchFamily="34" charset="0"/>
+              </a:rPr>
+              <a:t>HAVING</a:t>
+            </a:r>
+            <a:r>
+              <a:rPr lang="en-US" sz="2000" dirty="0">
+                <a:solidFill>
+                  <a:schemeClr val="tx1">
+                    <a:lumMod val="95000"/>
+                    <a:lumOff val="5000"/>
+                  </a:schemeClr>
+                </a:solidFill>
+                <a:latin typeface="Liberation Mono"/>
+                <a:cs typeface="Arial" panose="020B0604020202020204" pitchFamily="34" charset="0"/>
+              </a:rPr>
+              <a:t> &lt; having_condition1 &gt; { </a:t>
+            </a:r>
+            <a:r>
+              <a:rPr lang="en-US" sz="2000" dirty="0">
+                <a:solidFill>
+                  <a:srgbClr val="A67F59"/>
+                </a:solidFill>
+                <a:latin typeface="Liberation Mono"/>
+              </a:rPr>
+              <a:t>and</a:t>
+            </a:r>
+            <a:r>
+              <a:rPr lang="en-US" sz="2000" dirty="0">
+                <a:solidFill>
+                  <a:schemeClr val="tx1">
+                    <a:lumMod val="95000"/>
+                    <a:lumOff val="5000"/>
+                  </a:schemeClr>
+                </a:solidFill>
+                <a:latin typeface="Liberation Mono"/>
+                <a:cs typeface="Arial" panose="020B0604020202020204" pitchFamily="34" charset="0"/>
+              </a:rPr>
+              <a:t> </a:t>
+            </a:r>
+            <a:r>
+              <a:rPr lang="en-US" sz="2000" dirty="0">
+                <a:solidFill>
+                  <a:schemeClr val="bg1">
+                    <a:lumMod val="65000"/>
+                  </a:schemeClr>
+                </a:solidFill>
+                <a:latin typeface="Liberation Mono"/>
+                <a:cs typeface="Arial" panose="020B0604020202020204" pitchFamily="34" charset="0"/>
+              </a:rPr>
+              <a:t>|</a:t>
+            </a:r>
+            <a:r>
+              <a:rPr lang="en-US" sz="2000" dirty="0">
+                <a:solidFill>
+                  <a:schemeClr val="tx1">
+                    <a:lumMod val="95000"/>
+                    <a:lumOff val="5000"/>
+                  </a:schemeClr>
+                </a:solidFill>
+                <a:latin typeface="Liberation Mono"/>
+                <a:cs typeface="Arial" panose="020B0604020202020204" pitchFamily="34" charset="0"/>
+              </a:rPr>
+              <a:t> </a:t>
+            </a:r>
+            <a:r>
+              <a:rPr lang="en-US" sz="2000" dirty="0">
+                <a:solidFill>
+                  <a:srgbClr val="A67F59"/>
+                </a:solidFill>
+                <a:latin typeface="Liberation Mono"/>
+              </a:rPr>
+              <a:t>or</a:t>
+            </a:r>
+            <a:r>
+              <a:rPr lang="en-US" sz="2000" dirty="0">
+                <a:solidFill>
+                  <a:schemeClr val="tx1">
+                    <a:lumMod val="95000"/>
+                    <a:lumOff val="5000"/>
+                  </a:schemeClr>
+                </a:solidFill>
+                <a:latin typeface="Liberation Mono"/>
+                <a:cs typeface="Arial" panose="020B0604020202020204" pitchFamily="34" charset="0"/>
+              </a:rPr>
+              <a:t> } &lt; having_condition2 &gt; </a:t>
+            </a:r>
+            <a:r>
+              <a:rPr lang="en-US" sz="2000" dirty="0">
+                <a:solidFill>
+                  <a:schemeClr val="bg1">
+                    <a:lumMod val="50000"/>
+                  </a:schemeClr>
+                </a:solidFill>
+                <a:latin typeface="Liberation Mono"/>
+                <a:cs typeface="Arial" panose="020B0604020202020204" pitchFamily="34" charset="0"/>
+              </a:rPr>
+              <a:t>. . .</a:t>
+            </a:r>
+            <a:r>
+              <a:rPr lang="en-US" sz="2000" dirty="0">
+                <a:solidFill>
+                  <a:schemeClr val="tx1">
+                    <a:lumMod val="95000"/>
+                    <a:lumOff val="5000"/>
+                  </a:schemeClr>
+                </a:solidFill>
+                <a:latin typeface="Liberation Mono"/>
+                <a:cs typeface="Arial" panose="020B0604020202020204" pitchFamily="34" charset="0"/>
+              </a:rPr>
+              <a:t> ]</a:t>
+            </a:r>
+          </a:p>
+          <a:p>
+            <a:pPr marL="285750" indent="-285750">
+              <a:lnSpc>
+                <a:spcPct val="150000"/>
+              </a:lnSpc>
+              <a:buFont typeface="Arial" panose="020B0604020202020204" pitchFamily="34" charset="0"/>
+              <a:buChar char="•"/>
+            </a:pPr>
+            <a:r>
+              <a:rPr lang="en-US" sz="2000" dirty="0">
+                <a:solidFill>
+                  <a:schemeClr val="tx1">
+                    <a:lumMod val="95000"/>
+                    <a:lumOff val="5000"/>
+                  </a:schemeClr>
+                </a:solidFill>
+                <a:latin typeface="Liberation Mono"/>
+                <a:cs typeface="Arial" panose="020B0604020202020204" pitchFamily="34" charset="0"/>
+              </a:rPr>
+              <a:t> [ </a:t>
+            </a:r>
+            <a:r>
+              <a:rPr lang="en-US" sz="2000" dirty="0">
+                <a:solidFill>
+                  <a:srgbClr val="0077AA"/>
+                </a:solidFill>
+                <a:latin typeface="Liberation Mono"/>
+                <a:cs typeface="Arial" panose="020B0604020202020204" pitchFamily="34" charset="0"/>
+              </a:rPr>
+              <a:t>WINDOW</a:t>
+            </a:r>
+            <a:r>
+              <a:rPr lang="en-US" sz="2000" dirty="0">
+                <a:solidFill>
+                  <a:schemeClr val="tx1">
+                    <a:lumMod val="95000"/>
+                    <a:lumOff val="5000"/>
+                  </a:schemeClr>
+                </a:solidFill>
+                <a:latin typeface="Liberation Mono"/>
+                <a:cs typeface="Arial" panose="020B0604020202020204" pitchFamily="34" charset="0"/>
+              </a:rPr>
+              <a:t> windowName AS windowSpecification ]</a:t>
+            </a:r>
+          </a:p>
+          <a:p>
+            <a:pPr marL="285750" indent="-285750">
+              <a:lnSpc>
+                <a:spcPct val="150000"/>
+              </a:lnSpc>
+              <a:buFont typeface="Arial" panose="020B0604020202020204" pitchFamily="34" charset="0"/>
+              <a:buChar char="•"/>
+            </a:pPr>
+            <a:r>
+              <a:rPr lang="en-US" sz="2000" dirty="0">
+                <a:solidFill>
+                  <a:schemeClr val="tx1">
+                    <a:lumMod val="95000"/>
+                    <a:lumOff val="5000"/>
+                  </a:schemeClr>
+                </a:solidFill>
+                <a:latin typeface="Liberation Mono"/>
+                <a:cs typeface="Arial" panose="020B0604020202020204" pitchFamily="34" charset="0"/>
+              </a:rPr>
+              <a:t> [ </a:t>
+            </a:r>
+            <a:r>
+              <a:rPr lang="en-US" sz="2000" dirty="0">
+                <a:solidFill>
+                  <a:srgbClr val="0077AA"/>
+                </a:solidFill>
+                <a:latin typeface="Liberation Mono"/>
+                <a:cs typeface="Arial" panose="020B0604020202020204" pitchFamily="34" charset="0"/>
+              </a:rPr>
+              <a:t>QUALIFY</a:t>
+            </a:r>
+            <a:r>
+              <a:rPr lang="en-US" sz="2000" dirty="0">
+                <a:solidFill>
+                  <a:schemeClr val="tx1">
+                    <a:lumMod val="95000"/>
+                    <a:lumOff val="5000"/>
+                  </a:schemeClr>
+                </a:solidFill>
+                <a:latin typeface="Liberation Mono"/>
+                <a:cs typeface="Arial" panose="020B0604020202020204" pitchFamily="34" charset="0"/>
+              </a:rPr>
+              <a:t> expression ]</a:t>
+            </a:r>
+          </a:p>
+          <a:p>
+            <a:pPr marL="285750" indent="-285750">
+              <a:lnSpc>
+                <a:spcPct val="150000"/>
+              </a:lnSpc>
+              <a:buFont typeface="Arial" panose="020B0604020202020204" pitchFamily="34" charset="0"/>
+              <a:buChar char="•"/>
+            </a:pPr>
+            <a:r>
+              <a:rPr lang="en-US" sz="2000" dirty="0">
+                <a:solidFill>
+                  <a:schemeClr val="tx1">
+                    <a:lumMod val="95000"/>
+                    <a:lumOff val="5000"/>
+                  </a:schemeClr>
+                </a:solidFill>
+                <a:latin typeface="Liberation Mono"/>
+                <a:cs typeface="Arial" panose="020B0604020202020204" pitchFamily="34" charset="0"/>
+              </a:rPr>
+              <a:t> [ </a:t>
+            </a:r>
+            <a:r>
+              <a:rPr lang="en-US" sz="2000" dirty="0">
+                <a:solidFill>
+                  <a:srgbClr val="0077AA"/>
+                </a:solidFill>
+                <a:latin typeface="Liberation Mono"/>
+                <a:cs typeface="Arial" panose="020B0604020202020204" pitchFamily="34" charset="0"/>
+              </a:rPr>
+              <a:t>UNION</a:t>
+            </a:r>
+            <a:r>
+              <a:rPr lang="en-US" sz="2000" dirty="0">
+                <a:solidFill>
+                  <a:schemeClr val="tx1">
+                    <a:lumMod val="95000"/>
+                    <a:lumOff val="5000"/>
+                  </a:schemeClr>
+                </a:solidFill>
+                <a:latin typeface="Liberation Mono"/>
+                <a:cs typeface="Arial" panose="020B0604020202020204" pitchFamily="34" charset="0"/>
+              </a:rPr>
+              <a:t> [ ALL ] query	| </a:t>
+            </a:r>
+            <a:r>
+              <a:rPr lang="en-US" sz="2000" dirty="0">
+                <a:solidFill>
+                  <a:srgbClr val="0077AA"/>
+                </a:solidFill>
+                <a:latin typeface="Liberation Mono"/>
+                <a:cs typeface="Arial" panose="020B0604020202020204" pitchFamily="34" charset="0"/>
+              </a:rPr>
+              <a:t>EXCEPT</a:t>
+            </a:r>
+            <a:r>
+              <a:rPr lang="en-US" sz="2000" dirty="0">
+                <a:solidFill>
+                  <a:schemeClr val="tx1">
+                    <a:lumMod val="95000"/>
+                    <a:lumOff val="5000"/>
+                  </a:schemeClr>
+                </a:solidFill>
+                <a:latin typeface="Liberation Mono"/>
+                <a:cs typeface="Arial" panose="020B0604020202020204" pitchFamily="34" charset="0"/>
+              </a:rPr>
+              <a:t> query | </a:t>
+            </a:r>
+            <a:r>
+              <a:rPr lang="en-US" sz="2000" dirty="0">
+                <a:solidFill>
+                  <a:srgbClr val="0077AA"/>
+                </a:solidFill>
+                <a:latin typeface="Liberation Mono"/>
+                <a:cs typeface="Arial" panose="020B0604020202020204" pitchFamily="34" charset="0"/>
+              </a:rPr>
+              <a:t>INTERSECT</a:t>
+            </a:r>
+            <a:r>
+              <a:rPr lang="en-US" sz="2000" dirty="0">
+                <a:solidFill>
+                  <a:schemeClr val="tx1">
+                    <a:lumMod val="95000"/>
+                    <a:lumOff val="5000"/>
+                  </a:schemeClr>
+                </a:solidFill>
+                <a:latin typeface="Liberation Mono"/>
+                <a:cs typeface="Arial" panose="020B0604020202020204" pitchFamily="34" charset="0"/>
+              </a:rPr>
+              <a:t> query ]</a:t>
+            </a:r>
+          </a:p>
+          <a:p>
+            <a:pPr marL="285750" indent="-285750">
+              <a:lnSpc>
+                <a:spcPct val="150000"/>
+              </a:lnSpc>
+              <a:buFont typeface="Arial" panose="020B0604020202020204" pitchFamily="34" charset="0"/>
+              <a:buChar char="•"/>
+            </a:pPr>
+            <a:r>
+              <a:rPr lang="en-IN" sz="2000" b="0" i="0" dirty="0">
+                <a:solidFill>
+                  <a:srgbClr val="000000"/>
+                </a:solidFill>
+                <a:effectLst/>
+                <a:latin typeface="Arial" panose="020B0604020202020204" pitchFamily="34" charset="0"/>
+              </a:rPr>
+              <a:t> </a:t>
+            </a:r>
+            <a:r>
+              <a:rPr lang="en-US" sz="2000" dirty="0">
+                <a:solidFill>
+                  <a:schemeClr val="tx1">
+                    <a:lumMod val="95000"/>
+                    <a:lumOff val="5000"/>
+                  </a:schemeClr>
+                </a:solidFill>
+                <a:latin typeface="Liberation Mono"/>
+                <a:cs typeface="Arial" panose="020B0604020202020204" pitchFamily="34" charset="0"/>
+              </a:rPr>
+              <a:t>[ </a:t>
+            </a:r>
+            <a:r>
+              <a:rPr lang="en-US" sz="2000" dirty="0">
+                <a:solidFill>
+                  <a:srgbClr val="0077AA"/>
+                </a:solidFill>
+                <a:latin typeface="Liberation Mono"/>
+                <a:cs typeface="Arial" panose="020B0604020202020204" pitchFamily="34" charset="0"/>
+              </a:rPr>
+              <a:t>ORDER</a:t>
+            </a:r>
+            <a:r>
+              <a:rPr lang="en-US" sz="2000" dirty="0">
+                <a:solidFill>
+                  <a:schemeClr val="tx1">
+                    <a:lumMod val="95000"/>
+                    <a:lumOff val="5000"/>
+                  </a:schemeClr>
+                </a:solidFill>
+                <a:latin typeface="Liberation Mono"/>
+                <a:cs typeface="Arial" panose="020B0604020202020204" pitchFamily="34" charset="0"/>
+              </a:rPr>
+              <a:t> </a:t>
+            </a:r>
+            <a:r>
+              <a:rPr lang="en-US" sz="2000" dirty="0">
+                <a:solidFill>
+                  <a:srgbClr val="0077AA"/>
+                </a:solidFill>
+                <a:latin typeface="Liberation Mono"/>
+                <a:cs typeface="Arial" panose="020B0604020202020204" pitchFamily="34" charset="0"/>
+              </a:rPr>
+              <a:t>BY</a:t>
+            </a:r>
+            <a:r>
+              <a:rPr lang="en-US" sz="2000" dirty="0">
+                <a:solidFill>
+                  <a:schemeClr val="tx1">
+                    <a:lumMod val="95000"/>
+                    <a:lumOff val="5000"/>
+                  </a:schemeClr>
+                </a:solidFill>
+                <a:latin typeface="Liberation Mono"/>
+                <a:cs typeface="Arial" panose="020B0604020202020204" pitchFamily="34" charset="0"/>
+              </a:rPr>
+              <a:t> &lt; { col_name </a:t>
+            </a:r>
+            <a:r>
+              <a:rPr lang="en-US" sz="2000" dirty="0">
+                <a:solidFill>
+                  <a:schemeClr val="bg1">
+                    <a:lumMod val="65000"/>
+                  </a:schemeClr>
+                </a:solidFill>
+                <a:latin typeface="Liberation Mono"/>
+                <a:cs typeface="Arial" panose="020B0604020202020204" pitchFamily="34" charset="0"/>
+              </a:rPr>
+              <a:t>|</a:t>
+            </a:r>
+            <a:r>
+              <a:rPr lang="en-US" sz="2000" dirty="0">
+                <a:solidFill>
+                  <a:schemeClr val="tx1">
+                    <a:lumMod val="95000"/>
+                    <a:lumOff val="5000"/>
+                  </a:schemeClr>
+                </a:solidFill>
+                <a:latin typeface="Liberation Mono"/>
+                <a:cs typeface="Arial" panose="020B0604020202020204" pitchFamily="34" charset="0"/>
+              </a:rPr>
+              <a:t> expr </a:t>
+            </a:r>
+            <a:r>
+              <a:rPr lang="en-US" sz="2000" dirty="0">
+                <a:solidFill>
+                  <a:schemeClr val="bg1">
+                    <a:lumMod val="65000"/>
+                  </a:schemeClr>
+                </a:solidFill>
+                <a:latin typeface="Liberation Mono"/>
+                <a:cs typeface="Arial" panose="020B0604020202020204" pitchFamily="34" charset="0"/>
+              </a:rPr>
+              <a:t>|</a:t>
+            </a:r>
+            <a:r>
+              <a:rPr lang="en-US" sz="2000" dirty="0">
+                <a:solidFill>
+                  <a:schemeClr val="tx1">
+                    <a:lumMod val="95000"/>
+                    <a:lumOff val="5000"/>
+                  </a:schemeClr>
+                </a:solidFill>
+                <a:latin typeface="Liberation Mono"/>
+                <a:cs typeface="Arial" panose="020B0604020202020204" pitchFamily="34" charset="0"/>
+              </a:rPr>
+              <a:t> position }  [ ASC | DESC ], </a:t>
+            </a:r>
+            <a:r>
+              <a:rPr lang="en-US" sz="2000" dirty="0">
+                <a:solidFill>
+                  <a:schemeClr val="bg1">
+                    <a:lumMod val="50000"/>
+                  </a:schemeClr>
+                </a:solidFill>
+                <a:latin typeface="Liberation Mono"/>
+                <a:cs typeface="Arial" panose="020B0604020202020204" pitchFamily="34" charset="0"/>
+              </a:rPr>
+              <a:t>. . .</a:t>
+            </a:r>
+            <a:r>
+              <a:rPr lang="en-US" sz="2000" dirty="0">
+                <a:solidFill>
+                  <a:schemeClr val="tx1">
+                    <a:lumMod val="95000"/>
+                    <a:lumOff val="5000"/>
+                  </a:schemeClr>
+                </a:solidFill>
+                <a:latin typeface="Liberation Mono"/>
+                <a:cs typeface="Arial" panose="020B0604020202020204" pitchFamily="34" charset="0"/>
+              </a:rPr>
+              <a:t>  </a:t>
+            </a:r>
+            <a:r>
+              <a:rPr lang="en-US" sz="2000" dirty="0">
+                <a:solidFill>
+                  <a:srgbClr val="0077AA"/>
+                </a:solidFill>
+                <a:latin typeface="Liberation Mono"/>
+                <a:cs typeface="Arial" panose="020B0604020202020204" pitchFamily="34" charset="0"/>
+              </a:rPr>
+              <a:t>NULLS</a:t>
+            </a:r>
+            <a:r>
+              <a:rPr lang="en-US" sz="2000" dirty="0">
+                <a:solidFill>
+                  <a:schemeClr val="tx1">
+                    <a:lumMod val="95000"/>
+                    <a:lumOff val="5000"/>
+                  </a:schemeClr>
+                </a:solidFill>
+                <a:latin typeface="Liberation Mono"/>
+                <a:cs typeface="Arial" panose="020B0604020202020204" pitchFamily="34" charset="0"/>
+              </a:rPr>
+              <a:t> { FIRST | LAST } ]</a:t>
+            </a:r>
+          </a:p>
+          <a:p>
+            <a:pPr marL="285750" indent="-285750">
+              <a:lnSpc>
+                <a:spcPct val="150000"/>
+              </a:lnSpc>
+              <a:buFont typeface="Arial" panose="020B0604020202020204" pitchFamily="34" charset="0"/>
+              <a:buChar char="•"/>
+            </a:pPr>
+            <a:r>
+              <a:rPr lang="en-US" sz="2000" dirty="0">
+                <a:solidFill>
+                  <a:schemeClr val="tx1">
+                    <a:lumMod val="95000"/>
+                    <a:lumOff val="5000"/>
+                  </a:schemeClr>
+                </a:solidFill>
+                <a:latin typeface="Liberation Mono"/>
+                <a:cs typeface="Arial" panose="020B0604020202020204" pitchFamily="34" charset="0"/>
+              </a:rPr>
+              <a:t> [ </a:t>
+            </a:r>
+            <a:r>
+              <a:rPr lang="en-US" sz="2000" dirty="0">
+                <a:solidFill>
+                  <a:srgbClr val="0077AA"/>
+                </a:solidFill>
+                <a:latin typeface="Liberation Mono"/>
+                <a:cs typeface="Arial" panose="020B0604020202020204" pitchFamily="34" charset="0"/>
+              </a:rPr>
+              <a:t>OFFSET</a:t>
+            </a:r>
+            <a:r>
+              <a:rPr lang="en-US" sz="2000" dirty="0">
+                <a:solidFill>
+                  <a:schemeClr val="tx1">
+                    <a:lumMod val="95000"/>
+                    <a:lumOff val="5000"/>
+                  </a:schemeClr>
+                </a:solidFill>
+                <a:latin typeface="Liberation Mono"/>
+                <a:cs typeface="Arial" panose="020B0604020202020204" pitchFamily="34" charset="0"/>
+              </a:rPr>
+              <a:t> expression { ROW | ROWS } ]</a:t>
+            </a:r>
+          </a:p>
+          <a:p>
+            <a:pPr marL="285750" indent="-285750">
+              <a:lnSpc>
+                <a:spcPct val="150000"/>
+              </a:lnSpc>
+              <a:buFont typeface="Arial" panose="020B0604020202020204" pitchFamily="34" charset="0"/>
+              <a:buChar char="•"/>
+            </a:pPr>
+            <a:r>
+              <a:rPr lang="en-US" sz="2000" dirty="0">
+                <a:solidFill>
+                  <a:schemeClr val="tx1">
+                    <a:lumMod val="95000"/>
+                    <a:lumOff val="5000"/>
+                  </a:schemeClr>
+                </a:solidFill>
+                <a:latin typeface="Liberation Mono"/>
+                <a:cs typeface="Arial" panose="020B0604020202020204" pitchFamily="34" charset="0"/>
+              </a:rPr>
+              <a:t> [ </a:t>
+            </a:r>
+            <a:r>
+              <a:rPr lang="en-US" sz="2000" dirty="0">
+                <a:solidFill>
+                  <a:srgbClr val="0077AA"/>
+                </a:solidFill>
+                <a:latin typeface="Liberation Mono"/>
+                <a:cs typeface="Arial" panose="020B0604020202020204" pitchFamily="34" charset="0"/>
+              </a:rPr>
+              <a:t>FETCH</a:t>
+            </a:r>
+            <a:r>
+              <a:rPr lang="en-US" sz="2000" dirty="0">
+                <a:solidFill>
+                  <a:schemeClr val="tx1">
+                    <a:lumMod val="95000"/>
+                    <a:lumOff val="5000"/>
+                  </a:schemeClr>
+                </a:solidFill>
+                <a:latin typeface="Liberation Mono"/>
+                <a:cs typeface="Arial" panose="020B0604020202020204" pitchFamily="34" charset="0"/>
+              </a:rPr>
+              <a:t> </a:t>
+            </a:r>
+            <a:r>
+              <a:rPr lang="en-US" sz="2000" dirty="0">
+                <a:solidFill>
+                  <a:srgbClr val="0077AA"/>
+                </a:solidFill>
+                <a:latin typeface="Liberation Mono"/>
+                <a:cs typeface="Arial" panose="020B0604020202020204" pitchFamily="34" charset="0"/>
+              </a:rPr>
+              <a:t>FIRST</a:t>
+            </a:r>
+            <a:r>
+              <a:rPr lang="en-US" sz="2000" dirty="0">
+                <a:solidFill>
+                  <a:schemeClr val="tx1">
+                    <a:lumMod val="95000"/>
+                    <a:lumOff val="5000"/>
+                  </a:schemeClr>
+                </a:solidFill>
+                <a:latin typeface="Liberation Mono"/>
+                <a:cs typeface="Arial" panose="020B0604020202020204" pitchFamily="34" charset="0"/>
+              </a:rPr>
+              <a:t>	expression { </a:t>
+            </a:r>
+            <a:r>
+              <a:rPr lang="en-US" sz="2000" dirty="0">
+                <a:solidFill>
+                  <a:srgbClr val="0077AA"/>
+                </a:solidFill>
+                <a:latin typeface="Liberation Mono"/>
+                <a:cs typeface="Arial" panose="020B0604020202020204" pitchFamily="34" charset="0"/>
+              </a:rPr>
+              <a:t>ROW</a:t>
+            </a:r>
+            <a:r>
+              <a:rPr lang="en-US" sz="2000" dirty="0">
+                <a:solidFill>
+                  <a:schemeClr val="tx1">
+                    <a:lumMod val="95000"/>
+                    <a:lumOff val="5000"/>
+                  </a:schemeClr>
+                </a:solidFill>
+                <a:latin typeface="Liberation Mono"/>
+                <a:cs typeface="Arial" panose="020B0604020202020204" pitchFamily="34" charset="0"/>
+              </a:rPr>
+              <a:t> | </a:t>
+            </a:r>
+            <a:r>
+              <a:rPr lang="en-US" sz="2000" dirty="0">
+                <a:solidFill>
+                  <a:srgbClr val="0077AA"/>
+                </a:solidFill>
+                <a:latin typeface="Liberation Mono"/>
+                <a:cs typeface="Arial" panose="020B0604020202020204" pitchFamily="34" charset="0"/>
+              </a:rPr>
+              <a:t>ROWS</a:t>
+            </a:r>
+            <a:r>
+              <a:rPr lang="en-US" sz="2000" dirty="0">
+                <a:solidFill>
+                  <a:schemeClr val="tx1">
+                    <a:lumMod val="95000"/>
+                    <a:lumOff val="5000"/>
+                  </a:schemeClr>
+                </a:solidFill>
+                <a:latin typeface="Liberation Mono"/>
+                <a:cs typeface="Arial" panose="020B0604020202020204" pitchFamily="34" charset="0"/>
+              </a:rPr>
+              <a:t> } { </a:t>
+            </a:r>
+            <a:r>
+              <a:rPr lang="en-US" sz="2000" dirty="0">
+                <a:solidFill>
+                  <a:srgbClr val="0077AA"/>
+                </a:solidFill>
+                <a:latin typeface="Liberation Mono"/>
+                <a:cs typeface="Arial" panose="020B0604020202020204" pitchFamily="34" charset="0"/>
+              </a:rPr>
+              <a:t>ONLY</a:t>
+            </a:r>
+            <a:r>
+              <a:rPr lang="en-US" sz="2000" dirty="0">
+                <a:solidFill>
+                  <a:schemeClr val="tx1">
+                    <a:lumMod val="95000"/>
+                    <a:lumOff val="5000"/>
+                  </a:schemeClr>
+                </a:solidFill>
+                <a:latin typeface="Liberation Mono"/>
+                <a:cs typeface="Arial" panose="020B0604020202020204" pitchFamily="34" charset="0"/>
+              </a:rPr>
+              <a:t> | </a:t>
+            </a:r>
+            <a:r>
+              <a:rPr lang="en-US" sz="2000" dirty="0">
+                <a:solidFill>
+                  <a:srgbClr val="0077AA"/>
+                </a:solidFill>
+                <a:latin typeface="Liberation Mono"/>
+                <a:cs typeface="Arial" panose="020B0604020202020204" pitchFamily="34" charset="0"/>
+              </a:rPr>
+              <a:t>WITH</a:t>
+            </a:r>
+            <a:r>
+              <a:rPr lang="en-US" sz="2000" dirty="0">
+                <a:solidFill>
+                  <a:schemeClr val="tx1">
+                    <a:lumMod val="95000"/>
+                    <a:lumOff val="5000"/>
+                  </a:schemeClr>
+                </a:solidFill>
+                <a:latin typeface="Liberation Mono"/>
+                <a:cs typeface="Arial" panose="020B0604020202020204" pitchFamily="34" charset="0"/>
+              </a:rPr>
+              <a:t> </a:t>
+            </a:r>
+            <a:r>
+              <a:rPr lang="en-US" sz="2000" dirty="0">
+                <a:solidFill>
+                  <a:srgbClr val="0077AA"/>
+                </a:solidFill>
+                <a:latin typeface="Liberation Mono"/>
+                <a:cs typeface="Arial" panose="020B0604020202020204" pitchFamily="34" charset="0"/>
+              </a:rPr>
+              <a:t>TIES</a:t>
+            </a:r>
+            <a:r>
+              <a:rPr lang="en-US" sz="2000" dirty="0">
+                <a:solidFill>
+                  <a:schemeClr val="tx1">
+                    <a:lumMod val="95000"/>
+                    <a:lumOff val="5000"/>
+                  </a:schemeClr>
+                </a:solidFill>
+                <a:latin typeface="Liberation Mono"/>
+                <a:cs typeface="Arial" panose="020B0604020202020204" pitchFamily="34" charset="0"/>
+              </a:rPr>
+              <a:t> } ]</a:t>
+            </a:r>
+          </a:p>
+          <a:p>
+            <a:pPr marL="285750" indent="-285750">
+              <a:lnSpc>
+                <a:spcPct val="150000"/>
+              </a:lnSpc>
+              <a:buFont typeface="Arial" panose="020B0604020202020204" pitchFamily="34" charset="0"/>
+              <a:buChar char="•"/>
+            </a:pPr>
+            <a:r>
+              <a:rPr lang="en-US" sz="2000" dirty="0">
+                <a:solidFill>
+                  <a:schemeClr val="tx1">
+                    <a:lumMod val="95000"/>
+                    <a:lumOff val="5000"/>
+                  </a:schemeClr>
+                </a:solidFill>
+                <a:latin typeface="Liberation Mono"/>
+                <a:cs typeface="Arial" panose="020B0604020202020204" pitchFamily="34" charset="0"/>
+              </a:rPr>
+              <a:t> [ </a:t>
+            </a:r>
+            <a:r>
+              <a:rPr lang="en-US" sz="2000" dirty="0">
+                <a:solidFill>
+                  <a:srgbClr val="0077AA"/>
+                </a:solidFill>
+                <a:latin typeface="Liberation Mono"/>
+                <a:cs typeface="Arial" panose="020B0604020202020204" pitchFamily="34" charset="0"/>
+              </a:rPr>
+              <a:t>FOR</a:t>
+            </a:r>
+            <a:r>
+              <a:rPr lang="en-US" sz="2000" dirty="0">
+                <a:solidFill>
+                  <a:schemeClr val="tx1">
+                    <a:lumMod val="95000"/>
+                    <a:lumOff val="5000"/>
+                  </a:schemeClr>
+                </a:solidFill>
+                <a:latin typeface="Liberation Mono"/>
+                <a:cs typeface="Arial" panose="020B0604020202020204" pitchFamily="34" charset="0"/>
+              </a:rPr>
+              <a:t> { UPDATE } ]</a:t>
+            </a:r>
+            <a:endParaRPr lang="en-IN" sz="2000" dirty="0"/>
+          </a:p>
         </p:txBody>
       </p:sp>
     </p:spTree>
     <p:extLst>
       <p:ext uri="{BB962C8B-B14F-4D97-AF65-F5344CB8AC3E}">
-        <p14:creationId xmlns:p14="http://schemas.microsoft.com/office/powerpoint/2010/main" val="3024134314"/>
+        <p14:creationId xmlns:p14="http://schemas.microsoft.com/office/powerpoint/2010/main" val="3668840931"/>
       </p:ext>
     </p:extLst>
   </p:cSld>
@@ -39678,14 +40035,24 @@
               <a:defRPr/>
             </a:pPr>
             <a:r>
-              <a:rPr lang="en-US" sz="4800" dirty="0">
+              <a:rPr lang="en-IN" sz="4800" dirty="0">
                 <a:solidFill>
                   <a:srgbClr val="DC525C"/>
                 </a:solidFill>
                 <a:latin typeface="Segoe UI Light" panose="020B0502040204020203" pitchFamily="34" charset="0"/>
                 <a:cs typeface="Segoe UI Light" panose="020B0502040204020203" pitchFamily="34" charset="0"/>
               </a:rPr>
-              <a:t>order by clause</a:t>
+              <a:t>except</a:t>
+            </a:r>
+            <a:r>
+              <a:rPr lang="en-US" sz="4800" dirty="0">
+                <a:solidFill>
+                  <a:srgbClr val="DC525C"/>
+                </a:solidFill>
+                <a:latin typeface="Segoe UI Light" panose="020B0502040204020203" pitchFamily="34" charset="0"/>
+                <a:cs typeface="Segoe UI Light" panose="020B0502040204020203" pitchFamily="34" charset="0"/>
+              </a:rPr>
+              <a:t> attribute</a:t>
             </a:r>
           </a:p>
         </p:txBody>
@@ -39730,7 +40097,7 @@
         <p:spPr>
           <a:xfrm>
             <a:off x="303539" y="3124200"/>
-            <a:ext cx="11584921" cy="736933"/>
+            <a:ext cx="11584921" cy="407612"/>
           </a:xfrm>
           <a:prstGeom prst="rect">
             <a:avLst/>
@@ -39755,207 +40122,19 @@
                 <a:latin typeface="Palatino Linotype" panose="02040502050505030304" pitchFamily="18" charset="0"/>
                 <a:cs typeface="Segoe UI Light" panose="020B0502040204020203" pitchFamily="34" charset="0"/>
               </a:rPr>
-              <a:t>SQL allows the user to order the tuples in the result of a query by the values of one or more of the attributes that appear in the query result, by using the ORDER BY clause.</a:t>
+              <a:t>TODO</a:t>
             </a:r>
             <a:endParaRPr lang="en-IN" sz="2000" dirty="0">
               <a:latin typeface="Palatino Linotype" panose="02040502050505030304" pitchFamily="18" charset="0"/>
               <a:cs typeface="Segoe UI Light" panose="020B0502040204020203" pitchFamily="34" charset="0"/>
             </a:endParaRPr>
-          </a:p>
-        </p:txBody>
-      </p:sp>
-      <p:sp>
-        <p:nvSpPr>
-          <p:cNvPr id="3" name="Rectangle 2">
-            <a:extLst>
-              <a:ext uri="{FF2B5EF4-FFF2-40B4-BE49-F238E27FC236}">
-                <a16:creationId xmlns:a16="http://schemas.microsoft.com/office/drawing/2014/main" id="{61F28855-6CCC-916F-61FE-2198FD4D32E0}"/>
-              </a:ext>
-            </a:extLst>
-          </p:cNvPr>
-          <p:cNvSpPr/>
-          <p:nvPr/>
-        </p:nvSpPr>
-        <p:spPr>
-          <a:xfrm>
-            <a:off x="303539" y="4340130"/>
-            <a:ext cx="11737304" cy="2185214"/>
-          </a:xfrm>
-          <a:prstGeom prst="rect">
-            <a:avLst/>
-          </a:prstGeom>
-          <a:solidFill>
-            <a:schemeClr val="bg1"/>
-          </a:solidFill>
-        </p:spPr>
-        <p:txBody>
-          <a:bodyPr wrap="square">
-            <a:spAutoFit/>
-          </a:bodyPr>
-          <a:lstStyle/>
-          <a:p>
-            <a:r>
-              <a:rPr lang="en-IN" sz="2200" dirty="0">
-                <a:solidFill>
-                  <a:srgbClr val="FF0000"/>
-                </a:solidFill>
-                <a:latin typeface="Arial" panose="020B0604020202020204" pitchFamily="34" charset="0"/>
-                <a:cs typeface="Arial" panose="020B0604020202020204" pitchFamily="34" charset="0"/>
-              </a:rPr>
-              <a:t>Remember:</a:t>
-            </a:r>
-          </a:p>
-          <a:p>
-            <a:pPr marL="342900" indent="-342900">
-              <a:buFont typeface="Arial" panose="020B0604020202020204" pitchFamily="34" charset="0"/>
-              <a:buChar char="•"/>
-            </a:pPr>
-            <a:endParaRPr lang="en-IN" sz="800" dirty="0">
-              <a:latin typeface="Arial" panose="020B0604020202020204" pitchFamily="34" charset="0"/>
-              <a:ea typeface="Calibri" panose="020F0502020204030204" pitchFamily="34" charset="0"/>
-              <a:cs typeface="Arial" panose="020B0604020202020204" pitchFamily="34" charset="0"/>
-            </a:endParaRPr>
-          </a:p>
-          <a:p>
-            <a:pPr marL="342900" indent="-342900">
-              <a:buFont typeface="Arial" panose="020B0604020202020204" pitchFamily="34" charset="0"/>
-              <a:buChar char="•"/>
-            </a:pPr>
-            <a:r>
-              <a:rPr lang="en-IN" dirty="0">
-                <a:latin typeface="Arial" panose="020B0604020202020204" pitchFamily="34" charset="0"/>
-                <a:ea typeface="Calibri" panose="020F0502020204030204" pitchFamily="34" charset="0"/>
-                <a:cs typeface="Arial" panose="020B0604020202020204" pitchFamily="34" charset="0"/>
-              </a:rPr>
-              <a:t>The default sort order is ascending </a:t>
-            </a:r>
-            <a:r>
-              <a:rPr lang="en-IN" b="1" dirty="0">
-                <a:latin typeface="Arial" panose="020B0604020202020204" pitchFamily="34" charset="0"/>
-                <a:cs typeface="Arial" panose="020B0604020202020204" pitchFamily="34" charset="0"/>
-              </a:rPr>
-              <a:t>ASC</a:t>
-            </a:r>
-            <a:r>
-              <a:rPr lang="en-IN" dirty="0">
-                <a:latin typeface="Arial" panose="020B0604020202020204" pitchFamily="34" charset="0"/>
-                <a:ea typeface="Calibri" panose="020F0502020204030204" pitchFamily="34" charset="0"/>
-                <a:cs typeface="Arial" panose="020B0604020202020204" pitchFamily="34" charset="0"/>
-              </a:rPr>
-              <a:t>, with smallest values first. To sort in descending (reverse) order, add the </a:t>
-            </a:r>
-            <a:r>
-              <a:rPr lang="en-IN" b="1" dirty="0">
-                <a:latin typeface="Arial" panose="020B0604020202020204" pitchFamily="34" charset="0"/>
-                <a:ea typeface="Calibri" panose="020F0502020204030204" pitchFamily="34" charset="0"/>
-                <a:cs typeface="Arial" panose="020B0604020202020204" pitchFamily="34" charset="0"/>
-              </a:rPr>
-              <a:t>DESC</a:t>
-            </a:r>
-            <a:r>
-              <a:rPr lang="en-IN" dirty="0">
-                <a:latin typeface="Arial" panose="020B0604020202020204" pitchFamily="34" charset="0"/>
-                <a:ea typeface="Calibri" panose="020F0502020204030204" pitchFamily="34" charset="0"/>
-                <a:cs typeface="Arial" panose="020B0604020202020204" pitchFamily="34" charset="0"/>
-              </a:rPr>
-              <a:t> keyword to the name of the column you are sorting by.</a:t>
-            </a:r>
-          </a:p>
-          <a:p>
-            <a:pPr marL="171450" indent="-171450">
-              <a:buFont typeface="Arial" panose="020B0604020202020204" pitchFamily="34" charset="0"/>
-              <a:buChar char="•"/>
-            </a:pPr>
-            <a:endParaRPr lang="en-IN" sz="800" dirty="0">
-              <a:latin typeface="Arial" panose="020B0604020202020204" pitchFamily="34" charset="0"/>
-              <a:ea typeface="Calibri" panose="020F0502020204030204" pitchFamily="34" charset="0"/>
-              <a:cs typeface="Arial" panose="020B0604020202020204" pitchFamily="34" charset="0"/>
-            </a:endParaRPr>
-          </a:p>
-          <a:p>
-            <a:pPr marL="342900" indent="-342900">
-              <a:buFont typeface="Arial" panose="020B0604020202020204" pitchFamily="34" charset="0"/>
-              <a:buChar char="•"/>
-            </a:pPr>
-            <a:r>
-              <a:rPr lang="en-IN" dirty="0">
-                <a:latin typeface="Arial" panose="020B0604020202020204" pitchFamily="34" charset="0"/>
-                <a:cs typeface="Arial" panose="020B0604020202020204" pitchFamily="34" charset="0"/>
-              </a:rPr>
-              <a:t>You can sort on multiple columns, and you can sort different columns in different directions.</a:t>
-            </a:r>
-          </a:p>
-          <a:p>
-            <a:pPr marL="342900" indent="-342900">
-              <a:buFont typeface="Arial" panose="020B0604020202020204" pitchFamily="34" charset="0"/>
-              <a:buChar char="•"/>
-            </a:pPr>
-            <a:endParaRPr lang="en-IN" sz="800" dirty="0">
-              <a:latin typeface="Arial" panose="020B0604020202020204" pitchFamily="34" charset="0"/>
-              <a:cs typeface="Arial" panose="020B0604020202020204" pitchFamily="34" charset="0"/>
-            </a:endParaRPr>
-          </a:p>
-          <a:p>
-            <a:pPr marL="342900" indent="-342900">
-              <a:buFont typeface="Arial" panose="020B0604020202020204" pitchFamily="34" charset="0"/>
-              <a:buChar char="•"/>
-            </a:pPr>
-            <a:r>
-              <a:rPr lang="en-IN" dirty="0">
-                <a:latin typeface="Arial" panose="020B0604020202020204" pitchFamily="34" charset="0"/>
-                <a:cs typeface="Arial" panose="020B0604020202020204" pitchFamily="34" charset="0"/>
-              </a:rPr>
-              <a:t>If the </a:t>
-            </a:r>
-            <a:r>
-              <a:rPr lang="en-IN" b="1" dirty="0">
-                <a:latin typeface="Arial" panose="020B0604020202020204" pitchFamily="34" charset="0"/>
-                <a:cs typeface="Arial" panose="020B0604020202020204" pitchFamily="34" charset="0"/>
-              </a:rPr>
-              <a:t>ASC</a:t>
-            </a:r>
-            <a:r>
-              <a:rPr lang="en-IN" dirty="0">
-                <a:latin typeface="Arial" panose="020B0604020202020204" pitchFamily="34" charset="0"/>
-                <a:cs typeface="Arial" panose="020B0604020202020204" pitchFamily="34" charset="0"/>
-              </a:rPr>
-              <a:t> or </a:t>
-            </a:r>
-            <a:r>
-              <a:rPr lang="en-IN" b="1" dirty="0">
-                <a:latin typeface="Arial" panose="020B0604020202020204" pitchFamily="34" charset="0"/>
-                <a:cs typeface="Arial" panose="020B0604020202020204" pitchFamily="34" charset="0"/>
-              </a:rPr>
-              <a:t>DESC</a:t>
-            </a:r>
-            <a:r>
-              <a:rPr lang="en-IN" dirty="0">
-                <a:latin typeface="Arial" panose="020B0604020202020204" pitchFamily="34" charset="0"/>
-                <a:cs typeface="Arial" panose="020B0604020202020204" pitchFamily="34" charset="0"/>
-              </a:rPr>
-              <a:t> modifier is not provided in the ORDER BY clause, the results will be sorted by expression in </a:t>
-            </a:r>
-            <a:r>
-              <a:rPr lang="en-IN" b="1" dirty="0">
-                <a:latin typeface="Arial" panose="020B0604020202020204" pitchFamily="34" charset="0"/>
-                <a:cs typeface="Arial" panose="020B0604020202020204" pitchFamily="34" charset="0"/>
-              </a:rPr>
-              <a:t>ASC </a:t>
-            </a:r>
-            <a:r>
-              <a:rPr lang="en-IN" dirty="0">
-                <a:latin typeface="Arial" panose="020B0604020202020204" pitchFamily="34" charset="0"/>
-                <a:cs typeface="Arial" panose="020B0604020202020204" pitchFamily="34" charset="0"/>
-              </a:rPr>
-              <a:t>(ascending) order. This is equivalent to ORDER BY expression ASC.</a:t>
-            </a:r>
           </a:p>
         </p:txBody>
       </p:sp>
     </p:spTree>
     <p:extLst>
       <p:ext uri="{BB962C8B-B14F-4D97-AF65-F5344CB8AC3E}">
-        <p14:creationId xmlns:p14="http://schemas.microsoft.com/office/powerpoint/2010/main" val="1165595603"/>
+        <p14:creationId xmlns:p14="http://schemas.microsoft.com/office/powerpoint/2010/main" val="1431185917"/>
       </p:ext>
     </p:extLst>
   </p:cSld>
@@ -40013,7 +40192,7 @@
                 <a:latin typeface="Arial" pitchFamily="34" charset="0"/>
                 <a:cs typeface="Arial" pitchFamily="34" charset="0"/>
               </a:rPr>
-              <a:t>select  - order by</a:t>
+              <a:t>select - except</a:t>
             </a:r>
             <a:endParaRPr lang="en-IN" sz="3200" i="1" dirty="0">
               <a:solidFill>
@@ -40027,10 +40206,10 @@
       </p:sp>
       <p:sp>
         <p:nvSpPr>
-          <p:cNvPr id="3" name="Rectangle 2">
+          <p:cNvPr id="10" name="Rectangle 9">
             <a:extLst>
               <a:ext uri="{FF2B5EF4-FFF2-40B4-BE49-F238E27FC236}">
-                <a16:creationId xmlns:a16="http://schemas.microsoft.com/office/drawing/2014/main" id="{9A24C73D-2B4C-3543-A0EB-A352C062C085}"/>
+                <a16:creationId xmlns:a16="http://schemas.microsoft.com/office/drawing/2014/main" id="{B80DA59F-F73A-40DE-B646-ACFB88C2CFDD}"/>
               </a:ext>
             </a:extLst>
           </p:cNvPr>
@@ -40040,7 +40219,7 @@
         <p:spPr>
           <a:xfrm>
             <a:off x="262558" y="583270"/>
-            <a:ext cx="11737304" cy="1860509"/>
+            <a:ext cx="11737304" cy="1138773"/>
           </a:xfrm>
           <a:prstGeom prst="rect">
             <a:avLst/>
@@ -40203,10 +40382,10 @@
                 <a:latin typeface="Liberation Mono"/>
                 <a:cs typeface="Arial" panose="020B0604020202020204" pitchFamily="34" charset="0"/>
               </a:rPr>
-              <a:t>(A1, A2)  </a:t>
-            </a:r>
-            <a:r>
-              <a:rPr lang="en-US" sz="2000" dirty="0">
+              <a:t>(A</a:t>
+            </a:r>
+            <a:r>
+              <a:rPr lang="en-US" sz="2000" i="1" baseline="-25000" dirty="0">
                 <a:solidFill>
                   <a:schemeClr val="tx1">
                     <a:lumMod val="95000"/>
@@ -40216,20 +40395,10 @@
                 <a:latin typeface="Liberation Mono"/>
                 <a:cs typeface="Arial" panose="020B0604020202020204" pitchFamily="34" charset="0"/>
               </a:rPr>
-              <a:t>/ </a:t>
-            </a:r>
-            <a:r>
-              <a:rPr lang="en-US" sz="2000" dirty="0">
-                <a:solidFill>
-                  <a:srgbClr val="CAA496"/>
-                </a:solidFill>
-                <a:latin typeface="Liberation Mono"/>
-                <a:cs typeface="Arial" panose="020B0604020202020204" pitchFamily="34" charset="0"/>
-              </a:rPr>
-              <a:t>identifier</a:t>
-            </a:r>
-            <a:r>
-              <a:rPr lang="en-US" sz="2000" dirty="0">
+              <a:t>1</a:t>
+            </a:r>
+            <a:r>
+              <a:rPr lang="en-US" sz="2000" i="1" dirty="0">
                 <a:solidFill>
                   <a:schemeClr val="tx1">
                     <a:lumMod val="95000"/>
@@ -40239,10 +40408,10 @@
                 <a:latin typeface="Liberation Mono"/>
                 <a:cs typeface="Arial" panose="020B0604020202020204" pitchFamily="34" charset="0"/>
               </a:rPr>
-              <a:t>.</a:t>
-            </a:r>
-            <a:r>
-              <a:rPr lang="en-US" sz="2000" i="1" dirty="0">
+              <a:t>, A</a:t>
+            </a:r>
+            <a:r>
+              <a:rPr lang="en-US" sz="2000" i="1" baseline="-25000" dirty="0">
                 <a:solidFill>
                   <a:schemeClr val="tx1">
                     <a:lumMod val="95000"/>
@@ -40252,10 +40421,10 @@
                 <a:latin typeface="Liberation Mono"/>
                 <a:cs typeface="Arial" panose="020B0604020202020204" pitchFamily="34" charset="0"/>
               </a:rPr>
-              <a:t>A</a:t>
-            </a:r>
-            <a:r>
-              <a:rPr lang="en-US" sz="2000" baseline="-25000" dirty="0">
+              <a:t>2</a:t>
+            </a:r>
+            <a:r>
+              <a:rPr lang="en-US" sz="2000" i="1" dirty="0">
                 <a:solidFill>
                   <a:schemeClr val="tx1">
                     <a:lumMod val="95000"/>
@@ -40265,108 +40434,18 @@
                 <a:latin typeface="Liberation Mono"/>
                 <a:cs typeface="Arial" panose="020B0604020202020204" pitchFamily="34" charset="0"/>
               </a:rPr>
-              <a:t>1</a:t>
-            </a:r>
-            <a:r>
-              <a:rPr lang="en-US" sz="2000" dirty="0">
-                <a:solidFill>
-                  <a:schemeClr val="tx1">
-                    <a:lumMod val="95000"/>
-                    <a:lumOff val="5000"/>
-                  </a:schemeClr>
-                </a:solidFill>
-                <a:latin typeface="Liberation Mono"/>
-                <a:cs typeface="Arial" panose="020B0604020202020204" pitchFamily="34" charset="0"/>
-              </a:rPr>
-              <a:t> [ [as] alias_name], </a:t>
-            </a:r>
-            <a:r>
-              <a:rPr lang="en-US" sz="2000" dirty="0">
-                <a:solidFill>
-                  <a:srgbClr val="CAA496"/>
-                </a:solidFill>
-                <a:latin typeface="Liberation Mono"/>
-                <a:cs typeface="Arial" panose="020B0604020202020204" pitchFamily="34" charset="0"/>
-              </a:rPr>
-              <a:t>identifier</a:t>
-            </a:r>
-            <a:r>
-              <a:rPr lang="en-US" sz="2000" dirty="0">
-                <a:solidFill>
-                  <a:schemeClr val="tx1">
-                    <a:lumMod val="95000"/>
-                    <a:lumOff val="5000"/>
-                  </a:schemeClr>
-                </a:solidFill>
-                <a:latin typeface="Liberation Mono"/>
-                <a:cs typeface="Arial" panose="020B0604020202020204" pitchFamily="34" charset="0"/>
-              </a:rPr>
-              <a:t>.</a:t>
-            </a:r>
-            <a:r>
-              <a:rPr lang="en-US" sz="2000" i="1" dirty="0">
-                <a:solidFill>
-                  <a:schemeClr val="tx1">
-                    <a:lumMod val="95000"/>
-                    <a:lumOff val="5000"/>
-                  </a:schemeClr>
-                </a:solidFill>
-                <a:latin typeface="Liberation Mono"/>
-                <a:cs typeface="Arial" panose="020B0604020202020204" pitchFamily="34" charset="0"/>
-              </a:rPr>
-              <a:t>A</a:t>
-            </a:r>
-            <a:r>
-              <a:rPr lang="en-US" sz="2000" baseline="-25000" dirty="0">
-                <a:solidFill>
-                  <a:schemeClr val="tx1">
-                    <a:lumMod val="95000"/>
-                    <a:lumOff val="5000"/>
-                  </a:schemeClr>
-                </a:solidFill>
-                <a:latin typeface="Liberation Mono"/>
-                <a:cs typeface="Arial" panose="020B0604020202020204" pitchFamily="34" charset="0"/>
-              </a:rPr>
-              <a:t>2</a:t>
-            </a:r>
-            <a:r>
-              <a:rPr lang="en-US" sz="2000" dirty="0">
-                <a:solidFill>
-                  <a:schemeClr val="tx1">
-                    <a:lumMod val="95000"/>
-                    <a:lumOff val="5000"/>
-                  </a:schemeClr>
-                </a:solidFill>
-                <a:latin typeface="Liberation Mono"/>
-                <a:cs typeface="Arial" panose="020B0604020202020204" pitchFamily="34" charset="0"/>
-              </a:rPr>
-              <a:t> [ [as] alias_name], expression1 [ [as] alias_name], expression2 [ [as] alias_name] </a:t>
-            </a:r>
-            <a:r>
-              <a:rPr lang="en-US" sz="2000" dirty="0">
-                <a:solidFill>
-                  <a:schemeClr val="bg1">
-                    <a:lumMod val="50000"/>
-                  </a:schemeClr>
-                </a:solidFill>
-                <a:latin typeface="Liberation Mono"/>
-                <a:cs typeface="Arial" panose="020B0604020202020204" pitchFamily="34" charset="0"/>
-              </a:rPr>
-              <a:t>. . .</a:t>
-            </a:r>
-            <a:r>
-              <a:rPr lang="en-US" sz="2000" dirty="0">
-                <a:solidFill>
-                  <a:schemeClr val="tx1">
-                    <a:lumMod val="95000"/>
-                    <a:lumOff val="5000"/>
-                  </a:schemeClr>
-                </a:solidFill>
-                <a:latin typeface="Liberation Mono"/>
-                <a:cs typeface="Arial" panose="020B0604020202020204" pitchFamily="34" charset="0"/>
-              </a:rPr>
-              <a:t> </a:t>
-            </a:r>
+              <a:t>, . . .)</a:t>
+            </a:r>
+            <a:endParaRPr lang="en-US" sz="2000" dirty="0">
+              <a:solidFill>
+                <a:schemeClr val="tx1">
+                  <a:lumMod val="95000"/>
+                  <a:lumOff val="5000"/>
+                </a:schemeClr>
+              </a:solidFill>
+              <a:latin typeface="Liberation Mono"/>
+              <a:cs typeface="Arial" panose="020B0604020202020204" pitchFamily="34" charset="0"/>
+            </a:endParaRPr>
           </a:p>
           <a:p>
             <a:endParaRPr lang="en-US" sz="800" dirty="0">
@@ -40381,10 +40460,6 @@
             </a:endParaRPr>
           </a:p>
           <a:p>
-            <a:pPr marL="342900" indent="-342900">
-              <a:buFont typeface="Arial" panose="020B0604020202020204" pitchFamily="34" charset="0"/>
-              <a:buChar char="•"/>
-            </a:pPr>
             <a:r>
               <a:rPr lang="en-US" sz="2000" dirty="0">
                 <a:solidFill>
@@ -40571,190 +40646,173 @@
               <a:t> ]</a:t>
             </a:r>
           </a:p>
-          <a:p>
-            <a:pPr marL="285750" indent="-285750">
-              <a:lnSpc>
-                <a:spcPct val="150000"/>
-              </a:lnSpc>
-              <a:buFont typeface="Arial" panose="020B0604020202020204" pitchFamily="34" charset="0"/>
-              <a:buChar char="•"/>
-            </a:pPr>
-            <a:r>
-              <a:rPr lang="en-US" sz="2000" dirty="0">
-                <a:solidFill>
-                  <a:schemeClr val="tx1">
-                    <a:lumMod val="95000"/>
-                    <a:lumOff val="5000"/>
-                  </a:schemeClr>
-                </a:solidFill>
-                <a:latin typeface="Liberation Mono"/>
-                <a:cs typeface="Arial" panose="020B0604020202020204" pitchFamily="34" charset="0"/>
-              </a:rPr>
-              <a:t> [ </a:t>
-            </a:r>
-            <a:r>
-              <a:rPr lang="en-US" sz="2000" dirty="0">
-                <a:solidFill>
-                  <a:srgbClr val="0077AA"/>
-                </a:solidFill>
-                <a:latin typeface="Liberation Mono"/>
-                <a:cs typeface="Arial" panose="020B0604020202020204" pitchFamily="34" charset="0"/>
-              </a:rPr>
-              <a:t>ORDER</a:t>
-            </a:r>
-            <a:r>
-              <a:rPr lang="en-US" sz="2000" dirty="0">
-                <a:solidFill>
-                  <a:schemeClr val="tx1">
-                    <a:lumMod val="95000"/>
-                    <a:lumOff val="5000"/>
-                  </a:schemeClr>
-                </a:solidFill>
-                <a:latin typeface="Liberation Mono"/>
-                <a:cs typeface="Arial" panose="020B0604020202020204" pitchFamily="34" charset="0"/>
-              </a:rPr>
-              <a:t> </a:t>
-            </a:r>
-            <a:r>
-              <a:rPr lang="en-US" sz="2000" dirty="0">
-                <a:solidFill>
-                  <a:srgbClr val="0077AA"/>
-                </a:solidFill>
-                <a:latin typeface="Liberation Mono"/>
-                <a:cs typeface="Arial" panose="020B0604020202020204" pitchFamily="34" charset="0"/>
-              </a:rPr>
-              <a:t>BY</a:t>
-            </a:r>
-            <a:r>
-              <a:rPr lang="en-US" sz="2000" dirty="0">
-                <a:solidFill>
-                  <a:schemeClr val="tx1">
-                    <a:lumMod val="95000"/>
-                    <a:lumOff val="5000"/>
-                  </a:schemeClr>
-                </a:solidFill>
-                <a:latin typeface="Liberation Mono"/>
-                <a:cs typeface="Arial" panose="020B0604020202020204" pitchFamily="34" charset="0"/>
-              </a:rPr>
-              <a:t> &lt; { col_name </a:t>
-            </a:r>
-            <a:r>
-              <a:rPr lang="en-US" sz="2000" dirty="0">
-                <a:solidFill>
-                  <a:schemeClr val="bg1">
-                    <a:lumMod val="65000"/>
-                  </a:schemeClr>
-                </a:solidFill>
-                <a:latin typeface="Liberation Mono"/>
-                <a:cs typeface="Arial" panose="020B0604020202020204" pitchFamily="34" charset="0"/>
-              </a:rPr>
-              <a:t>|</a:t>
-            </a:r>
-            <a:r>
-              <a:rPr lang="en-US" sz="2000" dirty="0">
-                <a:solidFill>
-                  <a:schemeClr val="tx1">
-                    <a:lumMod val="95000"/>
-                    <a:lumOff val="5000"/>
-                  </a:schemeClr>
-                </a:solidFill>
-                <a:latin typeface="Liberation Mono"/>
-                <a:cs typeface="Arial" panose="020B0604020202020204" pitchFamily="34" charset="0"/>
-              </a:rPr>
-              <a:t> expr </a:t>
-            </a:r>
-            <a:r>
-              <a:rPr lang="en-US" sz="2000" dirty="0">
-                <a:solidFill>
-                  <a:schemeClr val="bg1">
-                    <a:lumMod val="65000"/>
-                  </a:schemeClr>
-                </a:solidFill>
-                <a:latin typeface="Liberation Mono"/>
-                <a:cs typeface="Arial" panose="020B0604020202020204" pitchFamily="34" charset="0"/>
-              </a:rPr>
-              <a:t>|</a:t>
-            </a:r>
-            <a:r>
-              <a:rPr lang="en-US" sz="2000" dirty="0">
-                <a:solidFill>
-                  <a:schemeClr val="tx1">
-                    <a:lumMod val="95000"/>
-                    <a:lumOff val="5000"/>
-                  </a:schemeClr>
-                </a:solidFill>
-                <a:latin typeface="Liberation Mono"/>
-                <a:cs typeface="Arial" panose="020B0604020202020204" pitchFamily="34" charset="0"/>
-              </a:rPr>
-              <a:t> position }  [ ASC | DESC ], </a:t>
-            </a:r>
-            <a:r>
-              <a:rPr lang="en-US" sz="2000" dirty="0">
-                <a:solidFill>
-                  <a:schemeClr val="bg1">
-                    <a:lumMod val="50000"/>
-                  </a:schemeClr>
-                </a:solidFill>
-                <a:latin typeface="Liberation Mono"/>
-                <a:cs typeface="Arial" panose="020B0604020202020204" pitchFamily="34" charset="0"/>
-              </a:rPr>
-              <a:t>. . .</a:t>
-            </a:r>
-            <a:r>
-              <a:rPr lang="en-US" sz="2000" dirty="0">
-                <a:solidFill>
-                  <a:schemeClr val="tx1">
-                    <a:lumMod val="95000"/>
-                    <a:lumOff val="5000"/>
-                  </a:schemeClr>
-                </a:solidFill>
-                <a:latin typeface="Liberation Mono"/>
-                <a:cs typeface="Arial" panose="020B0604020202020204" pitchFamily="34" charset="0"/>
-              </a:rPr>
-              <a:t>  </a:t>
-            </a:r>
-            <a:r>
-              <a:rPr lang="en-US" sz="2000" dirty="0">
-                <a:solidFill>
-                  <a:srgbClr val="0077AA"/>
-                </a:solidFill>
-                <a:latin typeface="Liberation Mono"/>
-                <a:cs typeface="Arial" panose="020B0604020202020204" pitchFamily="34" charset="0"/>
-              </a:rPr>
-              <a:t>NULLS</a:t>
-            </a:r>
-            <a:r>
-              <a:rPr lang="en-US" sz="2000" dirty="0">
-                <a:solidFill>
-                  <a:schemeClr val="tx1">
-                    <a:lumMod val="95000"/>
-                    <a:lumOff val="5000"/>
-                  </a:schemeClr>
-                </a:solidFill>
-                <a:latin typeface="Liberation Mono"/>
-                <a:cs typeface="Arial" panose="020B0604020202020204" pitchFamily="34" charset="0"/>
-              </a:rPr>
-              <a:t> { FIRST | LAST } ]</a:t>
-            </a:r>
-          </a:p>
         </p:txBody>
       </p:sp>
       <p:sp>
         <p:nvSpPr>
-          <p:cNvPr id="6" name="Rectangle 5">
+          <p:cNvPr id="2" name="TextBox 1">
             <a:extLst>
               <a:ext uri="{FF2B5EF4-FFF2-40B4-BE49-F238E27FC236}">
-                <a16:creationId xmlns:a16="http://schemas.microsoft.com/office/drawing/2014/main" id="{069C47A4-633C-E4AB-1890-7E13CA072EA0}"/>
+                <a16:creationId xmlns:a16="http://schemas.microsoft.com/office/drawing/2014/main" id="{857CA75D-8277-4F0A-60C0-E78103DD0F4C}"/>
               </a:ext>
             </a:extLst>
           </p:cNvPr>
+          <p:cNvSpPr txBox="1"/>
+          <p:nvPr/>
+        </p:nvSpPr>
+        <p:spPr>
+          <a:xfrm>
+            <a:off x="262558" y="2305310"/>
+            <a:ext cx="6094378" cy="369332"/>
+          </a:xfrm>
+          <a:prstGeom prst="rect">
+            <a:avLst/>
+          </a:prstGeom>
+          <a:noFill/>
+        </p:spPr>
+        <p:txBody>
+          <a:bodyPr wrap="square">
+            <a:spAutoFit/>
+          </a:bodyPr>
+          <a:lstStyle/>
+          <a:p>
+            <a:pPr marL="285750" indent="-285750">
+              <a:buFont typeface="Arial" panose="020B0604020202020204" pitchFamily="34" charset="0"/>
+              <a:buChar char="•"/>
+            </a:pPr>
+            <a:r>
+              <a:rPr lang="en-IN" dirty="0">
+                <a:solidFill>
+                  <a:srgbClr val="0077AA"/>
+                </a:solidFill>
+                <a:latin typeface="Liberation Mono"/>
+                <a:cs typeface="Arial" panose="020B0604020202020204" pitchFamily="34" charset="0"/>
+              </a:rPr>
+              <a:t>SELECT</a:t>
+            </a:r>
+            <a:r>
+              <a:rPr lang="en-IN" dirty="0">
+                <a:latin typeface="Liberation Mono"/>
+              </a:rPr>
+              <a:t> * </a:t>
+            </a:r>
+            <a:r>
+              <a:rPr lang="en-IN" dirty="0">
+                <a:solidFill>
+                  <a:srgbClr val="0077AA"/>
+                </a:solidFill>
+                <a:latin typeface="Liberation Mono"/>
+                <a:cs typeface="Arial" panose="020B0604020202020204" pitchFamily="34" charset="0"/>
+              </a:rPr>
+              <a:t>EXCEPT</a:t>
+            </a:r>
+            <a:r>
+              <a:rPr lang="en-IN" dirty="0">
+                <a:latin typeface="Liberation Mono"/>
+              </a:rPr>
+              <a:t> (job, gender, mgr) </a:t>
+            </a:r>
+            <a:r>
+              <a:rPr lang="en-IN" dirty="0">
+                <a:solidFill>
+                  <a:srgbClr val="0077AA"/>
+                </a:solidFill>
+                <a:latin typeface="Liberation Mono"/>
+                <a:cs typeface="Arial" panose="020B0604020202020204" pitchFamily="34" charset="0"/>
+              </a:rPr>
+              <a:t>FROM</a:t>
+            </a:r>
+            <a:r>
+              <a:rPr lang="en-IN" dirty="0">
+                <a:latin typeface="Liberation Mono"/>
+              </a:rPr>
+              <a:t> emp ; </a:t>
+            </a:r>
+          </a:p>
+        </p:txBody>
+      </p:sp>
+    </p:spTree>
+    <p:extLst>
+      <p:ext uri="{BB962C8B-B14F-4D97-AF65-F5344CB8AC3E}">
+        <p14:creationId xmlns:p14="http://schemas.microsoft.com/office/powerpoint/2010/main" val="3024134314"/>
+      </p:ext>
+    </p:extLst>
+  </p:cSld>
+  <p:clrMapOvr>
+    <a:masterClrMapping/>
+  </p:clrMapOvr>
+</p:sld>
+</file>
+
+<file path=ppt/slides/slide62.xml><?xml version="1.0" encoding="utf-8"?>
+<p:sld xmlns:a="http://schemas.openxmlformats.org/drawingml/2006/main" xmlns:r="http://schemas.openxmlformats.org/officeDocument/2006/relationships" xmlns:p="http://schemas.openxmlformats.org/presentationml/2006/main">
+  <p:cSld>
+    <p:spTree>
+      <p:nvGrpSpPr>
+        <p:cNvPr id="1" name=""/>
+        <p:cNvGrpSpPr/>
+        <p:nvPr/>
+      </p:nvGrpSpPr>
+      <p:grpSpPr>
+        <a:xfrm>
+          <a:off x="0" y="0"/>
+          <a:ext cx="0" cy="0"/>
+          <a:chOff x="0" y="0"/>
+          <a:chExt cx="0" cy="0"/>
+        </a:xfrm>
+      </p:grpSpPr>
+      <p:sp>
+        <p:nvSpPr>
+          <p:cNvPr id="2" name="Title 1"/>
+          <p:cNvSpPr txBox="1">
+            <a:spLocks/>
+          </p:cNvSpPr>
+          <p:nvPr/>
+        </p:nvSpPr>
+        <p:spPr>
+          <a:xfrm>
+            <a:off x="1676977" y="2362200"/>
+            <a:ext cx="8838049" cy="914400"/>
+          </a:xfrm>
+          <a:prstGeom prst="rect">
+            <a:avLst/>
+          </a:prstGeom>
+        </p:spPr>
+        <p:txBody>
+          <a:bodyPr>
+            <a:normAutofit/>
+          </a:bodyPr>
+          <a:lstStyle/>
+          <a:p>
+            <a:pPr algn="ctr">
+              <a:spcBef>
+                <a:spcPct val="0"/>
+              </a:spcBef>
+              <a:defRPr/>
+            </a:pPr>
+            <a:r>
+              <a:rPr lang="en-US" sz="4800" dirty="0">
+                <a:solidFill>
+                  <a:srgbClr val="DC525C"/>
+                </a:solidFill>
+                <a:latin typeface="Segoe UI Light" panose="020B0502040204020203" pitchFamily="34" charset="0"/>
+                <a:cs typeface="Segoe UI Light" panose="020B0502040204020203" pitchFamily="34" charset="0"/>
+              </a:rPr>
+              <a:t>order by clause</a:t>
+            </a:r>
+          </a:p>
+        </p:txBody>
+      </p:sp>
+      <p:sp>
+        <p:nvSpPr>
+          <p:cNvPr id="4" name="Rectangle 3"/>
           <p:cNvSpPr/>
           <p:nvPr/>
         </p:nvSpPr>
         <p:spPr>
           <a:xfrm>
-            <a:off x="303539" y="5489356"/>
-            <a:ext cx="11737304" cy="1107996"/>
+            <a:off x="263352" y="130314"/>
+            <a:ext cx="11737304" cy="400110"/>
           </a:xfrm>
           <a:prstGeom prst="rect">
             <a:avLst/>
@@ -40769,71 +40827,30 @@
           </a:bodyPr>
           <a:lstStyle/>
           <a:p>
-            <a:r>
-              <a:rPr lang="en-IN" sz="2200" dirty="0">
-                <a:solidFill>
-                  <a:srgbClr val="FF0000"/>
-                </a:solidFill>
-                <a:latin typeface="Arial" panose="020B0604020202020204" pitchFamily="34" charset="0"/>
-                <a:cs typeface="Arial" panose="020B0604020202020204" pitchFamily="34" charset="0"/>
-              </a:rPr>
-              <a:t>Remember:</a:t>
-            </a:r>
-            <a:endParaRPr lang="en-IN" sz="800" dirty="0">
-              <a:solidFill>
-                <a:srgbClr val="FF0000"/>
-              </a:solidFill>
-              <a:latin typeface="Arial" panose="020B0604020202020204" pitchFamily="34" charset="0"/>
-              <a:ea typeface="Calibri" panose="020F0502020204030204" pitchFamily="34" charset="0"/>
-              <a:cs typeface="Arial" panose="020B0604020202020204" pitchFamily="34" charset="0"/>
+            <a:endParaRPr lang="en-IN" sz="2000" dirty="0">
+              <a:latin typeface="Segoe UI Light" panose="020B0502040204020203" pitchFamily="34" charset="0"/>
+              <a:cs typeface="Segoe UI Light" panose="020B0502040204020203" pitchFamily="34" charset="0"/>
             </a:endParaRPr>
-          </a:p>
-          <a:p>
-            <a:endParaRPr lang="en-IN" sz="800" dirty="0">
-              <a:solidFill>
-                <a:srgbClr val="FF0000"/>
-              </a:solidFill>
-              <a:latin typeface="Arial" panose="020B0604020202020204" pitchFamily="34" charset="0"/>
-              <a:ea typeface="Calibri" panose="020F0502020204030204" pitchFamily="34" charset="0"/>
-              <a:cs typeface="Arial" panose="020B0604020202020204" pitchFamily="34" charset="0"/>
-            </a:endParaRPr>
-          </a:p>
-          <a:p>
-            <a:pPr marL="285750" indent="-285750">
-              <a:buFont typeface="Arial" panose="020B0604020202020204" pitchFamily="34" charset="0"/>
-              <a:buChar char="•"/>
-            </a:pPr>
-            <a:r>
-              <a:rPr lang="en-US" dirty="0">
-                <a:latin typeface="Arial" panose="020B0604020202020204" pitchFamily="34" charset="0"/>
-                <a:cs typeface="Arial" panose="020B0604020202020204" pitchFamily="34" charset="0"/>
-              </a:rPr>
-              <a:t>Sorts the result by the given column number, or by an expression. If the expression is a single parameter, then the value is interpreted as a column number. Negative column numbers reverse the sort order.</a:t>
-            </a:r>
           </a:p>
         </p:txBody>
       </p:sp>
       <p:sp>
         <p:nvSpPr>
-          <p:cNvPr id="8" name="TextBox 7">
-            <a:extLst>
-              <a:ext uri="{FF2B5EF4-FFF2-40B4-BE49-F238E27FC236}">
-                <a16:creationId xmlns:a16="http://schemas.microsoft.com/office/drawing/2014/main" id="{93B14935-1EBB-6659-A89D-6AD4591EDC11}"/>
-              </a:ext>
-            </a:extLst>
-          </p:cNvPr>
-          <p:cNvSpPr txBox="1"/>
+          <p:cNvPr id="5" name="Rectangle 4"/>
+          <p:cNvSpPr/>
           <p:nvPr/>
         </p:nvSpPr>
         <p:spPr>
           <a:xfrm>
-            <a:off x="262558" y="2878485"/>
-            <a:ext cx="11526016" cy="1846659"/>
+            <a:off x="303539" y="3124200"/>
+            <a:ext cx="11584921" cy="736933"/>
           </a:xfrm>
           <a:prstGeom prst="rect">
             <a:avLst/>
           </a:prstGeom>
-          <a:noFill/>
+          <a:solidFill>
+            <a:schemeClr val="bg1"/>
+          </a:solidFill>
         </p:spPr>
         <p:txBody>
           <a:bodyPr wrap="square">
@@ -40841,389 +40858,209 @@
           </a:bodyPr>
           <a:lstStyle/>
           <a:p>
-            <a:pPr marL="285750" indent="-285750">
+            <a:pPr>
+              <a:lnSpc>
+                <a:spcPct val="107000"/>
+              </a:lnSpc>
+            </a:pPr>
+            <a:r>
+              <a:rPr lang="en-US" sz="2000" dirty="0">
+                <a:latin typeface="Palatino Linotype" panose="02040502050505030304" pitchFamily="18" charset="0"/>
+                <a:cs typeface="Segoe UI Light" panose="020B0502040204020203" pitchFamily="34" charset="0"/>
+              </a:rPr>
+              <a:t>SQL allows the user to order the tuples in the result of a query by the values of one or more of the attributes that appear in the query result, by using the ORDER BY clause.</a:t>
+            </a:r>
+            <a:endParaRPr lang="en-IN" sz="2000" dirty="0">
+              <a:latin typeface="Palatino Linotype" panose="02040502050505030304" pitchFamily="18" charset="0"/>
+              <a:cs typeface="Segoe UI Light" panose="020B0502040204020203" pitchFamily="34" charset="0"/>
+            </a:endParaRPr>
+          </a:p>
+        </p:txBody>
+      </p:sp>
+      <p:sp>
+        <p:nvSpPr>
+          <p:cNvPr id="3" name="Rectangle 2">
+            <a:extLst>
+              <a:ext uri="{FF2B5EF4-FFF2-40B4-BE49-F238E27FC236}">
+                <a16:creationId xmlns:a16="http://schemas.microsoft.com/office/drawing/2014/main" id="{61F28855-6CCC-916F-61FE-2198FD4D32E0}"/>
+              </a:ext>
+            </a:extLst>
+          </p:cNvPr>
+          <p:cNvSpPr/>
+          <p:nvPr/>
+        </p:nvSpPr>
+        <p:spPr>
+          <a:xfrm>
+            <a:off x="303539" y="4340130"/>
+            <a:ext cx="11737304" cy="2185214"/>
+          </a:xfrm>
+          <a:prstGeom prst="rect">
+            <a:avLst/>
+          </a:prstGeom>
+          <a:solidFill>
+            <a:schemeClr val="bg1"/>
+          </a:solidFill>
+        </p:spPr>
+        <p:txBody>
+          <a:bodyPr wrap="square">
+            <a:spAutoFit/>
+          </a:bodyPr>
+          <a:lstStyle/>
+          <a:p>
+            <a:r>
+              <a:rPr lang="en-IN" sz="2200" dirty="0">
+                <a:solidFill>
+                  <a:srgbClr val="FF0000"/>
+                </a:solidFill>
+                <a:latin typeface="Arial" panose="020B0604020202020204" pitchFamily="34" charset="0"/>
+                <a:cs typeface="Arial" panose="020B0604020202020204" pitchFamily="34" charset="0"/>
+              </a:rPr>
+              <a:t>Remember:</a:t>
+            </a:r>
+          </a:p>
+          <a:p>
+            <a:pPr marL="342900" indent="-342900">
               <a:buFont typeface="Arial" panose="020B0604020202020204" pitchFamily="34" charset="0"/>
               <a:buChar char="•"/>
             </a:pPr>
-            <a:r>
-              <a:rPr lang="en-IN" dirty="0">
-                <a:solidFill>
-                  <a:srgbClr val="0077AA"/>
-                </a:solidFill>
-                <a:latin typeface="Liberation Mono"/>
-                <a:cs typeface="Arial" panose="020B0604020202020204" pitchFamily="34" charset="0"/>
-              </a:rPr>
-              <a:t>SELECT</a:t>
-            </a:r>
-            <a:r>
-              <a:rPr lang="en-IN" dirty="0">
-                <a:latin typeface="Liberation Mono"/>
-              </a:rPr>
-              <a:t> * </a:t>
-            </a:r>
-            <a:r>
-              <a:rPr lang="en-IN" dirty="0">
-                <a:solidFill>
-                  <a:srgbClr val="0077AA"/>
-                </a:solidFill>
-                <a:latin typeface="Liberation Mono"/>
-                <a:cs typeface="Arial" panose="020B0604020202020204" pitchFamily="34" charset="0"/>
-              </a:rPr>
-              <a:t>FROM</a:t>
-            </a:r>
-            <a:r>
-              <a:rPr lang="en-IN" dirty="0">
-                <a:latin typeface="Liberation Mono"/>
-              </a:rPr>
-              <a:t> emp </a:t>
-            </a:r>
-            <a:r>
-              <a:rPr lang="en-IN" dirty="0">
-                <a:solidFill>
-                  <a:srgbClr val="0077AA"/>
-                </a:solidFill>
-                <a:latin typeface="Liberation Mono"/>
-                <a:cs typeface="Arial" panose="020B0604020202020204" pitchFamily="34" charset="0"/>
-              </a:rPr>
-              <a:t>ORDER</a:t>
-            </a:r>
-            <a:r>
-              <a:rPr lang="en-IN" dirty="0">
-                <a:latin typeface="Liberation Mono"/>
-              </a:rPr>
-              <a:t> </a:t>
-            </a:r>
-            <a:r>
-              <a:rPr lang="en-IN" dirty="0">
-                <a:solidFill>
-                  <a:srgbClr val="0077AA"/>
-                </a:solidFill>
-                <a:latin typeface="Liberation Mono"/>
-                <a:cs typeface="Arial" panose="020B0604020202020204" pitchFamily="34" charset="0"/>
-              </a:rPr>
-              <a:t>BY</a:t>
-            </a:r>
-            <a:r>
-              <a:rPr lang="en-IN" dirty="0">
-                <a:latin typeface="Liberation Mono"/>
-              </a:rPr>
-              <a:t> job;</a:t>
-            </a:r>
-          </a:p>
-          <a:p>
-            <a:pPr marL="285750" indent="-285750">
+            <a:endParaRPr lang="en-IN" sz="800" dirty="0">
+              <a:latin typeface="Arial" panose="020B0604020202020204" pitchFamily="34" charset="0"/>
+              <a:ea typeface="Calibri" panose="020F0502020204030204" pitchFamily="34" charset="0"/>
+              <a:cs typeface="Arial" panose="020B0604020202020204" pitchFamily="34" charset="0"/>
+            </a:endParaRPr>
+          </a:p>
+          <a:p>
+            <a:pPr marL="342900" indent="-342900">
               <a:buFont typeface="Arial" panose="020B0604020202020204" pitchFamily="34" charset="0"/>
               <a:buChar char="•"/>
             </a:pPr>
-            <a:endParaRPr lang="en-IN" sz="600" dirty="0">
-              <a:latin typeface="Liberation Mono"/>
-            </a:endParaRPr>
-          </a:p>
-          <a:p>
-            <a:pPr marL="285750" indent="-285750">
+            <a:r>
+              <a:rPr lang="en-IN" dirty="0">
+                <a:latin typeface="Arial" panose="020B0604020202020204" pitchFamily="34" charset="0"/>
+                <a:ea typeface="Calibri" panose="020F0502020204030204" pitchFamily="34" charset="0"/>
+                <a:cs typeface="Arial" panose="020B0604020202020204" pitchFamily="34" charset="0"/>
+              </a:rPr>
+              <a:t>The default sort order is ascending </a:t>
+            </a:r>
+            <a:r>
+              <a:rPr lang="en-IN" b="1" dirty="0">
+                <a:latin typeface="Arial" panose="020B0604020202020204" pitchFamily="34" charset="0"/>
+                <a:cs typeface="Arial" panose="020B0604020202020204" pitchFamily="34" charset="0"/>
+              </a:rPr>
+              <a:t>ASC</a:t>
+            </a:r>
+            <a:r>
+              <a:rPr lang="en-IN" dirty="0">
+                <a:latin typeface="Arial" panose="020B0604020202020204" pitchFamily="34" charset="0"/>
+                <a:ea typeface="Calibri" panose="020F0502020204030204" pitchFamily="34" charset="0"/>
+                <a:cs typeface="Arial" panose="020B0604020202020204" pitchFamily="34" charset="0"/>
+              </a:rPr>
+              <a:t>, with smallest values first. To sort in descending (reverse) order, add the </a:t>
+            </a:r>
+            <a:r>
+              <a:rPr lang="en-IN" b="1" dirty="0">
+                <a:latin typeface="Arial" panose="020B0604020202020204" pitchFamily="34" charset="0"/>
+                <a:ea typeface="Calibri" panose="020F0502020204030204" pitchFamily="34" charset="0"/>
+                <a:cs typeface="Arial" panose="020B0604020202020204" pitchFamily="34" charset="0"/>
+              </a:rPr>
+              <a:t>DESC</a:t>
+            </a:r>
+            <a:r>
+              <a:rPr lang="en-IN" dirty="0">
+                <a:latin typeface="Arial" panose="020B0604020202020204" pitchFamily="34" charset="0"/>
+                <a:ea typeface="Calibri" panose="020F0502020204030204" pitchFamily="34" charset="0"/>
+                <a:cs typeface="Arial" panose="020B0604020202020204" pitchFamily="34" charset="0"/>
+              </a:rPr>
+              <a:t> keyword to the name of the column you are sorting by.</a:t>
+            </a:r>
+          </a:p>
+          <a:p>
+            <a:pPr marL="171450" indent="-171450">
               <a:buFont typeface="Arial" panose="020B0604020202020204" pitchFamily="34" charset="0"/>
               <a:buChar char="•"/>
             </a:pPr>
-            <a:r>
-              <a:rPr lang="en-IN" dirty="0">
-                <a:solidFill>
-                  <a:srgbClr val="0077AA"/>
-                </a:solidFill>
-                <a:latin typeface="Liberation Mono"/>
-                <a:cs typeface="Arial" panose="020B0604020202020204" pitchFamily="34" charset="0"/>
-              </a:rPr>
-              <a:t>SELECT</a:t>
-            </a:r>
-            <a:r>
-              <a:rPr lang="en-IN" dirty="0">
-                <a:latin typeface="Liberation Mono"/>
-              </a:rPr>
-              <a:t> * </a:t>
-            </a:r>
-            <a:r>
-              <a:rPr lang="en-IN" dirty="0">
-                <a:solidFill>
-                  <a:srgbClr val="0077AA"/>
-                </a:solidFill>
-                <a:latin typeface="Liberation Mono"/>
-                <a:cs typeface="Arial" panose="020B0604020202020204" pitchFamily="34" charset="0"/>
-              </a:rPr>
-              <a:t>FROM</a:t>
-            </a:r>
-            <a:r>
-              <a:rPr lang="en-IN" dirty="0">
-                <a:latin typeface="Liberation Mono"/>
-              </a:rPr>
-              <a:t> emp </a:t>
-            </a:r>
-            <a:r>
-              <a:rPr lang="en-IN" dirty="0">
-                <a:solidFill>
-                  <a:srgbClr val="0077AA"/>
-                </a:solidFill>
-                <a:latin typeface="Liberation Mono"/>
-                <a:cs typeface="Arial" panose="020B0604020202020204" pitchFamily="34" charset="0"/>
-              </a:rPr>
-              <a:t>ORDER</a:t>
-            </a:r>
-            <a:r>
-              <a:rPr lang="en-IN" dirty="0">
-                <a:latin typeface="Liberation Mono"/>
-              </a:rPr>
-              <a:t> </a:t>
-            </a:r>
-            <a:r>
-              <a:rPr lang="en-IN" dirty="0">
-                <a:solidFill>
-                  <a:srgbClr val="0077AA"/>
-                </a:solidFill>
-                <a:latin typeface="Liberation Mono"/>
-                <a:cs typeface="Arial" panose="020B0604020202020204" pitchFamily="34" charset="0"/>
-              </a:rPr>
-              <a:t>BY</a:t>
-            </a:r>
-            <a:r>
-              <a:rPr lang="en-IN" dirty="0">
-                <a:latin typeface="Liberation Mono"/>
-              </a:rPr>
-              <a:t> job, ename DESC;</a:t>
-            </a:r>
-          </a:p>
-          <a:p>
-            <a:pPr marL="285750" indent="-285750">
+            <a:endParaRPr lang="en-IN" sz="800" dirty="0">
+              <a:latin typeface="Arial" panose="020B0604020202020204" pitchFamily="34" charset="0"/>
+              <a:ea typeface="Calibri" panose="020F0502020204030204" pitchFamily="34" charset="0"/>
+              <a:cs typeface="Arial" panose="020B0604020202020204" pitchFamily="34" charset="0"/>
+            </a:endParaRPr>
+          </a:p>
+          <a:p>
+            <a:pPr marL="342900" indent="-342900">
               <a:buFont typeface="Arial" panose="020B0604020202020204" pitchFamily="34" charset="0"/>
               <a:buChar char="•"/>
             </a:pPr>
-            <a:endParaRPr lang="en-IN" sz="600" dirty="0">
-              <a:latin typeface="Liberation Mono"/>
-            </a:endParaRPr>
-          </a:p>
-          <a:p>
-            <a:pPr marL="285750" indent="-285750">
+            <a:r>
+              <a:rPr lang="en-IN" dirty="0">
+                <a:latin typeface="Arial" panose="020B0604020202020204" pitchFamily="34" charset="0"/>
+                <a:cs typeface="Arial" panose="020B0604020202020204" pitchFamily="34" charset="0"/>
+              </a:rPr>
+              <a:t>You can sort on multiple columns, and you can sort different columns in different directions.</a:t>
+            </a:r>
+          </a:p>
+          <a:p>
+            <a:pPr marL="342900" indent="-342900">
               <a:buFont typeface="Arial" panose="020B0604020202020204" pitchFamily="34" charset="0"/>
               <a:buChar char="•"/>
             </a:pPr>
-            <a:r>
-              <a:rPr lang="en-IN" dirty="0">
-                <a:solidFill>
-                  <a:srgbClr val="0077AA"/>
-                </a:solidFill>
-                <a:latin typeface="Liberation Mono"/>
-                <a:cs typeface="Arial" panose="020B0604020202020204" pitchFamily="34" charset="0"/>
-              </a:rPr>
-              <a:t>SELECT</a:t>
-            </a:r>
-            <a:r>
-              <a:rPr lang="en-IN" dirty="0">
-                <a:latin typeface="Liberation Mono"/>
-              </a:rPr>
-              <a:t> * </a:t>
-            </a:r>
-            <a:r>
-              <a:rPr lang="en-IN" dirty="0">
-                <a:solidFill>
-                  <a:srgbClr val="0077AA"/>
-                </a:solidFill>
-                <a:latin typeface="Liberation Mono"/>
-                <a:cs typeface="Arial" panose="020B0604020202020204" pitchFamily="34" charset="0"/>
-              </a:rPr>
-              <a:t>FROM</a:t>
-            </a:r>
-            <a:r>
-              <a:rPr lang="en-IN" dirty="0">
-                <a:latin typeface="Liberation Mono"/>
-              </a:rPr>
-              <a:t> emp </a:t>
-            </a:r>
-            <a:r>
-              <a:rPr lang="en-IN" dirty="0">
-                <a:solidFill>
-                  <a:srgbClr val="0077AA"/>
-                </a:solidFill>
-                <a:latin typeface="Liberation Mono"/>
-                <a:cs typeface="Arial" panose="020B0604020202020204" pitchFamily="34" charset="0"/>
-              </a:rPr>
-              <a:t>ORDER</a:t>
-            </a:r>
-            <a:r>
-              <a:rPr lang="en-IN" dirty="0">
-                <a:latin typeface="Liberation Mono"/>
-              </a:rPr>
-              <a:t> </a:t>
-            </a:r>
-            <a:r>
-              <a:rPr lang="en-IN" dirty="0">
-                <a:solidFill>
-                  <a:srgbClr val="0077AA"/>
-                </a:solidFill>
-                <a:latin typeface="Liberation Mono"/>
-                <a:cs typeface="Arial" panose="020B0604020202020204" pitchFamily="34" charset="0"/>
-              </a:rPr>
-              <a:t>BY</a:t>
-            </a:r>
-            <a:r>
-              <a:rPr lang="en-IN" dirty="0">
-                <a:latin typeface="Liberation Mono"/>
-              </a:rPr>
-              <a:t> hiredate;</a:t>
-            </a:r>
-          </a:p>
-          <a:p>
-            <a:pPr marL="285750" indent="-285750">
+            <a:endParaRPr lang="en-IN" sz="800" dirty="0">
+              <a:latin typeface="Arial" panose="020B0604020202020204" pitchFamily="34" charset="0"/>
+              <a:cs typeface="Arial" panose="020B0604020202020204" pitchFamily="34" charset="0"/>
+            </a:endParaRPr>
+          </a:p>
+          <a:p>
+            <a:pPr marL="342900" indent="-342900">
               <a:buFont typeface="Arial" panose="020B0604020202020204" pitchFamily="34" charset="0"/>
               <a:buChar char="•"/>
             </a:pPr>
-            <a:endParaRPr lang="en-IN" sz="600" dirty="0">
-              <a:latin typeface="Liberation Mono"/>
-            </a:endParaRPr>
-          </a:p>
-          <a:p>
-            <a:pPr marL="285750" indent="-285750">
-              <a:buFont typeface="Arial" panose="020B0604020202020204" pitchFamily="34" charset="0"/>
-              <a:buChar char="•"/>
-            </a:pPr>
-            <a:r>
-              <a:rPr lang="en-IN" dirty="0">
-                <a:solidFill>
-                  <a:srgbClr val="0077AA"/>
-                </a:solidFill>
-                <a:latin typeface="Liberation Mono"/>
-                <a:cs typeface="Arial" panose="020B0604020202020204" pitchFamily="34" charset="0"/>
-              </a:rPr>
-              <a:t>SELECT</a:t>
-            </a:r>
-            <a:r>
-              <a:rPr lang="en-IN" dirty="0">
-                <a:latin typeface="Liberation Mono"/>
-              </a:rPr>
-              <a:t> * </a:t>
-            </a:r>
-            <a:r>
-              <a:rPr lang="en-IN" dirty="0">
-                <a:solidFill>
-                  <a:srgbClr val="0077AA"/>
-                </a:solidFill>
-                <a:latin typeface="Liberation Mono"/>
-                <a:cs typeface="Arial" panose="020B0604020202020204" pitchFamily="34" charset="0"/>
-              </a:rPr>
-              <a:t>FROM</a:t>
-            </a:r>
-            <a:r>
-              <a:rPr lang="en-IN" dirty="0">
-                <a:latin typeface="Liberation Mono"/>
-              </a:rPr>
-              <a:t> emp </a:t>
-            </a:r>
-            <a:r>
-              <a:rPr lang="en-IN" dirty="0">
-                <a:solidFill>
-                  <a:srgbClr val="0077AA"/>
-                </a:solidFill>
-                <a:latin typeface="Liberation Mono"/>
-                <a:cs typeface="Arial" panose="020B0604020202020204" pitchFamily="34" charset="0"/>
-              </a:rPr>
-              <a:t>ORDER</a:t>
-            </a:r>
-            <a:r>
-              <a:rPr lang="en-IN" dirty="0">
-                <a:latin typeface="Liberation Mono"/>
-              </a:rPr>
-              <a:t> </a:t>
-            </a:r>
-            <a:r>
-              <a:rPr lang="en-IN" dirty="0">
-                <a:solidFill>
-                  <a:srgbClr val="0077AA"/>
-                </a:solidFill>
-                <a:latin typeface="Liberation Mono"/>
-                <a:cs typeface="Arial" panose="020B0604020202020204" pitchFamily="34" charset="0"/>
-              </a:rPr>
-              <a:t>BY</a:t>
-            </a:r>
-            <a:r>
-              <a:rPr lang="en-IN" dirty="0">
-                <a:latin typeface="Liberation Mono"/>
-              </a:rPr>
-              <a:t> sal;</a:t>
-            </a:r>
-          </a:p>
-          <a:p>
-            <a:pPr marL="285750" indent="-285750">
-              <a:buFont typeface="Arial" panose="020B0604020202020204" pitchFamily="34" charset="0"/>
-              <a:buChar char="•"/>
-            </a:pPr>
-            <a:endParaRPr lang="en-IN" sz="600" dirty="0">
-              <a:latin typeface="Liberation Mono"/>
-            </a:endParaRPr>
-          </a:p>
-          <a:p>
-            <a:pPr marL="285750" indent="-285750">
-              <a:buFont typeface="Arial" panose="020B0604020202020204" pitchFamily="34" charset="0"/>
-              <a:buChar char="•"/>
-            </a:pPr>
-            <a:r>
-              <a:rPr lang="en-IN" dirty="0">
-                <a:solidFill>
-                  <a:srgbClr val="0077AA"/>
-                </a:solidFill>
-                <a:latin typeface="Liberation Mono"/>
-                <a:cs typeface="Arial" panose="020B0604020202020204" pitchFamily="34" charset="0"/>
-              </a:rPr>
-              <a:t>SELECT</a:t>
-            </a:r>
-            <a:r>
-              <a:rPr lang="en-IN" dirty="0">
-                <a:latin typeface="Liberation Mono"/>
-              </a:rPr>
-              <a:t> * </a:t>
-            </a:r>
-            <a:r>
-              <a:rPr lang="en-IN" dirty="0">
-                <a:solidFill>
-                  <a:srgbClr val="0077AA"/>
-                </a:solidFill>
-                <a:latin typeface="Liberation Mono"/>
-                <a:cs typeface="Arial" panose="020B0604020202020204" pitchFamily="34" charset="0"/>
-              </a:rPr>
-              <a:t>FROM</a:t>
-            </a:r>
-            <a:r>
-              <a:rPr lang="en-IN" dirty="0">
-                <a:latin typeface="Liberation Mono"/>
-              </a:rPr>
-              <a:t> emp </a:t>
-            </a:r>
-            <a:r>
-              <a:rPr lang="en-IN" dirty="0">
-                <a:solidFill>
-                  <a:srgbClr val="0077AA"/>
-                </a:solidFill>
-                <a:latin typeface="Liberation Mono"/>
-                <a:cs typeface="Arial" panose="020B0604020202020204" pitchFamily="34" charset="0"/>
-              </a:rPr>
-              <a:t>ORDER</a:t>
-            </a:r>
-            <a:r>
-              <a:rPr lang="en-IN" dirty="0">
-                <a:latin typeface="Liberation Mono"/>
-              </a:rPr>
-              <a:t> </a:t>
-            </a:r>
-            <a:r>
-              <a:rPr lang="en-IN" dirty="0">
-                <a:solidFill>
-                  <a:srgbClr val="0077AA"/>
-                </a:solidFill>
-                <a:latin typeface="Liberation Mono"/>
-                <a:cs typeface="Arial" panose="020B0604020202020204" pitchFamily="34" charset="0"/>
-              </a:rPr>
-              <a:t>BY</a:t>
-            </a:r>
-            <a:r>
-              <a:rPr lang="en-IN" dirty="0">
-                <a:latin typeface="Liberation Mono"/>
-              </a:rPr>
-              <a:t> comm;</a:t>
+            <a:r>
+              <a:rPr lang="en-IN" dirty="0">
+                <a:latin typeface="Arial" panose="020B0604020202020204" pitchFamily="34" charset="0"/>
+                <a:cs typeface="Arial" panose="020B0604020202020204" pitchFamily="34" charset="0"/>
+              </a:rPr>
+              <a:t>If the </a:t>
+            </a:r>
+            <a:r>
+              <a:rPr lang="en-IN" b="1" dirty="0">
+                <a:latin typeface="Arial" panose="020B0604020202020204" pitchFamily="34" charset="0"/>
+                <a:cs typeface="Arial" panose="020B0604020202020204" pitchFamily="34" charset="0"/>
+              </a:rPr>
+              <a:t>ASC</a:t>
+            </a:r>
+            <a:r>
+              <a:rPr lang="en-IN" dirty="0">
+                <a:latin typeface="Arial" panose="020B0604020202020204" pitchFamily="34" charset="0"/>
+                <a:cs typeface="Arial" panose="020B0604020202020204" pitchFamily="34" charset="0"/>
+              </a:rPr>
+              <a:t> or </a:t>
+            </a:r>
+            <a:r>
+              <a:rPr lang="en-IN" b="1" dirty="0">
+                <a:latin typeface="Arial" panose="020B0604020202020204" pitchFamily="34" charset="0"/>
+                <a:cs typeface="Arial" panose="020B0604020202020204" pitchFamily="34" charset="0"/>
+              </a:rPr>
+              <a:t>DESC</a:t>
+            </a:r>
+            <a:r>
+              <a:rPr lang="en-IN" dirty="0">
+                <a:latin typeface="Arial" panose="020B0604020202020204" pitchFamily="34" charset="0"/>
+                <a:cs typeface="Arial" panose="020B0604020202020204" pitchFamily="34" charset="0"/>
+              </a:rPr>
+              <a:t> modifier is not provided in the ORDER BY clause, the results will be sorted by expression in </a:t>
+            </a:r>
+            <a:r>
+              <a:rPr lang="en-IN" b="1" dirty="0">
+                <a:latin typeface="Arial" panose="020B0604020202020204" pitchFamily="34" charset="0"/>
+                <a:cs typeface="Arial" panose="020B0604020202020204" pitchFamily="34" charset="0"/>
+              </a:rPr>
+              <a:t>ASC </a:t>
+            </a:r>
+            <a:r>
+              <a:rPr lang="en-IN" dirty="0">
+                <a:latin typeface="Arial" panose="020B0604020202020204" pitchFamily="34" charset="0"/>
+                <a:cs typeface="Arial" panose="020B0604020202020204" pitchFamily="34" charset="0"/>
+              </a:rPr>
+              <a:t>(ascending) order. This is equivalent to ORDER BY expression ASC.</a:t>
             </a:r>
           </a:p>
         </p:txBody>
@@ -41231,7 +41068,7 @@
     </p:spTree>
     <p:extLst>
       <p:ext uri="{BB962C8B-B14F-4D97-AF65-F5344CB8AC3E}">
-        <p14:creationId xmlns:p14="http://schemas.microsoft.com/office/powerpoint/2010/main" val="3586237931"/>
+        <p14:creationId xmlns:p14="http://schemas.microsoft.com/office/powerpoint/2010/main" val="1165595603"/>
       </p:ext>
     </p:extLst>
   </p:cSld>
@@ -41241,7 +41078,7 @@
 </p:sld>
 </file>
 
-<file path=ppt/slides/slide62.xml><?xml version="1.0" encoding="utf-8"?>
+<file path=ppt/slides/slide63.xml><?xml version="1.0" encoding="utf-8"?>
 <p:sld xmlns:a="http://schemas.openxmlformats.org/drawingml/2006/main" xmlns:r="http://schemas.openxmlformats.org/officeDocument/2006/relationships" xmlns:p="http://schemas.openxmlformats.org/presentationml/2006/main">
   <p:cSld>
     <p:spTree>
@@ -41479,7 +41316,59 @@
                 <a:latin typeface="Liberation Mono"/>
                 <a:cs typeface="Arial" panose="020B0604020202020204" pitchFamily="34" charset="0"/>
               </a:rPr>
-              <a:t>(A1, A2)  </a:t>
+              <a:t>(A</a:t>
+            </a:r>
+            <a:r>
+              <a:rPr lang="en-US" sz="2000" i="1" baseline="-25000" dirty="0">
+                <a:solidFill>
+                  <a:schemeClr val="tx1">
+                    <a:lumMod val="95000"/>
+                    <a:lumOff val="5000"/>
+                  </a:schemeClr>
+                </a:solidFill>
+                <a:latin typeface="Liberation Mono"/>
+                <a:cs typeface="Arial" panose="020B0604020202020204" pitchFamily="34" charset="0"/>
+              </a:rPr>
+              <a:t>1</a:t>
+            </a:r>
+            <a:r>
+              <a:rPr lang="en-US" sz="2000" i="1" dirty="0">
+                <a:solidFill>
+                  <a:schemeClr val="tx1">
+                    <a:lumMod val="95000"/>
+                    <a:lumOff val="5000"/>
+                  </a:schemeClr>
+                </a:solidFill>
+                <a:latin typeface="Liberation Mono"/>
+                <a:cs typeface="Arial" panose="020B0604020202020204" pitchFamily="34" charset="0"/>
+              </a:rPr>
+              <a:t>, A</a:t>
+            </a:r>
+            <a:r>
+              <a:rPr lang="en-US" sz="2000" i="1" baseline="-25000" dirty="0">
+                <a:solidFill>
+                  <a:schemeClr val="tx1">
+                    <a:lumMod val="95000"/>
+                    <a:lumOff val="5000"/>
+                  </a:schemeClr>
+                </a:solidFill>
+                <a:latin typeface="Liberation Mono"/>
+                <a:cs typeface="Arial" panose="020B0604020202020204" pitchFamily="34" charset="0"/>
+              </a:rPr>
+              <a:t>2</a:t>
+            </a:r>
+            <a:r>
+              <a:rPr lang="en-US" sz="2000" i="1" dirty="0">
+                <a:solidFill>
+                  <a:schemeClr val="tx1">
+                    <a:lumMod val="95000"/>
+                    <a:lumOff val="5000"/>
+                  </a:schemeClr>
+                </a:solidFill>
+                <a:latin typeface="Liberation Mono"/>
+                <a:cs typeface="Arial" panose="020B0604020202020204" pitchFamily="34" charset="0"/>
+              </a:rPr>
+              <a:t>)  </a:t>
             </a:r>
             <a:r>
               <a:rPr lang="en-US" sz="2000" dirty="0">
@@ -41657,10 +41546,6 @@
             </a:endParaRPr>
           </a:p>
           <a:p>
-            <a:pPr marL="342900" indent="-342900">
-              <a:buFont typeface="Arial" panose="020B0604020202020204" pitchFamily="34" charset="0"/>
-              <a:buChar char="•"/>
-            </a:pPr>
             <a:r>
               <a:rPr lang="en-US" sz="2000" dirty="0">
                 <a:solidFill>
@@ -41672,7 +41557,7 @@
                 <a:latin typeface="Liberation Mono"/>
                 <a:cs typeface="Arial" panose="020B0604020202020204" pitchFamily="34" charset="0"/>
               </a:rPr>
-              <a:t>[ </a:t>
+              <a:t> [ </a:t>
             </a:r>
             <a:r>
               <a:rPr lang="en-US" sz="2000" dirty="0">
@@ -41848,12 +41733,1407 @@
             </a:r>
           </a:p>
           <a:p>
-            <a:pPr marL="285750" indent="-285750">
+            <a:pPr>
               <a:lnSpc>
                 <a:spcPct val="150000"/>
               </a:lnSpc>
+            </a:pPr>
+            <a:r>
+              <a:rPr lang="en-US" sz="2000" dirty="0">
+                <a:solidFill>
+                  <a:schemeClr val="tx1">
+                    <a:lumMod val="95000"/>
+                    <a:lumOff val="5000"/>
+                  </a:schemeClr>
+                </a:solidFill>
+                <a:latin typeface="Liberation Mono"/>
+                <a:cs typeface="Arial" panose="020B0604020202020204" pitchFamily="34" charset="0"/>
+              </a:rPr>
+              <a:t> [ </a:t>
+            </a:r>
+            <a:r>
+              <a:rPr lang="en-US" sz="2000" dirty="0">
+                <a:solidFill>
+                  <a:srgbClr val="0077AA"/>
+                </a:solidFill>
+                <a:latin typeface="Liberation Mono"/>
+                <a:cs typeface="Arial" panose="020B0604020202020204" pitchFamily="34" charset="0"/>
+              </a:rPr>
+              <a:t>ORDER</a:t>
+            </a:r>
+            <a:r>
+              <a:rPr lang="en-US" sz="2000" dirty="0">
+                <a:solidFill>
+                  <a:schemeClr val="tx1">
+                    <a:lumMod val="95000"/>
+                    <a:lumOff val="5000"/>
+                  </a:schemeClr>
+                </a:solidFill>
+                <a:latin typeface="Liberation Mono"/>
+                <a:cs typeface="Arial" panose="020B0604020202020204" pitchFamily="34" charset="0"/>
+              </a:rPr>
+              <a:t> </a:t>
+            </a:r>
+            <a:r>
+              <a:rPr lang="en-US" sz="2000" dirty="0">
+                <a:solidFill>
+                  <a:srgbClr val="0077AA"/>
+                </a:solidFill>
+                <a:latin typeface="Liberation Mono"/>
+                <a:cs typeface="Arial" panose="020B0604020202020204" pitchFamily="34" charset="0"/>
+              </a:rPr>
+              <a:t>BY</a:t>
+            </a:r>
+            <a:r>
+              <a:rPr lang="en-US" sz="2000" dirty="0">
+                <a:solidFill>
+                  <a:schemeClr val="tx1">
+                    <a:lumMod val="95000"/>
+                    <a:lumOff val="5000"/>
+                  </a:schemeClr>
+                </a:solidFill>
+                <a:latin typeface="Liberation Mono"/>
+                <a:cs typeface="Arial" panose="020B0604020202020204" pitchFamily="34" charset="0"/>
+              </a:rPr>
+              <a:t> &lt; { col_name </a:t>
+            </a:r>
+            <a:r>
+              <a:rPr lang="en-US" sz="2000" dirty="0">
+                <a:solidFill>
+                  <a:schemeClr val="bg1">
+                    <a:lumMod val="65000"/>
+                  </a:schemeClr>
+                </a:solidFill>
+                <a:latin typeface="Liberation Mono"/>
+                <a:cs typeface="Arial" panose="020B0604020202020204" pitchFamily="34" charset="0"/>
+              </a:rPr>
+              <a:t>|</a:t>
+            </a:r>
+            <a:r>
+              <a:rPr lang="en-US" sz="2000" dirty="0">
+                <a:solidFill>
+                  <a:schemeClr val="tx1">
+                    <a:lumMod val="95000"/>
+                    <a:lumOff val="5000"/>
+                  </a:schemeClr>
+                </a:solidFill>
+                <a:latin typeface="Liberation Mono"/>
+                <a:cs typeface="Arial" panose="020B0604020202020204" pitchFamily="34" charset="0"/>
+              </a:rPr>
+              <a:t> expr </a:t>
+            </a:r>
+            <a:r>
+              <a:rPr lang="en-US" sz="2000" dirty="0">
+                <a:solidFill>
+                  <a:schemeClr val="bg1">
+                    <a:lumMod val="65000"/>
+                  </a:schemeClr>
+                </a:solidFill>
+                <a:latin typeface="Liberation Mono"/>
+                <a:cs typeface="Arial" panose="020B0604020202020204" pitchFamily="34" charset="0"/>
+              </a:rPr>
+              <a:t>|</a:t>
+            </a:r>
+            <a:r>
+              <a:rPr lang="en-US" sz="2000" dirty="0">
+                <a:solidFill>
+                  <a:schemeClr val="tx1">
+                    <a:lumMod val="95000"/>
+                    <a:lumOff val="5000"/>
+                  </a:schemeClr>
+                </a:solidFill>
+                <a:latin typeface="Liberation Mono"/>
+                <a:cs typeface="Arial" panose="020B0604020202020204" pitchFamily="34" charset="0"/>
+              </a:rPr>
+              <a:t> position }  [ ASC | DESC ], </a:t>
+            </a:r>
+            <a:r>
+              <a:rPr lang="en-US" sz="2000" dirty="0">
+                <a:solidFill>
+                  <a:schemeClr val="bg1">
+                    <a:lumMod val="50000"/>
+                  </a:schemeClr>
+                </a:solidFill>
+                <a:latin typeface="Liberation Mono"/>
+                <a:cs typeface="Arial" panose="020B0604020202020204" pitchFamily="34" charset="0"/>
+              </a:rPr>
+              <a:t>. . .</a:t>
+            </a:r>
+            <a:r>
+              <a:rPr lang="en-US" sz="2000" dirty="0">
+                <a:solidFill>
+                  <a:schemeClr val="tx1">
+                    <a:lumMod val="95000"/>
+                    <a:lumOff val="5000"/>
+                  </a:schemeClr>
+                </a:solidFill>
+                <a:latin typeface="Liberation Mono"/>
+                <a:cs typeface="Arial" panose="020B0604020202020204" pitchFamily="34" charset="0"/>
+              </a:rPr>
+              <a:t>  </a:t>
+            </a:r>
+            <a:r>
+              <a:rPr lang="en-US" sz="2000" dirty="0">
+                <a:solidFill>
+                  <a:srgbClr val="0077AA"/>
+                </a:solidFill>
+                <a:latin typeface="Liberation Mono"/>
+                <a:cs typeface="Arial" panose="020B0604020202020204" pitchFamily="34" charset="0"/>
+              </a:rPr>
+              <a:t>NULLS</a:t>
+            </a:r>
+            <a:r>
+              <a:rPr lang="en-US" sz="2000" dirty="0">
+                <a:solidFill>
+                  <a:schemeClr val="tx1">
+                    <a:lumMod val="95000"/>
+                    <a:lumOff val="5000"/>
+                  </a:schemeClr>
+                </a:solidFill>
+                <a:latin typeface="Liberation Mono"/>
+                <a:cs typeface="Arial" panose="020B0604020202020204" pitchFamily="34" charset="0"/>
+              </a:rPr>
+              <a:t> { FIRST | LAST } ]</a:t>
+            </a:r>
+          </a:p>
+        </p:txBody>
+      </p:sp>
+      <p:sp>
+        <p:nvSpPr>
+          <p:cNvPr id="6" name="Rectangle 5">
+            <a:extLst>
+              <a:ext uri="{FF2B5EF4-FFF2-40B4-BE49-F238E27FC236}">
+                <a16:creationId xmlns:a16="http://schemas.microsoft.com/office/drawing/2014/main" id="{069C47A4-633C-E4AB-1890-7E13CA072EA0}"/>
+              </a:ext>
+            </a:extLst>
+          </p:cNvPr>
+          <p:cNvSpPr/>
+          <p:nvPr/>
+        </p:nvSpPr>
+        <p:spPr>
+          <a:xfrm>
+            <a:off x="303539" y="5489356"/>
+            <a:ext cx="11737304" cy="1107996"/>
+          </a:xfrm>
+          <a:prstGeom prst="rect">
+            <a:avLst/>
+          </a:prstGeom>
+          <a:solidFill>
+            <a:schemeClr val="bg1"/>
+          </a:solidFill>
+        </p:spPr>
+        <p:txBody>
+          <a:bodyPr wrap="square">
+            <a:spAutoFit/>
+          </a:bodyPr>
+          <a:lstStyle/>
+          <a:p>
+            <a:r>
+              <a:rPr lang="en-IN" sz="2200" dirty="0">
+                <a:solidFill>
+                  <a:srgbClr val="FF0000"/>
+                </a:solidFill>
+                <a:latin typeface="Arial" panose="020B0604020202020204" pitchFamily="34" charset="0"/>
+                <a:cs typeface="Arial" panose="020B0604020202020204" pitchFamily="34" charset="0"/>
+              </a:rPr>
+              <a:t>Remember:</a:t>
+            </a:r>
+            <a:endParaRPr lang="en-IN" sz="800" dirty="0">
+              <a:solidFill>
+                <a:srgbClr val="FF0000"/>
+              </a:solidFill>
+              <a:latin typeface="Arial" panose="020B0604020202020204" pitchFamily="34" charset="0"/>
+              <a:ea typeface="Calibri" panose="020F0502020204030204" pitchFamily="34" charset="0"/>
+              <a:cs typeface="Arial" panose="020B0604020202020204" pitchFamily="34" charset="0"/>
+            </a:endParaRPr>
+          </a:p>
+          <a:p>
+            <a:endParaRPr lang="en-IN" sz="800" dirty="0">
+              <a:solidFill>
+                <a:srgbClr val="FF0000"/>
+              </a:solidFill>
+              <a:latin typeface="Arial" panose="020B0604020202020204" pitchFamily="34" charset="0"/>
+              <a:ea typeface="Calibri" panose="020F0502020204030204" pitchFamily="34" charset="0"/>
+              <a:cs typeface="Arial" panose="020B0604020202020204" pitchFamily="34" charset="0"/>
+            </a:endParaRPr>
+          </a:p>
+          <a:p>
+            <a:pPr marL="285750" indent="-285750">
               <a:buFont typeface="Arial" panose="020B0604020202020204" pitchFamily="34" charset="0"/>
               <a:buChar char="•"/>
+            </a:pPr>
+            <a:r>
+              <a:rPr lang="en-US" dirty="0">
+                <a:latin typeface="Arial" panose="020B0604020202020204" pitchFamily="34" charset="0"/>
+                <a:cs typeface="Arial" panose="020B0604020202020204" pitchFamily="34" charset="0"/>
+              </a:rPr>
+              <a:t>Sorts the result by the given column number, or by an expression. If the expression is a single parameter, then the value is interpreted as a column number. Negative column numbers reverse the sort order.</a:t>
+            </a:r>
+          </a:p>
+        </p:txBody>
+      </p:sp>
+      <p:sp>
+        <p:nvSpPr>
+          <p:cNvPr id="8" name="TextBox 7">
+            <a:extLst>
+              <a:ext uri="{FF2B5EF4-FFF2-40B4-BE49-F238E27FC236}">
+                <a16:creationId xmlns:a16="http://schemas.microsoft.com/office/drawing/2014/main" id="{93B14935-1EBB-6659-A89D-6AD4591EDC11}"/>
+              </a:ext>
+            </a:extLst>
+          </p:cNvPr>
+          <p:cNvSpPr txBox="1"/>
+          <p:nvPr/>
+        </p:nvSpPr>
+        <p:spPr>
+          <a:xfrm>
+            <a:off x="262558" y="2878485"/>
+            <a:ext cx="11526016" cy="1846659"/>
+          </a:xfrm>
+          <a:prstGeom prst="rect">
+            <a:avLst/>
+          </a:prstGeom>
+          <a:noFill/>
+        </p:spPr>
+        <p:txBody>
+          <a:bodyPr wrap="square">
+            <a:spAutoFit/>
+          </a:bodyPr>
+          <a:lstStyle/>
+          <a:p>
+            <a:pPr marL="285750" indent="-285750">
+              <a:buFont typeface="Arial" panose="020B0604020202020204" pitchFamily="34" charset="0"/>
+              <a:buChar char="•"/>
+            </a:pPr>
+            <a:r>
+              <a:rPr lang="en-IN" dirty="0">
+                <a:solidFill>
+                  <a:srgbClr val="0077AA"/>
+                </a:solidFill>
+                <a:latin typeface="Liberation Mono"/>
+                <a:cs typeface="Arial" panose="020B0604020202020204" pitchFamily="34" charset="0"/>
+              </a:rPr>
+              <a:t>SELECT</a:t>
+            </a:r>
+            <a:r>
+              <a:rPr lang="en-IN" dirty="0">
+                <a:latin typeface="Liberation Mono"/>
+              </a:rPr>
+              <a:t> </a:t>
+            </a:r>
+            <a:r>
+              <a:rPr lang="en-IN" dirty="0">
+                <a:solidFill>
+                  <a:srgbClr val="A67F59"/>
+                </a:solidFill>
+                <a:latin typeface="Liberation Mono"/>
+              </a:rPr>
+              <a:t>*</a:t>
+            </a:r>
+            <a:r>
+              <a:rPr lang="en-IN" dirty="0">
+                <a:latin typeface="Liberation Mono"/>
+              </a:rPr>
+              <a:t> </a:t>
+            </a:r>
+            <a:r>
+              <a:rPr lang="en-IN" dirty="0">
+                <a:solidFill>
+                  <a:srgbClr val="0077AA"/>
+                </a:solidFill>
+                <a:latin typeface="Liberation Mono"/>
+                <a:cs typeface="Arial" panose="020B0604020202020204" pitchFamily="34" charset="0"/>
+              </a:rPr>
+              <a:t>FROM</a:t>
+            </a:r>
+            <a:r>
+              <a:rPr lang="en-IN" dirty="0">
+                <a:latin typeface="Liberation Mono"/>
+              </a:rPr>
+              <a:t> emp </a:t>
+            </a:r>
+            <a:r>
+              <a:rPr lang="en-IN" dirty="0">
+                <a:solidFill>
+                  <a:srgbClr val="0077AA"/>
+                </a:solidFill>
+                <a:latin typeface="Liberation Mono"/>
+                <a:cs typeface="Arial" panose="020B0604020202020204" pitchFamily="34" charset="0"/>
+              </a:rPr>
+              <a:t>ORDER</a:t>
+            </a:r>
+            <a:r>
+              <a:rPr lang="en-IN" dirty="0">
+                <a:latin typeface="Liberation Mono"/>
+              </a:rPr>
+              <a:t> </a:t>
+            </a:r>
+            <a:r>
+              <a:rPr lang="en-IN" dirty="0">
+                <a:solidFill>
+                  <a:srgbClr val="0077AA"/>
+                </a:solidFill>
+                <a:latin typeface="Liberation Mono"/>
+                <a:cs typeface="Arial" panose="020B0604020202020204" pitchFamily="34" charset="0"/>
+              </a:rPr>
+              <a:t>BY</a:t>
+            </a:r>
+            <a:r>
+              <a:rPr lang="en-IN" dirty="0">
+                <a:latin typeface="Liberation Mono"/>
+              </a:rPr>
+              <a:t> job;</a:t>
+            </a:r>
+          </a:p>
+          <a:p>
+            <a:pPr marL="285750" indent="-285750">
+              <a:buFont typeface="Arial" panose="020B0604020202020204" pitchFamily="34" charset="0"/>
+              <a:buChar char="•"/>
+            </a:pPr>
+            <a:endParaRPr lang="en-IN" sz="600" dirty="0">
+              <a:latin typeface="Liberation Mono"/>
+            </a:endParaRPr>
+          </a:p>
+          <a:p>
+            <a:pPr marL="285750" indent="-285750">
+              <a:buFont typeface="Arial" panose="020B0604020202020204" pitchFamily="34" charset="0"/>
+              <a:buChar char="•"/>
+            </a:pPr>
+            <a:r>
+              <a:rPr lang="en-IN" dirty="0">
+                <a:solidFill>
+                  <a:srgbClr val="0077AA"/>
+                </a:solidFill>
+                <a:latin typeface="Liberation Mono"/>
+                <a:cs typeface="Arial" panose="020B0604020202020204" pitchFamily="34" charset="0"/>
+              </a:rPr>
+              <a:t>SELECT</a:t>
+            </a:r>
+            <a:r>
+              <a:rPr lang="en-IN" dirty="0">
+                <a:latin typeface="Liberation Mono"/>
+              </a:rPr>
+              <a:t> </a:t>
+            </a:r>
+            <a:r>
+              <a:rPr lang="en-IN" dirty="0">
+                <a:solidFill>
+                  <a:srgbClr val="A67F59"/>
+                </a:solidFill>
+                <a:latin typeface="Liberation Mono"/>
+              </a:rPr>
+              <a:t>*</a:t>
+            </a:r>
+            <a:r>
+              <a:rPr lang="en-IN" dirty="0">
+                <a:latin typeface="Liberation Mono"/>
+              </a:rPr>
+              <a:t> </a:t>
+            </a:r>
+            <a:r>
+              <a:rPr lang="en-IN" dirty="0">
+                <a:solidFill>
+                  <a:srgbClr val="0077AA"/>
+                </a:solidFill>
+                <a:latin typeface="Liberation Mono"/>
+                <a:cs typeface="Arial" panose="020B0604020202020204" pitchFamily="34" charset="0"/>
+              </a:rPr>
+              <a:t>FROM</a:t>
+            </a:r>
+            <a:r>
+              <a:rPr lang="en-IN" dirty="0">
+                <a:latin typeface="Liberation Mono"/>
+              </a:rPr>
+              <a:t> emp </a:t>
+            </a:r>
+            <a:r>
+              <a:rPr lang="en-IN" dirty="0">
+                <a:solidFill>
+                  <a:srgbClr val="0077AA"/>
+                </a:solidFill>
+                <a:latin typeface="Liberation Mono"/>
+                <a:cs typeface="Arial" panose="020B0604020202020204" pitchFamily="34" charset="0"/>
+              </a:rPr>
+              <a:t>ORDER</a:t>
+            </a:r>
+            <a:r>
+              <a:rPr lang="en-IN" dirty="0">
+                <a:latin typeface="Liberation Mono"/>
+              </a:rPr>
+              <a:t> </a:t>
+            </a:r>
+            <a:r>
+              <a:rPr lang="en-IN" dirty="0">
+                <a:solidFill>
+                  <a:srgbClr val="0077AA"/>
+                </a:solidFill>
+                <a:latin typeface="Liberation Mono"/>
+                <a:cs typeface="Arial" panose="020B0604020202020204" pitchFamily="34" charset="0"/>
+              </a:rPr>
+              <a:t>BY</a:t>
+            </a:r>
+            <a:r>
+              <a:rPr lang="en-IN" dirty="0">
+                <a:latin typeface="Liberation Mono"/>
+              </a:rPr>
+              <a:t> job, ename DESC;</a:t>
+            </a:r>
+          </a:p>
+          <a:p>
+            <a:pPr marL="285750" indent="-285750">
+              <a:buFont typeface="Arial" panose="020B0604020202020204" pitchFamily="34" charset="0"/>
+              <a:buChar char="•"/>
+            </a:pPr>
+            <a:endParaRPr lang="en-IN" sz="600" dirty="0">
+              <a:latin typeface="Liberation Mono"/>
+            </a:endParaRPr>
+          </a:p>
+          <a:p>
+            <a:pPr marL="285750" indent="-285750">
+              <a:buFont typeface="Arial" panose="020B0604020202020204" pitchFamily="34" charset="0"/>
+              <a:buChar char="•"/>
+            </a:pPr>
+            <a:r>
+              <a:rPr lang="en-IN" dirty="0">
+                <a:solidFill>
+                  <a:srgbClr val="0077AA"/>
+                </a:solidFill>
+                <a:latin typeface="Liberation Mono"/>
+                <a:cs typeface="Arial" panose="020B0604020202020204" pitchFamily="34" charset="0"/>
+              </a:rPr>
+              <a:t>SELECT</a:t>
+            </a:r>
+            <a:r>
+              <a:rPr lang="en-IN" dirty="0">
+                <a:latin typeface="Liberation Mono"/>
+              </a:rPr>
+              <a:t> </a:t>
+            </a:r>
+            <a:r>
+              <a:rPr lang="en-IN" dirty="0">
+                <a:solidFill>
+                  <a:srgbClr val="A67F59"/>
+                </a:solidFill>
+                <a:latin typeface="Liberation Mono"/>
+              </a:rPr>
+              <a:t>*</a:t>
+            </a:r>
+            <a:r>
+              <a:rPr lang="en-IN" dirty="0">
+                <a:latin typeface="Liberation Mono"/>
+              </a:rPr>
+              <a:t> </a:t>
+            </a:r>
+            <a:r>
+              <a:rPr lang="en-IN" dirty="0">
+                <a:solidFill>
+                  <a:srgbClr val="0077AA"/>
+                </a:solidFill>
+                <a:latin typeface="Liberation Mono"/>
+                <a:cs typeface="Arial" panose="020B0604020202020204" pitchFamily="34" charset="0"/>
+              </a:rPr>
+              <a:t>FROM</a:t>
+            </a:r>
+            <a:r>
+              <a:rPr lang="en-IN" dirty="0">
+                <a:latin typeface="Liberation Mono"/>
+              </a:rPr>
+              <a:t> emp </a:t>
+            </a:r>
+            <a:r>
+              <a:rPr lang="en-IN" dirty="0">
+                <a:solidFill>
+                  <a:srgbClr val="0077AA"/>
+                </a:solidFill>
+                <a:latin typeface="Liberation Mono"/>
+                <a:cs typeface="Arial" panose="020B0604020202020204" pitchFamily="34" charset="0"/>
+              </a:rPr>
+              <a:t>ORDER</a:t>
+            </a:r>
+            <a:r>
+              <a:rPr lang="en-IN" dirty="0">
+                <a:latin typeface="Liberation Mono"/>
+              </a:rPr>
+              <a:t> </a:t>
+            </a:r>
+            <a:r>
+              <a:rPr lang="en-IN" dirty="0">
+                <a:solidFill>
+                  <a:srgbClr val="0077AA"/>
+                </a:solidFill>
+                <a:latin typeface="Liberation Mono"/>
+                <a:cs typeface="Arial" panose="020B0604020202020204" pitchFamily="34" charset="0"/>
+              </a:rPr>
+              <a:t>BY</a:t>
+            </a:r>
+            <a:r>
+              <a:rPr lang="en-IN" dirty="0">
+                <a:latin typeface="Liberation Mono"/>
+              </a:rPr>
+              <a:t> hiredate;</a:t>
+            </a:r>
+          </a:p>
+          <a:p>
+            <a:pPr marL="285750" indent="-285750">
+              <a:buFont typeface="Arial" panose="020B0604020202020204" pitchFamily="34" charset="0"/>
+              <a:buChar char="•"/>
+            </a:pPr>
+            <a:endParaRPr lang="en-IN" sz="600" dirty="0">
+              <a:latin typeface="Liberation Mono"/>
+            </a:endParaRPr>
+          </a:p>
+          <a:p>
+            <a:pPr marL="285750" indent="-285750">
+              <a:buFont typeface="Arial" panose="020B0604020202020204" pitchFamily="34" charset="0"/>
+              <a:buChar char="•"/>
+            </a:pPr>
+            <a:r>
+              <a:rPr lang="en-IN" dirty="0">
+                <a:solidFill>
+                  <a:srgbClr val="0077AA"/>
+                </a:solidFill>
+                <a:latin typeface="Liberation Mono"/>
+                <a:cs typeface="Arial" panose="020B0604020202020204" pitchFamily="34" charset="0"/>
+              </a:rPr>
+              <a:t>SELECT</a:t>
+            </a:r>
+            <a:r>
+              <a:rPr lang="en-IN" dirty="0">
+                <a:latin typeface="Liberation Mono"/>
+              </a:rPr>
+              <a:t> </a:t>
+            </a:r>
+            <a:r>
+              <a:rPr lang="en-IN" dirty="0">
+                <a:solidFill>
+                  <a:srgbClr val="A67F59"/>
+                </a:solidFill>
+                <a:latin typeface="Liberation Mono"/>
+              </a:rPr>
+              <a:t>*</a:t>
+            </a:r>
+            <a:r>
+              <a:rPr lang="en-IN" dirty="0">
+                <a:latin typeface="Liberation Mono"/>
+              </a:rPr>
+              <a:t> </a:t>
+            </a:r>
+            <a:r>
+              <a:rPr lang="en-IN" dirty="0">
+                <a:solidFill>
+                  <a:srgbClr val="0077AA"/>
+                </a:solidFill>
+                <a:latin typeface="Liberation Mono"/>
+                <a:cs typeface="Arial" panose="020B0604020202020204" pitchFamily="34" charset="0"/>
+              </a:rPr>
+              <a:t>FROM</a:t>
+            </a:r>
+            <a:r>
+              <a:rPr lang="en-IN" dirty="0">
+                <a:latin typeface="Liberation Mono"/>
+              </a:rPr>
+              <a:t> emp </a:t>
+            </a:r>
+            <a:r>
+              <a:rPr lang="en-IN" dirty="0">
+                <a:solidFill>
+                  <a:srgbClr val="0077AA"/>
+                </a:solidFill>
+                <a:latin typeface="Liberation Mono"/>
+                <a:cs typeface="Arial" panose="020B0604020202020204" pitchFamily="34" charset="0"/>
+              </a:rPr>
+              <a:t>ORDER</a:t>
+            </a:r>
+            <a:r>
+              <a:rPr lang="en-IN" dirty="0">
+                <a:latin typeface="Liberation Mono"/>
+              </a:rPr>
+              <a:t> </a:t>
+            </a:r>
+            <a:r>
+              <a:rPr lang="en-IN" dirty="0">
+                <a:solidFill>
+                  <a:srgbClr val="0077AA"/>
+                </a:solidFill>
+                <a:latin typeface="Liberation Mono"/>
+                <a:cs typeface="Arial" panose="020B0604020202020204" pitchFamily="34" charset="0"/>
+              </a:rPr>
+              <a:t>BY</a:t>
+            </a:r>
+            <a:r>
+              <a:rPr lang="en-IN" dirty="0">
+                <a:latin typeface="Liberation Mono"/>
+              </a:rPr>
+              <a:t> sal;</a:t>
+            </a:r>
+          </a:p>
+          <a:p>
+            <a:pPr marL="285750" indent="-285750">
+              <a:buFont typeface="Arial" panose="020B0604020202020204" pitchFamily="34" charset="0"/>
+              <a:buChar char="•"/>
+            </a:pPr>
+            <a:endParaRPr lang="en-IN" sz="600" dirty="0">
+              <a:latin typeface="Liberation Mono"/>
+            </a:endParaRPr>
+          </a:p>
+          <a:p>
+            <a:pPr marL="285750" indent="-285750">
+              <a:buFont typeface="Arial" panose="020B0604020202020204" pitchFamily="34" charset="0"/>
+              <a:buChar char="•"/>
+            </a:pPr>
+            <a:r>
+              <a:rPr lang="en-IN" dirty="0">
+                <a:solidFill>
+                  <a:srgbClr val="0077AA"/>
+                </a:solidFill>
+                <a:latin typeface="Liberation Mono"/>
+                <a:cs typeface="Arial" panose="020B0604020202020204" pitchFamily="34" charset="0"/>
+              </a:rPr>
+              <a:t>SELECT</a:t>
+            </a:r>
+            <a:r>
+              <a:rPr lang="en-IN" dirty="0">
+                <a:latin typeface="Liberation Mono"/>
+              </a:rPr>
+              <a:t> </a:t>
+            </a:r>
+            <a:r>
+              <a:rPr lang="en-IN" dirty="0">
+                <a:solidFill>
+                  <a:srgbClr val="A67F59"/>
+                </a:solidFill>
+                <a:latin typeface="Liberation Mono"/>
+              </a:rPr>
+              <a:t>*</a:t>
+            </a:r>
+            <a:r>
+              <a:rPr lang="en-IN" dirty="0">
+                <a:latin typeface="Liberation Mono"/>
+              </a:rPr>
+              <a:t> </a:t>
+            </a:r>
+            <a:r>
+              <a:rPr lang="en-IN" dirty="0">
+                <a:solidFill>
+                  <a:srgbClr val="0077AA"/>
+                </a:solidFill>
+                <a:latin typeface="Liberation Mono"/>
+                <a:cs typeface="Arial" panose="020B0604020202020204" pitchFamily="34" charset="0"/>
+              </a:rPr>
+              <a:t>FROM</a:t>
+            </a:r>
+            <a:r>
+              <a:rPr lang="en-IN" dirty="0">
+                <a:latin typeface="Liberation Mono"/>
+              </a:rPr>
+              <a:t> emp </a:t>
+            </a:r>
+            <a:r>
+              <a:rPr lang="en-IN" dirty="0">
+                <a:solidFill>
+                  <a:srgbClr val="0077AA"/>
+                </a:solidFill>
+                <a:latin typeface="Liberation Mono"/>
+                <a:cs typeface="Arial" panose="020B0604020202020204" pitchFamily="34" charset="0"/>
+              </a:rPr>
+              <a:t>ORDER</a:t>
+            </a:r>
+            <a:r>
+              <a:rPr lang="en-IN" dirty="0">
+                <a:latin typeface="Liberation Mono"/>
+              </a:rPr>
+              <a:t> </a:t>
+            </a:r>
+            <a:r>
+              <a:rPr lang="en-IN" dirty="0">
+                <a:solidFill>
+                  <a:srgbClr val="0077AA"/>
+                </a:solidFill>
+                <a:latin typeface="Liberation Mono"/>
+                <a:cs typeface="Arial" panose="020B0604020202020204" pitchFamily="34" charset="0"/>
+              </a:rPr>
+              <a:t>BY</a:t>
+            </a:r>
+            <a:r>
+              <a:rPr lang="en-IN" dirty="0">
+                <a:latin typeface="Liberation Mono"/>
+              </a:rPr>
+              <a:t> comm;</a:t>
+            </a:r>
+          </a:p>
+        </p:txBody>
+      </p:sp>
+    </p:spTree>
+    <p:extLst>
+      <p:ext uri="{BB962C8B-B14F-4D97-AF65-F5344CB8AC3E}">
+        <p14:creationId xmlns:p14="http://schemas.microsoft.com/office/powerpoint/2010/main" val="3586237931"/>
+      </p:ext>
+    </p:extLst>
+  </p:cSld>
+  <p:clrMapOvr>
+    <a:masterClrMapping/>
+  </p:clrMapOvr>
+</p:sld>
+</file>
+
+<file path=ppt/slides/slide64.xml><?xml version="1.0" encoding="utf-8"?>
+<p:sld xmlns:a="http://schemas.openxmlformats.org/drawingml/2006/main" xmlns:r="http://schemas.openxmlformats.org/officeDocument/2006/relationships" xmlns:p="http://schemas.openxmlformats.org/presentationml/2006/main">
+  <p:cSld>
+    <p:spTree>
+      <p:nvGrpSpPr>
+        <p:cNvPr id="1" name=""/>
+        <p:cNvGrpSpPr/>
+        <p:nvPr/>
+      </p:nvGrpSpPr>
+      <p:grpSpPr>
+        <a:xfrm>
+          <a:off x="0" y="0"/>
+          <a:ext cx="0" cy="0"/>
+          <a:chOff x="0" y="0"/>
+          <a:chExt cx="0" cy="0"/>
+        </a:xfrm>
+      </p:grpSpPr>
+      <p:sp>
+        <p:nvSpPr>
+          <p:cNvPr id="5" name="Rectangle 4"/>
+          <p:cNvSpPr/>
+          <p:nvPr/>
+        </p:nvSpPr>
+        <p:spPr>
+          <a:xfrm>
+            <a:off x="1524596" y="3"/>
+            <a:ext cx="9142810" cy="584775"/>
+          </a:xfrm>
+          <a:prstGeom prst="rect">
+            <a:avLst/>
+          </a:prstGeom>
+          <a:noFill/>
+        </p:spPr>
+        <p:txBody>
+          <a:bodyPr wrap="square">
+            <a:spAutoFit/>
+          </a:bodyPr>
+          <a:lstStyle/>
+          <a:p>
+            <a:pPr algn="r"/>
+            <a:r>
+              <a:rPr lang="en-US" sz="3200" i="1" dirty="0">
+                <a:solidFill>
+                  <a:srgbClr val="FF9900"/>
+                </a:solidFill>
+                <a:latin typeface="Arial" pitchFamily="34" charset="0"/>
+                <a:cs typeface="Arial" pitchFamily="34" charset="0"/>
+              </a:rPr>
+              <a:t>select  - order by</a:t>
+            </a:r>
+            <a:endParaRPr lang="en-IN" sz="3200" i="1" dirty="0">
+              <a:solidFill>
+                <a:srgbClr val="FF9900"/>
+              </a:solidFill>
+              <a:latin typeface="Arial" pitchFamily="34" charset="0"/>
+              <a:cs typeface="Arial" pitchFamily="34" charset="0"/>
+            </a:endParaRPr>
+          </a:p>
+        </p:txBody>
+      </p:sp>
+      <p:sp>
+        <p:nvSpPr>
+          <p:cNvPr id="3" name="Rectangle 2">
+            <a:extLst>
+              <a:ext uri="{FF2B5EF4-FFF2-40B4-BE49-F238E27FC236}">
+                <a16:creationId xmlns:a16="http://schemas.microsoft.com/office/drawing/2014/main" id="{9A24C73D-2B4C-3543-A0EB-A352C062C085}"/>
+              </a:ext>
+            </a:extLst>
+          </p:cNvPr>
+          <p:cNvSpPr/>
+          <p:nvPr/>
+        </p:nvSpPr>
+        <p:spPr>
+          <a:xfrm>
+            <a:off x="262558" y="583270"/>
+            <a:ext cx="11737304" cy="1860509"/>
+          </a:xfrm>
+          <a:prstGeom prst="rect">
+            <a:avLst/>
+          </a:prstGeom>
+        </p:spPr>
+        <p:txBody>
+          <a:bodyPr wrap="square">
+            <a:spAutoFit/>
+          </a:bodyPr>
+          <a:lstStyle/>
+          <a:p>
+            <a:r>
+              <a:rPr lang="en-IN" sz="2000" dirty="0">
+                <a:solidFill>
+                  <a:schemeClr val="accent6">
+                    <a:lumMod val="50000"/>
+                  </a:schemeClr>
+                </a:solidFill>
+                <a:latin typeface="Liberation Mono"/>
+                <a:cs typeface="Arial" panose="020B0604020202020204" pitchFamily="34" charset="0"/>
+              </a:rPr>
+              <a:t>                   </a:t>
+            </a:r>
+            <a:r>
+              <a:rPr lang="en-IN" sz="2000" b="1" dirty="0">
+                <a:solidFill>
+                  <a:schemeClr val="accent4">
+                    <a:lumMod val="50000"/>
+                  </a:schemeClr>
+                </a:solidFill>
+                <a:latin typeface="Liberation Mono"/>
+                <a:cs typeface="Arial" panose="020B0604020202020204" pitchFamily="34" charset="0"/>
+              </a:rPr>
+              <a:t>modifiers</a:t>
+            </a:r>
+            <a:endParaRPr lang="en-US" sz="2000" b="1" dirty="0">
+              <a:solidFill>
+                <a:schemeClr val="accent4">
+                  <a:lumMod val="50000"/>
+                </a:schemeClr>
+              </a:solidFill>
+              <a:latin typeface="Liberation Mono"/>
+              <a:cs typeface="Arial" panose="020B0604020202020204" pitchFamily="34" charset="0"/>
+            </a:endParaRPr>
+          </a:p>
+          <a:p>
+            <a:r>
+              <a:rPr lang="en-US" sz="2000" dirty="0">
+                <a:solidFill>
+                  <a:srgbClr val="0077AA"/>
+                </a:solidFill>
+                <a:latin typeface="Liberation Mono"/>
+                <a:cs typeface="Arial" panose="020B0604020202020204" pitchFamily="34" charset="0"/>
+              </a:rPr>
+              <a:t>SELECT</a:t>
+            </a:r>
+            <a:r>
+              <a:rPr lang="en-US" sz="2000" dirty="0">
+                <a:solidFill>
+                  <a:schemeClr val="tx1">
+                    <a:lumMod val="95000"/>
+                    <a:lumOff val="5000"/>
+                  </a:schemeClr>
+                </a:solidFill>
+                <a:latin typeface="Liberation Mono"/>
+                <a:cs typeface="Arial" panose="020B0604020202020204" pitchFamily="34" charset="0"/>
+              </a:rPr>
+              <a:t> [</a:t>
+            </a:r>
+            <a:r>
+              <a:rPr lang="en-US" sz="2000" u="heavy" dirty="0">
+                <a:solidFill>
+                  <a:schemeClr val="tx1">
+                    <a:lumMod val="95000"/>
+                    <a:lumOff val="5000"/>
+                  </a:schemeClr>
+                </a:solidFill>
+                <a:uFill>
+                  <a:solidFill>
+                    <a:srgbClr val="570528"/>
+                  </a:solidFill>
+                </a:uFill>
+                <a:latin typeface="Liberation Mono"/>
+                <a:cs typeface="Arial" panose="020B0604020202020204" pitchFamily="34" charset="0"/>
+              </a:rPr>
+              <a:t>ALL / DISTINCT</a:t>
+            </a:r>
+            <a:r>
+              <a:rPr lang="en-US" sz="2000" dirty="0">
+                <a:solidFill>
+                  <a:schemeClr val="tx1">
+                    <a:lumMod val="95000"/>
+                    <a:lumOff val="5000"/>
+                  </a:schemeClr>
+                </a:solidFill>
+                <a:latin typeface="Liberation Mono"/>
+                <a:cs typeface="Arial" panose="020B0604020202020204" pitchFamily="34" charset="0"/>
+              </a:rPr>
+              <a:t>] </a:t>
+            </a:r>
+            <a:r>
+              <a:rPr lang="en-US" sz="2000" dirty="0">
+                <a:solidFill>
+                  <a:srgbClr val="CAA496"/>
+                </a:solidFill>
+                <a:latin typeface="Liberation Mono"/>
+                <a:cs typeface="Arial" panose="020B0604020202020204" pitchFamily="34" charset="0"/>
+              </a:rPr>
+              <a:t>identifier</a:t>
+            </a:r>
+            <a:r>
+              <a:rPr lang="en-US" sz="2000" dirty="0">
+                <a:solidFill>
+                  <a:schemeClr val="tx1">
+                    <a:lumMod val="95000"/>
+                    <a:lumOff val="5000"/>
+                  </a:schemeClr>
+                </a:solidFill>
+                <a:latin typeface="Liberation Mono"/>
+                <a:cs typeface="Arial" panose="020B0604020202020204" pitchFamily="34" charset="0"/>
+              </a:rPr>
+              <a:t>.</a:t>
+            </a:r>
+            <a:r>
+              <a:rPr lang="en-US" sz="2000" dirty="0">
+                <a:solidFill>
+                  <a:srgbClr val="A67F59"/>
+                </a:solidFill>
+                <a:latin typeface="Liberation Mono"/>
+              </a:rPr>
+              <a:t>* </a:t>
+            </a:r>
+            <a:r>
+              <a:rPr lang="en-US" sz="2000" dirty="0">
+                <a:solidFill>
+                  <a:srgbClr val="0077AA"/>
+                </a:solidFill>
+                <a:latin typeface="Liberation Mono"/>
+                <a:cs typeface="Arial" panose="020B0604020202020204" pitchFamily="34" charset="0"/>
+              </a:rPr>
+              <a:t>EXCEPT</a:t>
+            </a:r>
+            <a:r>
+              <a:rPr lang="en-US" sz="2000" dirty="0">
+                <a:solidFill>
+                  <a:srgbClr val="A67F59"/>
+                </a:solidFill>
+                <a:latin typeface="Liberation Mono"/>
+              </a:rPr>
+              <a:t> </a:t>
+            </a:r>
+            <a:r>
+              <a:rPr lang="en-US" sz="2000" i="1" dirty="0">
+                <a:solidFill>
+                  <a:schemeClr val="tx1">
+                    <a:lumMod val="95000"/>
+                    <a:lumOff val="5000"/>
+                  </a:schemeClr>
+                </a:solidFill>
+                <a:latin typeface="Liberation Mono"/>
+                <a:cs typeface="Arial" panose="020B0604020202020204" pitchFamily="34" charset="0"/>
+              </a:rPr>
+              <a:t>(A</a:t>
+            </a:r>
+            <a:r>
+              <a:rPr lang="en-US" sz="2000" i="1" baseline="-25000" dirty="0">
+                <a:solidFill>
+                  <a:schemeClr val="tx1">
+                    <a:lumMod val="95000"/>
+                    <a:lumOff val="5000"/>
+                  </a:schemeClr>
+                </a:solidFill>
+                <a:latin typeface="Liberation Mono"/>
+                <a:cs typeface="Arial" panose="020B0604020202020204" pitchFamily="34" charset="0"/>
+              </a:rPr>
+              <a:t>1</a:t>
+            </a:r>
+            <a:r>
+              <a:rPr lang="en-US" sz="2000" i="1" dirty="0">
+                <a:solidFill>
+                  <a:schemeClr val="tx1">
+                    <a:lumMod val="95000"/>
+                    <a:lumOff val="5000"/>
+                  </a:schemeClr>
+                </a:solidFill>
+                <a:latin typeface="Liberation Mono"/>
+                <a:cs typeface="Arial" panose="020B0604020202020204" pitchFamily="34" charset="0"/>
+              </a:rPr>
+              <a:t>, A</a:t>
+            </a:r>
+            <a:r>
+              <a:rPr lang="en-US" sz="2000" i="1" baseline="-25000" dirty="0">
+                <a:solidFill>
+                  <a:schemeClr val="tx1">
+                    <a:lumMod val="95000"/>
+                    <a:lumOff val="5000"/>
+                  </a:schemeClr>
+                </a:solidFill>
+                <a:latin typeface="Liberation Mono"/>
+                <a:cs typeface="Arial" panose="020B0604020202020204" pitchFamily="34" charset="0"/>
+              </a:rPr>
+              <a:t>2</a:t>
+            </a:r>
+            <a:r>
+              <a:rPr lang="en-US" sz="2000" i="1" dirty="0">
+                <a:solidFill>
+                  <a:schemeClr val="tx1">
+                    <a:lumMod val="95000"/>
+                    <a:lumOff val="5000"/>
+                  </a:schemeClr>
+                </a:solidFill>
+                <a:latin typeface="Liberation Mono"/>
+                <a:cs typeface="Arial" panose="020B0604020202020204" pitchFamily="34" charset="0"/>
+              </a:rPr>
+              <a:t>)  </a:t>
+            </a:r>
+            <a:r>
+              <a:rPr lang="en-US" sz="2000" dirty="0">
+                <a:solidFill>
+                  <a:schemeClr val="tx1">
+                    <a:lumMod val="95000"/>
+                    <a:lumOff val="5000"/>
+                  </a:schemeClr>
+                </a:solidFill>
+                <a:latin typeface="Liberation Mono"/>
+                <a:cs typeface="Arial" panose="020B0604020202020204" pitchFamily="34" charset="0"/>
+              </a:rPr>
+              <a:t>/ </a:t>
+            </a:r>
+            <a:r>
+              <a:rPr lang="en-US" sz="2000" dirty="0">
+                <a:solidFill>
+                  <a:srgbClr val="CAA496"/>
+                </a:solidFill>
+                <a:latin typeface="Liberation Mono"/>
+                <a:cs typeface="Arial" panose="020B0604020202020204" pitchFamily="34" charset="0"/>
+              </a:rPr>
+              <a:t>identifier</a:t>
+            </a:r>
+            <a:r>
+              <a:rPr lang="en-US" sz="2000" dirty="0">
+                <a:solidFill>
+                  <a:schemeClr val="tx1">
+                    <a:lumMod val="95000"/>
+                    <a:lumOff val="5000"/>
+                  </a:schemeClr>
+                </a:solidFill>
+                <a:latin typeface="Liberation Mono"/>
+                <a:cs typeface="Arial" panose="020B0604020202020204" pitchFamily="34" charset="0"/>
+              </a:rPr>
+              <a:t>.</a:t>
+            </a:r>
+            <a:r>
+              <a:rPr lang="en-US" sz="2000" i="1" dirty="0">
+                <a:solidFill>
+                  <a:schemeClr val="tx1">
+                    <a:lumMod val="95000"/>
+                    <a:lumOff val="5000"/>
+                  </a:schemeClr>
+                </a:solidFill>
+                <a:latin typeface="Liberation Mono"/>
+                <a:cs typeface="Arial" panose="020B0604020202020204" pitchFamily="34" charset="0"/>
+              </a:rPr>
+              <a:t>A</a:t>
+            </a:r>
+            <a:r>
+              <a:rPr lang="en-US" sz="2000" baseline="-25000" dirty="0">
+                <a:solidFill>
+                  <a:schemeClr val="tx1">
+                    <a:lumMod val="95000"/>
+                    <a:lumOff val="5000"/>
+                  </a:schemeClr>
+                </a:solidFill>
+                <a:latin typeface="Liberation Mono"/>
+                <a:cs typeface="Arial" panose="020B0604020202020204" pitchFamily="34" charset="0"/>
+              </a:rPr>
+              <a:t>1</a:t>
+            </a:r>
+            <a:r>
+              <a:rPr lang="en-US" sz="2000" dirty="0">
+                <a:solidFill>
+                  <a:schemeClr val="tx1">
+                    <a:lumMod val="95000"/>
+                    <a:lumOff val="5000"/>
+                  </a:schemeClr>
+                </a:solidFill>
+                <a:latin typeface="Liberation Mono"/>
+                <a:cs typeface="Arial" panose="020B0604020202020204" pitchFamily="34" charset="0"/>
+              </a:rPr>
+              <a:t> [ [as] alias_name], </a:t>
+            </a:r>
+            <a:r>
+              <a:rPr lang="en-US" sz="2000" dirty="0">
+                <a:solidFill>
+                  <a:srgbClr val="CAA496"/>
+                </a:solidFill>
+                <a:latin typeface="Liberation Mono"/>
+                <a:cs typeface="Arial" panose="020B0604020202020204" pitchFamily="34" charset="0"/>
+              </a:rPr>
+              <a:t>identifier</a:t>
+            </a:r>
+            <a:r>
+              <a:rPr lang="en-US" sz="2000" dirty="0">
+                <a:solidFill>
+                  <a:schemeClr val="tx1">
+                    <a:lumMod val="95000"/>
+                    <a:lumOff val="5000"/>
+                  </a:schemeClr>
+                </a:solidFill>
+                <a:latin typeface="Liberation Mono"/>
+                <a:cs typeface="Arial" panose="020B0604020202020204" pitchFamily="34" charset="0"/>
+              </a:rPr>
+              <a:t>.</a:t>
+            </a:r>
+            <a:r>
+              <a:rPr lang="en-US" sz="2000" i="1" dirty="0">
+                <a:solidFill>
+                  <a:schemeClr val="tx1">
+                    <a:lumMod val="95000"/>
+                    <a:lumOff val="5000"/>
+                  </a:schemeClr>
+                </a:solidFill>
+                <a:latin typeface="Liberation Mono"/>
+                <a:cs typeface="Arial" panose="020B0604020202020204" pitchFamily="34" charset="0"/>
+              </a:rPr>
+              <a:t>A</a:t>
+            </a:r>
+            <a:r>
+              <a:rPr lang="en-US" sz="2000" baseline="-25000" dirty="0">
+                <a:solidFill>
+                  <a:schemeClr val="tx1">
+                    <a:lumMod val="95000"/>
+                    <a:lumOff val="5000"/>
+                  </a:schemeClr>
+                </a:solidFill>
+                <a:latin typeface="Liberation Mono"/>
+                <a:cs typeface="Arial" panose="020B0604020202020204" pitchFamily="34" charset="0"/>
+              </a:rPr>
+              <a:t>2</a:t>
+            </a:r>
+            <a:r>
+              <a:rPr lang="en-US" sz="2000" dirty="0">
+                <a:solidFill>
+                  <a:schemeClr val="tx1">
+                    <a:lumMod val="95000"/>
+                    <a:lumOff val="5000"/>
+                  </a:schemeClr>
+                </a:solidFill>
+                <a:latin typeface="Liberation Mono"/>
+                <a:cs typeface="Arial" panose="020B0604020202020204" pitchFamily="34" charset="0"/>
+              </a:rPr>
+              <a:t> [ [as] alias_name], expression1 [ [as] alias_name], expression2 [ [as] alias_name] </a:t>
+            </a:r>
+            <a:r>
+              <a:rPr lang="en-US" sz="2000" dirty="0">
+                <a:solidFill>
+                  <a:schemeClr val="bg1">
+                    <a:lumMod val="50000"/>
+                  </a:schemeClr>
+                </a:solidFill>
+                <a:latin typeface="Liberation Mono"/>
+                <a:cs typeface="Arial" panose="020B0604020202020204" pitchFamily="34" charset="0"/>
+              </a:rPr>
+              <a:t>. . .</a:t>
+            </a:r>
+            <a:r>
+              <a:rPr lang="en-US" sz="2000" dirty="0">
+                <a:solidFill>
+                  <a:schemeClr val="tx1">
+                    <a:lumMod val="95000"/>
+                    <a:lumOff val="5000"/>
+                  </a:schemeClr>
+                </a:solidFill>
+                <a:latin typeface="Liberation Mono"/>
+                <a:cs typeface="Arial" panose="020B0604020202020204" pitchFamily="34" charset="0"/>
+              </a:rPr>
+              <a:t> </a:t>
+            </a:r>
+          </a:p>
+          <a:p>
+            <a:endParaRPr lang="en-US" sz="800" dirty="0">
+              <a:solidFill>
+                <a:schemeClr val="tx1">
+                  <a:lumMod val="95000"/>
+                  <a:lumOff val="5000"/>
+                </a:schemeClr>
+              </a:solidFill>
+              <a:latin typeface="Liberation Mono"/>
+              <a:cs typeface="Arial" panose="020B0604020202020204" pitchFamily="34" charset="0"/>
+            </a:endParaRPr>
+          </a:p>
+          <a:p>
+            <a:r>
+              <a:rPr lang="en-US" sz="2000" dirty="0">
+                <a:solidFill>
+                  <a:schemeClr val="tx1">
+                    <a:lumMod val="95000"/>
+                    <a:lumOff val="5000"/>
+                  </a:schemeClr>
+                </a:solidFill>
+                <a:latin typeface="Liberation Mono"/>
+                <a:cs typeface="Arial" panose="020B0604020202020204" pitchFamily="34" charset="0"/>
+              </a:rPr>
+              <a:t> [ </a:t>
+            </a:r>
+            <a:r>
+              <a:rPr lang="en-US" sz="2000" dirty="0">
+                <a:solidFill>
+                  <a:srgbClr val="0077AA"/>
+                </a:solidFill>
+                <a:latin typeface="Liberation Mono"/>
+                <a:cs typeface="Arial" panose="020B0604020202020204" pitchFamily="34" charset="0"/>
+              </a:rPr>
+              <a:t>FROM</a:t>
+            </a:r>
+            <a:r>
+              <a:rPr lang="en-US" sz="2000" dirty="0">
+                <a:solidFill>
+                  <a:schemeClr val="tx1">
+                    <a:lumMod val="95000"/>
+                    <a:lumOff val="5000"/>
+                  </a:schemeClr>
+                </a:solidFill>
+                <a:latin typeface="Liberation Mono"/>
+                <a:cs typeface="Arial" panose="020B0604020202020204" pitchFamily="34" charset="0"/>
+              </a:rPr>
+              <a:t> &lt;</a:t>
+            </a:r>
+            <a:r>
+              <a:rPr lang="en-US" sz="2000" dirty="0">
+                <a:solidFill>
+                  <a:srgbClr val="CAA496"/>
+                </a:solidFill>
+                <a:latin typeface="Liberation Mono"/>
+                <a:cs typeface="Arial" panose="020B0604020202020204" pitchFamily="34" charset="0"/>
+              </a:rPr>
+              <a:t>identifier</a:t>
+            </a:r>
+            <a:r>
+              <a:rPr lang="en-US" sz="2000" dirty="0">
+                <a:solidFill>
+                  <a:schemeClr val="tx1">
+                    <a:lumMod val="95000"/>
+                    <a:lumOff val="5000"/>
+                  </a:schemeClr>
+                </a:solidFill>
+                <a:latin typeface="Liberation Mono"/>
+                <a:cs typeface="Arial" panose="020B0604020202020204" pitchFamily="34" charset="0"/>
+              </a:rPr>
+              <a:t>.</a:t>
+            </a:r>
+            <a:r>
+              <a:rPr lang="en-US" sz="2000" i="1" dirty="0">
+                <a:solidFill>
+                  <a:schemeClr val="tx1">
+                    <a:lumMod val="95000"/>
+                    <a:lumOff val="5000"/>
+                  </a:schemeClr>
+                </a:solidFill>
+                <a:latin typeface="Liberation Mono"/>
+                <a:cs typeface="Arial" panose="020B0604020202020204" pitchFamily="34" charset="0"/>
+              </a:rPr>
+              <a:t>r</a:t>
+            </a:r>
+            <a:r>
+              <a:rPr lang="en-US" sz="2000" baseline="-25000" dirty="0">
+                <a:solidFill>
+                  <a:schemeClr val="tx1">
+                    <a:lumMod val="95000"/>
+                    <a:lumOff val="5000"/>
+                  </a:schemeClr>
+                </a:solidFill>
+                <a:latin typeface="Liberation Mono"/>
+                <a:cs typeface="Arial" panose="020B0604020202020204" pitchFamily="34" charset="0"/>
+              </a:rPr>
+              <a:t>1</a:t>
+            </a:r>
+            <a:r>
+              <a:rPr lang="en-US" sz="2000" dirty="0">
+                <a:solidFill>
+                  <a:schemeClr val="tx1">
+                    <a:lumMod val="95000"/>
+                    <a:lumOff val="5000"/>
+                  </a:schemeClr>
+                </a:solidFill>
+                <a:latin typeface="Liberation Mono"/>
+                <a:cs typeface="Arial" panose="020B0604020202020204" pitchFamily="34" charset="0"/>
+              </a:rPr>
+              <a:t>&gt; [as] alias_name], &lt;</a:t>
+            </a:r>
+            <a:r>
+              <a:rPr lang="en-US" sz="2000" dirty="0">
+                <a:solidFill>
+                  <a:srgbClr val="CAA496"/>
+                </a:solidFill>
+                <a:latin typeface="Liberation Mono"/>
+                <a:cs typeface="Arial" panose="020B0604020202020204" pitchFamily="34" charset="0"/>
+              </a:rPr>
+              <a:t>identifier</a:t>
+            </a:r>
+            <a:r>
+              <a:rPr lang="en-US" sz="2000" dirty="0">
+                <a:solidFill>
+                  <a:schemeClr val="tx1">
+                    <a:lumMod val="95000"/>
+                    <a:lumOff val="5000"/>
+                  </a:schemeClr>
+                </a:solidFill>
+                <a:latin typeface="Liberation Mono"/>
+                <a:cs typeface="Arial" panose="020B0604020202020204" pitchFamily="34" charset="0"/>
+              </a:rPr>
+              <a:t>.</a:t>
+            </a:r>
+            <a:r>
+              <a:rPr lang="en-US" sz="2000" i="1" dirty="0">
+                <a:solidFill>
+                  <a:schemeClr val="tx1">
+                    <a:lumMod val="95000"/>
+                    <a:lumOff val="5000"/>
+                  </a:schemeClr>
+                </a:solidFill>
+                <a:latin typeface="Liberation Mono"/>
+                <a:cs typeface="Arial" panose="020B0604020202020204" pitchFamily="34" charset="0"/>
+              </a:rPr>
+              <a:t>r</a:t>
+            </a:r>
+            <a:r>
+              <a:rPr lang="en-US" sz="2000" baseline="-25000" dirty="0">
+                <a:solidFill>
+                  <a:schemeClr val="tx1">
+                    <a:lumMod val="95000"/>
+                    <a:lumOff val="5000"/>
+                  </a:schemeClr>
+                </a:solidFill>
+                <a:latin typeface="Liberation Mono"/>
+                <a:cs typeface="Arial" panose="020B0604020202020204" pitchFamily="34" charset="0"/>
+              </a:rPr>
+              <a:t>2</a:t>
+            </a:r>
+            <a:r>
+              <a:rPr lang="en-US" sz="2000" dirty="0">
+                <a:solidFill>
+                  <a:schemeClr val="tx1">
+                    <a:lumMod val="95000"/>
+                    <a:lumOff val="5000"/>
+                  </a:schemeClr>
+                </a:solidFill>
+                <a:latin typeface="Liberation Mono"/>
+                <a:cs typeface="Arial" panose="020B0604020202020204" pitchFamily="34" charset="0"/>
+              </a:rPr>
+              <a:t>&gt; [as] alias_name], </a:t>
+            </a:r>
+            <a:r>
+              <a:rPr lang="en-US" sz="2000" dirty="0">
+                <a:solidFill>
+                  <a:schemeClr val="bg1">
+                    <a:lumMod val="50000"/>
+                  </a:schemeClr>
+                </a:solidFill>
+                <a:latin typeface="Liberation Mono"/>
+                <a:cs typeface="Arial" panose="020B0604020202020204" pitchFamily="34" charset="0"/>
+              </a:rPr>
+              <a:t>. . .</a:t>
+            </a:r>
+            <a:r>
+              <a:rPr lang="en-US" sz="2000" dirty="0">
+                <a:solidFill>
+                  <a:schemeClr val="tx1">
+                    <a:lumMod val="95000"/>
+                    <a:lumOff val="5000"/>
+                  </a:schemeClr>
+                </a:solidFill>
+                <a:latin typeface="Liberation Mono"/>
+                <a:cs typeface="Arial" panose="020B0604020202020204" pitchFamily="34" charset="0"/>
+              </a:rPr>
+              <a:t> ]</a:t>
+            </a:r>
+          </a:p>
+          <a:p>
+            <a:pPr>
+              <a:lnSpc>
+                <a:spcPct val="150000"/>
+              </a:lnSpc>
             </a:pPr>
             <a:r>
               <a:rPr lang="en-US" sz="2000" dirty="0">
@@ -42130,6 +43410,372 @@
           </a:p>
         </p:txBody>
       </p:sp>
+      <p:sp>
+        <p:nvSpPr>
+          <p:cNvPr id="4" name="TextBox 3">
+            <a:extLst>
+              <a:ext uri="{FF2B5EF4-FFF2-40B4-BE49-F238E27FC236}">
+                <a16:creationId xmlns:a16="http://schemas.microsoft.com/office/drawing/2014/main" id="{D9136A93-88C6-F45E-7E58-5E54F01DB6A6}"/>
+              </a:ext>
+            </a:extLst>
+          </p:cNvPr>
+          <p:cNvSpPr txBox="1"/>
+          <p:nvPr/>
+        </p:nvSpPr>
+        <p:spPr>
+          <a:xfrm>
+            <a:off x="262558" y="2878485"/>
+            <a:ext cx="11526016" cy="1107996"/>
+          </a:xfrm>
+          <a:prstGeom prst="rect">
+            <a:avLst/>
+          </a:prstGeom>
+          <a:noFill/>
+        </p:spPr>
+        <p:txBody>
+          <a:bodyPr wrap="square">
+            <a:spAutoFit/>
+          </a:bodyPr>
+          <a:lstStyle/>
+          <a:p>
+            <a:pPr marL="285750" indent="-285750">
+              <a:buFont typeface="Arial" panose="020B0604020202020204" pitchFamily="34" charset="0"/>
+              <a:buChar char="•"/>
+            </a:pPr>
+            <a:r>
+              <a:rPr lang="en-IN" dirty="0">
+                <a:solidFill>
+                  <a:srgbClr val="0077AA"/>
+                </a:solidFill>
+                <a:latin typeface="Liberation Mono"/>
+                <a:cs typeface="Arial" panose="020B0604020202020204" pitchFamily="34" charset="0"/>
+              </a:rPr>
+              <a:t>SELECT</a:t>
+            </a:r>
+            <a:r>
+              <a:rPr lang="en-IN" dirty="0">
+                <a:latin typeface="Liberation Mono"/>
+              </a:rPr>
+              <a:t> </a:t>
+            </a:r>
+            <a:r>
+              <a:rPr lang="en-IN" dirty="0">
+                <a:solidFill>
+                  <a:srgbClr val="A67F59"/>
+                </a:solidFill>
+                <a:latin typeface="Liberation Mono"/>
+              </a:rPr>
+              <a:t>*</a:t>
+            </a:r>
+            <a:r>
+              <a:rPr lang="en-IN" dirty="0">
+                <a:latin typeface="Liberation Mono"/>
+              </a:rPr>
+              <a:t> </a:t>
+            </a:r>
+            <a:r>
+              <a:rPr lang="en-IN" dirty="0">
+                <a:solidFill>
+                  <a:srgbClr val="0077AA"/>
+                </a:solidFill>
+                <a:latin typeface="Liberation Mono"/>
+                <a:cs typeface="Arial" panose="020B0604020202020204" pitchFamily="34" charset="0"/>
+              </a:rPr>
+              <a:t>FROM</a:t>
+            </a:r>
+            <a:r>
+              <a:rPr lang="en-IN" dirty="0">
+                <a:latin typeface="Liberation Mono"/>
+              </a:rPr>
+              <a:t> emp </a:t>
+            </a:r>
+            <a:r>
+              <a:rPr lang="en-IN" dirty="0">
+                <a:solidFill>
+                  <a:srgbClr val="0077AA"/>
+                </a:solidFill>
+                <a:latin typeface="Liberation Mono"/>
+                <a:cs typeface="Arial" panose="020B0604020202020204" pitchFamily="34" charset="0"/>
+              </a:rPr>
+              <a:t>ORDER</a:t>
+            </a:r>
+            <a:r>
+              <a:rPr lang="en-IN" dirty="0">
+                <a:latin typeface="Liberation Mono"/>
+              </a:rPr>
+              <a:t> </a:t>
+            </a:r>
+            <a:r>
+              <a:rPr lang="en-IN" dirty="0">
+                <a:solidFill>
+                  <a:srgbClr val="0077AA"/>
+                </a:solidFill>
+                <a:latin typeface="Liberation Mono"/>
+                <a:cs typeface="Arial" panose="020B0604020202020204" pitchFamily="34" charset="0"/>
+              </a:rPr>
+              <a:t>BY</a:t>
+            </a:r>
+            <a:r>
+              <a:rPr lang="en-IN" dirty="0">
+                <a:latin typeface="Liberation Mono"/>
+              </a:rPr>
+              <a:t> comm;</a:t>
+            </a:r>
+          </a:p>
+          <a:p>
+            <a:pPr marL="285750" indent="-285750">
+              <a:buFont typeface="Arial" panose="020B0604020202020204" pitchFamily="34" charset="0"/>
+              <a:buChar char="•"/>
+            </a:pPr>
+            <a:endParaRPr lang="en-IN" sz="600" dirty="0">
+              <a:latin typeface="Liberation Mono"/>
+            </a:endParaRPr>
+          </a:p>
+          <a:p>
+            <a:pPr marL="285750" indent="-285750">
+              <a:buFont typeface="Arial" panose="020B0604020202020204" pitchFamily="34" charset="0"/>
+              <a:buChar char="•"/>
+            </a:pPr>
+            <a:r>
+              <a:rPr lang="en-IN" dirty="0">
+                <a:solidFill>
+                  <a:srgbClr val="0077AA"/>
+                </a:solidFill>
+                <a:latin typeface="Liberation Mono"/>
+                <a:cs typeface="Arial" panose="020B0604020202020204" pitchFamily="34" charset="0"/>
+              </a:rPr>
+              <a:t>SELECT</a:t>
+            </a:r>
+            <a:r>
+              <a:rPr lang="en-IN" dirty="0">
+                <a:latin typeface="Liberation Mono"/>
+              </a:rPr>
+              <a:t> </a:t>
+            </a:r>
+            <a:r>
+              <a:rPr lang="en-IN" dirty="0">
+                <a:solidFill>
+                  <a:srgbClr val="A67F59"/>
+                </a:solidFill>
+                <a:latin typeface="Liberation Mono"/>
+              </a:rPr>
+              <a:t>*</a:t>
+            </a:r>
+            <a:r>
+              <a:rPr lang="en-IN" dirty="0">
+                <a:latin typeface="Liberation Mono"/>
+              </a:rPr>
+              <a:t> </a:t>
+            </a:r>
+            <a:r>
+              <a:rPr lang="en-IN" dirty="0">
+                <a:solidFill>
+                  <a:srgbClr val="0077AA"/>
+                </a:solidFill>
+                <a:latin typeface="Liberation Mono"/>
+                <a:cs typeface="Arial" panose="020B0604020202020204" pitchFamily="34" charset="0"/>
+              </a:rPr>
+              <a:t>FROM</a:t>
+            </a:r>
+            <a:r>
+              <a:rPr lang="en-IN" dirty="0">
+                <a:latin typeface="Liberation Mono"/>
+              </a:rPr>
+              <a:t> emp </a:t>
+            </a:r>
+            <a:r>
+              <a:rPr lang="en-IN" dirty="0">
+                <a:solidFill>
+                  <a:srgbClr val="0077AA"/>
+                </a:solidFill>
+                <a:latin typeface="Liberation Mono"/>
+                <a:cs typeface="Arial" panose="020B0604020202020204" pitchFamily="34" charset="0"/>
+              </a:rPr>
+              <a:t>ORDER</a:t>
+            </a:r>
+            <a:r>
+              <a:rPr lang="en-IN" dirty="0">
+                <a:latin typeface="Liberation Mono"/>
+              </a:rPr>
+              <a:t> </a:t>
+            </a:r>
+            <a:r>
+              <a:rPr lang="en-IN" dirty="0">
+                <a:solidFill>
+                  <a:srgbClr val="0077AA"/>
+                </a:solidFill>
+                <a:latin typeface="Liberation Mono"/>
+                <a:cs typeface="Arial" panose="020B0604020202020204" pitchFamily="34" charset="0"/>
+              </a:rPr>
+              <a:t>BY</a:t>
+            </a:r>
+            <a:r>
+              <a:rPr lang="en-IN" dirty="0">
+                <a:latin typeface="Liberation Mono"/>
+              </a:rPr>
+              <a:t> comm </a:t>
+            </a:r>
+            <a:r>
+              <a:rPr lang="en-IN" dirty="0">
+                <a:solidFill>
+                  <a:srgbClr val="0077AA"/>
+                </a:solidFill>
+                <a:latin typeface="Liberation Mono"/>
+                <a:cs typeface="Arial" panose="020B0604020202020204" pitchFamily="34" charset="0"/>
+              </a:rPr>
+              <a:t>NULLS</a:t>
+            </a:r>
+            <a:r>
+              <a:rPr lang="en-IN" dirty="0">
+                <a:latin typeface="Liberation Mono"/>
+              </a:rPr>
+              <a:t> </a:t>
+            </a:r>
+            <a:r>
+              <a:rPr lang="en-IN" dirty="0">
+                <a:solidFill>
+                  <a:srgbClr val="0077AA"/>
+                </a:solidFill>
+                <a:latin typeface="Liberation Mono"/>
+                <a:cs typeface="Arial" panose="020B0604020202020204" pitchFamily="34" charset="0"/>
+              </a:rPr>
+              <a:t>FIRST</a:t>
+            </a:r>
+            <a:r>
+              <a:rPr lang="en-IN" dirty="0">
+                <a:latin typeface="Liberation Mono"/>
+              </a:rPr>
+              <a:t>;</a:t>
+            </a:r>
+          </a:p>
+          <a:p>
+            <a:pPr marL="285750" indent="-285750">
+              <a:buFont typeface="Arial" panose="020B0604020202020204" pitchFamily="34" charset="0"/>
+              <a:buChar char="•"/>
+            </a:pPr>
+            <a:endParaRPr lang="en-IN" sz="600" dirty="0">
+              <a:latin typeface="Liberation Mono"/>
+            </a:endParaRPr>
+          </a:p>
+          <a:p>
+            <a:pPr marL="285750" indent="-285750">
+              <a:buFont typeface="Arial" panose="020B0604020202020204" pitchFamily="34" charset="0"/>
+              <a:buChar char="•"/>
+            </a:pPr>
+            <a:r>
+              <a:rPr lang="en-IN" dirty="0">
+                <a:solidFill>
+                  <a:srgbClr val="0077AA"/>
+                </a:solidFill>
+                <a:latin typeface="Liberation Mono"/>
+                <a:cs typeface="Arial" panose="020B0604020202020204" pitchFamily="34" charset="0"/>
+              </a:rPr>
+              <a:t>SELECT</a:t>
+            </a:r>
+            <a:r>
+              <a:rPr lang="en-IN" dirty="0">
+                <a:latin typeface="Liberation Mono"/>
+              </a:rPr>
+              <a:t> </a:t>
+            </a:r>
+            <a:r>
+              <a:rPr lang="en-IN" dirty="0">
+                <a:solidFill>
+                  <a:srgbClr val="A67F59"/>
+                </a:solidFill>
+                <a:latin typeface="Liberation Mono"/>
+              </a:rPr>
+              <a:t>*</a:t>
+            </a:r>
+            <a:r>
+              <a:rPr lang="en-IN" dirty="0">
+                <a:latin typeface="Liberation Mono"/>
+              </a:rPr>
+              <a:t> </a:t>
+            </a:r>
+            <a:r>
+              <a:rPr lang="en-IN" dirty="0">
+                <a:solidFill>
+                  <a:srgbClr val="0077AA"/>
+                </a:solidFill>
+                <a:latin typeface="Liberation Mono"/>
+                <a:cs typeface="Arial" panose="020B0604020202020204" pitchFamily="34" charset="0"/>
+              </a:rPr>
+              <a:t>FROM</a:t>
+            </a:r>
+            <a:r>
+              <a:rPr lang="en-IN" dirty="0">
+                <a:latin typeface="Liberation Mono"/>
+              </a:rPr>
+              <a:t> emp </a:t>
+            </a:r>
+            <a:r>
+              <a:rPr lang="en-IN" dirty="0">
+                <a:solidFill>
+                  <a:srgbClr val="0077AA"/>
+                </a:solidFill>
+                <a:latin typeface="Liberation Mono"/>
+                <a:cs typeface="Arial" panose="020B0604020202020204" pitchFamily="34" charset="0"/>
+              </a:rPr>
+              <a:t>ORDER</a:t>
+            </a:r>
+            <a:r>
+              <a:rPr lang="en-IN" dirty="0">
+                <a:latin typeface="Liberation Mono"/>
+              </a:rPr>
+              <a:t> </a:t>
+            </a:r>
+            <a:r>
+              <a:rPr lang="en-IN" dirty="0">
+                <a:solidFill>
+                  <a:srgbClr val="0077AA"/>
+                </a:solidFill>
+                <a:latin typeface="Liberation Mono"/>
+                <a:cs typeface="Arial" panose="020B0604020202020204" pitchFamily="34" charset="0"/>
+              </a:rPr>
+              <a:t>BY</a:t>
+            </a:r>
+            <a:r>
+              <a:rPr lang="en-IN" dirty="0">
+                <a:latin typeface="Liberation Mono"/>
+              </a:rPr>
+              <a:t> comm </a:t>
+            </a:r>
+            <a:r>
+              <a:rPr lang="en-IN" dirty="0">
+                <a:solidFill>
+                  <a:srgbClr val="0077AA"/>
+                </a:solidFill>
+                <a:latin typeface="Liberation Mono"/>
+                <a:cs typeface="Arial" panose="020B0604020202020204" pitchFamily="34" charset="0"/>
+              </a:rPr>
+              <a:t>NULLS</a:t>
+            </a:r>
+            <a:r>
+              <a:rPr lang="en-IN" dirty="0">
+                <a:latin typeface="Liberation Mono"/>
+              </a:rPr>
+              <a:t> </a:t>
+            </a:r>
+            <a:r>
+              <a:rPr lang="en-IN" dirty="0">
+                <a:solidFill>
+                  <a:srgbClr val="0077AA"/>
+                </a:solidFill>
+                <a:latin typeface="Liberation Mono"/>
+                <a:cs typeface="Arial" panose="020B0604020202020204" pitchFamily="34" charset="0"/>
+              </a:rPr>
+              <a:t>LAST</a:t>
+            </a:r>
+            <a:r>
+              <a:rPr lang="en-IN" dirty="0">
+                <a:latin typeface="Liberation Mono"/>
+              </a:rPr>
+              <a:t>;</a:t>
+            </a:r>
+          </a:p>
+        </p:txBody>
+      </p:sp>
     </p:spTree>
     <p:extLst>
       <p:ext uri="{BB962C8B-B14F-4D97-AF65-F5344CB8AC3E}">
@@ -42143,7 +43789,7 @@
 </p:sld>
 </file>
 
-<file path=ppt/slides/slide63.xml><?xml version="1.0" encoding="utf-8"?>
+<file path=ppt/slides/slide65.xml><?xml version="1.0" encoding="utf-8"?>
 <p:sld xmlns:a="http://schemas.openxmlformats.org/drawingml/2006/main" xmlns:r="http://schemas.openxmlformats.org/officeDocument/2006/relationships" xmlns:p="http://schemas.openxmlformats.org/presentationml/2006/main">
   <p:cSld>
     <p:spTree>
@@ -42365,7 +44011,7 @@
 </p:sld>
 </file>
 
-<file path=ppt/slides/slide64.xml><?xml version="1.0" encoding="utf-8"?>
+<file path=ppt/slides/slide66.xml><?xml version="1.0" encoding="utf-8"?>
 <p:sld xmlns:a="http://schemas.openxmlformats.org/drawingml/2006/main" xmlns:r="http://schemas.openxmlformats.org/officeDocument/2006/relationships" xmlns:p="http://schemas.openxmlformats.org/presentationml/2006/main">
   <p:cSld>
     <p:spTree>
@@ -42603,7 +44249,59 @@
                 <a:latin typeface="Liberation Mono"/>
                 <a:cs typeface="Arial" panose="020B0604020202020204" pitchFamily="34" charset="0"/>
               </a:rPr>
-              <a:t>(A1, A2)  </a:t>
+              <a:t>(A</a:t>
+            </a:r>
+            <a:r>
+              <a:rPr lang="en-US" sz="2000" i="1" baseline="-25000" dirty="0">
+                <a:solidFill>
+                  <a:schemeClr val="tx1">
+                    <a:lumMod val="95000"/>
+                    <a:lumOff val="5000"/>
+                  </a:schemeClr>
+                </a:solidFill>
+                <a:latin typeface="Liberation Mono"/>
+                <a:cs typeface="Arial" panose="020B0604020202020204" pitchFamily="34" charset="0"/>
+              </a:rPr>
+              <a:t>1</a:t>
+            </a:r>
+            <a:r>
+              <a:rPr lang="en-US" sz="2000" i="1" dirty="0">
+                <a:solidFill>
+                  <a:schemeClr val="tx1">
+                    <a:lumMod val="95000"/>
+                    <a:lumOff val="5000"/>
+                  </a:schemeClr>
+                </a:solidFill>
+                <a:latin typeface="Liberation Mono"/>
+                <a:cs typeface="Arial" panose="020B0604020202020204" pitchFamily="34" charset="0"/>
+              </a:rPr>
+              <a:t>, A</a:t>
+            </a:r>
+            <a:r>
+              <a:rPr lang="en-US" sz="2000" i="1" baseline="-25000" dirty="0">
+                <a:solidFill>
+                  <a:schemeClr val="tx1">
+                    <a:lumMod val="95000"/>
+                    <a:lumOff val="5000"/>
+                  </a:schemeClr>
+                </a:solidFill>
+                <a:latin typeface="Liberation Mono"/>
+                <a:cs typeface="Arial" panose="020B0604020202020204" pitchFamily="34" charset="0"/>
+              </a:rPr>
+              <a:t>2</a:t>
+            </a:r>
+            <a:r>
+              <a:rPr lang="en-US" sz="2000" i="1" dirty="0">
+                <a:solidFill>
+                  <a:schemeClr val="tx1">
+                    <a:lumMod val="95000"/>
+                    <a:lumOff val="5000"/>
+                  </a:schemeClr>
+                </a:solidFill>
+                <a:latin typeface="Liberation Mono"/>
+                <a:cs typeface="Arial" panose="020B0604020202020204" pitchFamily="34" charset="0"/>
+              </a:rPr>
+              <a:t>)  </a:t>
             </a:r>
             <a:r>
               <a:rPr lang="en-US" sz="2000" dirty="0">
@@ -42781,10 +44479,6 @@
             </a:endParaRPr>
           </a:p>
           <a:p>
-            <a:pPr marL="342900" indent="-342900">
-              <a:buFont typeface="Arial" panose="020B0604020202020204" pitchFamily="34" charset="0"/>
-              <a:buChar char="•"/>
-            </a:pPr>
             <a:r>
               <a:rPr lang="en-US" sz="2000" dirty="0">
                 <a:solidFill>
@@ -42796,7 +44490,7 @@
                 <a:latin typeface="Liberation Mono"/>
                 <a:cs typeface="Arial" panose="020B0604020202020204" pitchFamily="34" charset="0"/>
               </a:rPr>
-              <a:t>[ </a:t>
+              <a:t> [ </a:t>
             </a:r>
             <a:r>
               <a:rPr lang="en-US" sz="2000" dirty="0">
@@ -42972,12 +44666,10 @@
             </a:r>
           </a:p>
           <a:p>
-            <a:pPr marL="285750" indent="-285750">
+            <a:pPr>
               <a:lnSpc>
                 <a:spcPct val="150000"/>
               </a:lnSpc>
-              <a:buFont typeface="Arial" panose="020B0604020202020204" pitchFamily="34" charset="0"/>
-              <a:buChar char="•"/>
             </a:pPr>
             <a:r>
               <a:rPr lang="en-US" sz="2000" dirty="0">
@@ -43132,7 +44824,7 @@
 </p:sld>
 </file>
 
-<file path=ppt/slides/slide65.xml><?xml version="1.0" encoding="utf-8"?>
+<file path=ppt/slides/slide67.xml><?xml version="1.0" encoding="utf-8"?>
 <p:sld xmlns:a="http://schemas.openxmlformats.org/drawingml/2006/main" xmlns:r="http://schemas.openxmlformats.org/officeDocument/2006/relationships" xmlns:p="http://schemas.openxmlformats.org/presentationml/2006/main" showMasterSp="0">
   <p:cSld>
     <p:spTree>

--- a/H2 database.pptx
+++ b/H2 database.pptx
@@ -5,7 +5,7 @@
     <p:sldMasterId id="2147483720" r:id="rId1"/>
   </p:sldMasterIdLst>
   <p:notesMasterIdLst>
-    <p:notesMasterId r:id="rId69"/>
+    <p:notesMasterId r:id="rId72"/>
   </p:notesMasterIdLst>
   <p:sldIdLst>
     <p:sldId id="257" r:id="rId2"/>
@@ -74,7 +74,10 @@
     <p:sldId id="1534" r:id="rId65"/>
     <p:sldId id="1152" r:id="rId66"/>
     <p:sldId id="1153" r:id="rId67"/>
-    <p:sldId id="788" r:id="rId68"/>
+    <p:sldId id="1537" r:id="rId68"/>
+    <p:sldId id="1538" r:id="rId69"/>
+    <p:sldId id="1539" r:id="rId70"/>
+    <p:sldId id="788" r:id="rId71"/>
   </p:sldIdLst>
   <p:sldSz cx="12192000" cy="6858000"/>
   <p:notesSz cx="6858000" cy="9144000"/>
@@ -287,7 +290,7 @@
             <a:fld id="{757F699C-254E-44B6-B18D-E7E82B2FC743}" type="datetimeFigureOut">
               <a:rPr lang="en-IN" smtClean="0"/>
               <a:pPr/>
-              <a:t>11-05-2023</a:t>
+              <a:t>12-05-2023</a:t>
             </a:fld>
             <a:endParaRPr lang="en-IN"/>
           </a:p>
@@ -1113,7 +1116,7 @@
             <a:fld id="{52F73076-280E-4994-B9AF-08CB19D7A53F}" type="datetimeFigureOut">
               <a:rPr lang="en-US" smtClean="0"/>
               <a:pPr/>
-              <a:t>5/11/2023</a:t>
+              <a:t>5/12/2023</a:t>
             </a:fld>
             <a:endParaRPr lang="en-US" dirty="0"/>
           </a:p>
@@ -1558,7 +1561,7 @@
             <a:fld id="{52F73076-280E-4994-B9AF-08CB19D7A53F}" type="datetimeFigureOut">
               <a:rPr lang="en-US" smtClean="0"/>
               <a:pPr/>
-              <a:t>5/11/2023</a:t>
+              <a:t>5/12/2023</a:t>
             </a:fld>
             <a:endParaRPr lang="en-US" dirty="0"/>
           </a:p>
@@ -2490,7 +2493,7 @@
             <a:fld id="{52F73076-280E-4994-B9AF-08CB19D7A53F}" type="datetimeFigureOut">
               <a:rPr lang="en-US" smtClean="0"/>
               <a:pPr/>
-              <a:t>5/11/2023</a:t>
+              <a:t>5/12/2023</a:t>
             </a:fld>
             <a:endParaRPr lang="en-US" dirty="0"/>
           </a:p>
@@ -2908,7 +2911,7 @@
             <a:fld id="{52F73076-280E-4994-B9AF-08CB19D7A53F}" type="datetimeFigureOut">
               <a:rPr lang="en-US" smtClean="0"/>
               <a:pPr/>
-              <a:t>5/11/2023</a:t>
+              <a:t>5/12/2023</a:t>
             </a:fld>
             <a:endParaRPr lang="en-US" dirty="0"/>
           </a:p>
@@ -20953,7 +20956,7 @@
           <p:nvPr>
             <p:extLst>
               <p:ext uri="{D42A27DB-BD31-4B8C-83A1-F6EECF244321}">
-                <p14:modId xmlns:p14="http://schemas.microsoft.com/office/powerpoint/2010/main" val="290085673"/>
+                <p14:modId xmlns:p14="http://schemas.microsoft.com/office/powerpoint/2010/main" val="45407882"/>
               </p:ext>
             </p:extLst>
           </p:nvPr>
@@ -43884,7 +43887,27 @@
                 <a:latin typeface="Segoe UI Light" panose="020B0502040204020203" pitchFamily="34" charset="0"/>
                 <a:cs typeface="Segoe UI Light" panose="020B0502040204020203" pitchFamily="34" charset="0"/>
               </a:rPr>
-              <a:t>fetch first rows</a:t>
+              <a:t>fetch first </a:t>
+            </a:r>
+            <a:r>
+              <a:rPr lang="en-US" sz="4800" i="1" dirty="0">
+                <a:solidFill>
+                  <a:srgbClr val="DC525C"/>
+                </a:solidFill>
+                <a:latin typeface="Segoe UI Light" panose="020B0502040204020203" pitchFamily="34" charset="0"/>
+                <a:cs typeface="Segoe UI Light" panose="020B0502040204020203" pitchFamily="34" charset="0"/>
+              </a:rPr>
+              <a:t>n</a:t>
+            </a:r>
+            <a:r>
+              <a:rPr lang="en-US" sz="4800" dirty="0">
+                <a:solidFill>
+                  <a:srgbClr val="DC525C"/>
+                </a:solidFill>
+                <a:latin typeface="Segoe UI Light" panose="020B0502040204020203" pitchFamily="34" charset="0"/>
+                <a:cs typeface="Segoe UI Light" panose="020B0502040204020203" pitchFamily="34" charset="0"/>
+              </a:rPr>
+              <a:t> rows</a:t>
             </a:r>
           </a:p>
         </p:txBody>
@@ -44059,7 +44082,7 @@
                 <a:latin typeface="Arial" pitchFamily="34" charset="0"/>
                 <a:cs typeface="Arial" pitchFamily="34" charset="0"/>
               </a:rPr>
-              <a:t>select  - fetch first n rows</a:t>
+              <a:t>select  - fetch first n rows only</a:t>
             </a:r>
             <a:endParaRPr lang="en-IN" sz="3200" i="1" dirty="0">
               <a:solidFill>
@@ -44715,7 +44738,7 @@
                 <a:latin typeface="Liberation Mono"/>
                 <a:cs typeface="Arial" panose="020B0604020202020204" pitchFamily="34" charset="0"/>
               </a:rPr>
-              <a:t>FIRST</a:t>
+              <a:t>FIRST </a:t>
             </a:r>
             <a:r>
               <a:rPr lang="en-US" sz="2000" dirty="0">
@@ -44728,7 +44751,1050 @@
                 <a:latin typeface="Liberation Mono"/>
                 <a:cs typeface="Arial" panose="020B0604020202020204" pitchFamily="34" charset="0"/>
               </a:rPr>
-              <a:t>	expression { ROW | ROWS } { ONLY | WITH TIES } ]</a:t>
+              <a:t>expression { ROW | ROWS } { ONLY | WITH TIES } ]</a:t>
+            </a:r>
+          </a:p>
+        </p:txBody>
+      </p:sp>
+      <p:sp>
+        <p:nvSpPr>
+          <p:cNvPr id="3" name="TextBox 2">
+            <a:extLst>
+              <a:ext uri="{FF2B5EF4-FFF2-40B4-BE49-F238E27FC236}">
+                <a16:creationId xmlns:a16="http://schemas.microsoft.com/office/drawing/2014/main" id="{48DC216C-B5BE-3B13-C889-14A1D18AE322}"/>
+              </a:ext>
+            </a:extLst>
+          </p:cNvPr>
+          <p:cNvSpPr txBox="1"/>
+          <p:nvPr/>
+        </p:nvSpPr>
+        <p:spPr>
+          <a:xfrm>
+            <a:off x="262558" y="2878485"/>
+            <a:ext cx="11526016" cy="1107996"/>
+          </a:xfrm>
+          <a:prstGeom prst="rect">
+            <a:avLst/>
+          </a:prstGeom>
+          <a:noFill/>
+        </p:spPr>
+        <p:txBody>
+          <a:bodyPr wrap="square">
+            <a:spAutoFit/>
+          </a:bodyPr>
+          <a:lstStyle/>
+          <a:p>
+            <a:pPr marL="285750" indent="-285750">
+              <a:buFont typeface="Arial" panose="020B0604020202020204" pitchFamily="34" charset="0"/>
+              <a:buChar char="•"/>
+            </a:pPr>
+            <a:r>
+              <a:rPr lang="en-US" dirty="0">
+                <a:solidFill>
+                  <a:srgbClr val="0077AA"/>
+                </a:solidFill>
+                <a:latin typeface="Liberation Mono"/>
+                <a:cs typeface="Arial" panose="020B0604020202020204" pitchFamily="34" charset="0"/>
+              </a:rPr>
+              <a:t>SELECT </a:t>
+            </a:r>
+            <a:r>
+              <a:rPr lang="en-US" dirty="0">
+                <a:solidFill>
+                  <a:srgbClr val="A67F59"/>
+                </a:solidFill>
+                <a:latin typeface="Liberation Mono"/>
+              </a:rPr>
+              <a:t>*</a:t>
+            </a:r>
+            <a:r>
+              <a:rPr lang="en-US" dirty="0">
+                <a:solidFill>
+                  <a:srgbClr val="0077AA"/>
+                </a:solidFill>
+                <a:latin typeface="Liberation Mono"/>
+                <a:cs typeface="Arial" panose="020B0604020202020204" pitchFamily="34" charset="0"/>
+              </a:rPr>
+              <a:t> FROM </a:t>
+            </a:r>
+            <a:r>
+              <a:rPr lang="en-US" dirty="0">
+                <a:latin typeface="Liberation Mono"/>
+                <a:cs typeface="Arial" panose="020B0604020202020204" pitchFamily="34" charset="0"/>
+              </a:rPr>
+              <a:t>emp</a:t>
+            </a:r>
+            <a:r>
+              <a:rPr lang="en-US" dirty="0">
+                <a:solidFill>
+                  <a:srgbClr val="0077AA"/>
+                </a:solidFill>
+                <a:latin typeface="Liberation Mono"/>
+                <a:cs typeface="Arial" panose="020B0604020202020204" pitchFamily="34" charset="0"/>
+              </a:rPr>
+              <a:t> FETCH FIRST </a:t>
+            </a:r>
+            <a:r>
+              <a:rPr lang="en-US" dirty="0">
+                <a:solidFill>
+                  <a:srgbClr val="990055"/>
+                </a:solidFill>
+                <a:latin typeface="Liberation Mono"/>
+              </a:rPr>
+              <a:t>4</a:t>
+            </a:r>
+            <a:r>
+              <a:rPr lang="en-US" dirty="0">
+                <a:solidFill>
+                  <a:srgbClr val="0077AA"/>
+                </a:solidFill>
+                <a:latin typeface="Liberation Mono"/>
+                <a:cs typeface="Arial" panose="020B0604020202020204" pitchFamily="34" charset="0"/>
+              </a:rPr>
+              <a:t> ROWS ONLY</a:t>
+            </a:r>
+            <a:r>
+              <a:rPr lang="en-US" dirty="0">
+                <a:latin typeface="Liberation Mono"/>
+                <a:cs typeface="Arial" panose="020B0604020202020204" pitchFamily="34" charset="0"/>
+              </a:rPr>
+              <a:t>;</a:t>
+            </a:r>
+            <a:endParaRPr lang="en-IN" dirty="0">
+              <a:latin typeface="Liberation Mono"/>
+            </a:endParaRPr>
+          </a:p>
+          <a:p>
+            <a:pPr marL="285750" indent="-285750">
+              <a:buFont typeface="Arial" panose="020B0604020202020204" pitchFamily="34" charset="0"/>
+              <a:buChar char="•"/>
+            </a:pPr>
+            <a:endParaRPr lang="en-IN" sz="600" dirty="0">
+              <a:latin typeface="Liberation Mono"/>
+            </a:endParaRPr>
+          </a:p>
+          <a:p>
+            <a:pPr marL="285750" indent="-285750">
+              <a:buFont typeface="Arial" panose="020B0604020202020204" pitchFamily="34" charset="0"/>
+              <a:buChar char="•"/>
+            </a:pPr>
+            <a:r>
+              <a:rPr lang="en-US" dirty="0">
+                <a:solidFill>
+                  <a:srgbClr val="0077AA"/>
+                </a:solidFill>
+                <a:latin typeface="Liberation Mono"/>
+                <a:cs typeface="Arial" panose="020B0604020202020204" pitchFamily="34" charset="0"/>
+              </a:rPr>
+              <a:t>SET </a:t>
+            </a:r>
+            <a:r>
+              <a:rPr lang="en-US" dirty="0">
+                <a:latin typeface="Liberation Mono"/>
+                <a:cs typeface="Arial" panose="020B0604020202020204" pitchFamily="34" charset="0"/>
+              </a:rPr>
+              <a:t>@X</a:t>
+            </a:r>
+            <a:r>
+              <a:rPr lang="en-US" dirty="0">
+                <a:solidFill>
+                  <a:srgbClr val="0077AA"/>
+                </a:solidFill>
+                <a:latin typeface="Liberation Mono"/>
+                <a:cs typeface="Arial" panose="020B0604020202020204" pitchFamily="34" charset="0"/>
+              </a:rPr>
+              <a:t> </a:t>
+            </a:r>
+            <a:r>
+              <a:rPr lang="en-US" dirty="0">
+                <a:latin typeface="Liberation Mono"/>
+                <a:cs typeface="Arial" panose="020B0604020202020204" pitchFamily="34" charset="0"/>
+              </a:rPr>
+              <a:t>=</a:t>
+            </a:r>
+            <a:r>
+              <a:rPr lang="en-US" dirty="0">
+                <a:solidFill>
+                  <a:srgbClr val="0077AA"/>
+                </a:solidFill>
+                <a:latin typeface="Liberation Mono"/>
+                <a:cs typeface="Arial" panose="020B0604020202020204" pitchFamily="34" charset="0"/>
+              </a:rPr>
+              <a:t> </a:t>
+            </a:r>
+            <a:r>
+              <a:rPr lang="en-US" dirty="0">
+                <a:solidFill>
+                  <a:srgbClr val="990055"/>
+                </a:solidFill>
+                <a:latin typeface="Liberation Mono"/>
+              </a:rPr>
+              <a:t>5</a:t>
+            </a:r>
+            <a:r>
+              <a:rPr lang="en-US" dirty="0">
+                <a:latin typeface="Liberation Mono"/>
+                <a:cs typeface="Arial" panose="020B0604020202020204" pitchFamily="34" charset="0"/>
+              </a:rPr>
+              <a:t>;</a:t>
+            </a:r>
+          </a:p>
+          <a:p>
+            <a:pPr marL="285750" indent="-285750">
+              <a:buFont typeface="Arial" panose="020B0604020202020204" pitchFamily="34" charset="0"/>
+              <a:buChar char="•"/>
+            </a:pPr>
+            <a:endParaRPr lang="en-US" sz="600" dirty="0">
+              <a:solidFill>
+                <a:srgbClr val="0077AA"/>
+              </a:solidFill>
+              <a:latin typeface="Liberation Mono"/>
+              <a:cs typeface="Arial" panose="020B0604020202020204" pitchFamily="34" charset="0"/>
+            </a:endParaRPr>
+          </a:p>
+          <a:p>
+            <a:pPr marL="285750" indent="-285750">
+              <a:buFont typeface="Arial" panose="020B0604020202020204" pitchFamily="34" charset="0"/>
+              <a:buChar char="•"/>
+            </a:pPr>
+            <a:r>
+              <a:rPr lang="en-US" dirty="0">
+                <a:solidFill>
+                  <a:srgbClr val="0077AA"/>
+                </a:solidFill>
+                <a:latin typeface="Liberation Mono"/>
+                <a:cs typeface="Arial" panose="020B0604020202020204" pitchFamily="34" charset="0"/>
+              </a:rPr>
+              <a:t>SELECT </a:t>
+            </a:r>
+            <a:r>
+              <a:rPr lang="en-US" dirty="0">
+                <a:solidFill>
+                  <a:srgbClr val="A67F59"/>
+                </a:solidFill>
+                <a:latin typeface="Liberation Mono"/>
+              </a:rPr>
+              <a:t>*</a:t>
+            </a:r>
+            <a:r>
+              <a:rPr lang="en-US" dirty="0">
+                <a:solidFill>
+                  <a:srgbClr val="0077AA"/>
+                </a:solidFill>
+                <a:latin typeface="Liberation Mono"/>
+                <a:cs typeface="Arial" panose="020B0604020202020204" pitchFamily="34" charset="0"/>
+              </a:rPr>
+              <a:t> EXCEPT</a:t>
+            </a:r>
+            <a:r>
+              <a:rPr lang="en-US" dirty="0">
+                <a:latin typeface="Liberation Mono"/>
+                <a:cs typeface="Arial" panose="020B0604020202020204" pitchFamily="34" charset="0"/>
+              </a:rPr>
+              <a:t>(`user name`, </a:t>
+            </a:r>
+            <a:r>
+              <a:rPr lang="en-US" dirty="0" err="1">
+                <a:latin typeface="Liberation Mono"/>
+                <a:cs typeface="Arial" panose="020B0604020202020204" pitchFamily="34" charset="0"/>
+              </a:rPr>
+              <a:t>pwd</a:t>
+            </a:r>
+            <a:r>
+              <a:rPr lang="en-US" dirty="0">
+                <a:latin typeface="Liberation Mono"/>
+                <a:cs typeface="Arial" panose="020B0604020202020204" pitchFamily="34" charset="0"/>
+              </a:rPr>
+              <a:t>)</a:t>
+            </a:r>
+            <a:r>
+              <a:rPr lang="en-US" dirty="0">
+                <a:solidFill>
+                  <a:srgbClr val="0077AA"/>
+                </a:solidFill>
+                <a:latin typeface="Liberation Mono"/>
+                <a:cs typeface="Arial" panose="020B0604020202020204" pitchFamily="34" charset="0"/>
+              </a:rPr>
+              <a:t> FROM </a:t>
+            </a:r>
+            <a:r>
+              <a:rPr lang="en-US" dirty="0">
+                <a:latin typeface="Liberation Mono"/>
+                <a:cs typeface="Arial" panose="020B0604020202020204" pitchFamily="34" charset="0"/>
+              </a:rPr>
+              <a:t>emp</a:t>
+            </a:r>
+            <a:r>
+              <a:rPr lang="en-US" dirty="0">
+                <a:solidFill>
+                  <a:srgbClr val="0077AA"/>
+                </a:solidFill>
+                <a:latin typeface="Liberation Mono"/>
+                <a:cs typeface="Arial" panose="020B0604020202020204" pitchFamily="34" charset="0"/>
+              </a:rPr>
+              <a:t> FETCH FIRST </a:t>
+            </a:r>
+            <a:r>
+              <a:rPr lang="en-US" dirty="0">
+                <a:latin typeface="Liberation Mono"/>
+                <a:cs typeface="Arial" panose="020B0604020202020204" pitchFamily="34" charset="0"/>
+              </a:rPr>
+              <a:t>@X</a:t>
+            </a:r>
+            <a:r>
+              <a:rPr lang="en-US" dirty="0">
+                <a:solidFill>
+                  <a:srgbClr val="0077AA"/>
+                </a:solidFill>
+                <a:latin typeface="Liberation Mono"/>
+                <a:cs typeface="Arial" panose="020B0604020202020204" pitchFamily="34" charset="0"/>
+              </a:rPr>
+              <a:t> ROWS ONLY</a:t>
+            </a:r>
+            <a:r>
+              <a:rPr lang="en-US" dirty="0">
+                <a:latin typeface="Liberation Mono"/>
+                <a:cs typeface="Arial" panose="020B0604020202020204" pitchFamily="34" charset="0"/>
+              </a:rPr>
+              <a:t>;</a:t>
+            </a:r>
+            <a:endParaRPr lang="en-IN" dirty="0">
+              <a:latin typeface="Liberation Mono"/>
+            </a:endParaRPr>
+          </a:p>
+        </p:txBody>
+      </p:sp>
+    </p:spTree>
+    <p:extLst>
+      <p:ext uri="{BB962C8B-B14F-4D97-AF65-F5344CB8AC3E}">
+        <p14:creationId xmlns:p14="http://schemas.microsoft.com/office/powerpoint/2010/main" val="2525515652"/>
+      </p:ext>
+    </p:extLst>
+  </p:cSld>
+  <p:clrMapOvr>
+    <a:masterClrMapping/>
+  </p:clrMapOvr>
+</p:sld>
+</file>
+
+<file path=ppt/slides/slide67.xml><?xml version="1.0" encoding="utf-8"?>
+<p:sld xmlns:a="http://schemas.openxmlformats.org/drawingml/2006/main" xmlns:r="http://schemas.openxmlformats.org/officeDocument/2006/relationships" xmlns:p="http://schemas.openxmlformats.org/presentationml/2006/main">
+  <p:cSld>
+    <p:spTree>
+      <p:nvGrpSpPr>
+        <p:cNvPr id="1" name=""/>
+        <p:cNvGrpSpPr/>
+        <p:nvPr/>
+      </p:nvGrpSpPr>
+      <p:grpSpPr>
+        <a:xfrm>
+          <a:off x="0" y="0"/>
+          <a:ext cx="0" cy="0"/>
+          <a:chOff x="0" y="0"/>
+          <a:chExt cx="0" cy="0"/>
+        </a:xfrm>
+      </p:grpSpPr>
+      <p:sp>
+        <p:nvSpPr>
+          <p:cNvPr id="5" name="Rectangle 4"/>
+          <p:cNvSpPr/>
+          <p:nvPr/>
+        </p:nvSpPr>
+        <p:spPr>
+          <a:xfrm>
+            <a:off x="1524596" y="3"/>
+            <a:ext cx="9142810" cy="584775"/>
+          </a:xfrm>
+          <a:prstGeom prst="rect">
+            <a:avLst/>
+          </a:prstGeom>
+          <a:noFill/>
+        </p:spPr>
+        <p:txBody>
+          <a:bodyPr wrap="square">
+            <a:spAutoFit/>
+          </a:bodyPr>
+          <a:lstStyle/>
+          <a:p>
+            <a:pPr algn="r"/>
+            <a:r>
+              <a:rPr lang="en-US" sz="3200" i="1" dirty="0">
+                <a:solidFill>
+                  <a:srgbClr val="FF9900"/>
+                </a:solidFill>
+                <a:latin typeface="Arial" pitchFamily="34" charset="0"/>
+                <a:cs typeface="Arial" pitchFamily="34" charset="0"/>
+              </a:rPr>
+              <a:t>select  - fetch first n rows with ties</a:t>
+            </a:r>
+            <a:endParaRPr lang="en-IN" sz="3200" i="1" dirty="0">
+              <a:solidFill>
+                <a:srgbClr val="FF9900"/>
+              </a:solidFill>
+              <a:latin typeface="Arial" pitchFamily="34" charset="0"/>
+              <a:cs typeface="Arial" pitchFamily="34" charset="0"/>
+            </a:endParaRPr>
+          </a:p>
+        </p:txBody>
+      </p:sp>
+      <p:sp>
+        <p:nvSpPr>
+          <p:cNvPr id="2" name="Rectangle 1">
+            <a:extLst>
+              <a:ext uri="{FF2B5EF4-FFF2-40B4-BE49-F238E27FC236}">
+                <a16:creationId xmlns:a16="http://schemas.microsoft.com/office/drawing/2014/main" id="{29828BD2-C0D2-F037-7CC7-FC6D0CAB438B}"/>
+              </a:ext>
+            </a:extLst>
+          </p:cNvPr>
+          <p:cNvSpPr/>
+          <p:nvPr/>
+        </p:nvSpPr>
+        <p:spPr>
+          <a:xfrm>
+            <a:off x="262558" y="583270"/>
+            <a:ext cx="11737304" cy="1860509"/>
+          </a:xfrm>
+          <a:prstGeom prst="rect">
+            <a:avLst/>
+          </a:prstGeom>
+        </p:spPr>
+        <p:txBody>
+          <a:bodyPr wrap="square">
+            <a:spAutoFit/>
+          </a:bodyPr>
+          <a:lstStyle/>
+          <a:p>
+            <a:r>
+              <a:rPr lang="en-IN" sz="2000" dirty="0">
+                <a:solidFill>
+                  <a:schemeClr val="accent6">
+                    <a:lumMod val="50000"/>
+                  </a:schemeClr>
+                </a:solidFill>
+                <a:latin typeface="Liberation Mono"/>
+                <a:cs typeface="Arial" panose="020B0604020202020204" pitchFamily="34" charset="0"/>
+              </a:rPr>
+              <a:t>                   </a:t>
+            </a:r>
+            <a:r>
+              <a:rPr lang="en-IN" sz="2000" b="1" dirty="0">
+                <a:solidFill>
+                  <a:schemeClr val="accent4">
+                    <a:lumMod val="50000"/>
+                  </a:schemeClr>
+                </a:solidFill>
+                <a:latin typeface="Liberation Mono"/>
+                <a:cs typeface="Arial" panose="020B0604020202020204" pitchFamily="34" charset="0"/>
+              </a:rPr>
+              <a:t>modifiers</a:t>
+            </a:r>
+            <a:endParaRPr lang="en-US" sz="2000" b="1" dirty="0">
+              <a:solidFill>
+                <a:schemeClr val="accent4">
+                  <a:lumMod val="50000"/>
+                </a:schemeClr>
+              </a:solidFill>
+              <a:latin typeface="Liberation Mono"/>
+              <a:cs typeface="Arial" panose="020B0604020202020204" pitchFamily="34" charset="0"/>
+            </a:endParaRPr>
+          </a:p>
+          <a:p>
+            <a:r>
+              <a:rPr lang="en-US" sz="2000" dirty="0">
+                <a:solidFill>
+                  <a:srgbClr val="0077AA"/>
+                </a:solidFill>
+                <a:latin typeface="Liberation Mono"/>
+                <a:cs typeface="Arial" panose="020B0604020202020204" pitchFamily="34" charset="0"/>
+              </a:rPr>
+              <a:t>SELECT</a:t>
+            </a:r>
+            <a:r>
+              <a:rPr lang="en-US" sz="2000" dirty="0">
+                <a:solidFill>
+                  <a:schemeClr val="tx1">
+                    <a:lumMod val="95000"/>
+                    <a:lumOff val="5000"/>
+                  </a:schemeClr>
+                </a:solidFill>
+                <a:latin typeface="Liberation Mono"/>
+                <a:cs typeface="Arial" panose="020B0604020202020204" pitchFamily="34" charset="0"/>
+              </a:rPr>
+              <a:t> [</a:t>
+            </a:r>
+            <a:r>
+              <a:rPr lang="en-US" sz="2000" u="heavy" dirty="0">
+                <a:solidFill>
+                  <a:schemeClr val="tx1">
+                    <a:lumMod val="95000"/>
+                    <a:lumOff val="5000"/>
+                  </a:schemeClr>
+                </a:solidFill>
+                <a:uFill>
+                  <a:solidFill>
+                    <a:srgbClr val="570528"/>
+                  </a:solidFill>
+                </a:uFill>
+                <a:latin typeface="Liberation Mono"/>
+                <a:cs typeface="Arial" panose="020B0604020202020204" pitchFamily="34" charset="0"/>
+              </a:rPr>
+              <a:t>ALL / DISTINCT</a:t>
+            </a:r>
+            <a:r>
+              <a:rPr lang="en-US" sz="2000" dirty="0">
+                <a:solidFill>
+                  <a:schemeClr val="tx1">
+                    <a:lumMod val="95000"/>
+                    <a:lumOff val="5000"/>
+                  </a:schemeClr>
+                </a:solidFill>
+                <a:latin typeface="Liberation Mono"/>
+                <a:cs typeface="Arial" panose="020B0604020202020204" pitchFamily="34" charset="0"/>
+              </a:rPr>
+              <a:t>] </a:t>
+            </a:r>
+            <a:r>
+              <a:rPr lang="en-US" sz="2000" dirty="0">
+                <a:solidFill>
+                  <a:srgbClr val="CAA496"/>
+                </a:solidFill>
+                <a:latin typeface="Liberation Mono"/>
+                <a:cs typeface="Arial" panose="020B0604020202020204" pitchFamily="34" charset="0"/>
+              </a:rPr>
+              <a:t>identifier</a:t>
+            </a:r>
+            <a:r>
+              <a:rPr lang="en-US" sz="2000" dirty="0">
+                <a:solidFill>
+                  <a:schemeClr val="tx1">
+                    <a:lumMod val="95000"/>
+                    <a:lumOff val="5000"/>
+                  </a:schemeClr>
+                </a:solidFill>
+                <a:latin typeface="Liberation Mono"/>
+                <a:cs typeface="Arial" panose="020B0604020202020204" pitchFamily="34" charset="0"/>
+              </a:rPr>
+              <a:t>.</a:t>
+            </a:r>
+            <a:r>
+              <a:rPr lang="en-US" sz="2000" dirty="0">
+                <a:solidFill>
+                  <a:srgbClr val="A67F59"/>
+                </a:solidFill>
+                <a:latin typeface="Liberation Mono"/>
+              </a:rPr>
+              <a:t>* </a:t>
+            </a:r>
+            <a:r>
+              <a:rPr lang="en-US" sz="2000" dirty="0">
+                <a:solidFill>
+                  <a:srgbClr val="0077AA"/>
+                </a:solidFill>
+                <a:latin typeface="Liberation Mono"/>
+                <a:cs typeface="Arial" panose="020B0604020202020204" pitchFamily="34" charset="0"/>
+              </a:rPr>
+              <a:t>EXCEPT</a:t>
+            </a:r>
+            <a:r>
+              <a:rPr lang="en-US" sz="2000" dirty="0">
+                <a:solidFill>
+                  <a:srgbClr val="A67F59"/>
+                </a:solidFill>
+                <a:latin typeface="Liberation Mono"/>
+              </a:rPr>
+              <a:t> </a:t>
+            </a:r>
+            <a:r>
+              <a:rPr lang="en-US" sz="2000" i="1" dirty="0">
+                <a:solidFill>
+                  <a:schemeClr val="tx1">
+                    <a:lumMod val="95000"/>
+                    <a:lumOff val="5000"/>
+                  </a:schemeClr>
+                </a:solidFill>
+                <a:latin typeface="Liberation Mono"/>
+                <a:cs typeface="Arial" panose="020B0604020202020204" pitchFamily="34" charset="0"/>
+              </a:rPr>
+              <a:t>(A</a:t>
+            </a:r>
+            <a:r>
+              <a:rPr lang="en-US" sz="2000" i="1" baseline="-25000" dirty="0">
+                <a:solidFill>
+                  <a:schemeClr val="tx1">
+                    <a:lumMod val="95000"/>
+                    <a:lumOff val="5000"/>
+                  </a:schemeClr>
+                </a:solidFill>
+                <a:latin typeface="Liberation Mono"/>
+                <a:cs typeface="Arial" panose="020B0604020202020204" pitchFamily="34" charset="0"/>
+              </a:rPr>
+              <a:t>1</a:t>
+            </a:r>
+            <a:r>
+              <a:rPr lang="en-US" sz="2000" i="1" dirty="0">
+                <a:solidFill>
+                  <a:schemeClr val="tx1">
+                    <a:lumMod val="95000"/>
+                    <a:lumOff val="5000"/>
+                  </a:schemeClr>
+                </a:solidFill>
+                <a:latin typeface="Liberation Mono"/>
+                <a:cs typeface="Arial" panose="020B0604020202020204" pitchFamily="34" charset="0"/>
+              </a:rPr>
+              <a:t>, A</a:t>
+            </a:r>
+            <a:r>
+              <a:rPr lang="en-US" sz="2000" i="1" baseline="-25000" dirty="0">
+                <a:solidFill>
+                  <a:schemeClr val="tx1">
+                    <a:lumMod val="95000"/>
+                    <a:lumOff val="5000"/>
+                  </a:schemeClr>
+                </a:solidFill>
+                <a:latin typeface="Liberation Mono"/>
+                <a:cs typeface="Arial" panose="020B0604020202020204" pitchFamily="34" charset="0"/>
+              </a:rPr>
+              <a:t>2</a:t>
+            </a:r>
+            <a:r>
+              <a:rPr lang="en-US" sz="2000" i="1" dirty="0">
+                <a:solidFill>
+                  <a:schemeClr val="tx1">
+                    <a:lumMod val="95000"/>
+                    <a:lumOff val="5000"/>
+                  </a:schemeClr>
+                </a:solidFill>
+                <a:latin typeface="Liberation Mono"/>
+                <a:cs typeface="Arial" panose="020B0604020202020204" pitchFamily="34" charset="0"/>
+              </a:rPr>
+              <a:t>)  </a:t>
+            </a:r>
+            <a:r>
+              <a:rPr lang="en-US" sz="2000" dirty="0">
+                <a:solidFill>
+                  <a:schemeClr val="tx1">
+                    <a:lumMod val="95000"/>
+                    <a:lumOff val="5000"/>
+                  </a:schemeClr>
+                </a:solidFill>
+                <a:latin typeface="Liberation Mono"/>
+                <a:cs typeface="Arial" panose="020B0604020202020204" pitchFamily="34" charset="0"/>
+              </a:rPr>
+              <a:t>/ </a:t>
+            </a:r>
+            <a:r>
+              <a:rPr lang="en-US" sz="2000" dirty="0">
+                <a:solidFill>
+                  <a:srgbClr val="CAA496"/>
+                </a:solidFill>
+                <a:latin typeface="Liberation Mono"/>
+                <a:cs typeface="Arial" panose="020B0604020202020204" pitchFamily="34" charset="0"/>
+              </a:rPr>
+              <a:t>identifier</a:t>
+            </a:r>
+            <a:r>
+              <a:rPr lang="en-US" sz="2000" dirty="0">
+                <a:solidFill>
+                  <a:schemeClr val="tx1">
+                    <a:lumMod val="95000"/>
+                    <a:lumOff val="5000"/>
+                  </a:schemeClr>
+                </a:solidFill>
+                <a:latin typeface="Liberation Mono"/>
+                <a:cs typeface="Arial" panose="020B0604020202020204" pitchFamily="34" charset="0"/>
+              </a:rPr>
+              <a:t>.</a:t>
+            </a:r>
+            <a:r>
+              <a:rPr lang="en-US" sz="2000" i="1" dirty="0">
+                <a:solidFill>
+                  <a:schemeClr val="tx1">
+                    <a:lumMod val="95000"/>
+                    <a:lumOff val="5000"/>
+                  </a:schemeClr>
+                </a:solidFill>
+                <a:latin typeface="Liberation Mono"/>
+                <a:cs typeface="Arial" panose="020B0604020202020204" pitchFamily="34" charset="0"/>
+              </a:rPr>
+              <a:t>A</a:t>
+            </a:r>
+            <a:r>
+              <a:rPr lang="en-US" sz="2000" baseline="-25000" dirty="0">
+                <a:solidFill>
+                  <a:schemeClr val="tx1">
+                    <a:lumMod val="95000"/>
+                    <a:lumOff val="5000"/>
+                  </a:schemeClr>
+                </a:solidFill>
+                <a:latin typeface="Liberation Mono"/>
+                <a:cs typeface="Arial" panose="020B0604020202020204" pitchFamily="34" charset="0"/>
+              </a:rPr>
+              <a:t>1</a:t>
+            </a:r>
+            <a:r>
+              <a:rPr lang="en-US" sz="2000" dirty="0">
+                <a:solidFill>
+                  <a:schemeClr val="tx1">
+                    <a:lumMod val="95000"/>
+                    <a:lumOff val="5000"/>
+                  </a:schemeClr>
+                </a:solidFill>
+                <a:latin typeface="Liberation Mono"/>
+                <a:cs typeface="Arial" panose="020B0604020202020204" pitchFamily="34" charset="0"/>
+              </a:rPr>
+              <a:t> [ [as] alias_name], </a:t>
+            </a:r>
+            <a:r>
+              <a:rPr lang="en-US" sz="2000" dirty="0">
+                <a:solidFill>
+                  <a:srgbClr val="CAA496"/>
+                </a:solidFill>
+                <a:latin typeface="Liberation Mono"/>
+                <a:cs typeface="Arial" panose="020B0604020202020204" pitchFamily="34" charset="0"/>
+              </a:rPr>
+              <a:t>identifier</a:t>
+            </a:r>
+            <a:r>
+              <a:rPr lang="en-US" sz="2000" dirty="0">
+                <a:solidFill>
+                  <a:schemeClr val="tx1">
+                    <a:lumMod val="95000"/>
+                    <a:lumOff val="5000"/>
+                  </a:schemeClr>
+                </a:solidFill>
+                <a:latin typeface="Liberation Mono"/>
+                <a:cs typeface="Arial" panose="020B0604020202020204" pitchFamily="34" charset="0"/>
+              </a:rPr>
+              <a:t>.</a:t>
+            </a:r>
+            <a:r>
+              <a:rPr lang="en-US" sz="2000" i="1" dirty="0">
+                <a:solidFill>
+                  <a:schemeClr val="tx1">
+                    <a:lumMod val="95000"/>
+                    <a:lumOff val="5000"/>
+                  </a:schemeClr>
+                </a:solidFill>
+                <a:latin typeface="Liberation Mono"/>
+                <a:cs typeface="Arial" panose="020B0604020202020204" pitchFamily="34" charset="0"/>
+              </a:rPr>
+              <a:t>A</a:t>
+            </a:r>
+            <a:r>
+              <a:rPr lang="en-US" sz="2000" baseline="-25000" dirty="0">
+                <a:solidFill>
+                  <a:schemeClr val="tx1">
+                    <a:lumMod val="95000"/>
+                    <a:lumOff val="5000"/>
+                  </a:schemeClr>
+                </a:solidFill>
+                <a:latin typeface="Liberation Mono"/>
+                <a:cs typeface="Arial" panose="020B0604020202020204" pitchFamily="34" charset="0"/>
+              </a:rPr>
+              <a:t>2</a:t>
+            </a:r>
+            <a:r>
+              <a:rPr lang="en-US" sz="2000" dirty="0">
+                <a:solidFill>
+                  <a:schemeClr val="tx1">
+                    <a:lumMod val="95000"/>
+                    <a:lumOff val="5000"/>
+                  </a:schemeClr>
+                </a:solidFill>
+                <a:latin typeface="Liberation Mono"/>
+                <a:cs typeface="Arial" panose="020B0604020202020204" pitchFamily="34" charset="0"/>
+              </a:rPr>
+              <a:t> [ [as] alias_name], expression1 [ [as] alias_name], expression2 [ [as] alias_name] </a:t>
+            </a:r>
+            <a:r>
+              <a:rPr lang="en-US" sz="2000" dirty="0">
+                <a:solidFill>
+                  <a:schemeClr val="bg1">
+                    <a:lumMod val="50000"/>
+                  </a:schemeClr>
+                </a:solidFill>
+                <a:latin typeface="Liberation Mono"/>
+                <a:cs typeface="Arial" panose="020B0604020202020204" pitchFamily="34" charset="0"/>
+              </a:rPr>
+              <a:t>. . .</a:t>
+            </a:r>
+            <a:r>
+              <a:rPr lang="en-US" sz="2000" dirty="0">
+                <a:solidFill>
+                  <a:schemeClr val="tx1">
+                    <a:lumMod val="95000"/>
+                    <a:lumOff val="5000"/>
+                  </a:schemeClr>
+                </a:solidFill>
+                <a:latin typeface="Liberation Mono"/>
+                <a:cs typeface="Arial" panose="020B0604020202020204" pitchFamily="34" charset="0"/>
+              </a:rPr>
+              <a:t> </a:t>
+            </a:r>
+          </a:p>
+          <a:p>
+            <a:endParaRPr lang="en-US" sz="800" dirty="0">
+              <a:solidFill>
+                <a:schemeClr val="tx1">
+                  <a:lumMod val="95000"/>
+                  <a:lumOff val="5000"/>
+                </a:schemeClr>
+              </a:solidFill>
+              <a:latin typeface="Liberation Mono"/>
+              <a:cs typeface="Arial" panose="020B0604020202020204" pitchFamily="34" charset="0"/>
+            </a:endParaRPr>
+          </a:p>
+          <a:p>
+            <a:r>
+              <a:rPr lang="en-US" sz="2000" dirty="0">
+                <a:solidFill>
+                  <a:schemeClr val="tx1">
+                    <a:lumMod val="95000"/>
+                    <a:lumOff val="5000"/>
+                  </a:schemeClr>
+                </a:solidFill>
+                <a:latin typeface="Liberation Mono"/>
+                <a:cs typeface="Arial" panose="020B0604020202020204" pitchFamily="34" charset="0"/>
+              </a:rPr>
+              <a:t> [ </a:t>
+            </a:r>
+            <a:r>
+              <a:rPr lang="en-US" sz="2000" dirty="0">
+                <a:solidFill>
+                  <a:srgbClr val="0077AA"/>
+                </a:solidFill>
+                <a:latin typeface="Liberation Mono"/>
+                <a:cs typeface="Arial" panose="020B0604020202020204" pitchFamily="34" charset="0"/>
+              </a:rPr>
+              <a:t>FROM</a:t>
+            </a:r>
+            <a:r>
+              <a:rPr lang="en-US" sz="2000" dirty="0">
+                <a:solidFill>
+                  <a:schemeClr val="tx1">
+                    <a:lumMod val="95000"/>
+                    <a:lumOff val="5000"/>
+                  </a:schemeClr>
+                </a:solidFill>
+                <a:latin typeface="Liberation Mono"/>
+                <a:cs typeface="Arial" panose="020B0604020202020204" pitchFamily="34" charset="0"/>
+              </a:rPr>
+              <a:t> &lt;</a:t>
+            </a:r>
+            <a:r>
+              <a:rPr lang="en-US" sz="2000" dirty="0">
+                <a:solidFill>
+                  <a:srgbClr val="CAA496"/>
+                </a:solidFill>
+                <a:latin typeface="Liberation Mono"/>
+                <a:cs typeface="Arial" panose="020B0604020202020204" pitchFamily="34" charset="0"/>
+              </a:rPr>
+              <a:t>identifier</a:t>
+            </a:r>
+            <a:r>
+              <a:rPr lang="en-US" sz="2000" dirty="0">
+                <a:solidFill>
+                  <a:schemeClr val="tx1">
+                    <a:lumMod val="95000"/>
+                    <a:lumOff val="5000"/>
+                  </a:schemeClr>
+                </a:solidFill>
+                <a:latin typeface="Liberation Mono"/>
+                <a:cs typeface="Arial" panose="020B0604020202020204" pitchFamily="34" charset="0"/>
+              </a:rPr>
+              <a:t>.</a:t>
+            </a:r>
+            <a:r>
+              <a:rPr lang="en-US" sz="2000" i="1" dirty="0">
+                <a:solidFill>
+                  <a:schemeClr val="tx1">
+                    <a:lumMod val="95000"/>
+                    <a:lumOff val="5000"/>
+                  </a:schemeClr>
+                </a:solidFill>
+                <a:latin typeface="Liberation Mono"/>
+                <a:cs typeface="Arial" panose="020B0604020202020204" pitchFamily="34" charset="0"/>
+              </a:rPr>
+              <a:t>r</a:t>
+            </a:r>
+            <a:r>
+              <a:rPr lang="en-US" sz="2000" baseline="-25000" dirty="0">
+                <a:solidFill>
+                  <a:schemeClr val="tx1">
+                    <a:lumMod val="95000"/>
+                    <a:lumOff val="5000"/>
+                  </a:schemeClr>
+                </a:solidFill>
+                <a:latin typeface="Liberation Mono"/>
+                <a:cs typeface="Arial" panose="020B0604020202020204" pitchFamily="34" charset="0"/>
+              </a:rPr>
+              <a:t>1</a:t>
+            </a:r>
+            <a:r>
+              <a:rPr lang="en-US" sz="2000" dirty="0">
+                <a:solidFill>
+                  <a:schemeClr val="tx1">
+                    <a:lumMod val="95000"/>
+                    <a:lumOff val="5000"/>
+                  </a:schemeClr>
+                </a:solidFill>
+                <a:latin typeface="Liberation Mono"/>
+                <a:cs typeface="Arial" panose="020B0604020202020204" pitchFamily="34" charset="0"/>
+              </a:rPr>
+              <a:t>&gt; [as] alias_name], &lt;</a:t>
+            </a:r>
+            <a:r>
+              <a:rPr lang="en-US" sz="2000" dirty="0">
+                <a:solidFill>
+                  <a:srgbClr val="CAA496"/>
+                </a:solidFill>
+                <a:latin typeface="Liberation Mono"/>
+                <a:cs typeface="Arial" panose="020B0604020202020204" pitchFamily="34" charset="0"/>
+              </a:rPr>
+              <a:t>identifier</a:t>
+            </a:r>
+            <a:r>
+              <a:rPr lang="en-US" sz="2000" dirty="0">
+                <a:solidFill>
+                  <a:schemeClr val="tx1">
+                    <a:lumMod val="95000"/>
+                    <a:lumOff val="5000"/>
+                  </a:schemeClr>
+                </a:solidFill>
+                <a:latin typeface="Liberation Mono"/>
+                <a:cs typeface="Arial" panose="020B0604020202020204" pitchFamily="34" charset="0"/>
+              </a:rPr>
+              <a:t>.</a:t>
+            </a:r>
+            <a:r>
+              <a:rPr lang="en-US" sz="2000" i="1" dirty="0">
+                <a:solidFill>
+                  <a:schemeClr val="tx1">
+                    <a:lumMod val="95000"/>
+                    <a:lumOff val="5000"/>
+                  </a:schemeClr>
+                </a:solidFill>
+                <a:latin typeface="Liberation Mono"/>
+                <a:cs typeface="Arial" panose="020B0604020202020204" pitchFamily="34" charset="0"/>
+              </a:rPr>
+              <a:t>r</a:t>
+            </a:r>
+            <a:r>
+              <a:rPr lang="en-US" sz="2000" baseline="-25000" dirty="0">
+                <a:solidFill>
+                  <a:schemeClr val="tx1">
+                    <a:lumMod val="95000"/>
+                    <a:lumOff val="5000"/>
+                  </a:schemeClr>
+                </a:solidFill>
+                <a:latin typeface="Liberation Mono"/>
+                <a:cs typeface="Arial" panose="020B0604020202020204" pitchFamily="34" charset="0"/>
+              </a:rPr>
+              <a:t>2</a:t>
+            </a:r>
+            <a:r>
+              <a:rPr lang="en-US" sz="2000" dirty="0">
+                <a:solidFill>
+                  <a:schemeClr val="tx1">
+                    <a:lumMod val="95000"/>
+                    <a:lumOff val="5000"/>
+                  </a:schemeClr>
+                </a:solidFill>
+                <a:latin typeface="Liberation Mono"/>
+                <a:cs typeface="Arial" panose="020B0604020202020204" pitchFamily="34" charset="0"/>
+              </a:rPr>
+              <a:t>&gt; [as] alias_name], </a:t>
+            </a:r>
+            <a:r>
+              <a:rPr lang="en-US" sz="2000" dirty="0">
+                <a:solidFill>
+                  <a:schemeClr val="bg1">
+                    <a:lumMod val="50000"/>
+                  </a:schemeClr>
+                </a:solidFill>
+                <a:latin typeface="Liberation Mono"/>
+                <a:cs typeface="Arial" panose="020B0604020202020204" pitchFamily="34" charset="0"/>
+              </a:rPr>
+              <a:t>. . .</a:t>
+            </a:r>
+            <a:r>
+              <a:rPr lang="en-US" sz="2000" dirty="0">
+                <a:solidFill>
+                  <a:schemeClr val="tx1">
+                    <a:lumMod val="95000"/>
+                    <a:lumOff val="5000"/>
+                  </a:schemeClr>
+                </a:solidFill>
+                <a:latin typeface="Liberation Mono"/>
+                <a:cs typeface="Arial" panose="020B0604020202020204" pitchFamily="34" charset="0"/>
+              </a:rPr>
+              <a:t> ]</a:t>
+            </a:r>
+          </a:p>
+          <a:p>
+            <a:pPr>
+              <a:lnSpc>
+                <a:spcPct val="150000"/>
+              </a:lnSpc>
+            </a:pPr>
+            <a:r>
+              <a:rPr lang="en-US" sz="2000" dirty="0">
+                <a:solidFill>
+                  <a:schemeClr val="tx1">
+                    <a:lumMod val="95000"/>
+                    <a:lumOff val="5000"/>
+                  </a:schemeClr>
+                </a:solidFill>
+                <a:latin typeface="Liberation Mono"/>
+                <a:cs typeface="Arial" panose="020B0604020202020204" pitchFamily="34" charset="0"/>
+              </a:rPr>
+              <a:t> [ </a:t>
+            </a:r>
+            <a:r>
+              <a:rPr lang="en-US" sz="2000" dirty="0">
+                <a:solidFill>
+                  <a:srgbClr val="0077AA"/>
+                </a:solidFill>
+                <a:latin typeface="Liberation Mono"/>
+                <a:cs typeface="Arial" panose="020B0604020202020204" pitchFamily="34" charset="0"/>
+              </a:rPr>
+              <a:t>FETCH</a:t>
+            </a:r>
+            <a:r>
+              <a:rPr lang="en-US" sz="2000" dirty="0">
+                <a:solidFill>
+                  <a:schemeClr val="tx1">
+                    <a:lumMod val="95000"/>
+                    <a:lumOff val="5000"/>
+                  </a:schemeClr>
+                </a:solidFill>
+                <a:latin typeface="Liberation Mono"/>
+                <a:cs typeface="Arial" panose="020B0604020202020204" pitchFamily="34" charset="0"/>
+              </a:rPr>
+              <a:t> </a:t>
+            </a:r>
+            <a:r>
+              <a:rPr lang="en-US" sz="2000" dirty="0">
+                <a:solidFill>
+                  <a:srgbClr val="0077AA"/>
+                </a:solidFill>
+                <a:latin typeface="Liberation Mono"/>
+                <a:cs typeface="Arial" panose="020B0604020202020204" pitchFamily="34" charset="0"/>
+              </a:rPr>
+              <a:t>FIRST </a:t>
+            </a:r>
+            <a:r>
+              <a:rPr lang="en-US" sz="2000" dirty="0">
+                <a:solidFill>
+                  <a:schemeClr val="tx1">
+                    <a:lumMod val="95000"/>
+                    <a:lumOff val="5000"/>
+                  </a:schemeClr>
+                </a:solidFill>
+                <a:latin typeface="Liberation Mono"/>
+                <a:cs typeface="Arial" panose="020B0604020202020204" pitchFamily="34" charset="0"/>
+              </a:rPr>
+              <a:t>expression { ROW | ROWS } { ONLY | WITH TIES } ]</a:t>
             </a:r>
           </a:p>
         </p:txBody>
@@ -44811,10 +45877,495 @@
           </a:p>
         </p:txBody>
       </p:sp>
+      <p:sp>
+        <p:nvSpPr>
+          <p:cNvPr id="3" name="TextBox 2">
+            <a:extLst>
+              <a:ext uri="{FF2B5EF4-FFF2-40B4-BE49-F238E27FC236}">
+                <a16:creationId xmlns:a16="http://schemas.microsoft.com/office/drawing/2014/main" id="{48DC216C-B5BE-3B13-C889-14A1D18AE322}"/>
+              </a:ext>
+            </a:extLst>
+          </p:cNvPr>
+          <p:cNvSpPr txBox="1"/>
+          <p:nvPr/>
+        </p:nvSpPr>
+        <p:spPr>
+          <a:xfrm>
+            <a:off x="262558" y="2878485"/>
+            <a:ext cx="11526016" cy="1107996"/>
+          </a:xfrm>
+          <a:prstGeom prst="rect">
+            <a:avLst/>
+          </a:prstGeom>
+          <a:noFill/>
+        </p:spPr>
+        <p:txBody>
+          <a:bodyPr wrap="square">
+            <a:spAutoFit/>
+          </a:bodyPr>
+          <a:lstStyle/>
+          <a:p>
+            <a:pPr marL="285750" indent="-285750">
+              <a:buFont typeface="Arial" panose="020B0604020202020204" pitchFamily="34" charset="0"/>
+              <a:buChar char="•"/>
+            </a:pPr>
+            <a:r>
+              <a:rPr lang="en-US" dirty="0">
+                <a:solidFill>
+                  <a:srgbClr val="0077AA"/>
+                </a:solidFill>
+                <a:latin typeface="Liberation Mono"/>
+                <a:cs typeface="Arial" panose="020B0604020202020204" pitchFamily="34" charset="0"/>
+              </a:rPr>
+              <a:t>SELECT</a:t>
+            </a:r>
+            <a:r>
+              <a:rPr lang="en-US" dirty="0">
+                <a:latin typeface="Liberation Mono"/>
+                <a:cs typeface="Arial" panose="020B0604020202020204" pitchFamily="34" charset="0"/>
+              </a:rPr>
+              <a:t> </a:t>
+            </a:r>
+            <a:r>
+              <a:rPr lang="en-US" dirty="0">
+                <a:solidFill>
+                  <a:srgbClr val="A67F59"/>
+                </a:solidFill>
+                <a:latin typeface="Liberation Mono"/>
+              </a:rPr>
+              <a:t>*</a:t>
+            </a:r>
+            <a:r>
+              <a:rPr lang="en-US" dirty="0">
+                <a:latin typeface="Liberation Mono"/>
+                <a:cs typeface="Arial" panose="020B0604020202020204" pitchFamily="34" charset="0"/>
+              </a:rPr>
+              <a:t> </a:t>
+            </a:r>
+            <a:r>
+              <a:rPr lang="en-US" dirty="0">
+                <a:solidFill>
+                  <a:srgbClr val="0077AA"/>
+                </a:solidFill>
+                <a:latin typeface="Liberation Mono"/>
+                <a:cs typeface="Arial" panose="020B0604020202020204" pitchFamily="34" charset="0"/>
+              </a:rPr>
+              <a:t>FROM</a:t>
+            </a:r>
+            <a:r>
+              <a:rPr lang="en-US" dirty="0">
+                <a:latin typeface="Liberation Mono"/>
+                <a:cs typeface="Arial" panose="020B0604020202020204" pitchFamily="34" charset="0"/>
+              </a:rPr>
+              <a:t> emp </a:t>
+            </a:r>
+            <a:r>
+              <a:rPr lang="en-US" dirty="0">
+                <a:solidFill>
+                  <a:srgbClr val="0077AA"/>
+                </a:solidFill>
+                <a:latin typeface="Liberation Mono"/>
+                <a:cs typeface="Arial" panose="020B0604020202020204" pitchFamily="34" charset="0"/>
+              </a:rPr>
+              <a:t>ORDER</a:t>
+            </a:r>
+            <a:r>
+              <a:rPr lang="en-US" dirty="0">
+                <a:latin typeface="Liberation Mono"/>
+                <a:cs typeface="Arial" panose="020B0604020202020204" pitchFamily="34" charset="0"/>
+              </a:rPr>
+              <a:t> </a:t>
+            </a:r>
+            <a:r>
+              <a:rPr lang="en-US" dirty="0">
+                <a:solidFill>
+                  <a:srgbClr val="0077AA"/>
+                </a:solidFill>
+                <a:latin typeface="Liberation Mono"/>
+                <a:cs typeface="Arial" panose="020B0604020202020204" pitchFamily="34" charset="0"/>
+              </a:rPr>
+              <a:t>BY</a:t>
+            </a:r>
+            <a:r>
+              <a:rPr lang="en-US" dirty="0">
+                <a:latin typeface="Liberation Mono"/>
+                <a:cs typeface="Arial" panose="020B0604020202020204" pitchFamily="34" charset="0"/>
+              </a:rPr>
+              <a:t> job </a:t>
+            </a:r>
+            <a:r>
+              <a:rPr lang="en-US" dirty="0">
+                <a:solidFill>
+                  <a:srgbClr val="0077AA"/>
+                </a:solidFill>
+                <a:latin typeface="Liberation Mono"/>
+                <a:cs typeface="Arial" panose="020B0604020202020204" pitchFamily="34" charset="0"/>
+              </a:rPr>
+              <a:t>FETCH</a:t>
+            </a:r>
+            <a:r>
+              <a:rPr lang="en-US" dirty="0">
+                <a:latin typeface="Liberation Mono"/>
+                <a:cs typeface="Arial" panose="020B0604020202020204" pitchFamily="34" charset="0"/>
+              </a:rPr>
+              <a:t> </a:t>
+            </a:r>
+            <a:r>
+              <a:rPr lang="en-US" dirty="0">
+                <a:solidFill>
+                  <a:srgbClr val="0077AA"/>
+                </a:solidFill>
+                <a:latin typeface="Liberation Mono"/>
+                <a:cs typeface="Arial" panose="020B0604020202020204" pitchFamily="34" charset="0"/>
+              </a:rPr>
+              <a:t>FIRST</a:t>
+            </a:r>
+            <a:r>
+              <a:rPr lang="en-US" dirty="0">
+                <a:latin typeface="Liberation Mono"/>
+                <a:cs typeface="Arial" panose="020B0604020202020204" pitchFamily="34" charset="0"/>
+              </a:rPr>
+              <a:t> </a:t>
+            </a:r>
+            <a:r>
+              <a:rPr lang="en-US" dirty="0">
+                <a:solidFill>
+                  <a:srgbClr val="990055"/>
+                </a:solidFill>
+                <a:latin typeface="Liberation Mono"/>
+              </a:rPr>
+              <a:t>4</a:t>
+            </a:r>
+            <a:r>
+              <a:rPr lang="en-US" dirty="0">
+                <a:latin typeface="Liberation Mono"/>
+                <a:cs typeface="Arial" panose="020B0604020202020204" pitchFamily="34" charset="0"/>
+              </a:rPr>
+              <a:t> </a:t>
+            </a:r>
+            <a:r>
+              <a:rPr lang="en-US" dirty="0">
+                <a:solidFill>
+                  <a:srgbClr val="0077AA"/>
+                </a:solidFill>
+                <a:latin typeface="Liberation Mono"/>
+                <a:cs typeface="Arial" panose="020B0604020202020204" pitchFamily="34" charset="0"/>
+              </a:rPr>
+              <a:t>ROWS</a:t>
+            </a:r>
+            <a:r>
+              <a:rPr lang="en-US" dirty="0">
+                <a:latin typeface="Liberation Mono"/>
+                <a:cs typeface="Arial" panose="020B0604020202020204" pitchFamily="34" charset="0"/>
+              </a:rPr>
+              <a:t> </a:t>
+            </a:r>
+            <a:r>
+              <a:rPr lang="en-US" dirty="0">
+                <a:solidFill>
+                  <a:srgbClr val="0077AA"/>
+                </a:solidFill>
+                <a:latin typeface="Liberation Mono"/>
+                <a:cs typeface="Arial" panose="020B0604020202020204" pitchFamily="34" charset="0"/>
+              </a:rPr>
+              <a:t>WITH</a:t>
+            </a:r>
+            <a:r>
+              <a:rPr lang="en-US" dirty="0">
+                <a:latin typeface="Liberation Mono"/>
+                <a:cs typeface="Arial" panose="020B0604020202020204" pitchFamily="34" charset="0"/>
+              </a:rPr>
+              <a:t> </a:t>
+            </a:r>
+            <a:r>
+              <a:rPr lang="en-US" dirty="0">
+                <a:solidFill>
+                  <a:srgbClr val="0077AA"/>
+                </a:solidFill>
+                <a:latin typeface="Liberation Mono"/>
+                <a:cs typeface="Arial" panose="020B0604020202020204" pitchFamily="34" charset="0"/>
+              </a:rPr>
+              <a:t>TIES</a:t>
+            </a:r>
+            <a:r>
+              <a:rPr lang="en-US" dirty="0">
+                <a:latin typeface="Liberation Mono"/>
+                <a:cs typeface="Arial" panose="020B0604020202020204" pitchFamily="34" charset="0"/>
+              </a:rPr>
+              <a:t>; </a:t>
+            </a:r>
+            <a:r>
+              <a:rPr lang="en-US" dirty="0">
+                <a:solidFill>
+                  <a:srgbClr val="39AE0A"/>
+                </a:solidFill>
+                <a:latin typeface="Liberation Mono"/>
+                <a:cs typeface="Arial" panose="020B0604020202020204" pitchFamily="34" charset="0"/>
+              </a:rPr>
+              <a:t>// with duplicates</a:t>
+            </a:r>
+          </a:p>
+          <a:p>
+            <a:pPr marL="285750" indent="-285750">
+              <a:buFont typeface="Arial" panose="020B0604020202020204" pitchFamily="34" charset="0"/>
+              <a:buChar char="•"/>
+            </a:pPr>
+            <a:endParaRPr lang="en-US" sz="600" dirty="0">
+              <a:solidFill>
+                <a:srgbClr val="39AE0A"/>
+              </a:solidFill>
+              <a:latin typeface="Liberation Mono"/>
+              <a:cs typeface="Arial" panose="020B0604020202020204" pitchFamily="34" charset="0"/>
+            </a:endParaRPr>
+          </a:p>
+          <a:p>
+            <a:pPr marL="285750" indent="-285750">
+              <a:buFont typeface="Arial" panose="020B0604020202020204" pitchFamily="34" charset="0"/>
+              <a:buChar char="•"/>
+            </a:pPr>
+            <a:r>
+              <a:rPr lang="en-US" dirty="0">
+                <a:solidFill>
+                  <a:srgbClr val="0077AA"/>
+                </a:solidFill>
+                <a:latin typeface="Liberation Mono"/>
+                <a:cs typeface="Arial" panose="020B0604020202020204" pitchFamily="34" charset="0"/>
+              </a:rPr>
+              <a:t>SET</a:t>
+            </a:r>
+            <a:r>
+              <a:rPr lang="en-US" dirty="0">
+                <a:latin typeface="Liberation Mono"/>
+              </a:rPr>
+              <a:t> @X = </a:t>
+            </a:r>
+            <a:r>
+              <a:rPr lang="en-US" dirty="0">
+                <a:solidFill>
+                  <a:srgbClr val="990055"/>
+                </a:solidFill>
+                <a:latin typeface="Liberation Mono"/>
+              </a:rPr>
+              <a:t>4</a:t>
+            </a:r>
+            <a:r>
+              <a:rPr lang="en-US" dirty="0">
+                <a:latin typeface="Liberation Mono"/>
+              </a:rPr>
+              <a:t>;</a:t>
+            </a:r>
+          </a:p>
+          <a:p>
+            <a:pPr marL="285750" indent="-285750">
+              <a:buFont typeface="Arial" panose="020B0604020202020204" pitchFamily="34" charset="0"/>
+              <a:buChar char="•"/>
+            </a:pPr>
+            <a:endParaRPr lang="en-US" sz="600" dirty="0">
+              <a:latin typeface="Liberation Mono"/>
+            </a:endParaRPr>
+          </a:p>
+          <a:p>
+            <a:pPr marL="285750" indent="-285750">
+              <a:buFont typeface="Arial" panose="020B0604020202020204" pitchFamily="34" charset="0"/>
+              <a:buChar char="•"/>
+            </a:pPr>
+            <a:r>
+              <a:rPr lang="en-US" dirty="0">
+                <a:solidFill>
+                  <a:srgbClr val="0077AA"/>
+                </a:solidFill>
+                <a:latin typeface="Liberation Mono"/>
+                <a:cs typeface="Arial" panose="020B0604020202020204" pitchFamily="34" charset="0"/>
+              </a:rPr>
+              <a:t>SELECT</a:t>
+            </a:r>
+            <a:r>
+              <a:rPr lang="en-US" dirty="0">
+                <a:latin typeface="Liberation Mono"/>
+              </a:rPr>
+              <a:t> </a:t>
+            </a:r>
+            <a:r>
+              <a:rPr lang="en-US" dirty="0">
+                <a:solidFill>
+                  <a:srgbClr val="A67F59"/>
+                </a:solidFill>
+                <a:latin typeface="Liberation Mono"/>
+              </a:rPr>
+              <a:t>*</a:t>
+            </a:r>
+            <a:r>
+              <a:rPr lang="en-US" dirty="0">
+                <a:latin typeface="Liberation Mono"/>
+              </a:rPr>
+              <a:t> </a:t>
+            </a:r>
+            <a:r>
+              <a:rPr lang="en-US" dirty="0">
+                <a:solidFill>
+                  <a:srgbClr val="0077AA"/>
+                </a:solidFill>
+                <a:latin typeface="Liberation Mono"/>
+                <a:cs typeface="Arial" panose="020B0604020202020204" pitchFamily="34" charset="0"/>
+              </a:rPr>
+              <a:t>EXCEPT</a:t>
+            </a:r>
+            <a:r>
+              <a:rPr lang="en-US" dirty="0">
+                <a:latin typeface="Liberation Mono"/>
+              </a:rPr>
+              <a:t>(`user name`, </a:t>
+            </a:r>
+            <a:r>
+              <a:rPr lang="en-US" dirty="0" err="1">
+                <a:latin typeface="Liberation Mono"/>
+              </a:rPr>
+              <a:t>pwd</a:t>
+            </a:r>
+            <a:r>
+              <a:rPr lang="en-US" dirty="0">
+                <a:latin typeface="Liberation Mono"/>
+              </a:rPr>
+              <a:t>) </a:t>
+            </a:r>
+            <a:r>
+              <a:rPr lang="en-US" dirty="0">
+                <a:solidFill>
+                  <a:srgbClr val="0077AA"/>
+                </a:solidFill>
+                <a:latin typeface="Liberation Mono"/>
+                <a:cs typeface="Arial" panose="020B0604020202020204" pitchFamily="34" charset="0"/>
+              </a:rPr>
+              <a:t>FROM</a:t>
+            </a:r>
+            <a:r>
+              <a:rPr lang="en-US" dirty="0">
+                <a:latin typeface="Liberation Mono"/>
+              </a:rPr>
+              <a:t> emp </a:t>
+            </a:r>
+            <a:r>
+              <a:rPr lang="en-US" dirty="0">
+                <a:solidFill>
+                  <a:srgbClr val="0077AA"/>
+                </a:solidFill>
+                <a:latin typeface="Liberation Mono"/>
+                <a:cs typeface="Arial" panose="020B0604020202020204" pitchFamily="34" charset="0"/>
+              </a:rPr>
+              <a:t>ORDER</a:t>
+            </a:r>
+            <a:r>
+              <a:rPr lang="en-US" dirty="0">
+                <a:latin typeface="Liberation Mono"/>
+              </a:rPr>
+              <a:t> </a:t>
+            </a:r>
+            <a:r>
+              <a:rPr lang="en-US" dirty="0">
+                <a:solidFill>
+                  <a:srgbClr val="0077AA"/>
+                </a:solidFill>
+                <a:latin typeface="Liberation Mono"/>
+                <a:cs typeface="Arial" panose="020B0604020202020204" pitchFamily="34" charset="0"/>
+              </a:rPr>
+              <a:t>BY</a:t>
+            </a:r>
+            <a:r>
+              <a:rPr lang="en-US" dirty="0">
+                <a:latin typeface="Liberation Mono"/>
+              </a:rPr>
+              <a:t> job </a:t>
+            </a:r>
+            <a:r>
+              <a:rPr lang="en-US" dirty="0">
+                <a:solidFill>
+                  <a:srgbClr val="0077AA"/>
+                </a:solidFill>
+                <a:latin typeface="Liberation Mono"/>
+                <a:cs typeface="Arial" panose="020B0604020202020204" pitchFamily="34" charset="0"/>
+              </a:rPr>
+              <a:t>FETCH</a:t>
+            </a:r>
+            <a:r>
+              <a:rPr lang="en-US" dirty="0">
+                <a:latin typeface="Liberation Mono"/>
+              </a:rPr>
+              <a:t> </a:t>
+            </a:r>
+            <a:r>
+              <a:rPr lang="en-US" dirty="0">
+                <a:solidFill>
+                  <a:srgbClr val="0077AA"/>
+                </a:solidFill>
+                <a:latin typeface="Liberation Mono"/>
+                <a:cs typeface="Arial" panose="020B0604020202020204" pitchFamily="34" charset="0"/>
+              </a:rPr>
+              <a:t>FIRST</a:t>
+            </a:r>
+            <a:r>
+              <a:rPr lang="en-US" dirty="0">
+                <a:latin typeface="Liberation Mono"/>
+              </a:rPr>
+              <a:t> @X </a:t>
+            </a:r>
+            <a:r>
+              <a:rPr lang="en-US" dirty="0">
+                <a:solidFill>
+                  <a:srgbClr val="0077AA"/>
+                </a:solidFill>
+                <a:latin typeface="Liberation Mono"/>
+                <a:cs typeface="Arial" panose="020B0604020202020204" pitchFamily="34" charset="0"/>
+              </a:rPr>
+              <a:t>ROWS</a:t>
+            </a:r>
+            <a:r>
+              <a:rPr lang="en-US" dirty="0">
+                <a:latin typeface="Liberation Mono"/>
+              </a:rPr>
+              <a:t> </a:t>
+            </a:r>
+            <a:r>
+              <a:rPr lang="en-US" dirty="0">
+                <a:solidFill>
+                  <a:srgbClr val="0077AA"/>
+                </a:solidFill>
+                <a:latin typeface="Liberation Mono"/>
+                <a:cs typeface="Arial" panose="020B0604020202020204" pitchFamily="34" charset="0"/>
+              </a:rPr>
+              <a:t>WITH</a:t>
+            </a:r>
+            <a:r>
+              <a:rPr lang="en-US" dirty="0">
+                <a:latin typeface="Liberation Mono"/>
+              </a:rPr>
+              <a:t> </a:t>
+            </a:r>
+            <a:r>
+              <a:rPr lang="en-US" dirty="0">
+                <a:solidFill>
+                  <a:srgbClr val="0077AA"/>
+                </a:solidFill>
+                <a:latin typeface="Liberation Mono"/>
+                <a:cs typeface="Arial" panose="020B0604020202020204" pitchFamily="34" charset="0"/>
+              </a:rPr>
+              <a:t>TIES</a:t>
+            </a:r>
+            <a:r>
+              <a:rPr lang="en-US" dirty="0">
+                <a:latin typeface="Liberation Mono"/>
+              </a:rPr>
+              <a:t>;</a:t>
+            </a:r>
+            <a:endParaRPr lang="en-IN" dirty="0">
+              <a:latin typeface="Liberation Mono"/>
+            </a:endParaRPr>
+          </a:p>
+        </p:txBody>
+      </p:sp>
     </p:spTree>
     <p:extLst>
       <p:ext uri="{BB962C8B-B14F-4D97-AF65-F5344CB8AC3E}">
-        <p14:creationId xmlns:p14="http://schemas.microsoft.com/office/powerpoint/2010/main" val="2525515652"/>
+        <p14:creationId xmlns:p14="http://schemas.microsoft.com/office/powerpoint/2010/main" val="3131046414"/>
       </p:ext>
     </p:extLst>
   </p:cSld>
@@ -44824,7 +46375,2504 @@
 </p:sld>
 </file>
 
-<file path=ppt/slides/slide67.xml><?xml version="1.0" encoding="utf-8"?>
+<file path=ppt/slides/slide68.xml><?xml version="1.0" encoding="utf-8"?>
+<p:sld xmlns:a="http://schemas.openxmlformats.org/drawingml/2006/main" xmlns:r="http://schemas.openxmlformats.org/officeDocument/2006/relationships" xmlns:p="http://schemas.openxmlformats.org/presentationml/2006/main">
+  <p:cSld>
+    <p:spTree>
+      <p:nvGrpSpPr>
+        <p:cNvPr id="1" name=""/>
+        <p:cNvGrpSpPr/>
+        <p:nvPr/>
+      </p:nvGrpSpPr>
+      <p:grpSpPr>
+        <a:xfrm>
+          <a:off x="0" y="0"/>
+          <a:ext cx="0" cy="0"/>
+          <a:chOff x="0" y="0"/>
+          <a:chExt cx="0" cy="0"/>
+        </a:xfrm>
+      </p:grpSpPr>
+      <p:pic>
+        <p:nvPicPr>
+          <p:cNvPr id="1026" name="Picture 2" descr="mysql limit offset"/>
+          <p:cNvPicPr>
+            <a:picLocks noChangeAspect="1" noChangeArrowheads="1"/>
+          </p:cNvPicPr>
+          <p:nvPr/>
+        </p:nvPicPr>
+        <p:blipFill>
+          <a:blip r:embed="rId2" cstate="print">
+            <a:extLst>
+              <a:ext uri="{28A0092B-C50C-407E-A947-70E740481C1C}">
+                <a14:useLocalDpi xmlns:a14="http://schemas.microsoft.com/office/drawing/2010/main" val="0"/>
+              </a:ext>
+            </a:extLst>
+          </a:blip>
+          <a:srcRect/>
+          <a:stretch>
+            <a:fillRect/>
+          </a:stretch>
+        </p:blipFill>
+        <p:spPr bwMode="auto">
+          <a:xfrm>
+            <a:off x="191344" y="149954"/>
+            <a:ext cx="4012149" cy="2702982"/>
+          </a:xfrm>
+          <a:prstGeom prst="rect">
+            <a:avLst/>
+          </a:prstGeom>
+          <a:noFill/>
+          <a:extLst>
+            <a:ext uri="{909E8E84-426E-40DD-AFC4-6F175D3DCCD1}">
+              <a14:hiddenFill xmlns:a14="http://schemas.microsoft.com/office/drawing/2010/main">
+                <a:solidFill>
+                  <a:srgbClr val="FFFFFF"/>
+                </a:solidFill>
+              </a14:hiddenFill>
+            </a:ext>
+          </a:extLst>
+        </p:spPr>
+      </p:pic>
+      <p:sp>
+        <p:nvSpPr>
+          <p:cNvPr id="2" name="Title 1"/>
+          <p:cNvSpPr txBox="1">
+            <a:spLocks/>
+          </p:cNvSpPr>
+          <p:nvPr/>
+        </p:nvSpPr>
+        <p:spPr>
+          <a:xfrm>
+            <a:off x="1676977" y="2286000"/>
+            <a:ext cx="8838049" cy="914400"/>
+          </a:xfrm>
+          <a:prstGeom prst="rect">
+            <a:avLst/>
+          </a:prstGeom>
+        </p:spPr>
+        <p:txBody>
+          <a:bodyPr>
+            <a:normAutofit/>
+          </a:bodyPr>
+          <a:lstStyle/>
+          <a:p>
+            <a:pPr lvl="0" algn="ctr">
+              <a:spcBef>
+                <a:spcPct val="0"/>
+              </a:spcBef>
+              <a:defRPr/>
+            </a:pPr>
+            <a:r>
+              <a:rPr lang="en-US" sz="4800" dirty="0">
+                <a:solidFill>
+                  <a:srgbClr val="DC525C"/>
+                </a:solidFill>
+                <a:latin typeface="Segoe UI Light" panose="020B0502040204020203" pitchFamily="34" charset="0"/>
+                <a:cs typeface="Segoe UI Light" panose="020B0502040204020203" pitchFamily="34" charset="0"/>
+              </a:rPr>
+              <a:t>offset </a:t>
+            </a:r>
+            <a:r>
+              <a:rPr lang="en-US" sz="4800" i="1" dirty="0">
+                <a:solidFill>
+                  <a:srgbClr val="DC525C"/>
+                </a:solidFill>
+                <a:latin typeface="Segoe UI Light" panose="020B0502040204020203" pitchFamily="34" charset="0"/>
+                <a:cs typeface="Segoe UI Light" panose="020B0502040204020203" pitchFamily="34" charset="0"/>
+              </a:rPr>
+              <a:t>n</a:t>
+            </a:r>
+            <a:r>
+              <a:rPr lang="en-US" sz="4800" dirty="0">
+                <a:solidFill>
+                  <a:srgbClr val="DC525C"/>
+                </a:solidFill>
+                <a:latin typeface="Segoe UI Light" panose="020B0502040204020203" pitchFamily="34" charset="0"/>
+                <a:cs typeface="Segoe UI Light" panose="020B0502040204020203" pitchFamily="34" charset="0"/>
+              </a:rPr>
+              <a:t> rows</a:t>
+            </a:r>
+          </a:p>
+        </p:txBody>
+      </p:sp>
+      <p:sp>
+        <p:nvSpPr>
+          <p:cNvPr id="3" name="Rectangle 2"/>
+          <p:cNvSpPr/>
+          <p:nvPr/>
+        </p:nvSpPr>
+        <p:spPr>
+          <a:xfrm>
+            <a:off x="4206050" y="3172906"/>
+            <a:ext cx="4194206" cy="407612"/>
+          </a:xfrm>
+          <a:prstGeom prst="rect">
+            <a:avLst/>
+          </a:prstGeom>
+          <a:solidFill>
+            <a:schemeClr val="bg1"/>
+          </a:solidFill>
+        </p:spPr>
+        <p:txBody>
+          <a:bodyPr wrap="square">
+            <a:spAutoFit/>
+          </a:bodyPr>
+          <a:lstStyle/>
+          <a:p>
+            <a:pPr>
+              <a:lnSpc>
+                <a:spcPct val="107000"/>
+              </a:lnSpc>
+            </a:pPr>
+            <a:r>
+              <a:rPr lang="en-IN" sz="2000" dirty="0">
+                <a:latin typeface="Palatino Linotype" panose="02040502050505030304" pitchFamily="18" charset="0"/>
+                <a:cs typeface="Segoe UI Light" panose="020B0502040204020203" pitchFamily="34" charset="0"/>
+              </a:rPr>
+              <a:t>TODO</a:t>
+            </a:r>
+          </a:p>
+        </p:txBody>
+      </p:sp>
+      <p:sp>
+        <p:nvSpPr>
+          <p:cNvPr id="6" name="Rectangle 5">
+            <a:extLst>
+              <a:ext uri="{FF2B5EF4-FFF2-40B4-BE49-F238E27FC236}">
+                <a16:creationId xmlns:a16="http://schemas.microsoft.com/office/drawing/2014/main" id="{BE48E333-2CAF-4961-BF20-2C1236D91CD9}"/>
+              </a:ext>
+            </a:extLst>
+          </p:cNvPr>
+          <p:cNvSpPr/>
+          <p:nvPr/>
+        </p:nvSpPr>
+        <p:spPr>
+          <a:xfrm>
+            <a:off x="5303913" y="587738"/>
+            <a:ext cx="4723785" cy="400110"/>
+          </a:xfrm>
+          <a:prstGeom prst="rect">
+            <a:avLst/>
+          </a:prstGeom>
+          <a:solidFill>
+            <a:schemeClr val="bg1"/>
+          </a:solidFill>
+        </p:spPr>
+        <p:txBody>
+          <a:bodyPr wrap="square">
+            <a:spAutoFit/>
+          </a:bodyPr>
+          <a:lstStyle/>
+          <a:p>
+            <a:endParaRPr lang="en-IN" sz="2000" dirty="0"/>
+          </a:p>
+        </p:txBody>
+      </p:sp>
+      <p:cxnSp>
+        <p:nvCxnSpPr>
+          <p:cNvPr id="10" name="Straight Connector 9">
+            <a:extLst>
+              <a:ext uri="{FF2B5EF4-FFF2-40B4-BE49-F238E27FC236}">
+                <a16:creationId xmlns:a16="http://schemas.microsoft.com/office/drawing/2014/main" id="{B2360B34-3AC7-4EDB-AB99-341691F49EE2}"/>
+              </a:ext>
+            </a:extLst>
+          </p:cNvPr>
+          <p:cNvCxnSpPr/>
+          <p:nvPr/>
+        </p:nvCxnSpPr>
+        <p:spPr>
+          <a:xfrm>
+            <a:off x="465165" y="6525344"/>
+            <a:ext cx="11089232" cy="0"/>
+          </a:xfrm>
+          <a:prstGeom prst="line">
+            <a:avLst/>
+          </a:prstGeom>
+        </p:spPr>
+        <p:style>
+          <a:lnRef idx="1">
+            <a:schemeClr val="accent1"/>
+          </a:lnRef>
+          <a:fillRef idx="0">
+            <a:schemeClr val="accent1"/>
+          </a:fillRef>
+          <a:effectRef idx="0">
+            <a:schemeClr val="accent1"/>
+          </a:effectRef>
+          <a:fontRef idx="minor">
+            <a:schemeClr val="tx1"/>
+          </a:fontRef>
+        </p:style>
+      </p:cxnSp>
+    </p:spTree>
+    <p:extLst>
+      <p:ext uri="{BB962C8B-B14F-4D97-AF65-F5344CB8AC3E}">
+        <p14:creationId xmlns:p14="http://schemas.microsoft.com/office/powerpoint/2010/main" val="4110173607"/>
+      </p:ext>
+    </p:extLst>
+  </p:cSld>
+  <p:clrMapOvr>
+    <a:masterClrMapping/>
+  </p:clrMapOvr>
+</p:sld>
+</file>
+
+<file path=ppt/slides/slide69.xml><?xml version="1.0" encoding="utf-8"?>
+<p:sld xmlns:a="http://schemas.openxmlformats.org/drawingml/2006/main" xmlns:r="http://schemas.openxmlformats.org/officeDocument/2006/relationships" xmlns:p="http://schemas.openxmlformats.org/presentationml/2006/main">
+  <p:cSld>
+    <p:spTree>
+      <p:nvGrpSpPr>
+        <p:cNvPr id="1" name=""/>
+        <p:cNvGrpSpPr/>
+        <p:nvPr/>
+      </p:nvGrpSpPr>
+      <p:grpSpPr>
+        <a:xfrm>
+          <a:off x="0" y="0"/>
+          <a:ext cx="0" cy="0"/>
+          <a:chOff x="0" y="0"/>
+          <a:chExt cx="0" cy="0"/>
+        </a:xfrm>
+      </p:grpSpPr>
+      <p:sp>
+        <p:nvSpPr>
+          <p:cNvPr id="5" name="Rectangle 4"/>
+          <p:cNvSpPr/>
+          <p:nvPr/>
+        </p:nvSpPr>
+        <p:spPr>
+          <a:xfrm>
+            <a:off x="1524596" y="3"/>
+            <a:ext cx="9142810" cy="584775"/>
+          </a:xfrm>
+          <a:prstGeom prst="rect">
+            <a:avLst/>
+          </a:prstGeom>
+          <a:noFill/>
+        </p:spPr>
+        <p:txBody>
+          <a:bodyPr wrap="square">
+            <a:spAutoFit/>
+          </a:bodyPr>
+          <a:lstStyle/>
+          <a:p>
+            <a:pPr algn="r"/>
+            <a:r>
+              <a:rPr lang="en-US" sz="3200" i="1" dirty="0">
+                <a:solidFill>
+                  <a:srgbClr val="FF9900"/>
+                </a:solidFill>
+                <a:latin typeface="Arial" pitchFamily="34" charset="0"/>
+                <a:cs typeface="Arial" pitchFamily="34" charset="0"/>
+              </a:rPr>
+              <a:t>select  - offset n rows</a:t>
+            </a:r>
+            <a:endParaRPr lang="en-IN" sz="3200" i="1" dirty="0">
+              <a:solidFill>
+                <a:srgbClr val="FF9900"/>
+              </a:solidFill>
+              <a:latin typeface="Arial" pitchFamily="34" charset="0"/>
+              <a:cs typeface="Arial" pitchFamily="34" charset="0"/>
+            </a:endParaRPr>
+          </a:p>
+        </p:txBody>
+      </p:sp>
+      <p:sp>
+        <p:nvSpPr>
+          <p:cNvPr id="4" name="Rectangle 3">
+            <a:extLst>
+              <a:ext uri="{FF2B5EF4-FFF2-40B4-BE49-F238E27FC236}">
+                <a16:creationId xmlns:a16="http://schemas.microsoft.com/office/drawing/2014/main" id="{4DE07311-5C6E-C3DA-4313-D0047B76F977}"/>
+              </a:ext>
+            </a:extLst>
+          </p:cNvPr>
+          <p:cNvSpPr/>
+          <p:nvPr/>
+        </p:nvSpPr>
+        <p:spPr>
+          <a:xfrm>
+            <a:off x="262558" y="583270"/>
+            <a:ext cx="11737304" cy="2322174"/>
+          </a:xfrm>
+          <a:prstGeom prst="rect">
+            <a:avLst/>
+          </a:prstGeom>
+        </p:spPr>
+        <p:txBody>
+          <a:bodyPr wrap="square">
+            <a:spAutoFit/>
+          </a:bodyPr>
+          <a:lstStyle/>
+          <a:p>
+            <a:r>
+              <a:rPr lang="en-IN" sz="2000" dirty="0">
+                <a:solidFill>
+                  <a:schemeClr val="accent6">
+                    <a:lumMod val="50000"/>
+                  </a:schemeClr>
+                </a:solidFill>
+                <a:latin typeface="Liberation Mono"/>
+                <a:cs typeface="Arial" panose="020B0604020202020204" pitchFamily="34" charset="0"/>
+              </a:rPr>
+              <a:t>                   </a:t>
+            </a:r>
+            <a:r>
+              <a:rPr lang="en-IN" sz="2000" b="1" dirty="0">
+                <a:solidFill>
+                  <a:schemeClr val="accent4">
+                    <a:lumMod val="50000"/>
+                  </a:schemeClr>
+                </a:solidFill>
+                <a:latin typeface="Liberation Mono"/>
+                <a:cs typeface="Arial" panose="020B0604020202020204" pitchFamily="34" charset="0"/>
+              </a:rPr>
+              <a:t>modifiers</a:t>
+            </a:r>
+            <a:endParaRPr lang="en-US" sz="2000" b="1" dirty="0">
+              <a:solidFill>
+                <a:schemeClr val="accent4">
+                  <a:lumMod val="50000"/>
+                </a:schemeClr>
+              </a:solidFill>
+              <a:latin typeface="Liberation Mono"/>
+              <a:cs typeface="Arial" panose="020B0604020202020204" pitchFamily="34" charset="0"/>
+            </a:endParaRPr>
+          </a:p>
+          <a:p>
+            <a:r>
+              <a:rPr lang="en-US" sz="2000" dirty="0">
+                <a:solidFill>
+                  <a:srgbClr val="0077AA"/>
+                </a:solidFill>
+                <a:latin typeface="Liberation Mono"/>
+                <a:cs typeface="Arial" panose="020B0604020202020204" pitchFamily="34" charset="0"/>
+              </a:rPr>
+              <a:t>SELECT</a:t>
+            </a:r>
+            <a:r>
+              <a:rPr lang="en-US" sz="2000" dirty="0">
+                <a:solidFill>
+                  <a:schemeClr val="tx1">
+                    <a:lumMod val="95000"/>
+                    <a:lumOff val="5000"/>
+                  </a:schemeClr>
+                </a:solidFill>
+                <a:latin typeface="Liberation Mono"/>
+                <a:cs typeface="Arial" panose="020B0604020202020204" pitchFamily="34" charset="0"/>
+              </a:rPr>
+              <a:t> [</a:t>
+            </a:r>
+            <a:r>
+              <a:rPr lang="en-US" sz="2000" u="heavy" dirty="0">
+                <a:solidFill>
+                  <a:schemeClr val="tx1">
+                    <a:lumMod val="95000"/>
+                    <a:lumOff val="5000"/>
+                  </a:schemeClr>
+                </a:solidFill>
+                <a:uFill>
+                  <a:solidFill>
+                    <a:srgbClr val="570528"/>
+                  </a:solidFill>
+                </a:uFill>
+                <a:latin typeface="Liberation Mono"/>
+                <a:cs typeface="Arial" panose="020B0604020202020204" pitchFamily="34" charset="0"/>
+              </a:rPr>
+              <a:t>ALL / DISTINCT</a:t>
+            </a:r>
+            <a:r>
+              <a:rPr lang="en-US" sz="2000" dirty="0">
+                <a:solidFill>
+                  <a:schemeClr val="tx1">
+                    <a:lumMod val="95000"/>
+                    <a:lumOff val="5000"/>
+                  </a:schemeClr>
+                </a:solidFill>
+                <a:latin typeface="Liberation Mono"/>
+                <a:cs typeface="Arial" panose="020B0604020202020204" pitchFamily="34" charset="0"/>
+              </a:rPr>
+              <a:t>] </a:t>
+            </a:r>
+            <a:r>
+              <a:rPr lang="en-US" sz="2000" dirty="0">
+                <a:solidFill>
+                  <a:srgbClr val="CAA496"/>
+                </a:solidFill>
+                <a:latin typeface="Liberation Mono"/>
+                <a:cs typeface="Arial" panose="020B0604020202020204" pitchFamily="34" charset="0"/>
+              </a:rPr>
+              <a:t>identifier</a:t>
+            </a:r>
+            <a:r>
+              <a:rPr lang="en-US" sz="2000" dirty="0">
+                <a:solidFill>
+                  <a:schemeClr val="tx1">
+                    <a:lumMod val="95000"/>
+                    <a:lumOff val="5000"/>
+                  </a:schemeClr>
+                </a:solidFill>
+                <a:latin typeface="Liberation Mono"/>
+                <a:cs typeface="Arial" panose="020B0604020202020204" pitchFamily="34" charset="0"/>
+              </a:rPr>
+              <a:t>.</a:t>
+            </a:r>
+            <a:r>
+              <a:rPr lang="en-US" sz="2000" dirty="0">
+                <a:solidFill>
+                  <a:srgbClr val="A67F59"/>
+                </a:solidFill>
+                <a:latin typeface="Liberation Mono"/>
+              </a:rPr>
+              <a:t>* </a:t>
+            </a:r>
+            <a:r>
+              <a:rPr lang="en-US" sz="2000" dirty="0">
+                <a:solidFill>
+                  <a:srgbClr val="0077AA"/>
+                </a:solidFill>
+                <a:latin typeface="Liberation Mono"/>
+                <a:cs typeface="Arial" panose="020B0604020202020204" pitchFamily="34" charset="0"/>
+              </a:rPr>
+              <a:t>EXCEPT</a:t>
+            </a:r>
+            <a:r>
+              <a:rPr lang="en-US" sz="2000" dirty="0">
+                <a:solidFill>
+                  <a:srgbClr val="A67F59"/>
+                </a:solidFill>
+                <a:latin typeface="Liberation Mono"/>
+              </a:rPr>
+              <a:t> </a:t>
+            </a:r>
+            <a:r>
+              <a:rPr lang="en-US" sz="2000" i="1" dirty="0">
+                <a:solidFill>
+                  <a:schemeClr val="tx1">
+                    <a:lumMod val="95000"/>
+                    <a:lumOff val="5000"/>
+                  </a:schemeClr>
+                </a:solidFill>
+                <a:latin typeface="Liberation Mono"/>
+                <a:cs typeface="Arial" panose="020B0604020202020204" pitchFamily="34" charset="0"/>
+              </a:rPr>
+              <a:t>(A</a:t>
+            </a:r>
+            <a:r>
+              <a:rPr lang="en-US" sz="2000" i="1" baseline="-25000" dirty="0">
+                <a:solidFill>
+                  <a:schemeClr val="tx1">
+                    <a:lumMod val="95000"/>
+                    <a:lumOff val="5000"/>
+                  </a:schemeClr>
+                </a:solidFill>
+                <a:latin typeface="Liberation Mono"/>
+                <a:cs typeface="Arial" panose="020B0604020202020204" pitchFamily="34" charset="0"/>
+              </a:rPr>
+              <a:t>1</a:t>
+            </a:r>
+            <a:r>
+              <a:rPr lang="en-US" sz="2000" i="1" dirty="0">
+                <a:solidFill>
+                  <a:schemeClr val="tx1">
+                    <a:lumMod val="95000"/>
+                    <a:lumOff val="5000"/>
+                  </a:schemeClr>
+                </a:solidFill>
+                <a:latin typeface="Liberation Mono"/>
+                <a:cs typeface="Arial" panose="020B0604020202020204" pitchFamily="34" charset="0"/>
+              </a:rPr>
+              <a:t>, A</a:t>
+            </a:r>
+            <a:r>
+              <a:rPr lang="en-US" sz="2000" i="1" baseline="-25000" dirty="0">
+                <a:solidFill>
+                  <a:schemeClr val="tx1">
+                    <a:lumMod val="95000"/>
+                    <a:lumOff val="5000"/>
+                  </a:schemeClr>
+                </a:solidFill>
+                <a:latin typeface="Liberation Mono"/>
+                <a:cs typeface="Arial" panose="020B0604020202020204" pitchFamily="34" charset="0"/>
+              </a:rPr>
+              <a:t>2</a:t>
+            </a:r>
+            <a:r>
+              <a:rPr lang="en-US" sz="2000" i="1" dirty="0">
+                <a:solidFill>
+                  <a:schemeClr val="tx1">
+                    <a:lumMod val="95000"/>
+                    <a:lumOff val="5000"/>
+                  </a:schemeClr>
+                </a:solidFill>
+                <a:latin typeface="Liberation Mono"/>
+                <a:cs typeface="Arial" panose="020B0604020202020204" pitchFamily="34" charset="0"/>
+              </a:rPr>
+              <a:t>)  </a:t>
+            </a:r>
+            <a:r>
+              <a:rPr lang="en-US" sz="2000" dirty="0">
+                <a:solidFill>
+                  <a:schemeClr val="tx1">
+                    <a:lumMod val="95000"/>
+                    <a:lumOff val="5000"/>
+                  </a:schemeClr>
+                </a:solidFill>
+                <a:latin typeface="Liberation Mono"/>
+                <a:cs typeface="Arial" panose="020B0604020202020204" pitchFamily="34" charset="0"/>
+              </a:rPr>
+              <a:t>/ </a:t>
+            </a:r>
+            <a:r>
+              <a:rPr lang="en-US" sz="2000" dirty="0">
+                <a:solidFill>
+                  <a:srgbClr val="CAA496"/>
+                </a:solidFill>
+                <a:latin typeface="Liberation Mono"/>
+                <a:cs typeface="Arial" panose="020B0604020202020204" pitchFamily="34" charset="0"/>
+              </a:rPr>
+              <a:t>identifier</a:t>
+            </a:r>
+            <a:r>
+              <a:rPr lang="en-US" sz="2000" dirty="0">
+                <a:solidFill>
+                  <a:schemeClr val="tx1">
+                    <a:lumMod val="95000"/>
+                    <a:lumOff val="5000"/>
+                  </a:schemeClr>
+                </a:solidFill>
+                <a:latin typeface="Liberation Mono"/>
+                <a:cs typeface="Arial" panose="020B0604020202020204" pitchFamily="34" charset="0"/>
+              </a:rPr>
+              <a:t>.</a:t>
+            </a:r>
+            <a:r>
+              <a:rPr lang="en-US" sz="2000" i="1" dirty="0">
+                <a:solidFill>
+                  <a:schemeClr val="tx1">
+                    <a:lumMod val="95000"/>
+                    <a:lumOff val="5000"/>
+                  </a:schemeClr>
+                </a:solidFill>
+                <a:latin typeface="Liberation Mono"/>
+                <a:cs typeface="Arial" panose="020B0604020202020204" pitchFamily="34" charset="0"/>
+              </a:rPr>
+              <a:t>A</a:t>
+            </a:r>
+            <a:r>
+              <a:rPr lang="en-US" sz="2000" baseline="-25000" dirty="0">
+                <a:solidFill>
+                  <a:schemeClr val="tx1">
+                    <a:lumMod val="95000"/>
+                    <a:lumOff val="5000"/>
+                  </a:schemeClr>
+                </a:solidFill>
+                <a:latin typeface="Liberation Mono"/>
+                <a:cs typeface="Arial" panose="020B0604020202020204" pitchFamily="34" charset="0"/>
+              </a:rPr>
+              <a:t>1</a:t>
+            </a:r>
+            <a:r>
+              <a:rPr lang="en-US" sz="2000" dirty="0">
+                <a:solidFill>
+                  <a:schemeClr val="tx1">
+                    <a:lumMod val="95000"/>
+                    <a:lumOff val="5000"/>
+                  </a:schemeClr>
+                </a:solidFill>
+                <a:latin typeface="Liberation Mono"/>
+                <a:cs typeface="Arial" panose="020B0604020202020204" pitchFamily="34" charset="0"/>
+              </a:rPr>
+              <a:t> [ [as] alias_name], </a:t>
+            </a:r>
+            <a:r>
+              <a:rPr lang="en-US" sz="2000" dirty="0">
+                <a:solidFill>
+                  <a:srgbClr val="CAA496"/>
+                </a:solidFill>
+                <a:latin typeface="Liberation Mono"/>
+                <a:cs typeface="Arial" panose="020B0604020202020204" pitchFamily="34" charset="0"/>
+              </a:rPr>
+              <a:t>identifier</a:t>
+            </a:r>
+            <a:r>
+              <a:rPr lang="en-US" sz="2000" dirty="0">
+                <a:solidFill>
+                  <a:schemeClr val="tx1">
+                    <a:lumMod val="95000"/>
+                    <a:lumOff val="5000"/>
+                  </a:schemeClr>
+                </a:solidFill>
+                <a:latin typeface="Liberation Mono"/>
+                <a:cs typeface="Arial" panose="020B0604020202020204" pitchFamily="34" charset="0"/>
+              </a:rPr>
+              <a:t>.</a:t>
+            </a:r>
+            <a:r>
+              <a:rPr lang="en-US" sz="2000" i="1" dirty="0">
+                <a:solidFill>
+                  <a:schemeClr val="tx1">
+                    <a:lumMod val="95000"/>
+                    <a:lumOff val="5000"/>
+                  </a:schemeClr>
+                </a:solidFill>
+                <a:latin typeface="Liberation Mono"/>
+                <a:cs typeface="Arial" panose="020B0604020202020204" pitchFamily="34" charset="0"/>
+              </a:rPr>
+              <a:t>A</a:t>
+            </a:r>
+            <a:r>
+              <a:rPr lang="en-US" sz="2000" baseline="-25000" dirty="0">
+                <a:solidFill>
+                  <a:schemeClr val="tx1">
+                    <a:lumMod val="95000"/>
+                    <a:lumOff val="5000"/>
+                  </a:schemeClr>
+                </a:solidFill>
+                <a:latin typeface="Liberation Mono"/>
+                <a:cs typeface="Arial" panose="020B0604020202020204" pitchFamily="34" charset="0"/>
+              </a:rPr>
+              <a:t>2</a:t>
+            </a:r>
+            <a:r>
+              <a:rPr lang="en-US" sz="2000" dirty="0">
+                <a:solidFill>
+                  <a:schemeClr val="tx1">
+                    <a:lumMod val="95000"/>
+                    <a:lumOff val="5000"/>
+                  </a:schemeClr>
+                </a:solidFill>
+                <a:latin typeface="Liberation Mono"/>
+                <a:cs typeface="Arial" panose="020B0604020202020204" pitchFamily="34" charset="0"/>
+              </a:rPr>
+              <a:t> [ [as] alias_name], expression1 [ [as] alias_name], expression2 [ [as] alias_name] </a:t>
+            </a:r>
+            <a:r>
+              <a:rPr lang="en-US" sz="2000" dirty="0">
+                <a:solidFill>
+                  <a:schemeClr val="bg1">
+                    <a:lumMod val="50000"/>
+                  </a:schemeClr>
+                </a:solidFill>
+                <a:latin typeface="Liberation Mono"/>
+                <a:cs typeface="Arial" panose="020B0604020202020204" pitchFamily="34" charset="0"/>
+              </a:rPr>
+              <a:t>. . .</a:t>
+            </a:r>
+            <a:r>
+              <a:rPr lang="en-US" sz="2000" dirty="0">
+                <a:solidFill>
+                  <a:schemeClr val="tx1">
+                    <a:lumMod val="95000"/>
+                    <a:lumOff val="5000"/>
+                  </a:schemeClr>
+                </a:solidFill>
+                <a:latin typeface="Liberation Mono"/>
+                <a:cs typeface="Arial" panose="020B0604020202020204" pitchFamily="34" charset="0"/>
+              </a:rPr>
+              <a:t> </a:t>
+            </a:r>
+          </a:p>
+          <a:p>
+            <a:endParaRPr lang="en-US" sz="800" dirty="0">
+              <a:solidFill>
+                <a:schemeClr val="tx1">
+                  <a:lumMod val="95000"/>
+                  <a:lumOff val="5000"/>
+                </a:schemeClr>
+              </a:solidFill>
+              <a:latin typeface="Liberation Mono"/>
+              <a:cs typeface="Arial" panose="020B0604020202020204" pitchFamily="34" charset="0"/>
+            </a:endParaRPr>
+          </a:p>
+          <a:p>
+            <a:pPr marL="342900" indent="-342900">
+              <a:buFont typeface="Arial" panose="020B0604020202020204" pitchFamily="34" charset="0"/>
+              <a:buChar char="•"/>
+            </a:pPr>
+            <a:r>
+              <a:rPr lang="en-US" sz="2000" dirty="0">
+                <a:solidFill>
+                  <a:schemeClr val="tx1">
+                    <a:lumMod val="95000"/>
+                    <a:lumOff val="5000"/>
+                  </a:schemeClr>
+                </a:solidFill>
+                <a:latin typeface="Liberation Mono"/>
+                <a:cs typeface="Arial" panose="020B0604020202020204" pitchFamily="34" charset="0"/>
+              </a:rPr>
+              <a:t>[ </a:t>
+            </a:r>
+            <a:r>
+              <a:rPr lang="en-US" sz="2000" dirty="0">
+                <a:solidFill>
+                  <a:srgbClr val="0077AA"/>
+                </a:solidFill>
+                <a:latin typeface="Liberation Mono"/>
+                <a:cs typeface="Arial" panose="020B0604020202020204" pitchFamily="34" charset="0"/>
+              </a:rPr>
+              <a:t>FROM</a:t>
+            </a:r>
+            <a:r>
+              <a:rPr lang="en-US" sz="2000" dirty="0">
+                <a:solidFill>
+                  <a:schemeClr val="tx1">
+                    <a:lumMod val="95000"/>
+                    <a:lumOff val="5000"/>
+                  </a:schemeClr>
+                </a:solidFill>
+                <a:latin typeface="Liberation Mono"/>
+                <a:cs typeface="Arial" panose="020B0604020202020204" pitchFamily="34" charset="0"/>
+              </a:rPr>
+              <a:t> &lt;</a:t>
+            </a:r>
+            <a:r>
+              <a:rPr lang="en-US" sz="2000" dirty="0">
+                <a:solidFill>
+                  <a:srgbClr val="CAA496"/>
+                </a:solidFill>
+                <a:latin typeface="Liberation Mono"/>
+                <a:cs typeface="Arial" panose="020B0604020202020204" pitchFamily="34" charset="0"/>
+              </a:rPr>
+              <a:t>identifier</a:t>
+            </a:r>
+            <a:r>
+              <a:rPr lang="en-US" sz="2000" dirty="0">
+                <a:solidFill>
+                  <a:schemeClr val="tx1">
+                    <a:lumMod val="95000"/>
+                    <a:lumOff val="5000"/>
+                  </a:schemeClr>
+                </a:solidFill>
+                <a:latin typeface="Liberation Mono"/>
+                <a:cs typeface="Arial" panose="020B0604020202020204" pitchFamily="34" charset="0"/>
+              </a:rPr>
+              <a:t>.</a:t>
+            </a:r>
+            <a:r>
+              <a:rPr lang="en-US" sz="2000" i="1" dirty="0">
+                <a:solidFill>
+                  <a:schemeClr val="tx1">
+                    <a:lumMod val="95000"/>
+                    <a:lumOff val="5000"/>
+                  </a:schemeClr>
+                </a:solidFill>
+                <a:latin typeface="Liberation Mono"/>
+                <a:cs typeface="Arial" panose="020B0604020202020204" pitchFamily="34" charset="0"/>
+              </a:rPr>
+              <a:t>r</a:t>
+            </a:r>
+            <a:r>
+              <a:rPr lang="en-US" sz="2000" baseline="-25000" dirty="0">
+                <a:solidFill>
+                  <a:schemeClr val="tx1">
+                    <a:lumMod val="95000"/>
+                    <a:lumOff val="5000"/>
+                  </a:schemeClr>
+                </a:solidFill>
+                <a:latin typeface="Liberation Mono"/>
+                <a:cs typeface="Arial" panose="020B0604020202020204" pitchFamily="34" charset="0"/>
+              </a:rPr>
+              <a:t>1</a:t>
+            </a:r>
+            <a:r>
+              <a:rPr lang="en-US" sz="2000" dirty="0">
+                <a:solidFill>
+                  <a:schemeClr val="tx1">
+                    <a:lumMod val="95000"/>
+                    <a:lumOff val="5000"/>
+                  </a:schemeClr>
+                </a:solidFill>
+                <a:latin typeface="Liberation Mono"/>
+                <a:cs typeface="Arial" panose="020B0604020202020204" pitchFamily="34" charset="0"/>
+              </a:rPr>
+              <a:t>&gt; [as] alias_name], &lt;</a:t>
+            </a:r>
+            <a:r>
+              <a:rPr lang="en-US" sz="2000" dirty="0">
+                <a:solidFill>
+                  <a:srgbClr val="CAA496"/>
+                </a:solidFill>
+                <a:latin typeface="Liberation Mono"/>
+                <a:cs typeface="Arial" panose="020B0604020202020204" pitchFamily="34" charset="0"/>
+              </a:rPr>
+              <a:t>identifier</a:t>
+            </a:r>
+            <a:r>
+              <a:rPr lang="en-US" sz="2000" dirty="0">
+                <a:solidFill>
+                  <a:schemeClr val="tx1">
+                    <a:lumMod val="95000"/>
+                    <a:lumOff val="5000"/>
+                  </a:schemeClr>
+                </a:solidFill>
+                <a:latin typeface="Liberation Mono"/>
+                <a:cs typeface="Arial" panose="020B0604020202020204" pitchFamily="34" charset="0"/>
+              </a:rPr>
+              <a:t>.</a:t>
+            </a:r>
+            <a:r>
+              <a:rPr lang="en-US" sz="2000" i="1" dirty="0">
+                <a:solidFill>
+                  <a:schemeClr val="tx1">
+                    <a:lumMod val="95000"/>
+                    <a:lumOff val="5000"/>
+                  </a:schemeClr>
+                </a:solidFill>
+                <a:latin typeface="Liberation Mono"/>
+                <a:cs typeface="Arial" panose="020B0604020202020204" pitchFamily="34" charset="0"/>
+              </a:rPr>
+              <a:t>r</a:t>
+            </a:r>
+            <a:r>
+              <a:rPr lang="en-US" sz="2000" baseline="-25000" dirty="0">
+                <a:solidFill>
+                  <a:schemeClr val="tx1">
+                    <a:lumMod val="95000"/>
+                    <a:lumOff val="5000"/>
+                  </a:schemeClr>
+                </a:solidFill>
+                <a:latin typeface="Liberation Mono"/>
+                <a:cs typeface="Arial" panose="020B0604020202020204" pitchFamily="34" charset="0"/>
+              </a:rPr>
+              <a:t>2</a:t>
+            </a:r>
+            <a:r>
+              <a:rPr lang="en-US" sz="2000" dirty="0">
+                <a:solidFill>
+                  <a:schemeClr val="tx1">
+                    <a:lumMod val="95000"/>
+                    <a:lumOff val="5000"/>
+                  </a:schemeClr>
+                </a:solidFill>
+                <a:latin typeface="Liberation Mono"/>
+                <a:cs typeface="Arial" panose="020B0604020202020204" pitchFamily="34" charset="0"/>
+              </a:rPr>
+              <a:t>&gt; [as] alias_name], </a:t>
+            </a:r>
+            <a:r>
+              <a:rPr lang="en-US" sz="2000" dirty="0">
+                <a:solidFill>
+                  <a:schemeClr val="bg1">
+                    <a:lumMod val="50000"/>
+                  </a:schemeClr>
+                </a:solidFill>
+                <a:latin typeface="Liberation Mono"/>
+                <a:cs typeface="Arial" panose="020B0604020202020204" pitchFamily="34" charset="0"/>
+              </a:rPr>
+              <a:t>. . .</a:t>
+            </a:r>
+            <a:r>
+              <a:rPr lang="en-US" sz="2000" dirty="0">
+                <a:solidFill>
+                  <a:schemeClr val="tx1">
+                    <a:lumMod val="95000"/>
+                    <a:lumOff val="5000"/>
+                  </a:schemeClr>
+                </a:solidFill>
+                <a:latin typeface="Liberation Mono"/>
+                <a:cs typeface="Arial" panose="020B0604020202020204" pitchFamily="34" charset="0"/>
+              </a:rPr>
+              <a:t> ]</a:t>
+            </a:r>
+          </a:p>
+          <a:p>
+            <a:pPr marL="285750" indent="-285750">
+              <a:lnSpc>
+                <a:spcPct val="150000"/>
+              </a:lnSpc>
+              <a:buFont typeface="Arial" panose="020B0604020202020204" pitchFamily="34" charset="0"/>
+              <a:buChar char="•"/>
+            </a:pPr>
+            <a:r>
+              <a:rPr lang="en-US" sz="2000" dirty="0">
+                <a:solidFill>
+                  <a:schemeClr val="tx1">
+                    <a:lumMod val="95000"/>
+                    <a:lumOff val="5000"/>
+                  </a:schemeClr>
+                </a:solidFill>
+                <a:latin typeface="Liberation Mono"/>
+                <a:cs typeface="Arial" panose="020B0604020202020204" pitchFamily="34" charset="0"/>
+              </a:rPr>
+              <a:t> [ </a:t>
+            </a:r>
+            <a:r>
+              <a:rPr lang="en-US" sz="2000" dirty="0">
+                <a:solidFill>
+                  <a:srgbClr val="0077AA"/>
+                </a:solidFill>
+                <a:latin typeface="Liberation Mono"/>
+                <a:cs typeface="Arial" panose="020B0604020202020204" pitchFamily="34" charset="0"/>
+              </a:rPr>
+              <a:t>OFFSET</a:t>
+            </a:r>
+            <a:r>
+              <a:rPr lang="en-US" sz="2000" dirty="0">
+                <a:solidFill>
+                  <a:schemeClr val="tx1">
+                    <a:lumMod val="95000"/>
+                    <a:lumOff val="5000"/>
+                  </a:schemeClr>
+                </a:solidFill>
+                <a:latin typeface="Liberation Mono"/>
+                <a:cs typeface="Arial" panose="020B0604020202020204" pitchFamily="34" charset="0"/>
+              </a:rPr>
+              <a:t> expression { ROW | ROWS } ]</a:t>
+            </a:r>
+          </a:p>
+          <a:p>
+            <a:pPr marL="285750" indent="-285750">
+              <a:lnSpc>
+                <a:spcPct val="150000"/>
+              </a:lnSpc>
+              <a:buFont typeface="Arial" panose="020B0604020202020204" pitchFamily="34" charset="0"/>
+              <a:buChar char="•"/>
+            </a:pPr>
+            <a:r>
+              <a:rPr lang="en-US" sz="2000" dirty="0">
+                <a:solidFill>
+                  <a:schemeClr val="tx1">
+                    <a:lumMod val="95000"/>
+                    <a:lumOff val="5000"/>
+                  </a:schemeClr>
+                </a:solidFill>
+                <a:latin typeface="Liberation Mono"/>
+                <a:cs typeface="Arial" panose="020B0604020202020204" pitchFamily="34" charset="0"/>
+              </a:rPr>
+              <a:t> [ </a:t>
+            </a:r>
+            <a:r>
+              <a:rPr lang="en-US" sz="2000" dirty="0">
+                <a:solidFill>
+                  <a:srgbClr val="0077AA"/>
+                </a:solidFill>
+                <a:latin typeface="Liberation Mono"/>
+                <a:cs typeface="Arial" panose="020B0604020202020204" pitchFamily="34" charset="0"/>
+              </a:rPr>
+              <a:t>FETCH</a:t>
+            </a:r>
+            <a:r>
+              <a:rPr lang="en-US" sz="2000" dirty="0">
+                <a:solidFill>
+                  <a:schemeClr val="tx1">
+                    <a:lumMod val="95000"/>
+                    <a:lumOff val="5000"/>
+                  </a:schemeClr>
+                </a:solidFill>
+                <a:latin typeface="Liberation Mono"/>
+                <a:cs typeface="Arial" panose="020B0604020202020204" pitchFamily="34" charset="0"/>
+              </a:rPr>
+              <a:t> </a:t>
+            </a:r>
+            <a:r>
+              <a:rPr lang="en-US" sz="2000" dirty="0">
+                <a:solidFill>
+                  <a:srgbClr val="0077AA"/>
+                </a:solidFill>
+                <a:latin typeface="Liberation Mono"/>
+                <a:cs typeface="Arial" panose="020B0604020202020204" pitchFamily="34" charset="0"/>
+              </a:rPr>
+              <a:t>FIRST</a:t>
+            </a:r>
+            <a:r>
+              <a:rPr lang="en-US" sz="2000" dirty="0">
+                <a:solidFill>
+                  <a:schemeClr val="tx1">
+                    <a:lumMod val="95000"/>
+                    <a:lumOff val="5000"/>
+                  </a:schemeClr>
+                </a:solidFill>
+                <a:latin typeface="Liberation Mono"/>
+                <a:cs typeface="Arial" panose="020B0604020202020204" pitchFamily="34" charset="0"/>
+              </a:rPr>
+              <a:t>	expression { </a:t>
+            </a:r>
+            <a:r>
+              <a:rPr lang="en-US" sz="2000" dirty="0">
+                <a:solidFill>
+                  <a:srgbClr val="0077AA"/>
+                </a:solidFill>
+                <a:latin typeface="Liberation Mono"/>
+                <a:cs typeface="Arial" panose="020B0604020202020204" pitchFamily="34" charset="0"/>
+              </a:rPr>
+              <a:t>ROW</a:t>
+            </a:r>
+            <a:r>
+              <a:rPr lang="en-US" sz="2000" dirty="0">
+                <a:solidFill>
+                  <a:schemeClr val="tx1">
+                    <a:lumMod val="95000"/>
+                    <a:lumOff val="5000"/>
+                  </a:schemeClr>
+                </a:solidFill>
+                <a:latin typeface="Liberation Mono"/>
+                <a:cs typeface="Arial" panose="020B0604020202020204" pitchFamily="34" charset="0"/>
+              </a:rPr>
+              <a:t> | </a:t>
+            </a:r>
+            <a:r>
+              <a:rPr lang="en-US" sz="2000" dirty="0">
+                <a:solidFill>
+                  <a:srgbClr val="0077AA"/>
+                </a:solidFill>
+                <a:latin typeface="Liberation Mono"/>
+                <a:cs typeface="Arial" panose="020B0604020202020204" pitchFamily="34" charset="0"/>
+              </a:rPr>
+              <a:t>ROWS</a:t>
+            </a:r>
+            <a:r>
+              <a:rPr lang="en-US" sz="2000" dirty="0">
+                <a:solidFill>
+                  <a:schemeClr val="tx1">
+                    <a:lumMod val="95000"/>
+                    <a:lumOff val="5000"/>
+                  </a:schemeClr>
+                </a:solidFill>
+                <a:latin typeface="Liberation Mono"/>
+                <a:cs typeface="Arial" panose="020B0604020202020204" pitchFamily="34" charset="0"/>
+              </a:rPr>
+              <a:t> } { </a:t>
+            </a:r>
+            <a:r>
+              <a:rPr lang="en-US" sz="2000" dirty="0">
+                <a:solidFill>
+                  <a:srgbClr val="0077AA"/>
+                </a:solidFill>
+                <a:latin typeface="Liberation Mono"/>
+                <a:cs typeface="Arial" panose="020B0604020202020204" pitchFamily="34" charset="0"/>
+              </a:rPr>
+              <a:t>ONLY</a:t>
+            </a:r>
+            <a:r>
+              <a:rPr lang="en-US" sz="2000" dirty="0">
+                <a:solidFill>
+                  <a:schemeClr val="tx1">
+                    <a:lumMod val="95000"/>
+                    <a:lumOff val="5000"/>
+                  </a:schemeClr>
+                </a:solidFill>
+                <a:latin typeface="Liberation Mono"/>
+                <a:cs typeface="Arial" panose="020B0604020202020204" pitchFamily="34" charset="0"/>
+              </a:rPr>
+              <a:t> | </a:t>
+            </a:r>
+            <a:r>
+              <a:rPr lang="en-US" sz="2000" dirty="0">
+                <a:solidFill>
+                  <a:srgbClr val="0077AA"/>
+                </a:solidFill>
+                <a:latin typeface="Liberation Mono"/>
+                <a:cs typeface="Arial" panose="020B0604020202020204" pitchFamily="34" charset="0"/>
+              </a:rPr>
+              <a:t>WITH</a:t>
+            </a:r>
+            <a:r>
+              <a:rPr lang="en-US" sz="2000" dirty="0">
+                <a:solidFill>
+                  <a:schemeClr val="tx1">
+                    <a:lumMod val="95000"/>
+                    <a:lumOff val="5000"/>
+                  </a:schemeClr>
+                </a:solidFill>
+                <a:latin typeface="Liberation Mono"/>
+                <a:cs typeface="Arial" panose="020B0604020202020204" pitchFamily="34" charset="0"/>
+              </a:rPr>
+              <a:t> </a:t>
+            </a:r>
+            <a:r>
+              <a:rPr lang="en-US" sz="2000" dirty="0">
+                <a:solidFill>
+                  <a:srgbClr val="0077AA"/>
+                </a:solidFill>
+                <a:latin typeface="Liberation Mono"/>
+                <a:cs typeface="Arial" panose="020B0604020202020204" pitchFamily="34" charset="0"/>
+              </a:rPr>
+              <a:t>TIES</a:t>
+            </a:r>
+            <a:r>
+              <a:rPr lang="en-US" sz="2000" dirty="0">
+                <a:solidFill>
+                  <a:schemeClr val="tx1">
+                    <a:lumMod val="95000"/>
+                    <a:lumOff val="5000"/>
+                  </a:schemeClr>
+                </a:solidFill>
+                <a:latin typeface="Liberation Mono"/>
+                <a:cs typeface="Arial" panose="020B0604020202020204" pitchFamily="34" charset="0"/>
+              </a:rPr>
+              <a:t> } ]</a:t>
+            </a:r>
+          </a:p>
+        </p:txBody>
+      </p:sp>
+      <p:sp>
+        <p:nvSpPr>
+          <p:cNvPr id="6" name="TextBox 5">
+            <a:extLst>
+              <a:ext uri="{FF2B5EF4-FFF2-40B4-BE49-F238E27FC236}">
+                <a16:creationId xmlns:a16="http://schemas.microsoft.com/office/drawing/2014/main" id="{38B75C6F-235D-0E22-742A-C67039CDEA80}"/>
+              </a:ext>
+            </a:extLst>
+          </p:cNvPr>
+          <p:cNvSpPr txBox="1"/>
+          <p:nvPr/>
+        </p:nvSpPr>
+        <p:spPr>
+          <a:xfrm>
+            <a:off x="262558" y="3185100"/>
+            <a:ext cx="11526016" cy="1107996"/>
+          </a:xfrm>
+          <a:prstGeom prst="rect">
+            <a:avLst/>
+          </a:prstGeom>
+          <a:noFill/>
+        </p:spPr>
+        <p:txBody>
+          <a:bodyPr wrap="square">
+            <a:spAutoFit/>
+          </a:bodyPr>
+          <a:lstStyle/>
+          <a:p>
+            <a:pPr marL="285750" indent="-285750">
+              <a:buFont typeface="Arial" panose="020B0604020202020204" pitchFamily="34" charset="0"/>
+              <a:buChar char="•"/>
+            </a:pPr>
+            <a:r>
+              <a:rPr lang="en-US" dirty="0">
+                <a:solidFill>
+                  <a:srgbClr val="0077AA"/>
+                </a:solidFill>
+                <a:latin typeface="Liberation Mono"/>
+                <a:cs typeface="Arial" panose="020B0604020202020204" pitchFamily="34" charset="0"/>
+              </a:rPr>
+              <a:t>SELECT</a:t>
+            </a:r>
+            <a:r>
+              <a:rPr lang="en-US" dirty="0">
+                <a:latin typeface="Liberation Mono"/>
+                <a:cs typeface="Arial" panose="020B0604020202020204" pitchFamily="34" charset="0"/>
+              </a:rPr>
+              <a:t> </a:t>
+            </a:r>
+            <a:r>
+              <a:rPr lang="en-US" dirty="0">
+                <a:solidFill>
+                  <a:srgbClr val="A67F59"/>
+                </a:solidFill>
+                <a:latin typeface="Liberation Mono"/>
+              </a:rPr>
+              <a:t>*</a:t>
+            </a:r>
+            <a:r>
+              <a:rPr lang="en-US" dirty="0">
+                <a:latin typeface="Liberation Mono"/>
+                <a:cs typeface="Arial" panose="020B0604020202020204" pitchFamily="34" charset="0"/>
+              </a:rPr>
+              <a:t> </a:t>
+            </a:r>
+            <a:r>
+              <a:rPr lang="en-US" dirty="0">
+                <a:solidFill>
+                  <a:srgbClr val="0077AA"/>
+                </a:solidFill>
+                <a:latin typeface="Liberation Mono"/>
+                <a:cs typeface="Arial" panose="020B0604020202020204" pitchFamily="34" charset="0"/>
+              </a:rPr>
+              <a:t>FROM</a:t>
+            </a:r>
+            <a:r>
+              <a:rPr lang="en-US" dirty="0">
+                <a:latin typeface="Liberation Mono"/>
+                <a:cs typeface="Arial" panose="020B0604020202020204" pitchFamily="34" charset="0"/>
+              </a:rPr>
+              <a:t> emp </a:t>
+            </a:r>
+            <a:r>
+              <a:rPr lang="en-US">
+                <a:solidFill>
+                  <a:srgbClr val="0077AA"/>
+                </a:solidFill>
+                <a:latin typeface="Liberation Mono"/>
+                <a:cs typeface="Arial" panose="020B0604020202020204" pitchFamily="34" charset="0"/>
+              </a:rPr>
+              <a:t>OFFSET </a:t>
+            </a:r>
+            <a:r>
+              <a:rPr lang="en-US" dirty="0">
+                <a:solidFill>
+                  <a:srgbClr val="990055"/>
+                </a:solidFill>
+                <a:latin typeface="Liberation Mono"/>
+              </a:rPr>
+              <a:t>2</a:t>
+            </a:r>
+            <a:r>
+              <a:rPr lang="en-US">
+                <a:solidFill>
+                  <a:srgbClr val="0077AA"/>
+                </a:solidFill>
+                <a:latin typeface="Liberation Mono"/>
+                <a:cs typeface="Arial" panose="020B0604020202020204" pitchFamily="34" charset="0"/>
+              </a:rPr>
+              <a:t> </a:t>
+            </a:r>
+            <a:r>
+              <a:rPr lang="en-US" dirty="0">
+                <a:solidFill>
+                  <a:srgbClr val="0077AA"/>
+                </a:solidFill>
+                <a:latin typeface="Liberation Mono"/>
+                <a:cs typeface="Arial" panose="020B0604020202020204" pitchFamily="34" charset="0"/>
+              </a:rPr>
+              <a:t>ROWS</a:t>
+            </a:r>
+            <a:r>
+              <a:rPr lang="en-US" dirty="0">
+                <a:latin typeface="Liberation Mono"/>
+                <a:cs typeface="Arial" panose="020B0604020202020204" pitchFamily="34" charset="0"/>
+              </a:rPr>
+              <a:t> </a:t>
+            </a:r>
+            <a:r>
+              <a:rPr lang="en-US" dirty="0">
+                <a:solidFill>
+                  <a:srgbClr val="0077AA"/>
+                </a:solidFill>
+                <a:latin typeface="Liberation Mono"/>
+                <a:cs typeface="Arial" panose="020B0604020202020204" pitchFamily="34" charset="0"/>
+              </a:rPr>
+              <a:t>FETCH</a:t>
+            </a:r>
+            <a:r>
+              <a:rPr lang="en-US" dirty="0">
+                <a:latin typeface="Liberation Mono"/>
+                <a:cs typeface="Arial" panose="020B0604020202020204" pitchFamily="34" charset="0"/>
+              </a:rPr>
+              <a:t> </a:t>
+            </a:r>
+            <a:r>
+              <a:rPr lang="en-US" dirty="0">
+                <a:solidFill>
+                  <a:srgbClr val="0077AA"/>
+                </a:solidFill>
+                <a:latin typeface="Liberation Mono"/>
+                <a:cs typeface="Arial" panose="020B0604020202020204" pitchFamily="34" charset="0"/>
+              </a:rPr>
+              <a:t>FIRST</a:t>
+            </a:r>
+            <a:r>
+              <a:rPr lang="en-US" dirty="0">
+                <a:latin typeface="Liberation Mono"/>
+                <a:cs typeface="Arial" panose="020B0604020202020204" pitchFamily="34" charset="0"/>
+              </a:rPr>
+              <a:t> </a:t>
+            </a:r>
+            <a:r>
+              <a:rPr lang="en-US" dirty="0">
+                <a:solidFill>
+                  <a:srgbClr val="990055"/>
+                </a:solidFill>
+                <a:latin typeface="Liberation Mono"/>
+              </a:rPr>
+              <a:t>4</a:t>
+            </a:r>
+            <a:r>
+              <a:rPr lang="en-US" dirty="0">
+                <a:latin typeface="Liberation Mono"/>
+                <a:cs typeface="Arial" panose="020B0604020202020204" pitchFamily="34" charset="0"/>
+              </a:rPr>
+              <a:t> </a:t>
+            </a:r>
+            <a:r>
+              <a:rPr lang="en-US" dirty="0">
+                <a:solidFill>
+                  <a:srgbClr val="0077AA"/>
+                </a:solidFill>
+                <a:latin typeface="Liberation Mono"/>
+                <a:cs typeface="Arial" panose="020B0604020202020204" pitchFamily="34" charset="0"/>
+              </a:rPr>
+              <a:t>ROWS</a:t>
+            </a:r>
+            <a:r>
+              <a:rPr lang="en-US" dirty="0">
+                <a:latin typeface="Liberation Mono"/>
+                <a:cs typeface="Arial" panose="020B0604020202020204" pitchFamily="34" charset="0"/>
+              </a:rPr>
+              <a:t> </a:t>
+            </a:r>
+            <a:r>
+              <a:rPr lang="en-US" dirty="0">
+                <a:solidFill>
+                  <a:srgbClr val="0077AA"/>
+                </a:solidFill>
+                <a:latin typeface="Liberation Mono"/>
+                <a:cs typeface="Arial" panose="020B0604020202020204" pitchFamily="34" charset="0"/>
+              </a:rPr>
+              <a:t>ONLY</a:t>
+            </a:r>
+            <a:r>
+              <a:rPr lang="en-US" dirty="0">
+                <a:latin typeface="Liberation Mono"/>
+                <a:cs typeface="Arial" panose="020B0604020202020204" pitchFamily="34" charset="0"/>
+              </a:rPr>
+              <a:t>;</a:t>
+            </a:r>
+            <a:endParaRPr lang="en-US" dirty="0">
+              <a:solidFill>
+                <a:srgbClr val="39AE0A"/>
+              </a:solidFill>
+              <a:latin typeface="Liberation Mono"/>
+              <a:cs typeface="Arial" panose="020B0604020202020204" pitchFamily="34" charset="0"/>
+            </a:endParaRPr>
+          </a:p>
+          <a:p>
+            <a:pPr marL="285750" indent="-285750">
+              <a:buFont typeface="Arial" panose="020B0604020202020204" pitchFamily="34" charset="0"/>
+              <a:buChar char="•"/>
+            </a:pPr>
+            <a:endParaRPr lang="en-US" sz="600" dirty="0">
+              <a:solidFill>
+                <a:srgbClr val="39AE0A"/>
+              </a:solidFill>
+              <a:latin typeface="Liberation Mono"/>
+              <a:cs typeface="Arial" panose="020B0604020202020204" pitchFamily="34" charset="0"/>
+            </a:endParaRPr>
+          </a:p>
+          <a:p>
+            <a:pPr marL="285750" indent="-285750">
+              <a:buFont typeface="Arial" panose="020B0604020202020204" pitchFamily="34" charset="0"/>
+              <a:buChar char="•"/>
+            </a:pPr>
+            <a:r>
+              <a:rPr lang="en-US" dirty="0">
+                <a:solidFill>
+                  <a:srgbClr val="0077AA"/>
+                </a:solidFill>
+                <a:latin typeface="Liberation Mono"/>
+                <a:cs typeface="Arial" panose="020B0604020202020204" pitchFamily="34" charset="0"/>
+              </a:rPr>
+              <a:t>SET</a:t>
+            </a:r>
+            <a:r>
+              <a:rPr lang="en-US" dirty="0">
+                <a:latin typeface="Liberation Mono"/>
+              </a:rPr>
+              <a:t> @X = </a:t>
+            </a:r>
+            <a:r>
+              <a:rPr lang="en-US" dirty="0">
+                <a:solidFill>
+                  <a:srgbClr val="990055"/>
+                </a:solidFill>
+                <a:latin typeface="Liberation Mono"/>
+              </a:rPr>
+              <a:t>4</a:t>
+            </a:r>
+            <a:r>
+              <a:rPr lang="en-US" dirty="0">
+                <a:latin typeface="Liberation Mono"/>
+              </a:rPr>
+              <a:t>;</a:t>
+            </a:r>
+          </a:p>
+          <a:p>
+            <a:pPr marL="285750" indent="-285750">
+              <a:buFont typeface="Arial" panose="020B0604020202020204" pitchFamily="34" charset="0"/>
+              <a:buChar char="•"/>
+            </a:pPr>
+            <a:endParaRPr lang="en-US" sz="600" dirty="0">
+              <a:latin typeface="Liberation Mono"/>
+            </a:endParaRPr>
+          </a:p>
+          <a:p>
+            <a:pPr marL="285750" indent="-285750">
+              <a:buFont typeface="Arial" panose="020B0604020202020204" pitchFamily="34" charset="0"/>
+              <a:buChar char="•"/>
+            </a:pPr>
+            <a:r>
+              <a:rPr lang="en-US" dirty="0">
+                <a:solidFill>
+                  <a:srgbClr val="0077AA"/>
+                </a:solidFill>
+                <a:latin typeface="Liberation Mono"/>
+                <a:cs typeface="Arial" panose="020B0604020202020204" pitchFamily="34" charset="0"/>
+              </a:rPr>
+              <a:t>SELECT</a:t>
+            </a:r>
+            <a:r>
+              <a:rPr lang="en-US" dirty="0">
+                <a:latin typeface="Liberation Mono"/>
+              </a:rPr>
+              <a:t> </a:t>
+            </a:r>
+            <a:r>
+              <a:rPr lang="en-US" dirty="0">
+                <a:solidFill>
+                  <a:srgbClr val="A67F59"/>
+                </a:solidFill>
+                <a:latin typeface="Liberation Mono"/>
+              </a:rPr>
+              <a:t>*</a:t>
+            </a:r>
+            <a:r>
+              <a:rPr lang="en-US" dirty="0">
+                <a:latin typeface="Liberation Mono"/>
+              </a:rPr>
+              <a:t> </a:t>
+            </a:r>
+            <a:r>
+              <a:rPr lang="en-US" dirty="0">
+                <a:solidFill>
+                  <a:srgbClr val="0077AA"/>
+                </a:solidFill>
+                <a:latin typeface="Liberation Mono"/>
+                <a:cs typeface="Arial" panose="020B0604020202020204" pitchFamily="34" charset="0"/>
+              </a:rPr>
+              <a:t>EXCEPT</a:t>
+            </a:r>
+            <a:r>
+              <a:rPr lang="en-US" dirty="0">
+                <a:latin typeface="Liberation Mono"/>
+              </a:rPr>
+              <a:t>(`user name`, </a:t>
+            </a:r>
+            <a:r>
+              <a:rPr lang="en-US" dirty="0" err="1">
+                <a:latin typeface="Liberation Mono"/>
+              </a:rPr>
+              <a:t>pwd</a:t>
+            </a:r>
+            <a:r>
+              <a:rPr lang="en-US" dirty="0">
+                <a:latin typeface="Liberation Mono"/>
+              </a:rPr>
+              <a:t>) </a:t>
+            </a:r>
+            <a:r>
+              <a:rPr lang="en-US" dirty="0">
+                <a:solidFill>
+                  <a:srgbClr val="0077AA"/>
+                </a:solidFill>
+                <a:latin typeface="Liberation Mono"/>
+                <a:cs typeface="Arial" panose="020B0604020202020204" pitchFamily="34" charset="0"/>
+              </a:rPr>
+              <a:t>FROM</a:t>
+            </a:r>
+            <a:r>
+              <a:rPr lang="en-US" dirty="0">
+                <a:latin typeface="Liberation Mono"/>
+              </a:rPr>
+              <a:t> emp </a:t>
+            </a:r>
+            <a:r>
+              <a:rPr lang="en-US" dirty="0">
+                <a:solidFill>
+                  <a:srgbClr val="0077AA"/>
+                </a:solidFill>
+                <a:latin typeface="Liberation Mono"/>
+                <a:cs typeface="Arial" panose="020B0604020202020204" pitchFamily="34" charset="0"/>
+              </a:rPr>
+              <a:t>ORDER</a:t>
+            </a:r>
+            <a:r>
+              <a:rPr lang="en-US" dirty="0">
+                <a:latin typeface="Liberation Mono"/>
+              </a:rPr>
+              <a:t> </a:t>
+            </a:r>
+            <a:r>
+              <a:rPr lang="en-US" dirty="0">
+                <a:solidFill>
+                  <a:srgbClr val="0077AA"/>
+                </a:solidFill>
+                <a:latin typeface="Liberation Mono"/>
+                <a:cs typeface="Arial" panose="020B0604020202020204" pitchFamily="34" charset="0"/>
+              </a:rPr>
+              <a:t>BY</a:t>
+            </a:r>
+            <a:r>
+              <a:rPr lang="en-US" dirty="0">
+                <a:latin typeface="Liberation Mono"/>
+              </a:rPr>
+              <a:t> job </a:t>
+            </a:r>
+            <a:r>
+              <a:rPr lang="en-US" dirty="0">
+                <a:solidFill>
+                  <a:srgbClr val="0077AA"/>
+                </a:solidFill>
+                <a:latin typeface="Liberation Mono"/>
+                <a:cs typeface="Arial" panose="020B0604020202020204" pitchFamily="34" charset="0"/>
+              </a:rPr>
+              <a:t>FETCH</a:t>
+            </a:r>
+            <a:r>
+              <a:rPr lang="en-US" dirty="0">
+                <a:latin typeface="Liberation Mono"/>
+              </a:rPr>
+              <a:t> </a:t>
+            </a:r>
+            <a:r>
+              <a:rPr lang="en-US" dirty="0">
+                <a:solidFill>
+                  <a:srgbClr val="0077AA"/>
+                </a:solidFill>
+                <a:latin typeface="Liberation Mono"/>
+                <a:cs typeface="Arial" panose="020B0604020202020204" pitchFamily="34" charset="0"/>
+              </a:rPr>
+              <a:t>FIRST</a:t>
+            </a:r>
+            <a:r>
+              <a:rPr lang="en-US" dirty="0">
+                <a:latin typeface="Liberation Mono"/>
+              </a:rPr>
+              <a:t> @X </a:t>
+            </a:r>
+            <a:r>
+              <a:rPr lang="en-US" dirty="0">
+                <a:solidFill>
+                  <a:srgbClr val="0077AA"/>
+                </a:solidFill>
+                <a:latin typeface="Liberation Mono"/>
+                <a:cs typeface="Arial" panose="020B0604020202020204" pitchFamily="34" charset="0"/>
+              </a:rPr>
+              <a:t>ROWS</a:t>
+            </a:r>
+            <a:r>
+              <a:rPr lang="en-US" dirty="0">
+                <a:latin typeface="Liberation Mono"/>
+              </a:rPr>
+              <a:t> </a:t>
+            </a:r>
+            <a:r>
+              <a:rPr lang="en-US" dirty="0">
+                <a:solidFill>
+                  <a:srgbClr val="0077AA"/>
+                </a:solidFill>
+                <a:latin typeface="Liberation Mono"/>
+                <a:cs typeface="Arial" panose="020B0604020202020204" pitchFamily="34" charset="0"/>
+              </a:rPr>
+              <a:t>WITH</a:t>
+            </a:r>
+            <a:r>
+              <a:rPr lang="en-US" dirty="0">
+                <a:latin typeface="Liberation Mono"/>
+              </a:rPr>
+              <a:t> </a:t>
+            </a:r>
+            <a:r>
+              <a:rPr lang="en-US" dirty="0">
+                <a:solidFill>
+                  <a:srgbClr val="0077AA"/>
+                </a:solidFill>
+                <a:latin typeface="Liberation Mono"/>
+                <a:cs typeface="Arial" panose="020B0604020202020204" pitchFamily="34" charset="0"/>
+              </a:rPr>
+              <a:t>TIES</a:t>
+            </a:r>
+            <a:r>
+              <a:rPr lang="en-US" dirty="0">
+                <a:latin typeface="Liberation Mono"/>
+              </a:rPr>
+              <a:t>;</a:t>
+            </a:r>
+            <a:endParaRPr lang="en-IN" dirty="0">
+              <a:latin typeface="Liberation Mono"/>
+            </a:endParaRPr>
+          </a:p>
+        </p:txBody>
+      </p:sp>
+    </p:spTree>
+    <p:extLst>
+      <p:ext uri="{BB962C8B-B14F-4D97-AF65-F5344CB8AC3E}">
+        <p14:creationId xmlns:p14="http://schemas.microsoft.com/office/powerpoint/2010/main" val="2346975358"/>
+      </p:ext>
+    </p:extLst>
+  </p:cSld>
+  <p:clrMapOvr>
+    <a:masterClrMapping/>
+  </p:clrMapOvr>
+</p:sld>
+</file>
+
+<file path=ppt/slides/slide7.xml><?xml version="1.0" encoding="utf-8"?>
+<p:sld xmlns:a="http://schemas.openxmlformats.org/drawingml/2006/main" xmlns:r="http://schemas.openxmlformats.org/officeDocument/2006/relationships" xmlns:p="http://schemas.openxmlformats.org/presentationml/2006/main" showMasterSp="0">
+  <p:cSld>
+    <p:spTree>
+      <p:nvGrpSpPr>
+        <p:cNvPr id="1" name=""/>
+        <p:cNvGrpSpPr/>
+        <p:nvPr/>
+      </p:nvGrpSpPr>
+      <p:grpSpPr>
+        <a:xfrm>
+          <a:off x="0" y="0"/>
+          <a:ext cx="0" cy="0"/>
+          <a:chOff x="0" y="0"/>
+          <a:chExt cx="0" cy="0"/>
+        </a:xfrm>
+      </p:grpSpPr>
+      <p:sp>
+        <p:nvSpPr>
+          <p:cNvPr id="4" name="Rectangle 3"/>
+          <p:cNvSpPr/>
+          <p:nvPr/>
+        </p:nvSpPr>
+        <p:spPr>
+          <a:xfrm>
+            <a:off x="1524000" y="1"/>
+            <a:ext cx="9144000" cy="584775"/>
+          </a:xfrm>
+          <a:prstGeom prst="rect">
+            <a:avLst/>
+          </a:prstGeom>
+          <a:noFill/>
+        </p:spPr>
+        <p:txBody>
+          <a:bodyPr wrap="square">
+            <a:spAutoFit/>
+          </a:bodyPr>
+          <a:lstStyle/>
+          <a:p>
+            <a:pPr algn="r"/>
+            <a:r>
+              <a:rPr lang="en-IN" sz="3200" i="1" dirty="0">
+                <a:solidFill>
+                  <a:srgbClr val="FF9900"/>
+                </a:solidFill>
+                <a:latin typeface="Arial" pitchFamily="34" charset="0"/>
+                <a:cs typeface="Arial" pitchFamily="34" charset="0"/>
+              </a:rPr>
+              <a:t>create / drop schema</a:t>
+            </a:r>
+          </a:p>
+        </p:txBody>
+      </p:sp>
+      <p:sp>
+        <p:nvSpPr>
+          <p:cNvPr id="6" name="Rectangle 5"/>
+          <p:cNvSpPr/>
+          <p:nvPr/>
+        </p:nvSpPr>
+        <p:spPr>
+          <a:xfrm>
+            <a:off x="263352" y="2044575"/>
+            <a:ext cx="8839199" cy="880369"/>
+          </a:xfrm>
+          <a:prstGeom prst="rect">
+            <a:avLst/>
+          </a:prstGeom>
+        </p:spPr>
+        <p:txBody>
+          <a:bodyPr wrap="square">
+            <a:spAutoFit/>
+          </a:bodyPr>
+          <a:lstStyle/>
+          <a:p>
+            <a:pPr marL="285750" indent="-285750">
+              <a:lnSpc>
+                <a:spcPct val="150000"/>
+              </a:lnSpc>
+              <a:buFont typeface="Arial" panose="020B0604020202020204" pitchFamily="34" charset="0"/>
+              <a:buChar char="•"/>
+            </a:pPr>
+            <a:r>
+              <a:rPr lang="en-IN" dirty="0">
+                <a:solidFill>
+                  <a:srgbClr val="0070C0"/>
+                </a:solidFill>
+                <a:latin typeface="Liberation Mono"/>
+                <a:ea typeface="Arial Unicode MS"/>
+                <a:cs typeface="Arial" panose="020B0604020202020204" pitchFamily="34" charset="0"/>
+              </a:rPr>
+              <a:t>CREATE SCHEMA </a:t>
+            </a:r>
+            <a:r>
+              <a:rPr lang="en-IN" dirty="0">
+                <a:latin typeface="Liberation Mono"/>
+              </a:rPr>
+              <a:t>H2DB</a:t>
+            </a:r>
+            <a:r>
+              <a:rPr lang="en-IN" dirty="0">
+                <a:latin typeface="Liberation Mono"/>
+                <a:ea typeface="Arial Unicode MS"/>
+                <a:cs typeface="Arial" panose="020B0604020202020204" pitchFamily="34" charset="0"/>
+              </a:rPr>
+              <a:t>;</a:t>
+            </a:r>
+          </a:p>
+          <a:p>
+            <a:pPr marL="285750" indent="-285750">
+              <a:lnSpc>
+                <a:spcPct val="150000"/>
+              </a:lnSpc>
+              <a:buFont typeface="Arial" panose="020B0604020202020204" pitchFamily="34" charset="0"/>
+              <a:buChar char="•"/>
+            </a:pPr>
+            <a:r>
+              <a:rPr lang="en-IN" dirty="0">
+                <a:solidFill>
+                  <a:srgbClr val="0070C0"/>
+                </a:solidFill>
+                <a:latin typeface="Liberation Mono"/>
+                <a:ea typeface="Arial Unicode MS"/>
+                <a:cs typeface="Arial" panose="020B0604020202020204" pitchFamily="34" charset="0"/>
+              </a:rPr>
+              <a:t>CREATE SCHEMA </a:t>
+            </a:r>
+            <a:r>
+              <a:rPr lang="en-IN" dirty="0">
+                <a:solidFill>
+                  <a:schemeClr val="tx1">
+                    <a:lumMod val="65000"/>
+                    <a:lumOff val="35000"/>
+                  </a:schemeClr>
+                </a:solidFill>
+                <a:latin typeface="Liberation Mono"/>
+              </a:rPr>
+              <a:t>IF NOT EXISTS</a:t>
+            </a:r>
+            <a:r>
+              <a:rPr lang="en-IN" dirty="0">
+                <a:solidFill>
+                  <a:srgbClr val="A67F59"/>
+                </a:solidFill>
+                <a:latin typeface="Liberation Mono"/>
+              </a:rPr>
+              <a:t> </a:t>
+            </a:r>
+            <a:r>
+              <a:rPr lang="en-IN" dirty="0">
+                <a:latin typeface="Liberation Mono"/>
+              </a:rPr>
+              <a:t>H2DB</a:t>
+            </a:r>
+            <a:r>
+              <a:rPr lang="en-IN" dirty="0">
+                <a:latin typeface="Liberation Mono"/>
+                <a:ea typeface="Arial Unicode MS"/>
+                <a:cs typeface="Arial" panose="020B0604020202020204" pitchFamily="34" charset="0"/>
+              </a:rPr>
+              <a:t>;</a:t>
+            </a:r>
+          </a:p>
+        </p:txBody>
+      </p:sp>
+      <p:sp>
+        <p:nvSpPr>
+          <p:cNvPr id="7" name="Rectangle 6"/>
+          <p:cNvSpPr/>
+          <p:nvPr/>
+        </p:nvSpPr>
+        <p:spPr>
+          <a:xfrm>
+            <a:off x="263352" y="703184"/>
+            <a:ext cx="11593288" cy="369332"/>
+          </a:xfrm>
+          <a:prstGeom prst="rect">
+            <a:avLst/>
+          </a:prstGeom>
+          <a:solidFill>
+            <a:srgbClr val="EAE2DA"/>
+          </a:solidFill>
+        </p:spPr>
+        <p:txBody>
+          <a:bodyPr wrap="square">
+            <a:spAutoFit/>
+          </a:bodyPr>
+          <a:lstStyle/>
+          <a:p>
+            <a:r>
+              <a:rPr lang="en-IN" dirty="0">
+                <a:latin typeface="Arial" panose="020B0604020202020204" pitchFamily="34" charset="0"/>
+                <a:cs typeface="Arial" panose="020B0604020202020204" pitchFamily="34" charset="0"/>
+              </a:rPr>
+              <a:t>CREATE SCHEMA creates a new schema with the given name.</a:t>
+            </a:r>
+          </a:p>
+        </p:txBody>
+      </p:sp>
+      <p:sp>
+        <p:nvSpPr>
+          <p:cNvPr id="9" name="Rectangle 8">
+            <a:extLst>
+              <a:ext uri="{FF2B5EF4-FFF2-40B4-BE49-F238E27FC236}">
+                <a16:creationId xmlns:a16="http://schemas.microsoft.com/office/drawing/2014/main" id="{4C6B98D5-E605-54B1-47C2-70D45F1EAC89}"/>
+              </a:ext>
+            </a:extLst>
+          </p:cNvPr>
+          <p:cNvSpPr/>
+          <p:nvPr/>
+        </p:nvSpPr>
+        <p:spPr>
+          <a:xfrm>
+            <a:off x="263352" y="1412776"/>
+            <a:ext cx="8773885" cy="400110"/>
+          </a:xfrm>
+          <a:prstGeom prst="rect">
+            <a:avLst/>
+          </a:prstGeom>
+        </p:spPr>
+        <p:txBody>
+          <a:bodyPr wrap="square">
+            <a:spAutoFit/>
+          </a:bodyPr>
+          <a:lstStyle>
+            <a:defPPr>
+              <a:defRPr lang="en-US"/>
+            </a:defPPr>
+            <a:lvl1pPr marL="0" algn="l" defTabSz="914400" rtl="0" eaLnBrk="1" latinLnBrk="0" hangingPunct="1">
+              <a:defRPr sz="1800" kern="1200">
+                <a:solidFill>
+                  <a:schemeClr val="tx1"/>
+                </a:solidFill>
+                <a:latin typeface="+mn-lt"/>
+                <a:ea typeface="+mn-ea"/>
+                <a:cs typeface="+mn-cs"/>
+              </a:defRPr>
+            </a:lvl1pPr>
+            <a:lvl2pPr marL="457200" algn="l" defTabSz="914400" rtl="0" eaLnBrk="1" latinLnBrk="0" hangingPunct="1">
+              <a:defRPr sz="1800" kern="1200">
+                <a:solidFill>
+                  <a:schemeClr val="tx1"/>
+                </a:solidFill>
+                <a:latin typeface="+mn-lt"/>
+                <a:ea typeface="+mn-ea"/>
+                <a:cs typeface="+mn-cs"/>
+              </a:defRPr>
+            </a:lvl2pPr>
+            <a:lvl3pPr marL="914400" algn="l" defTabSz="914400" rtl="0" eaLnBrk="1" latinLnBrk="0" hangingPunct="1">
+              <a:defRPr sz="1800" kern="1200">
+                <a:solidFill>
+                  <a:schemeClr val="tx1"/>
+                </a:solidFill>
+                <a:latin typeface="+mn-lt"/>
+                <a:ea typeface="+mn-ea"/>
+                <a:cs typeface="+mn-cs"/>
+              </a:defRPr>
+            </a:lvl3pPr>
+            <a:lvl4pPr marL="1371600" algn="l" defTabSz="914400" rtl="0" eaLnBrk="1" latinLnBrk="0" hangingPunct="1">
+              <a:defRPr sz="1800" kern="1200">
+                <a:solidFill>
+                  <a:schemeClr val="tx1"/>
+                </a:solidFill>
+                <a:latin typeface="+mn-lt"/>
+                <a:ea typeface="+mn-ea"/>
+                <a:cs typeface="+mn-cs"/>
+              </a:defRPr>
+            </a:lvl4pPr>
+            <a:lvl5pPr marL="1828800" algn="l" defTabSz="914400" rtl="0" eaLnBrk="1" latinLnBrk="0" hangingPunct="1">
+              <a:defRPr sz="1800" kern="1200">
+                <a:solidFill>
+                  <a:schemeClr val="tx1"/>
+                </a:solidFill>
+                <a:latin typeface="+mn-lt"/>
+                <a:ea typeface="+mn-ea"/>
+                <a:cs typeface="+mn-cs"/>
+              </a:defRPr>
+            </a:lvl5pPr>
+            <a:lvl6pPr marL="2286000" algn="l" defTabSz="914400" rtl="0" eaLnBrk="1" latinLnBrk="0" hangingPunct="1">
+              <a:defRPr sz="1800" kern="1200">
+                <a:solidFill>
+                  <a:schemeClr val="tx1"/>
+                </a:solidFill>
+                <a:latin typeface="+mn-lt"/>
+                <a:ea typeface="+mn-ea"/>
+                <a:cs typeface="+mn-cs"/>
+              </a:defRPr>
+            </a:lvl6pPr>
+            <a:lvl7pPr marL="2743200" algn="l" defTabSz="914400" rtl="0" eaLnBrk="1" latinLnBrk="0" hangingPunct="1">
+              <a:defRPr sz="1800" kern="1200">
+                <a:solidFill>
+                  <a:schemeClr val="tx1"/>
+                </a:solidFill>
+                <a:latin typeface="+mn-lt"/>
+                <a:ea typeface="+mn-ea"/>
+                <a:cs typeface="+mn-cs"/>
+              </a:defRPr>
+            </a:lvl7pPr>
+            <a:lvl8pPr marL="3200400" algn="l" defTabSz="914400" rtl="0" eaLnBrk="1" latinLnBrk="0" hangingPunct="1">
+              <a:defRPr sz="1800" kern="1200">
+                <a:solidFill>
+                  <a:schemeClr val="tx1"/>
+                </a:solidFill>
+                <a:latin typeface="+mn-lt"/>
+                <a:ea typeface="+mn-ea"/>
+                <a:cs typeface="+mn-cs"/>
+              </a:defRPr>
+            </a:lvl8pPr>
+            <a:lvl9pPr marL="3657600" algn="l" defTabSz="914400" rtl="0" eaLnBrk="1" latinLnBrk="0" hangingPunct="1">
+              <a:defRPr sz="1800" kern="1200">
+                <a:solidFill>
+                  <a:schemeClr val="tx1"/>
+                </a:solidFill>
+                <a:latin typeface="+mn-lt"/>
+                <a:ea typeface="+mn-ea"/>
+                <a:cs typeface="+mn-cs"/>
+              </a:defRPr>
+            </a:lvl9pPr>
+          </a:lstStyle>
+          <a:p>
+            <a:pPr eaLnBrk="0" fontAlgn="base" hangingPunct="0">
+              <a:spcBef>
+                <a:spcPct val="0"/>
+              </a:spcBef>
+              <a:spcAft>
+                <a:spcPct val="0"/>
+              </a:spcAft>
+            </a:pPr>
+            <a:r>
+              <a:rPr lang="en-IN" sz="2000" dirty="0">
+                <a:solidFill>
+                  <a:srgbClr val="0077AA"/>
+                </a:solidFill>
+                <a:latin typeface="Liberation Mono"/>
+              </a:rPr>
+              <a:t>CREATE SCHEMA </a:t>
+            </a:r>
+            <a:r>
+              <a:rPr lang="en-IN" sz="2000" dirty="0">
+                <a:latin typeface="Liberation Mono"/>
+              </a:rPr>
+              <a:t>[</a:t>
+            </a:r>
+            <a:r>
+              <a:rPr lang="en-IN" sz="2000" dirty="0">
+                <a:solidFill>
+                  <a:schemeClr val="tx1">
+                    <a:lumMod val="65000"/>
+                    <a:lumOff val="35000"/>
+                  </a:schemeClr>
+                </a:solidFill>
+                <a:latin typeface="Liberation Mono"/>
+              </a:rPr>
+              <a:t>IF NOT EXISTS</a:t>
+            </a:r>
+            <a:r>
+              <a:rPr lang="en-IN" sz="2000" dirty="0">
+                <a:latin typeface="Liberation Mono"/>
+              </a:rPr>
+              <a:t>]</a:t>
+            </a:r>
+            <a:r>
+              <a:rPr lang="en-IN" sz="2000" dirty="0">
+                <a:solidFill>
+                  <a:srgbClr val="0077AA"/>
+                </a:solidFill>
+                <a:latin typeface="Liberation Mono"/>
+              </a:rPr>
+              <a:t> </a:t>
+            </a:r>
+            <a:r>
+              <a:rPr lang="en-IN" sz="2000" dirty="0">
+                <a:solidFill>
+                  <a:srgbClr val="669900"/>
+                </a:solidFill>
+                <a:latin typeface="Liberation Mono"/>
+              </a:rPr>
+              <a:t>schema_name </a:t>
+            </a:r>
+            <a:r>
+              <a:rPr lang="en-IN" sz="2000" dirty="0">
+                <a:solidFill>
+                  <a:srgbClr val="0077AA"/>
+                </a:solidFill>
+                <a:latin typeface="Liberation Mono"/>
+              </a:rPr>
+              <a:t>AUTHORIZATION </a:t>
+            </a:r>
+            <a:r>
+              <a:rPr lang="en-IN" sz="2000" dirty="0">
+                <a:latin typeface="Liberation Mono"/>
+              </a:rPr>
+              <a:t>ownerName</a:t>
+            </a:r>
+          </a:p>
+        </p:txBody>
+      </p:sp>
+      <p:sp>
+        <p:nvSpPr>
+          <p:cNvPr id="2" name="Rectangle 1">
+            <a:extLst>
+              <a:ext uri="{FF2B5EF4-FFF2-40B4-BE49-F238E27FC236}">
+                <a16:creationId xmlns:a16="http://schemas.microsoft.com/office/drawing/2014/main" id="{C84B1048-8328-D253-1A36-1E7347CBADB4}"/>
+              </a:ext>
+            </a:extLst>
+          </p:cNvPr>
+          <p:cNvSpPr/>
+          <p:nvPr/>
+        </p:nvSpPr>
+        <p:spPr>
+          <a:xfrm>
+            <a:off x="263352" y="5445224"/>
+            <a:ext cx="8839199" cy="880369"/>
+          </a:xfrm>
+          <a:prstGeom prst="rect">
+            <a:avLst/>
+          </a:prstGeom>
+        </p:spPr>
+        <p:txBody>
+          <a:bodyPr wrap="square">
+            <a:spAutoFit/>
+          </a:bodyPr>
+          <a:lstStyle/>
+          <a:p>
+            <a:pPr marL="285750" indent="-285750">
+              <a:lnSpc>
+                <a:spcPct val="150000"/>
+              </a:lnSpc>
+              <a:buFont typeface="Arial" panose="020B0604020202020204" pitchFamily="34" charset="0"/>
+              <a:buChar char="•"/>
+            </a:pPr>
+            <a:r>
+              <a:rPr lang="en-IN" dirty="0">
+                <a:solidFill>
+                  <a:srgbClr val="0070C0"/>
+                </a:solidFill>
+                <a:latin typeface="Liberation Mono"/>
+                <a:ea typeface="Arial Unicode MS"/>
+                <a:cs typeface="Arial" panose="020B0604020202020204" pitchFamily="34" charset="0"/>
+              </a:rPr>
+              <a:t>DROP SCHEMA </a:t>
+            </a:r>
+            <a:r>
+              <a:rPr lang="en-IN" dirty="0">
+                <a:latin typeface="Liberation Mono"/>
+              </a:rPr>
+              <a:t>H2DB </a:t>
+            </a:r>
+            <a:r>
+              <a:rPr lang="en-IN" dirty="0">
+                <a:solidFill>
+                  <a:srgbClr val="FD8603"/>
+                </a:solidFill>
+                <a:latin typeface="Liberation Mono"/>
+              </a:rPr>
+              <a:t>CASCADE</a:t>
+            </a:r>
+            <a:r>
+              <a:rPr lang="en-IN" dirty="0">
+                <a:latin typeface="Liberation Mono"/>
+                <a:ea typeface="Arial Unicode MS"/>
+                <a:cs typeface="Arial" panose="020B0604020202020204" pitchFamily="34" charset="0"/>
+              </a:rPr>
+              <a:t>;</a:t>
+            </a:r>
+          </a:p>
+          <a:p>
+            <a:pPr marL="285750" indent="-285750">
+              <a:lnSpc>
+                <a:spcPct val="150000"/>
+              </a:lnSpc>
+              <a:buFont typeface="Arial" panose="020B0604020202020204" pitchFamily="34" charset="0"/>
+              <a:buChar char="•"/>
+            </a:pPr>
+            <a:r>
+              <a:rPr lang="en-IN" dirty="0">
+                <a:solidFill>
+                  <a:srgbClr val="0070C0"/>
+                </a:solidFill>
+                <a:latin typeface="Liberation Mono"/>
+                <a:ea typeface="Arial Unicode MS"/>
+                <a:cs typeface="Arial" panose="020B0604020202020204" pitchFamily="34" charset="0"/>
+              </a:rPr>
+              <a:t>DROP SCHEMA </a:t>
+            </a:r>
+            <a:r>
+              <a:rPr lang="en-IN" dirty="0">
+                <a:solidFill>
+                  <a:schemeClr val="tx1">
+                    <a:lumMod val="65000"/>
+                    <a:lumOff val="35000"/>
+                  </a:schemeClr>
+                </a:solidFill>
+                <a:latin typeface="Liberation Mono"/>
+              </a:rPr>
+              <a:t>IF NOT EXISTS</a:t>
+            </a:r>
+            <a:r>
+              <a:rPr lang="en-IN" dirty="0">
+                <a:solidFill>
+                  <a:srgbClr val="A67F59"/>
+                </a:solidFill>
+                <a:latin typeface="Liberation Mono"/>
+              </a:rPr>
+              <a:t> </a:t>
+            </a:r>
+            <a:r>
+              <a:rPr lang="en-IN" dirty="0">
+                <a:latin typeface="Liberation Mono"/>
+              </a:rPr>
+              <a:t>H2DB </a:t>
+            </a:r>
+            <a:r>
+              <a:rPr lang="en-IN" dirty="0">
+                <a:solidFill>
+                  <a:srgbClr val="FD8603"/>
+                </a:solidFill>
+                <a:latin typeface="Liberation Mono"/>
+              </a:rPr>
+              <a:t>CASCADE</a:t>
+            </a:r>
+            <a:r>
+              <a:rPr lang="en-IN" dirty="0">
+                <a:latin typeface="Liberation Mono"/>
+                <a:ea typeface="Arial Unicode MS"/>
+                <a:cs typeface="Arial" panose="020B0604020202020204" pitchFamily="34" charset="0"/>
+              </a:rPr>
+              <a:t>;</a:t>
+            </a:r>
+          </a:p>
+        </p:txBody>
+      </p:sp>
+      <p:sp>
+        <p:nvSpPr>
+          <p:cNvPr id="3" name="Rectangle 2">
+            <a:extLst>
+              <a:ext uri="{FF2B5EF4-FFF2-40B4-BE49-F238E27FC236}">
+                <a16:creationId xmlns:a16="http://schemas.microsoft.com/office/drawing/2014/main" id="{AB71C056-7C4D-252B-5717-C6399A62D5F7}"/>
+              </a:ext>
+            </a:extLst>
+          </p:cNvPr>
+          <p:cNvSpPr/>
+          <p:nvPr/>
+        </p:nvSpPr>
+        <p:spPr>
+          <a:xfrm>
+            <a:off x="263352" y="3356992"/>
+            <a:ext cx="11593288" cy="369332"/>
+          </a:xfrm>
+          <a:prstGeom prst="rect">
+            <a:avLst/>
+          </a:prstGeom>
+          <a:solidFill>
+            <a:srgbClr val="EAE2DA"/>
+          </a:solidFill>
+        </p:spPr>
+        <p:txBody>
+          <a:bodyPr wrap="square">
+            <a:spAutoFit/>
+          </a:bodyPr>
+          <a:lstStyle/>
+          <a:p>
+            <a:r>
+              <a:rPr lang="en-IN" dirty="0">
+                <a:latin typeface="Arial" panose="020B0604020202020204" pitchFamily="34" charset="0"/>
+                <a:cs typeface="Arial" panose="020B0604020202020204" pitchFamily="34" charset="0"/>
+              </a:rPr>
+              <a:t>DROP SCHEMA will drop the existing schema.</a:t>
+            </a:r>
+          </a:p>
+        </p:txBody>
+      </p:sp>
+      <p:sp>
+        <p:nvSpPr>
+          <p:cNvPr id="5" name="Rectangle 4">
+            <a:extLst>
+              <a:ext uri="{FF2B5EF4-FFF2-40B4-BE49-F238E27FC236}">
+                <a16:creationId xmlns:a16="http://schemas.microsoft.com/office/drawing/2014/main" id="{E47C98AE-ED7B-7496-78AD-F04026512752}"/>
+              </a:ext>
+            </a:extLst>
+          </p:cNvPr>
+          <p:cNvSpPr/>
+          <p:nvPr/>
+        </p:nvSpPr>
+        <p:spPr>
+          <a:xfrm>
+            <a:off x="263352" y="4797152"/>
+            <a:ext cx="8773885" cy="400110"/>
+          </a:xfrm>
+          <a:prstGeom prst="rect">
+            <a:avLst/>
+          </a:prstGeom>
+        </p:spPr>
+        <p:txBody>
+          <a:bodyPr wrap="square">
+            <a:spAutoFit/>
+          </a:bodyPr>
+          <a:lstStyle>
+            <a:defPPr>
+              <a:defRPr lang="en-US"/>
+            </a:defPPr>
+            <a:lvl1pPr marL="0" algn="l" defTabSz="914400" rtl="0" eaLnBrk="1" latinLnBrk="0" hangingPunct="1">
+              <a:defRPr sz="1800" kern="1200">
+                <a:solidFill>
+                  <a:schemeClr val="tx1"/>
+                </a:solidFill>
+                <a:latin typeface="+mn-lt"/>
+                <a:ea typeface="+mn-ea"/>
+                <a:cs typeface="+mn-cs"/>
+              </a:defRPr>
+            </a:lvl1pPr>
+            <a:lvl2pPr marL="457200" algn="l" defTabSz="914400" rtl="0" eaLnBrk="1" latinLnBrk="0" hangingPunct="1">
+              <a:defRPr sz="1800" kern="1200">
+                <a:solidFill>
+                  <a:schemeClr val="tx1"/>
+                </a:solidFill>
+                <a:latin typeface="+mn-lt"/>
+                <a:ea typeface="+mn-ea"/>
+                <a:cs typeface="+mn-cs"/>
+              </a:defRPr>
+            </a:lvl2pPr>
+            <a:lvl3pPr marL="914400" algn="l" defTabSz="914400" rtl="0" eaLnBrk="1" latinLnBrk="0" hangingPunct="1">
+              <a:defRPr sz="1800" kern="1200">
+                <a:solidFill>
+                  <a:schemeClr val="tx1"/>
+                </a:solidFill>
+                <a:latin typeface="+mn-lt"/>
+                <a:ea typeface="+mn-ea"/>
+                <a:cs typeface="+mn-cs"/>
+              </a:defRPr>
+            </a:lvl3pPr>
+            <a:lvl4pPr marL="1371600" algn="l" defTabSz="914400" rtl="0" eaLnBrk="1" latinLnBrk="0" hangingPunct="1">
+              <a:defRPr sz="1800" kern="1200">
+                <a:solidFill>
+                  <a:schemeClr val="tx1"/>
+                </a:solidFill>
+                <a:latin typeface="+mn-lt"/>
+                <a:ea typeface="+mn-ea"/>
+                <a:cs typeface="+mn-cs"/>
+              </a:defRPr>
+            </a:lvl4pPr>
+            <a:lvl5pPr marL="1828800" algn="l" defTabSz="914400" rtl="0" eaLnBrk="1" latinLnBrk="0" hangingPunct="1">
+              <a:defRPr sz="1800" kern="1200">
+                <a:solidFill>
+                  <a:schemeClr val="tx1"/>
+                </a:solidFill>
+                <a:latin typeface="+mn-lt"/>
+                <a:ea typeface="+mn-ea"/>
+                <a:cs typeface="+mn-cs"/>
+              </a:defRPr>
+            </a:lvl5pPr>
+            <a:lvl6pPr marL="2286000" algn="l" defTabSz="914400" rtl="0" eaLnBrk="1" latinLnBrk="0" hangingPunct="1">
+              <a:defRPr sz="1800" kern="1200">
+                <a:solidFill>
+                  <a:schemeClr val="tx1"/>
+                </a:solidFill>
+                <a:latin typeface="+mn-lt"/>
+                <a:ea typeface="+mn-ea"/>
+                <a:cs typeface="+mn-cs"/>
+              </a:defRPr>
+            </a:lvl6pPr>
+            <a:lvl7pPr marL="2743200" algn="l" defTabSz="914400" rtl="0" eaLnBrk="1" latinLnBrk="0" hangingPunct="1">
+              <a:defRPr sz="1800" kern="1200">
+                <a:solidFill>
+                  <a:schemeClr val="tx1"/>
+                </a:solidFill>
+                <a:latin typeface="+mn-lt"/>
+                <a:ea typeface="+mn-ea"/>
+                <a:cs typeface="+mn-cs"/>
+              </a:defRPr>
+            </a:lvl7pPr>
+            <a:lvl8pPr marL="3200400" algn="l" defTabSz="914400" rtl="0" eaLnBrk="1" latinLnBrk="0" hangingPunct="1">
+              <a:defRPr sz="1800" kern="1200">
+                <a:solidFill>
+                  <a:schemeClr val="tx1"/>
+                </a:solidFill>
+                <a:latin typeface="+mn-lt"/>
+                <a:ea typeface="+mn-ea"/>
+                <a:cs typeface="+mn-cs"/>
+              </a:defRPr>
+            </a:lvl8pPr>
+            <a:lvl9pPr marL="3657600" algn="l" defTabSz="914400" rtl="0" eaLnBrk="1" latinLnBrk="0" hangingPunct="1">
+              <a:defRPr sz="1800" kern="1200">
+                <a:solidFill>
+                  <a:schemeClr val="tx1"/>
+                </a:solidFill>
+                <a:latin typeface="+mn-lt"/>
+                <a:ea typeface="+mn-ea"/>
+                <a:cs typeface="+mn-cs"/>
+              </a:defRPr>
+            </a:lvl9pPr>
+          </a:lstStyle>
+          <a:p>
+            <a:pPr eaLnBrk="0" fontAlgn="base" hangingPunct="0">
+              <a:spcBef>
+                <a:spcPct val="0"/>
+              </a:spcBef>
+              <a:spcAft>
+                <a:spcPct val="0"/>
+              </a:spcAft>
+            </a:pPr>
+            <a:r>
+              <a:rPr lang="en-IN" sz="2000" dirty="0">
+                <a:solidFill>
+                  <a:srgbClr val="0077AA"/>
+                </a:solidFill>
+                <a:latin typeface="Liberation Mono"/>
+              </a:rPr>
+              <a:t>CREATE SCHEMA </a:t>
+            </a:r>
+            <a:r>
+              <a:rPr lang="en-IN" sz="2000" dirty="0">
+                <a:latin typeface="Liberation Mono"/>
+              </a:rPr>
+              <a:t>[</a:t>
+            </a:r>
+            <a:r>
+              <a:rPr lang="en-IN" sz="2000" dirty="0">
+                <a:solidFill>
+                  <a:schemeClr val="tx1">
+                    <a:lumMod val="65000"/>
+                    <a:lumOff val="35000"/>
+                  </a:schemeClr>
+                </a:solidFill>
+                <a:latin typeface="Liberation Mono"/>
+              </a:rPr>
+              <a:t>IF NOT EXISTS</a:t>
+            </a:r>
+            <a:r>
+              <a:rPr lang="en-IN" sz="2000" dirty="0">
+                <a:latin typeface="Liberation Mono"/>
+              </a:rPr>
+              <a:t>]</a:t>
+            </a:r>
+            <a:r>
+              <a:rPr lang="en-IN" sz="2000" dirty="0">
+                <a:solidFill>
+                  <a:srgbClr val="0077AA"/>
+                </a:solidFill>
+                <a:latin typeface="Liberation Mono"/>
+              </a:rPr>
+              <a:t> </a:t>
+            </a:r>
+            <a:r>
+              <a:rPr lang="en-IN" sz="2000" dirty="0">
+                <a:solidFill>
+                  <a:srgbClr val="669900"/>
+                </a:solidFill>
+                <a:latin typeface="Liberation Mono"/>
+              </a:rPr>
+              <a:t>schema_name </a:t>
+            </a:r>
+            <a:r>
+              <a:rPr lang="en-IN" sz="2000" dirty="0">
+                <a:latin typeface="Liberation Mono"/>
+              </a:rPr>
+              <a:t>[</a:t>
+            </a:r>
+            <a:r>
+              <a:rPr lang="en-IN" sz="2000" dirty="0">
+                <a:solidFill>
+                  <a:srgbClr val="0077AA"/>
+                </a:solidFill>
+                <a:latin typeface="Liberation Mono"/>
+              </a:rPr>
+              <a:t> </a:t>
+            </a:r>
+            <a:r>
+              <a:rPr lang="en-IN" sz="2000" dirty="0">
+                <a:solidFill>
+                  <a:srgbClr val="FD8603"/>
+                </a:solidFill>
+                <a:latin typeface="Liberation Mono"/>
+              </a:rPr>
+              <a:t>RESTRICT</a:t>
+            </a:r>
+            <a:r>
+              <a:rPr lang="en-IN" sz="2000" dirty="0">
+                <a:solidFill>
+                  <a:srgbClr val="0077AA"/>
+                </a:solidFill>
+                <a:latin typeface="Liberation Mono"/>
+              </a:rPr>
+              <a:t> </a:t>
+            </a:r>
+            <a:r>
+              <a:rPr lang="en-IN" sz="2000" dirty="0">
+                <a:latin typeface="Liberation Mono"/>
+              </a:rPr>
+              <a:t>|</a:t>
+            </a:r>
+            <a:r>
+              <a:rPr lang="en-IN" sz="2000" dirty="0">
+                <a:solidFill>
+                  <a:srgbClr val="0077AA"/>
+                </a:solidFill>
+                <a:latin typeface="Liberation Mono"/>
+              </a:rPr>
+              <a:t> </a:t>
+            </a:r>
+            <a:r>
+              <a:rPr lang="en-IN" sz="2000" dirty="0">
+                <a:solidFill>
+                  <a:srgbClr val="FD8603"/>
+                </a:solidFill>
+                <a:latin typeface="Liberation Mono"/>
+              </a:rPr>
+              <a:t>CASCADE</a:t>
+            </a:r>
+            <a:r>
+              <a:rPr lang="en-IN" sz="2000" dirty="0">
+                <a:solidFill>
+                  <a:srgbClr val="0077AA"/>
+                </a:solidFill>
+                <a:latin typeface="Liberation Mono"/>
+              </a:rPr>
+              <a:t> </a:t>
+            </a:r>
+            <a:r>
+              <a:rPr lang="en-IN" sz="2000" dirty="0">
+                <a:latin typeface="Liberation Mono"/>
+              </a:rPr>
+              <a:t>]</a:t>
+            </a:r>
+          </a:p>
+        </p:txBody>
+      </p:sp>
+      <p:sp>
+        <p:nvSpPr>
+          <p:cNvPr id="13" name="TextBox 12">
+            <a:extLst>
+              <a:ext uri="{FF2B5EF4-FFF2-40B4-BE49-F238E27FC236}">
+                <a16:creationId xmlns:a16="http://schemas.microsoft.com/office/drawing/2014/main" id="{FE0D621C-B7EA-005E-2D73-82FBDAEDE0E2}"/>
+              </a:ext>
+            </a:extLst>
+          </p:cNvPr>
+          <p:cNvSpPr txBox="1"/>
+          <p:nvPr/>
+        </p:nvSpPr>
+        <p:spPr>
+          <a:xfrm>
+            <a:off x="263352" y="3933056"/>
+            <a:ext cx="11593288" cy="646331"/>
+          </a:xfrm>
+          <a:prstGeom prst="rect">
+            <a:avLst/>
+          </a:prstGeom>
+          <a:noFill/>
+        </p:spPr>
+        <p:txBody>
+          <a:bodyPr wrap="square">
+            <a:spAutoFit/>
+          </a:bodyPr>
+          <a:lstStyle/>
+          <a:p>
+            <a:r>
+              <a:rPr lang="en-IN" dirty="0">
+                <a:latin typeface="Arial" panose="020B0604020202020204" pitchFamily="34" charset="0"/>
+                <a:cs typeface="Arial" panose="020B0604020202020204" pitchFamily="34" charset="0"/>
+              </a:rPr>
+              <a:t>The command will fail if objects in this schema exist and the RESTRICT clause is used (the default). All objects in this schema are dropped as well if the CASCADE clause is used.</a:t>
+            </a:r>
+          </a:p>
+        </p:txBody>
+      </p:sp>
+    </p:spTree>
+    <p:extLst>
+      <p:ext uri="{BB962C8B-B14F-4D97-AF65-F5344CB8AC3E}">
+        <p14:creationId xmlns:p14="http://schemas.microsoft.com/office/powerpoint/2010/main" val="2505048848"/>
+      </p:ext>
+    </p:extLst>
+  </p:cSld>
+  <p:clrMapOvr>
+    <a:masterClrMapping/>
+  </p:clrMapOvr>
+</p:sld>
+</file>
+
+<file path=ppt/slides/slide70.xml><?xml version="1.0" encoding="utf-8"?>
 <p:sld xmlns:a="http://schemas.openxmlformats.org/drawingml/2006/main" xmlns:r="http://schemas.openxmlformats.org/officeDocument/2006/relationships" xmlns:p="http://schemas.openxmlformats.org/presentationml/2006/main" showMasterSp="0">
   <p:cSld>
     <p:spTree>
@@ -44947,883 +48995,6 @@
     <p:extLst>
       <p:ext uri="{BB962C8B-B14F-4D97-AF65-F5344CB8AC3E}">
         <p14:creationId xmlns:p14="http://schemas.microsoft.com/office/powerpoint/2010/main" val="1148130326"/>
-      </p:ext>
-    </p:extLst>
-  </p:cSld>
-  <p:clrMapOvr>
-    <a:masterClrMapping/>
-  </p:clrMapOvr>
-</p:sld>
-</file>
-
-<file path=ppt/slides/slide7.xml><?xml version="1.0" encoding="utf-8"?>
-<p:sld xmlns:a="http://schemas.openxmlformats.org/drawingml/2006/main" xmlns:r="http://schemas.openxmlformats.org/officeDocument/2006/relationships" xmlns:p="http://schemas.openxmlformats.org/presentationml/2006/main" showMasterSp="0">
-  <p:cSld>
-    <p:spTree>
-      <p:nvGrpSpPr>
-        <p:cNvPr id="1" name=""/>
-        <p:cNvGrpSpPr/>
-        <p:nvPr/>
-      </p:nvGrpSpPr>
-      <p:grpSpPr>
-        <a:xfrm>
-          <a:off x="0" y="0"/>
-          <a:ext cx="0" cy="0"/>
-          <a:chOff x="0" y="0"/>
-          <a:chExt cx="0" cy="0"/>
-        </a:xfrm>
-      </p:grpSpPr>
-      <p:sp>
-        <p:nvSpPr>
-          <p:cNvPr id="4" name="Rectangle 3"/>
-          <p:cNvSpPr/>
-          <p:nvPr/>
-        </p:nvSpPr>
-        <p:spPr>
-          <a:xfrm>
-            <a:off x="1524000" y="1"/>
-            <a:ext cx="9144000" cy="584775"/>
-          </a:xfrm>
-          <a:prstGeom prst="rect">
-            <a:avLst/>
-          </a:prstGeom>
-          <a:noFill/>
-        </p:spPr>
-        <p:txBody>
-          <a:bodyPr wrap="square">
-            <a:spAutoFit/>
-          </a:bodyPr>
-          <a:lstStyle/>
-          <a:p>
-            <a:pPr algn="r"/>
-            <a:r>
-              <a:rPr lang="en-IN" sz="3200" i="1" dirty="0">
-                <a:solidFill>
-                  <a:srgbClr val="FF9900"/>
-                </a:solidFill>
-                <a:latin typeface="Arial" pitchFamily="34" charset="0"/>
-                <a:cs typeface="Arial" pitchFamily="34" charset="0"/>
-              </a:rPr>
-              <a:t>create / drop schema</a:t>
-            </a:r>
-          </a:p>
-        </p:txBody>
-      </p:sp>
-      <p:sp>
-        <p:nvSpPr>
-          <p:cNvPr id="6" name="Rectangle 5"/>
-          <p:cNvSpPr/>
-          <p:nvPr/>
-        </p:nvSpPr>
-        <p:spPr>
-          <a:xfrm>
-            <a:off x="263352" y="2044575"/>
-            <a:ext cx="8839199" cy="880369"/>
-          </a:xfrm>
-          <a:prstGeom prst="rect">
-            <a:avLst/>
-          </a:prstGeom>
-        </p:spPr>
-        <p:txBody>
-          <a:bodyPr wrap="square">
-            <a:spAutoFit/>
-          </a:bodyPr>
-          <a:lstStyle/>
-          <a:p>
-            <a:pPr marL="285750" indent="-285750">
-              <a:lnSpc>
-                <a:spcPct val="150000"/>
-              </a:lnSpc>
-              <a:buFont typeface="Arial" panose="020B0604020202020204" pitchFamily="34" charset="0"/>
-              <a:buChar char="•"/>
-            </a:pPr>
-            <a:r>
-              <a:rPr lang="en-IN" dirty="0">
-                <a:solidFill>
-                  <a:srgbClr val="0070C0"/>
-                </a:solidFill>
-                <a:latin typeface="Liberation Mono"/>
-                <a:ea typeface="Arial Unicode MS"/>
-                <a:cs typeface="Arial" panose="020B0604020202020204" pitchFamily="34" charset="0"/>
-              </a:rPr>
-              <a:t>CREATE SCHEMA </a:t>
-            </a:r>
-            <a:r>
-              <a:rPr lang="en-IN" dirty="0">
-                <a:latin typeface="Liberation Mono"/>
-              </a:rPr>
-              <a:t>H2DB</a:t>
-            </a:r>
-            <a:r>
-              <a:rPr lang="en-IN" dirty="0">
-                <a:latin typeface="Liberation Mono"/>
-                <a:ea typeface="Arial Unicode MS"/>
-                <a:cs typeface="Arial" panose="020B0604020202020204" pitchFamily="34" charset="0"/>
-              </a:rPr>
-              <a:t>;</a:t>
-            </a:r>
-          </a:p>
-          <a:p>
-            <a:pPr marL="285750" indent="-285750">
-              <a:lnSpc>
-                <a:spcPct val="150000"/>
-              </a:lnSpc>
-              <a:buFont typeface="Arial" panose="020B0604020202020204" pitchFamily="34" charset="0"/>
-              <a:buChar char="•"/>
-            </a:pPr>
-            <a:r>
-              <a:rPr lang="en-IN" dirty="0">
-                <a:solidFill>
-                  <a:srgbClr val="0070C0"/>
-                </a:solidFill>
-                <a:latin typeface="Liberation Mono"/>
-                <a:ea typeface="Arial Unicode MS"/>
-                <a:cs typeface="Arial" panose="020B0604020202020204" pitchFamily="34" charset="0"/>
-              </a:rPr>
-              <a:t>CREATE SCHEMA </a:t>
-            </a:r>
-            <a:r>
-              <a:rPr lang="en-IN" dirty="0">
-                <a:solidFill>
-                  <a:schemeClr val="tx1">
-                    <a:lumMod val="65000"/>
-                    <a:lumOff val="35000"/>
-                  </a:schemeClr>
-                </a:solidFill>
-                <a:latin typeface="Liberation Mono"/>
-              </a:rPr>
-              <a:t>IF NOT EXISTS</a:t>
-            </a:r>
-            <a:r>
-              <a:rPr lang="en-IN" dirty="0">
-                <a:solidFill>
-                  <a:srgbClr val="A67F59"/>
-                </a:solidFill>
-                <a:latin typeface="Liberation Mono"/>
-              </a:rPr>
-              <a:t> </a:t>
-            </a:r>
-            <a:r>
-              <a:rPr lang="en-IN" dirty="0">
-                <a:latin typeface="Liberation Mono"/>
-              </a:rPr>
-              <a:t>H2DB</a:t>
-            </a:r>
-            <a:r>
-              <a:rPr lang="en-IN" dirty="0">
-                <a:latin typeface="Liberation Mono"/>
-                <a:ea typeface="Arial Unicode MS"/>
-                <a:cs typeface="Arial" panose="020B0604020202020204" pitchFamily="34" charset="0"/>
-              </a:rPr>
-              <a:t>;</a:t>
-            </a:r>
-          </a:p>
-        </p:txBody>
-      </p:sp>
-      <p:sp>
-        <p:nvSpPr>
-          <p:cNvPr id="7" name="Rectangle 6"/>
-          <p:cNvSpPr/>
-          <p:nvPr/>
-        </p:nvSpPr>
-        <p:spPr>
-          <a:xfrm>
-            <a:off x="263352" y="703184"/>
-            <a:ext cx="11593288" cy="369332"/>
-          </a:xfrm>
-          <a:prstGeom prst="rect">
-            <a:avLst/>
-          </a:prstGeom>
-          <a:solidFill>
-            <a:srgbClr val="EAE2DA"/>
-          </a:solidFill>
-        </p:spPr>
-        <p:txBody>
-          <a:bodyPr wrap="square">
-            <a:spAutoFit/>
-          </a:bodyPr>
-          <a:lstStyle/>
-          <a:p>
-            <a:r>
-              <a:rPr lang="en-IN" dirty="0">
-                <a:latin typeface="Arial" panose="020B0604020202020204" pitchFamily="34" charset="0"/>
-                <a:cs typeface="Arial" panose="020B0604020202020204" pitchFamily="34" charset="0"/>
-              </a:rPr>
-              <a:t>CREATE SCHEMA creates a new schema with the given name.</a:t>
-            </a:r>
-          </a:p>
-        </p:txBody>
-      </p:sp>
-      <p:sp>
-        <p:nvSpPr>
-          <p:cNvPr id="9" name="Rectangle 8">
-            <a:extLst>
-              <a:ext uri="{FF2B5EF4-FFF2-40B4-BE49-F238E27FC236}">
-                <a16:creationId xmlns:a16="http://schemas.microsoft.com/office/drawing/2014/main" id="{4C6B98D5-E605-54B1-47C2-70D45F1EAC89}"/>
-              </a:ext>
-            </a:extLst>
-          </p:cNvPr>
-          <p:cNvSpPr/>
-          <p:nvPr/>
-        </p:nvSpPr>
-        <p:spPr>
-          <a:xfrm>
-            <a:off x="263352" y="1412776"/>
-            <a:ext cx="8773885" cy="400110"/>
-          </a:xfrm>
-          <a:prstGeom prst="rect">
-            <a:avLst/>
-          </a:prstGeom>
-        </p:spPr>
-        <p:txBody>
-          <a:bodyPr wrap="square">
-            <a:spAutoFit/>
-          </a:bodyPr>
-          <a:lstStyle>
-            <a:defPPr>
-              <a:defRPr lang="en-US"/>
-            </a:defPPr>
-            <a:lvl1pPr marL="0" algn="l" defTabSz="914400" rtl="0" eaLnBrk="1" latinLnBrk="0" hangingPunct="1">
-              <a:defRPr sz="1800" kern="1200">
-                <a:solidFill>
-                  <a:schemeClr val="tx1"/>
-                </a:solidFill>
-                <a:latin typeface="+mn-lt"/>
-                <a:ea typeface="+mn-ea"/>
-                <a:cs typeface="+mn-cs"/>
-              </a:defRPr>
-            </a:lvl1pPr>
-            <a:lvl2pPr marL="457200" algn="l" defTabSz="914400" rtl="0" eaLnBrk="1" latinLnBrk="0" hangingPunct="1">
-              <a:defRPr sz="1800" kern="1200">
-                <a:solidFill>
-                  <a:schemeClr val="tx1"/>
-                </a:solidFill>
-                <a:latin typeface="+mn-lt"/>
-                <a:ea typeface="+mn-ea"/>
-                <a:cs typeface="+mn-cs"/>
-              </a:defRPr>
-            </a:lvl2pPr>
-            <a:lvl3pPr marL="914400" algn="l" defTabSz="914400" rtl="0" eaLnBrk="1" latinLnBrk="0" hangingPunct="1">
-              <a:defRPr sz="1800" kern="1200">
-                <a:solidFill>
-                  <a:schemeClr val="tx1"/>
-                </a:solidFill>
-                <a:latin typeface="+mn-lt"/>
-                <a:ea typeface="+mn-ea"/>
-                <a:cs typeface="+mn-cs"/>
-              </a:defRPr>
-            </a:lvl3pPr>
-            <a:lvl4pPr marL="1371600" algn="l" defTabSz="914400" rtl="0" eaLnBrk="1" latinLnBrk="0" hangingPunct="1">
-              <a:defRPr sz="1800" kern="1200">
-                <a:solidFill>
-                  <a:schemeClr val="tx1"/>
-                </a:solidFill>
-                <a:latin typeface="+mn-lt"/>
-                <a:ea typeface="+mn-ea"/>
-                <a:cs typeface="+mn-cs"/>
-              </a:defRPr>
-            </a:lvl4pPr>
-            <a:lvl5pPr marL="1828800" algn="l" defTabSz="914400" rtl="0" eaLnBrk="1" latinLnBrk="0" hangingPunct="1">
-              <a:defRPr sz="1800" kern="1200">
-                <a:solidFill>
-                  <a:schemeClr val="tx1"/>
-                </a:solidFill>
-                <a:latin typeface="+mn-lt"/>
-                <a:ea typeface="+mn-ea"/>
-                <a:cs typeface="+mn-cs"/>
-              </a:defRPr>
-            </a:lvl5pPr>
-            <a:lvl6pPr marL="2286000" algn="l" defTabSz="914400" rtl="0" eaLnBrk="1" latinLnBrk="0" hangingPunct="1">
-              <a:defRPr sz="1800" kern="1200">
-                <a:solidFill>
-                  <a:schemeClr val="tx1"/>
-                </a:solidFill>
-                <a:latin typeface="+mn-lt"/>
-                <a:ea typeface="+mn-ea"/>
-                <a:cs typeface="+mn-cs"/>
-              </a:defRPr>
-            </a:lvl6pPr>
-            <a:lvl7pPr marL="2743200" algn="l" defTabSz="914400" rtl="0" eaLnBrk="1" latinLnBrk="0" hangingPunct="1">
-              <a:defRPr sz="1800" kern="1200">
-                <a:solidFill>
-                  <a:schemeClr val="tx1"/>
-                </a:solidFill>
-                <a:latin typeface="+mn-lt"/>
-                <a:ea typeface="+mn-ea"/>
-                <a:cs typeface="+mn-cs"/>
-              </a:defRPr>
-            </a:lvl7pPr>
-            <a:lvl8pPr marL="3200400" algn="l" defTabSz="914400" rtl="0" eaLnBrk="1" latinLnBrk="0" hangingPunct="1">
-              <a:defRPr sz="1800" kern="1200">
-                <a:solidFill>
-                  <a:schemeClr val="tx1"/>
-                </a:solidFill>
-                <a:latin typeface="+mn-lt"/>
-                <a:ea typeface="+mn-ea"/>
-                <a:cs typeface="+mn-cs"/>
-              </a:defRPr>
-            </a:lvl8pPr>
-            <a:lvl9pPr marL="3657600" algn="l" defTabSz="914400" rtl="0" eaLnBrk="1" latinLnBrk="0" hangingPunct="1">
-              <a:defRPr sz="1800" kern="1200">
-                <a:solidFill>
-                  <a:schemeClr val="tx1"/>
-                </a:solidFill>
-                <a:latin typeface="+mn-lt"/>
-                <a:ea typeface="+mn-ea"/>
-                <a:cs typeface="+mn-cs"/>
-              </a:defRPr>
-            </a:lvl9pPr>
-          </a:lstStyle>
-          <a:p>
-            <a:pPr eaLnBrk="0" fontAlgn="base" hangingPunct="0">
-              <a:spcBef>
-                <a:spcPct val="0"/>
-              </a:spcBef>
-              <a:spcAft>
-                <a:spcPct val="0"/>
-              </a:spcAft>
-            </a:pPr>
-            <a:r>
-              <a:rPr lang="en-IN" sz="2000" dirty="0">
-                <a:solidFill>
-                  <a:srgbClr val="0077AA"/>
-                </a:solidFill>
-                <a:latin typeface="Liberation Mono"/>
-              </a:rPr>
-              <a:t>CREATE SCHEMA </a:t>
-            </a:r>
-            <a:r>
-              <a:rPr lang="en-IN" sz="2000" dirty="0">
-                <a:latin typeface="Liberation Mono"/>
-              </a:rPr>
-              <a:t>[</a:t>
-            </a:r>
-            <a:r>
-              <a:rPr lang="en-IN" sz="2000" dirty="0">
-                <a:solidFill>
-                  <a:schemeClr val="tx1">
-                    <a:lumMod val="65000"/>
-                    <a:lumOff val="35000"/>
-                  </a:schemeClr>
-                </a:solidFill>
-                <a:latin typeface="Liberation Mono"/>
-              </a:rPr>
-              <a:t>IF NOT EXISTS</a:t>
-            </a:r>
-            <a:r>
-              <a:rPr lang="en-IN" sz="2000" dirty="0">
-                <a:latin typeface="Liberation Mono"/>
-              </a:rPr>
-              <a:t>]</a:t>
-            </a:r>
-            <a:r>
-              <a:rPr lang="en-IN" sz="2000" dirty="0">
-                <a:solidFill>
-                  <a:srgbClr val="0077AA"/>
-                </a:solidFill>
-                <a:latin typeface="Liberation Mono"/>
-              </a:rPr>
-              <a:t> </a:t>
-            </a:r>
-            <a:r>
-              <a:rPr lang="en-IN" sz="2000" dirty="0">
-                <a:solidFill>
-                  <a:srgbClr val="669900"/>
-                </a:solidFill>
-                <a:latin typeface="Liberation Mono"/>
-              </a:rPr>
-              <a:t>schema_name </a:t>
-            </a:r>
-            <a:r>
-              <a:rPr lang="en-IN" sz="2000" dirty="0">
-                <a:solidFill>
-                  <a:srgbClr val="0077AA"/>
-                </a:solidFill>
-                <a:latin typeface="Liberation Mono"/>
-              </a:rPr>
-              <a:t>AUTHORIZATION </a:t>
-            </a:r>
-            <a:r>
-              <a:rPr lang="en-IN" sz="2000" dirty="0">
-                <a:latin typeface="Liberation Mono"/>
-              </a:rPr>
-              <a:t>ownerName</a:t>
-            </a:r>
-          </a:p>
-        </p:txBody>
-      </p:sp>
-      <p:sp>
-        <p:nvSpPr>
-          <p:cNvPr id="2" name="Rectangle 1">
-            <a:extLst>
-              <a:ext uri="{FF2B5EF4-FFF2-40B4-BE49-F238E27FC236}">
-                <a16:creationId xmlns:a16="http://schemas.microsoft.com/office/drawing/2014/main" id="{C84B1048-8328-D253-1A36-1E7347CBADB4}"/>
-              </a:ext>
-            </a:extLst>
-          </p:cNvPr>
-          <p:cNvSpPr/>
-          <p:nvPr/>
-        </p:nvSpPr>
-        <p:spPr>
-          <a:xfrm>
-            <a:off x="263352" y="5445224"/>
-            <a:ext cx="8839199" cy="880369"/>
-          </a:xfrm>
-          <a:prstGeom prst="rect">
-            <a:avLst/>
-          </a:prstGeom>
-        </p:spPr>
-        <p:txBody>
-          <a:bodyPr wrap="square">
-            <a:spAutoFit/>
-          </a:bodyPr>
-          <a:lstStyle/>
-          <a:p>
-            <a:pPr marL="285750" indent="-285750">
-              <a:lnSpc>
-                <a:spcPct val="150000"/>
-              </a:lnSpc>
-              <a:buFont typeface="Arial" panose="020B0604020202020204" pitchFamily="34" charset="0"/>
-              <a:buChar char="•"/>
-            </a:pPr>
-            <a:r>
-              <a:rPr lang="en-IN" dirty="0">
-                <a:solidFill>
-                  <a:srgbClr val="0070C0"/>
-                </a:solidFill>
-                <a:latin typeface="Liberation Mono"/>
-                <a:ea typeface="Arial Unicode MS"/>
-                <a:cs typeface="Arial" panose="020B0604020202020204" pitchFamily="34" charset="0"/>
-              </a:rPr>
-              <a:t>DROP SCHEMA </a:t>
-            </a:r>
-            <a:r>
-              <a:rPr lang="en-IN" dirty="0">
-                <a:latin typeface="Liberation Mono"/>
-              </a:rPr>
-              <a:t>H2DB </a:t>
-            </a:r>
-            <a:r>
-              <a:rPr lang="en-IN" dirty="0">
-                <a:solidFill>
-                  <a:srgbClr val="FD8603"/>
-                </a:solidFill>
-                <a:latin typeface="Liberation Mono"/>
-              </a:rPr>
-              <a:t>CASCADE</a:t>
-            </a:r>
-            <a:r>
-              <a:rPr lang="en-IN" dirty="0">
-                <a:latin typeface="Liberation Mono"/>
-                <a:ea typeface="Arial Unicode MS"/>
-                <a:cs typeface="Arial" panose="020B0604020202020204" pitchFamily="34" charset="0"/>
-              </a:rPr>
-              <a:t>;</a:t>
-            </a:r>
-          </a:p>
-          <a:p>
-            <a:pPr marL="285750" indent="-285750">
-              <a:lnSpc>
-                <a:spcPct val="150000"/>
-              </a:lnSpc>
-              <a:buFont typeface="Arial" panose="020B0604020202020204" pitchFamily="34" charset="0"/>
-              <a:buChar char="•"/>
-            </a:pPr>
-            <a:r>
-              <a:rPr lang="en-IN" dirty="0">
-                <a:solidFill>
-                  <a:srgbClr val="0070C0"/>
-                </a:solidFill>
-                <a:latin typeface="Liberation Mono"/>
-                <a:ea typeface="Arial Unicode MS"/>
-                <a:cs typeface="Arial" panose="020B0604020202020204" pitchFamily="34" charset="0"/>
-              </a:rPr>
-              <a:t>DROP SCHEMA </a:t>
-            </a:r>
-            <a:r>
-              <a:rPr lang="en-IN" dirty="0">
-                <a:solidFill>
-                  <a:schemeClr val="tx1">
-                    <a:lumMod val="65000"/>
-                    <a:lumOff val="35000"/>
-                  </a:schemeClr>
-                </a:solidFill>
-                <a:latin typeface="Liberation Mono"/>
-              </a:rPr>
-              <a:t>IF NOT EXISTS</a:t>
-            </a:r>
-            <a:r>
-              <a:rPr lang="en-IN" dirty="0">
-                <a:solidFill>
-                  <a:srgbClr val="A67F59"/>
-                </a:solidFill>
-                <a:latin typeface="Liberation Mono"/>
-              </a:rPr>
-              <a:t> </a:t>
-            </a:r>
-            <a:r>
-              <a:rPr lang="en-IN" dirty="0">
-                <a:latin typeface="Liberation Mono"/>
-              </a:rPr>
-              <a:t>H2DB </a:t>
-            </a:r>
-            <a:r>
-              <a:rPr lang="en-IN" dirty="0">
-                <a:solidFill>
-                  <a:srgbClr val="FD8603"/>
-                </a:solidFill>
-                <a:latin typeface="Liberation Mono"/>
-              </a:rPr>
-              <a:t>CASCADE</a:t>
-            </a:r>
-            <a:r>
-              <a:rPr lang="en-IN" dirty="0">
-                <a:latin typeface="Liberation Mono"/>
-                <a:ea typeface="Arial Unicode MS"/>
-                <a:cs typeface="Arial" panose="020B0604020202020204" pitchFamily="34" charset="0"/>
-              </a:rPr>
-              <a:t>;</a:t>
-            </a:r>
-          </a:p>
-        </p:txBody>
-      </p:sp>
-      <p:sp>
-        <p:nvSpPr>
-          <p:cNvPr id="3" name="Rectangle 2">
-            <a:extLst>
-              <a:ext uri="{FF2B5EF4-FFF2-40B4-BE49-F238E27FC236}">
-                <a16:creationId xmlns:a16="http://schemas.microsoft.com/office/drawing/2014/main" id="{AB71C056-7C4D-252B-5717-C6399A62D5F7}"/>
-              </a:ext>
-            </a:extLst>
-          </p:cNvPr>
-          <p:cNvSpPr/>
-          <p:nvPr/>
-        </p:nvSpPr>
-        <p:spPr>
-          <a:xfrm>
-            <a:off x="263352" y="3356992"/>
-            <a:ext cx="11593288" cy="369332"/>
-          </a:xfrm>
-          <a:prstGeom prst="rect">
-            <a:avLst/>
-          </a:prstGeom>
-          <a:solidFill>
-            <a:srgbClr val="EAE2DA"/>
-          </a:solidFill>
-        </p:spPr>
-        <p:txBody>
-          <a:bodyPr wrap="square">
-            <a:spAutoFit/>
-          </a:bodyPr>
-          <a:lstStyle/>
-          <a:p>
-            <a:r>
-              <a:rPr lang="en-IN" dirty="0">
-                <a:latin typeface="Arial" panose="020B0604020202020204" pitchFamily="34" charset="0"/>
-                <a:cs typeface="Arial" panose="020B0604020202020204" pitchFamily="34" charset="0"/>
-              </a:rPr>
-              <a:t>DROP SCHEMA will drop the existing schema.</a:t>
-            </a:r>
-          </a:p>
-        </p:txBody>
-      </p:sp>
-      <p:sp>
-        <p:nvSpPr>
-          <p:cNvPr id="5" name="Rectangle 4">
-            <a:extLst>
-              <a:ext uri="{FF2B5EF4-FFF2-40B4-BE49-F238E27FC236}">
-                <a16:creationId xmlns:a16="http://schemas.microsoft.com/office/drawing/2014/main" id="{E47C98AE-ED7B-7496-78AD-F04026512752}"/>
-              </a:ext>
-            </a:extLst>
-          </p:cNvPr>
-          <p:cNvSpPr/>
-          <p:nvPr/>
-        </p:nvSpPr>
-        <p:spPr>
-          <a:xfrm>
-            <a:off x="263352" y="4797152"/>
-            <a:ext cx="8773885" cy="400110"/>
-          </a:xfrm>
-          <a:prstGeom prst="rect">
-            <a:avLst/>
-          </a:prstGeom>
-        </p:spPr>
-        <p:txBody>
-          <a:bodyPr wrap="square">
-            <a:spAutoFit/>
-          </a:bodyPr>
-          <a:lstStyle>
-            <a:defPPr>
-              <a:defRPr lang="en-US"/>
-            </a:defPPr>
-            <a:lvl1pPr marL="0" algn="l" defTabSz="914400" rtl="0" eaLnBrk="1" latinLnBrk="0" hangingPunct="1">
-              <a:defRPr sz="1800" kern="1200">
-                <a:solidFill>
-                  <a:schemeClr val="tx1"/>
-                </a:solidFill>
-                <a:latin typeface="+mn-lt"/>
-                <a:ea typeface="+mn-ea"/>
-                <a:cs typeface="+mn-cs"/>
-              </a:defRPr>
-            </a:lvl1pPr>
-            <a:lvl2pPr marL="457200" algn="l" defTabSz="914400" rtl="0" eaLnBrk="1" latinLnBrk="0" hangingPunct="1">
-              <a:defRPr sz="1800" kern="1200">
-                <a:solidFill>
-                  <a:schemeClr val="tx1"/>
-                </a:solidFill>
-                <a:latin typeface="+mn-lt"/>
-                <a:ea typeface="+mn-ea"/>
-                <a:cs typeface="+mn-cs"/>
-              </a:defRPr>
-            </a:lvl2pPr>
-            <a:lvl3pPr marL="914400" algn="l" defTabSz="914400" rtl="0" eaLnBrk="1" latinLnBrk="0" hangingPunct="1">
-              <a:defRPr sz="1800" kern="1200">
-                <a:solidFill>
-                  <a:schemeClr val="tx1"/>
-                </a:solidFill>
-                <a:latin typeface="+mn-lt"/>
-                <a:ea typeface="+mn-ea"/>
-                <a:cs typeface="+mn-cs"/>
-              </a:defRPr>
-            </a:lvl3pPr>
-            <a:lvl4pPr marL="1371600" algn="l" defTabSz="914400" rtl="0" eaLnBrk="1" latinLnBrk="0" hangingPunct="1">
-              <a:defRPr sz="1800" kern="1200">
-                <a:solidFill>
-                  <a:schemeClr val="tx1"/>
-                </a:solidFill>
-                <a:latin typeface="+mn-lt"/>
-                <a:ea typeface="+mn-ea"/>
-                <a:cs typeface="+mn-cs"/>
-              </a:defRPr>
-            </a:lvl4pPr>
-            <a:lvl5pPr marL="1828800" algn="l" defTabSz="914400" rtl="0" eaLnBrk="1" latinLnBrk="0" hangingPunct="1">
-              <a:defRPr sz="1800" kern="1200">
-                <a:solidFill>
-                  <a:schemeClr val="tx1"/>
-                </a:solidFill>
-                <a:latin typeface="+mn-lt"/>
-                <a:ea typeface="+mn-ea"/>
-                <a:cs typeface="+mn-cs"/>
-              </a:defRPr>
-            </a:lvl5pPr>
-            <a:lvl6pPr marL="2286000" algn="l" defTabSz="914400" rtl="0" eaLnBrk="1" latinLnBrk="0" hangingPunct="1">
-              <a:defRPr sz="1800" kern="1200">
-                <a:solidFill>
-                  <a:schemeClr val="tx1"/>
-                </a:solidFill>
-                <a:latin typeface="+mn-lt"/>
-                <a:ea typeface="+mn-ea"/>
-                <a:cs typeface="+mn-cs"/>
-              </a:defRPr>
-            </a:lvl6pPr>
-            <a:lvl7pPr marL="2743200" algn="l" defTabSz="914400" rtl="0" eaLnBrk="1" latinLnBrk="0" hangingPunct="1">
-              <a:defRPr sz="1800" kern="1200">
-                <a:solidFill>
-                  <a:schemeClr val="tx1"/>
-                </a:solidFill>
-                <a:latin typeface="+mn-lt"/>
-                <a:ea typeface="+mn-ea"/>
-                <a:cs typeface="+mn-cs"/>
-              </a:defRPr>
-            </a:lvl7pPr>
-            <a:lvl8pPr marL="3200400" algn="l" defTabSz="914400" rtl="0" eaLnBrk="1" latinLnBrk="0" hangingPunct="1">
-              <a:defRPr sz="1800" kern="1200">
-                <a:solidFill>
-                  <a:schemeClr val="tx1"/>
-                </a:solidFill>
-                <a:latin typeface="+mn-lt"/>
-                <a:ea typeface="+mn-ea"/>
-                <a:cs typeface="+mn-cs"/>
-              </a:defRPr>
-            </a:lvl8pPr>
-            <a:lvl9pPr marL="3657600" algn="l" defTabSz="914400" rtl="0" eaLnBrk="1" latinLnBrk="0" hangingPunct="1">
-              <a:defRPr sz="1800" kern="1200">
-                <a:solidFill>
-                  <a:schemeClr val="tx1"/>
-                </a:solidFill>
-                <a:latin typeface="+mn-lt"/>
-                <a:ea typeface="+mn-ea"/>
-                <a:cs typeface="+mn-cs"/>
-              </a:defRPr>
-            </a:lvl9pPr>
-          </a:lstStyle>
-          <a:p>
-            <a:pPr eaLnBrk="0" fontAlgn="base" hangingPunct="0">
-              <a:spcBef>
-                <a:spcPct val="0"/>
-              </a:spcBef>
-              <a:spcAft>
-                <a:spcPct val="0"/>
-              </a:spcAft>
-            </a:pPr>
-            <a:r>
-              <a:rPr lang="en-IN" sz="2000" dirty="0">
-                <a:solidFill>
-                  <a:srgbClr val="0077AA"/>
-                </a:solidFill>
-                <a:latin typeface="Liberation Mono"/>
-              </a:rPr>
-              <a:t>CREATE SCHEMA </a:t>
-            </a:r>
-            <a:r>
-              <a:rPr lang="en-IN" sz="2000" dirty="0">
-                <a:latin typeface="Liberation Mono"/>
-              </a:rPr>
-              <a:t>[</a:t>
-            </a:r>
-            <a:r>
-              <a:rPr lang="en-IN" sz="2000" dirty="0">
-                <a:solidFill>
-                  <a:schemeClr val="tx1">
-                    <a:lumMod val="65000"/>
-                    <a:lumOff val="35000"/>
-                  </a:schemeClr>
-                </a:solidFill>
-                <a:latin typeface="Liberation Mono"/>
-              </a:rPr>
-              <a:t>IF NOT EXISTS</a:t>
-            </a:r>
-            <a:r>
-              <a:rPr lang="en-IN" sz="2000" dirty="0">
-                <a:latin typeface="Liberation Mono"/>
-              </a:rPr>
-              <a:t>]</a:t>
-            </a:r>
-            <a:r>
-              <a:rPr lang="en-IN" sz="2000" dirty="0">
-                <a:solidFill>
-                  <a:srgbClr val="0077AA"/>
-                </a:solidFill>
-                <a:latin typeface="Liberation Mono"/>
-              </a:rPr>
-              <a:t> </a:t>
-            </a:r>
-            <a:r>
-              <a:rPr lang="en-IN" sz="2000" dirty="0">
-                <a:solidFill>
-                  <a:srgbClr val="669900"/>
-                </a:solidFill>
-                <a:latin typeface="Liberation Mono"/>
-              </a:rPr>
-              <a:t>schema_name </a:t>
-            </a:r>
-            <a:r>
-              <a:rPr lang="en-IN" sz="2000" dirty="0">
-                <a:latin typeface="Liberation Mono"/>
-              </a:rPr>
-              <a:t>[</a:t>
-            </a:r>
-            <a:r>
-              <a:rPr lang="en-IN" sz="2000" dirty="0">
-                <a:solidFill>
-                  <a:srgbClr val="0077AA"/>
-                </a:solidFill>
-                <a:latin typeface="Liberation Mono"/>
-              </a:rPr>
-              <a:t> </a:t>
-            </a:r>
-            <a:r>
-              <a:rPr lang="en-IN" sz="2000" dirty="0">
-                <a:solidFill>
-                  <a:srgbClr val="FD8603"/>
-                </a:solidFill>
-                <a:latin typeface="Liberation Mono"/>
-              </a:rPr>
-              <a:t>RESTRICT</a:t>
-            </a:r>
-            <a:r>
-              <a:rPr lang="en-IN" sz="2000" dirty="0">
-                <a:solidFill>
-                  <a:srgbClr val="0077AA"/>
-                </a:solidFill>
-                <a:latin typeface="Liberation Mono"/>
-              </a:rPr>
-              <a:t> </a:t>
-            </a:r>
-            <a:r>
-              <a:rPr lang="en-IN" sz="2000" dirty="0">
-                <a:latin typeface="Liberation Mono"/>
-              </a:rPr>
-              <a:t>|</a:t>
-            </a:r>
-            <a:r>
-              <a:rPr lang="en-IN" sz="2000" dirty="0">
-                <a:solidFill>
-                  <a:srgbClr val="0077AA"/>
-                </a:solidFill>
-                <a:latin typeface="Liberation Mono"/>
-              </a:rPr>
-              <a:t> </a:t>
-            </a:r>
-            <a:r>
-              <a:rPr lang="en-IN" sz="2000" dirty="0">
-                <a:solidFill>
-                  <a:srgbClr val="FD8603"/>
-                </a:solidFill>
-                <a:latin typeface="Liberation Mono"/>
-              </a:rPr>
-              <a:t>CASCADE</a:t>
-            </a:r>
-            <a:r>
-              <a:rPr lang="en-IN" sz="2000" dirty="0">
-                <a:solidFill>
-                  <a:srgbClr val="0077AA"/>
-                </a:solidFill>
-                <a:latin typeface="Liberation Mono"/>
-              </a:rPr>
-              <a:t> </a:t>
-            </a:r>
-            <a:r>
-              <a:rPr lang="en-IN" sz="2000" dirty="0">
-                <a:latin typeface="Liberation Mono"/>
-              </a:rPr>
-              <a:t>]</a:t>
-            </a:r>
-          </a:p>
-        </p:txBody>
-      </p:sp>
-      <p:sp>
-        <p:nvSpPr>
-          <p:cNvPr id="13" name="TextBox 12">
-            <a:extLst>
-              <a:ext uri="{FF2B5EF4-FFF2-40B4-BE49-F238E27FC236}">
-                <a16:creationId xmlns:a16="http://schemas.microsoft.com/office/drawing/2014/main" id="{FE0D621C-B7EA-005E-2D73-82FBDAEDE0E2}"/>
-              </a:ext>
-            </a:extLst>
-          </p:cNvPr>
-          <p:cNvSpPr txBox="1"/>
-          <p:nvPr/>
-        </p:nvSpPr>
-        <p:spPr>
-          <a:xfrm>
-            <a:off x="263352" y="3933056"/>
-            <a:ext cx="11593288" cy="646331"/>
-          </a:xfrm>
-          <a:prstGeom prst="rect">
-            <a:avLst/>
-          </a:prstGeom>
-          <a:noFill/>
-        </p:spPr>
-        <p:txBody>
-          <a:bodyPr wrap="square">
-            <a:spAutoFit/>
-          </a:bodyPr>
-          <a:lstStyle/>
-          <a:p>
-            <a:r>
-              <a:rPr lang="en-IN" dirty="0">
-                <a:latin typeface="Arial" panose="020B0604020202020204" pitchFamily="34" charset="0"/>
-                <a:cs typeface="Arial" panose="020B0604020202020204" pitchFamily="34" charset="0"/>
-              </a:rPr>
-              <a:t>The command will fail if objects in this schema exist and the RESTRICT clause is used (the default). All objects in this schema are dropped as well if the CASCADE clause is used.</a:t>
-            </a:r>
-          </a:p>
-        </p:txBody>
-      </p:sp>
-    </p:spTree>
-    <p:extLst>
-      <p:ext uri="{BB962C8B-B14F-4D97-AF65-F5344CB8AC3E}">
-        <p14:creationId xmlns:p14="http://schemas.microsoft.com/office/powerpoint/2010/main" val="2505048848"/>
       </p:ext>
     </p:extLst>
   </p:cSld>

--- a/H2 database.pptx
+++ b/H2 database.pptx
@@ -9679,7 +9679,7 @@
         </p:nvSpPr>
         <p:spPr>
           <a:xfrm>
-            <a:off x="335360" y="2780928"/>
+            <a:off x="335360" y="2808000"/>
             <a:ext cx="11665296" cy="1538883"/>
           </a:xfrm>
           <a:prstGeom prst="rect">
@@ -10131,7 +10131,7 @@
         </p:nvSpPr>
         <p:spPr>
           <a:xfrm>
-            <a:off x="335360" y="5386571"/>
+            <a:off x="335360" y="5400000"/>
             <a:ext cx="11665296" cy="1138773"/>
           </a:xfrm>
           <a:prstGeom prst="rect">
@@ -10892,7 +10892,7 @@
         </p:nvSpPr>
         <p:spPr>
           <a:xfrm>
-            <a:off x="298959" y="2310552"/>
+            <a:off x="298959" y="2340000"/>
             <a:ext cx="11593288" cy="1046440"/>
           </a:xfrm>
           <a:prstGeom prst="rect">
@@ -11758,7 +11758,7 @@
         </p:nvSpPr>
         <p:spPr>
           <a:xfrm>
-            <a:off x="278632" y="2260029"/>
+            <a:off x="278632" y="2268000"/>
             <a:ext cx="11593288" cy="1569660"/>
           </a:xfrm>
           <a:prstGeom prst="rect">
@@ -14515,7 +14515,7 @@
         </p:nvSpPr>
         <p:spPr>
           <a:xfrm>
-            <a:off x="190550" y="4005064"/>
+            <a:off x="190550" y="3816000"/>
             <a:ext cx="11521280" cy="1446550"/>
           </a:xfrm>
           <a:prstGeom prst="rect">
@@ -15754,7 +15754,7 @@
         </p:nvSpPr>
         <p:spPr>
           <a:xfrm>
-            <a:off x="190550" y="3782944"/>
+            <a:off x="190550" y="3816000"/>
             <a:ext cx="11521280" cy="1446550"/>
           </a:xfrm>
           <a:prstGeom prst="rect">
@@ -16891,7 +16891,7 @@
         </p:nvSpPr>
         <p:spPr>
           <a:xfrm>
-            <a:off x="335360" y="2249577"/>
+            <a:off x="335360" y="2340000"/>
             <a:ext cx="11521280" cy="2123658"/>
           </a:xfrm>
           <a:prstGeom prst="rect">
@@ -18443,7 +18443,7 @@
         </p:nvSpPr>
         <p:spPr>
           <a:xfrm>
-            <a:off x="335360" y="2249577"/>
+            <a:off x="335360" y="2340000"/>
             <a:ext cx="11521280" cy="1846659"/>
           </a:xfrm>
           <a:prstGeom prst="rect">
@@ -19189,7 +19189,7 @@
         </p:nvSpPr>
         <p:spPr>
           <a:xfrm>
-            <a:off x="335360" y="4581128"/>
+            <a:off x="335360" y="4680000"/>
             <a:ext cx="11665296" cy="1323439"/>
           </a:xfrm>
           <a:prstGeom prst="rect">
@@ -20279,7 +20279,7 @@
         </p:nvSpPr>
         <p:spPr>
           <a:xfrm>
-            <a:off x="190550" y="1772816"/>
+            <a:off x="190550" y="1620000"/>
             <a:ext cx="11593288" cy="369332"/>
           </a:xfrm>
           <a:prstGeom prst="rect">
@@ -20656,7 +20656,7 @@
         </p:nvSpPr>
         <p:spPr>
           <a:xfrm>
-            <a:off x="190550" y="1772816"/>
+            <a:off x="190550" y="1440000"/>
             <a:ext cx="11593288" cy="1046440"/>
           </a:xfrm>
           <a:prstGeom prst="rect">
@@ -26942,7 +26942,7 @@
           <p:nvPr>
             <p:extLst>
               <p:ext uri="{D42A27DB-BD31-4B8C-83A1-F6EECF244321}">
-                <p14:modId xmlns:p14="http://schemas.microsoft.com/office/powerpoint/2010/main" val="1492560981"/>
+                <p14:modId xmlns:p14="http://schemas.microsoft.com/office/powerpoint/2010/main" val="3784157701"/>
               </p:ext>
             </p:extLst>
           </p:nvPr>
@@ -28375,7 +28375,7 @@
         </p:nvSpPr>
         <p:spPr>
           <a:xfrm>
-            <a:off x="238401" y="3429000"/>
+            <a:off x="238401" y="4699590"/>
             <a:ext cx="11521279" cy="1969770"/>
           </a:xfrm>
           <a:prstGeom prst="rect">
@@ -28920,7 +28920,7 @@
             <a:r>
               <a:rPr lang="en-IN" dirty="0">
                 <a:solidFill>
-                  <a:srgbClr val="DD4A68"/>
+                  <a:srgbClr val="803A69"/>
                 </a:solidFill>
                 <a:latin typeface="Liberation Mono"/>
               </a:rPr>
@@ -28989,7 +28989,7 @@
             <a:r>
               <a:rPr lang="en-US" dirty="0">
                 <a:solidFill>
-                  <a:srgbClr val="DD4A68"/>
+                  <a:srgbClr val="803A69"/>
                 </a:solidFill>
                 <a:latin typeface="Liberation Mono"/>
               </a:rPr>
@@ -29127,7 +29127,7 @@
             <a:r>
               <a:rPr lang="en-US" dirty="0">
                 <a:solidFill>
-                  <a:srgbClr val="DD4A68"/>
+                  <a:srgbClr val="803A69"/>
                 </a:solidFill>
                 <a:latin typeface="Liberation Mono"/>
               </a:rPr>
@@ -29271,7 +29271,7 @@
             <a:r>
               <a:rPr lang="en-US" dirty="0">
                 <a:solidFill>
-                  <a:srgbClr val="DD4A68"/>
+                  <a:srgbClr val="803A69"/>
                 </a:solidFill>
                 <a:latin typeface="Liberation Mono"/>
               </a:rPr>
@@ -29315,7 +29315,7 @@
             <a:r>
               <a:rPr lang="en-US" dirty="0">
                 <a:solidFill>
-                  <a:srgbClr val="DD4A68"/>
+                  <a:srgbClr val="803A69"/>
                 </a:solidFill>
                 <a:latin typeface="Liberation Mono"/>
               </a:rPr>
@@ -29470,7 +29470,7 @@
             <a:r>
               <a:rPr lang="en-IN" dirty="0">
                 <a:solidFill>
-                  <a:srgbClr val="DD4A68"/>
+                  <a:srgbClr val="803A69"/>
                 </a:solidFill>
                 <a:latin typeface="Liberation Mono"/>
               </a:rPr>
@@ -29923,7 +29923,7 @@
             <a:r>
               <a:rPr lang="en-US" dirty="0">
                 <a:solidFill>
-                  <a:srgbClr val="DD4A68"/>
+                  <a:srgbClr val="803A69"/>
                 </a:solidFill>
                 <a:latin typeface="Liberation Mono"/>
               </a:rPr>
@@ -29966,7 +29966,7 @@
             <a:r>
               <a:rPr lang="en-US" dirty="0">
                 <a:solidFill>
-                  <a:srgbClr val="DD4A68"/>
+                  <a:srgbClr val="803A69"/>
                 </a:solidFill>
                 <a:latin typeface="Liberation Mono"/>
               </a:rPr>
@@ -30117,7 +30117,7 @@
             <a:r>
               <a:rPr lang="en-US" dirty="0">
                 <a:solidFill>
-                  <a:srgbClr val="DD4A68"/>
+                  <a:srgbClr val="803A69"/>
                 </a:solidFill>
                 <a:latin typeface="Liberation Mono"/>
               </a:rPr>
@@ -30301,7 +30301,7 @@
             <a:r>
               <a:rPr lang="en-US" dirty="0">
                 <a:solidFill>
-                  <a:srgbClr val="DD4A68"/>
+                  <a:srgbClr val="803A69"/>
                 </a:solidFill>
                 <a:latin typeface="Liberation Mono"/>
               </a:rPr>
@@ -31287,7 +31287,7 @@
         </p:nvSpPr>
         <p:spPr>
           <a:xfrm>
-            <a:off x="427610" y="2996952"/>
+            <a:off x="427610" y="2700000"/>
             <a:ext cx="8826175" cy="2541080"/>
           </a:xfrm>
           <a:prstGeom prst="rect">
@@ -31586,7 +31586,7 @@
             <a:r>
               <a:rPr lang="en-IN" dirty="0">
                 <a:solidFill>
-                  <a:srgbClr val="DD4A68"/>
+                  <a:srgbClr val="803A69"/>
                 </a:solidFill>
                 <a:latin typeface="Liberation Mono"/>
               </a:rPr>
@@ -31652,7 +31652,7 @@
             <a:r>
               <a:rPr lang="en-IN" dirty="0">
                 <a:solidFill>
-                  <a:srgbClr val="DD4A68"/>
+                  <a:srgbClr val="803A69"/>
                 </a:solidFill>
                 <a:latin typeface="Liberation Mono"/>
               </a:rPr>
@@ -40665,7 +40665,7 @@
         </p:nvSpPr>
         <p:spPr>
           <a:xfrm>
-            <a:off x="262558" y="2305310"/>
+            <a:off x="262558" y="2160000"/>
             <a:ext cx="6094378" cy="369332"/>
           </a:xfrm>
           <a:prstGeom prst="rect">
@@ -41156,7 +41156,7 @@
         <p:spPr>
           <a:xfrm>
             <a:off x="262558" y="583270"/>
-            <a:ext cx="11737304" cy="1860509"/>
+            <a:ext cx="11737304" cy="1244956"/>
           </a:xfrm>
           <a:prstGeom prst="rect">
             <a:avLst/>
@@ -41169,41 +41169,6 @@
           <a:lstStyle/>
           <a:p>
             <a:r>
-              <a:rPr lang="en-IN" sz="2000" dirty="0">
-                <a:solidFill>
-                  <a:schemeClr val="accent6">
-                    <a:lumMod val="50000"/>
-                  </a:schemeClr>
-                </a:solidFill>
-                <a:latin typeface="Liberation Mono"/>
-                <a:cs typeface="Arial" panose="020B0604020202020204" pitchFamily="34" charset="0"/>
-              </a:rPr>
-              <a:t>                   </a:t>
-            </a:r>
-            <a:r>
-              <a:rPr lang="en-IN" sz="2000" b="1" dirty="0">
-                <a:solidFill>
-                  <a:schemeClr val="accent4">
-                    <a:lumMod val="50000"/>
-                  </a:schemeClr>
-                </a:solidFill>
-                <a:latin typeface="Liberation Mono"/>
-                <a:cs typeface="Arial" panose="020B0604020202020204" pitchFamily="34" charset="0"/>
-              </a:rPr>
-              <a:t>modifiers</a:t>
-            </a:r>
-            <a:endParaRPr lang="en-US" sz="2000" b="1" dirty="0">
-              <a:solidFill>
-                <a:schemeClr val="accent4">
-                  <a:lumMod val="50000"/>
-                </a:schemeClr>
-              </a:solidFill>
-              <a:latin typeface="Liberation Mono"/>
-              <a:cs typeface="Arial" panose="020B0604020202020204" pitchFamily="34" charset="0"/>
-            </a:endParaRPr>
-          </a:p>
-          <a:p>
-            <a:r>
               <a:rPr lang="en-US" sz="2000" dirty="0">
                 <a:solidFill>
                   <a:srgbClr val="0077AA"/>
@@ -41224,291 +41189,7 @@
                 <a:latin typeface="Liberation Mono"/>
                 <a:cs typeface="Arial" panose="020B0604020202020204" pitchFamily="34" charset="0"/>
               </a:rPr>
-              <a:t> [</a:t>
-            </a:r>
-            <a:r>
-              <a:rPr lang="en-US" sz="2000" u="heavy" dirty="0">
-                <a:solidFill>
-                  <a:schemeClr val="tx1">
-                    <a:lumMod val="95000"/>
-                    <a:lumOff val="5000"/>
-                  </a:schemeClr>
-                </a:solidFill>
-                <a:uFill>
-                  <a:solidFill>
-                    <a:srgbClr val="570528"/>
-                  </a:solidFill>
-                </a:uFill>
-                <a:latin typeface="Liberation Mono"/>
-                <a:cs typeface="Arial" panose="020B0604020202020204" pitchFamily="34" charset="0"/>
-              </a:rPr>
-              <a:t>ALL / DISTINCT</a:t>
-            </a:r>
-            <a:r>
-              <a:rPr lang="en-US" sz="2000" dirty="0">
-                <a:solidFill>
-                  <a:schemeClr val="tx1">
-                    <a:lumMod val="95000"/>
-                    <a:lumOff val="5000"/>
-                  </a:schemeClr>
-                </a:solidFill>
-                <a:latin typeface="Liberation Mono"/>
-                <a:cs typeface="Arial" panose="020B0604020202020204" pitchFamily="34" charset="0"/>
-              </a:rPr>
-              <a:t>] </a:t>
-            </a:r>
-            <a:r>
-              <a:rPr lang="en-US" sz="2000" dirty="0">
-                <a:solidFill>
-                  <a:srgbClr val="CAA496"/>
-                </a:solidFill>
-                <a:latin typeface="Liberation Mono"/>
-                <a:cs typeface="Arial" panose="020B0604020202020204" pitchFamily="34" charset="0"/>
-              </a:rPr>
-              <a:t>identifier</a:t>
-            </a:r>
-            <a:r>
-              <a:rPr lang="en-US" sz="2000" dirty="0">
-                <a:solidFill>
-                  <a:schemeClr val="tx1">
-                    <a:lumMod val="95000"/>
-                    <a:lumOff val="5000"/>
-                  </a:schemeClr>
-                </a:solidFill>
-                <a:latin typeface="Liberation Mono"/>
-                <a:cs typeface="Arial" panose="020B0604020202020204" pitchFamily="34" charset="0"/>
-              </a:rPr>
-              <a:t>.</a:t>
-            </a:r>
-            <a:r>
-              <a:rPr lang="en-US" sz="2000" dirty="0">
-                <a:solidFill>
-                  <a:srgbClr val="A67F59"/>
-                </a:solidFill>
-                <a:latin typeface="Liberation Mono"/>
-              </a:rPr>
-              <a:t>* </a:t>
-            </a:r>
-            <a:r>
-              <a:rPr lang="en-US" sz="2000" dirty="0">
-                <a:solidFill>
-                  <a:srgbClr val="0077AA"/>
-                </a:solidFill>
-                <a:latin typeface="Liberation Mono"/>
-                <a:cs typeface="Arial" panose="020B0604020202020204" pitchFamily="34" charset="0"/>
-              </a:rPr>
-              <a:t>EXCEPT</a:t>
-            </a:r>
-            <a:r>
-              <a:rPr lang="en-US" sz="2000" dirty="0">
-                <a:solidFill>
-                  <a:srgbClr val="A67F59"/>
-                </a:solidFill>
-                <a:latin typeface="Liberation Mono"/>
-              </a:rPr>
               <a:t> </a:t>
-            </a:r>
-            <a:r>
-              <a:rPr lang="en-US" sz="2000" i="1" dirty="0">
-                <a:solidFill>
-                  <a:schemeClr val="tx1">
-                    <a:lumMod val="95000"/>
-                    <a:lumOff val="5000"/>
-                  </a:schemeClr>
-                </a:solidFill>
-                <a:latin typeface="Liberation Mono"/>
-                <a:cs typeface="Arial" panose="020B0604020202020204" pitchFamily="34" charset="0"/>
-              </a:rPr>
-              <a:t>(A</a:t>
-            </a:r>
-            <a:r>
-              <a:rPr lang="en-US" sz="2000" i="1" baseline="-25000" dirty="0">
-                <a:solidFill>
-                  <a:schemeClr val="tx1">
-                    <a:lumMod val="95000"/>
-                    <a:lumOff val="5000"/>
-                  </a:schemeClr>
-                </a:solidFill>
-                <a:latin typeface="Liberation Mono"/>
-                <a:cs typeface="Arial" panose="020B0604020202020204" pitchFamily="34" charset="0"/>
-              </a:rPr>
-              <a:t>1</a:t>
-            </a:r>
-            <a:r>
-              <a:rPr lang="en-US" sz="2000" i="1" dirty="0">
-                <a:solidFill>
-                  <a:schemeClr val="tx1">
-                    <a:lumMod val="95000"/>
-                    <a:lumOff val="5000"/>
-                  </a:schemeClr>
-                </a:solidFill>
-                <a:latin typeface="Liberation Mono"/>
-                <a:cs typeface="Arial" panose="020B0604020202020204" pitchFamily="34" charset="0"/>
-              </a:rPr>
-              <a:t>, A</a:t>
-            </a:r>
-            <a:r>
-              <a:rPr lang="en-US" sz="2000" i="1" baseline="-25000" dirty="0">
-                <a:solidFill>
-                  <a:schemeClr val="tx1">
-                    <a:lumMod val="95000"/>
-                    <a:lumOff val="5000"/>
-                  </a:schemeClr>
-                </a:solidFill>
-                <a:latin typeface="Liberation Mono"/>
-                <a:cs typeface="Arial" panose="020B0604020202020204" pitchFamily="34" charset="0"/>
-              </a:rPr>
-              <a:t>2</a:t>
-            </a:r>
-            <a:r>
-              <a:rPr lang="en-US" sz="2000" i="1" dirty="0">
-                <a:solidFill>
-                  <a:schemeClr val="tx1">
-                    <a:lumMod val="95000"/>
-                    <a:lumOff val="5000"/>
-                  </a:schemeClr>
-                </a:solidFill>
-                <a:latin typeface="Liberation Mono"/>
-                <a:cs typeface="Arial" panose="020B0604020202020204" pitchFamily="34" charset="0"/>
-              </a:rPr>
-              <a:t>)  </a:t>
-            </a:r>
-            <a:r>
-              <a:rPr lang="en-US" sz="2000" dirty="0">
-                <a:solidFill>
-                  <a:schemeClr val="tx1">
-                    <a:lumMod val="95000"/>
-                    <a:lumOff val="5000"/>
-                  </a:schemeClr>
-                </a:solidFill>
-                <a:latin typeface="Liberation Mono"/>
-                <a:cs typeface="Arial" panose="020B0604020202020204" pitchFamily="34" charset="0"/>
-              </a:rPr>
-              <a:t>/ </a:t>
-            </a:r>
-            <a:r>
-              <a:rPr lang="en-US" sz="2000" dirty="0">
-                <a:solidFill>
-                  <a:srgbClr val="CAA496"/>
-                </a:solidFill>
-                <a:latin typeface="Liberation Mono"/>
-                <a:cs typeface="Arial" panose="020B0604020202020204" pitchFamily="34" charset="0"/>
-              </a:rPr>
-              <a:t>identifier</a:t>
-            </a:r>
-            <a:r>
-              <a:rPr lang="en-US" sz="2000" dirty="0">
-                <a:solidFill>
-                  <a:schemeClr val="tx1">
-                    <a:lumMod val="95000"/>
-                    <a:lumOff val="5000"/>
-                  </a:schemeClr>
-                </a:solidFill>
-                <a:latin typeface="Liberation Mono"/>
-                <a:cs typeface="Arial" panose="020B0604020202020204" pitchFamily="34" charset="0"/>
-              </a:rPr>
-              <a:t>.</a:t>
-            </a:r>
-            <a:r>
-              <a:rPr lang="en-US" sz="2000" i="1" dirty="0">
-                <a:solidFill>
-                  <a:schemeClr val="tx1">
-                    <a:lumMod val="95000"/>
-                    <a:lumOff val="5000"/>
-                  </a:schemeClr>
-                </a:solidFill>
-                <a:latin typeface="Liberation Mono"/>
-                <a:cs typeface="Arial" panose="020B0604020202020204" pitchFamily="34" charset="0"/>
-              </a:rPr>
-              <a:t>A</a:t>
-            </a:r>
-            <a:r>
-              <a:rPr lang="en-US" sz="2000" baseline="-25000" dirty="0">
-                <a:solidFill>
-                  <a:schemeClr val="tx1">
-                    <a:lumMod val="95000"/>
-                    <a:lumOff val="5000"/>
-                  </a:schemeClr>
-                </a:solidFill>
-                <a:latin typeface="Liberation Mono"/>
-                <a:cs typeface="Arial" panose="020B0604020202020204" pitchFamily="34" charset="0"/>
-              </a:rPr>
-              <a:t>1</a:t>
-            </a:r>
-            <a:r>
-              <a:rPr lang="en-US" sz="2000" dirty="0">
-                <a:solidFill>
-                  <a:schemeClr val="tx1">
-                    <a:lumMod val="95000"/>
-                    <a:lumOff val="5000"/>
-                  </a:schemeClr>
-                </a:solidFill>
-                <a:latin typeface="Liberation Mono"/>
-                <a:cs typeface="Arial" panose="020B0604020202020204" pitchFamily="34" charset="0"/>
-              </a:rPr>
-              <a:t> [ [as] alias_name], </a:t>
-            </a:r>
-            <a:r>
-              <a:rPr lang="en-US" sz="2000" dirty="0">
-                <a:solidFill>
-                  <a:srgbClr val="CAA496"/>
-                </a:solidFill>
-                <a:latin typeface="Liberation Mono"/>
-                <a:cs typeface="Arial" panose="020B0604020202020204" pitchFamily="34" charset="0"/>
-              </a:rPr>
-              <a:t>identifier</a:t>
-            </a:r>
-            <a:r>
-              <a:rPr lang="en-US" sz="2000" dirty="0">
-                <a:solidFill>
-                  <a:schemeClr val="tx1">
-                    <a:lumMod val="95000"/>
-                    <a:lumOff val="5000"/>
-                  </a:schemeClr>
-                </a:solidFill>
-                <a:latin typeface="Liberation Mono"/>
-                <a:cs typeface="Arial" panose="020B0604020202020204" pitchFamily="34" charset="0"/>
-              </a:rPr>
-              <a:t>.</a:t>
-            </a:r>
-            <a:r>
-              <a:rPr lang="en-US" sz="2000" i="1" dirty="0">
-                <a:solidFill>
-                  <a:schemeClr val="tx1">
-                    <a:lumMod val="95000"/>
-                    <a:lumOff val="5000"/>
-                  </a:schemeClr>
-                </a:solidFill>
-                <a:latin typeface="Liberation Mono"/>
-                <a:cs typeface="Arial" panose="020B0604020202020204" pitchFamily="34" charset="0"/>
-              </a:rPr>
-              <a:t>A</a:t>
-            </a:r>
-            <a:r>
-              <a:rPr lang="en-US" sz="2000" baseline="-25000" dirty="0">
-                <a:solidFill>
-                  <a:schemeClr val="tx1">
-                    <a:lumMod val="95000"/>
-                    <a:lumOff val="5000"/>
-                  </a:schemeClr>
-                </a:solidFill>
-                <a:latin typeface="Liberation Mono"/>
-                <a:cs typeface="Arial" panose="020B0604020202020204" pitchFamily="34" charset="0"/>
-              </a:rPr>
-              <a:t>2</a:t>
-            </a:r>
-            <a:r>
-              <a:rPr lang="en-US" sz="2000" dirty="0">
-                <a:solidFill>
-                  <a:schemeClr val="tx1">
-                    <a:lumMod val="95000"/>
-                    <a:lumOff val="5000"/>
-                  </a:schemeClr>
-                </a:solidFill>
-                <a:latin typeface="Liberation Mono"/>
-                <a:cs typeface="Arial" panose="020B0604020202020204" pitchFamily="34" charset="0"/>
-              </a:rPr>
-              <a:t> [ [as] alias_name], expression1 [ [as] alias_name], expression2 [ [as] alias_name] </a:t>
             </a:r>
             <a:r>
               <a:rPr lang="en-US" sz="2000" dirty="0">
@@ -41520,7 +41201,7 @@
                 <a:latin typeface="Liberation Mono"/>
                 <a:cs typeface="Arial" panose="020B0604020202020204" pitchFamily="34" charset="0"/>
               </a:rPr>
-              <a:t>. . .</a:t>
+              <a:t>. . . . . .</a:t>
             </a:r>
             <a:r>
               <a:rPr lang="en-US" sz="2000" dirty="0">
@@ -41583,131 +41264,7 @@
                 <a:latin typeface="Liberation Mono"/>
                 <a:cs typeface="Arial" panose="020B0604020202020204" pitchFamily="34" charset="0"/>
               </a:rPr>
-              <a:t> &lt;</a:t>
-            </a:r>
-            <a:r>
-              <a:rPr lang="en-US" sz="2000" dirty="0">
-                <a:solidFill>
-                  <a:srgbClr val="CAA496"/>
-                </a:solidFill>
-                <a:latin typeface="Liberation Mono"/>
-                <a:cs typeface="Arial" panose="020B0604020202020204" pitchFamily="34" charset="0"/>
-              </a:rPr>
-              <a:t>identifier</a:t>
-            </a:r>
-            <a:r>
-              <a:rPr lang="en-US" sz="2000" dirty="0">
-                <a:solidFill>
-                  <a:schemeClr val="tx1">
-                    <a:lumMod val="95000"/>
-                    <a:lumOff val="5000"/>
-                  </a:schemeClr>
-                </a:solidFill>
-                <a:latin typeface="Liberation Mono"/>
-                <a:cs typeface="Arial" panose="020B0604020202020204" pitchFamily="34" charset="0"/>
-              </a:rPr>
-              <a:t>.</a:t>
-            </a:r>
-            <a:r>
-              <a:rPr lang="en-US" sz="2000" i="1" dirty="0">
-                <a:solidFill>
-                  <a:schemeClr val="tx1">
-                    <a:lumMod val="95000"/>
-                    <a:lumOff val="5000"/>
-                  </a:schemeClr>
-                </a:solidFill>
-                <a:latin typeface="Liberation Mono"/>
-                <a:cs typeface="Arial" panose="020B0604020202020204" pitchFamily="34" charset="0"/>
-              </a:rPr>
-              <a:t>r</a:t>
-            </a:r>
-            <a:r>
-              <a:rPr lang="en-US" sz="2000" baseline="-25000" dirty="0">
-                <a:solidFill>
-                  <a:schemeClr val="tx1">
-                    <a:lumMod val="95000"/>
-                    <a:lumOff val="5000"/>
-                  </a:schemeClr>
-                </a:solidFill>
-                <a:latin typeface="Liberation Mono"/>
-                <a:cs typeface="Arial" panose="020B0604020202020204" pitchFamily="34" charset="0"/>
-              </a:rPr>
-              <a:t>1</a:t>
-            </a:r>
-            <a:r>
-              <a:rPr lang="en-US" sz="2000" dirty="0">
-                <a:solidFill>
-                  <a:schemeClr val="tx1">
-                    <a:lumMod val="95000"/>
-                    <a:lumOff val="5000"/>
-                  </a:schemeClr>
-                </a:solidFill>
-                <a:latin typeface="Liberation Mono"/>
-                <a:cs typeface="Arial" panose="020B0604020202020204" pitchFamily="34" charset="0"/>
-              </a:rPr>
-              <a:t>&gt; [as] alias_name], &lt;</a:t>
-            </a:r>
-            <a:r>
-              <a:rPr lang="en-US" sz="2000" dirty="0">
-                <a:solidFill>
-                  <a:srgbClr val="CAA496"/>
-                </a:solidFill>
-                <a:latin typeface="Liberation Mono"/>
-                <a:cs typeface="Arial" panose="020B0604020202020204" pitchFamily="34" charset="0"/>
-              </a:rPr>
-              <a:t>identifier</a:t>
-            </a:r>
-            <a:r>
-              <a:rPr lang="en-US" sz="2000" dirty="0">
-                <a:solidFill>
-                  <a:schemeClr val="tx1">
-                    <a:lumMod val="95000"/>
-                    <a:lumOff val="5000"/>
-                  </a:schemeClr>
-                </a:solidFill>
-                <a:latin typeface="Liberation Mono"/>
-                <a:cs typeface="Arial" panose="020B0604020202020204" pitchFamily="34" charset="0"/>
-              </a:rPr>
-              <a:t>.</a:t>
-            </a:r>
-            <a:r>
-              <a:rPr lang="en-US" sz="2000" i="1" dirty="0">
-                <a:solidFill>
-                  <a:schemeClr val="tx1">
-                    <a:lumMod val="95000"/>
-                    <a:lumOff val="5000"/>
-                  </a:schemeClr>
-                </a:solidFill>
-                <a:latin typeface="Liberation Mono"/>
-                <a:cs typeface="Arial" panose="020B0604020202020204" pitchFamily="34" charset="0"/>
-              </a:rPr>
-              <a:t>r</a:t>
-            </a:r>
-            <a:r>
-              <a:rPr lang="en-US" sz="2000" baseline="-25000" dirty="0">
-                <a:solidFill>
-                  <a:schemeClr val="tx1">
-                    <a:lumMod val="95000"/>
-                    <a:lumOff val="5000"/>
-                  </a:schemeClr>
-                </a:solidFill>
-                <a:latin typeface="Liberation Mono"/>
-                <a:cs typeface="Arial" panose="020B0604020202020204" pitchFamily="34" charset="0"/>
-              </a:rPr>
-              <a:t>2</a:t>
-            </a:r>
-            <a:r>
-              <a:rPr lang="en-US" sz="2000" dirty="0">
-                <a:solidFill>
-                  <a:schemeClr val="tx1">
-                    <a:lumMod val="95000"/>
-                    <a:lumOff val="5000"/>
-                  </a:schemeClr>
-                </a:solidFill>
-                <a:latin typeface="Liberation Mono"/>
-                <a:cs typeface="Arial" panose="020B0604020202020204" pitchFamily="34" charset="0"/>
-              </a:rPr>
-              <a:t>&gt; [as] alias_name], </a:t>
+              <a:t> </a:t>
             </a:r>
             <a:r>
               <a:rPr lang="en-US" sz="2000" dirty="0">
@@ -41719,7 +41276,7 @@
                 <a:latin typeface="Liberation Mono"/>
                 <a:cs typeface="Arial" panose="020B0604020202020204" pitchFamily="34" charset="0"/>
               </a:rPr>
-              <a:t>. . .</a:t>
+              <a:t>. . . . . .</a:t>
             </a:r>
             <a:r>
               <a:rPr lang="en-US" sz="2000" dirty="0">
@@ -41989,7 +41546,7 @@
         </p:nvSpPr>
         <p:spPr>
           <a:xfrm>
-            <a:off x="262558" y="2878485"/>
+            <a:off x="262558" y="2160000"/>
             <a:ext cx="11526016" cy="1846659"/>
           </a:xfrm>
           <a:prstGeom prst="rect">
@@ -42526,7 +42083,7 @@
                 <a:latin typeface="Arial" pitchFamily="34" charset="0"/>
                 <a:cs typeface="Arial" pitchFamily="34" charset="0"/>
               </a:rPr>
-              <a:t>select  - order by</a:t>
+              <a:t>select  - order by { nulls first | nulls last }</a:t>
             </a:r>
             <a:endParaRPr lang="en-IN" sz="3200" i="1" dirty="0">
               <a:solidFill>
@@ -42553,7 +42110,7 @@
         <p:spPr>
           <a:xfrm>
             <a:off x="262558" y="583270"/>
-            <a:ext cx="11737304" cy="1860509"/>
+            <a:ext cx="11737304" cy="1244956"/>
           </a:xfrm>
           <a:prstGeom prst="rect">
             <a:avLst/>
@@ -42566,41 +42123,6 @@
           <a:lstStyle/>
           <a:p>
             <a:r>
-              <a:rPr lang="en-IN" sz="2000" dirty="0">
-                <a:solidFill>
-                  <a:schemeClr val="accent6">
-                    <a:lumMod val="50000"/>
-                  </a:schemeClr>
-                </a:solidFill>
-                <a:latin typeface="Liberation Mono"/>
-                <a:cs typeface="Arial" panose="020B0604020202020204" pitchFamily="34" charset="0"/>
-              </a:rPr>
-              <a:t>                   </a:t>
-            </a:r>
-            <a:r>
-              <a:rPr lang="en-IN" sz="2000" b="1" dirty="0">
-                <a:solidFill>
-                  <a:schemeClr val="accent4">
-                    <a:lumMod val="50000"/>
-                  </a:schemeClr>
-                </a:solidFill>
-                <a:latin typeface="Liberation Mono"/>
-                <a:cs typeface="Arial" panose="020B0604020202020204" pitchFamily="34" charset="0"/>
-              </a:rPr>
-              <a:t>modifiers</a:t>
-            </a:r>
-            <a:endParaRPr lang="en-US" sz="2000" b="1" dirty="0">
-              <a:solidFill>
-                <a:schemeClr val="accent4">
-                  <a:lumMod val="50000"/>
-                </a:schemeClr>
-              </a:solidFill>
-              <a:latin typeface="Liberation Mono"/>
-              <a:cs typeface="Arial" panose="020B0604020202020204" pitchFamily="34" charset="0"/>
-            </a:endParaRPr>
-          </a:p>
-          <a:p>
-            <a:r>
               <a:rPr lang="en-US" sz="2000" dirty="0">
                 <a:solidFill>
                   <a:srgbClr val="0077AA"/>
@@ -42621,291 +42143,7 @@
                 <a:latin typeface="Liberation Mono"/>
                 <a:cs typeface="Arial" panose="020B0604020202020204" pitchFamily="34" charset="0"/>
               </a:rPr>
-              <a:t> [</a:t>
-            </a:r>
-            <a:r>
-              <a:rPr lang="en-US" sz="2000" u="heavy" dirty="0">
-                <a:solidFill>
-                  <a:schemeClr val="tx1">
-                    <a:lumMod val="95000"/>
-                    <a:lumOff val="5000"/>
-                  </a:schemeClr>
-                </a:solidFill>
-                <a:uFill>
-                  <a:solidFill>
-                    <a:srgbClr val="570528"/>
-                  </a:solidFill>
-                </a:uFill>
-                <a:latin typeface="Liberation Mono"/>
-                <a:cs typeface="Arial" panose="020B0604020202020204" pitchFamily="34" charset="0"/>
-              </a:rPr>
-              <a:t>ALL / DISTINCT</a:t>
-            </a:r>
-            <a:r>
-              <a:rPr lang="en-US" sz="2000" dirty="0">
-                <a:solidFill>
-                  <a:schemeClr val="tx1">
-                    <a:lumMod val="95000"/>
-                    <a:lumOff val="5000"/>
-                  </a:schemeClr>
-                </a:solidFill>
-                <a:latin typeface="Liberation Mono"/>
-                <a:cs typeface="Arial" panose="020B0604020202020204" pitchFamily="34" charset="0"/>
-              </a:rPr>
-              <a:t>] </a:t>
-            </a:r>
-            <a:r>
-              <a:rPr lang="en-US" sz="2000" dirty="0">
-                <a:solidFill>
-                  <a:srgbClr val="CAA496"/>
-                </a:solidFill>
-                <a:latin typeface="Liberation Mono"/>
-                <a:cs typeface="Arial" panose="020B0604020202020204" pitchFamily="34" charset="0"/>
-              </a:rPr>
-              <a:t>identifier</a:t>
-            </a:r>
-            <a:r>
-              <a:rPr lang="en-US" sz="2000" dirty="0">
-                <a:solidFill>
-                  <a:schemeClr val="tx1">
-                    <a:lumMod val="95000"/>
-                    <a:lumOff val="5000"/>
-                  </a:schemeClr>
-                </a:solidFill>
-                <a:latin typeface="Liberation Mono"/>
-                <a:cs typeface="Arial" panose="020B0604020202020204" pitchFamily="34" charset="0"/>
-              </a:rPr>
-              <a:t>.</a:t>
-            </a:r>
-            <a:r>
-              <a:rPr lang="en-US" sz="2000" dirty="0">
-                <a:solidFill>
-                  <a:srgbClr val="A67F59"/>
-                </a:solidFill>
-                <a:latin typeface="Liberation Mono"/>
-              </a:rPr>
-              <a:t>* </a:t>
-            </a:r>
-            <a:r>
-              <a:rPr lang="en-US" sz="2000" dirty="0">
-                <a:solidFill>
-                  <a:srgbClr val="0077AA"/>
-                </a:solidFill>
-                <a:latin typeface="Liberation Mono"/>
-                <a:cs typeface="Arial" panose="020B0604020202020204" pitchFamily="34" charset="0"/>
-              </a:rPr>
-              <a:t>EXCEPT</a:t>
-            </a:r>
-            <a:r>
-              <a:rPr lang="en-US" sz="2000" dirty="0">
-                <a:solidFill>
-                  <a:srgbClr val="A67F59"/>
-                </a:solidFill>
-                <a:latin typeface="Liberation Mono"/>
-              </a:rPr>
               <a:t> </a:t>
-            </a:r>
-            <a:r>
-              <a:rPr lang="en-US" sz="2000" i="1" dirty="0">
-                <a:solidFill>
-                  <a:schemeClr val="tx1">
-                    <a:lumMod val="95000"/>
-                    <a:lumOff val="5000"/>
-                  </a:schemeClr>
-                </a:solidFill>
-                <a:latin typeface="Liberation Mono"/>
-                <a:cs typeface="Arial" panose="020B0604020202020204" pitchFamily="34" charset="0"/>
-              </a:rPr>
-              <a:t>(A</a:t>
-            </a:r>
-            <a:r>
-              <a:rPr lang="en-US" sz="2000" i="1" baseline="-25000" dirty="0">
-                <a:solidFill>
-                  <a:schemeClr val="tx1">
-                    <a:lumMod val="95000"/>
-                    <a:lumOff val="5000"/>
-                  </a:schemeClr>
-                </a:solidFill>
-                <a:latin typeface="Liberation Mono"/>
-                <a:cs typeface="Arial" panose="020B0604020202020204" pitchFamily="34" charset="0"/>
-              </a:rPr>
-              <a:t>1</a:t>
-            </a:r>
-            <a:r>
-              <a:rPr lang="en-US" sz="2000" i="1" dirty="0">
-                <a:solidFill>
-                  <a:schemeClr val="tx1">
-                    <a:lumMod val="95000"/>
-                    <a:lumOff val="5000"/>
-                  </a:schemeClr>
-                </a:solidFill>
-                <a:latin typeface="Liberation Mono"/>
-                <a:cs typeface="Arial" panose="020B0604020202020204" pitchFamily="34" charset="0"/>
-              </a:rPr>
-              <a:t>, A</a:t>
-            </a:r>
-            <a:r>
-              <a:rPr lang="en-US" sz="2000" i="1" baseline="-25000" dirty="0">
-                <a:solidFill>
-                  <a:schemeClr val="tx1">
-                    <a:lumMod val="95000"/>
-                    <a:lumOff val="5000"/>
-                  </a:schemeClr>
-                </a:solidFill>
-                <a:latin typeface="Liberation Mono"/>
-                <a:cs typeface="Arial" panose="020B0604020202020204" pitchFamily="34" charset="0"/>
-              </a:rPr>
-              <a:t>2</a:t>
-            </a:r>
-            <a:r>
-              <a:rPr lang="en-US" sz="2000" i="1" dirty="0">
-                <a:solidFill>
-                  <a:schemeClr val="tx1">
-                    <a:lumMod val="95000"/>
-                    <a:lumOff val="5000"/>
-                  </a:schemeClr>
-                </a:solidFill>
-                <a:latin typeface="Liberation Mono"/>
-                <a:cs typeface="Arial" panose="020B0604020202020204" pitchFamily="34" charset="0"/>
-              </a:rPr>
-              <a:t>)  </a:t>
-            </a:r>
-            <a:r>
-              <a:rPr lang="en-US" sz="2000" dirty="0">
-                <a:solidFill>
-                  <a:schemeClr val="tx1">
-                    <a:lumMod val="95000"/>
-                    <a:lumOff val="5000"/>
-                  </a:schemeClr>
-                </a:solidFill>
-                <a:latin typeface="Liberation Mono"/>
-                <a:cs typeface="Arial" panose="020B0604020202020204" pitchFamily="34" charset="0"/>
-              </a:rPr>
-              <a:t>/ </a:t>
-            </a:r>
-            <a:r>
-              <a:rPr lang="en-US" sz="2000" dirty="0">
-                <a:solidFill>
-                  <a:srgbClr val="CAA496"/>
-                </a:solidFill>
-                <a:latin typeface="Liberation Mono"/>
-                <a:cs typeface="Arial" panose="020B0604020202020204" pitchFamily="34" charset="0"/>
-              </a:rPr>
-              <a:t>identifier</a:t>
-            </a:r>
-            <a:r>
-              <a:rPr lang="en-US" sz="2000" dirty="0">
-                <a:solidFill>
-                  <a:schemeClr val="tx1">
-                    <a:lumMod val="95000"/>
-                    <a:lumOff val="5000"/>
-                  </a:schemeClr>
-                </a:solidFill>
-                <a:latin typeface="Liberation Mono"/>
-                <a:cs typeface="Arial" panose="020B0604020202020204" pitchFamily="34" charset="0"/>
-              </a:rPr>
-              <a:t>.</a:t>
-            </a:r>
-            <a:r>
-              <a:rPr lang="en-US" sz="2000" i="1" dirty="0">
-                <a:solidFill>
-                  <a:schemeClr val="tx1">
-                    <a:lumMod val="95000"/>
-                    <a:lumOff val="5000"/>
-                  </a:schemeClr>
-                </a:solidFill>
-                <a:latin typeface="Liberation Mono"/>
-                <a:cs typeface="Arial" panose="020B0604020202020204" pitchFamily="34" charset="0"/>
-              </a:rPr>
-              <a:t>A</a:t>
-            </a:r>
-            <a:r>
-              <a:rPr lang="en-US" sz="2000" baseline="-25000" dirty="0">
-                <a:solidFill>
-                  <a:schemeClr val="tx1">
-                    <a:lumMod val="95000"/>
-                    <a:lumOff val="5000"/>
-                  </a:schemeClr>
-                </a:solidFill>
-                <a:latin typeface="Liberation Mono"/>
-                <a:cs typeface="Arial" panose="020B0604020202020204" pitchFamily="34" charset="0"/>
-              </a:rPr>
-              <a:t>1</a:t>
-            </a:r>
-            <a:r>
-              <a:rPr lang="en-US" sz="2000" dirty="0">
-                <a:solidFill>
-                  <a:schemeClr val="tx1">
-                    <a:lumMod val="95000"/>
-                    <a:lumOff val="5000"/>
-                  </a:schemeClr>
-                </a:solidFill>
-                <a:latin typeface="Liberation Mono"/>
-                <a:cs typeface="Arial" panose="020B0604020202020204" pitchFamily="34" charset="0"/>
-              </a:rPr>
-              <a:t> [ [as] alias_name], </a:t>
-            </a:r>
-            <a:r>
-              <a:rPr lang="en-US" sz="2000" dirty="0">
-                <a:solidFill>
-                  <a:srgbClr val="CAA496"/>
-                </a:solidFill>
-                <a:latin typeface="Liberation Mono"/>
-                <a:cs typeface="Arial" panose="020B0604020202020204" pitchFamily="34" charset="0"/>
-              </a:rPr>
-              <a:t>identifier</a:t>
-            </a:r>
-            <a:r>
-              <a:rPr lang="en-US" sz="2000" dirty="0">
-                <a:solidFill>
-                  <a:schemeClr val="tx1">
-                    <a:lumMod val="95000"/>
-                    <a:lumOff val="5000"/>
-                  </a:schemeClr>
-                </a:solidFill>
-                <a:latin typeface="Liberation Mono"/>
-                <a:cs typeface="Arial" panose="020B0604020202020204" pitchFamily="34" charset="0"/>
-              </a:rPr>
-              <a:t>.</a:t>
-            </a:r>
-            <a:r>
-              <a:rPr lang="en-US" sz="2000" i="1" dirty="0">
-                <a:solidFill>
-                  <a:schemeClr val="tx1">
-                    <a:lumMod val="95000"/>
-                    <a:lumOff val="5000"/>
-                  </a:schemeClr>
-                </a:solidFill>
-                <a:latin typeface="Liberation Mono"/>
-                <a:cs typeface="Arial" panose="020B0604020202020204" pitchFamily="34" charset="0"/>
-              </a:rPr>
-              <a:t>A</a:t>
-            </a:r>
-            <a:r>
-              <a:rPr lang="en-US" sz="2000" baseline="-25000" dirty="0">
-                <a:solidFill>
-                  <a:schemeClr val="tx1">
-                    <a:lumMod val="95000"/>
-                    <a:lumOff val="5000"/>
-                  </a:schemeClr>
-                </a:solidFill>
-                <a:latin typeface="Liberation Mono"/>
-                <a:cs typeface="Arial" panose="020B0604020202020204" pitchFamily="34" charset="0"/>
-              </a:rPr>
-              <a:t>2</a:t>
-            </a:r>
-            <a:r>
-              <a:rPr lang="en-US" sz="2000" dirty="0">
-                <a:solidFill>
-                  <a:schemeClr val="tx1">
-                    <a:lumMod val="95000"/>
-                    <a:lumOff val="5000"/>
-                  </a:schemeClr>
-                </a:solidFill>
-                <a:latin typeface="Liberation Mono"/>
-                <a:cs typeface="Arial" panose="020B0604020202020204" pitchFamily="34" charset="0"/>
-              </a:rPr>
-              <a:t> [ [as] alias_name], expression1 [ [as] alias_name], expression2 [ [as] alias_name] </a:t>
             </a:r>
             <a:r>
               <a:rPr lang="en-US" sz="2000" dirty="0">
@@ -42917,7 +42155,7 @@
                 <a:latin typeface="Liberation Mono"/>
                 <a:cs typeface="Arial" panose="020B0604020202020204" pitchFamily="34" charset="0"/>
               </a:rPr>
-              <a:t>. . .</a:t>
+              <a:t>. . . . . .</a:t>
             </a:r>
             <a:r>
               <a:rPr lang="en-US" sz="2000" dirty="0">
@@ -42980,131 +42218,7 @@
                 <a:latin typeface="Liberation Mono"/>
                 <a:cs typeface="Arial" panose="020B0604020202020204" pitchFamily="34" charset="0"/>
               </a:rPr>
-              <a:t> &lt;</a:t>
-            </a:r>
-            <a:r>
-              <a:rPr lang="en-US" sz="2000" dirty="0">
-                <a:solidFill>
-                  <a:srgbClr val="CAA496"/>
-                </a:solidFill>
-                <a:latin typeface="Liberation Mono"/>
-                <a:cs typeface="Arial" panose="020B0604020202020204" pitchFamily="34" charset="0"/>
-              </a:rPr>
-              <a:t>identifier</a:t>
-            </a:r>
-            <a:r>
-              <a:rPr lang="en-US" sz="2000" dirty="0">
-                <a:solidFill>
-                  <a:schemeClr val="tx1">
-                    <a:lumMod val="95000"/>
-                    <a:lumOff val="5000"/>
-                  </a:schemeClr>
-                </a:solidFill>
-                <a:latin typeface="Liberation Mono"/>
-                <a:cs typeface="Arial" panose="020B0604020202020204" pitchFamily="34" charset="0"/>
-              </a:rPr>
-              <a:t>.</a:t>
-            </a:r>
-            <a:r>
-              <a:rPr lang="en-US" sz="2000" i="1" dirty="0">
-                <a:solidFill>
-                  <a:schemeClr val="tx1">
-                    <a:lumMod val="95000"/>
-                    <a:lumOff val="5000"/>
-                  </a:schemeClr>
-                </a:solidFill>
-                <a:latin typeface="Liberation Mono"/>
-                <a:cs typeface="Arial" panose="020B0604020202020204" pitchFamily="34" charset="0"/>
-              </a:rPr>
-              <a:t>r</a:t>
-            </a:r>
-            <a:r>
-              <a:rPr lang="en-US" sz="2000" baseline="-25000" dirty="0">
-                <a:solidFill>
-                  <a:schemeClr val="tx1">
-                    <a:lumMod val="95000"/>
-                    <a:lumOff val="5000"/>
-                  </a:schemeClr>
-                </a:solidFill>
-                <a:latin typeface="Liberation Mono"/>
-                <a:cs typeface="Arial" panose="020B0604020202020204" pitchFamily="34" charset="0"/>
-              </a:rPr>
-              <a:t>1</a:t>
-            </a:r>
-            <a:r>
-              <a:rPr lang="en-US" sz="2000" dirty="0">
-                <a:solidFill>
-                  <a:schemeClr val="tx1">
-                    <a:lumMod val="95000"/>
-                    <a:lumOff val="5000"/>
-                  </a:schemeClr>
-                </a:solidFill>
-                <a:latin typeface="Liberation Mono"/>
-                <a:cs typeface="Arial" panose="020B0604020202020204" pitchFamily="34" charset="0"/>
-              </a:rPr>
-              <a:t>&gt; [as] alias_name], &lt;</a:t>
-            </a:r>
-            <a:r>
-              <a:rPr lang="en-US" sz="2000" dirty="0">
-                <a:solidFill>
-                  <a:srgbClr val="CAA496"/>
-                </a:solidFill>
-                <a:latin typeface="Liberation Mono"/>
-                <a:cs typeface="Arial" panose="020B0604020202020204" pitchFamily="34" charset="0"/>
-              </a:rPr>
-              <a:t>identifier</a:t>
-            </a:r>
-            <a:r>
-              <a:rPr lang="en-US" sz="2000" dirty="0">
-                <a:solidFill>
-                  <a:schemeClr val="tx1">
-                    <a:lumMod val="95000"/>
-                    <a:lumOff val="5000"/>
-                  </a:schemeClr>
-                </a:solidFill>
-                <a:latin typeface="Liberation Mono"/>
-                <a:cs typeface="Arial" panose="020B0604020202020204" pitchFamily="34" charset="0"/>
-              </a:rPr>
-              <a:t>.</a:t>
-            </a:r>
-            <a:r>
-              <a:rPr lang="en-US" sz="2000" i="1" dirty="0">
-                <a:solidFill>
-                  <a:schemeClr val="tx1">
-                    <a:lumMod val="95000"/>
-                    <a:lumOff val="5000"/>
-                  </a:schemeClr>
-                </a:solidFill>
-                <a:latin typeface="Liberation Mono"/>
-                <a:cs typeface="Arial" panose="020B0604020202020204" pitchFamily="34" charset="0"/>
-              </a:rPr>
-              <a:t>r</a:t>
-            </a:r>
-            <a:r>
-              <a:rPr lang="en-US" sz="2000" baseline="-25000" dirty="0">
-                <a:solidFill>
-                  <a:schemeClr val="tx1">
-                    <a:lumMod val="95000"/>
-                    <a:lumOff val="5000"/>
-                  </a:schemeClr>
-                </a:solidFill>
-                <a:latin typeface="Liberation Mono"/>
-                <a:cs typeface="Arial" panose="020B0604020202020204" pitchFamily="34" charset="0"/>
-              </a:rPr>
-              <a:t>2</a:t>
-            </a:r>
-            <a:r>
-              <a:rPr lang="en-US" sz="2000" dirty="0">
-                <a:solidFill>
-                  <a:schemeClr val="tx1">
-                    <a:lumMod val="95000"/>
-                    <a:lumOff val="5000"/>
-                  </a:schemeClr>
-                </a:solidFill>
-                <a:latin typeface="Liberation Mono"/>
-                <a:cs typeface="Arial" panose="020B0604020202020204" pitchFamily="34" charset="0"/>
-              </a:rPr>
-              <a:t>&gt; [as] alias_name], </a:t>
+              <a:t> </a:t>
             </a:r>
             <a:r>
               <a:rPr lang="en-US" sz="2000" dirty="0">
@@ -43116,7 +42230,7 @@
                 <a:latin typeface="Liberation Mono"/>
                 <a:cs typeface="Arial" panose="020B0604020202020204" pitchFamily="34" charset="0"/>
               </a:rPr>
-              <a:t>. . .</a:t>
+              <a:t>. . . . . .</a:t>
             </a:r>
             <a:r>
               <a:rPr lang="en-US" sz="2000" dirty="0">
@@ -43427,7 +42541,7 @@
         </p:nvSpPr>
         <p:spPr>
           <a:xfrm>
-            <a:off x="262558" y="2878485"/>
+            <a:off x="262558" y="2160000"/>
             <a:ext cx="11526016" cy="1107996"/>
           </a:xfrm>
           <a:prstGeom prst="rect">
@@ -43809,47 +42923,6 @@
           <a:chExt cx="0" cy="0"/>
         </a:xfrm>
       </p:grpSpPr>
-      <p:pic>
-        <p:nvPicPr>
-          <p:cNvPr id="1026" name="Picture 2" descr="mysql limit offset"/>
-          <p:cNvPicPr>
-            <a:picLocks noChangeAspect="1" noChangeArrowheads="1"/>
-          </p:cNvPicPr>
-          <p:nvPr/>
-        </p:nvPicPr>
-        <p:blipFill>
-          <a:blip r:embed="rId2" cstate="print">
-            <a:extLst>
-              <a:ext uri="{28A0092B-C50C-407E-A947-70E740481C1C}">
-                <a14:useLocalDpi xmlns:a14="http://schemas.microsoft.com/office/drawing/2010/main" val="0"/>
-              </a:ext>
-            </a:extLst>
-          </a:blip>
-          <a:srcRect/>
-          <a:stretch>
-            <a:fillRect/>
-          </a:stretch>
-        </p:blipFill>
-        <p:spPr bwMode="auto">
-          <a:xfrm>
-            <a:off x="191344" y="149954"/>
-            <a:ext cx="4012149" cy="2702982"/>
-          </a:xfrm>
-          <a:prstGeom prst="rect">
-            <a:avLst/>
-          </a:prstGeom>
-          <a:noFill/>
-          <a:extLst>
-            <a:ext uri="{909E8E84-426E-40DD-AFC4-6F175D3DCCD1}">
-              <a14:hiddenFill xmlns:a14="http://schemas.microsoft.com/office/drawing/2010/main">
-                <a:solidFill>
-                  <a:srgbClr val="FFFFFF"/>
-                </a:solidFill>
-              </a14:hiddenFill>
-            </a:ext>
-          </a:extLst>
-        </p:spPr>
-      </p:pic>
       <p:sp>
         <p:nvSpPr>
           <p:cNvPr id="2" name="Title 1"/>
@@ -44109,7 +43182,7 @@
         <p:spPr>
           <a:xfrm>
             <a:off x="262558" y="583270"/>
-            <a:ext cx="11737304" cy="1860509"/>
+            <a:ext cx="11737304" cy="1244956"/>
           </a:xfrm>
           <a:prstGeom prst="rect">
             <a:avLst/>
@@ -44122,41 +43195,6 @@
           <a:lstStyle/>
           <a:p>
             <a:r>
-              <a:rPr lang="en-IN" sz="2000" dirty="0">
-                <a:solidFill>
-                  <a:schemeClr val="accent6">
-                    <a:lumMod val="50000"/>
-                  </a:schemeClr>
-                </a:solidFill>
-                <a:latin typeface="Liberation Mono"/>
-                <a:cs typeface="Arial" panose="020B0604020202020204" pitchFamily="34" charset="0"/>
-              </a:rPr>
-              <a:t>                   </a:t>
-            </a:r>
-            <a:r>
-              <a:rPr lang="en-IN" sz="2000" b="1" dirty="0">
-                <a:solidFill>
-                  <a:schemeClr val="accent4">
-                    <a:lumMod val="50000"/>
-                  </a:schemeClr>
-                </a:solidFill>
-                <a:latin typeface="Liberation Mono"/>
-                <a:cs typeface="Arial" panose="020B0604020202020204" pitchFamily="34" charset="0"/>
-              </a:rPr>
-              <a:t>modifiers</a:t>
-            </a:r>
-            <a:endParaRPr lang="en-US" sz="2000" b="1" dirty="0">
-              <a:solidFill>
-                <a:schemeClr val="accent4">
-                  <a:lumMod val="50000"/>
-                </a:schemeClr>
-              </a:solidFill>
-              <a:latin typeface="Liberation Mono"/>
-              <a:cs typeface="Arial" panose="020B0604020202020204" pitchFamily="34" charset="0"/>
-            </a:endParaRPr>
-          </a:p>
-          <a:p>
-            <a:r>
               <a:rPr lang="en-US" sz="2000" dirty="0">
                 <a:solidFill>
                   <a:srgbClr val="0077AA"/>
@@ -44177,316 +43215,32 @@
                 <a:latin typeface="Liberation Mono"/>
                 <a:cs typeface="Arial" panose="020B0604020202020204" pitchFamily="34" charset="0"/>
               </a:rPr>
-              <a:t> [</a:t>
-            </a:r>
-            <a:r>
-              <a:rPr lang="en-US" sz="2000" u="heavy" dirty="0">
+              <a:t> </a:t>
+            </a:r>
+            <a:r>
+              <a:rPr lang="en-US" sz="2000" dirty="0">
+                <a:solidFill>
+                  <a:schemeClr val="bg1">
+                    <a:lumMod val="50000"/>
+                  </a:schemeClr>
+                </a:solidFill>
+                <a:latin typeface="Liberation Mono"/>
+                <a:cs typeface="Arial" panose="020B0604020202020204" pitchFamily="34" charset="0"/>
+              </a:rPr>
+              <a:t>. . . . . .</a:t>
+            </a:r>
+            <a:r>
+              <a:rPr lang="en-US" sz="2000" dirty="0">
                 <a:solidFill>
                   <a:schemeClr val="tx1">
                     <a:lumMod val="95000"/>
                     <a:lumOff val="5000"/>
                   </a:schemeClr>
                 </a:solidFill>
-                <a:uFill>
-                  <a:solidFill>
-                    <a:srgbClr val="570528"/>
-                  </a:solidFill>
-                </a:uFill>
-                <a:latin typeface="Liberation Mono"/>
-                <a:cs typeface="Arial" panose="020B0604020202020204" pitchFamily="34" charset="0"/>
-              </a:rPr>
-              <a:t>ALL / DISTINCT</a:t>
-            </a:r>
-            <a:r>
-              <a:rPr lang="en-US" sz="2000" dirty="0">
-                <a:solidFill>
-                  <a:schemeClr val="tx1">
-                    <a:lumMod val="95000"/>
-                    <a:lumOff val="5000"/>
-                  </a:schemeClr>
-                </a:solidFill>
-                <a:latin typeface="Liberation Mono"/>
-                <a:cs typeface="Arial" panose="020B0604020202020204" pitchFamily="34" charset="0"/>
-              </a:rPr>
-              <a:t>] </a:t>
-            </a:r>
-            <a:r>
-              <a:rPr lang="en-US" sz="2000" dirty="0">
-                <a:solidFill>
-                  <a:srgbClr val="CAA496"/>
-                </a:solidFill>
-                <a:latin typeface="Liberation Mono"/>
-                <a:cs typeface="Arial" panose="020B0604020202020204" pitchFamily="34" charset="0"/>
-              </a:rPr>
-              <a:t>identifier</a:t>
-            </a:r>
-            <a:r>
-              <a:rPr lang="en-US" sz="2000" dirty="0">
-                <a:solidFill>
-                  <a:schemeClr val="tx1">
-                    <a:lumMod val="95000"/>
-                    <a:lumOff val="5000"/>
-                  </a:schemeClr>
-                </a:solidFill>
-                <a:latin typeface="Liberation Mono"/>
-                <a:cs typeface="Arial" panose="020B0604020202020204" pitchFamily="34" charset="0"/>
-              </a:rPr>
-              <a:t>.</a:t>
-            </a:r>
-            <a:r>
-              <a:rPr lang="en-US" sz="2000" dirty="0">
-                <a:solidFill>
-                  <a:srgbClr val="A67F59"/>
-                </a:solidFill>
-                <a:latin typeface="Liberation Mono"/>
-              </a:rPr>
-              <a:t>* </a:t>
-            </a:r>
-            <a:r>
-              <a:rPr lang="en-US" sz="2000" dirty="0">
-                <a:solidFill>
-                  <a:srgbClr val="0077AA"/>
-                </a:solidFill>
-                <a:latin typeface="Liberation Mono"/>
-                <a:cs typeface="Arial" panose="020B0604020202020204" pitchFamily="34" charset="0"/>
-              </a:rPr>
-              <a:t>EXCEPT</a:t>
-            </a:r>
-            <a:r>
-              <a:rPr lang="en-US" sz="2000" dirty="0">
-                <a:solidFill>
-                  <a:srgbClr val="A67F59"/>
-                </a:solidFill>
-                <a:latin typeface="Liberation Mono"/>
-              </a:rPr>
-              <a:t> </a:t>
-            </a:r>
-            <a:r>
-              <a:rPr lang="en-US" sz="2000" i="1" dirty="0">
-                <a:solidFill>
-                  <a:schemeClr val="tx1">
-                    <a:lumMod val="95000"/>
-                    <a:lumOff val="5000"/>
-                  </a:schemeClr>
-                </a:solidFill>
-                <a:latin typeface="Liberation Mono"/>
-                <a:cs typeface="Arial" panose="020B0604020202020204" pitchFamily="34" charset="0"/>
-              </a:rPr>
-              <a:t>(A</a:t>
-            </a:r>
-            <a:r>
-              <a:rPr lang="en-US" sz="2000" i="1" baseline="-25000" dirty="0">
-                <a:solidFill>
-                  <a:schemeClr val="tx1">
-                    <a:lumMod val="95000"/>
-                    <a:lumOff val="5000"/>
-                  </a:schemeClr>
-                </a:solidFill>
-                <a:latin typeface="Liberation Mono"/>
-                <a:cs typeface="Arial" panose="020B0604020202020204" pitchFamily="34" charset="0"/>
-              </a:rPr>
-              <a:t>1</a:t>
-            </a:r>
-            <a:r>
-              <a:rPr lang="en-US" sz="2000" i="1" dirty="0">
-                <a:solidFill>
-                  <a:schemeClr val="tx1">
-                    <a:lumMod val="95000"/>
-                    <a:lumOff val="5000"/>
-                  </a:schemeClr>
-                </a:solidFill>
-                <a:latin typeface="Liberation Mono"/>
-                <a:cs typeface="Arial" panose="020B0604020202020204" pitchFamily="34" charset="0"/>
-              </a:rPr>
-              <a:t>, A</a:t>
-            </a:r>
-            <a:r>
-              <a:rPr lang="en-US" sz="2000" i="1" baseline="-25000" dirty="0">
-                <a:solidFill>
-                  <a:schemeClr val="tx1">
-                    <a:lumMod val="95000"/>
-                    <a:lumOff val="5000"/>
-                  </a:schemeClr>
-                </a:solidFill>
-                <a:latin typeface="Liberation Mono"/>
-                <a:cs typeface="Arial" panose="020B0604020202020204" pitchFamily="34" charset="0"/>
-              </a:rPr>
-              <a:t>2</a:t>
-            </a:r>
-            <a:r>
-              <a:rPr lang="en-US" sz="2000" i="1" dirty="0">
-                <a:solidFill>
-                  <a:schemeClr val="tx1">
-                    <a:lumMod val="95000"/>
-                    <a:lumOff val="5000"/>
-                  </a:schemeClr>
-                </a:solidFill>
-                <a:latin typeface="Liberation Mono"/>
-                <a:cs typeface="Arial" panose="020B0604020202020204" pitchFamily="34" charset="0"/>
-              </a:rPr>
-              <a:t>)  </a:t>
-            </a:r>
-            <a:r>
-              <a:rPr lang="en-US" sz="2000" dirty="0">
-                <a:solidFill>
-                  <a:schemeClr val="tx1">
-                    <a:lumMod val="95000"/>
-                    <a:lumOff val="5000"/>
-                  </a:schemeClr>
-                </a:solidFill>
-                <a:latin typeface="Liberation Mono"/>
-                <a:cs typeface="Arial" panose="020B0604020202020204" pitchFamily="34" charset="0"/>
-              </a:rPr>
-              <a:t>/ </a:t>
-            </a:r>
-            <a:r>
-              <a:rPr lang="en-US" sz="2000" dirty="0">
-                <a:solidFill>
-                  <a:srgbClr val="CAA496"/>
-                </a:solidFill>
-                <a:latin typeface="Liberation Mono"/>
-                <a:cs typeface="Arial" panose="020B0604020202020204" pitchFamily="34" charset="0"/>
-              </a:rPr>
-              <a:t>identifier</a:t>
-            </a:r>
-            <a:r>
-              <a:rPr lang="en-US" sz="2000" dirty="0">
-                <a:solidFill>
-                  <a:schemeClr val="tx1">
-                    <a:lumMod val="95000"/>
-                    <a:lumOff val="5000"/>
-                  </a:schemeClr>
-                </a:solidFill>
-                <a:latin typeface="Liberation Mono"/>
-                <a:cs typeface="Arial" panose="020B0604020202020204" pitchFamily="34" charset="0"/>
-              </a:rPr>
-              <a:t>.</a:t>
-            </a:r>
-            <a:r>
-              <a:rPr lang="en-US" sz="2000" i="1" dirty="0">
-                <a:solidFill>
-                  <a:schemeClr val="tx1">
-                    <a:lumMod val="95000"/>
-                    <a:lumOff val="5000"/>
-                  </a:schemeClr>
-                </a:solidFill>
-                <a:latin typeface="Liberation Mono"/>
-                <a:cs typeface="Arial" panose="020B0604020202020204" pitchFamily="34" charset="0"/>
-              </a:rPr>
-              <a:t>A</a:t>
-            </a:r>
-            <a:r>
-              <a:rPr lang="en-US" sz="2000" baseline="-25000" dirty="0">
-                <a:solidFill>
-                  <a:schemeClr val="tx1">
-                    <a:lumMod val="95000"/>
-                    <a:lumOff val="5000"/>
-                  </a:schemeClr>
-                </a:solidFill>
-                <a:latin typeface="Liberation Mono"/>
-                <a:cs typeface="Arial" panose="020B0604020202020204" pitchFamily="34" charset="0"/>
-              </a:rPr>
-              <a:t>1</a:t>
-            </a:r>
-            <a:r>
-              <a:rPr lang="en-US" sz="2000" dirty="0">
-                <a:solidFill>
-                  <a:schemeClr val="tx1">
-                    <a:lumMod val="95000"/>
-                    <a:lumOff val="5000"/>
-                  </a:schemeClr>
-                </a:solidFill>
-                <a:latin typeface="Liberation Mono"/>
-                <a:cs typeface="Arial" panose="020B0604020202020204" pitchFamily="34" charset="0"/>
-              </a:rPr>
-              <a:t> [ [as] alias_name], </a:t>
-            </a:r>
-            <a:r>
-              <a:rPr lang="en-US" sz="2000" dirty="0">
-                <a:solidFill>
-                  <a:srgbClr val="CAA496"/>
-                </a:solidFill>
-                <a:latin typeface="Liberation Mono"/>
-                <a:cs typeface="Arial" panose="020B0604020202020204" pitchFamily="34" charset="0"/>
-              </a:rPr>
-              <a:t>identifier</a:t>
-            </a:r>
-            <a:r>
-              <a:rPr lang="en-US" sz="2000" dirty="0">
-                <a:solidFill>
-                  <a:schemeClr val="tx1">
-                    <a:lumMod val="95000"/>
-                    <a:lumOff val="5000"/>
-                  </a:schemeClr>
-                </a:solidFill>
-                <a:latin typeface="Liberation Mono"/>
-                <a:cs typeface="Arial" panose="020B0604020202020204" pitchFamily="34" charset="0"/>
-              </a:rPr>
-              <a:t>.</a:t>
-            </a:r>
-            <a:r>
-              <a:rPr lang="en-US" sz="2000" i="1" dirty="0">
-                <a:solidFill>
-                  <a:schemeClr val="tx1">
-                    <a:lumMod val="95000"/>
-                    <a:lumOff val="5000"/>
-                  </a:schemeClr>
-                </a:solidFill>
-                <a:latin typeface="Liberation Mono"/>
-                <a:cs typeface="Arial" panose="020B0604020202020204" pitchFamily="34" charset="0"/>
-              </a:rPr>
-              <a:t>A</a:t>
-            </a:r>
-            <a:r>
-              <a:rPr lang="en-US" sz="2000" baseline="-25000" dirty="0">
-                <a:solidFill>
-                  <a:schemeClr val="tx1">
-                    <a:lumMod val="95000"/>
-                    <a:lumOff val="5000"/>
-                  </a:schemeClr>
-                </a:solidFill>
-                <a:latin typeface="Liberation Mono"/>
-                <a:cs typeface="Arial" panose="020B0604020202020204" pitchFamily="34" charset="0"/>
-              </a:rPr>
-              <a:t>2</a:t>
-            </a:r>
-            <a:r>
-              <a:rPr lang="en-US" sz="2000" dirty="0">
-                <a:solidFill>
-                  <a:schemeClr val="tx1">
-                    <a:lumMod val="95000"/>
-                    <a:lumOff val="5000"/>
-                  </a:schemeClr>
-                </a:solidFill>
-                <a:latin typeface="Liberation Mono"/>
-                <a:cs typeface="Arial" panose="020B0604020202020204" pitchFamily="34" charset="0"/>
-              </a:rPr>
-              <a:t> [ [as] alias_name], expression1 [ [as] alias_name], expression2 [ [as] alias_name] </a:t>
-            </a:r>
-            <a:r>
-              <a:rPr lang="en-US" sz="2000" dirty="0">
-                <a:solidFill>
-                  <a:schemeClr val="bg1">
-                    <a:lumMod val="50000"/>
-                  </a:schemeClr>
-                </a:solidFill>
-                <a:latin typeface="Liberation Mono"/>
-                <a:cs typeface="Arial" panose="020B0604020202020204" pitchFamily="34" charset="0"/>
-              </a:rPr>
-              <a:t>. . .</a:t>
-            </a:r>
-            <a:r>
-              <a:rPr lang="en-US" sz="2000" dirty="0">
-                <a:solidFill>
-                  <a:schemeClr val="tx1">
-                    <a:lumMod val="95000"/>
-                    <a:lumOff val="5000"/>
-                  </a:schemeClr>
-                </a:solidFill>
-                <a:latin typeface="Liberation Mono"/>
-                <a:cs typeface="Arial" panose="020B0604020202020204" pitchFamily="34" charset="0"/>
-              </a:rPr>
-              <a:t> </a:t>
+                <a:latin typeface="Liberation Mono"/>
+                <a:cs typeface="Arial" panose="020B0604020202020204" pitchFamily="34" charset="0"/>
+              </a:rPr>
+              <a:t>  </a:t>
             </a:r>
           </a:p>
           <a:p>
@@ -44536,131 +43290,7 @@
                 <a:latin typeface="Liberation Mono"/>
                 <a:cs typeface="Arial" panose="020B0604020202020204" pitchFamily="34" charset="0"/>
               </a:rPr>
-              <a:t> &lt;</a:t>
-            </a:r>
-            <a:r>
-              <a:rPr lang="en-US" sz="2000" dirty="0">
-                <a:solidFill>
-                  <a:srgbClr val="CAA496"/>
-                </a:solidFill>
-                <a:latin typeface="Liberation Mono"/>
-                <a:cs typeface="Arial" panose="020B0604020202020204" pitchFamily="34" charset="0"/>
-              </a:rPr>
-              <a:t>identifier</a:t>
-            </a:r>
-            <a:r>
-              <a:rPr lang="en-US" sz="2000" dirty="0">
-                <a:solidFill>
-                  <a:schemeClr val="tx1">
-                    <a:lumMod val="95000"/>
-                    <a:lumOff val="5000"/>
-                  </a:schemeClr>
-                </a:solidFill>
-                <a:latin typeface="Liberation Mono"/>
-                <a:cs typeface="Arial" panose="020B0604020202020204" pitchFamily="34" charset="0"/>
-              </a:rPr>
-              <a:t>.</a:t>
-            </a:r>
-            <a:r>
-              <a:rPr lang="en-US" sz="2000" i="1" dirty="0">
-                <a:solidFill>
-                  <a:schemeClr val="tx1">
-                    <a:lumMod val="95000"/>
-                    <a:lumOff val="5000"/>
-                  </a:schemeClr>
-                </a:solidFill>
-                <a:latin typeface="Liberation Mono"/>
-                <a:cs typeface="Arial" panose="020B0604020202020204" pitchFamily="34" charset="0"/>
-              </a:rPr>
-              <a:t>r</a:t>
-            </a:r>
-            <a:r>
-              <a:rPr lang="en-US" sz="2000" baseline="-25000" dirty="0">
-                <a:solidFill>
-                  <a:schemeClr val="tx1">
-                    <a:lumMod val="95000"/>
-                    <a:lumOff val="5000"/>
-                  </a:schemeClr>
-                </a:solidFill>
-                <a:latin typeface="Liberation Mono"/>
-                <a:cs typeface="Arial" panose="020B0604020202020204" pitchFamily="34" charset="0"/>
-              </a:rPr>
-              <a:t>1</a:t>
-            </a:r>
-            <a:r>
-              <a:rPr lang="en-US" sz="2000" dirty="0">
-                <a:solidFill>
-                  <a:schemeClr val="tx1">
-                    <a:lumMod val="95000"/>
-                    <a:lumOff val="5000"/>
-                  </a:schemeClr>
-                </a:solidFill>
-                <a:latin typeface="Liberation Mono"/>
-                <a:cs typeface="Arial" panose="020B0604020202020204" pitchFamily="34" charset="0"/>
-              </a:rPr>
-              <a:t>&gt; [as] alias_name], &lt;</a:t>
-            </a:r>
-            <a:r>
-              <a:rPr lang="en-US" sz="2000" dirty="0">
-                <a:solidFill>
-                  <a:srgbClr val="CAA496"/>
-                </a:solidFill>
-                <a:latin typeface="Liberation Mono"/>
-                <a:cs typeface="Arial" panose="020B0604020202020204" pitchFamily="34" charset="0"/>
-              </a:rPr>
-              <a:t>identifier</a:t>
-            </a:r>
-            <a:r>
-              <a:rPr lang="en-US" sz="2000" dirty="0">
-                <a:solidFill>
-                  <a:schemeClr val="tx1">
-                    <a:lumMod val="95000"/>
-                    <a:lumOff val="5000"/>
-                  </a:schemeClr>
-                </a:solidFill>
-                <a:latin typeface="Liberation Mono"/>
-                <a:cs typeface="Arial" panose="020B0604020202020204" pitchFamily="34" charset="0"/>
-              </a:rPr>
-              <a:t>.</a:t>
-            </a:r>
-            <a:r>
-              <a:rPr lang="en-US" sz="2000" i="1" dirty="0">
-                <a:solidFill>
-                  <a:schemeClr val="tx1">
-                    <a:lumMod val="95000"/>
-                    <a:lumOff val="5000"/>
-                  </a:schemeClr>
-                </a:solidFill>
-                <a:latin typeface="Liberation Mono"/>
-                <a:cs typeface="Arial" panose="020B0604020202020204" pitchFamily="34" charset="0"/>
-              </a:rPr>
-              <a:t>r</a:t>
-            </a:r>
-            <a:r>
-              <a:rPr lang="en-US" sz="2000" baseline="-25000" dirty="0">
-                <a:solidFill>
-                  <a:schemeClr val="tx1">
-                    <a:lumMod val="95000"/>
-                    <a:lumOff val="5000"/>
-                  </a:schemeClr>
-                </a:solidFill>
-                <a:latin typeface="Liberation Mono"/>
-                <a:cs typeface="Arial" panose="020B0604020202020204" pitchFamily="34" charset="0"/>
-              </a:rPr>
-              <a:t>2</a:t>
-            </a:r>
-            <a:r>
-              <a:rPr lang="en-US" sz="2000" dirty="0">
-                <a:solidFill>
-                  <a:schemeClr val="tx1">
-                    <a:lumMod val="95000"/>
-                    <a:lumOff val="5000"/>
-                  </a:schemeClr>
-                </a:solidFill>
-                <a:latin typeface="Liberation Mono"/>
-                <a:cs typeface="Arial" panose="020B0604020202020204" pitchFamily="34" charset="0"/>
-              </a:rPr>
-              <a:t>&gt; [as] alias_name], </a:t>
+              <a:t> </a:t>
             </a:r>
             <a:r>
               <a:rPr lang="en-US" sz="2000" dirty="0">
@@ -44672,7 +43302,7 @@
                 <a:latin typeface="Liberation Mono"/>
                 <a:cs typeface="Arial" panose="020B0604020202020204" pitchFamily="34" charset="0"/>
               </a:rPr>
-              <a:t>. . .</a:t>
+              <a:t>. . . . . .</a:t>
             </a:r>
             <a:r>
               <a:rPr lang="en-US" sz="2000" dirty="0">
@@ -44770,7 +43400,7 @@
         </p:nvSpPr>
         <p:spPr>
           <a:xfrm>
-            <a:off x="262558" y="2878485"/>
+            <a:off x="262558" y="2160000"/>
             <a:ext cx="11526016" cy="1107996"/>
           </a:xfrm>
           <a:prstGeom prst="rect">
@@ -44991,21 +43621,7 @@
                 <a:latin typeface="Liberation Mono"/>
                 <a:cs typeface="Arial" panose="020B0604020202020204" pitchFamily="34" charset="0"/>
               </a:rPr>
-              <a:t>(`user name`, </a:t>
-            </a:r>
-            <a:r>
-              <a:rPr lang="en-US" dirty="0" err="1">
-                <a:latin typeface="Liberation Mono"/>
-                <a:cs typeface="Arial" panose="020B0604020202020204" pitchFamily="34" charset="0"/>
-              </a:rPr>
-              <a:t>pwd</a:t>
-            </a:r>
-            <a:r>
-              <a:rPr lang="en-US" dirty="0">
-                <a:latin typeface="Liberation Mono"/>
-                <a:cs typeface="Arial" panose="020B0604020202020204" pitchFamily="34" charset="0"/>
-              </a:rPr>
-              <a:t>)</a:t>
+              <a:t>(`user name`, pwd)</a:t>
             </a:r>
             <a:r>
               <a:rPr lang="en-US" dirty="0">
@@ -45152,7 +43768,7 @@
         <p:spPr>
           <a:xfrm>
             <a:off x="262558" y="583270"/>
-            <a:ext cx="11737304" cy="1860509"/>
+            <a:ext cx="11737304" cy="1244956"/>
           </a:xfrm>
           <a:prstGeom prst="rect">
             <a:avLst/>
@@ -45165,41 +43781,6 @@
           <a:lstStyle/>
           <a:p>
             <a:r>
-              <a:rPr lang="en-IN" sz="2000" dirty="0">
-                <a:solidFill>
-                  <a:schemeClr val="accent6">
-                    <a:lumMod val="50000"/>
-                  </a:schemeClr>
-                </a:solidFill>
-                <a:latin typeface="Liberation Mono"/>
-                <a:cs typeface="Arial" panose="020B0604020202020204" pitchFamily="34" charset="0"/>
-              </a:rPr>
-              <a:t>                   </a:t>
-            </a:r>
-            <a:r>
-              <a:rPr lang="en-IN" sz="2000" b="1" dirty="0">
-                <a:solidFill>
-                  <a:schemeClr val="accent4">
-                    <a:lumMod val="50000"/>
-                  </a:schemeClr>
-                </a:solidFill>
-                <a:latin typeface="Liberation Mono"/>
-                <a:cs typeface="Arial" panose="020B0604020202020204" pitchFamily="34" charset="0"/>
-              </a:rPr>
-              <a:t>modifiers</a:t>
-            </a:r>
-            <a:endParaRPr lang="en-US" sz="2000" b="1" dirty="0">
-              <a:solidFill>
-                <a:schemeClr val="accent4">
-                  <a:lumMod val="50000"/>
-                </a:schemeClr>
-              </a:solidFill>
-              <a:latin typeface="Liberation Mono"/>
-              <a:cs typeface="Arial" panose="020B0604020202020204" pitchFamily="34" charset="0"/>
-            </a:endParaRPr>
-          </a:p>
-          <a:p>
-            <a:r>
               <a:rPr lang="en-US" sz="2000" dirty="0">
                 <a:solidFill>
                   <a:srgbClr val="0077AA"/>
@@ -45220,291 +43801,7 @@
                 <a:latin typeface="Liberation Mono"/>
                 <a:cs typeface="Arial" panose="020B0604020202020204" pitchFamily="34" charset="0"/>
               </a:rPr>
-              <a:t> [</a:t>
-            </a:r>
-            <a:r>
-              <a:rPr lang="en-US" sz="2000" u="heavy" dirty="0">
-                <a:solidFill>
-                  <a:schemeClr val="tx1">
-                    <a:lumMod val="95000"/>
-                    <a:lumOff val="5000"/>
-                  </a:schemeClr>
-                </a:solidFill>
-                <a:uFill>
-                  <a:solidFill>
-                    <a:srgbClr val="570528"/>
-                  </a:solidFill>
-                </a:uFill>
-                <a:latin typeface="Liberation Mono"/>
-                <a:cs typeface="Arial" panose="020B0604020202020204" pitchFamily="34" charset="0"/>
-              </a:rPr>
-              <a:t>ALL / DISTINCT</a:t>
-            </a:r>
-            <a:r>
-              <a:rPr lang="en-US" sz="2000" dirty="0">
-                <a:solidFill>
-                  <a:schemeClr val="tx1">
-                    <a:lumMod val="95000"/>
-                    <a:lumOff val="5000"/>
-                  </a:schemeClr>
-                </a:solidFill>
-                <a:latin typeface="Liberation Mono"/>
-                <a:cs typeface="Arial" panose="020B0604020202020204" pitchFamily="34" charset="0"/>
-              </a:rPr>
-              <a:t>] </a:t>
-            </a:r>
-            <a:r>
-              <a:rPr lang="en-US" sz="2000" dirty="0">
-                <a:solidFill>
-                  <a:srgbClr val="CAA496"/>
-                </a:solidFill>
-                <a:latin typeface="Liberation Mono"/>
-                <a:cs typeface="Arial" panose="020B0604020202020204" pitchFamily="34" charset="0"/>
-              </a:rPr>
-              <a:t>identifier</a:t>
-            </a:r>
-            <a:r>
-              <a:rPr lang="en-US" sz="2000" dirty="0">
-                <a:solidFill>
-                  <a:schemeClr val="tx1">
-                    <a:lumMod val="95000"/>
-                    <a:lumOff val="5000"/>
-                  </a:schemeClr>
-                </a:solidFill>
-                <a:latin typeface="Liberation Mono"/>
-                <a:cs typeface="Arial" panose="020B0604020202020204" pitchFamily="34" charset="0"/>
-              </a:rPr>
-              <a:t>.</a:t>
-            </a:r>
-            <a:r>
-              <a:rPr lang="en-US" sz="2000" dirty="0">
-                <a:solidFill>
-                  <a:srgbClr val="A67F59"/>
-                </a:solidFill>
-                <a:latin typeface="Liberation Mono"/>
-              </a:rPr>
-              <a:t>* </a:t>
-            </a:r>
-            <a:r>
-              <a:rPr lang="en-US" sz="2000" dirty="0">
-                <a:solidFill>
-                  <a:srgbClr val="0077AA"/>
-                </a:solidFill>
-                <a:latin typeface="Liberation Mono"/>
-                <a:cs typeface="Arial" panose="020B0604020202020204" pitchFamily="34" charset="0"/>
-              </a:rPr>
-              <a:t>EXCEPT</a:t>
-            </a:r>
-            <a:r>
-              <a:rPr lang="en-US" sz="2000" dirty="0">
-                <a:solidFill>
-                  <a:srgbClr val="A67F59"/>
-                </a:solidFill>
-                <a:latin typeface="Liberation Mono"/>
-              </a:rPr>
               <a:t> </a:t>
-            </a:r>
-            <a:r>
-              <a:rPr lang="en-US" sz="2000" i="1" dirty="0">
-                <a:solidFill>
-                  <a:schemeClr val="tx1">
-                    <a:lumMod val="95000"/>
-                    <a:lumOff val="5000"/>
-                  </a:schemeClr>
-                </a:solidFill>
-                <a:latin typeface="Liberation Mono"/>
-                <a:cs typeface="Arial" panose="020B0604020202020204" pitchFamily="34" charset="0"/>
-              </a:rPr>
-              <a:t>(A</a:t>
-            </a:r>
-            <a:r>
-              <a:rPr lang="en-US" sz="2000" i="1" baseline="-25000" dirty="0">
-                <a:solidFill>
-                  <a:schemeClr val="tx1">
-                    <a:lumMod val="95000"/>
-                    <a:lumOff val="5000"/>
-                  </a:schemeClr>
-                </a:solidFill>
-                <a:latin typeface="Liberation Mono"/>
-                <a:cs typeface="Arial" panose="020B0604020202020204" pitchFamily="34" charset="0"/>
-              </a:rPr>
-              <a:t>1</a:t>
-            </a:r>
-            <a:r>
-              <a:rPr lang="en-US" sz="2000" i="1" dirty="0">
-                <a:solidFill>
-                  <a:schemeClr val="tx1">
-                    <a:lumMod val="95000"/>
-                    <a:lumOff val="5000"/>
-                  </a:schemeClr>
-                </a:solidFill>
-                <a:latin typeface="Liberation Mono"/>
-                <a:cs typeface="Arial" panose="020B0604020202020204" pitchFamily="34" charset="0"/>
-              </a:rPr>
-              <a:t>, A</a:t>
-            </a:r>
-            <a:r>
-              <a:rPr lang="en-US" sz="2000" i="1" baseline="-25000" dirty="0">
-                <a:solidFill>
-                  <a:schemeClr val="tx1">
-                    <a:lumMod val="95000"/>
-                    <a:lumOff val="5000"/>
-                  </a:schemeClr>
-                </a:solidFill>
-                <a:latin typeface="Liberation Mono"/>
-                <a:cs typeface="Arial" panose="020B0604020202020204" pitchFamily="34" charset="0"/>
-              </a:rPr>
-              <a:t>2</a:t>
-            </a:r>
-            <a:r>
-              <a:rPr lang="en-US" sz="2000" i="1" dirty="0">
-                <a:solidFill>
-                  <a:schemeClr val="tx1">
-                    <a:lumMod val="95000"/>
-                    <a:lumOff val="5000"/>
-                  </a:schemeClr>
-                </a:solidFill>
-                <a:latin typeface="Liberation Mono"/>
-                <a:cs typeface="Arial" panose="020B0604020202020204" pitchFamily="34" charset="0"/>
-              </a:rPr>
-              <a:t>)  </a:t>
-            </a:r>
-            <a:r>
-              <a:rPr lang="en-US" sz="2000" dirty="0">
-                <a:solidFill>
-                  <a:schemeClr val="tx1">
-                    <a:lumMod val="95000"/>
-                    <a:lumOff val="5000"/>
-                  </a:schemeClr>
-                </a:solidFill>
-                <a:latin typeface="Liberation Mono"/>
-                <a:cs typeface="Arial" panose="020B0604020202020204" pitchFamily="34" charset="0"/>
-              </a:rPr>
-              <a:t>/ </a:t>
-            </a:r>
-            <a:r>
-              <a:rPr lang="en-US" sz="2000" dirty="0">
-                <a:solidFill>
-                  <a:srgbClr val="CAA496"/>
-                </a:solidFill>
-                <a:latin typeface="Liberation Mono"/>
-                <a:cs typeface="Arial" panose="020B0604020202020204" pitchFamily="34" charset="0"/>
-              </a:rPr>
-              <a:t>identifier</a:t>
-            </a:r>
-            <a:r>
-              <a:rPr lang="en-US" sz="2000" dirty="0">
-                <a:solidFill>
-                  <a:schemeClr val="tx1">
-                    <a:lumMod val="95000"/>
-                    <a:lumOff val="5000"/>
-                  </a:schemeClr>
-                </a:solidFill>
-                <a:latin typeface="Liberation Mono"/>
-                <a:cs typeface="Arial" panose="020B0604020202020204" pitchFamily="34" charset="0"/>
-              </a:rPr>
-              <a:t>.</a:t>
-            </a:r>
-            <a:r>
-              <a:rPr lang="en-US" sz="2000" i="1" dirty="0">
-                <a:solidFill>
-                  <a:schemeClr val="tx1">
-                    <a:lumMod val="95000"/>
-                    <a:lumOff val="5000"/>
-                  </a:schemeClr>
-                </a:solidFill>
-                <a:latin typeface="Liberation Mono"/>
-                <a:cs typeface="Arial" panose="020B0604020202020204" pitchFamily="34" charset="0"/>
-              </a:rPr>
-              <a:t>A</a:t>
-            </a:r>
-            <a:r>
-              <a:rPr lang="en-US" sz="2000" baseline="-25000" dirty="0">
-                <a:solidFill>
-                  <a:schemeClr val="tx1">
-                    <a:lumMod val="95000"/>
-                    <a:lumOff val="5000"/>
-                  </a:schemeClr>
-                </a:solidFill>
-                <a:latin typeface="Liberation Mono"/>
-                <a:cs typeface="Arial" panose="020B0604020202020204" pitchFamily="34" charset="0"/>
-              </a:rPr>
-              <a:t>1</a:t>
-            </a:r>
-            <a:r>
-              <a:rPr lang="en-US" sz="2000" dirty="0">
-                <a:solidFill>
-                  <a:schemeClr val="tx1">
-                    <a:lumMod val="95000"/>
-                    <a:lumOff val="5000"/>
-                  </a:schemeClr>
-                </a:solidFill>
-                <a:latin typeface="Liberation Mono"/>
-                <a:cs typeface="Arial" panose="020B0604020202020204" pitchFamily="34" charset="0"/>
-              </a:rPr>
-              <a:t> [ [as] alias_name], </a:t>
-            </a:r>
-            <a:r>
-              <a:rPr lang="en-US" sz="2000" dirty="0">
-                <a:solidFill>
-                  <a:srgbClr val="CAA496"/>
-                </a:solidFill>
-                <a:latin typeface="Liberation Mono"/>
-                <a:cs typeface="Arial" panose="020B0604020202020204" pitchFamily="34" charset="0"/>
-              </a:rPr>
-              <a:t>identifier</a:t>
-            </a:r>
-            <a:r>
-              <a:rPr lang="en-US" sz="2000" dirty="0">
-                <a:solidFill>
-                  <a:schemeClr val="tx1">
-                    <a:lumMod val="95000"/>
-                    <a:lumOff val="5000"/>
-                  </a:schemeClr>
-                </a:solidFill>
-                <a:latin typeface="Liberation Mono"/>
-                <a:cs typeface="Arial" panose="020B0604020202020204" pitchFamily="34" charset="0"/>
-              </a:rPr>
-              <a:t>.</a:t>
-            </a:r>
-            <a:r>
-              <a:rPr lang="en-US" sz="2000" i="1" dirty="0">
-                <a:solidFill>
-                  <a:schemeClr val="tx1">
-                    <a:lumMod val="95000"/>
-                    <a:lumOff val="5000"/>
-                  </a:schemeClr>
-                </a:solidFill>
-                <a:latin typeface="Liberation Mono"/>
-                <a:cs typeface="Arial" panose="020B0604020202020204" pitchFamily="34" charset="0"/>
-              </a:rPr>
-              <a:t>A</a:t>
-            </a:r>
-            <a:r>
-              <a:rPr lang="en-US" sz="2000" baseline="-25000" dirty="0">
-                <a:solidFill>
-                  <a:schemeClr val="tx1">
-                    <a:lumMod val="95000"/>
-                    <a:lumOff val="5000"/>
-                  </a:schemeClr>
-                </a:solidFill>
-                <a:latin typeface="Liberation Mono"/>
-                <a:cs typeface="Arial" panose="020B0604020202020204" pitchFamily="34" charset="0"/>
-              </a:rPr>
-              <a:t>2</a:t>
-            </a:r>
-            <a:r>
-              <a:rPr lang="en-US" sz="2000" dirty="0">
-                <a:solidFill>
-                  <a:schemeClr val="tx1">
-                    <a:lumMod val="95000"/>
-                    <a:lumOff val="5000"/>
-                  </a:schemeClr>
-                </a:solidFill>
-                <a:latin typeface="Liberation Mono"/>
-                <a:cs typeface="Arial" panose="020B0604020202020204" pitchFamily="34" charset="0"/>
-              </a:rPr>
-              <a:t> [ [as] alias_name], expression1 [ [as] alias_name], expression2 [ [as] alias_name] </a:t>
             </a:r>
             <a:r>
               <a:rPr lang="en-US" sz="2000" dirty="0">
@@ -45516,7 +43813,7 @@
                 <a:latin typeface="Liberation Mono"/>
                 <a:cs typeface="Arial" panose="020B0604020202020204" pitchFamily="34" charset="0"/>
               </a:rPr>
-              <a:t>. . .</a:t>
+              <a:t>. . . . . .</a:t>
             </a:r>
             <a:r>
               <a:rPr lang="en-US" sz="2000" dirty="0">
@@ -45579,131 +43876,7 @@
                 <a:latin typeface="Liberation Mono"/>
                 <a:cs typeface="Arial" panose="020B0604020202020204" pitchFamily="34" charset="0"/>
               </a:rPr>
-              <a:t> &lt;</a:t>
-            </a:r>
-            <a:r>
-              <a:rPr lang="en-US" sz="2000" dirty="0">
-                <a:solidFill>
-                  <a:srgbClr val="CAA496"/>
-                </a:solidFill>
-                <a:latin typeface="Liberation Mono"/>
-                <a:cs typeface="Arial" panose="020B0604020202020204" pitchFamily="34" charset="0"/>
-              </a:rPr>
-              <a:t>identifier</a:t>
-            </a:r>
-            <a:r>
-              <a:rPr lang="en-US" sz="2000" dirty="0">
-                <a:solidFill>
-                  <a:schemeClr val="tx1">
-                    <a:lumMod val="95000"/>
-                    <a:lumOff val="5000"/>
-                  </a:schemeClr>
-                </a:solidFill>
-                <a:latin typeface="Liberation Mono"/>
-                <a:cs typeface="Arial" panose="020B0604020202020204" pitchFamily="34" charset="0"/>
-              </a:rPr>
-              <a:t>.</a:t>
-            </a:r>
-            <a:r>
-              <a:rPr lang="en-US" sz="2000" i="1" dirty="0">
-                <a:solidFill>
-                  <a:schemeClr val="tx1">
-                    <a:lumMod val="95000"/>
-                    <a:lumOff val="5000"/>
-                  </a:schemeClr>
-                </a:solidFill>
-                <a:latin typeface="Liberation Mono"/>
-                <a:cs typeface="Arial" panose="020B0604020202020204" pitchFamily="34" charset="0"/>
-              </a:rPr>
-              <a:t>r</a:t>
-            </a:r>
-            <a:r>
-              <a:rPr lang="en-US" sz="2000" baseline="-25000" dirty="0">
-                <a:solidFill>
-                  <a:schemeClr val="tx1">
-                    <a:lumMod val="95000"/>
-                    <a:lumOff val="5000"/>
-                  </a:schemeClr>
-                </a:solidFill>
-                <a:latin typeface="Liberation Mono"/>
-                <a:cs typeface="Arial" panose="020B0604020202020204" pitchFamily="34" charset="0"/>
-              </a:rPr>
-              <a:t>1</a:t>
-            </a:r>
-            <a:r>
-              <a:rPr lang="en-US" sz="2000" dirty="0">
-                <a:solidFill>
-                  <a:schemeClr val="tx1">
-                    <a:lumMod val="95000"/>
-                    <a:lumOff val="5000"/>
-                  </a:schemeClr>
-                </a:solidFill>
-                <a:latin typeface="Liberation Mono"/>
-                <a:cs typeface="Arial" panose="020B0604020202020204" pitchFamily="34" charset="0"/>
-              </a:rPr>
-              <a:t>&gt; [as] alias_name], &lt;</a:t>
-            </a:r>
-            <a:r>
-              <a:rPr lang="en-US" sz="2000" dirty="0">
-                <a:solidFill>
-                  <a:srgbClr val="CAA496"/>
-                </a:solidFill>
-                <a:latin typeface="Liberation Mono"/>
-                <a:cs typeface="Arial" panose="020B0604020202020204" pitchFamily="34" charset="0"/>
-              </a:rPr>
-              <a:t>identifier</a:t>
-            </a:r>
-            <a:r>
-              <a:rPr lang="en-US" sz="2000" dirty="0">
-                <a:solidFill>
-                  <a:schemeClr val="tx1">
-                    <a:lumMod val="95000"/>
-                    <a:lumOff val="5000"/>
-                  </a:schemeClr>
-                </a:solidFill>
-                <a:latin typeface="Liberation Mono"/>
-                <a:cs typeface="Arial" panose="020B0604020202020204" pitchFamily="34" charset="0"/>
-              </a:rPr>
-              <a:t>.</a:t>
-            </a:r>
-            <a:r>
-              <a:rPr lang="en-US" sz="2000" i="1" dirty="0">
-                <a:solidFill>
-                  <a:schemeClr val="tx1">
-                    <a:lumMod val="95000"/>
-                    <a:lumOff val="5000"/>
-                  </a:schemeClr>
-                </a:solidFill>
-                <a:latin typeface="Liberation Mono"/>
-                <a:cs typeface="Arial" panose="020B0604020202020204" pitchFamily="34" charset="0"/>
-              </a:rPr>
-              <a:t>r</a:t>
-            </a:r>
-            <a:r>
-              <a:rPr lang="en-US" sz="2000" baseline="-25000" dirty="0">
-                <a:solidFill>
-                  <a:schemeClr val="tx1">
-                    <a:lumMod val="95000"/>
-                    <a:lumOff val="5000"/>
-                  </a:schemeClr>
-                </a:solidFill>
-                <a:latin typeface="Liberation Mono"/>
-                <a:cs typeface="Arial" panose="020B0604020202020204" pitchFamily="34" charset="0"/>
-              </a:rPr>
-              <a:t>2</a:t>
-            </a:r>
-            <a:r>
-              <a:rPr lang="en-US" sz="2000" dirty="0">
-                <a:solidFill>
-                  <a:schemeClr val="tx1">
-                    <a:lumMod val="95000"/>
-                    <a:lumOff val="5000"/>
-                  </a:schemeClr>
-                </a:solidFill>
-                <a:latin typeface="Liberation Mono"/>
-                <a:cs typeface="Arial" panose="020B0604020202020204" pitchFamily="34" charset="0"/>
-              </a:rPr>
-              <a:t>&gt; [as] alias_name], </a:t>
+              <a:t> </a:t>
             </a:r>
             <a:r>
               <a:rPr lang="en-US" sz="2000" dirty="0">
@@ -45715,7 +43888,7 @@
                 <a:latin typeface="Liberation Mono"/>
                 <a:cs typeface="Arial" panose="020B0604020202020204" pitchFamily="34" charset="0"/>
               </a:rPr>
-              <a:t>. . .</a:t>
+              <a:t>. . . . . .</a:t>
             </a:r>
             <a:r>
               <a:rPr lang="en-US" sz="2000" dirty="0">
@@ -45891,7 +44064,7 @@
         </p:nvSpPr>
         <p:spPr>
           <a:xfrm>
-            <a:off x="262558" y="2878485"/>
+            <a:off x="262558" y="2160000"/>
             <a:ext cx="11526016" cy="1107996"/>
           </a:xfrm>
           <a:prstGeom prst="rect">
@@ -46214,19 +44387,7 @@
               <a:rPr lang="en-US" dirty="0">
                 <a:latin typeface="Liberation Mono"/>
               </a:rPr>
-              <a:t>(`user name`, </a:t>
-            </a:r>
-            <a:r>
-              <a:rPr lang="en-US" dirty="0" err="1">
-                <a:latin typeface="Liberation Mono"/>
-              </a:rPr>
-              <a:t>pwd</a:t>
-            </a:r>
-            <a:r>
-              <a:rPr lang="en-US" dirty="0">
-                <a:latin typeface="Liberation Mono"/>
-              </a:rPr>
-              <a:t>) </a:t>
+              <a:t>(`user name`, pwd) </a:t>
             </a:r>
             <a:r>
               <a:rPr lang="en-US" dirty="0">
@@ -46692,7 +44853,7 @@
         <p:spPr>
           <a:xfrm>
             <a:off x="262558" y="583270"/>
-            <a:ext cx="11737304" cy="2322174"/>
+            <a:ext cx="11737304" cy="1706621"/>
           </a:xfrm>
           <a:prstGeom prst="rect">
             <a:avLst/>
@@ -46705,41 +44866,6 @@
           <a:lstStyle/>
           <a:p>
             <a:r>
-              <a:rPr lang="en-IN" sz="2000" dirty="0">
-                <a:solidFill>
-                  <a:schemeClr val="accent6">
-                    <a:lumMod val="50000"/>
-                  </a:schemeClr>
-                </a:solidFill>
-                <a:latin typeface="Liberation Mono"/>
-                <a:cs typeface="Arial" panose="020B0604020202020204" pitchFamily="34" charset="0"/>
-              </a:rPr>
-              <a:t>                   </a:t>
-            </a:r>
-            <a:r>
-              <a:rPr lang="en-IN" sz="2000" b="1" dirty="0">
-                <a:solidFill>
-                  <a:schemeClr val="accent4">
-                    <a:lumMod val="50000"/>
-                  </a:schemeClr>
-                </a:solidFill>
-                <a:latin typeface="Liberation Mono"/>
-                <a:cs typeface="Arial" panose="020B0604020202020204" pitchFamily="34" charset="0"/>
-              </a:rPr>
-              <a:t>modifiers</a:t>
-            </a:r>
-            <a:endParaRPr lang="en-US" sz="2000" b="1" dirty="0">
-              <a:solidFill>
-                <a:schemeClr val="accent4">
-                  <a:lumMod val="50000"/>
-                </a:schemeClr>
-              </a:solidFill>
-              <a:latin typeface="Liberation Mono"/>
-              <a:cs typeface="Arial" panose="020B0604020202020204" pitchFamily="34" charset="0"/>
-            </a:endParaRPr>
-          </a:p>
-          <a:p>
-            <a:r>
               <a:rPr lang="en-US" sz="2000" dirty="0">
                 <a:solidFill>
                   <a:srgbClr val="0077AA"/>
@@ -46747,304 +44873,7 @@
                 <a:latin typeface="Liberation Mono"/>
                 <a:cs typeface="Arial" panose="020B0604020202020204" pitchFamily="34" charset="0"/>
               </a:rPr>
-              <a:t>SELECT</a:t>
-            </a:r>
-            <a:r>
-              <a:rPr lang="en-US" sz="2000" dirty="0">
-                <a:solidFill>
-                  <a:schemeClr val="tx1">
-                    <a:lumMod val="95000"/>
-                    <a:lumOff val="5000"/>
-                  </a:schemeClr>
-                </a:solidFill>
-                <a:latin typeface="Liberation Mono"/>
-                <a:cs typeface="Arial" panose="020B0604020202020204" pitchFamily="34" charset="0"/>
-              </a:rPr>
-              <a:t> [</a:t>
-            </a:r>
-            <a:r>
-              <a:rPr lang="en-US" sz="2000" u="heavy" dirty="0">
-                <a:solidFill>
-                  <a:schemeClr val="tx1">
-                    <a:lumMod val="95000"/>
-                    <a:lumOff val="5000"/>
-                  </a:schemeClr>
-                </a:solidFill>
-                <a:uFill>
-                  <a:solidFill>
-                    <a:srgbClr val="570528"/>
-                  </a:solidFill>
-                </a:uFill>
-                <a:latin typeface="Liberation Mono"/>
-                <a:cs typeface="Arial" panose="020B0604020202020204" pitchFamily="34" charset="0"/>
-              </a:rPr>
-              <a:t>ALL / DISTINCT</a:t>
-            </a:r>
-            <a:r>
-              <a:rPr lang="en-US" sz="2000" dirty="0">
-                <a:solidFill>
-                  <a:schemeClr val="tx1">
-                    <a:lumMod val="95000"/>
-                    <a:lumOff val="5000"/>
-                  </a:schemeClr>
-                </a:solidFill>
-                <a:latin typeface="Liberation Mono"/>
-                <a:cs typeface="Arial" panose="020B0604020202020204" pitchFamily="34" charset="0"/>
-              </a:rPr>
-              <a:t>] </a:t>
-            </a:r>
-            <a:r>
-              <a:rPr lang="en-US" sz="2000" dirty="0">
-                <a:solidFill>
-                  <a:srgbClr val="CAA496"/>
-                </a:solidFill>
-                <a:latin typeface="Liberation Mono"/>
-                <a:cs typeface="Arial" panose="020B0604020202020204" pitchFamily="34" charset="0"/>
-              </a:rPr>
-              <a:t>identifier</a:t>
-            </a:r>
-            <a:r>
-              <a:rPr lang="en-US" sz="2000" dirty="0">
-                <a:solidFill>
-                  <a:schemeClr val="tx1">
-                    <a:lumMod val="95000"/>
-                    <a:lumOff val="5000"/>
-                  </a:schemeClr>
-                </a:solidFill>
-                <a:latin typeface="Liberation Mono"/>
-                <a:cs typeface="Arial" panose="020B0604020202020204" pitchFamily="34" charset="0"/>
-              </a:rPr>
-              <a:t>.</a:t>
-            </a:r>
-            <a:r>
-              <a:rPr lang="en-US" sz="2000" dirty="0">
-                <a:solidFill>
-                  <a:srgbClr val="A67F59"/>
-                </a:solidFill>
-                <a:latin typeface="Liberation Mono"/>
-              </a:rPr>
-              <a:t>* </a:t>
-            </a:r>
-            <a:r>
-              <a:rPr lang="en-US" sz="2000" dirty="0">
-                <a:solidFill>
-                  <a:srgbClr val="0077AA"/>
-                </a:solidFill>
-                <a:latin typeface="Liberation Mono"/>
-                <a:cs typeface="Arial" panose="020B0604020202020204" pitchFamily="34" charset="0"/>
-              </a:rPr>
-              <a:t>EXCEPT</a:t>
-            </a:r>
-            <a:r>
-              <a:rPr lang="en-US" sz="2000" dirty="0">
-                <a:solidFill>
-                  <a:srgbClr val="A67F59"/>
-                </a:solidFill>
-                <a:latin typeface="Liberation Mono"/>
-              </a:rPr>
-              <a:t> </a:t>
-            </a:r>
-            <a:r>
-              <a:rPr lang="en-US" sz="2000" i="1" dirty="0">
-                <a:solidFill>
-                  <a:schemeClr val="tx1">
-                    <a:lumMod val="95000"/>
-                    <a:lumOff val="5000"/>
-                  </a:schemeClr>
-                </a:solidFill>
-                <a:latin typeface="Liberation Mono"/>
-                <a:cs typeface="Arial" panose="020B0604020202020204" pitchFamily="34" charset="0"/>
-              </a:rPr>
-              <a:t>(A</a:t>
-            </a:r>
-            <a:r>
-              <a:rPr lang="en-US" sz="2000" i="1" baseline="-25000" dirty="0">
-                <a:solidFill>
-                  <a:schemeClr val="tx1">
-                    <a:lumMod val="95000"/>
-                    <a:lumOff val="5000"/>
-                  </a:schemeClr>
-                </a:solidFill>
-                <a:latin typeface="Liberation Mono"/>
-                <a:cs typeface="Arial" panose="020B0604020202020204" pitchFamily="34" charset="0"/>
-              </a:rPr>
-              <a:t>1</a:t>
-            </a:r>
-            <a:r>
-              <a:rPr lang="en-US" sz="2000" i="1" dirty="0">
-                <a:solidFill>
-                  <a:schemeClr val="tx1">
-                    <a:lumMod val="95000"/>
-                    <a:lumOff val="5000"/>
-                  </a:schemeClr>
-                </a:solidFill>
-                <a:latin typeface="Liberation Mono"/>
-                <a:cs typeface="Arial" panose="020B0604020202020204" pitchFamily="34" charset="0"/>
-              </a:rPr>
-              <a:t>, A</a:t>
-            </a:r>
-            <a:r>
-              <a:rPr lang="en-US" sz="2000" i="1" baseline="-25000" dirty="0">
-                <a:solidFill>
-                  <a:schemeClr val="tx1">
-                    <a:lumMod val="95000"/>
-                    <a:lumOff val="5000"/>
-                  </a:schemeClr>
-                </a:solidFill>
-                <a:latin typeface="Liberation Mono"/>
-                <a:cs typeface="Arial" panose="020B0604020202020204" pitchFamily="34" charset="0"/>
-              </a:rPr>
-              <a:t>2</a:t>
-            </a:r>
-            <a:r>
-              <a:rPr lang="en-US" sz="2000" i="1" dirty="0">
-                <a:solidFill>
-                  <a:schemeClr val="tx1">
-                    <a:lumMod val="95000"/>
-                    <a:lumOff val="5000"/>
-                  </a:schemeClr>
-                </a:solidFill>
-                <a:latin typeface="Liberation Mono"/>
-                <a:cs typeface="Arial" panose="020B0604020202020204" pitchFamily="34" charset="0"/>
-              </a:rPr>
-              <a:t>)  </a:t>
-            </a:r>
-            <a:r>
-              <a:rPr lang="en-US" sz="2000" dirty="0">
-                <a:solidFill>
-                  <a:schemeClr val="tx1">
-                    <a:lumMod val="95000"/>
-                    <a:lumOff val="5000"/>
-                  </a:schemeClr>
-                </a:solidFill>
-                <a:latin typeface="Liberation Mono"/>
-                <a:cs typeface="Arial" panose="020B0604020202020204" pitchFamily="34" charset="0"/>
-              </a:rPr>
-              <a:t>/ </a:t>
-            </a:r>
-            <a:r>
-              <a:rPr lang="en-US" sz="2000" dirty="0">
-                <a:solidFill>
-                  <a:srgbClr val="CAA496"/>
-                </a:solidFill>
-                <a:latin typeface="Liberation Mono"/>
-                <a:cs typeface="Arial" panose="020B0604020202020204" pitchFamily="34" charset="0"/>
-              </a:rPr>
-              <a:t>identifier</a:t>
-            </a:r>
-            <a:r>
-              <a:rPr lang="en-US" sz="2000" dirty="0">
-                <a:solidFill>
-                  <a:schemeClr val="tx1">
-                    <a:lumMod val="95000"/>
-                    <a:lumOff val="5000"/>
-                  </a:schemeClr>
-                </a:solidFill>
-                <a:latin typeface="Liberation Mono"/>
-                <a:cs typeface="Arial" panose="020B0604020202020204" pitchFamily="34" charset="0"/>
-              </a:rPr>
-              <a:t>.</a:t>
-            </a:r>
-            <a:r>
-              <a:rPr lang="en-US" sz="2000" i="1" dirty="0">
-                <a:solidFill>
-                  <a:schemeClr val="tx1">
-                    <a:lumMod val="95000"/>
-                    <a:lumOff val="5000"/>
-                  </a:schemeClr>
-                </a:solidFill>
-                <a:latin typeface="Liberation Mono"/>
-                <a:cs typeface="Arial" panose="020B0604020202020204" pitchFamily="34" charset="0"/>
-              </a:rPr>
-              <a:t>A</a:t>
-            </a:r>
-            <a:r>
-              <a:rPr lang="en-US" sz="2000" baseline="-25000" dirty="0">
-                <a:solidFill>
-                  <a:schemeClr val="tx1">
-                    <a:lumMod val="95000"/>
-                    <a:lumOff val="5000"/>
-                  </a:schemeClr>
-                </a:solidFill>
-                <a:latin typeface="Liberation Mono"/>
-                <a:cs typeface="Arial" panose="020B0604020202020204" pitchFamily="34" charset="0"/>
-              </a:rPr>
-              <a:t>1</a:t>
-            </a:r>
-            <a:r>
-              <a:rPr lang="en-US" sz="2000" dirty="0">
-                <a:solidFill>
-                  <a:schemeClr val="tx1">
-                    <a:lumMod val="95000"/>
-                    <a:lumOff val="5000"/>
-                  </a:schemeClr>
-                </a:solidFill>
-                <a:latin typeface="Liberation Mono"/>
-                <a:cs typeface="Arial" panose="020B0604020202020204" pitchFamily="34" charset="0"/>
-              </a:rPr>
-              <a:t> [ [as] alias_name], </a:t>
-            </a:r>
-            <a:r>
-              <a:rPr lang="en-US" sz="2000" dirty="0">
-                <a:solidFill>
-                  <a:srgbClr val="CAA496"/>
-                </a:solidFill>
-                <a:latin typeface="Liberation Mono"/>
-                <a:cs typeface="Arial" panose="020B0604020202020204" pitchFamily="34" charset="0"/>
-              </a:rPr>
-              <a:t>identifier</a:t>
-            </a:r>
-            <a:r>
-              <a:rPr lang="en-US" sz="2000" dirty="0">
-                <a:solidFill>
-                  <a:schemeClr val="tx1">
-                    <a:lumMod val="95000"/>
-                    <a:lumOff val="5000"/>
-                  </a:schemeClr>
-                </a:solidFill>
-                <a:latin typeface="Liberation Mono"/>
-                <a:cs typeface="Arial" panose="020B0604020202020204" pitchFamily="34" charset="0"/>
-              </a:rPr>
-              <a:t>.</a:t>
-            </a:r>
-            <a:r>
-              <a:rPr lang="en-US" sz="2000" i="1" dirty="0">
-                <a:solidFill>
-                  <a:schemeClr val="tx1">
-                    <a:lumMod val="95000"/>
-                    <a:lumOff val="5000"/>
-                  </a:schemeClr>
-                </a:solidFill>
-                <a:latin typeface="Liberation Mono"/>
-                <a:cs typeface="Arial" panose="020B0604020202020204" pitchFamily="34" charset="0"/>
-              </a:rPr>
-              <a:t>A</a:t>
-            </a:r>
-            <a:r>
-              <a:rPr lang="en-US" sz="2000" baseline="-25000" dirty="0">
-                <a:solidFill>
-                  <a:schemeClr val="tx1">
-                    <a:lumMod val="95000"/>
-                    <a:lumOff val="5000"/>
-                  </a:schemeClr>
-                </a:solidFill>
-                <a:latin typeface="Liberation Mono"/>
-                <a:cs typeface="Arial" panose="020B0604020202020204" pitchFamily="34" charset="0"/>
-              </a:rPr>
-              <a:t>2</a:t>
-            </a:r>
-            <a:r>
-              <a:rPr lang="en-US" sz="2000" dirty="0">
-                <a:solidFill>
-                  <a:schemeClr val="tx1">
-                    <a:lumMod val="95000"/>
-                    <a:lumOff val="5000"/>
-                  </a:schemeClr>
-                </a:solidFill>
-                <a:latin typeface="Liberation Mono"/>
-                <a:cs typeface="Arial" panose="020B0604020202020204" pitchFamily="34" charset="0"/>
-              </a:rPr>
-              <a:t> [ [as] alias_name], expression1 [ [as] alias_name], expression2 [ [as] alias_name] </a:t>
+              <a:t>SELECT </a:t>
             </a:r>
             <a:r>
               <a:rPr lang="en-US" sz="2000" dirty="0">
@@ -47056,7 +44885,7 @@
                 <a:latin typeface="Liberation Mono"/>
                 <a:cs typeface="Arial" panose="020B0604020202020204" pitchFamily="34" charset="0"/>
               </a:rPr>
-              <a:t>. . .</a:t>
+              <a:t>. . . . . . </a:t>
             </a:r>
             <a:r>
               <a:rPr lang="en-US" sz="2000" dirty="0">
@@ -47123,131 +44952,7 @@
                 <a:latin typeface="Liberation Mono"/>
                 <a:cs typeface="Arial" panose="020B0604020202020204" pitchFamily="34" charset="0"/>
               </a:rPr>
-              <a:t> &lt;</a:t>
-            </a:r>
-            <a:r>
-              <a:rPr lang="en-US" sz="2000" dirty="0">
-                <a:solidFill>
-                  <a:srgbClr val="CAA496"/>
-                </a:solidFill>
-                <a:latin typeface="Liberation Mono"/>
-                <a:cs typeface="Arial" panose="020B0604020202020204" pitchFamily="34" charset="0"/>
-              </a:rPr>
-              <a:t>identifier</a:t>
-            </a:r>
-            <a:r>
-              <a:rPr lang="en-US" sz="2000" dirty="0">
-                <a:solidFill>
-                  <a:schemeClr val="tx1">
-                    <a:lumMod val="95000"/>
-                    <a:lumOff val="5000"/>
-                  </a:schemeClr>
-                </a:solidFill>
-                <a:latin typeface="Liberation Mono"/>
-                <a:cs typeface="Arial" panose="020B0604020202020204" pitchFamily="34" charset="0"/>
-              </a:rPr>
-              <a:t>.</a:t>
-            </a:r>
-            <a:r>
-              <a:rPr lang="en-US" sz="2000" i="1" dirty="0">
-                <a:solidFill>
-                  <a:schemeClr val="tx1">
-                    <a:lumMod val="95000"/>
-                    <a:lumOff val="5000"/>
-                  </a:schemeClr>
-                </a:solidFill>
-                <a:latin typeface="Liberation Mono"/>
-                <a:cs typeface="Arial" panose="020B0604020202020204" pitchFamily="34" charset="0"/>
-              </a:rPr>
-              <a:t>r</a:t>
-            </a:r>
-            <a:r>
-              <a:rPr lang="en-US" sz="2000" baseline="-25000" dirty="0">
-                <a:solidFill>
-                  <a:schemeClr val="tx1">
-                    <a:lumMod val="95000"/>
-                    <a:lumOff val="5000"/>
-                  </a:schemeClr>
-                </a:solidFill>
-                <a:latin typeface="Liberation Mono"/>
-                <a:cs typeface="Arial" panose="020B0604020202020204" pitchFamily="34" charset="0"/>
-              </a:rPr>
-              <a:t>1</a:t>
-            </a:r>
-            <a:r>
-              <a:rPr lang="en-US" sz="2000" dirty="0">
-                <a:solidFill>
-                  <a:schemeClr val="tx1">
-                    <a:lumMod val="95000"/>
-                    <a:lumOff val="5000"/>
-                  </a:schemeClr>
-                </a:solidFill>
-                <a:latin typeface="Liberation Mono"/>
-                <a:cs typeface="Arial" panose="020B0604020202020204" pitchFamily="34" charset="0"/>
-              </a:rPr>
-              <a:t>&gt; [as] alias_name], &lt;</a:t>
-            </a:r>
-            <a:r>
-              <a:rPr lang="en-US" sz="2000" dirty="0">
-                <a:solidFill>
-                  <a:srgbClr val="CAA496"/>
-                </a:solidFill>
-                <a:latin typeface="Liberation Mono"/>
-                <a:cs typeface="Arial" panose="020B0604020202020204" pitchFamily="34" charset="0"/>
-              </a:rPr>
-              <a:t>identifier</a:t>
-            </a:r>
-            <a:r>
-              <a:rPr lang="en-US" sz="2000" dirty="0">
-                <a:solidFill>
-                  <a:schemeClr val="tx1">
-                    <a:lumMod val="95000"/>
-                    <a:lumOff val="5000"/>
-                  </a:schemeClr>
-                </a:solidFill>
-                <a:latin typeface="Liberation Mono"/>
-                <a:cs typeface="Arial" panose="020B0604020202020204" pitchFamily="34" charset="0"/>
-              </a:rPr>
-              <a:t>.</a:t>
-            </a:r>
-            <a:r>
-              <a:rPr lang="en-US" sz="2000" i="1" dirty="0">
-                <a:solidFill>
-                  <a:schemeClr val="tx1">
-                    <a:lumMod val="95000"/>
-                    <a:lumOff val="5000"/>
-                  </a:schemeClr>
-                </a:solidFill>
-                <a:latin typeface="Liberation Mono"/>
-                <a:cs typeface="Arial" panose="020B0604020202020204" pitchFamily="34" charset="0"/>
-              </a:rPr>
-              <a:t>r</a:t>
-            </a:r>
-            <a:r>
-              <a:rPr lang="en-US" sz="2000" baseline="-25000" dirty="0">
-                <a:solidFill>
-                  <a:schemeClr val="tx1">
-                    <a:lumMod val="95000"/>
-                    <a:lumOff val="5000"/>
-                  </a:schemeClr>
-                </a:solidFill>
-                <a:latin typeface="Liberation Mono"/>
-                <a:cs typeface="Arial" panose="020B0604020202020204" pitchFamily="34" charset="0"/>
-              </a:rPr>
-              <a:t>2</a:t>
-            </a:r>
-            <a:r>
-              <a:rPr lang="en-US" sz="2000" dirty="0">
-                <a:solidFill>
-                  <a:schemeClr val="tx1">
-                    <a:lumMod val="95000"/>
-                    <a:lumOff val="5000"/>
-                  </a:schemeClr>
-                </a:solidFill>
-                <a:latin typeface="Liberation Mono"/>
-                <a:cs typeface="Arial" panose="020B0604020202020204" pitchFamily="34" charset="0"/>
-              </a:rPr>
-              <a:t>&gt; [as] alias_name], </a:t>
+              <a:t> </a:t>
             </a:r>
             <a:r>
               <a:rPr lang="en-US" sz="2000" dirty="0">
@@ -47259,7 +44964,7 @@
                 <a:latin typeface="Liberation Mono"/>
                 <a:cs typeface="Arial" panose="020B0604020202020204" pitchFamily="34" charset="0"/>
               </a:rPr>
-              <a:t>. . .</a:t>
+              <a:t>. . . . . .</a:t>
             </a:r>
             <a:r>
               <a:rPr lang="en-US" sz="2000" dirty="0">
@@ -47519,8 +45224,8 @@
         </p:nvSpPr>
         <p:spPr>
           <a:xfrm>
-            <a:off x="262558" y="3185100"/>
-            <a:ext cx="11526016" cy="1107996"/>
+            <a:off x="262558" y="2520000"/>
+            <a:ext cx="11526016" cy="2800767"/>
           </a:xfrm>
           <a:prstGeom prst="rect">
             <a:avLst/>
@@ -47588,7 +45293,7 @@
               <a:t> emp </a:t>
             </a:r>
             <a:r>
-              <a:rPr lang="en-US">
+              <a:rPr lang="en-US" dirty="0">
                 <a:solidFill>
                   <a:srgbClr val="0077AA"/>
                 </a:solidFill>
@@ -47607,13 +45312,20 @@
               <a:t>2</a:t>
             </a:r>
             <a:r>
-              <a:rPr lang="en-US">
+              <a:rPr lang="en-US" dirty="0">
                 <a:solidFill>
                   <a:srgbClr val="0077AA"/>
                 </a:solidFill>
                 <a:latin typeface="Liberation Mono"/>
                 <a:cs typeface="Arial" panose="020B0604020202020204" pitchFamily="34" charset="0"/>
               </a:rPr>
+              <a:t> ROWS</a:t>
+            </a:r>
+            <a:r>
+              <a:rPr lang="en-US" dirty="0">
+                <a:latin typeface="Liberation Mono"/>
+                <a:cs typeface="Arial" panose="020B0604020202020204" pitchFamily="34" charset="0"/>
+              </a:rPr>
               <a:t> </a:t>
             </a:r>
             <a:r>
@@ -47624,6 +45336,56 @@
                 <a:latin typeface="Liberation Mono"/>
                 <a:cs typeface="Arial" panose="020B0604020202020204" pitchFamily="34" charset="0"/>
               </a:rPr>
+              <a:t>FETCH</a:t>
+            </a:r>
+            <a:r>
+              <a:rPr lang="en-US" dirty="0">
+                <a:latin typeface="Liberation Mono"/>
+                <a:cs typeface="Arial" panose="020B0604020202020204" pitchFamily="34" charset="0"/>
+              </a:rPr>
+              <a:t> </a:t>
+            </a:r>
+            <a:r>
+              <a:rPr lang="en-US" dirty="0">
+                <a:solidFill>
+                  <a:srgbClr val="0077AA"/>
+                </a:solidFill>
+                <a:latin typeface="Liberation Mono"/>
+                <a:cs typeface="Arial" panose="020B0604020202020204" pitchFamily="34" charset="0"/>
+              </a:rPr>
+              <a:t>FIRST</a:t>
+            </a:r>
+            <a:r>
+              <a:rPr lang="en-US" dirty="0">
+                <a:latin typeface="Liberation Mono"/>
+                <a:cs typeface="Arial" panose="020B0604020202020204" pitchFamily="34" charset="0"/>
+              </a:rPr>
+              <a:t> </a:t>
+            </a:r>
+            <a:r>
+              <a:rPr lang="en-US" dirty="0">
+                <a:solidFill>
+                  <a:srgbClr val="990055"/>
+                </a:solidFill>
+                <a:latin typeface="Liberation Mono"/>
+              </a:rPr>
+              <a:t>4</a:t>
+            </a:r>
+            <a:r>
+              <a:rPr lang="en-US" dirty="0">
+                <a:latin typeface="Liberation Mono"/>
+                <a:cs typeface="Arial" panose="020B0604020202020204" pitchFamily="34" charset="0"/>
+              </a:rPr>
+              <a:t> </a:t>
+            </a:r>
+            <a:r>
+              <a:rPr lang="en-US" dirty="0">
+                <a:solidFill>
+                  <a:srgbClr val="0077AA"/>
+                </a:solidFill>
+                <a:latin typeface="Liberation Mono"/>
+                <a:cs typeface="Arial" panose="020B0604020202020204" pitchFamily="34" charset="0"/>
+              </a:rPr>
               <a:t>ROWS</a:t>
             </a:r>
             <a:r>
@@ -47641,73 +45403,6 @@
                 <a:latin typeface="Liberation Mono"/>
                 <a:cs typeface="Arial" panose="020B0604020202020204" pitchFamily="34" charset="0"/>
               </a:rPr>
-              <a:t>FETCH</a:t>
-            </a:r>
-            <a:r>
-              <a:rPr lang="en-US" dirty="0">
-                <a:latin typeface="Liberation Mono"/>
-                <a:cs typeface="Arial" panose="020B0604020202020204" pitchFamily="34" charset="0"/>
-              </a:rPr>
-              <a:t> </a:t>
-            </a:r>
-            <a:r>
-              <a:rPr lang="en-US" dirty="0">
-                <a:solidFill>
-                  <a:srgbClr val="0077AA"/>
-                </a:solidFill>
-                <a:latin typeface="Liberation Mono"/>
-                <a:cs typeface="Arial" panose="020B0604020202020204" pitchFamily="34" charset="0"/>
-              </a:rPr>
-              <a:t>FIRST</a:t>
-            </a:r>
-            <a:r>
-              <a:rPr lang="en-US" dirty="0">
-                <a:latin typeface="Liberation Mono"/>
-                <a:cs typeface="Arial" panose="020B0604020202020204" pitchFamily="34" charset="0"/>
-              </a:rPr>
-              <a:t> </a:t>
-            </a:r>
-            <a:r>
-              <a:rPr lang="en-US" dirty="0">
-                <a:solidFill>
-                  <a:srgbClr val="990055"/>
-                </a:solidFill>
-                <a:latin typeface="Liberation Mono"/>
-              </a:rPr>
-              <a:t>4</a:t>
-            </a:r>
-            <a:r>
-              <a:rPr lang="en-US" dirty="0">
-                <a:latin typeface="Liberation Mono"/>
-                <a:cs typeface="Arial" panose="020B0604020202020204" pitchFamily="34" charset="0"/>
-              </a:rPr>
-              <a:t> </a:t>
-            </a:r>
-            <a:r>
-              <a:rPr lang="en-US" dirty="0">
-                <a:solidFill>
-                  <a:srgbClr val="0077AA"/>
-                </a:solidFill>
-                <a:latin typeface="Liberation Mono"/>
-                <a:cs typeface="Arial" panose="020B0604020202020204" pitchFamily="34" charset="0"/>
-              </a:rPr>
-              <a:t>ROWS</a:t>
-            </a:r>
-            <a:r>
-              <a:rPr lang="en-US" dirty="0">
-                <a:latin typeface="Liberation Mono"/>
-                <a:cs typeface="Arial" panose="020B0604020202020204" pitchFamily="34" charset="0"/>
-              </a:rPr>
-              <a:t> </a:t>
-            </a:r>
-            <a:r>
-              <a:rPr lang="en-US" dirty="0">
-                <a:solidFill>
-                  <a:srgbClr val="0077AA"/>
-                </a:solidFill>
-                <a:latin typeface="Liberation Mono"/>
-                <a:cs typeface="Arial" panose="020B0604020202020204" pitchFamily="34" charset="0"/>
-              </a:rPr>
               <a:t>ONLY</a:t>
             </a:r>
             <a:r>
@@ -47717,6 +45412,12 @@
               </a:rPr>
               <a:t>;</a:t>
             </a:r>
+          </a:p>
+          <a:p>
+            <a:pPr marL="285750" indent="-285750">
+              <a:buFont typeface="Arial" panose="020B0604020202020204" pitchFamily="34" charset="0"/>
+              <a:buChar char="•"/>
+            </a:pPr>
             <a:endParaRPr lang="en-US" dirty="0">
               <a:solidFill>
                 <a:srgbClr val="39AE0A"/>
@@ -47726,54 +45427,106 @@
             </a:endParaRPr>
           </a:p>
           <a:p>
+            <a:r>
+              <a:rPr lang="en-US" sz="2000" b="1" i="1" dirty="0">
+                <a:latin typeface="Liberation Mono"/>
+              </a:rPr>
+              <a:t>To print the last record</a:t>
+            </a:r>
+            <a:endParaRPr lang="en-US" sz="2000" b="1" i="1" dirty="0">
+              <a:latin typeface="Liberation Mono"/>
+              <a:cs typeface="Arial" panose="020B0604020202020204" pitchFamily="34" charset="0"/>
+            </a:endParaRPr>
+          </a:p>
+          <a:p>
             <a:pPr marL="285750" indent="-285750">
               <a:buFont typeface="Arial" panose="020B0604020202020204" pitchFamily="34" charset="0"/>
               <a:buChar char="•"/>
             </a:pPr>
-            <a:endParaRPr lang="en-US" sz="600" dirty="0">
+            <a:r>
+              <a:rPr lang="en-US" dirty="0">
+                <a:solidFill>
+                  <a:srgbClr val="0077AA"/>
+                </a:solidFill>
+                <a:latin typeface="Liberation Mono"/>
+                <a:cs typeface="Arial" panose="020B0604020202020204" pitchFamily="34" charset="0"/>
+              </a:rPr>
+              <a:t>SET</a:t>
+            </a:r>
+            <a:r>
+              <a:rPr lang="en-US" dirty="0">
+                <a:latin typeface="Liberation Mono"/>
+              </a:rPr>
+              <a:t> @X = </a:t>
+            </a:r>
+            <a:r>
+              <a:rPr lang="en-US" dirty="0">
+                <a:solidFill>
+                  <a:srgbClr val="0077AA"/>
+                </a:solidFill>
+                <a:latin typeface="Liberation Mono"/>
+                <a:cs typeface="Arial" panose="020B0604020202020204" pitchFamily="34" charset="0"/>
+              </a:rPr>
+              <a:t>SELECT</a:t>
+            </a:r>
+            <a:r>
+              <a:rPr lang="en-US" dirty="0">
+                <a:latin typeface="Liberation Mono"/>
+              </a:rPr>
+              <a:t> </a:t>
+            </a:r>
+            <a:r>
+              <a:rPr lang="en-US" dirty="0">
+                <a:solidFill>
+                  <a:srgbClr val="803A69"/>
+                </a:solidFill>
+                <a:latin typeface="Liberation Mono"/>
+              </a:rPr>
+              <a:t>COUNT</a:t>
+            </a:r>
+            <a:r>
+              <a:rPr lang="en-US" dirty="0">
+                <a:latin typeface="Liberation Mono"/>
+              </a:rPr>
+              <a:t>(*) - </a:t>
+            </a:r>
+            <a:r>
+              <a:rPr lang="en-US" dirty="0">
+                <a:solidFill>
+                  <a:srgbClr val="990055"/>
+                </a:solidFill>
+                <a:latin typeface="Liberation Mono"/>
+              </a:rPr>
+              <a:t>1</a:t>
+            </a:r>
+            <a:r>
+              <a:rPr lang="en-US" dirty="0">
+                <a:latin typeface="Liberation Mono"/>
+              </a:rPr>
+              <a:t> </a:t>
+            </a:r>
+            <a:r>
+              <a:rPr lang="en-US" dirty="0">
+                <a:solidFill>
+                  <a:srgbClr val="0077AA"/>
+                </a:solidFill>
+                <a:latin typeface="Liberation Mono"/>
+                <a:cs typeface="Arial" panose="020B0604020202020204" pitchFamily="34" charset="0"/>
+              </a:rPr>
+              <a:t>FROM</a:t>
+            </a:r>
+            <a:r>
+              <a:rPr lang="en-US" dirty="0">
+                <a:latin typeface="Liberation Mono"/>
+              </a:rPr>
+              <a:t> emp; </a:t>
+            </a:r>
+            <a:endParaRPr lang="en-US" b="1" dirty="0">
               <a:solidFill>
-                <a:srgbClr val="39AE0A"/>
+                <a:srgbClr val="C00000"/>
               </a:solidFill>
               <a:latin typeface="Liberation Mono"/>
-              <a:cs typeface="Arial" panose="020B0604020202020204" pitchFamily="34" charset="0"/>
             </a:endParaRPr>
-          </a:p>
-          <a:p>
-            <a:pPr marL="285750" indent="-285750">
-              <a:buFont typeface="Arial" panose="020B0604020202020204" pitchFamily="34" charset="0"/>
-              <a:buChar char="•"/>
-            </a:pPr>
-            <a:r>
-              <a:rPr lang="en-US" dirty="0">
-                <a:solidFill>
-                  <a:srgbClr val="0077AA"/>
-                </a:solidFill>
-                <a:latin typeface="Liberation Mono"/>
-                <a:cs typeface="Arial" panose="020B0604020202020204" pitchFamily="34" charset="0"/>
-              </a:rPr>
-              <a:t>SET</a:t>
-            </a:r>
-            <a:r>
-              <a:rPr lang="en-US" dirty="0">
-                <a:latin typeface="Liberation Mono"/>
-              </a:rPr>
-              <a:t> @X = </a:t>
-            </a:r>
-            <a:r>
-              <a:rPr lang="en-US" dirty="0">
-                <a:solidFill>
-                  <a:srgbClr val="990055"/>
-                </a:solidFill>
-                <a:latin typeface="Liberation Mono"/>
-              </a:rPr>
-              <a:t>4</a:t>
-            </a:r>
-            <a:r>
-              <a:rPr lang="en-US" dirty="0">
-                <a:latin typeface="Liberation Mono"/>
-              </a:rPr>
-              <a:t>;</a:t>
-            </a:r>
           </a:p>
           <a:p>
             <a:pPr marL="285750" indent="-285750">
@@ -47828,25 +45581,13 @@
                 <a:latin typeface="Liberation Mono"/>
                 <a:cs typeface="Arial" panose="020B0604020202020204" pitchFamily="34" charset="0"/>
               </a:rPr>
-              <a:t>EXCEPT</a:t>
-            </a:r>
-            <a:r>
-              <a:rPr lang="en-US" dirty="0">
-                <a:latin typeface="Liberation Mono"/>
-              </a:rPr>
-              <a:t>(`user name`, </a:t>
-            </a:r>
-            <a:r>
-              <a:rPr lang="en-US" dirty="0" err="1">
-                <a:latin typeface="Liberation Mono"/>
-              </a:rPr>
-              <a:t>pwd</a:t>
-            </a:r>
-            <a:r>
-              <a:rPr lang="en-US" dirty="0">
-                <a:latin typeface="Liberation Mono"/>
-              </a:rPr>
-              <a:t>) </a:t>
+              <a:t>FROM</a:t>
+            </a:r>
+            <a:r>
+              <a:rPr lang="en-US" dirty="0">
+                <a:latin typeface="Liberation Mono"/>
+              </a:rPr>
+              <a:t> emp </a:t>
             </a:r>
             <a:r>
               <a:rPr lang="en-US" dirty="0">
@@ -47856,6 +45597,273 @@
                 <a:latin typeface="Liberation Mono"/>
                 <a:cs typeface="Arial" panose="020B0604020202020204" pitchFamily="34" charset="0"/>
               </a:rPr>
+              <a:t>OFFSET</a:t>
+            </a:r>
+            <a:r>
+              <a:rPr lang="en-US" dirty="0">
+                <a:latin typeface="Liberation Mono"/>
+              </a:rPr>
+              <a:t> @X </a:t>
+            </a:r>
+            <a:r>
+              <a:rPr lang="en-US" dirty="0">
+                <a:solidFill>
+                  <a:srgbClr val="0077AA"/>
+                </a:solidFill>
+                <a:latin typeface="Liberation Mono"/>
+                <a:cs typeface="Arial" panose="020B0604020202020204" pitchFamily="34" charset="0"/>
+              </a:rPr>
+              <a:t>ROW</a:t>
+            </a:r>
+            <a:r>
+              <a:rPr lang="en-US" dirty="0">
+                <a:latin typeface="Liberation Mono"/>
+              </a:rPr>
+              <a:t> </a:t>
+            </a:r>
+            <a:r>
+              <a:rPr lang="en-US" dirty="0">
+                <a:solidFill>
+                  <a:srgbClr val="0077AA"/>
+                </a:solidFill>
+                <a:latin typeface="Liberation Mono"/>
+                <a:cs typeface="Arial" panose="020B0604020202020204" pitchFamily="34" charset="0"/>
+              </a:rPr>
+              <a:t>FETCH</a:t>
+            </a:r>
+            <a:r>
+              <a:rPr lang="en-US" dirty="0">
+                <a:latin typeface="Liberation Mono"/>
+              </a:rPr>
+              <a:t> </a:t>
+            </a:r>
+            <a:r>
+              <a:rPr lang="en-US" dirty="0">
+                <a:solidFill>
+                  <a:srgbClr val="0077AA"/>
+                </a:solidFill>
+                <a:latin typeface="Liberation Mono"/>
+                <a:cs typeface="Arial" panose="020B0604020202020204" pitchFamily="34" charset="0"/>
+              </a:rPr>
+              <a:t>FIRST</a:t>
+            </a:r>
+            <a:r>
+              <a:rPr lang="en-US" dirty="0">
+                <a:latin typeface="Liberation Mono"/>
+              </a:rPr>
+              <a:t> </a:t>
+            </a:r>
+            <a:r>
+              <a:rPr lang="en-US" dirty="0">
+                <a:solidFill>
+                  <a:srgbClr val="990055"/>
+                </a:solidFill>
+                <a:latin typeface="Liberation Mono"/>
+              </a:rPr>
+              <a:t>1</a:t>
+            </a:r>
+            <a:r>
+              <a:rPr lang="en-US" dirty="0">
+                <a:latin typeface="Liberation Mono"/>
+              </a:rPr>
+              <a:t> </a:t>
+            </a:r>
+            <a:r>
+              <a:rPr lang="en-US" dirty="0">
+                <a:solidFill>
+                  <a:srgbClr val="0077AA"/>
+                </a:solidFill>
+                <a:latin typeface="Liberation Mono"/>
+                <a:cs typeface="Arial" panose="020B0604020202020204" pitchFamily="34" charset="0"/>
+              </a:rPr>
+              <a:t>ROW</a:t>
+            </a:r>
+            <a:r>
+              <a:rPr lang="en-US" dirty="0">
+                <a:latin typeface="Liberation Mono"/>
+              </a:rPr>
+              <a:t> </a:t>
+            </a:r>
+            <a:r>
+              <a:rPr lang="en-US" dirty="0">
+                <a:solidFill>
+                  <a:srgbClr val="0077AA"/>
+                </a:solidFill>
+                <a:latin typeface="Liberation Mono"/>
+                <a:cs typeface="Arial" panose="020B0604020202020204" pitchFamily="34" charset="0"/>
+              </a:rPr>
+              <a:t>ONLY</a:t>
+            </a:r>
+            <a:r>
+              <a:rPr lang="en-US" dirty="0">
+                <a:latin typeface="Liberation Mono"/>
+              </a:rPr>
+              <a:t>;</a:t>
+            </a:r>
+          </a:p>
+          <a:p>
+            <a:pPr marL="285750" indent="-285750">
+              <a:buFont typeface="Arial" panose="020B0604020202020204" pitchFamily="34" charset="0"/>
+              <a:buChar char="•"/>
+            </a:pPr>
+            <a:endParaRPr lang="en-US" dirty="0">
+              <a:latin typeface="Liberation Mono"/>
+            </a:endParaRPr>
+          </a:p>
+          <a:p>
+            <a:r>
+              <a:rPr lang="en-US" sz="1800" b="1" i="1" dirty="0">
+                <a:latin typeface="Liberation Mono"/>
+              </a:rPr>
+              <a:t>To print 8 rows after leaving first 4 rows</a:t>
+            </a:r>
+            <a:endParaRPr lang="en-US" b="1" i="1" dirty="0">
+              <a:latin typeface="Liberation Mono"/>
+            </a:endParaRPr>
+          </a:p>
+          <a:p>
+            <a:pPr marL="285750" indent="-285750">
+              <a:buFont typeface="Arial" panose="020B0604020202020204" pitchFamily="34" charset="0"/>
+              <a:buChar char="•"/>
+            </a:pPr>
+            <a:r>
+              <a:rPr lang="en-US" dirty="0">
+                <a:solidFill>
+                  <a:srgbClr val="0077AA"/>
+                </a:solidFill>
+                <a:latin typeface="Liberation Mono"/>
+                <a:cs typeface="Arial" panose="020B0604020202020204" pitchFamily="34" charset="0"/>
+              </a:rPr>
+              <a:t>SET</a:t>
+            </a:r>
+            <a:r>
+              <a:rPr lang="en-US" dirty="0">
+                <a:latin typeface="Liberation Mono"/>
+              </a:rPr>
+              <a:t> @X = </a:t>
+            </a:r>
+            <a:r>
+              <a:rPr lang="en-US" dirty="0">
+                <a:solidFill>
+                  <a:srgbClr val="990055"/>
+                </a:solidFill>
+                <a:latin typeface="Liberation Mono"/>
+              </a:rPr>
+              <a:t>4</a:t>
+            </a:r>
+            <a:r>
+              <a:rPr lang="en-US" dirty="0">
+                <a:latin typeface="Liberation Mono"/>
+              </a:rPr>
+              <a:t>; </a:t>
+            </a:r>
+            <a:r>
+              <a:rPr lang="en-US" dirty="0">
+                <a:solidFill>
+                  <a:srgbClr val="0077AA"/>
+                </a:solidFill>
+                <a:latin typeface="Liberation Mono"/>
+                <a:cs typeface="Arial" panose="020B0604020202020204" pitchFamily="34" charset="0"/>
+              </a:rPr>
+              <a:t>SET</a:t>
+            </a:r>
+            <a:r>
+              <a:rPr lang="en-US" dirty="0">
+                <a:latin typeface="Liberation Mono"/>
+              </a:rPr>
+              <a:t> @Y = </a:t>
+            </a:r>
+            <a:r>
+              <a:rPr lang="en-US" dirty="0">
+                <a:solidFill>
+                  <a:srgbClr val="990055"/>
+                </a:solidFill>
+                <a:latin typeface="Liberation Mono"/>
+              </a:rPr>
+              <a:t>8</a:t>
+            </a:r>
+            <a:r>
+              <a:rPr lang="en-US" dirty="0">
+                <a:latin typeface="Liberation Mono"/>
+              </a:rPr>
+              <a:t>;</a:t>
+            </a:r>
+            <a:endParaRPr lang="en-US" dirty="0">
+              <a:solidFill>
+                <a:srgbClr val="990055"/>
+              </a:solidFill>
+              <a:latin typeface="Liberation Mono"/>
+            </a:endParaRPr>
+          </a:p>
+          <a:p>
+            <a:pPr marL="285750" indent="-285750">
+              <a:buFont typeface="Arial" panose="020B0604020202020204" pitchFamily="34" charset="0"/>
+              <a:buChar char="•"/>
+            </a:pPr>
+            <a:endParaRPr lang="en-US" sz="600" dirty="0">
+              <a:latin typeface="Liberation Mono"/>
+            </a:endParaRPr>
+          </a:p>
+          <a:p>
+            <a:pPr marL="285750" indent="-285750">
+              <a:buFont typeface="Arial" panose="020B0604020202020204" pitchFamily="34" charset="0"/>
+              <a:buChar char="•"/>
+            </a:pPr>
+            <a:r>
+              <a:rPr lang="en-US" dirty="0">
+                <a:solidFill>
+                  <a:srgbClr val="0077AA"/>
+                </a:solidFill>
+                <a:latin typeface="Liberation Mono"/>
+                <a:cs typeface="Arial" panose="020B0604020202020204" pitchFamily="34" charset="0"/>
+              </a:rPr>
+              <a:t>SELECT </a:t>
+            </a:r>
+            <a:r>
+              <a:rPr lang="en-US" dirty="0">
+                <a:solidFill>
+                  <a:srgbClr val="803A69"/>
+                </a:solidFill>
+                <a:latin typeface="Liberation Mono"/>
+              </a:rPr>
+              <a:t>ROWNUM</a:t>
+            </a:r>
+            <a:r>
+              <a:rPr lang="en-US" dirty="0">
+                <a:latin typeface="Liberation Mono"/>
+                <a:cs typeface="Arial" panose="020B0604020202020204" pitchFamily="34" charset="0"/>
+              </a:rPr>
+              <a:t>(),</a:t>
+            </a:r>
+            <a:r>
+              <a:rPr lang="en-US" dirty="0">
+                <a:latin typeface="Liberation Mono"/>
+              </a:rPr>
+              <a:t> </a:t>
+            </a:r>
+            <a:r>
+              <a:rPr lang="en-US" dirty="0">
+                <a:solidFill>
+                  <a:srgbClr val="A67F59"/>
+                </a:solidFill>
+                <a:latin typeface="Liberation Mono"/>
+              </a:rPr>
+              <a:t>*</a:t>
+            </a:r>
+            <a:r>
+              <a:rPr lang="en-US" dirty="0">
+                <a:latin typeface="Liberation Mono"/>
+              </a:rPr>
+              <a:t> </a:t>
+            </a:r>
+            <a:r>
+              <a:rPr lang="en-US" dirty="0">
+                <a:solidFill>
+                  <a:srgbClr val="0077AA"/>
+                </a:solidFill>
+                <a:latin typeface="Liberation Mono"/>
+                <a:cs typeface="Arial" panose="020B0604020202020204" pitchFamily="34" charset="0"/>
+              </a:rPr>
               <a:t>FROM</a:t>
             </a:r>
             <a:r>
@@ -47872,7 +45880,23 @@
                 <a:latin typeface="Liberation Mono"/>
                 <a:cs typeface="Arial" panose="020B0604020202020204" pitchFamily="34" charset="0"/>
               </a:rPr>
-              <a:t>ORDER</a:t>
+              <a:t>OFFSET</a:t>
+            </a:r>
+            <a:r>
+              <a:rPr lang="en-US" dirty="0">
+                <a:latin typeface="Liberation Mono"/>
+              </a:rPr>
+              <a:t> @X </a:t>
+            </a:r>
+            <a:r>
+              <a:rPr lang="en-US" dirty="0">
+                <a:solidFill>
+                  <a:srgbClr val="0077AA"/>
+                </a:solidFill>
+                <a:latin typeface="Liberation Mono"/>
+                <a:cs typeface="Arial" panose="020B0604020202020204" pitchFamily="34" charset="0"/>
+              </a:rPr>
+              <a:t>ROW</a:t>
             </a:r>
             <a:r>
               <a:rPr lang="en-US" dirty="0">
@@ -47888,13 +45912,13 @@
                 <a:latin typeface="Liberation Mono"/>
                 <a:cs typeface="Arial" panose="020B0604020202020204" pitchFamily="34" charset="0"/>
               </a:rPr>
-              <a:t>BY</a:t>
-            </a:r>
-            <a:r>
-              <a:rPr lang="en-US" dirty="0">
-                <a:latin typeface="Liberation Mono"/>
-              </a:rPr>
-              <a:t> job </a:t>
+              <a:t>FETCH</a:t>
+            </a:r>
+            <a:r>
+              <a:rPr lang="en-US" dirty="0">
+                <a:latin typeface="Liberation Mono"/>
+              </a:rPr>
+              <a:t> </a:t>
             </a:r>
             <a:r>
               <a:rPr lang="en-US" dirty="0">
@@ -47904,7 +45928,23 @@
                 <a:latin typeface="Liberation Mono"/>
                 <a:cs typeface="Arial" panose="020B0604020202020204" pitchFamily="34" charset="0"/>
               </a:rPr>
-              <a:t>FETCH</a:t>
+              <a:t>FIRST</a:t>
+            </a:r>
+            <a:r>
+              <a:rPr lang="en-US" dirty="0">
+                <a:latin typeface="Liberation Mono"/>
+              </a:rPr>
+              <a:t> @Y </a:t>
+            </a:r>
+            <a:r>
+              <a:rPr lang="en-US" dirty="0">
+                <a:solidFill>
+                  <a:srgbClr val="0077AA"/>
+                </a:solidFill>
+                <a:latin typeface="Liberation Mono"/>
+                <a:cs typeface="Arial" panose="020B0604020202020204" pitchFamily="34" charset="0"/>
+              </a:rPr>
+              <a:t>ROW</a:t>
             </a:r>
             <a:r>
               <a:rPr lang="en-US" dirty="0">
@@ -47920,55 +45960,7 @@
                 <a:latin typeface="Liberation Mono"/>
                 <a:cs typeface="Arial" panose="020B0604020202020204" pitchFamily="34" charset="0"/>
               </a:rPr>
-              <a:t>FIRST</a:t>
-            </a:r>
-            <a:r>
-              <a:rPr lang="en-US" dirty="0">
-                <a:latin typeface="Liberation Mono"/>
-              </a:rPr>
-              <a:t> @X </a:t>
-            </a:r>
-            <a:r>
-              <a:rPr lang="en-US" dirty="0">
-                <a:solidFill>
-                  <a:srgbClr val="0077AA"/>
-                </a:solidFill>
-                <a:latin typeface="Liberation Mono"/>
-                <a:cs typeface="Arial" panose="020B0604020202020204" pitchFamily="34" charset="0"/>
-              </a:rPr>
-              <a:t>ROWS</a:t>
-            </a:r>
-            <a:r>
-              <a:rPr lang="en-US" dirty="0">
-                <a:latin typeface="Liberation Mono"/>
-              </a:rPr>
-              <a:t> </a:t>
-            </a:r>
-            <a:r>
-              <a:rPr lang="en-US" dirty="0">
-                <a:solidFill>
-                  <a:srgbClr val="0077AA"/>
-                </a:solidFill>
-                <a:latin typeface="Liberation Mono"/>
-                <a:cs typeface="Arial" panose="020B0604020202020204" pitchFamily="34" charset="0"/>
-              </a:rPr>
-              <a:t>WITH</a:t>
-            </a:r>
-            <a:r>
-              <a:rPr lang="en-US" dirty="0">
-                <a:latin typeface="Liberation Mono"/>
-              </a:rPr>
-              <a:t> </a:t>
-            </a:r>
-            <a:r>
-              <a:rPr lang="en-US" dirty="0">
-                <a:solidFill>
-                  <a:srgbClr val="0077AA"/>
-                </a:solidFill>
-                <a:latin typeface="Liberation Mono"/>
-                <a:cs typeface="Arial" panose="020B0604020202020204" pitchFamily="34" charset="0"/>
-              </a:rPr>
-              <a:t>TIES</a:t>
+              <a:t>ONLY</a:t>
             </a:r>
             <a:r>
               <a:rPr lang="en-US" dirty="0">
@@ -49067,7 +47059,7 @@
           <p:nvPr>
             <p:extLst>
               <p:ext uri="{D42A27DB-BD31-4B8C-83A1-F6EECF244321}">
-                <p14:modId xmlns:p14="http://schemas.microsoft.com/office/powerpoint/2010/main" val="2203915759"/>
+                <p14:modId xmlns:p14="http://schemas.microsoft.com/office/powerpoint/2010/main" val="3807646373"/>
               </p:ext>
             </p:extLst>
           </p:nvPr>
@@ -49179,7 +47171,7 @@
                           <a:latin typeface="Arial" panose="020B0604020202020204" pitchFamily="34" charset="0"/>
                           <a:cs typeface="Arial" panose="020B0604020202020204" pitchFamily="34" charset="0"/>
                         </a:rPr>
-                        <a:t>ENAME</a:t>
+                        <a:t>ename</a:t>
                       </a:r>
                       <a:r>
                         <a:rPr lang="en-IN" baseline="0" dirty="0">
@@ -49919,7 +47911,7 @@
                           <a:latin typeface="Arial" panose="020B0604020202020204" pitchFamily="34" charset="0"/>
                           <a:cs typeface="Arial" panose="020B0604020202020204" pitchFamily="34" charset="0"/>
                         </a:rPr>
-                        <a:t>ENAME </a:t>
+                        <a:t>ename </a:t>
                       </a:r>
                       <a:r>
                         <a:rPr kumimoji="0" lang="en-IN" sz="1800" b="0" i="0" kern="1200" dirty="0">
@@ -50617,7 +48609,7 @@
                           <a:latin typeface="Arial" panose="020B0604020202020204" pitchFamily="34" charset="0"/>
                           <a:cs typeface="Arial" panose="020B0604020202020204" pitchFamily="34" charset="0"/>
                         </a:rPr>
-                        <a:t>ENAME </a:t>
+                        <a:t>ename </a:t>
                       </a:r>
                       <a:r>
                         <a:rPr kumimoji="0" lang="en-IN" sz="1800" b="0" i="0" kern="1200" dirty="0">

--- a/H2 database.pptx
+++ b/H2 database.pptx
@@ -72,11 +72,11 @@
     <p:sldId id="1532" r:id="rId63"/>
     <p:sldId id="1533" r:id="rId64"/>
     <p:sldId id="1534" r:id="rId65"/>
-    <p:sldId id="1152" r:id="rId66"/>
-    <p:sldId id="1153" r:id="rId67"/>
-    <p:sldId id="1537" r:id="rId68"/>
-    <p:sldId id="1538" r:id="rId69"/>
-    <p:sldId id="1539" r:id="rId70"/>
+    <p:sldId id="1538" r:id="rId66"/>
+    <p:sldId id="1539" r:id="rId67"/>
+    <p:sldId id="1152" r:id="rId68"/>
+    <p:sldId id="1153" r:id="rId69"/>
+    <p:sldId id="1537" r:id="rId70"/>
     <p:sldId id="788" r:id="rId71"/>
   </p:sldIdLst>
   <p:sldSz cx="12192000" cy="6858000"/>
@@ -42960,6 +42960,815 @@
                 <a:latin typeface="Segoe UI Light" panose="020B0502040204020203" pitchFamily="34" charset="0"/>
                 <a:cs typeface="Segoe UI Light" panose="020B0502040204020203" pitchFamily="34" charset="0"/>
               </a:rPr>
+              <a:t>offset </a:t>
+            </a:r>
+            <a:r>
+              <a:rPr lang="en-US" sz="4800" i="1" dirty="0">
+                <a:solidFill>
+                  <a:srgbClr val="DC525C"/>
+                </a:solidFill>
+                <a:latin typeface="Segoe UI Light" panose="020B0502040204020203" pitchFamily="34" charset="0"/>
+                <a:cs typeface="Segoe UI Light" panose="020B0502040204020203" pitchFamily="34" charset="0"/>
+              </a:rPr>
+              <a:t>n</a:t>
+            </a:r>
+            <a:r>
+              <a:rPr lang="en-US" sz="4800" dirty="0">
+                <a:solidFill>
+                  <a:srgbClr val="DC525C"/>
+                </a:solidFill>
+                <a:latin typeface="Segoe UI Light" panose="020B0502040204020203" pitchFamily="34" charset="0"/>
+                <a:cs typeface="Segoe UI Light" panose="020B0502040204020203" pitchFamily="34" charset="0"/>
+              </a:rPr>
+              <a:t> rows</a:t>
+            </a:r>
+          </a:p>
+        </p:txBody>
+      </p:sp>
+      <p:sp>
+        <p:nvSpPr>
+          <p:cNvPr id="3" name="Rectangle 2"/>
+          <p:cNvSpPr/>
+          <p:nvPr/>
+        </p:nvSpPr>
+        <p:spPr>
+          <a:xfrm>
+            <a:off x="4206050" y="3172906"/>
+            <a:ext cx="4194206" cy="407612"/>
+          </a:xfrm>
+          <a:prstGeom prst="rect">
+            <a:avLst/>
+          </a:prstGeom>
+          <a:solidFill>
+            <a:schemeClr val="bg1"/>
+          </a:solidFill>
+        </p:spPr>
+        <p:txBody>
+          <a:bodyPr wrap="square">
+            <a:spAutoFit/>
+          </a:bodyPr>
+          <a:lstStyle/>
+          <a:p>
+            <a:pPr>
+              <a:lnSpc>
+                <a:spcPct val="107000"/>
+              </a:lnSpc>
+            </a:pPr>
+            <a:r>
+              <a:rPr lang="en-IN" sz="2000" dirty="0">
+                <a:latin typeface="Palatino Linotype" panose="02040502050505030304" pitchFamily="18" charset="0"/>
+                <a:cs typeface="Segoe UI Light" panose="020B0502040204020203" pitchFamily="34" charset="0"/>
+              </a:rPr>
+              <a:t>TODO</a:t>
+            </a:r>
+          </a:p>
+        </p:txBody>
+      </p:sp>
+      <p:sp>
+        <p:nvSpPr>
+          <p:cNvPr id="6" name="Rectangle 5">
+            <a:extLst>
+              <a:ext uri="{FF2B5EF4-FFF2-40B4-BE49-F238E27FC236}">
+                <a16:creationId xmlns:a16="http://schemas.microsoft.com/office/drawing/2014/main" id="{BE48E333-2CAF-4961-BF20-2C1236D91CD9}"/>
+              </a:ext>
+            </a:extLst>
+          </p:cNvPr>
+          <p:cNvSpPr/>
+          <p:nvPr/>
+        </p:nvSpPr>
+        <p:spPr>
+          <a:xfrm>
+            <a:off x="5303913" y="587738"/>
+            <a:ext cx="4723785" cy="400110"/>
+          </a:xfrm>
+          <a:prstGeom prst="rect">
+            <a:avLst/>
+          </a:prstGeom>
+          <a:solidFill>
+            <a:schemeClr val="bg1"/>
+          </a:solidFill>
+        </p:spPr>
+        <p:txBody>
+          <a:bodyPr wrap="square">
+            <a:spAutoFit/>
+          </a:bodyPr>
+          <a:lstStyle/>
+          <a:p>
+            <a:endParaRPr lang="en-IN" sz="2000" dirty="0"/>
+          </a:p>
+        </p:txBody>
+      </p:sp>
+      <p:cxnSp>
+        <p:nvCxnSpPr>
+          <p:cNvPr id="10" name="Straight Connector 9">
+            <a:extLst>
+              <a:ext uri="{FF2B5EF4-FFF2-40B4-BE49-F238E27FC236}">
+                <a16:creationId xmlns:a16="http://schemas.microsoft.com/office/drawing/2014/main" id="{B2360B34-3AC7-4EDB-AB99-341691F49EE2}"/>
+              </a:ext>
+            </a:extLst>
+          </p:cNvPr>
+          <p:cNvCxnSpPr/>
+          <p:nvPr/>
+        </p:nvCxnSpPr>
+        <p:spPr>
+          <a:xfrm>
+            <a:off x="465165" y="6525344"/>
+            <a:ext cx="11089232" cy="0"/>
+          </a:xfrm>
+          <a:prstGeom prst="line">
+            <a:avLst/>
+          </a:prstGeom>
+        </p:spPr>
+        <p:style>
+          <a:lnRef idx="1">
+            <a:schemeClr val="accent1"/>
+          </a:lnRef>
+          <a:fillRef idx="0">
+            <a:schemeClr val="accent1"/>
+          </a:fillRef>
+          <a:effectRef idx="0">
+            <a:schemeClr val="accent1"/>
+          </a:effectRef>
+          <a:fontRef idx="minor">
+            <a:schemeClr val="tx1"/>
+          </a:fontRef>
+        </p:style>
+      </p:cxnSp>
+    </p:spTree>
+    <p:extLst>
+      <p:ext uri="{BB962C8B-B14F-4D97-AF65-F5344CB8AC3E}">
+        <p14:creationId xmlns:p14="http://schemas.microsoft.com/office/powerpoint/2010/main" val="343526641"/>
+      </p:ext>
+    </p:extLst>
+  </p:cSld>
+  <p:clrMapOvr>
+    <a:masterClrMapping/>
+  </p:clrMapOvr>
+</p:sld>
+</file>
+
+<file path=ppt/slides/slide66.xml><?xml version="1.0" encoding="utf-8"?>
+<p:sld xmlns:a="http://schemas.openxmlformats.org/drawingml/2006/main" xmlns:r="http://schemas.openxmlformats.org/officeDocument/2006/relationships" xmlns:p="http://schemas.openxmlformats.org/presentationml/2006/main">
+  <p:cSld>
+    <p:spTree>
+      <p:nvGrpSpPr>
+        <p:cNvPr id="1" name=""/>
+        <p:cNvGrpSpPr/>
+        <p:nvPr/>
+      </p:nvGrpSpPr>
+      <p:grpSpPr>
+        <a:xfrm>
+          <a:off x="0" y="0"/>
+          <a:ext cx="0" cy="0"/>
+          <a:chOff x="0" y="0"/>
+          <a:chExt cx="0" cy="0"/>
+        </a:xfrm>
+      </p:grpSpPr>
+      <p:sp>
+        <p:nvSpPr>
+          <p:cNvPr id="5" name="Rectangle 4"/>
+          <p:cNvSpPr/>
+          <p:nvPr/>
+        </p:nvSpPr>
+        <p:spPr>
+          <a:xfrm>
+            <a:off x="1524596" y="3"/>
+            <a:ext cx="9142810" cy="584775"/>
+          </a:xfrm>
+          <a:prstGeom prst="rect">
+            <a:avLst/>
+          </a:prstGeom>
+          <a:noFill/>
+        </p:spPr>
+        <p:txBody>
+          <a:bodyPr wrap="square">
+            <a:spAutoFit/>
+          </a:bodyPr>
+          <a:lstStyle/>
+          <a:p>
+            <a:pPr algn="r"/>
+            <a:r>
+              <a:rPr lang="en-US" sz="3200" i="1" dirty="0">
+                <a:solidFill>
+                  <a:srgbClr val="FF9900"/>
+                </a:solidFill>
+                <a:latin typeface="Arial" pitchFamily="34" charset="0"/>
+                <a:cs typeface="Arial" pitchFamily="34" charset="0"/>
+              </a:rPr>
+              <a:t>select  - offset n rows</a:t>
+            </a:r>
+            <a:endParaRPr lang="en-IN" sz="3200" i="1" dirty="0">
+              <a:solidFill>
+                <a:srgbClr val="FF9900"/>
+              </a:solidFill>
+              <a:latin typeface="Arial" pitchFamily="34" charset="0"/>
+              <a:cs typeface="Arial" pitchFamily="34" charset="0"/>
+            </a:endParaRPr>
+          </a:p>
+        </p:txBody>
+      </p:sp>
+      <p:sp>
+        <p:nvSpPr>
+          <p:cNvPr id="4" name="Rectangle 3">
+            <a:extLst>
+              <a:ext uri="{FF2B5EF4-FFF2-40B4-BE49-F238E27FC236}">
+                <a16:creationId xmlns:a16="http://schemas.microsoft.com/office/drawing/2014/main" id="{4DE07311-5C6E-C3DA-4313-D0047B76F977}"/>
+              </a:ext>
+            </a:extLst>
+          </p:cNvPr>
+          <p:cNvSpPr/>
+          <p:nvPr/>
+        </p:nvSpPr>
+        <p:spPr>
+          <a:xfrm>
+            <a:off x="262558" y="583270"/>
+            <a:ext cx="11737304" cy="1244956"/>
+          </a:xfrm>
+          <a:prstGeom prst="rect">
+            <a:avLst/>
+          </a:prstGeom>
+        </p:spPr>
+        <p:txBody>
+          <a:bodyPr wrap="square">
+            <a:spAutoFit/>
+          </a:bodyPr>
+          <a:lstStyle/>
+          <a:p>
+            <a:r>
+              <a:rPr lang="en-US" sz="2000" dirty="0">
+                <a:solidFill>
+                  <a:srgbClr val="0077AA"/>
+                </a:solidFill>
+                <a:latin typeface="Liberation Mono"/>
+                <a:cs typeface="Arial" panose="020B0604020202020204" pitchFamily="34" charset="0"/>
+              </a:rPr>
+              <a:t>SELECT </a:t>
+            </a:r>
+            <a:r>
+              <a:rPr lang="en-US" sz="2000" dirty="0">
+                <a:solidFill>
+                  <a:schemeClr val="bg1">
+                    <a:lumMod val="50000"/>
+                  </a:schemeClr>
+                </a:solidFill>
+                <a:latin typeface="Liberation Mono"/>
+                <a:cs typeface="Arial" panose="020B0604020202020204" pitchFamily="34" charset="0"/>
+              </a:rPr>
+              <a:t>. . . . . . </a:t>
+            </a:r>
+            <a:r>
+              <a:rPr lang="en-US" sz="2000" dirty="0">
+                <a:solidFill>
+                  <a:schemeClr val="tx1">
+                    <a:lumMod val="95000"/>
+                    <a:lumOff val="5000"/>
+                  </a:schemeClr>
+                </a:solidFill>
+                <a:latin typeface="Liberation Mono"/>
+                <a:cs typeface="Arial" panose="020B0604020202020204" pitchFamily="34" charset="0"/>
+              </a:rPr>
+              <a:t> </a:t>
+            </a:r>
+          </a:p>
+          <a:p>
+            <a:endParaRPr lang="en-US" sz="800" dirty="0">
+              <a:solidFill>
+                <a:schemeClr val="tx1">
+                  <a:lumMod val="95000"/>
+                  <a:lumOff val="5000"/>
+                </a:schemeClr>
+              </a:solidFill>
+              <a:latin typeface="Liberation Mono"/>
+              <a:cs typeface="Arial" panose="020B0604020202020204" pitchFamily="34" charset="0"/>
+            </a:endParaRPr>
+          </a:p>
+          <a:p>
+            <a:pPr marL="342900" indent="-342900">
+              <a:buFont typeface="Arial" panose="020B0604020202020204" pitchFamily="34" charset="0"/>
+              <a:buChar char="•"/>
+            </a:pPr>
+            <a:r>
+              <a:rPr lang="en-US" sz="2000" dirty="0">
+                <a:solidFill>
+                  <a:schemeClr val="tx1">
+                    <a:lumMod val="95000"/>
+                    <a:lumOff val="5000"/>
+                  </a:schemeClr>
+                </a:solidFill>
+                <a:latin typeface="Liberation Mono"/>
+                <a:cs typeface="Arial" panose="020B0604020202020204" pitchFamily="34" charset="0"/>
+              </a:rPr>
+              <a:t>[ </a:t>
+            </a:r>
+            <a:r>
+              <a:rPr lang="en-US" sz="2000" dirty="0">
+                <a:solidFill>
+                  <a:srgbClr val="0077AA"/>
+                </a:solidFill>
+                <a:latin typeface="Liberation Mono"/>
+                <a:cs typeface="Arial" panose="020B0604020202020204" pitchFamily="34" charset="0"/>
+              </a:rPr>
+              <a:t>FROM</a:t>
+            </a:r>
+            <a:r>
+              <a:rPr lang="en-US" sz="2000" dirty="0">
+                <a:solidFill>
+                  <a:schemeClr val="tx1">
+                    <a:lumMod val="95000"/>
+                    <a:lumOff val="5000"/>
+                  </a:schemeClr>
+                </a:solidFill>
+                <a:latin typeface="Liberation Mono"/>
+                <a:cs typeface="Arial" panose="020B0604020202020204" pitchFamily="34" charset="0"/>
+              </a:rPr>
+              <a:t> </a:t>
+            </a:r>
+            <a:r>
+              <a:rPr lang="en-US" sz="2000" dirty="0">
+                <a:solidFill>
+                  <a:schemeClr val="bg1">
+                    <a:lumMod val="50000"/>
+                  </a:schemeClr>
+                </a:solidFill>
+                <a:latin typeface="Liberation Mono"/>
+                <a:cs typeface="Arial" panose="020B0604020202020204" pitchFamily="34" charset="0"/>
+              </a:rPr>
+              <a:t>. . . . . .</a:t>
+            </a:r>
+            <a:r>
+              <a:rPr lang="en-US" sz="2000" dirty="0">
+                <a:solidFill>
+                  <a:schemeClr val="tx1">
+                    <a:lumMod val="95000"/>
+                    <a:lumOff val="5000"/>
+                  </a:schemeClr>
+                </a:solidFill>
+                <a:latin typeface="Liberation Mono"/>
+                <a:cs typeface="Arial" panose="020B0604020202020204" pitchFamily="34" charset="0"/>
+              </a:rPr>
+              <a:t> ]</a:t>
+            </a:r>
+          </a:p>
+          <a:p>
+            <a:pPr marL="285750" indent="-285750">
+              <a:lnSpc>
+                <a:spcPct val="150000"/>
+              </a:lnSpc>
+              <a:buFont typeface="Arial" panose="020B0604020202020204" pitchFamily="34" charset="0"/>
+              <a:buChar char="•"/>
+            </a:pPr>
+            <a:r>
+              <a:rPr lang="en-US" sz="2000" dirty="0">
+                <a:solidFill>
+                  <a:schemeClr val="tx1">
+                    <a:lumMod val="95000"/>
+                    <a:lumOff val="5000"/>
+                  </a:schemeClr>
+                </a:solidFill>
+                <a:latin typeface="Liberation Mono"/>
+                <a:cs typeface="Arial" panose="020B0604020202020204" pitchFamily="34" charset="0"/>
+              </a:rPr>
+              <a:t> [ </a:t>
+            </a:r>
+            <a:r>
+              <a:rPr lang="en-US" sz="2000" dirty="0">
+                <a:solidFill>
+                  <a:srgbClr val="0077AA"/>
+                </a:solidFill>
+                <a:latin typeface="Liberation Mono"/>
+                <a:cs typeface="Arial" panose="020B0604020202020204" pitchFamily="34" charset="0"/>
+              </a:rPr>
+              <a:t>OFFSET</a:t>
+            </a:r>
+            <a:r>
+              <a:rPr lang="en-US" sz="2000" dirty="0">
+                <a:solidFill>
+                  <a:schemeClr val="tx1">
+                    <a:lumMod val="95000"/>
+                    <a:lumOff val="5000"/>
+                  </a:schemeClr>
+                </a:solidFill>
+                <a:latin typeface="Liberation Mono"/>
+                <a:cs typeface="Arial" panose="020B0604020202020204" pitchFamily="34" charset="0"/>
+              </a:rPr>
+              <a:t> expression { ROW | ROWS } ]</a:t>
+            </a:r>
+          </a:p>
+        </p:txBody>
+      </p:sp>
+      <p:sp>
+        <p:nvSpPr>
+          <p:cNvPr id="6" name="TextBox 5">
+            <a:extLst>
+              <a:ext uri="{FF2B5EF4-FFF2-40B4-BE49-F238E27FC236}">
+                <a16:creationId xmlns:a16="http://schemas.microsoft.com/office/drawing/2014/main" id="{38B75C6F-235D-0E22-742A-C67039CDEA80}"/>
+              </a:ext>
+            </a:extLst>
+          </p:cNvPr>
+          <p:cNvSpPr txBox="1"/>
+          <p:nvPr/>
+        </p:nvSpPr>
+        <p:spPr>
+          <a:xfrm>
+            <a:off x="262558" y="2160000"/>
+            <a:ext cx="11526016" cy="1600438"/>
+          </a:xfrm>
+          <a:prstGeom prst="rect">
+            <a:avLst/>
+          </a:prstGeom>
+          <a:noFill/>
+        </p:spPr>
+        <p:txBody>
+          <a:bodyPr wrap="square">
+            <a:spAutoFit/>
+          </a:bodyPr>
+          <a:lstStyle/>
+          <a:p>
+            <a:pPr marL="285750" indent="-285750">
+              <a:buFont typeface="Arial" panose="020B0604020202020204" pitchFamily="34" charset="0"/>
+              <a:buChar char="•"/>
+            </a:pPr>
+            <a:r>
+              <a:rPr lang="en-US" dirty="0">
+                <a:solidFill>
+                  <a:srgbClr val="0077AA"/>
+                </a:solidFill>
+                <a:latin typeface="Liberation Mono"/>
+                <a:cs typeface="Arial" panose="020B0604020202020204" pitchFamily="34" charset="0"/>
+              </a:rPr>
+              <a:t>SELECT</a:t>
+            </a:r>
+            <a:r>
+              <a:rPr lang="en-US" dirty="0">
+                <a:latin typeface="Liberation Mono"/>
+                <a:cs typeface="Arial" panose="020B0604020202020204" pitchFamily="34" charset="0"/>
+              </a:rPr>
+              <a:t> </a:t>
+            </a:r>
+            <a:r>
+              <a:rPr lang="en-US" dirty="0">
+                <a:solidFill>
+                  <a:srgbClr val="A67F59"/>
+                </a:solidFill>
+                <a:latin typeface="Liberation Mono"/>
+              </a:rPr>
+              <a:t>*</a:t>
+            </a:r>
+            <a:r>
+              <a:rPr lang="en-US" dirty="0">
+                <a:latin typeface="Liberation Mono"/>
+                <a:cs typeface="Arial" panose="020B0604020202020204" pitchFamily="34" charset="0"/>
+              </a:rPr>
+              <a:t> </a:t>
+            </a:r>
+            <a:r>
+              <a:rPr lang="en-US" dirty="0">
+                <a:solidFill>
+                  <a:srgbClr val="0077AA"/>
+                </a:solidFill>
+                <a:latin typeface="Liberation Mono"/>
+                <a:cs typeface="Arial" panose="020B0604020202020204" pitchFamily="34" charset="0"/>
+              </a:rPr>
+              <a:t>FROM</a:t>
+            </a:r>
+            <a:r>
+              <a:rPr lang="en-US" dirty="0">
+                <a:latin typeface="Liberation Mono"/>
+                <a:cs typeface="Arial" panose="020B0604020202020204" pitchFamily="34" charset="0"/>
+              </a:rPr>
+              <a:t> emp </a:t>
+            </a:r>
+            <a:r>
+              <a:rPr lang="en-US" dirty="0">
+                <a:solidFill>
+                  <a:srgbClr val="0077AA"/>
+                </a:solidFill>
+                <a:latin typeface="Liberation Mono"/>
+                <a:cs typeface="Arial" panose="020B0604020202020204" pitchFamily="34" charset="0"/>
+              </a:rPr>
+              <a:t>OFFSET </a:t>
+            </a:r>
+            <a:r>
+              <a:rPr lang="en-US" dirty="0">
+                <a:solidFill>
+                  <a:srgbClr val="990055"/>
+                </a:solidFill>
+                <a:latin typeface="Liberation Mono"/>
+              </a:rPr>
+              <a:t>2</a:t>
+            </a:r>
+            <a:r>
+              <a:rPr lang="en-US" dirty="0">
+                <a:solidFill>
+                  <a:srgbClr val="0077AA"/>
+                </a:solidFill>
+                <a:latin typeface="Liberation Mono"/>
+                <a:cs typeface="Arial" panose="020B0604020202020204" pitchFamily="34" charset="0"/>
+              </a:rPr>
+              <a:t> ROWS</a:t>
+            </a:r>
+            <a:r>
+              <a:rPr lang="en-US" dirty="0">
+                <a:latin typeface="Liberation Mono"/>
+                <a:cs typeface="Arial" panose="020B0604020202020204" pitchFamily="34" charset="0"/>
+              </a:rPr>
+              <a:t>;</a:t>
+            </a:r>
+          </a:p>
+          <a:p>
+            <a:pPr marL="285750" indent="-285750">
+              <a:buFont typeface="Arial" panose="020B0604020202020204" pitchFamily="34" charset="0"/>
+              <a:buChar char="•"/>
+            </a:pPr>
+            <a:endParaRPr lang="en-US" dirty="0">
+              <a:solidFill>
+                <a:srgbClr val="39AE0A"/>
+              </a:solidFill>
+              <a:latin typeface="Liberation Mono"/>
+              <a:cs typeface="Arial" panose="020B0604020202020204" pitchFamily="34" charset="0"/>
+            </a:endParaRPr>
+          </a:p>
+          <a:p>
+            <a:r>
+              <a:rPr lang="en-US" sz="2000" b="1" i="1" dirty="0">
+                <a:latin typeface="Liberation Mono"/>
+              </a:rPr>
+              <a:t>To print the last N record</a:t>
+            </a:r>
+            <a:endParaRPr lang="en-US" sz="2000" b="1" i="1" dirty="0">
+              <a:latin typeface="Liberation Mono"/>
+              <a:cs typeface="Arial" panose="020B0604020202020204" pitchFamily="34" charset="0"/>
+            </a:endParaRPr>
+          </a:p>
+          <a:p>
+            <a:pPr marL="285750" indent="-285750">
+              <a:buFont typeface="Arial" panose="020B0604020202020204" pitchFamily="34" charset="0"/>
+              <a:buChar char="•"/>
+            </a:pPr>
+            <a:r>
+              <a:rPr lang="en-US" dirty="0">
+                <a:solidFill>
+                  <a:srgbClr val="0077AA"/>
+                </a:solidFill>
+                <a:latin typeface="Liberation Mono"/>
+                <a:cs typeface="Arial" panose="020B0604020202020204" pitchFamily="34" charset="0"/>
+              </a:rPr>
+              <a:t>SET</a:t>
+            </a:r>
+            <a:r>
+              <a:rPr lang="en-US" dirty="0">
+                <a:latin typeface="Liberation Mono"/>
+              </a:rPr>
+              <a:t> @X = </a:t>
+            </a:r>
+            <a:r>
+              <a:rPr lang="en-US" dirty="0">
+                <a:solidFill>
+                  <a:srgbClr val="0077AA"/>
+                </a:solidFill>
+                <a:latin typeface="Liberation Mono"/>
+                <a:cs typeface="Arial" panose="020B0604020202020204" pitchFamily="34" charset="0"/>
+              </a:rPr>
+              <a:t>SELECT</a:t>
+            </a:r>
+            <a:r>
+              <a:rPr lang="en-US" dirty="0">
+                <a:latin typeface="Liberation Mono"/>
+              </a:rPr>
+              <a:t> </a:t>
+            </a:r>
+            <a:r>
+              <a:rPr lang="en-US" dirty="0">
+                <a:solidFill>
+                  <a:srgbClr val="803A69"/>
+                </a:solidFill>
+                <a:latin typeface="Liberation Mono"/>
+              </a:rPr>
+              <a:t>COUNT</a:t>
+            </a:r>
+            <a:r>
+              <a:rPr lang="en-US" dirty="0">
+                <a:latin typeface="Liberation Mono"/>
+              </a:rPr>
+              <a:t>(*) - </a:t>
+            </a:r>
+            <a:r>
+              <a:rPr lang="en-US" dirty="0">
+                <a:solidFill>
+                  <a:srgbClr val="990055"/>
+                </a:solidFill>
+                <a:latin typeface="Liberation Mono"/>
+              </a:rPr>
+              <a:t>7</a:t>
+            </a:r>
+            <a:r>
+              <a:rPr lang="en-US" dirty="0">
+                <a:latin typeface="Liberation Mono"/>
+              </a:rPr>
+              <a:t> </a:t>
+            </a:r>
+            <a:r>
+              <a:rPr lang="en-US" dirty="0">
+                <a:solidFill>
+                  <a:srgbClr val="0077AA"/>
+                </a:solidFill>
+                <a:latin typeface="Liberation Mono"/>
+                <a:cs typeface="Arial" panose="020B0604020202020204" pitchFamily="34" charset="0"/>
+              </a:rPr>
+              <a:t>FROM</a:t>
+            </a:r>
+            <a:r>
+              <a:rPr lang="en-US" dirty="0">
+                <a:latin typeface="Liberation Mono"/>
+              </a:rPr>
+              <a:t> emp; </a:t>
+            </a:r>
+            <a:endParaRPr lang="en-US" b="1" dirty="0">
+              <a:solidFill>
+                <a:srgbClr val="C00000"/>
+              </a:solidFill>
+              <a:latin typeface="Liberation Mono"/>
+            </a:endParaRPr>
+          </a:p>
+          <a:p>
+            <a:pPr marL="285750" indent="-285750">
+              <a:buFont typeface="Arial" panose="020B0604020202020204" pitchFamily="34" charset="0"/>
+              <a:buChar char="•"/>
+            </a:pPr>
+            <a:endParaRPr lang="en-US" sz="600" dirty="0">
+              <a:latin typeface="Liberation Mono"/>
+            </a:endParaRPr>
+          </a:p>
+          <a:p>
+            <a:pPr marL="285750" indent="-285750">
+              <a:buFont typeface="Arial" panose="020B0604020202020204" pitchFamily="34" charset="0"/>
+              <a:buChar char="•"/>
+            </a:pPr>
+            <a:r>
+              <a:rPr lang="en-US">
+                <a:solidFill>
+                  <a:srgbClr val="0077AA"/>
+                </a:solidFill>
+                <a:latin typeface="Liberation Mono"/>
+                <a:cs typeface="Arial" panose="020B0604020202020204" pitchFamily="34" charset="0"/>
+              </a:rPr>
+              <a:t>SELECT</a:t>
+            </a:r>
+            <a:r>
+              <a:rPr lang="en-US">
+                <a:latin typeface="Liberation Mono"/>
+              </a:rPr>
+              <a:t> </a:t>
+            </a:r>
+            <a:r>
+              <a:rPr lang="en-US">
+                <a:solidFill>
+                  <a:srgbClr val="803A69"/>
+                </a:solidFill>
+                <a:latin typeface="Liberation Mono"/>
+              </a:rPr>
+              <a:t>ROWNUM</a:t>
+            </a:r>
+            <a:r>
+              <a:rPr lang="en-US">
+                <a:latin typeface="Liberation Mono"/>
+                <a:cs typeface="Arial" panose="020B0604020202020204" pitchFamily="34" charset="0"/>
+              </a:rPr>
+              <a:t>(), </a:t>
+            </a:r>
+            <a:r>
+              <a:rPr lang="en-US">
+                <a:solidFill>
+                  <a:srgbClr val="A67F59"/>
+                </a:solidFill>
+                <a:latin typeface="Liberation Mono"/>
+              </a:rPr>
+              <a:t>*</a:t>
+            </a:r>
+            <a:r>
+              <a:rPr lang="en-US">
+                <a:latin typeface="Liberation Mono"/>
+              </a:rPr>
+              <a:t> </a:t>
+            </a:r>
+            <a:r>
+              <a:rPr lang="en-US" dirty="0">
+                <a:solidFill>
+                  <a:srgbClr val="0077AA"/>
+                </a:solidFill>
+                <a:latin typeface="Liberation Mono"/>
+                <a:cs typeface="Arial" panose="020B0604020202020204" pitchFamily="34" charset="0"/>
+              </a:rPr>
+              <a:t>FROM</a:t>
+            </a:r>
+            <a:r>
+              <a:rPr lang="en-US" dirty="0">
+                <a:latin typeface="Liberation Mono"/>
+              </a:rPr>
+              <a:t> emp </a:t>
+            </a:r>
+            <a:r>
+              <a:rPr lang="en-US" dirty="0">
+                <a:solidFill>
+                  <a:srgbClr val="0077AA"/>
+                </a:solidFill>
+                <a:latin typeface="Liberation Mono"/>
+                <a:cs typeface="Arial" panose="020B0604020202020204" pitchFamily="34" charset="0"/>
+              </a:rPr>
+              <a:t>OFFSET</a:t>
+            </a:r>
+            <a:r>
+              <a:rPr lang="en-US" dirty="0">
+                <a:latin typeface="Liberation Mono"/>
+              </a:rPr>
+              <a:t> @X </a:t>
+            </a:r>
+            <a:r>
+              <a:rPr lang="en-US" dirty="0">
+                <a:solidFill>
+                  <a:srgbClr val="0077AA"/>
+                </a:solidFill>
+                <a:latin typeface="Liberation Mono"/>
+                <a:cs typeface="Arial" panose="020B0604020202020204" pitchFamily="34" charset="0"/>
+              </a:rPr>
+              <a:t>ROW</a:t>
+            </a:r>
+            <a:r>
+              <a:rPr lang="en-US" dirty="0">
+                <a:latin typeface="Liberation Mono"/>
+              </a:rPr>
+              <a:t>;</a:t>
+            </a:r>
+          </a:p>
+        </p:txBody>
+      </p:sp>
+    </p:spTree>
+    <p:extLst>
+      <p:ext uri="{BB962C8B-B14F-4D97-AF65-F5344CB8AC3E}">
+        <p14:creationId xmlns:p14="http://schemas.microsoft.com/office/powerpoint/2010/main" val="3157778210"/>
+      </p:ext>
+    </p:extLst>
+  </p:cSld>
+  <p:clrMapOvr>
+    <a:masterClrMapping/>
+  </p:clrMapOvr>
+</p:sld>
+</file>
+
+<file path=ppt/slides/slide67.xml><?xml version="1.0" encoding="utf-8"?>
+<p:sld xmlns:a="http://schemas.openxmlformats.org/drawingml/2006/main" xmlns:r="http://schemas.openxmlformats.org/officeDocument/2006/relationships" xmlns:p="http://schemas.openxmlformats.org/presentationml/2006/main">
+  <p:cSld>
+    <p:spTree>
+      <p:nvGrpSpPr>
+        <p:cNvPr id="1" name=""/>
+        <p:cNvGrpSpPr/>
+        <p:nvPr/>
+      </p:nvGrpSpPr>
+      <p:grpSpPr>
+        <a:xfrm>
+          <a:off x="0" y="0"/>
+          <a:ext cx="0" cy="0"/>
+          <a:chOff x="0" y="0"/>
+          <a:chExt cx="0" cy="0"/>
+        </a:xfrm>
+      </p:grpSpPr>
+      <p:sp>
+        <p:nvSpPr>
+          <p:cNvPr id="2" name="Title 1"/>
+          <p:cNvSpPr txBox="1">
+            <a:spLocks/>
+          </p:cNvSpPr>
+          <p:nvPr/>
+        </p:nvSpPr>
+        <p:spPr>
+          <a:xfrm>
+            <a:off x="1676977" y="2286000"/>
+            <a:ext cx="8838049" cy="914400"/>
+          </a:xfrm>
+          <a:prstGeom prst="rect">
+            <a:avLst/>
+          </a:prstGeom>
+        </p:spPr>
+        <p:txBody>
+          <a:bodyPr>
+            <a:normAutofit/>
+          </a:bodyPr>
+          <a:lstStyle/>
+          <a:p>
+            <a:pPr lvl="0" algn="ctr">
+              <a:spcBef>
+                <a:spcPct val="0"/>
+              </a:spcBef>
+              <a:defRPr/>
+            </a:pPr>
+            <a:r>
+              <a:rPr lang="en-US" sz="4800" dirty="0">
+                <a:solidFill>
+                  <a:srgbClr val="DC525C"/>
+                </a:solidFill>
+                <a:latin typeface="Segoe UI Light" panose="020B0502040204020203" pitchFamily="34" charset="0"/>
+                <a:cs typeface="Segoe UI Light" panose="020B0502040204020203" pitchFamily="34" charset="0"/>
+              </a:rPr>
               <a:t>fetch first </a:t>
             </a:r>
             <a:r>
@@ -43107,7 +43916,7 @@
 </p:sld>
 </file>
 
-<file path=ppt/slides/slide66.xml><?xml version="1.0" encoding="utf-8"?>
+<file path=ppt/slides/slide68.xml><?xml version="1.0" encoding="utf-8"?>
 <p:sld xmlns:a="http://schemas.openxmlformats.org/drawingml/2006/main" xmlns:r="http://schemas.openxmlformats.org/officeDocument/2006/relationships" xmlns:p="http://schemas.openxmlformats.org/presentationml/2006/main">
   <p:cSld>
     <p:spTree>
@@ -43680,46 +44489,22 @@
           </a:p>
         </p:txBody>
       </p:sp>
-    </p:spTree>
-    <p:extLst>
-      <p:ext uri="{BB962C8B-B14F-4D97-AF65-F5344CB8AC3E}">
-        <p14:creationId xmlns:p14="http://schemas.microsoft.com/office/powerpoint/2010/main" val="2525515652"/>
-      </p:ext>
-    </p:extLst>
-  </p:cSld>
-  <p:clrMapOvr>
-    <a:masterClrMapping/>
-  </p:clrMapOvr>
-</p:sld>
-</file>
-
-<file path=ppt/slides/slide67.xml><?xml version="1.0" encoding="utf-8"?>
-<p:sld xmlns:a="http://schemas.openxmlformats.org/drawingml/2006/main" xmlns:r="http://schemas.openxmlformats.org/officeDocument/2006/relationships" xmlns:p="http://schemas.openxmlformats.org/presentationml/2006/main">
-  <p:cSld>
-    <p:spTree>
-      <p:nvGrpSpPr>
-        <p:cNvPr id="1" name=""/>
-        <p:cNvGrpSpPr/>
-        <p:nvPr/>
-      </p:nvGrpSpPr>
-      <p:grpSpPr>
-        <a:xfrm>
-          <a:off x="0" y="0"/>
-          <a:ext cx="0" cy="0"/>
-          <a:chOff x="0" y="0"/>
-          <a:chExt cx="0" cy="0"/>
-        </a:xfrm>
-      </p:grpSpPr>
       <p:sp>
         <p:nvSpPr>
-          <p:cNvPr id="5" name="Rectangle 4"/>
-          <p:cNvSpPr/>
+          <p:cNvPr id="4" name="TextBox 3">
+            <a:extLst>
+              <a:ext uri="{FF2B5EF4-FFF2-40B4-BE49-F238E27FC236}">
+                <a16:creationId xmlns:a16="http://schemas.microsoft.com/office/drawing/2014/main" id="{A611E655-E087-D4B5-7B82-1C5AB21500DB}"/>
+              </a:ext>
+            </a:extLst>
+          </p:cNvPr>
+          <p:cNvSpPr txBox="1"/>
           <p:nvPr/>
         </p:nvSpPr>
         <p:spPr>
           <a:xfrm>
-            <a:off x="1524596" y="3"/>
-            <a:ext cx="9142810" cy="584775"/>
+            <a:off x="262558" y="3868593"/>
+            <a:ext cx="11526016" cy="2800767"/>
           </a:xfrm>
           <a:prstGeom prst="rect">
             <a:avLst/>
@@ -43732,558 +44517,187 @@
           </a:bodyPr>
           <a:lstStyle/>
           <a:p>
-            <a:pPr algn="r"/>
-            <a:r>
-              <a:rPr lang="en-US" sz="3200" i="1" dirty="0">
-                <a:solidFill>
-                  <a:srgbClr val="FF9900"/>
-                </a:solidFill>
-                <a:latin typeface="Arial" pitchFamily="34" charset="0"/>
-                <a:cs typeface="Arial" pitchFamily="34" charset="0"/>
-              </a:rPr>
-              <a:t>select  - fetch first n rows with ties</a:t>
-            </a:r>
-            <a:endParaRPr lang="en-IN" sz="3200" i="1" dirty="0">
-              <a:solidFill>
-                <a:srgbClr val="FF9900"/>
-              </a:solidFill>
-              <a:latin typeface="Arial" pitchFamily="34" charset="0"/>
-              <a:cs typeface="Arial" pitchFamily="34" charset="0"/>
-            </a:endParaRPr>
-          </a:p>
-        </p:txBody>
-      </p:sp>
-      <p:sp>
-        <p:nvSpPr>
-          <p:cNvPr id="2" name="Rectangle 1">
-            <a:extLst>
-              <a:ext uri="{FF2B5EF4-FFF2-40B4-BE49-F238E27FC236}">
-                <a16:creationId xmlns:a16="http://schemas.microsoft.com/office/drawing/2014/main" id="{29828BD2-C0D2-F037-7CC7-FC6D0CAB438B}"/>
-              </a:ext>
-            </a:extLst>
-          </p:cNvPr>
-          <p:cNvSpPr/>
-          <p:nvPr/>
-        </p:nvSpPr>
-        <p:spPr>
-          <a:xfrm>
-            <a:off x="262558" y="583270"/>
-            <a:ext cx="11737304" cy="1244956"/>
-          </a:xfrm>
-          <a:prstGeom prst="rect">
-            <a:avLst/>
-          </a:prstGeom>
-        </p:spPr>
-        <p:txBody>
-          <a:bodyPr wrap="square">
-            <a:spAutoFit/>
-          </a:bodyPr>
-          <a:lstStyle/>
-          <a:p>
-            <a:r>
-              <a:rPr lang="en-US" sz="2000" dirty="0">
-                <a:solidFill>
-                  <a:srgbClr val="0077AA"/>
-                </a:solidFill>
-                <a:latin typeface="Liberation Mono"/>
-                <a:cs typeface="Arial" panose="020B0604020202020204" pitchFamily="34" charset="0"/>
-              </a:rPr>
-              <a:t>SELECT</a:t>
-            </a:r>
-            <a:r>
-              <a:rPr lang="en-US" sz="2000" dirty="0">
-                <a:solidFill>
-                  <a:schemeClr val="tx1">
-                    <a:lumMod val="95000"/>
-                    <a:lumOff val="5000"/>
-                  </a:schemeClr>
-                </a:solidFill>
-                <a:latin typeface="Liberation Mono"/>
-                <a:cs typeface="Arial" panose="020B0604020202020204" pitchFamily="34" charset="0"/>
-              </a:rPr>
-              <a:t> </a:t>
-            </a:r>
-            <a:r>
-              <a:rPr lang="en-US" sz="2000" dirty="0">
-                <a:solidFill>
-                  <a:schemeClr val="bg1">
-                    <a:lumMod val="50000"/>
-                  </a:schemeClr>
-                </a:solidFill>
-                <a:latin typeface="Liberation Mono"/>
-                <a:cs typeface="Arial" panose="020B0604020202020204" pitchFamily="34" charset="0"/>
-              </a:rPr>
-              <a:t>. . . . . .</a:t>
-            </a:r>
-            <a:r>
-              <a:rPr lang="en-US" sz="2000" dirty="0">
-                <a:solidFill>
-                  <a:schemeClr val="tx1">
-                    <a:lumMod val="95000"/>
-                    <a:lumOff val="5000"/>
-                  </a:schemeClr>
-                </a:solidFill>
-                <a:latin typeface="Liberation Mono"/>
-                <a:cs typeface="Arial" panose="020B0604020202020204" pitchFamily="34" charset="0"/>
-              </a:rPr>
-              <a:t> </a:t>
-            </a:r>
-          </a:p>
-          <a:p>
-            <a:endParaRPr lang="en-US" sz="800" dirty="0">
-              <a:solidFill>
-                <a:schemeClr val="tx1">
-                  <a:lumMod val="95000"/>
-                  <a:lumOff val="5000"/>
-                </a:schemeClr>
-              </a:solidFill>
-              <a:latin typeface="Liberation Mono"/>
-              <a:cs typeface="Arial" panose="020B0604020202020204" pitchFamily="34" charset="0"/>
-            </a:endParaRPr>
-          </a:p>
-          <a:p>
-            <a:r>
-              <a:rPr lang="en-US" sz="2000" dirty="0">
-                <a:solidFill>
-                  <a:schemeClr val="tx1">
-                    <a:lumMod val="95000"/>
-                    <a:lumOff val="5000"/>
-                  </a:schemeClr>
-                </a:solidFill>
-                <a:latin typeface="Liberation Mono"/>
-                <a:cs typeface="Arial" panose="020B0604020202020204" pitchFamily="34" charset="0"/>
-              </a:rPr>
-              <a:t> [ </a:t>
-            </a:r>
-            <a:r>
-              <a:rPr lang="en-US" sz="2000" dirty="0">
-                <a:solidFill>
-                  <a:srgbClr val="0077AA"/>
-                </a:solidFill>
-                <a:latin typeface="Liberation Mono"/>
-                <a:cs typeface="Arial" panose="020B0604020202020204" pitchFamily="34" charset="0"/>
-              </a:rPr>
-              <a:t>FROM</a:t>
-            </a:r>
-            <a:r>
-              <a:rPr lang="en-US" sz="2000" dirty="0">
-                <a:solidFill>
-                  <a:schemeClr val="tx1">
-                    <a:lumMod val="95000"/>
-                    <a:lumOff val="5000"/>
-                  </a:schemeClr>
-                </a:solidFill>
-                <a:latin typeface="Liberation Mono"/>
-                <a:cs typeface="Arial" panose="020B0604020202020204" pitchFamily="34" charset="0"/>
-              </a:rPr>
-              <a:t> </a:t>
-            </a:r>
-            <a:r>
-              <a:rPr lang="en-US" sz="2000" dirty="0">
-                <a:solidFill>
-                  <a:schemeClr val="bg1">
-                    <a:lumMod val="50000"/>
-                  </a:schemeClr>
-                </a:solidFill>
-                <a:latin typeface="Liberation Mono"/>
-                <a:cs typeface="Arial" panose="020B0604020202020204" pitchFamily="34" charset="0"/>
-              </a:rPr>
-              <a:t>. . . . . .</a:t>
-            </a:r>
-            <a:r>
-              <a:rPr lang="en-US" sz="2000" dirty="0">
-                <a:solidFill>
-                  <a:schemeClr val="tx1">
-                    <a:lumMod val="95000"/>
-                    <a:lumOff val="5000"/>
-                  </a:schemeClr>
-                </a:solidFill>
-                <a:latin typeface="Liberation Mono"/>
-                <a:cs typeface="Arial" panose="020B0604020202020204" pitchFamily="34" charset="0"/>
-              </a:rPr>
-              <a:t> ]</a:t>
-            </a:r>
-          </a:p>
-          <a:p>
-            <a:pPr>
-              <a:lnSpc>
-                <a:spcPct val="150000"/>
-              </a:lnSpc>
-            </a:pPr>
-            <a:r>
-              <a:rPr lang="en-US" sz="2000" dirty="0">
-                <a:solidFill>
-                  <a:schemeClr val="tx1">
-                    <a:lumMod val="95000"/>
-                    <a:lumOff val="5000"/>
-                  </a:schemeClr>
-                </a:solidFill>
-                <a:latin typeface="Liberation Mono"/>
-                <a:cs typeface="Arial" panose="020B0604020202020204" pitchFamily="34" charset="0"/>
-              </a:rPr>
-              <a:t> [ </a:t>
-            </a:r>
-            <a:r>
-              <a:rPr lang="en-US" sz="2000" dirty="0">
-                <a:solidFill>
-                  <a:srgbClr val="0077AA"/>
-                </a:solidFill>
-                <a:latin typeface="Liberation Mono"/>
-                <a:cs typeface="Arial" panose="020B0604020202020204" pitchFamily="34" charset="0"/>
-              </a:rPr>
-              <a:t>FETCH</a:t>
-            </a:r>
-            <a:r>
-              <a:rPr lang="en-US" sz="2000" dirty="0">
-                <a:solidFill>
-                  <a:schemeClr val="tx1">
-                    <a:lumMod val="95000"/>
-                    <a:lumOff val="5000"/>
-                  </a:schemeClr>
-                </a:solidFill>
-                <a:latin typeface="Liberation Mono"/>
-                <a:cs typeface="Arial" panose="020B0604020202020204" pitchFamily="34" charset="0"/>
-              </a:rPr>
-              <a:t> </a:t>
-            </a:r>
-            <a:r>
-              <a:rPr lang="en-US" sz="2000" dirty="0">
-                <a:solidFill>
-                  <a:srgbClr val="0077AA"/>
-                </a:solidFill>
-                <a:latin typeface="Liberation Mono"/>
-                <a:cs typeface="Arial" panose="020B0604020202020204" pitchFamily="34" charset="0"/>
-              </a:rPr>
-              <a:t>FIRST </a:t>
-            </a:r>
-            <a:r>
-              <a:rPr lang="en-US" sz="2000" dirty="0">
-                <a:solidFill>
-                  <a:schemeClr val="tx1">
-                    <a:lumMod val="95000"/>
-                    <a:lumOff val="5000"/>
-                  </a:schemeClr>
-                </a:solidFill>
-                <a:latin typeface="Liberation Mono"/>
-                <a:cs typeface="Arial" panose="020B0604020202020204" pitchFamily="34" charset="0"/>
-              </a:rPr>
-              <a:t>expression { ROW | ROWS } { ONLY | WITH TIES } ]</a:t>
-            </a:r>
-          </a:p>
-        </p:txBody>
-      </p:sp>
-      <p:sp>
-        <p:nvSpPr>
-          <p:cNvPr id="4" name="Rectangle 3">
-            <a:extLst>
-              <a:ext uri="{FF2B5EF4-FFF2-40B4-BE49-F238E27FC236}">
-                <a16:creationId xmlns:a16="http://schemas.microsoft.com/office/drawing/2014/main" id="{DC23CB35-DBF1-DA04-FB4C-91369FEAAB5F}"/>
-              </a:ext>
-            </a:extLst>
-          </p:cNvPr>
-          <p:cNvSpPr/>
-          <p:nvPr/>
-        </p:nvSpPr>
-        <p:spPr>
-          <a:xfrm>
-            <a:off x="303539" y="5356373"/>
-            <a:ext cx="11737304" cy="1384995"/>
-          </a:xfrm>
-          <a:prstGeom prst="rect">
-            <a:avLst/>
-          </a:prstGeom>
-          <a:solidFill>
-            <a:schemeClr val="bg1"/>
-          </a:solidFill>
-        </p:spPr>
-        <p:txBody>
-          <a:bodyPr wrap="square">
-            <a:spAutoFit/>
-          </a:bodyPr>
-          <a:lstStyle/>
-          <a:p>
-            <a:r>
-              <a:rPr lang="en-IN" sz="2200" dirty="0">
-                <a:solidFill>
-                  <a:srgbClr val="FF0000"/>
-                </a:solidFill>
-                <a:latin typeface="Arial" panose="020B0604020202020204" pitchFamily="34" charset="0"/>
-                <a:cs typeface="Arial" panose="020B0604020202020204" pitchFamily="34" charset="0"/>
-              </a:rPr>
-              <a:t>Remember:</a:t>
-            </a:r>
-            <a:endParaRPr lang="en-IN" sz="800" dirty="0">
-              <a:solidFill>
-                <a:srgbClr val="FF0000"/>
-              </a:solidFill>
-              <a:latin typeface="Arial" panose="020B0604020202020204" pitchFamily="34" charset="0"/>
-              <a:ea typeface="Calibri" panose="020F0502020204030204" pitchFamily="34" charset="0"/>
-              <a:cs typeface="Arial" panose="020B0604020202020204" pitchFamily="34" charset="0"/>
-            </a:endParaRPr>
-          </a:p>
-          <a:p>
-            <a:endParaRPr lang="en-IN" sz="800" dirty="0">
-              <a:solidFill>
-                <a:srgbClr val="FF0000"/>
-              </a:solidFill>
-              <a:latin typeface="Arial" panose="020B0604020202020204" pitchFamily="34" charset="0"/>
-              <a:ea typeface="Calibri" panose="020F0502020204030204" pitchFamily="34" charset="0"/>
-              <a:cs typeface="Arial" panose="020B0604020202020204" pitchFamily="34" charset="0"/>
-            </a:endParaRPr>
-          </a:p>
-          <a:p>
             <a:pPr marL="285750" indent="-285750">
               <a:buFont typeface="Arial" panose="020B0604020202020204" pitchFamily="34" charset="0"/>
               <a:buChar char="•"/>
             </a:pPr>
             <a:r>
               <a:rPr lang="en-US" dirty="0">
-                <a:latin typeface="Arial" panose="020B0604020202020204" pitchFamily="34" charset="0"/>
-                <a:cs typeface="Arial" panose="020B0604020202020204" pitchFamily="34" charset="0"/>
-              </a:rPr>
-              <a:t>The WITH TIES returns additional rows with the same sort key as the last row fetched. Note that if you use WITH TIES, you must specify an ORDER BY clause in the query. If you don’t, the query will not return the additional rows.</a:t>
-            </a:r>
-            <a:endParaRPr lang="en-IN" dirty="0">
-              <a:latin typeface="Arial" panose="020B0604020202020204" pitchFamily="34" charset="0"/>
-              <a:cs typeface="Arial" panose="020B0604020202020204" pitchFamily="34" charset="0"/>
-            </a:endParaRPr>
-          </a:p>
-        </p:txBody>
-      </p:sp>
-      <p:sp>
-        <p:nvSpPr>
-          <p:cNvPr id="3" name="TextBox 2">
-            <a:extLst>
-              <a:ext uri="{FF2B5EF4-FFF2-40B4-BE49-F238E27FC236}">
-                <a16:creationId xmlns:a16="http://schemas.microsoft.com/office/drawing/2014/main" id="{48DC216C-B5BE-3B13-C889-14A1D18AE322}"/>
-              </a:ext>
-            </a:extLst>
-          </p:cNvPr>
-          <p:cNvSpPr txBox="1"/>
-          <p:nvPr/>
-        </p:nvSpPr>
-        <p:spPr>
-          <a:xfrm>
-            <a:off x="262558" y="2160000"/>
-            <a:ext cx="11526016" cy="1107996"/>
-          </a:xfrm>
-          <a:prstGeom prst="rect">
-            <a:avLst/>
-          </a:prstGeom>
-          <a:noFill/>
-        </p:spPr>
-        <p:txBody>
-          <a:bodyPr wrap="square">
-            <a:spAutoFit/>
-          </a:bodyPr>
-          <a:lstStyle/>
+                <a:solidFill>
+                  <a:srgbClr val="0077AA"/>
+                </a:solidFill>
+                <a:latin typeface="Liberation Mono"/>
+                <a:cs typeface="Arial" panose="020B0604020202020204" pitchFamily="34" charset="0"/>
+              </a:rPr>
+              <a:t>SELECT</a:t>
+            </a:r>
+            <a:r>
+              <a:rPr lang="en-US" dirty="0">
+                <a:latin typeface="Liberation Mono"/>
+                <a:cs typeface="Arial" panose="020B0604020202020204" pitchFamily="34" charset="0"/>
+              </a:rPr>
+              <a:t> </a:t>
+            </a:r>
+            <a:r>
+              <a:rPr lang="en-US" dirty="0">
+                <a:solidFill>
+                  <a:srgbClr val="A67F59"/>
+                </a:solidFill>
+                <a:latin typeface="Liberation Mono"/>
+              </a:rPr>
+              <a:t>*</a:t>
+            </a:r>
+            <a:r>
+              <a:rPr lang="en-US" dirty="0">
+                <a:latin typeface="Liberation Mono"/>
+                <a:cs typeface="Arial" panose="020B0604020202020204" pitchFamily="34" charset="0"/>
+              </a:rPr>
+              <a:t> </a:t>
+            </a:r>
+            <a:r>
+              <a:rPr lang="en-US" dirty="0">
+                <a:solidFill>
+                  <a:srgbClr val="0077AA"/>
+                </a:solidFill>
+                <a:latin typeface="Liberation Mono"/>
+                <a:cs typeface="Arial" panose="020B0604020202020204" pitchFamily="34" charset="0"/>
+              </a:rPr>
+              <a:t>FROM</a:t>
+            </a:r>
+            <a:r>
+              <a:rPr lang="en-US" dirty="0">
+                <a:latin typeface="Liberation Mono"/>
+                <a:cs typeface="Arial" panose="020B0604020202020204" pitchFamily="34" charset="0"/>
+              </a:rPr>
+              <a:t> emp </a:t>
+            </a:r>
+            <a:r>
+              <a:rPr lang="en-US" dirty="0">
+                <a:solidFill>
+                  <a:srgbClr val="0077AA"/>
+                </a:solidFill>
+                <a:latin typeface="Liberation Mono"/>
+                <a:cs typeface="Arial" panose="020B0604020202020204" pitchFamily="34" charset="0"/>
+              </a:rPr>
+              <a:t>OFFSET </a:t>
+            </a:r>
+            <a:r>
+              <a:rPr lang="en-US" dirty="0">
+                <a:solidFill>
+                  <a:srgbClr val="990055"/>
+                </a:solidFill>
+                <a:latin typeface="Liberation Mono"/>
+              </a:rPr>
+              <a:t>2</a:t>
+            </a:r>
+            <a:r>
+              <a:rPr lang="en-US" dirty="0">
+                <a:solidFill>
+                  <a:srgbClr val="0077AA"/>
+                </a:solidFill>
+                <a:latin typeface="Liberation Mono"/>
+                <a:cs typeface="Arial" panose="020B0604020202020204" pitchFamily="34" charset="0"/>
+              </a:rPr>
+              <a:t> ROWS</a:t>
+            </a:r>
+            <a:r>
+              <a:rPr lang="en-US" dirty="0">
+                <a:latin typeface="Liberation Mono"/>
+                <a:cs typeface="Arial" panose="020B0604020202020204" pitchFamily="34" charset="0"/>
+              </a:rPr>
+              <a:t> </a:t>
+            </a:r>
+            <a:r>
+              <a:rPr lang="en-US" dirty="0">
+                <a:solidFill>
+                  <a:srgbClr val="0077AA"/>
+                </a:solidFill>
+                <a:latin typeface="Liberation Mono"/>
+                <a:cs typeface="Arial" panose="020B0604020202020204" pitchFamily="34" charset="0"/>
+              </a:rPr>
+              <a:t>FETCH</a:t>
+            </a:r>
+            <a:r>
+              <a:rPr lang="en-US" dirty="0">
+                <a:latin typeface="Liberation Mono"/>
+                <a:cs typeface="Arial" panose="020B0604020202020204" pitchFamily="34" charset="0"/>
+              </a:rPr>
+              <a:t> </a:t>
+            </a:r>
+            <a:r>
+              <a:rPr lang="en-US" dirty="0">
+                <a:solidFill>
+                  <a:srgbClr val="0077AA"/>
+                </a:solidFill>
+                <a:latin typeface="Liberation Mono"/>
+                <a:cs typeface="Arial" panose="020B0604020202020204" pitchFamily="34" charset="0"/>
+              </a:rPr>
+              <a:t>FIRST</a:t>
+            </a:r>
+            <a:r>
+              <a:rPr lang="en-US" dirty="0">
+                <a:latin typeface="Liberation Mono"/>
+                <a:cs typeface="Arial" panose="020B0604020202020204" pitchFamily="34" charset="0"/>
+              </a:rPr>
+              <a:t> </a:t>
+            </a:r>
+            <a:r>
+              <a:rPr lang="en-US" dirty="0">
+                <a:solidFill>
+                  <a:srgbClr val="990055"/>
+                </a:solidFill>
+                <a:latin typeface="Liberation Mono"/>
+              </a:rPr>
+              <a:t>4</a:t>
+            </a:r>
+            <a:r>
+              <a:rPr lang="en-US" dirty="0">
+                <a:latin typeface="Liberation Mono"/>
+                <a:cs typeface="Arial" panose="020B0604020202020204" pitchFamily="34" charset="0"/>
+              </a:rPr>
+              <a:t> </a:t>
+            </a:r>
+            <a:r>
+              <a:rPr lang="en-US" dirty="0">
+                <a:solidFill>
+                  <a:srgbClr val="0077AA"/>
+                </a:solidFill>
+                <a:latin typeface="Liberation Mono"/>
+                <a:cs typeface="Arial" panose="020B0604020202020204" pitchFamily="34" charset="0"/>
+              </a:rPr>
+              <a:t>ROWS</a:t>
+            </a:r>
+            <a:r>
+              <a:rPr lang="en-US" dirty="0">
+                <a:latin typeface="Liberation Mono"/>
+                <a:cs typeface="Arial" panose="020B0604020202020204" pitchFamily="34" charset="0"/>
+              </a:rPr>
+              <a:t> </a:t>
+            </a:r>
+            <a:r>
+              <a:rPr lang="en-US" dirty="0">
+                <a:solidFill>
+                  <a:srgbClr val="0077AA"/>
+                </a:solidFill>
+                <a:latin typeface="Liberation Mono"/>
+                <a:cs typeface="Arial" panose="020B0604020202020204" pitchFamily="34" charset="0"/>
+              </a:rPr>
+              <a:t>ONLY</a:t>
+            </a:r>
+            <a:r>
+              <a:rPr lang="en-US" dirty="0">
+                <a:latin typeface="Liberation Mono"/>
+                <a:cs typeface="Arial" panose="020B0604020202020204" pitchFamily="34" charset="0"/>
+              </a:rPr>
+              <a:t>;</a:t>
+            </a:r>
+          </a:p>
           <a:p>
             <a:pPr marL="285750" indent="-285750">
               <a:buFont typeface="Arial" panose="020B0604020202020204" pitchFamily="34" charset="0"/>
               <a:buChar char="•"/>
             </a:pPr>
-            <a:r>
-              <a:rPr lang="en-US" dirty="0">
-                <a:solidFill>
-                  <a:srgbClr val="0077AA"/>
-                </a:solidFill>
-                <a:latin typeface="Liberation Mono"/>
-                <a:cs typeface="Arial" panose="020B0604020202020204" pitchFamily="34" charset="0"/>
-              </a:rPr>
-              <a:t>SELECT</a:t>
-            </a:r>
-            <a:r>
-              <a:rPr lang="en-US" dirty="0">
-                <a:latin typeface="Liberation Mono"/>
-                <a:cs typeface="Arial" panose="020B0604020202020204" pitchFamily="34" charset="0"/>
-              </a:rPr>
-              <a:t> </a:t>
-            </a:r>
-            <a:r>
-              <a:rPr lang="en-US" dirty="0">
-                <a:solidFill>
-                  <a:srgbClr val="A67F59"/>
-                </a:solidFill>
-                <a:latin typeface="Liberation Mono"/>
-              </a:rPr>
-              <a:t>*</a:t>
-            </a:r>
-            <a:r>
-              <a:rPr lang="en-US" dirty="0">
-                <a:latin typeface="Liberation Mono"/>
-                <a:cs typeface="Arial" panose="020B0604020202020204" pitchFamily="34" charset="0"/>
-              </a:rPr>
-              <a:t> </a:t>
-            </a:r>
-            <a:r>
-              <a:rPr lang="en-US" dirty="0">
-                <a:solidFill>
-                  <a:srgbClr val="0077AA"/>
-                </a:solidFill>
-                <a:latin typeface="Liberation Mono"/>
-                <a:cs typeface="Arial" panose="020B0604020202020204" pitchFamily="34" charset="0"/>
-              </a:rPr>
-              <a:t>FROM</a:t>
-            </a:r>
-            <a:r>
-              <a:rPr lang="en-US" dirty="0">
-                <a:latin typeface="Liberation Mono"/>
-                <a:cs typeface="Arial" panose="020B0604020202020204" pitchFamily="34" charset="0"/>
-              </a:rPr>
-              <a:t> emp </a:t>
-            </a:r>
-            <a:r>
-              <a:rPr lang="en-US" dirty="0">
-                <a:solidFill>
-                  <a:srgbClr val="0077AA"/>
-                </a:solidFill>
-                <a:latin typeface="Liberation Mono"/>
-                <a:cs typeface="Arial" panose="020B0604020202020204" pitchFamily="34" charset="0"/>
-              </a:rPr>
-              <a:t>ORDER</a:t>
-            </a:r>
-            <a:r>
-              <a:rPr lang="en-US" dirty="0">
-                <a:latin typeface="Liberation Mono"/>
-                <a:cs typeface="Arial" panose="020B0604020202020204" pitchFamily="34" charset="0"/>
-              </a:rPr>
-              <a:t> </a:t>
-            </a:r>
-            <a:r>
-              <a:rPr lang="en-US" dirty="0">
-                <a:solidFill>
-                  <a:srgbClr val="0077AA"/>
-                </a:solidFill>
-                <a:latin typeface="Liberation Mono"/>
-                <a:cs typeface="Arial" panose="020B0604020202020204" pitchFamily="34" charset="0"/>
-              </a:rPr>
-              <a:t>BY</a:t>
-            </a:r>
-            <a:r>
-              <a:rPr lang="en-US" dirty="0">
-                <a:latin typeface="Liberation Mono"/>
-                <a:cs typeface="Arial" panose="020B0604020202020204" pitchFamily="34" charset="0"/>
-              </a:rPr>
-              <a:t> job </a:t>
-            </a:r>
-            <a:r>
-              <a:rPr lang="en-US" dirty="0">
-                <a:solidFill>
-                  <a:srgbClr val="0077AA"/>
-                </a:solidFill>
-                <a:latin typeface="Liberation Mono"/>
-                <a:cs typeface="Arial" panose="020B0604020202020204" pitchFamily="34" charset="0"/>
-              </a:rPr>
-              <a:t>FETCH</a:t>
-            </a:r>
-            <a:r>
-              <a:rPr lang="en-US" dirty="0">
-                <a:latin typeface="Liberation Mono"/>
-                <a:cs typeface="Arial" panose="020B0604020202020204" pitchFamily="34" charset="0"/>
-              </a:rPr>
-              <a:t> </a:t>
-            </a:r>
-            <a:r>
-              <a:rPr lang="en-US" dirty="0">
-                <a:solidFill>
-                  <a:srgbClr val="0077AA"/>
-                </a:solidFill>
-                <a:latin typeface="Liberation Mono"/>
-                <a:cs typeface="Arial" panose="020B0604020202020204" pitchFamily="34" charset="0"/>
-              </a:rPr>
-              <a:t>FIRST</a:t>
-            </a:r>
-            <a:r>
-              <a:rPr lang="en-US" dirty="0">
-                <a:latin typeface="Liberation Mono"/>
-                <a:cs typeface="Arial" panose="020B0604020202020204" pitchFamily="34" charset="0"/>
-              </a:rPr>
-              <a:t> </a:t>
-            </a:r>
-            <a:r>
-              <a:rPr lang="en-US" dirty="0">
-                <a:solidFill>
-                  <a:srgbClr val="990055"/>
-                </a:solidFill>
-                <a:latin typeface="Liberation Mono"/>
-              </a:rPr>
-              <a:t>4</a:t>
-            </a:r>
-            <a:r>
-              <a:rPr lang="en-US" dirty="0">
-                <a:latin typeface="Liberation Mono"/>
-                <a:cs typeface="Arial" panose="020B0604020202020204" pitchFamily="34" charset="0"/>
-              </a:rPr>
-              <a:t> </a:t>
-            </a:r>
-            <a:r>
-              <a:rPr lang="en-US" dirty="0">
-                <a:solidFill>
-                  <a:srgbClr val="0077AA"/>
-                </a:solidFill>
-                <a:latin typeface="Liberation Mono"/>
-                <a:cs typeface="Arial" panose="020B0604020202020204" pitchFamily="34" charset="0"/>
-              </a:rPr>
-              <a:t>ROWS</a:t>
-            </a:r>
-            <a:r>
-              <a:rPr lang="en-US" dirty="0">
-                <a:latin typeface="Liberation Mono"/>
-                <a:cs typeface="Arial" panose="020B0604020202020204" pitchFamily="34" charset="0"/>
-              </a:rPr>
-              <a:t> </a:t>
-            </a:r>
-            <a:r>
-              <a:rPr lang="en-US" dirty="0">
-                <a:solidFill>
-                  <a:srgbClr val="0077AA"/>
-                </a:solidFill>
-                <a:latin typeface="Liberation Mono"/>
-                <a:cs typeface="Arial" panose="020B0604020202020204" pitchFamily="34" charset="0"/>
-              </a:rPr>
-              <a:t>WITH</a:t>
-            </a:r>
-            <a:r>
-              <a:rPr lang="en-US" dirty="0">
-                <a:latin typeface="Liberation Mono"/>
-                <a:cs typeface="Arial" panose="020B0604020202020204" pitchFamily="34" charset="0"/>
-              </a:rPr>
-              <a:t> </a:t>
-            </a:r>
-            <a:r>
-              <a:rPr lang="en-US" dirty="0">
-                <a:solidFill>
-                  <a:srgbClr val="0077AA"/>
-                </a:solidFill>
-                <a:latin typeface="Liberation Mono"/>
-                <a:cs typeface="Arial" panose="020B0604020202020204" pitchFamily="34" charset="0"/>
-              </a:rPr>
-              <a:t>TIES</a:t>
-            </a:r>
-            <a:r>
-              <a:rPr lang="en-US" dirty="0">
-                <a:latin typeface="Liberation Mono"/>
-                <a:cs typeface="Arial" panose="020B0604020202020204" pitchFamily="34" charset="0"/>
-              </a:rPr>
-              <a:t>; </a:t>
-            </a:r>
-            <a:r>
-              <a:rPr lang="en-US" dirty="0">
-                <a:solidFill>
-                  <a:srgbClr val="39AE0A"/>
-                </a:solidFill>
-                <a:latin typeface="Liberation Mono"/>
-                <a:cs typeface="Arial" panose="020B0604020202020204" pitchFamily="34" charset="0"/>
-              </a:rPr>
-              <a:t>// with duplicates</a:t>
-            </a:r>
-          </a:p>
-          <a:p>
-            <a:pPr marL="285750" indent="-285750">
-              <a:buFont typeface="Arial" panose="020B0604020202020204" pitchFamily="34" charset="0"/>
-              <a:buChar char="•"/>
-            </a:pPr>
-            <a:endParaRPr lang="en-US" sz="600" dirty="0">
+            <a:endParaRPr lang="en-US" dirty="0">
               <a:solidFill>
                 <a:srgbClr val="39AE0A"/>
               </a:solidFill>
@@ -44292,6 +44706,18 @@
             </a:endParaRPr>
           </a:p>
           <a:p>
+            <a:r>
+              <a:rPr lang="en-US" sz="2000" b="1" i="1" dirty="0">
+                <a:latin typeface="Liberation Mono"/>
+              </a:rPr>
+              <a:t>To print the last record</a:t>
+            </a:r>
+            <a:endParaRPr lang="en-US" sz="2000" b="1" i="1" dirty="0">
+              <a:latin typeface="Liberation Mono"/>
+              <a:cs typeface="Arial" panose="020B0604020202020204" pitchFamily="34" charset="0"/>
+            </a:endParaRPr>
+          </a:p>
+          <a:p>
             <a:pPr marL="285750" indent="-285750">
               <a:buFont typeface="Arial" panose="020B0604020202020204" pitchFamily="34" charset="0"/>
               <a:buChar char="•"/>
@@ -44315,18 +44741,71 @@
             <a:r>
               <a:rPr lang="en-US" dirty="0">
                 <a:solidFill>
+                  <a:srgbClr val="0077AA"/>
+                </a:solidFill>
+                <a:latin typeface="Liberation Mono"/>
+                <a:cs typeface="Arial" panose="020B0604020202020204" pitchFamily="34" charset="0"/>
+              </a:rPr>
+              <a:t>SELECT</a:t>
+            </a:r>
+            <a:r>
+              <a:rPr lang="en-US" dirty="0">
+                <a:latin typeface="Liberation Mono"/>
+              </a:rPr>
+              <a:t> </a:t>
+            </a:r>
+            <a:r>
+              <a:rPr lang="en-US" dirty="0">
+                <a:solidFill>
+                  <a:srgbClr val="803A69"/>
+                </a:solidFill>
+                <a:latin typeface="Liberation Mono"/>
+              </a:rPr>
+              <a:t>COUNT</a:t>
+            </a:r>
+            <a:r>
+              <a:rPr lang="en-US" dirty="0">
+                <a:latin typeface="Liberation Mono"/>
+              </a:rPr>
+              <a:t>(*) - </a:t>
+            </a:r>
+            <a:r>
+              <a:rPr lang="en-US" dirty="0">
+                <a:solidFill>
                   <a:srgbClr val="990055"/>
                 </a:solidFill>
                 <a:latin typeface="Liberation Mono"/>
               </a:rPr>
-              <a:t>4</a:t>
-            </a:r>
-            <a:r>
-              <a:rPr lang="en-US" dirty="0">
-                <a:latin typeface="Liberation Mono"/>
-              </a:rPr>
-              <a:t>;</a:t>
-            </a:r>
+              <a:t>1</a:t>
+            </a:r>
+            <a:r>
+              <a:rPr lang="en-US" dirty="0">
+                <a:latin typeface="Liberation Mono"/>
+              </a:rPr>
+              <a:t> </a:t>
+            </a:r>
+            <a:r>
+              <a:rPr lang="en-US" dirty="0">
+                <a:solidFill>
+                  <a:srgbClr val="0077AA"/>
+                </a:solidFill>
+                <a:latin typeface="Liberation Mono"/>
+                <a:cs typeface="Arial" panose="020B0604020202020204" pitchFamily="34" charset="0"/>
+              </a:rPr>
+              <a:t>FROM</a:t>
+            </a:r>
+            <a:r>
+              <a:rPr lang="en-US" dirty="0">
+                <a:latin typeface="Liberation Mono"/>
+              </a:rPr>
+              <a:t> emp; </a:t>
+            </a:r>
+            <a:endParaRPr lang="en-US" b="1" dirty="0">
+              <a:solidFill>
+                <a:srgbClr val="C00000"/>
+              </a:solidFill>
+              <a:latin typeface="Liberation Mono"/>
+            </a:endParaRPr>
           </a:p>
           <a:p>
             <a:pPr marL="285750" indent="-285750">
@@ -44381,13 +44860,13 @@
                 <a:latin typeface="Liberation Mono"/>
                 <a:cs typeface="Arial" panose="020B0604020202020204" pitchFamily="34" charset="0"/>
               </a:rPr>
-              <a:t>EXCEPT</a:t>
-            </a:r>
-            <a:r>
-              <a:rPr lang="en-US" dirty="0">
-                <a:latin typeface="Liberation Mono"/>
-              </a:rPr>
-              <a:t>(`user name`, pwd) </a:t>
+              <a:t>FROM</a:t>
+            </a:r>
+            <a:r>
+              <a:rPr lang="en-US" dirty="0">
+                <a:latin typeface="Liberation Mono"/>
+              </a:rPr>
+              <a:t> emp </a:t>
             </a:r>
             <a:r>
               <a:rPr lang="en-US" dirty="0">
@@ -44397,6 +44876,273 @@
                 <a:latin typeface="Liberation Mono"/>
                 <a:cs typeface="Arial" panose="020B0604020202020204" pitchFamily="34" charset="0"/>
               </a:rPr>
+              <a:t>OFFSET</a:t>
+            </a:r>
+            <a:r>
+              <a:rPr lang="en-US" dirty="0">
+                <a:latin typeface="Liberation Mono"/>
+              </a:rPr>
+              <a:t> @X </a:t>
+            </a:r>
+            <a:r>
+              <a:rPr lang="en-US" dirty="0">
+                <a:solidFill>
+                  <a:srgbClr val="0077AA"/>
+                </a:solidFill>
+                <a:latin typeface="Liberation Mono"/>
+                <a:cs typeface="Arial" panose="020B0604020202020204" pitchFamily="34" charset="0"/>
+              </a:rPr>
+              <a:t>ROW</a:t>
+            </a:r>
+            <a:r>
+              <a:rPr lang="en-US" dirty="0">
+                <a:latin typeface="Liberation Mono"/>
+              </a:rPr>
+              <a:t> </a:t>
+            </a:r>
+            <a:r>
+              <a:rPr lang="en-US" dirty="0">
+                <a:solidFill>
+                  <a:srgbClr val="0077AA"/>
+                </a:solidFill>
+                <a:latin typeface="Liberation Mono"/>
+                <a:cs typeface="Arial" panose="020B0604020202020204" pitchFamily="34" charset="0"/>
+              </a:rPr>
+              <a:t>FETCH</a:t>
+            </a:r>
+            <a:r>
+              <a:rPr lang="en-US" dirty="0">
+                <a:latin typeface="Liberation Mono"/>
+              </a:rPr>
+              <a:t> </a:t>
+            </a:r>
+            <a:r>
+              <a:rPr lang="en-US" dirty="0">
+                <a:solidFill>
+                  <a:srgbClr val="0077AA"/>
+                </a:solidFill>
+                <a:latin typeface="Liberation Mono"/>
+                <a:cs typeface="Arial" panose="020B0604020202020204" pitchFamily="34" charset="0"/>
+              </a:rPr>
+              <a:t>FIRST</a:t>
+            </a:r>
+            <a:r>
+              <a:rPr lang="en-US" dirty="0">
+                <a:latin typeface="Liberation Mono"/>
+              </a:rPr>
+              <a:t> </a:t>
+            </a:r>
+            <a:r>
+              <a:rPr lang="en-US" dirty="0">
+                <a:solidFill>
+                  <a:srgbClr val="990055"/>
+                </a:solidFill>
+                <a:latin typeface="Liberation Mono"/>
+              </a:rPr>
+              <a:t>1</a:t>
+            </a:r>
+            <a:r>
+              <a:rPr lang="en-US" dirty="0">
+                <a:latin typeface="Liberation Mono"/>
+              </a:rPr>
+              <a:t> </a:t>
+            </a:r>
+            <a:r>
+              <a:rPr lang="en-US" dirty="0">
+                <a:solidFill>
+                  <a:srgbClr val="0077AA"/>
+                </a:solidFill>
+                <a:latin typeface="Liberation Mono"/>
+                <a:cs typeface="Arial" panose="020B0604020202020204" pitchFamily="34" charset="0"/>
+              </a:rPr>
+              <a:t>ROW</a:t>
+            </a:r>
+            <a:r>
+              <a:rPr lang="en-US" dirty="0">
+                <a:latin typeface="Liberation Mono"/>
+              </a:rPr>
+              <a:t> </a:t>
+            </a:r>
+            <a:r>
+              <a:rPr lang="en-US" dirty="0">
+                <a:solidFill>
+                  <a:srgbClr val="0077AA"/>
+                </a:solidFill>
+                <a:latin typeface="Liberation Mono"/>
+                <a:cs typeface="Arial" panose="020B0604020202020204" pitchFamily="34" charset="0"/>
+              </a:rPr>
+              <a:t>ONLY</a:t>
+            </a:r>
+            <a:r>
+              <a:rPr lang="en-US" dirty="0">
+                <a:latin typeface="Liberation Mono"/>
+              </a:rPr>
+              <a:t>;</a:t>
+            </a:r>
+          </a:p>
+          <a:p>
+            <a:pPr marL="285750" indent="-285750">
+              <a:buFont typeface="Arial" panose="020B0604020202020204" pitchFamily="34" charset="0"/>
+              <a:buChar char="•"/>
+            </a:pPr>
+            <a:endParaRPr lang="en-US" dirty="0">
+              <a:latin typeface="Liberation Mono"/>
+            </a:endParaRPr>
+          </a:p>
+          <a:p>
+            <a:r>
+              <a:rPr lang="en-US" sz="1800" b="1" i="1" dirty="0">
+                <a:latin typeface="Liberation Mono"/>
+              </a:rPr>
+              <a:t>To print 8 rows after leaving first 4 rows</a:t>
+            </a:r>
+            <a:endParaRPr lang="en-US" b="1" i="1" dirty="0">
+              <a:latin typeface="Liberation Mono"/>
+            </a:endParaRPr>
+          </a:p>
+          <a:p>
+            <a:pPr marL="285750" indent="-285750">
+              <a:buFont typeface="Arial" panose="020B0604020202020204" pitchFamily="34" charset="0"/>
+              <a:buChar char="•"/>
+            </a:pPr>
+            <a:r>
+              <a:rPr lang="en-US" dirty="0">
+                <a:solidFill>
+                  <a:srgbClr val="0077AA"/>
+                </a:solidFill>
+                <a:latin typeface="Liberation Mono"/>
+                <a:cs typeface="Arial" panose="020B0604020202020204" pitchFamily="34" charset="0"/>
+              </a:rPr>
+              <a:t>SET</a:t>
+            </a:r>
+            <a:r>
+              <a:rPr lang="en-US" dirty="0">
+                <a:latin typeface="Liberation Mono"/>
+              </a:rPr>
+              <a:t> @X = </a:t>
+            </a:r>
+            <a:r>
+              <a:rPr lang="en-US" dirty="0">
+                <a:solidFill>
+                  <a:srgbClr val="990055"/>
+                </a:solidFill>
+                <a:latin typeface="Liberation Mono"/>
+              </a:rPr>
+              <a:t>4</a:t>
+            </a:r>
+            <a:r>
+              <a:rPr lang="en-US" dirty="0">
+                <a:latin typeface="Liberation Mono"/>
+              </a:rPr>
+              <a:t>; </a:t>
+            </a:r>
+            <a:r>
+              <a:rPr lang="en-US" dirty="0">
+                <a:solidFill>
+                  <a:srgbClr val="0077AA"/>
+                </a:solidFill>
+                <a:latin typeface="Liberation Mono"/>
+                <a:cs typeface="Arial" panose="020B0604020202020204" pitchFamily="34" charset="0"/>
+              </a:rPr>
+              <a:t>SET</a:t>
+            </a:r>
+            <a:r>
+              <a:rPr lang="en-US" dirty="0">
+                <a:latin typeface="Liberation Mono"/>
+              </a:rPr>
+              <a:t> @Y = </a:t>
+            </a:r>
+            <a:r>
+              <a:rPr lang="en-US" dirty="0">
+                <a:solidFill>
+                  <a:srgbClr val="990055"/>
+                </a:solidFill>
+                <a:latin typeface="Liberation Mono"/>
+              </a:rPr>
+              <a:t>8</a:t>
+            </a:r>
+            <a:r>
+              <a:rPr lang="en-US" dirty="0">
+                <a:latin typeface="Liberation Mono"/>
+              </a:rPr>
+              <a:t>;</a:t>
+            </a:r>
+            <a:endParaRPr lang="en-US" dirty="0">
+              <a:solidFill>
+                <a:srgbClr val="990055"/>
+              </a:solidFill>
+              <a:latin typeface="Liberation Mono"/>
+            </a:endParaRPr>
+          </a:p>
+          <a:p>
+            <a:pPr marL="285750" indent="-285750">
+              <a:buFont typeface="Arial" panose="020B0604020202020204" pitchFamily="34" charset="0"/>
+              <a:buChar char="•"/>
+            </a:pPr>
+            <a:endParaRPr lang="en-US" sz="600" dirty="0">
+              <a:latin typeface="Liberation Mono"/>
+            </a:endParaRPr>
+          </a:p>
+          <a:p>
+            <a:pPr marL="285750" indent="-285750">
+              <a:buFont typeface="Arial" panose="020B0604020202020204" pitchFamily="34" charset="0"/>
+              <a:buChar char="•"/>
+            </a:pPr>
+            <a:r>
+              <a:rPr lang="en-US" dirty="0">
+                <a:solidFill>
+                  <a:srgbClr val="0077AA"/>
+                </a:solidFill>
+                <a:latin typeface="Liberation Mono"/>
+                <a:cs typeface="Arial" panose="020B0604020202020204" pitchFamily="34" charset="0"/>
+              </a:rPr>
+              <a:t>SELECT </a:t>
+            </a:r>
+            <a:r>
+              <a:rPr lang="en-US" dirty="0">
+                <a:solidFill>
+                  <a:srgbClr val="803A69"/>
+                </a:solidFill>
+                <a:latin typeface="Liberation Mono"/>
+              </a:rPr>
+              <a:t>ROWNUM</a:t>
+            </a:r>
+            <a:r>
+              <a:rPr lang="en-US" dirty="0">
+                <a:latin typeface="Liberation Mono"/>
+                <a:cs typeface="Arial" panose="020B0604020202020204" pitchFamily="34" charset="0"/>
+              </a:rPr>
+              <a:t>(),</a:t>
+            </a:r>
+            <a:r>
+              <a:rPr lang="en-US" dirty="0">
+                <a:latin typeface="Liberation Mono"/>
+              </a:rPr>
+              <a:t> </a:t>
+            </a:r>
+            <a:r>
+              <a:rPr lang="en-US" dirty="0">
+                <a:solidFill>
+                  <a:srgbClr val="A67F59"/>
+                </a:solidFill>
+                <a:latin typeface="Liberation Mono"/>
+              </a:rPr>
+              <a:t>*</a:t>
+            </a:r>
+            <a:r>
+              <a:rPr lang="en-US" dirty="0">
+                <a:latin typeface="Liberation Mono"/>
+              </a:rPr>
+              <a:t> </a:t>
+            </a:r>
+            <a:r>
+              <a:rPr lang="en-US" dirty="0">
+                <a:solidFill>
+                  <a:srgbClr val="0077AA"/>
+                </a:solidFill>
+                <a:latin typeface="Liberation Mono"/>
+                <a:cs typeface="Arial" panose="020B0604020202020204" pitchFamily="34" charset="0"/>
+              </a:rPr>
               <a:t>FROM</a:t>
             </a:r>
             <a:r>
@@ -44413,7 +45159,23 @@
                 <a:latin typeface="Liberation Mono"/>
                 <a:cs typeface="Arial" panose="020B0604020202020204" pitchFamily="34" charset="0"/>
               </a:rPr>
-              <a:t>ORDER</a:t>
+              <a:t>OFFSET</a:t>
+            </a:r>
+            <a:r>
+              <a:rPr lang="en-US" dirty="0">
+                <a:latin typeface="Liberation Mono"/>
+              </a:rPr>
+              <a:t> @X </a:t>
+            </a:r>
+            <a:r>
+              <a:rPr lang="en-US" dirty="0">
+                <a:solidFill>
+                  <a:srgbClr val="0077AA"/>
+                </a:solidFill>
+                <a:latin typeface="Liberation Mono"/>
+                <a:cs typeface="Arial" panose="020B0604020202020204" pitchFamily="34" charset="0"/>
+              </a:rPr>
+              <a:t>ROW</a:t>
             </a:r>
             <a:r>
               <a:rPr lang="en-US" dirty="0">
@@ -44429,13 +45191,13 @@
                 <a:latin typeface="Liberation Mono"/>
                 <a:cs typeface="Arial" panose="020B0604020202020204" pitchFamily="34" charset="0"/>
               </a:rPr>
-              <a:t>BY</a:t>
-            </a:r>
-            <a:r>
-              <a:rPr lang="en-US" dirty="0">
-                <a:latin typeface="Liberation Mono"/>
-              </a:rPr>
-              <a:t> job </a:t>
+              <a:t>FETCH</a:t>
+            </a:r>
+            <a:r>
+              <a:rPr lang="en-US" dirty="0">
+                <a:latin typeface="Liberation Mono"/>
+              </a:rPr>
+              <a:t> </a:t>
             </a:r>
             <a:r>
               <a:rPr lang="en-US" dirty="0">
@@ -44445,7 +45207,23 @@
                 <a:latin typeface="Liberation Mono"/>
                 <a:cs typeface="Arial" panose="020B0604020202020204" pitchFamily="34" charset="0"/>
               </a:rPr>
-              <a:t>FETCH</a:t>
+              <a:t>FIRST</a:t>
+            </a:r>
+            <a:r>
+              <a:rPr lang="en-US" dirty="0">
+                <a:latin typeface="Liberation Mono"/>
+              </a:rPr>
+              <a:t> @Y </a:t>
+            </a:r>
+            <a:r>
+              <a:rPr lang="en-US" dirty="0">
+                <a:solidFill>
+                  <a:srgbClr val="0077AA"/>
+                </a:solidFill>
+                <a:latin typeface="Liberation Mono"/>
+                <a:cs typeface="Arial" panose="020B0604020202020204" pitchFamily="34" charset="0"/>
+              </a:rPr>
+              <a:t>ROW</a:t>
             </a:r>
             <a:r>
               <a:rPr lang="en-US" dirty="0">
@@ -44461,55 +45239,7 @@
                 <a:latin typeface="Liberation Mono"/>
                 <a:cs typeface="Arial" panose="020B0604020202020204" pitchFamily="34" charset="0"/>
               </a:rPr>
-              <a:t>FIRST</a:t>
-            </a:r>
-            <a:r>
-              <a:rPr lang="en-US" dirty="0">
-                <a:latin typeface="Liberation Mono"/>
-              </a:rPr>
-              <a:t> @X </a:t>
-            </a:r>
-            <a:r>
-              <a:rPr lang="en-US" dirty="0">
-                <a:solidFill>
-                  <a:srgbClr val="0077AA"/>
-                </a:solidFill>
-                <a:latin typeface="Liberation Mono"/>
-                <a:cs typeface="Arial" panose="020B0604020202020204" pitchFamily="34" charset="0"/>
-              </a:rPr>
-              <a:t>ROWS</a:t>
-            </a:r>
-            <a:r>
-              <a:rPr lang="en-US" dirty="0">
-                <a:latin typeface="Liberation Mono"/>
-              </a:rPr>
-              <a:t> </a:t>
-            </a:r>
-            <a:r>
-              <a:rPr lang="en-US" dirty="0">
-                <a:solidFill>
-                  <a:srgbClr val="0077AA"/>
-                </a:solidFill>
-                <a:latin typeface="Liberation Mono"/>
-                <a:cs typeface="Arial" panose="020B0604020202020204" pitchFamily="34" charset="0"/>
-              </a:rPr>
-              <a:t>WITH</a:t>
-            </a:r>
-            <a:r>
-              <a:rPr lang="en-US" dirty="0">
-                <a:latin typeface="Liberation Mono"/>
-              </a:rPr>
-              <a:t> </a:t>
-            </a:r>
-            <a:r>
-              <a:rPr lang="en-US" dirty="0">
-                <a:solidFill>
-                  <a:srgbClr val="0077AA"/>
-                </a:solidFill>
-                <a:latin typeface="Liberation Mono"/>
-                <a:cs typeface="Arial" panose="020B0604020202020204" pitchFamily="34" charset="0"/>
-              </a:rPr>
-              <a:t>TIES</a:t>
+              <a:t>ONLY</a:t>
             </a:r>
             <a:r>
               <a:rPr lang="en-US" dirty="0">
@@ -44526,249 +45256,7 @@
     </p:spTree>
     <p:extLst>
       <p:ext uri="{BB962C8B-B14F-4D97-AF65-F5344CB8AC3E}">
-        <p14:creationId xmlns:p14="http://schemas.microsoft.com/office/powerpoint/2010/main" val="3131046414"/>
-      </p:ext>
-    </p:extLst>
-  </p:cSld>
-  <p:clrMapOvr>
-    <a:masterClrMapping/>
-  </p:clrMapOvr>
-</p:sld>
-</file>
-
-<file path=ppt/slides/slide68.xml><?xml version="1.0" encoding="utf-8"?>
-<p:sld xmlns:a="http://schemas.openxmlformats.org/drawingml/2006/main" xmlns:r="http://schemas.openxmlformats.org/officeDocument/2006/relationships" xmlns:p="http://schemas.openxmlformats.org/presentationml/2006/main">
-  <p:cSld>
-    <p:spTree>
-      <p:nvGrpSpPr>
-        <p:cNvPr id="1" name=""/>
-        <p:cNvGrpSpPr/>
-        <p:nvPr/>
-      </p:nvGrpSpPr>
-      <p:grpSpPr>
-        <a:xfrm>
-          <a:off x="0" y="0"/>
-          <a:ext cx="0" cy="0"/>
-          <a:chOff x="0" y="0"/>
-          <a:chExt cx="0" cy="0"/>
-        </a:xfrm>
-      </p:grpSpPr>
-      <p:pic>
-        <p:nvPicPr>
-          <p:cNvPr id="1026" name="Picture 2" descr="mysql limit offset"/>
-          <p:cNvPicPr>
-            <a:picLocks noChangeAspect="1" noChangeArrowheads="1"/>
-          </p:cNvPicPr>
-          <p:nvPr/>
-        </p:nvPicPr>
-        <p:blipFill>
-          <a:blip r:embed="rId2" cstate="print">
-            <a:extLst>
-              <a:ext uri="{28A0092B-C50C-407E-A947-70E740481C1C}">
-                <a14:useLocalDpi xmlns:a14="http://schemas.microsoft.com/office/drawing/2010/main" val="0"/>
-              </a:ext>
-            </a:extLst>
-          </a:blip>
-          <a:srcRect/>
-          <a:stretch>
-            <a:fillRect/>
-          </a:stretch>
-        </p:blipFill>
-        <p:spPr bwMode="auto">
-          <a:xfrm>
-            <a:off x="191344" y="149954"/>
-            <a:ext cx="4012149" cy="2702982"/>
-          </a:xfrm>
-          <a:prstGeom prst="rect">
-            <a:avLst/>
-          </a:prstGeom>
-          <a:noFill/>
-          <a:extLst>
-            <a:ext uri="{909E8E84-426E-40DD-AFC4-6F175D3DCCD1}">
-              <a14:hiddenFill xmlns:a14="http://schemas.microsoft.com/office/drawing/2010/main">
-                <a:solidFill>
-                  <a:srgbClr val="FFFFFF"/>
-                </a:solidFill>
-              </a14:hiddenFill>
-            </a:ext>
-          </a:extLst>
-        </p:spPr>
-      </p:pic>
-      <p:sp>
-        <p:nvSpPr>
-          <p:cNvPr id="2" name="Title 1"/>
-          <p:cNvSpPr txBox="1">
-            <a:spLocks/>
-          </p:cNvSpPr>
-          <p:nvPr/>
-        </p:nvSpPr>
-        <p:spPr>
-          <a:xfrm>
-            <a:off x="1676977" y="2286000"/>
-            <a:ext cx="8838049" cy="914400"/>
-          </a:xfrm>
-          <a:prstGeom prst="rect">
-            <a:avLst/>
-          </a:prstGeom>
-        </p:spPr>
-        <p:txBody>
-          <a:bodyPr>
-            <a:normAutofit/>
-          </a:bodyPr>
-          <a:lstStyle/>
-          <a:p>
-            <a:pPr lvl="0" algn="ctr">
-              <a:spcBef>
-                <a:spcPct val="0"/>
-              </a:spcBef>
-              <a:defRPr/>
-            </a:pPr>
-            <a:r>
-              <a:rPr lang="en-US" sz="4800" dirty="0">
-                <a:solidFill>
-                  <a:srgbClr val="DC525C"/>
-                </a:solidFill>
-                <a:latin typeface="Segoe UI Light" panose="020B0502040204020203" pitchFamily="34" charset="0"/>
-                <a:cs typeface="Segoe UI Light" panose="020B0502040204020203" pitchFamily="34" charset="0"/>
-              </a:rPr>
-              <a:t>offset </a:t>
-            </a:r>
-            <a:r>
-              <a:rPr lang="en-US" sz="4800" i="1" dirty="0">
-                <a:solidFill>
-                  <a:srgbClr val="DC525C"/>
-                </a:solidFill>
-                <a:latin typeface="Segoe UI Light" panose="020B0502040204020203" pitchFamily="34" charset="0"/>
-                <a:cs typeface="Segoe UI Light" panose="020B0502040204020203" pitchFamily="34" charset="0"/>
-              </a:rPr>
-              <a:t>n</a:t>
-            </a:r>
-            <a:r>
-              <a:rPr lang="en-US" sz="4800" dirty="0">
-                <a:solidFill>
-                  <a:srgbClr val="DC525C"/>
-                </a:solidFill>
-                <a:latin typeface="Segoe UI Light" panose="020B0502040204020203" pitchFamily="34" charset="0"/>
-                <a:cs typeface="Segoe UI Light" panose="020B0502040204020203" pitchFamily="34" charset="0"/>
-              </a:rPr>
-              <a:t> rows</a:t>
-            </a:r>
-          </a:p>
-        </p:txBody>
-      </p:sp>
-      <p:sp>
-        <p:nvSpPr>
-          <p:cNvPr id="3" name="Rectangle 2"/>
-          <p:cNvSpPr/>
-          <p:nvPr/>
-        </p:nvSpPr>
-        <p:spPr>
-          <a:xfrm>
-            <a:off x="4206050" y="3172906"/>
-            <a:ext cx="4194206" cy="407612"/>
-          </a:xfrm>
-          <a:prstGeom prst="rect">
-            <a:avLst/>
-          </a:prstGeom>
-          <a:solidFill>
-            <a:schemeClr val="bg1"/>
-          </a:solidFill>
-        </p:spPr>
-        <p:txBody>
-          <a:bodyPr wrap="square">
-            <a:spAutoFit/>
-          </a:bodyPr>
-          <a:lstStyle/>
-          <a:p>
-            <a:pPr>
-              <a:lnSpc>
-                <a:spcPct val="107000"/>
-              </a:lnSpc>
-            </a:pPr>
-            <a:r>
-              <a:rPr lang="en-IN" sz="2000" dirty="0">
-                <a:latin typeface="Palatino Linotype" panose="02040502050505030304" pitchFamily="18" charset="0"/>
-                <a:cs typeface="Segoe UI Light" panose="020B0502040204020203" pitchFamily="34" charset="0"/>
-              </a:rPr>
-              <a:t>TODO</a:t>
-            </a:r>
-          </a:p>
-        </p:txBody>
-      </p:sp>
-      <p:sp>
-        <p:nvSpPr>
-          <p:cNvPr id="6" name="Rectangle 5">
-            <a:extLst>
-              <a:ext uri="{FF2B5EF4-FFF2-40B4-BE49-F238E27FC236}">
-                <a16:creationId xmlns:a16="http://schemas.microsoft.com/office/drawing/2014/main" id="{BE48E333-2CAF-4961-BF20-2C1236D91CD9}"/>
-              </a:ext>
-            </a:extLst>
-          </p:cNvPr>
-          <p:cNvSpPr/>
-          <p:nvPr/>
-        </p:nvSpPr>
-        <p:spPr>
-          <a:xfrm>
-            <a:off x="5303913" y="587738"/>
-            <a:ext cx="4723785" cy="400110"/>
-          </a:xfrm>
-          <a:prstGeom prst="rect">
-            <a:avLst/>
-          </a:prstGeom>
-          <a:solidFill>
-            <a:schemeClr val="bg1"/>
-          </a:solidFill>
-        </p:spPr>
-        <p:txBody>
-          <a:bodyPr wrap="square">
-            <a:spAutoFit/>
-          </a:bodyPr>
-          <a:lstStyle/>
-          <a:p>
-            <a:endParaRPr lang="en-IN" sz="2000" dirty="0"/>
-          </a:p>
-        </p:txBody>
-      </p:sp>
-      <p:cxnSp>
-        <p:nvCxnSpPr>
-          <p:cNvPr id="10" name="Straight Connector 9">
-            <a:extLst>
-              <a:ext uri="{FF2B5EF4-FFF2-40B4-BE49-F238E27FC236}">
-                <a16:creationId xmlns:a16="http://schemas.microsoft.com/office/drawing/2014/main" id="{B2360B34-3AC7-4EDB-AB99-341691F49EE2}"/>
-              </a:ext>
-            </a:extLst>
-          </p:cNvPr>
-          <p:cNvCxnSpPr/>
-          <p:nvPr/>
-        </p:nvCxnSpPr>
-        <p:spPr>
-          <a:xfrm>
-            <a:off x="465165" y="6525344"/>
-            <a:ext cx="11089232" cy="0"/>
-          </a:xfrm>
-          <a:prstGeom prst="line">
-            <a:avLst/>
-          </a:prstGeom>
-        </p:spPr>
-        <p:style>
-          <a:lnRef idx="1">
-            <a:schemeClr val="accent1"/>
-          </a:lnRef>
-          <a:fillRef idx="0">
-            <a:schemeClr val="accent1"/>
-          </a:fillRef>
-          <a:effectRef idx="0">
-            <a:schemeClr val="accent1"/>
-          </a:effectRef>
-          <a:fontRef idx="minor">
-            <a:schemeClr val="tx1"/>
-          </a:fontRef>
-        </p:style>
-      </p:cxnSp>
-    </p:spTree>
-    <p:extLst>
-      <p:ext uri="{BB962C8B-B14F-4D97-AF65-F5344CB8AC3E}">
-        <p14:creationId xmlns:p14="http://schemas.microsoft.com/office/powerpoint/2010/main" val="4110173607"/>
+        <p14:creationId xmlns:p14="http://schemas.microsoft.com/office/powerpoint/2010/main" val="2525515652"/>
       </p:ext>
     </p:extLst>
   </p:cSld>
@@ -44826,7 +45314,7 @@
                 <a:latin typeface="Arial" pitchFamily="34" charset="0"/>
                 <a:cs typeface="Arial" pitchFamily="34" charset="0"/>
               </a:rPr>
-              <a:t>select  - offset n rows</a:t>
+              <a:t>select  - fetch first n rows with ties</a:t>
             </a:r>
             <a:endParaRPr lang="en-IN" sz="3200" i="1" dirty="0">
               <a:solidFill>
@@ -44840,10 +45328,10 @@
       </p:sp>
       <p:sp>
         <p:nvSpPr>
-          <p:cNvPr id="4" name="Rectangle 3">
+          <p:cNvPr id="2" name="Rectangle 1">
             <a:extLst>
               <a:ext uri="{FF2B5EF4-FFF2-40B4-BE49-F238E27FC236}">
-                <a16:creationId xmlns:a16="http://schemas.microsoft.com/office/drawing/2014/main" id="{4DE07311-5C6E-C3DA-4313-D0047B76F977}"/>
+                <a16:creationId xmlns:a16="http://schemas.microsoft.com/office/drawing/2014/main" id="{29828BD2-C0D2-F037-7CC7-FC6D0CAB438B}"/>
               </a:ext>
             </a:extLst>
           </p:cNvPr>
@@ -44853,7 +45341,7 @@
         <p:spPr>
           <a:xfrm>
             <a:off x="262558" y="583270"/>
-            <a:ext cx="11737304" cy="1706621"/>
+            <a:ext cx="11737304" cy="1244956"/>
           </a:xfrm>
           <a:prstGeom prst="rect">
             <a:avLst/>
@@ -44873,7 +45361,20 @@
                 <a:latin typeface="Liberation Mono"/>
                 <a:cs typeface="Arial" panose="020B0604020202020204" pitchFamily="34" charset="0"/>
               </a:rPr>
-              <a:t>SELECT </a:t>
+              <a:t>SELECT</a:t>
+            </a:r>
+            <a:r>
+              <a:rPr lang="en-US" sz="2000" dirty="0">
+                <a:solidFill>
+                  <a:schemeClr val="tx1">
+                    <a:lumMod val="95000"/>
+                    <a:lumOff val="5000"/>
+                  </a:schemeClr>
+                </a:solidFill>
+                <a:latin typeface="Liberation Mono"/>
+                <a:cs typeface="Arial" panose="020B0604020202020204" pitchFamily="34" charset="0"/>
+              </a:rPr>
+              <a:t> </a:t>
             </a:r>
             <a:r>
               <a:rPr lang="en-US" sz="2000" dirty="0">
@@ -44885,7 +45386,7 @@
                 <a:latin typeface="Liberation Mono"/>
                 <a:cs typeface="Arial" panose="020B0604020202020204" pitchFamily="34" charset="0"/>
               </a:rPr>
-              <a:t>. . . . . . </a:t>
+              <a:t>. . . . . .</a:t>
             </a:r>
             <a:r>
               <a:rPr lang="en-US" sz="2000" dirty="0">
@@ -44914,10 +45415,6 @@
             </a:endParaRPr>
           </a:p>
           <a:p>
-            <a:pPr marL="342900" indent="-342900">
-              <a:buFont typeface="Arial" panose="020B0604020202020204" pitchFamily="34" charset="0"/>
-              <a:buChar char="•"/>
-            </a:pPr>
             <a:r>
               <a:rPr lang="en-US" sz="2000" dirty="0">
                 <a:solidFill>
@@ -44929,7 +45426,7 @@
                 <a:latin typeface="Liberation Mono"/>
                 <a:cs typeface="Arial" panose="020B0604020202020204" pitchFamily="34" charset="0"/>
               </a:rPr>
-              <a:t>[ </a:t>
+              <a:t> [ </a:t>
             </a:r>
             <a:r>
               <a:rPr lang="en-US" sz="2000" dirty="0">
@@ -44981,12 +45478,10 @@
             </a:r>
           </a:p>
           <a:p>
-            <a:pPr marL="285750" indent="-285750">
+            <a:pPr>
               <a:lnSpc>
                 <a:spcPct val="150000"/>
               </a:lnSpc>
-              <a:buFont typeface="Arial" panose="020B0604020202020204" pitchFamily="34" charset="0"/>
-              <a:buChar char="•"/>
             </a:pPr>
             <a:r>
               <a:rPr lang="en-US" sz="2000" dirty="0">
@@ -45009,7 +45504,7 @@
                 <a:latin typeface="Liberation Mono"/>
                 <a:cs typeface="Arial" panose="020B0604020202020204" pitchFamily="34" charset="0"/>
               </a:rPr>
-              <a:t>OFFSET</a:t>
+              <a:t>FETCH</a:t>
             </a:r>
             <a:r>
               <a:rPr lang="en-US" sz="2000" dirty="0">
@@ -45022,17 +45517,18 @@
                 <a:latin typeface="Liberation Mono"/>
                 <a:cs typeface="Arial" panose="020B0604020202020204" pitchFamily="34" charset="0"/>
               </a:rPr>
-              <a:t> expression { ROW | ROWS } ]</a:t>
-            </a:r>
-          </a:p>
-          <a:p>
-            <a:pPr marL="285750" indent="-285750">
-              <a:lnSpc>
-                <a:spcPct val="150000"/>
-              </a:lnSpc>
-              <a:buFont typeface="Arial" panose="020B0604020202020204" pitchFamily="34" charset="0"/>
-              <a:buChar char="•"/>
-            </a:pPr>
+              <a:t> </a:t>
+            </a:r>
+            <a:r>
+              <a:rPr lang="en-US" sz="2000" dirty="0">
+                <a:solidFill>
+                  <a:srgbClr val="0077AA"/>
+                </a:solidFill>
+                <a:latin typeface="Liberation Mono"/>
+                <a:cs typeface="Arial" panose="020B0604020202020204" pitchFamily="34" charset="0"/>
+              </a:rPr>
+              <a:t>FIRST </a:t>
+            </a:r>
             <a:r>
               <a:rPr lang="en-US" sz="2000" dirty="0">
                 <a:solidFill>
@@ -45044,178 +45540,95 @@
                 <a:latin typeface="Liberation Mono"/>
                 <a:cs typeface="Arial" panose="020B0604020202020204" pitchFamily="34" charset="0"/>
               </a:rPr>
-              <a:t> [ </a:t>
-            </a:r>
-            <a:r>
-              <a:rPr lang="en-US" sz="2000" dirty="0">
-                <a:solidFill>
-                  <a:srgbClr val="0077AA"/>
-                </a:solidFill>
-                <a:latin typeface="Liberation Mono"/>
-                <a:cs typeface="Arial" panose="020B0604020202020204" pitchFamily="34" charset="0"/>
-              </a:rPr>
-              <a:t>FETCH</a:t>
-            </a:r>
-            <a:r>
-              <a:rPr lang="en-US" sz="2000" dirty="0">
-                <a:solidFill>
-                  <a:schemeClr val="tx1">
-                    <a:lumMod val="95000"/>
-                    <a:lumOff val="5000"/>
-                  </a:schemeClr>
-                </a:solidFill>
-                <a:latin typeface="Liberation Mono"/>
-                <a:cs typeface="Arial" panose="020B0604020202020204" pitchFamily="34" charset="0"/>
-              </a:rPr>
-              <a:t> </a:t>
-            </a:r>
-            <a:r>
-              <a:rPr lang="en-US" sz="2000" dirty="0">
-                <a:solidFill>
-                  <a:srgbClr val="0077AA"/>
-                </a:solidFill>
-                <a:latin typeface="Liberation Mono"/>
-                <a:cs typeface="Arial" panose="020B0604020202020204" pitchFamily="34" charset="0"/>
-              </a:rPr>
-              <a:t>FIRST</a:t>
-            </a:r>
-            <a:r>
-              <a:rPr lang="en-US" sz="2000" dirty="0">
-                <a:solidFill>
-                  <a:schemeClr val="tx1">
-                    <a:lumMod val="95000"/>
-                    <a:lumOff val="5000"/>
-                  </a:schemeClr>
-                </a:solidFill>
-                <a:latin typeface="Liberation Mono"/>
-                <a:cs typeface="Arial" panose="020B0604020202020204" pitchFamily="34" charset="0"/>
-              </a:rPr>
-              <a:t>	expression { </a:t>
-            </a:r>
-            <a:r>
-              <a:rPr lang="en-US" sz="2000" dirty="0">
-                <a:solidFill>
-                  <a:srgbClr val="0077AA"/>
-                </a:solidFill>
-                <a:latin typeface="Liberation Mono"/>
-                <a:cs typeface="Arial" panose="020B0604020202020204" pitchFamily="34" charset="0"/>
-              </a:rPr>
-              <a:t>ROW</a:t>
-            </a:r>
-            <a:r>
-              <a:rPr lang="en-US" sz="2000" dirty="0">
-                <a:solidFill>
-                  <a:schemeClr val="tx1">
-                    <a:lumMod val="95000"/>
-                    <a:lumOff val="5000"/>
-                  </a:schemeClr>
-                </a:solidFill>
-                <a:latin typeface="Liberation Mono"/>
-                <a:cs typeface="Arial" panose="020B0604020202020204" pitchFamily="34" charset="0"/>
-              </a:rPr>
-              <a:t> | </a:t>
-            </a:r>
-            <a:r>
-              <a:rPr lang="en-US" sz="2000" dirty="0">
-                <a:solidFill>
-                  <a:srgbClr val="0077AA"/>
-                </a:solidFill>
-                <a:latin typeface="Liberation Mono"/>
-                <a:cs typeface="Arial" panose="020B0604020202020204" pitchFamily="34" charset="0"/>
-              </a:rPr>
-              <a:t>ROWS</a:t>
-            </a:r>
-            <a:r>
-              <a:rPr lang="en-US" sz="2000" dirty="0">
-                <a:solidFill>
-                  <a:schemeClr val="tx1">
-                    <a:lumMod val="95000"/>
-                    <a:lumOff val="5000"/>
-                  </a:schemeClr>
-                </a:solidFill>
-                <a:latin typeface="Liberation Mono"/>
-                <a:cs typeface="Arial" panose="020B0604020202020204" pitchFamily="34" charset="0"/>
-              </a:rPr>
-              <a:t> } { </a:t>
-            </a:r>
-            <a:r>
-              <a:rPr lang="en-US" sz="2000" dirty="0">
-                <a:solidFill>
-                  <a:srgbClr val="0077AA"/>
-                </a:solidFill>
-                <a:latin typeface="Liberation Mono"/>
-                <a:cs typeface="Arial" panose="020B0604020202020204" pitchFamily="34" charset="0"/>
-              </a:rPr>
-              <a:t>ONLY</a:t>
-            </a:r>
-            <a:r>
-              <a:rPr lang="en-US" sz="2000" dirty="0">
-                <a:solidFill>
-                  <a:schemeClr val="tx1">
-                    <a:lumMod val="95000"/>
-                    <a:lumOff val="5000"/>
-                  </a:schemeClr>
-                </a:solidFill>
-                <a:latin typeface="Liberation Mono"/>
-                <a:cs typeface="Arial" panose="020B0604020202020204" pitchFamily="34" charset="0"/>
-              </a:rPr>
-              <a:t> | </a:t>
-            </a:r>
-            <a:r>
-              <a:rPr lang="en-US" sz="2000" dirty="0">
-                <a:solidFill>
-                  <a:srgbClr val="0077AA"/>
-                </a:solidFill>
-                <a:latin typeface="Liberation Mono"/>
-                <a:cs typeface="Arial" panose="020B0604020202020204" pitchFamily="34" charset="0"/>
-              </a:rPr>
-              <a:t>WITH</a:t>
-            </a:r>
-            <a:r>
-              <a:rPr lang="en-US" sz="2000" dirty="0">
-                <a:solidFill>
-                  <a:schemeClr val="tx1">
-                    <a:lumMod val="95000"/>
-                    <a:lumOff val="5000"/>
-                  </a:schemeClr>
-                </a:solidFill>
-                <a:latin typeface="Liberation Mono"/>
-                <a:cs typeface="Arial" panose="020B0604020202020204" pitchFamily="34" charset="0"/>
-              </a:rPr>
-              <a:t> </a:t>
-            </a:r>
-            <a:r>
-              <a:rPr lang="en-US" sz="2000" dirty="0">
-                <a:solidFill>
-                  <a:srgbClr val="0077AA"/>
-                </a:solidFill>
-                <a:latin typeface="Liberation Mono"/>
-                <a:cs typeface="Arial" panose="020B0604020202020204" pitchFamily="34" charset="0"/>
-              </a:rPr>
-              <a:t>TIES</a:t>
-            </a:r>
-            <a:r>
-              <a:rPr lang="en-US" sz="2000" dirty="0">
-                <a:solidFill>
-                  <a:schemeClr val="tx1">
-                    <a:lumMod val="95000"/>
-                    <a:lumOff val="5000"/>
-                  </a:schemeClr>
-                </a:solidFill>
-                <a:latin typeface="Liberation Mono"/>
-                <a:cs typeface="Arial" panose="020B0604020202020204" pitchFamily="34" charset="0"/>
-              </a:rPr>
-              <a:t> } ]</a:t>
+              <a:t>expression { ROW | ROWS } { ONLY | WITH TIES } ]</a:t>
             </a:r>
           </a:p>
         </p:txBody>
       </p:sp>
       <p:sp>
         <p:nvSpPr>
-          <p:cNvPr id="6" name="TextBox 5">
+          <p:cNvPr id="4" name="Rectangle 3">
             <a:extLst>
               <a:ext uri="{FF2B5EF4-FFF2-40B4-BE49-F238E27FC236}">
-                <a16:creationId xmlns:a16="http://schemas.microsoft.com/office/drawing/2014/main" id="{38B75C6F-235D-0E22-742A-C67039CDEA80}"/>
+                <a16:creationId xmlns:a16="http://schemas.microsoft.com/office/drawing/2014/main" id="{DC23CB35-DBF1-DA04-FB4C-91369FEAAB5F}"/>
+              </a:ext>
+            </a:extLst>
+          </p:cNvPr>
+          <p:cNvSpPr/>
+          <p:nvPr/>
+        </p:nvSpPr>
+        <p:spPr>
+          <a:xfrm>
+            <a:off x="303539" y="5356373"/>
+            <a:ext cx="11737304" cy="1384995"/>
+          </a:xfrm>
+          <a:prstGeom prst="rect">
+            <a:avLst/>
+          </a:prstGeom>
+          <a:solidFill>
+            <a:schemeClr val="bg1"/>
+          </a:solidFill>
+        </p:spPr>
+        <p:txBody>
+          <a:bodyPr wrap="square">
+            <a:spAutoFit/>
+          </a:bodyPr>
+          <a:lstStyle/>
+          <a:p>
+            <a:r>
+              <a:rPr lang="en-IN" sz="2200" dirty="0">
+                <a:solidFill>
+                  <a:srgbClr val="FF0000"/>
+                </a:solidFill>
+                <a:latin typeface="Arial" panose="020B0604020202020204" pitchFamily="34" charset="0"/>
+                <a:cs typeface="Arial" panose="020B0604020202020204" pitchFamily="34" charset="0"/>
+              </a:rPr>
+              <a:t>Remember:</a:t>
+            </a:r>
+            <a:endParaRPr lang="en-IN" sz="800" dirty="0">
+              <a:solidFill>
+                <a:srgbClr val="FF0000"/>
+              </a:solidFill>
+              <a:latin typeface="Arial" panose="020B0604020202020204" pitchFamily="34" charset="0"/>
+              <a:ea typeface="Calibri" panose="020F0502020204030204" pitchFamily="34" charset="0"/>
+              <a:cs typeface="Arial" panose="020B0604020202020204" pitchFamily="34" charset="0"/>
+            </a:endParaRPr>
+          </a:p>
+          <a:p>
+            <a:endParaRPr lang="en-IN" sz="800" dirty="0">
+              <a:solidFill>
+                <a:srgbClr val="FF0000"/>
+              </a:solidFill>
+              <a:latin typeface="Arial" panose="020B0604020202020204" pitchFamily="34" charset="0"/>
+              <a:ea typeface="Calibri" panose="020F0502020204030204" pitchFamily="34" charset="0"/>
+              <a:cs typeface="Arial" panose="020B0604020202020204" pitchFamily="34" charset="0"/>
+            </a:endParaRPr>
+          </a:p>
+          <a:p>
+            <a:pPr marL="285750" indent="-285750">
+              <a:buFont typeface="Arial" panose="020B0604020202020204" pitchFamily="34" charset="0"/>
+              <a:buChar char="•"/>
+            </a:pPr>
+            <a:r>
+              <a:rPr lang="en-US" dirty="0">
+                <a:latin typeface="Arial" panose="020B0604020202020204" pitchFamily="34" charset="0"/>
+                <a:cs typeface="Arial" panose="020B0604020202020204" pitchFamily="34" charset="0"/>
+              </a:rPr>
+              <a:t>The WITH TIES returns additional rows with the same sort key as the last row fetched. Note that if you use WITH TIES, you must specify an ORDER BY clause in the query. If you don’t, the query will not return the additional rows.</a:t>
+            </a:r>
+            <a:endParaRPr lang="en-IN" dirty="0">
+              <a:latin typeface="Arial" panose="020B0604020202020204" pitchFamily="34" charset="0"/>
+              <a:cs typeface="Arial" panose="020B0604020202020204" pitchFamily="34" charset="0"/>
+            </a:endParaRPr>
+          </a:p>
+        </p:txBody>
+      </p:sp>
+      <p:sp>
+        <p:nvSpPr>
+          <p:cNvPr id="3" name="TextBox 2">
+            <a:extLst>
+              <a:ext uri="{FF2B5EF4-FFF2-40B4-BE49-F238E27FC236}">
+                <a16:creationId xmlns:a16="http://schemas.microsoft.com/office/drawing/2014/main" id="{48DC216C-B5BE-3B13-C889-14A1D18AE322}"/>
               </a:ext>
             </a:extLst>
           </p:cNvPr>
@@ -45224,8 +45637,8 @@
         </p:nvSpPr>
         <p:spPr>
           <a:xfrm>
-            <a:off x="262558" y="2520000"/>
-            <a:ext cx="11526016" cy="2800767"/>
+            <a:off x="262558" y="2160000"/>
+            <a:ext cx="11526016" cy="1107996"/>
           </a:xfrm>
           <a:prstGeom prst="rect">
             <a:avLst/>
@@ -45300,7 +45713,65 @@
                 <a:latin typeface="Liberation Mono"/>
                 <a:cs typeface="Arial" panose="020B0604020202020204" pitchFamily="34" charset="0"/>
               </a:rPr>
-              <a:t>OFFSET </a:t>
+              <a:t>ORDER</a:t>
+            </a:r>
+            <a:r>
+              <a:rPr lang="en-US" dirty="0">
+                <a:latin typeface="Liberation Mono"/>
+                <a:cs typeface="Arial" panose="020B0604020202020204" pitchFamily="34" charset="0"/>
+              </a:rPr>
+              <a:t> </a:t>
+            </a:r>
+            <a:r>
+              <a:rPr lang="en-US" dirty="0">
+                <a:solidFill>
+                  <a:srgbClr val="0077AA"/>
+                </a:solidFill>
+                <a:latin typeface="Liberation Mono"/>
+                <a:cs typeface="Arial" panose="020B0604020202020204" pitchFamily="34" charset="0"/>
+              </a:rPr>
+              <a:t>BY</a:t>
+            </a:r>
+            <a:r>
+              <a:rPr lang="en-US" dirty="0">
+                <a:latin typeface="Liberation Mono"/>
+                <a:cs typeface="Arial" panose="020B0604020202020204" pitchFamily="34" charset="0"/>
+              </a:rPr>
+              <a:t> job </a:t>
+            </a:r>
+            <a:r>
+              <a:rPr lang="en-US" dirty="0">
+                <a:solidFill>
+                  <a:srgbClr val="0077AA"/>
+                </a:solidFill>
+                <a:latin typeface="Liberation Mono"/>
+                <a:cs typeface="Arial" panose="020B0604020202020204" pitchFamily="34" charset="0"/>
+              </a:rPr>
+              <a:t>FETCH</a:t>
+            </a:r>
+            <a:r>
+              <a:rPr lang="en-US" dirty="0">
+                <a:latin typeface="Liberation Mono"/>
+                <a:cs typeface="Arial" panose="020B0604020202020204" pitchFamily="34" charset="0"/>
+              </a:rPr>
+              <a:t> </a:t>
+            </a:r>
+            <a:r>
+              <a:rPr lang="en-US" dirty="0">
+                <a:solidFill>
+                  <a:srgbClr val="0077AA"/>
+                </a:solidFill>
+                <a:latin typeface="Liberation Mono"/>
+                <a:cs typeface="Arial" panose="020B0604020202020204" pitchFamily="34" charset="0"/>
+              </a:rPr>
+              <a:t>FIRST</a:t>
+            </a:r>
+            <a:r>
+              <a:rPr lang="en-US" dirty="0">
+                <a:latin typeface="Liberation Mono"/>
+                <a:cs typeface="Arial" panose="020B0604020202020204" pitchFamily="34" charset="0"/>
+              </a:rPr>
+              <a:t> </a:t>
             </a:r>
             <a:r>
               <a:rPr lang="en-US" dirty="0">
@@ -45309,7 +45780,14 @@
                 </a:solidFill>
                 <a:latin typeface="Liberation Mono"/>
               </a:rPr>
-              <a:t>2</a:t>
+              <a:t>4</a:t>
+            </a:r>
+            <a:r>
+              <a:rPr lang="en-US" dirty="0">
+                <a:latin typeface="Liberation Mono"/>
+                <a:cs typeface="Arial" panose="020B0604020202020204" pitchFamily="34" charset="0"/>
+              </a:rPr>
+              <a:t> </a:t>
             </a:r>
             <a:r>
               <a:rPr lang="en-US" dirty="0">
@@ -45319,7 +45797,7 @@
                 <a:latin typeface="Liberation Mono"/>
                 <a:cs typeface="Arial" panose="020B0604020202020204" pitchFamily="34" charset="0"/>
               </a:rPr>
-              <a:t> ROWS</a:t>
+              <a:t>ROWS</a:t>
             </a:r>
             <a:r>
               <a:rPr lang="en-US" dirty="0">
@@ -45336,7 +45814,7 @@
                 <a:latin typeface="Liberation Mono"/>
                 <a:cs typeface="Arial" panose="020B0604020202020204" pitchFamily="34" charset="0"/>
               </a:rPr>
-              <a:t>FETCH</a:t>
+              <a:t>WITH</a:t>
             </a:r>
             <a:r>
               <a:rPr lang="en-US" dirty="0">
@@ -45353,64 +45831,24 @@
                 <a:latin typeface="Liberation Mono"/>
                 <a:cs typeface="Arial" panose="020B0604020202020204" pitchFamily="34" charset="0"/>
               </a:rPr>
-              <a:t>FIRST</a:t>
-            </a:r>
-            <a:r>
-              <a:rPr lang="en-US" dirty="0">
-                <a:latin typeface="Liberation Mono"/>
-                <a:cs typeface="Arial" panose="020B0604020202020204" pitchFamily="34" charset="0"/>
-              </a:rPr>
-              <a:t> </a:t>
-            </a:r>
-            <a:r>
-              <a:rPr lang="en-US" dirty="0">
-                <a:solidFill>
-                  <a:srgbClr val="990055"/>
-                </a:solidFill>
-                <a:latin typeface="Liberation Mono"/>
-              </a:rPr>
-              <a:t>4</a:t>
-            </a:r>
-            <a:r>
-              <a:rPr lang="en-US" dirty="0">
-                <a:latin typeface="Liberation Mono"/>
-                <a:cs typeface="Arial" panose="020B0604020202020204" pitchFamily="34" charset="0"/>
-              </a:rPr>
-              <a:t> </a:t>
-            </a:r>
-            <a:r>
-              <a:rPr lang="en-US" dirty="0">
-                <a:solidFill>
-                  <a:srgbClr val="0077AA"/>
-                </a:solidFill>
-                <a:latin typeface="Liberation Mono"/>
-                <a:cs typeface="Arial" panose="020B0604020202020204" pitchFamily="34" charset="0"/>
-              </a:rPr>
-              <a:t>ROWS</a:t>
-            </a:r>
-            <a:r>
-              <a:rPr lang="en-US" dirty="0">
-                <a:latin typeface="Liberation Mono"/>
-                <a:cs typeface="Arial" panose="020B0604020202020204" pitchFamily="34" charset="0"/>
-              </a:rPr>
-              <a:t> </a:t>
-            </a:r>
-            <a:r>
-              <a:rPr lang="en-US" dirty="0">
-                <a:solidFill>
-                  <a:srgbClr val="0077AA"/>
-                </a:solidFill>
-                <a:latin typeface="Liberation Mono"/>
-                <a:cs typeface="Arial" panose="020B0604020202020204" pitchFamily="34" charset="0"/>
-              </a:rPr>
-              <a:t>ONLY</a:t>
-            </a:r>
-            <a:r>
-              <a:rPr lang="en-US" dirty="0">
-                <a:latin typeface="Liberation Mono"/>
-                <a:cs typeface="Arial" panose="020B0604020202020204" pitchFamily="34" charset="0"/>
-              </a:rPr>
-              <a:t>;</a:t>
+              <a:t>TIES</a:t>
+            </a:r>
+            <a:r>
+              <a:rPr lang="en-US" dirty="0">
+                <a:latin typeface="Liberation Mono"/>
+                <a:cs typeface="Arial" panose="020B0604020202020204" pitchFamily="34" charset="0"/>
+              </a:rPr>
+              <a:t>; </a:t>
+            </a:r>
+            <a:r>
+              <a:rPr lang="en-US" dirty="0">
+                <a:solidFill>
+                  <a:srgbClr val="39AE0A"/>
+                </a:solidFill>
+                <a:latin typeface="Liberation Mono"/>
+                <a:cs typeface="Arial" panose="020B0604020202020204" pitchFamily="34" charset="0"/>
+              </a:rPr>
+              <a:t>// with duplicates</a:t>
             </a:r>
           </a:p>
           <a:p>
@@ -45418,7 +45856,7 @@
               <a:buFont typeface="Arial" panose="020B0604020202020204" pitchFamily="34" charset="0"/>
               <a:buChar char="•"/>
             </a:pPr>
-            <a:endParaRPr lang="en-US" dirty="0">
+            <a:endParaRPr lang="en-US" sz="600" dirty="0">
               <a:solidFill>
                 <a:srgbClr val="39AE0A"/>
               </a:solidFill>
@@ -45427,18 +45865,6 @@
             </a:endParaRPr>
           </a:p>
           <a:p>
-            <a:r>
-              <a:rPr lang="en-US" sz="2000" b="1" i="1" dirty="0">
-                <a:latin typeface="Liberation Mono"/>
-              </a:rPr>
-              <a:t>To print the last record</a:t>
-            </a:r>
-            <a:endParaRPr lang="en-US" sz="2000" b="1" i="1" dirty="0">
-              <a:latin typeface="Liberation Mono"/>
-              <a:cs typeface="Arial" panose="020B0604020202020204" pitchFamily="34" charset="0"/>
-            </a:endParaRPr>
-          </a:p>
-          <a:p>
             <a:pPr marL="285750" indent="-285750">
               <a:buFont typeface="Arial" panose="020B0604020202020204" pitchFamily="34" charset="0"/>
               <a:buChar char="•"/>
@@ -45462,71 +45888,18 @@
             <a:r>
               <a:rPr lang="en-US" dirty="0">
                 <a:solidFill>
-                  <a:srgbClr val="0077AA"/>
-                </a:solidFill>
-                <a:latin typeface="Liberation Mono"/>
-                <a:cs typeface="Arial" panose="020B0604020202020204" pitchFamily="34" charset="0"/>
-              </a:rPr>
-              <a:t>SELECT</a:t>
-            </a:r>
-            <a:r>
-              <a:rPr lang="en-US" dirty="0">
-                <a:latin typeface="Liberation Mono"/>
-              </a:rPr>
-              <a:t> </a:t>
-            </a:r>
-            <a:r>
-              <a:rPr lang="en-US" dirty="0">
-                <a:solidFill>
-                  <a:srgbClr val="803A69"/>
-                </a:solidFill>
-                <a:latin typeface="Liberation Mono"/>
-              </a:rPr>
-              <a:t>COUNT</a:t>
-            </a:r>
-            <a:r>
-              <a:rPr lang="en-US" dirty="0">
-                <a:latin typeface="Liberation Mono"/>
-              </a:rPr>
-              <a:t>(*) - </a:t>
-            </a:r>
-            <a:r>
-              <a:rPr lang="en-US" dirty="0">
-                <a:solidFill>
                   <a:srgbClr val="990055"/>
                 </a:solidFill>
                 <a:latin typeface="Liberation Mono"/>
               </a:rPr>
-              <a:t>1</a:t>
-            </a:r>
-            <a:r>
-              <a:rPr lang="en-US" dirty="0">
-                <a:latin typeface="Liberation Mono"/>
-              </a:rPr>
-              <a:t> </a:t>
-            </a:r>
-            <a:r>
-              <a:rPr lang="en-US" dirty="0">
-                <a:solidFill>
-                  <a:srgbClr val="0077AA"/>
-                </a:solidFill>
-                <a:latin typeface="Liberation Mono"/>
-                <a:cs typeface="Arial" panose="020B0604020202020204" pitchFamily="34" charset="0"/>
-              </a:rPr>
-              <a:t>FROM</a:t>
-            </a:r>
-            <a:r>
-              <a:rPr lang="en-US" dirty="0">
-                <a:latin typeface="Liberation Mono"/>
-              </a:rPr>
-              <a:t> emp; </a:t>
-            </a:r>
-            <a:endParaRPr lang="en-US" b="1" dirty="0">
-              <a:solidFill>
-                <a:srgbClr val="C00000"/>
-              </a:solidFill>
-              <a:latin typeface="Liberation Mono"/>
-            </a:endParaRPr>
+              <a:t>4</a:t>
+            </a:r>
+            <a:r>
+              <a:rPr lang="en-US" dirty="0">
+                <a:latin typeface="Liberation Mono"/>
+              </a:rPr>
+              <a:t>;</a:t>
+            </a:r>
           </a:p>
           <a:p>
             <a:pPr marL="285750" indent="-285750">
@@ -45581,6 +45954,22 @@
                 <a:latin typeface="Liberation Mono"/>
                 <a:cs typeface="Arial" panose="020B0604020202020204" pitchFamily="34" charset="0"/>
               </a:rPr>
+              <a:t>EXCEPT</a:t>
+            </a:r>
+            <a:r>
+              <a:rPr lang="en-US" dirty="0">
+                <a:latin typeface="Liberation Mono"/>
+              </a:rPr>
+              <a:t>(`user name`, pwd) </a:t>
+            </a:r>
+            <a:r>
+              <a:rPr lang="en-US" dirty="0">
+                <a:solidFill>
+                  <a:srgbClr val="0077AA"/>
+                </a:solidFill>
+                <a:latin typeface="Liberation Mono"/>
+                <a:cs typeface="Arial" panose="020B0604020202020204" pitchFamily="34" charset="0"/>
+              </a:rPr>
               <a:t>FROM</a:t>
             </a:r>
             <a:r>
@@ -45597,7 +45986,55 @@
                 <a:latin typeface="Liberation Mono"/>
                 <a:cs typeface="Arial" panose="020B0604020202020204" pitchFamily="34" charset="0"/>
               </a:rPr>
-              <a:t>OFFSET</a:t>
+              <a:t>ORDER</a:t>
+            </a:r>
+            <a:r>
+              <a:rPr lang="en-US" dirty="0">
+                <a:latin typeface="Liberation Mono"/>
+              </a:rPr>
+              <a:t> </a:t>
+            </a:r>
+            <a:r>
+              <a:rPr lang="en-US" dirty="0">
+                <a:solidFill>
+                  <a:srgbClr val="0077AA"/>
+                </a:solidFill>
+                <a:latin typeface="Liberation Mono"/>
+                <a:cs typeface="Arial" panose="020B0604020202020204" pitchFamily="34" charset="0"/>
+              </a:rPr>
+              <a:t>BY</a:t>
+            </a:r>
+            <a:r>
+              <a:rPr lang="en-US" dirty="0">
+                <a:latin typeface="Liberation Mono"/>
+              </a:rPr>
+              <a:t> job </a:t>
+            </a:r>
+            <a:r>
+              <a:rPr lang="en-US" dirty="0">
+                <a:solidFill>
+                  <a:srgbClr val="0077AA"/>
+                </a:solidFill>
+                <a:latin typeface="Liberation Mono"/>
+                <a:cs typeface="Arial" panose="020B0604020202020204" pitchFamily="34" charset="0"/>
+              </a:rPr>
+              <a:t>FETCH</a:t>
+            </a:r>
+            <a:r>
+              <a:rPr lang="en-US" dirty="0">
+                <a:latin typeface="Liberation Mono"/>
+              </a:rPr>
+              <a:t> </a:t>
+            </a:r>
+            <a:r>
+              <a:rPr lang="en-US" dirty="0">
+                <a:solidFill>
+                  <a:srgbClr val="0077AA"/>
+                </a:solidFill>
+                <a:latin typeface="Liberation Mono"/>
+                <a:cs typeface="Arial" panose="020B0604020202020204" pitchFamily="34" charset="0"/>
+              </a:rPr>
+              <a:t>FIRST</a:t>
             </a:r>
             <a:r>
               <a:rPr lang="en-US" dirty="0">
@@ -45613,7 +46050,7 @@
                 <a:latin typeface="Liberation Mono"/>
                 <a:cs typeface="Arial" panose="020B0604020202020204" pitchFamily="34" charset="0"/>
               </a:rPr>
-              <a:t>ROW</a:t>
+              <a:t>ROWS</a:t>
             </a:r>
             <a:r>
               <a:rPr lang="en-US" dirty="0">
@@ -45629,7 +46066,7 @@
                 <a:latin typeface="Liberation Mono"/>
                 <a:cs typeface="Arial" panose="020B0604020202020204" pitchFamily="34" charset="0"/>
               </a:rPr>
-              <a:t>FETCH</a:t>
+              <a:t>WITH</a:t>
             </a:r>
             <a:r>
               <a:rPr lang="en-US" dirty="0">
@@ -45645,111 +46082,7 @@
                 <a:latin typeface="Liberation Mono"/>
                 <a:cs typeface="Arial" panose="020B0604020202020204" pitchFamily="34" charset="0"/>
               </a:rPr>
-              <a:t>FIRST</a:t>
-            </a:r>
-            <a:r>
-              <a:rPr lang="en-US" dirty="0">
-                <a:latin typeface="Liberation Mono"/>
-              </a:rPr>
-              <a:t> </a:t>
-            </a:r>
-            <a:r>
-              <a:rPr lang="en-US" dirty="0">
-                <a:solidFill>
-                  <a:srgbClr val="990055"/>
-                </a:solidFill>
-                <a:latin typeface="Liberation Mono"/>
-              </a:rPr>
-              <a:t>1</a:t>
-            </a:r>
-            <a:r>
-              <a:rPr lang="en-US" dirty="0">
-                <a:latin typeface="Liberation Mono"/>
-              </a:rPr>
-              <a:t> </a:t>
-            </a:r>
-            <a:r>
-              <a:rPr lang="en-US" dirty="0">
-                <a:solidFill>
-                  <a:srgbClr val="0077AA"/>
-                </a:solidFill>
-                <a:latin typeface="Liberation Mono"/>
-                <a:cs typeface="Arial" panose="020B0604020202020204" pitchFamily="34" charset="0"/>
-              </a:rPr>
-              <a:t>ROW</a:t>
-            </a:r>
-            <a:r>
-              <a:rPr lang="en-US" dirty="0">
-                <a:latin typeface="Liberation Mono"/>
-              </a:rPr>
-              <a:t> </a:t>
-            </a:r>
-            <a:r>
-              <a:rPr lang="en-US" dirty="0">
-                <a:solidFill>
-                  <a:srgbClr val="0077AA"/>
-                </a:solidFill>
-                <a:latin typeface="Liberation Mono"/>
-                <a:cs typeface="Arial" panose="020B0604020202020204" pitchFamily="34" charset="0"/>
-              </a:rPr>
-              <a:t>ONLY</a:t>
-            </a:r>
-            <a:r>
-              <a:rPr lang="en-US" dirty="0">
-                <a:latin typeface="Liberation Mono"/>
-              </a:rPr>
-              <a:t>;</a:t>
-            </a:r>
-          </a:p>
-          <a:p>
-            <a:pPr marL="285750" indent="-285750">
-              <a:buFont typeface="Arial" panose="020B0604020202020204" pitchFamily="34" charset="0"/>
-              <a:buChar char="•"/>
-            </a:pPr>
-            <a:endParaRPr lang="en-US" dirty="0">
-              <a:latin typeface="Liberation Mono"/>
-            </a:endParaRPr>
-          </a:p>
-          <a:p>
-            <a:r>
-              <a:rPr lang="en-US" sz="1800" b="1" i="1" dirty="0">
-                <a:latin typeface="Liberation Mono"/>
-              </a:rPr>
-              <a:t>To print 8 rows after leaving first 4 rows</a:t>
-            </a:r>
-            <a:endParaRPr lang="en-US" b="1" i="1" dirty="0">
-              <a:latin typeface="Liberation Mono"/>
-            </a:endParaRPr>
-          </a:p>
-          <a:p>
-            <a:pPr marL="285750" indent="-285750">
-              <a:buFont typeface="Arial" panose="020B0604020202020204" pitchFamily="34" charset="0"/>
-              <a:buChar char="•"/>
-            </a:pPr>
-            <a:r>
-              <a:rPr lang="en-US" dirty="0">
-                <a:solidFill>
-                  <a:srgbClr val="0077AA"/>
-                </a:solidFill>
-                <a:latin typeface="Liberation Mono"/>
-                <a:cs typeface="Arial" panose="020B0604020202020204" pitchFamily="34" charset="0"/>
-              </a:rPr>
-              <a:t>SET</a:t>
-            </a:r>
-            <a:r>
-              <a:rPr lang="en-US" dirty="0">
-                <a:latin typeface="Liberation Mono"/>
-              </a:rPr>
-              <a:t> @X = </a:t>
-            </a:r>
-            <a:r>
-              <a:rPr lang="en-US" dirty="0">
-                <a:solidFill>
-                  <a:srgbClr val="990055"/>
-                </a:solidFill>
-                <a:latin typeface="Liberation Mono"/>
-              </a:rPr>
-              <a:t>4</a:t>
+              <a:t>TIES</a:t>
             </a:r>
             <a:r>
               <a:rPr lang="en-US" dirty="0">
@@ -45760,213 +46093,12 @@
             <a:r>
               <a:rPr lang="en-US" dirty="0">
                 <a:solidFill>
-                  <a:srgbClr val="0077AA"/>
-                </a:solidFill>
-                <a:latin typeface="Liberation Mono"/>
-                <a:cs typeface="Arial" panose="020B0604020202020204" pitchFamily="34" charset="0"/>
-              </a:rPr>
-              <a:t>SET</a:t>
-            </a:r>
-            <a:r>
-              <a:rPr lang="en-US" dirty="0">
-                <a:latin typeface="Liberation Mono"/>
-              </a:rPr>
-              <a:t> @Y = </a:t>
-            </a:r>
-            <a:r>
-              <a:rPr lang="en-US" dirty="0">
-                <a:solidFill>
-                  <a:srgbClr val="990055"/>
-                </a:solidFill>
-                <a:latin typeface="Liberation Mono"/>
-              </a:rPr>
-              <a:t>8</a:t>
-            </a:r>
-            <a:r>
-              <a:rPr lang="en-US" dirty="0">
-                <a:latin typeface="Liberation Mono"/>
-              </a:rPr>
-              <a:t>;</a:t>
-            </a:r>
-            <a:endParaRPr lang="en-US" dirty="0">
-              <a:solidFill>
-                <a:srgbClr val="990055"/>
-              </a:solidFill>
-              <a:latin typeface="Liberation Mono"/>
-            </a:endParaRPr>
-          </a:p>
-          <a:p>
-            <a:pPr marL="285750" indent="-285750">
-              <a:buFont typeface="Arial" panose="020B0604020202020204" pitchFamily="34" charset="0"/>
-              <a:buChar char="•"/>
-            </a:pPr>
-            <a:endParaRPr lang="en-US" sz="600" dirty="0">
-              <a:latin typeface="Liberation Mono"/>
-            </a:endParaRPr>
-          </a:p>
-          <a:p>
-            <a:pPr marL="285750" indent="-285750">
-              <a:buFont typeface="Arial" panose="020B0604020202020204" pitchFamily="34" charset="0"/>
-              <a:buChar char="•"/>
-            </a:pPr>
-            <a:r>
-              <a:rPr lang="en-US" dirty="0">
-                <a:solidFill>
-                  <a:srgbClr val="0077AA"/>
-                </a:solidFill>
-                <a:latin typeface="Liberation Mono"/>
-                <a:cs typeface="Arial" panose="020B0604020202020204" pitchFamily="34" charset="0"/>
-              </a:rPr>
-              <a:t>SELECT </a:t>
-            </a:r>
-            <a:r>
-              <a:rPr lang="en-US" dirty="0">
-                <a:solidFill>
-                  <a:srgbClr val="803A69"/>
-                </a:solidFill>
-                <a:latin typeface="Liberation Mono"/>
-              </a:rPr>
-              <a:t>ROWNUM</a:t>
-            </a:r>
-            <a:r>
-              <a:rPr lang="en-US" dirty="0">
-                <a:latin typeface="Liberation Mono"/>
-                <a:cs typeface="Arial" panose="020B0604020202020204" pitchFamily="34" charset="0"/>
-              </a:rPr>
-              <a:t>(),</a:t>
-            </a:r>
-            <a:r>
-              <a:rPr lang="en-US" dirty="0">
-                <a:latin typeface="Liberation Mono"/>
-              </a:rPr>
-              <a:t> </a:t>
-            </a:r>
-            <a:r>
-              <a:rPr lang="en-US" dirty="0">
-                <a:solidFill>
-                  <a:srgbClr val="A67F59"/>
-                </a:solidFill>
-                <a:latin typeface="Liberation Mono"/>
-              </a:rPr>
-              <a:t>*</a:t>
-            </a:r>
-            <a:r>
-              <a:rPr lang="en-US" dirty="0">
-                <a:latin typeface="Liberation Mono"/>
-              </a:rPr>
-              <a:t> </a:t>
-            </a:r>
-            <a:r>
-              <a:rPr lang="en-US" dirty="0">
-                <a:solidFill>
-                  <a:srgbClr val="0077AA"/>
-                </a:solidFill>
-                <a:latin typeface="Liberation Mono"/>
-                <a:cs typeface="Arial" panose="020B0604020202020204" pitchFamily="34" charset="0"/>
-              </a:rPr>
-              <a:t>FROM</a:t>
-            </a:r>
-            <a:r>
-              <a:rPr lang="en-US" dirty="0">
-                <a:latin typeface="Liberation Mono"/>
-              </a:rPr>
-              <a:t> emp </a:t>
-            </a:r>
-            <a:r>
-              <a:rPr lang="en-US" dirty="0">
-                <a:solidFill>
-                  <a:srgbClr val="0077AA"/>
-                </a:solidFill>
-                <a:latin typeface="Liberation Mono"/>
-                <a:cs typeface="Arial" panose="020B0604020202020204" pitchFamily="34" charset="0"/>
-              </a:rPr>
-              <a:t>OFFSET</a:t>
-            </a:r>
-            <a:r>
-              <a:rPr lang="en-US" dirty="0">
-                <a:latin typeface="Liberation Mono"/>
-              </a:rPr>
-              <a:t> @X </a:t>
-            </a:r>
-            <a:r>
-              <a:rPr lang="en-US" dirty="0">
-                <a:solidFill>
-                  <a:srgbClr val="0077AA"/>
-                </a:solidFill>
-                <a:latin typeface="Liberation Mono"/>
-                <a:cs typeface="Arial" panose="020B0604020202020204" pitchFamily="34" charset="0"/>
-              </a:rPr>
-              <a:t>ROW</a:t>
-            </a:r>
-            <a:r>
-              <a:rPr lang="en-US" dirty="0">
-                <a:latin typeface="Liberation Mono"/>
-              </a:rPr>
-              <a:t> </a:t>
-            </a:r>
-            <a:r>
-              <a:rPr lang="en-US" dirty="0">
-                <a:solidFill>
-                  <a:srgbClr val="0077AA"/>
-                </a:solidFill>
-                <a:latin typeface="Liberation Mono"/>
-                <a:cs typeface="Arial" panose="020B0604020202020204" pitchFamily="34" charset="0"/>
-              </a:rPr>
-              <a:t>FETCH</a:t>
-            </a:r>
-            <a:r>
-              <a:rPr lang="en-US" dirty="0">
-                <a:latin typeface="Liberation Mono"/>
-              </a:rPr>
-              <a:t> </a:t>
-            </a:r>
-            <a:r>
-              <a:rPr lang="en-US" dirty="0">
-                <a:solidFill>
-                  <a:srgbClr val="0077AA"/>
-                </a:solidFill>
-                <a:latin typeface="Liberation Mono"/>
-                <a:cs typeface="Arial" panose="020B0604020202020204" pitchFamily="34" charset="0"/>
-              </a:rPr>
-              <a:t>FIRST</a:t>
-            </a:r>
-            <a:r>
-              <a:rPr lang="en-US" dirty="0">
-                <a:latin typeface="Liberation Mono"/>
-              </a:rPr>
-              <a:t> @Y </a:t>
-            </a:r>
-            <a:r>
-              <a:rPr lang="en-US" dirty="0">
-                <a:solidFill>
-                  <a:srgbClr val="0077AA"/>
-                </a:solidFill>
-                <a:latin typeface="Liberation Mono"/>
-                <a:cs typeface="Arial" panose="020B0604020202020204" pitchFamily="34" charset="0"/>
-              </a:rPr>
-              <a:t>ROW</a:t>
-            </a:r>
-            <a:r>
-              <a:rPr lang="en-US" dirty="0">
-                <a:latin typeface="Liberation Mono"/>
-              </a:rPr>
-              <a:t> </a:t>
-            </a:r>
-            <a:r>
-              <a:rPr lang="en-US" dirty="0">
-                <a:solidFill>
-                  <a:srgbClr val="0077AA"/>
-                </a:solidFill>
-                <a:latin typeface="Liberation Mono"/>
-                <a:cs typeface="Arial" panose="020B0604020202020204" pitchFamily="34" charset="0"/>
-              </a:rPr>
-              <a:t>ONLY</a:t>
-            </a:r>
-            <a:r>
-              <a:rPr lang="en-US" dirty="0">
-                <a:latin typeface="Liberation Mono"/>
-              </a:rPr>
-              <a:t>;</a:t>
+                  <a:srgbClr val="39AE0A"/>
+                </a:solidFill>
+                <a:latin typeface="Liberation Mono"/>
+                <a:cs typeface="Arial" panose="020B0604020202020204" pitchFamily="34" charset="0"/>
+              </a:rPr>
+              <a:t>// with duplicates</a:t>
             </a:r>
             <a:endParaRPr lang="en-IN" dirty="0">
               <a:latin typeface="Liberation Mono"/>
@@ -45977,7 +46109,7 @@
     </p:spTree>
     <p:extLst>
       <p:ext uri="{BB962C8B-B14F-4D97-AF65-F5344CB8AC3E}">
-        <p14:creationId xmlns:p14="http://schemas.microsoft.com/office/powerpoint/2010/main" val="2346975358"/>
+        <p14:creationId xmlns:p14="http://schemas.microsoft.com/office/powerpoint/2010/main" val="3131046414"/>
       </p:ext>
     </p:extLst>
   </p:cSld>
